--- a/06_md_observable/simulation06.pptx
+++ b/06_md_observable/simulation06.pptx
@@ -5,11 +5,14 @@
     <p:sldMasterId id="2147483665" r:id="rId1"/>
   </p:sldMasterIdLst>
   <p:notesMasterIdLst>
-    <p:notesMasterId r:id="rId4"/>
+    <p:notesMasterId r:id="rId7"/>
   </p:notesMasterIdLst>
   <p:sldIdLst>
     <p:sldId id="256" r:id="rId2"/>
     <p:sldId id="339" r:id="rId3"/>
+    <p:sldId id="340" r:id="rId4"/>
+    <p:sldId id="341" r:id="rId5"/>
+    <p:sldId id="342" r:id="rId6"/>
   </p:sldIdLst>
   <p:sldSz cx="9144000" cy="6858000" type="screen4x3"/>
   <p:notesSz cx="6858000" cy="9144000"/>
@@ -1564,6 +1567,1494 @@
     <p:extLst>
       <p:ext uri="{BB962C8B-B14F-4D97-AF65-F5344CB8AC3E}">
         <p14:creationId xmlns:p14="http://schemas.microsoft.com/office/powerpoint/2010/main" val="2660997395"/>
+      </p:ext>
+    </p:extLst>
+  </p:cSld>
+  <p:clrMapOvr>
+    <a:masterClrMapping/>
+  </p:clrMapOvr>
+</p:sld>
+</file>
+
+<file path=ppt/slides/slide3.xml><?xml version="1.0" encoding="utf-8"?>
+<p:sld xmlns:a="http://schemas.openxmlformats.org/drawingml/2006/main" xmlns:r="http://schemas.openxmlformats.org/officeDocument/2006/relationships" xmlns:p="http://schemas.openxmlformats.org/presentationml/2006/main">
+  <p:cSld>
+    <p:spTree>
+      <p:nvGrpSpPr>
+        <p:cNvPr id="1" name=""/>
+        <p:cNvGrpSpPr/>
+        <p:nvPr/>
+      </p:nvGrpSpPr>
+      <p:grpSpPr>
+        <a:xfrm>
+          <a:off x="0" y="0"/>
+          <a:ext cx="0" cy="0"/>
+          <a:chOff x="0" y="0"/>
+          <a:chExt cx="0" cy="0"/>
+        </a:xfrm>
+      </p:grpSpPr>
+      <p:sp>
+        <p:nvSpPr>
+          <p:cNvPr id="2" name="テキスト プレースホルダー 1">
+            <a:extLst>
+              <a:ext uri="{FF2B5EF4-FFF2-40B4-BE49-F238E27FC236}">
+                <a16:creationId xmlns:a16="http://schemas.microsoft.com/office/drawing/2014/main" id="{DC75EF1A-B5AA-4738-97B8-744B1F7ABFA7}"/>
+              </a:ext>
+            </a:extLst>
+          </p:cNvPr>
+          <p:cNvSpPr>
+            <a:spLocks noGrp="1"/>
+          </p:cNvSpPr>
+          <p:nvPr>
+            <p:ph type="body" sz="quarter" idx="10"/>
+          </p:nvPr>
+        </p:nvSpPr>
+        <p:spPr/>
+        <p:txBody>
+          <a:bodyPr/>
+          <a:lstStyle/>
+          <a:p>
+            <a:r>
+              <a:rPr lang="ja-JP" altLang="en-US" dirty="0"/>
+              <a:t>温度とは何か</a:t>
+            </a:r>
+            <a:endParaRPr kumimoji="1" lang="ja-JP" altLang="en-US" dirty="0"/>
+          </a:p>
+        </p:txBody>
+      </p:sp>
+      <p:pic>
+        <p:nvPicPr>
+          <p:cNvPr id="1026" name="Picture 2" descr="寒気・悪寒のイラスト（女性）">
+            <a:extLst>
+              <a:ext uri="{FF2B5EF4-FFF2-40B4-BE49-F238E27FC236}">
+                <a16:creationId xmlns:a16="http://schemas.microsoft.com/office/drawing/2014/main" id="{D08B16E2-EC45-4DCE-8D92-70DED81C0458}"/>
+              </a:ext>
+            </a:extLst>
+          </p:cNvPr>
+          <p:cNvPicPr>
+            <a:picLocks noChangeAspect="1" noChangeArrowheads="1"/>
+          </p:cNvPicPr>
+          <p:nvPr/>
+        </p:nvPicPr>
+        <p:blipFill>
+          <a:blip r:embed="rId2">
+            <a:extLst>
+              <a:ext uri="{28A0092B-C50C-407E-A947-70E740481C1C}">
+                <a14:useLocalDpi xmlns:a14="http://schemas.microsoft.com/office/drawing/2010/main" val="0"/>
+              </a:ext>
+            </a:extLst>
+          </a:blip>
+          <a:srcRect/>
+          <a:stretch>
+            <a:fillRect/>
+          </a:stretch>
+        </p:blipFill>
+        <p:spPr bwMode="auto">
+          <a:xfrm>
+            <a:off x="395536" y="1844824"/>
+            <a:ext cx="1736541" cy="2049016"/>
+          </a:xfrm>
+          <a:prstGeom prst="rect">
+            <a:avLst/>
+          </a:prstGeom>
+          <a:noFill/>
+          <a:extLst>
+            <a:ext uri="{909E8E84-426E-40DD-AFC4-6F175D3DCCD1}">
+              <a14:hiddenFill xmlns:a14="http://schemas.microsoft.com/office/drawing/2010/main">
+                <a:solidFill>
+                  <a:srgbClr val="FFFFFF"/>
+                </a:solidFill>
+              </a14:hiddenFill>
+            </a:ext>
+          </a:extLst>
+        </p:spPr>
+      </p:pic>
+      <p:pic>
+        <p:nvPicPr>
+          <p:cNvPr id="1028" name="Picture 4" descr="お風呂のイラスト「お父さんと息子」">
+            <a:extLst>
+              <a:ext uri="{FF2B5EF4-FFF2-40B4-BE49-F238E27FC236}">
+                <a16:creationId xmlns:a16="http://schemas.microsoft.com/office/drawing/2014/main" id="{DE8CF3A0-36B7-4B7C-AEE2-8330353EC48B}"/>
+              </a:ext>
+            </a:extLst>
+          </p:cNvPr>
+          <p:cNvPicPr>
+            <a:picLocks noChangeAspect="1" noChangeArrowheads="1"/>
+          </p:cNvPicPr>
+          <p:nvPr/>
+        </p:nvPicPr>
+        <p:blipFill>
+          <a:blip r:embed="rId3">
+            <a:extLst>
+              <a:ext uri="{28A0092B-C50C-407E-A947-70E740481C1C}">
+                <a14:useLocalDpi xmlns:a14="http://schemas.microsoft.com/office/drawing/2010/main" val="0"/>
+              </a:ext>
+            </a:extLst>
+          </a:blip>
+          <a:srcRect/>
+          <a:stretch>
+            <a:fillRect/>
+          </a:stretch>
+        </p:blipFill>
+        <p:spPr bwMode="auto">
+          <a:xfrm>
+            <a:off x="2915816" y="1844824"/>
+            <a:ext cx="2278098" cy="2198365"/>
+          </a:xfrm>
+          <a:prstGeom prst="rect">
+            <a:avLst/>
+          </a:prstGeom>
+          <a:noFill/>
+          <a:extLst>
+            <a:ext uri="{909E8E84-426E-40DD-AFC4-6F175D3DCCD1}">
+              <a14:hiddenFill xmlns:a14="http://schemas.microsoft.com/office/drawing/2010/main">
+                <a:solidFill>
+                  <a:srgbClr val="FFFFFF"/>
+                </a:solidFill>
+              </a14:hiddenFill>
+            </a:ext>
+          </a:extLst>
+        </p:spPr>
+      </p:pic>
+      <p:pic>
+        <p:nvPicPr>
+          <p:cNvPr id="1030" name="Picture 6" descr="アイロンのイラスト">
+            <a:extLst>
+              <a:ext uri="{FF2B5EF4-FFF2-40B4-BE49-F238E27FC236}">
+                <a16:creationId xmlns:a16="http://schemas.microsoft.com/office/drawing/2014/main" id="{AA970D79-0E6B-4F5E-9187-4E6A07A9D70D}"/>
+              </a:ext>
+            </a:extLst>
+          </p:cNvPr>
+          <p:cNvPicPr>
+            <a:picLocks noChangeAspect="1" noChangeArrowheads="1"/>
+          </p:cNvPicPr>
+          <p:nvPr/>
+        </p:nvPicPr>
+        <p:blipFill>
+          <a:blip r:embed="rId4" cstate="print">
+            <a:extLst>
+              <a:ext uri="{28A0092B-C50C-407E-A947-70E740481C1C}">
+                <a14:useLocalDpi xmlns:a14="http://schemas.microsoft.com/office/drawing/2010/main" val="0"/>
+              </a:ext>
+            </a:extLst>
+          </a:blip>
+          <a:srcRect/>
+          <a:stretch>
+            <a:fillRect/>
+          </a:stretch>
+        </p:blipFill>
+        <p:spPr bwMode="auto">
+          <a:xfrm rot="8100000" flipV="1">
+            <a:off x="5551567" y="2875899"/>
+            <a:ext cx="1369121" cy="690037"/>
+          </a:xfrm>
+          <a:prstGeom prst="rect">
+            <a:avLst/>
+          </a:prstGeom>
+          <a:noFill/>
+          <a:extLst>
+            <a:ext uri="{909E8E84-426E-40DD-AFC4-6F175D3DCCD1}">
+              <a14:hiddenFill xmlns:a14="http://schemas.microsoft.com/office/drawing/2010/main">
+                <a:solidFill>
+                  <a:srgbClr val="FFFFFF"/>
+                </a:solidFill>
+              </a14:hiddenFill>
+            </a:ext>
+          </a:extLst>
+        </p:spPr>
+      </p:pic>
+      <p:pic>
+        <p:nvPicPr>
+          <p:cNvPr id="1032" name="Picture 8" descr="やけどのイラスト（女性）">
+            <a:extLst>
+              <a:ext uri="{FF2B5EF4-FFF2-40B4-BE49-F238E27FC236}">
+                <a16:creationId xmlns:a16="http://schemas.microsoft.com/office/drawing/2014/main" id="{E91FE0BF-FFE4-4454-A999-B1E3548F3F61}"/>
+              </a:ext>
+            </a:extLst>
+          </p:cNvPr>
+          <p:cNvPicPr>
+            <a:picLocks noChangeAspect="1" noChangeArrowheads="1"/>
+          </p:cNvPicPr>
+          <p:nvPr/>
+        </p:nvPicPr>
+        <p:blipFill>
+          <a:blip r:embed="rId5">
+            <a:extLst>
+              <a:ext uri="{28A0092B-C50C-407E-A947-70E740481C1C}">
+                <a14:useLocalDpi xmlns:a14="http://schemas.microsoft.com/office/drawing/2010/main" val="0"/>
+              </a:ext>
+            </a:extLst>
+          </a:blip>
+          <a:srcRect/>
+          <a:stretch>
+            <a:fillRect/>
+          </a:stretch>
+        </p:blipFill>
+        <p:spPr bwMode="auto">
+          <a:xfrm>
+            <a:off x="6660232" y="2132856"/>
+            <a:ext cx="1751383" cy="1641922"/>
+          </a:xfrm>
+          <a:prstGeom prst="rect">
+            <a:avLst/>
+          </a:prstGeom>
+          <a:noFill/>
+          <a:extLst>
+            <a:ext uri="{909E8E84-426E-40DD-AFC4-6F175D3DCCD1}">
+              <a14:hiddenFill xmlns:a14="http://schemas.microsoft.com/office/drawing/2010/main">
+                <a:solidFill>
+                  <a:srgbClr val="FFFFFF"/>
+                </a:solidFill>
+              </a14:hiddenFill>
+            </a:ext>
+          </a:extLst>
+        </p:spPr>
+      </p:pic>
+      <p:sp>
+        <p:nvSpPr>
+          <p:cNvPr id="3" name="テキスト ボックス 2">
+            <a:extLst>
+              <a:ext uri="{FF2B5EF4-FFF2-40B4-BE49-F238E27FC236}">
+                <a16:creationId xmlns:a16="http://schemas.microsoft.com/office/drawing/2014/main" id="{40CE10AE-558C-4E39-938E-9E8AD39A884F}"/>
+              </a:ext>
+            </a:extLst>
+          </p:cNvPr>
+          <p:cNvSpPr txBox="1"/>
+          <p:nvPr/>
+        </p:nvSpPr>
+        <p:spPr>
+          <a:xfrm>
+            <a:off x="655692" y="1124744"/>
+            <a:ext cx="1107996" cy="461665"/>
+          </a:xfrm>
+          <a:prstGeom prst="rect">
+            <a:avLst/>
+          </a:prstGeom>
+          <a:noFill/>
+        </p:spPr>
+        <p:txBody>
+          <a:bodyPr wrap="none" rtlCol="0">
+            <a:spAutoFit/>
+          </a:bodyPr>
+          <a:lstStyle/>
+          <a:p>
+            <a:r>
+              <a:rPr lang="ja-JP" altLang="en-US" sz="2400" dirty="0"/>
+              <a:t>肌寒い</a:t>
+            </a:r>
+            <a:endParaRPr kumimoji="1" lang="ja-JP" altLang="en-US" sz="2400" dirty="0"/>
+          </a:p>
+        </p:txBody>
+      </p:sp>
+      <p:sp>
+        <p:nvSpPr>
+          <p:cNvPr id="8" name="テキスト ボックス 7">
+            <a:extLst>
+              <a:ext uri="{FF2B5EF4-FFF2-40B4-BE49-F238E27FC236}">
+                <a16:creationId xmlns:a16="http://schemas.microsoft.com/office/drawing/2014/main" id="{6B66359A-284A-4AD2-9963-23D02AB91902}"/>
+              </a:ext>
+            </a:extLst>
+          </p:cNvPr>
+          <p:cNvSpPr txBox="1"/>
+          <p:nvPr/>
+        </p:nvSpPr>
+        <p:spPr>
+          <a:xfrm>
+            <a:off x="2987824" y="1167135"/>
+            <a:ext cx="2339102" cy="461665"/>
+          </a:xfrm>
+          <a:prstGeom prst="rect">
+            <a:avLst/>
+          </a:prstGeom>
+          <a:noFill/>
+        </p:spPr>
+        <p:txBody>
+          <a:bodyPr wrap="none" rtlCol="0">
+            <a:spAutoFit/>
+          </a:bodyPr>
+          <a:lstStyle/>
+          <a:p>
+            <a:r>
+              <a:rPr lang="ja-JP" altLang="en-US" sz="2400" dirty="0"/>
+              <a:t>お風呂がぬるい</a:t>
+            </a:r>
+            <a:endParaRPr kumimoji="1" lang="ja-JP" altLang="en-US" sz="2400" dirty="0"/>
+          </a:p>
+        </p:txBody>
+      </p:sp>
+      <p:sp>
+        <p:nvSpPr>
+          <p:cNvPr id="9" name="テキスト ボックス 8">
+            <a:extLst>
+              <a:ext uri="{FF2B5EF4-FFF2-40B4-BE49-F238E27FC236}">
+                <a16:creationId xmlns:a16="http://schemas.microsoft.com/office/drawing/2014/main" id="{96F44244-2482-4578-97ED-AD78A21DDB37}"/>
+              </a:ext>
+            </a:extLst>
+          </p:cNvPr>
+          <p:cNvSpPr txBox="1"/>
+          <p:nvPr/>
+        </p:nvSpPr>
+        <p:spPr>
+          <a:xfrm>
+            <a:off x="6012160" y="1196752"/>
+            <a:ext cx="2339102" cy="461665"/>
+          </a:xfrm>
+          <a:prstGeom prst="rect">
+            <a:avLst/>
+          </a:prstGeom>
+          <a:noFill/>
+        </p:spPr>
+        <p:txBody>
+          <a:bodyPr wrap="none" rtlCol="0">
+            <a:spAutoFit/>
+          </a:bodyPr>
+          <a:lstStyle/>
+          <a:p>
+            <a:r>
+              <a:rPr lang="ja-JP" altLang="en-US" sz="2400" dirty="0"/>
+              <a:t>アイロンが熱い</a:t>
+            </a:r>
+            <a:endParaRPr kumimoji="1" lang="ja-JP" altLang="en-US" sz="2400" dirty="0"/>
+          </a:p>
+        </p:txBody>
+      </p:sp>
+      <p:sp>
+        <p:nvSpPr>
+          <p:cNvPr id="4" name="テキスト ボックス 3">
+            <a:extLst>
+              <a:ext uri="{FF2B5EF4-FFF2-40B4-BE49-F238E27FC236}">
+                <a16:creationId xmlns:a16="http://schemas.microsoft.com/office/drawing/2014/main" id="{F2F17954-A333-4BFE-9680-A422C5D1C4F9}"/>
+              </a:ext>
+            </a:extLst>
+          </p:cNvPr>
+          <p:cNvSpPr txBox="1"/>
+          <p:nvPr/>
+        </p:nvSpPr>
+        <p:spPr>
+          <a:xfrm>
+            <a:off x="323528" y="4293096"/>
+            <a:ext cx="1723549" cy="461665"/>
+          </a:xfrm>
+          <a:prstGeom prst="rect">
+            <a:avLst/>
+          </a:prstGeom>
+          <a:noFill/>
+        </p:spPr>
+        <p:txBody>
+          <a:bodyPr wrap="none" rtlCol="0">
+            <a:spAutoFit/>
+          </a:bodyPr>
+          <a:lstStyle/>
+          <a:p>
+            <a:r>
+              <a:rPr lang="ja-JP" altLang="en-US" sz="2400" dirty="0"/>
+              <a:t>気体の温度</a:t>
+            </a:r>
+            <a:endParaRPr kumimoji="1" lang="ja-JP" altLang="en-US" sz="2400" dirty="0"/>
+          </a:p>
+        </p:txBody>
+      </p:sp>
+      <p:sp>
+        <p:nvSpPr>
+          <p:cNvPr id="11" name="テキスト ボックス 10">
+            <a:extLst>
+              <a:ext uri="{FF2B5EF4-FFF2-40B4-BE49-F238E27FC236}">
+                <a16:creationId xmlns:a16="http://schemas.microsoft.com/office/drawing/2014/main" id="{9F0DC60D-FBF9-412B-9FC9-3617BAF7265F}"/>
+              </a:ext>
+            </a:extLst>
+          </p:cNvPr>
+          <p:cNvSpPr txBox="1"/>
+          <p:nvPr/>
+        </p:nvSpPr>
+        <p:spPr>
+          <a:xfrm>
+            <a:off x="3347864" y="4293096"/>
+            <a:ext cx="1723549" cy="461665"/>
+          </a:xfrm>
+          <a:prstGeom prst="rect">
+            <a:avLst/>
+          </a:prstGeom>
+          <a:noFill/>
+        </p:spPr>
+        <p:txBody>
+          <a:bodyPr wrap="none" rtlCol="0">
+            <a:spAutoFit/>
+          </a:bodyPr>
+          <a:lstStyle/>
+          <a:p>
+            <a:r>
+              <a:rPr lang="ja-JP" altLang="en-US" sz="2400" dirty="0"/>
+              <a:t>液体の温度</a:t>
+            </a:r>
+            <a:endParaRPr kumimoji="1" lang="ja-JP" altLang="en-US" sz="2400" dirty="0"/>
+          </a:p>
+        </p:txBody>
+      </p:sp>
+      <p:sp>
+        <p:nvSpPr>
+          <p:cNvPr id="12" name="テキスト ボックス 11">
+            <a:extLst>
+              <a:ext uri="{FF2B5EF4-FFF2-40B4-BE49-F238E27FC236}">
+                <a16:creationId xmlns:a16="http://schemas.microsoft.com/office/drawing/2014/main" id="{C3B7D6C3-CDE9-4AF3-9346-09FEB3B3BC63}"/>
+              </a:ext>
+            </a:extLst>
+          </p:cNvPr>
+          <p:cNvSpPr txBox="1"/>
+          <p:nvPr/>
+        </p:nvSpPr>
+        <p:spPr>
+          <a:xfrm>
+            <a:off x="6156176" y="4293096"/>
+            <a:ext cx="2031325" cy="461665"/>
+          </a:xfrm>
+          <a:prstGeom prst="rect">
+            <a:avLst/>
+          </a:prstGeom>
+          <a:noFill/>
+        </p:spPr>
+        <p:txBody>
+          <a:bodyPr wrap="none" rtlCol="0">
+            <a:spAutoFit/>
+          </a:bodyPr>
+          <a:lstStyle/>
+          <a:p>
+            <a:r>
+              <a:rPr lang="ja-JP" altLang="en-US" sz="2400" dirty="0"/>
+              <a:t>固液体の温度</a:t>
+            </a:r>
+            <a:endParaRPr kumimoji="1" lang="ja-JP" altLang="en-US" sz="2400" dirty="0"/>
+          </a:p>
+        </p:txBody>
+      </p:sp>
+      <p:pic>
+        <p:nvPicPr>
+          <p:cNvPr id="1034" name="Picture 10" descr="いろいろな温度の温度計のイラスト3">
+            <a:extLst>
+              <a:ext uri="{FF2B5EF4-FFF2-40B4-BE49-F238E27FC236}">
+                <a16:creationId xmlns:a16="http://schemas.microsoft.com/office/drawing/2014/main" id="{84CD56DF-750A-4B0B-9ABF-540A3DF55AB1}"/>
+              </a:ext>
+            </a:extLst>
+          </p:cNvPr>
+          <p:cNvPicPr>
+            <a:picLocks noChangeAspect="1" noChangeArrowheads="1"/>
+          </p:cNvPicPr>
+          <p:nvPr/>
+        </p:nvPicPr>
+        <p:blipFill>
+          <a:blip r:embed="rId6">
+            <a:extLst>
+              <a:ext uri="{28A0092B-C50C-407E-A947-70E740481C1C}">
+                <a14:useLocalDpi xmlns:a14="http://schemas.microsoft.com/office/drawing/2010/main" val="0"/>
+              </a:ext>
+            </a:extLst>
+          </a:blip>
+          <a:srcRect/>
+          <a:stretch>
+            <a:fillRect/>
+          </a:stretch>
+        </p:blipFill>
+        <p:spPr bwMode="auto">
+          <a:xfrm rot="1800000">
+            <a:off x="663461" y="5028657"/>
+            <a:ext cx="769540" cy="1565925"/>
+          </a:xfrm>
+          <a:prstGeom prst="rect">
+            <a:avLst/>
+          </a:prstGeom>
+          <a:noFill/>
+          <a:extLst>
+            <a:ext uri="{909E8E84-426E-40DD-AFC4-6F175D3DCCD1}">
+              <a14:hiddenFill xmlns:a14="http://schemas.microsoft.com/office/drawing/2010/main">
+                <a:solidFill>
+                  <a:srgbClr val="FFFFFF"/>
+                </a:solidFill>
+              </a14:hiddenFill>
+            </a:ext>
+          </a:extLst>
+        </p:spPr>
+      </p:pic>
+      <p:sp>
+        <p:nvSpPr>
+          <p:cNvPr id="5" name="テキスト ボックス 4">
+            <a:extLst>
+              <a:ext uri="{FF2B5EF4-FFF2-40B4-BE49-F238E27FC236}">
+                <a16:creationId xmlns:a16="http://schemas.microsoft.com/office/drawing/2014/main" id="{B4E3348F-FB26-4B8A-B9E6-6CF6BA968E67}"/>
+              </a:ext>
+            </a:extLst>
+          </p:cNvPr>
+          <p:cNvSpPr txBox="1"/>
+          <p:nvPr/>
+        </p:nvSpPr>
+        <p:spPr>
+          <a:xfrm>
+            <a:off x="1691680" y="5517232"/>
+            <a:ext cx="6955750" cy="830997"/>
+          </a:xfrm>
+          <a:prstGeom prst="rect">
+            <a:avLst/>
+          </a:prstGeom>
+          <a:noFill/>
+        </p:spPr>
+        <p:txBody>
+          <a:bodyPr wrap="none" rtlCol="0">
+            <a:spAutoFit/>
+          </a:bodyPr>
+          <a:lstStyle/>
+          <a:p>
+            <a:r>
+              <a:rPr kumimoji="1" lang="ja-JP" altLang="en-US" sz="2400" dirty="0"/>
+              <a:t>これら全てに共通する「温度」とはなんだろう？</a:t>
+            </a:r>
+            <a:endParaRPr kumimoji="1" lang="en-US" altLang="ja-JP" sz="2400" dirty="0"/>
+          </a:p>
+          <a:p>
+            <a:r>
+              <a:rPr lang="ja-JP" altLang="en-US" sz="2400" dirty="0"/>
+              <a:t>どうやって数値化しているのだろう？</a:t>
+            </a:r>
+            <a:endParaRPr kumimoji="1" lang="ja-JP" altLang="en-US" sz="2400" dirty="0"/>
+          </a:p>
+        </p:txBody>
+      </p:sp>
+    </p:spTree>
+    <p:extLst>
+      <p:ext uri="{BB962C8B-B14F-4D97-AF65-F5344CB8AC3E}">
+        <p14:creationId xmlns:p14="http://schemas.microsoft.com/office/powerpoint/2010/main" val="1702260590"/>
+      </p:ext>
+    </p:extLst>
+  </p:cSld>
+  <p:clrMapOvr>
+    <a:masterClrMapping/>
+  </p:clrMapOvr>
+</p:sld>
+</file>
+
+<file path=ppt/slides/slide4.xml><?xml version="1.0" encoding="utf-8"?>
+<p:sld xmlns:a="http://schemas.openxmlformats.org/drawingml/2006/main" xmlns:r="http://schemas.openxmlformats.org/officeDocument/2006/relationships" xmlns:p="http://schemas.openxmlformats.org/presentationml/2006/main">
+  <p:cSld>
+    <p:spTree>
+      <p:nvGrpSpPr>
+        <p:cNvPr id="1" name=""/>
+        <p:cNvGrpSpPr/>
+        <p:nvPr/>
+      </p:nvGrpSpPr>
+      <p:grpSpPr>
+        <a:xfrm>
+          <a:off x="0" y="0"/>
+          <a:ext cx="0" cy="0"/>
+          <a:chOff x="0" y="0"/>
+          <a:chExt cx="0" cy="0"/>
+        </a:xfrm>
+      </p:grpSpPr>
+      <p:sp>
+        <p:nvSpPr>
+          <p:cNvPr id="2" name="テキスト プレースホルダー 1">
+            <a:extLst>
+              <a:ext uri="{FF2B5EF4-FFF2-40B4-BE49-F238E27FC236}">
+                <a16:creationId xmlns:a16="http://schemas.microsoft.com/office/drawing/2014/main" id="{1A4ADD5D-A24A-416C-AC18-6D72C2D8B7A4}"/>
+              </a:ext>
+            </a:extLst>
+          </p:cNvPr>
+          <p:cNvSpPr>
+            <a:spLocks noGrp="1"/>
+          </p:cNvSpPr>
+          <p:nvPr>
+            <p:ph type="body" sz="quarter" idx="10"/>
+          </p:nvPr>
+        </p:nvSpPr>
+        <p:spPr/>
+        <p:txBody>
+          <a:bodyPr/>
+          <a:lstStyle/>
+          <a:p>
+            <a:r>
+              <a:rPr lang="ja-JP" altLang="en-US" dirty="0"/>
+              <a:t>温度の測り方</a:t>
+            </a:r>
+            <a:endParaRPr kumimoji="1" lang="ja-JP" altLang="en-US" dirty="0"/>
+          </a:p>
+        </p:txBody>
+      </p:sp>
+      <p:pic>
+        <p:nvPicPr>
+          <p:cNvPr id="3" name="Picture 10" descr="いろいろな温度の温度計のイラスト3">
+            <a:extLst>
+              <a:ext uri="{FF2B5EF4-FFF2-40B4-BE49-F238E27FC236}">
+                <a16:creationId xmlns:a16="http://schemas.microsoft.com/office/drawing/2014/main" id="{3FB3B638-9C3D-474D-92EE-A080DB58239A}"/>
+              </a:ext>
+            </a:extLst>
+          </p:cNvPr>
+          <p:cNvPicPr>
+            <a:picLocks noChangeAspect="1" noChangeArrowheads="1"/>
+          </p:cNvPicPr>
+          <p:nvPr/>
+        </p:nvPicPr>
+        <p:blipFill>
+          <a:blip r:embed="rId2">
+            <a:extLst>
+              <a:ext uri="{28A0092B-C50C-407E-A947-70E740481C1C}">
+                <a14:useLocalDpi xmlns:a14="http://schemas.microsoft.com/office/drawing/2010/main" val="0"/>
+              </a:ext>
+            </a:extLst>
+          </a:blip>
+          <a:srcRect/>
+          <a:stretch>
+            <a:fillRect/>
+          </a:stretch>
+        </p:blipFill>
+        <p:spPr bwMode="auto">
+          <a:xfrm rot="1800000">
+            <a:off x="807475" y="996208"/>
+            <a:ext cx="769540" cy="1565925"/>
+          </a:xfrm>
+          <a:prstGeom prst="rect">
+            <a:avLst/>
+          </a:prstGeom>
+          <a:noFill/>
+          <a:extLst>
+            <a:ext uri="{909E8E84-426E-40DD-AFC4-6F175D3DCCD1}">
+              <a14:hiddenFill xmlns:a14="http://schemas.microsoft.com/office/drawing/2010/main">
+                <a:solidFill>
+                  <a:srgbClr val="FFFFFF"/>
+                </a:solidFill>
+              </a14:hiddenFill>
+            </a:ext>
+          </a:extLst>
+        </p:spPr>
+      </p:pic>
+      <p:sp>
+        <p:nvSpPr>
+          <p:cNvPr id="4" name="テキスト ボックス 3">
+            <a:extLst>
+              <a:ext uri="{FF2B5EF4-FFF2-40B4-BE49-F238E27FC236}">
+                <a16:creationId xmlns:a16="http://schemas.microsoft.com/office/drawing/2014/main" id="{DAD2250A-A163-43EC-9CE1-E851D0E63155}"/>
+              </a:ext>
+            </a:extLst>
+          </p:cNvPr>
+          <p:cNvSpPr txBox="1"/>
+          <p:nvPr/>
+        </p:nvSpPr>
+        <p:spPr>
+          <a:xfrm>
+            <a:off x="2300536" y="1268760"/>
+            <a:ext cx="2339102" cy="523220"/>
+          </a:xfrm>
+          <a:prstGeom prst="rect">
+            <a:avLst/>
+          </a:prstGeom>
+          <a:noFill/>
+        </p:spPr>
+        <p:txBody>
+          <a:bodyPr wrap="none" rtlCol="0">
+            <a:spAutoFit/>
+          </a:bodyPr>
+          <a:lstStyle/>
+          <a:p>
+            <a:r>
+              <a:rPr kumimoji="1" lang="ja-JP" altLang="en-US" sz="2800" dirty="0">
+                <a:solidFill>
+                  <a:srgbClr val="011893"/>
+                </a:solidFill>
+              </a:rPr>
+              <a:t>ガラス温度計</a:t>
+            </a:r>
+          </a:p>
+        </p:txBody>
+      </p:sp>
+      <p:sp>
+        <p:nvSpPr>
+          <p:cNvPr id="5" name="テキスト ボックス 4">
+            <a:extLst>
+              <a:ext uri="{FF2B5EF4-FFF2-40B4-BE49-F238E27FC236}">
+                <a16:creationId xmlns:a16="http://schemas.microsoft.com/office/drawing/2014/main" id="{D86D15A5-E3F6-4FA8-99C8-B28CFA4FCE03}"/>
+              </a:ext>
+            </a:extLst>
+          </p:cNvPr>
+          <p:cNvSpPr txBox="1"/>
+          <p:nvPr/>
+        </p:nvSpPr>
+        <p:spPr>
+          <a:xfrm>
+            <a:off x="2339752" y="1772816"/>
+            <a:ext cx="4493538" cy="523220"/>
+          </a:xfrm>
+          <a:prstGeom prst="rect">
+            <a:avLst/>
+          </a:prstGeom>
+          <a:noFill/>
+        </p:spPr>
+        <p:txBody>
+          <a:bodyPr wrap="none" rtlCol="0">
+            <a:spAutoFit/>
+          </a:bodyPr>
+          <a:lstStyle/>
+          <a:p>
+            <a:r>
+              <a:rPr kumimoji="1" lang="ja-JP" altLang="en-US" sz="2800" dirty="0"/>
+              <a:t>液体の膨張による体積変化</a:t>
+            </a:r>
+          </a:p>
+        </p:txBody>
+      </p:sp>
+      <p:pic>
+        <p:nvPicPr>
+          <p:cNvPr id="2050" name="Picture 2" descr="温度計・湿度計のイラスト">
+            <a:extLst>
+              <a:ext uri="{FF2B5EF4-FFF2-40B4-BE49-F238E27FC236}">
+                <a16:creationId xmlns:a16="http://schemas.microsoft.com/office/drawing/2014/main" id="{A57777FE-EB9C-456D-B4DF-44D9DD00848C}"/>
+              </a:ext>
+            </a:extLst>
+          </p:cNvPr>
+          <p:cNvPicPr>
+            <a:picLocks noChangeAspect="1" noChangeArrowheads="1"/>
+          </p:cNvPicPr>
+          <p:nvPr/>
+        </p:nvPicPr>
+        <p:blipFill>
+          <a:blip r:embed="rId3" cstate="print">
+            <a:extLst>
+              <a:ext uri="{28A0092B-C50C-407E-A947-70E740481C1C}">
+                <a14:useLocalDpi xmlns:a14="http://schemas.microsoft.com/office/drawing/2010/main" val="0"/>
+              </a:ext>
+            </a:extLst>
+          </a:blip>
+          <a:srcRect/>
+          <a:stretch>
+            <a:fillRect/>
+          </a:stretch>
+        </p:blipFill>
+        <p:spPr bwMode="auto">
+          <a:xfrm>
+            <a:off x="467544" y="2996952"/>
+            <a:ext cx="1616968" cy="1616968"/>
+          </a:xfrm>
+          <a:prstGeom prst="rect">
+            <a:avLst/>
+          </a:prstGeom>
+          <a:noFill/>
+          <a:extLst>
+            <a:ext uri="{909E8E84-426E-40DD-AFC4-6F175D3DCCD1}">
+              <a14:hiddenFill xmlns:a14="http://schemas.microsoft.com/office/drawing/2010/main">
+                <a:solidFill>
+                  <a:srgbClr val="FFFFFF"/>
+                </a:solidFill>
+              </a14:hiddenFill>
+            </a:ext>
+          </a:extLst>
+        </p:spPr>
+      </p:pic>
+      <p:sp>
+        <p:nvSpPr>
+          <p:cNvPr id="8" name="テキスト ボックス 7">
+            <a:extLst>
+              <a:ext uri="{FF2B5EF4-FFF2-40B4-BE49-F238E27FC236}">
+                <a16:creationId xmlns:a16="http://schemas.microsoft.com/office/drawing/2014/main" id="{A57C2AAF-16B0-4E36-8F03-66974A815E4D}"/>
+              </a:ext>
+            </a:extLst>
+          </p:cNvPr>
+          <p:cNvSpPr txBox="1"/>
+          <p:nvPr/>
+        </p:nvSpPr>
+        <p:spPr>
+          <a:xfrm>
+            <a:off x="2444552" y="3068960"/>
+            <a:ext cx="4374916" cy="523220"/>
+          </a:xfrm>
+          <a:prstGeom prst="rect">
+            <a:avLst/>
+          </a:prstGeom>
+          <a:noFill/>
+        </p:spPr>
+        <p:txBody>
+          <a:bodyPr wrap="none" rtlCol="0">
+            <a:spAutoFit/>
+          </a:bodyPr>
+          <a:lstStyle/>
+          <a:p>
+            <a:r>
+              <a:rPr kumimoji="1" lang="ja-JP" altLang="en-US" sz="2800" dirty="0">
+                <a:solidFill>
+                  <a:srgbClr val="011893"/>
+                </a:solidFill>
+              </a:rPr>
+              <a:t>温湿度計</a:t>
+            </a:r>
+            <a:r>
+              <a:rPr kumimoji="1" lang="en-US" altLang="ja-JP" sz="2800" dirty="0">
+                <a:solidFill>
+                  <a:srgbClr val="011893"/>
+                </a:solidFill>
+              </a:rPr>
+              <a:t>(</a:t>
+            </a:r>
+            <a:r>
+              <a:rPr kumimoji="1" lang="ja-JP" altLang="en-US" sz="2800" dirty="0">
+                <a:solidFill>
+                  <a:srgbClr val="011893"/>
+                </a:solidFill>
+              </a:rPr>
+              <a:t>バイメタル方式</a:t>
+            </a:r>
+            <a:r>
+              <a:rPr kumimoji="1" lang="en-US" altLang="ja-JP" sz="2800" dirty="0">
+                <a:solidFill>
+                  <a:srgbClr val="011893"/>
+                </a:solidFill>
+              </a:rPr>
+              <a:t>)</a:t>
+            </a:r>
+            <a:endParaRPr kumimoji="1" lang="ja-JP" altLang="en-US" sz="2800" dirty="0">
+              <a:solidFill>
+                <a:srgbClr val="011893"/>
+              </a:solidFill>
+            </a:endParaRPr>
+          </a:p>
+        </p:txBody>
+      </p:sp>
+      <p:sp>
+        <p:nvSpPr>
+          <p:cNvPr id="9" name="テキスト ボックス 8">
+            <a:extLst>
+              <a:ext uri="{FF2B5EF4-FFF2-40B4-BE49-F238E27FC236}">
+                <a16:creationId xmlns:a16="http://schemas.microsoft.com/office/drawing/2014/main" id="{235CD837-A943-49CA-9484-D6203E27413E}"/>
+              </a:ext>
+            </a:extLst>
+          </p:cNvPr>
+          <p:cNvSpPr txBox="1"/>
+          <p:nvPr/>
+        </p:nvSpPr>
+        <p:spPr>
+          <a:xfrm>
+            <a:off x="2483768" y="3573016"/>
+            <a:ext cx="6336704" cy="954107"/>
+          </a:xfrm>
+          <a:prstGeom prst="rect">
+            <a:avLst/>
+          </a:prstGeom>
+          <a:noFill/>
+        </p:spPr>
+        <p:txBody>
+          <a:bodyPr wrap="square" rtlCol="0">
+            <a:spAutoFit/>
+          </a:bodyPr>
+          <a:lstStyle/>
+          <a:p>
+            <a:r>
+              <a:rPr kumimoji="1" lang="ja-JP" altLang="en-US" sz="2800" dirty="0"/>
+              <a:t>熱膨張率の異なる</a:t>
+            </a:r>
+            <a:r>
+              <a:rPr lang="ja-JP" altLang="en-US" sz="2800" dirty="0"/>
+              <a:t>金属を貼り合わせたもの</a:t>
+            </a:r>
+            <a:endParaRPr kumimoji="1" lang="ja-JP" altLang="en-US" sz="2800" dirty="0"/>
+          </a:p>
+        </p:txBody>
+      </p:sp>
+      <p:pic>
+        <p:nvPicPr>
+          <p:cNvPr id="2054" name="Picture 6" descr="体温計のイラスト">
+            <a:extLst>
+              <a:ext uri="{FF2B5EF4-FFF2-40B4-BE49-F238E27FC236}">
+                <a16:creationId xmlns:a16="http://schemas.microsoft.com/office/drawing/2014/main" id="{0656F5E7-AAD7-4013-B854-90F0742C48F9}"/>
+              </a:ext>
+            </a:extLst>
+          </p:cNvPr>
+          <p:cNvPicPr>
+            <a:picLocks noChangeAspect="1" noChangeArrowheads="1"/>
+          </p:cNvPicPr>
+          <p:nvPr/>
+        </p:nvPicPr>
+        <p:blipFill>
+          <a:blip r:embed="rId4">
+            <a:extLst>
+              <a:ext uri="{28A0092B-C50C-407E-A947-70E740481C1C}">
+                <a14:useLocalDpi xmlns:a14="http://schemas.microsoft.com/office/drawing/2010/main" val="0"/>
+              </a:ext>
+            </a:extLst>
+          </a:blip>
+          <a:srcRect/>
+          <a:stretch>
+            <a:fillRect/>
+          </a:stretch>
+        </p:blipFill>
+        <p:spPr bwMode="auto">
+          <a:xfrm>
+            <a:off x="395536" y="4725144"/>
+            <a:ext cx="1688976" cy="1688976"/>
+          </a:xfrm>
+          <a:prstGeom prst="rect">
+            <a:avLst/>
+          </a:prstGeom>
+          <a:noFill/>
+          <a:extLst>
+            <a:ext uri="{909E8E84-426E-40DD-AFC4-6F175D3DCCD1}">
+              <a14:hiddenFill xmlns:a14="http://schemas.microsoft.com/office/drawing/2010/main">
+                <a:solidFill>
+                  <a:srgbClr val="FFFFFF"/>
+                </a:solidFill>
+              </a14:hiddenFill>
+            </a:ext>
+          </a:extLst>
+        </p:spPr>
+      </p:pic>
+      <p:sp>
+        <p:nvSpPr>
+          <p:cNvPr id="11" name="テキスト ボックス 10">
+            <a:extLst>
+              <a:ext uri="{FF2B5EF4-FFF2-40B4-BE49-F238E27FC236}">
+                <a16:creationId xmlns:a16="http://schemas.microsoft.com/office/drawing/2014/main" id="{02D64BC5-0C25-4035-B9D7-E582989508B5}"/>
+              </a:ext>
+            </a:extLst>
+          </p:cNvPr>
+          <p:cNvSpPr txBox="1"/>
+          <p:nvPr/>
+        </p:nvSpPr>
+        <p:spPr>
+          <a:xfrm>
+            <a:off x="2516560" y="5013176"/>
+            <a:ext cx="5452134" cy="523220"/>
+          </a:xfrm>
+          <a:prstGeom prst="rect">
+            <a:avLst/>
+          </a:prstGeom>
+          <a:noFill/>
+        </p:spPr>
+        <p:txBody>
+          <a:bodyPr wrap="none" rtlCol="0">
+            <a:spAutoFit/>
+          </a:bodyPr>
+          <a:lstStyle/>
+          <a:p>
+            <a:r>
+              <a:rPr lang="ja-JP" altLang="en-US" sz="2800" dirty="0">
+                <a:solidFill>
+                  <a:srgbClr val="011893"/>
+                </a:solidFill>
+              </a:rPr>
+              <a:t>デジタル体温計</a:t>
+            </a:r>
+            <a:r>
+              <a:rPr lang="en-US" altLang="ja-JP" sz="2800" dirty="0">
+                <a:solidFill>
+                  <a:srgbClr val="011893"/>
+                </a:solidFill>
+              </a:rPr>
+              <a:t>(</a:t>
+            </a:r>
+            <a:r>
+              <a:rPr lang="ja-JP" altLang="en-US" sz="2800" dirty="0">
+                <a:solidFill>
+                  <a:srgbClr val="011893"/>
+                </a:solidFill>
+              </a:rPr>
+              <a:t>サーミスタ方式</a:t>
+            </a:r>
+            <a:r>
+              <a:rPr lang="en-US" altLang="ja-JP" sz="2800" dirty="0">
+                <a:solidFill>
+                  <a:srgbClr val="011893"/>
+                </a:solidFill>
+              </a:rPr>
+              <a:t>)</a:t>
+            </a:r>
+            <a:endParaRPr kumimoji="1" lang="ja-JP" altLang="en-US" sz="2800" dirty="0">
+              <a:solidFill>
+                <a:srgbClr val="011893"/>
+              </a:solidFill>
+            </a:endParaRPr>
+          </a:p>
+        </p:txBody>
+      </p:sp>
+      <p:sp>
+        <p:nvSpPr>
+          <p:cNvPr id="12" name="テキスト ボックス 11">
+            <a:extLst>
+              <a:ext uri="{FF2B5EF4-FFF2-40B4-BE49-F238E27FC236}">
+                <a16:creationId xmlns:a16="http://schemas.microsoft.com/office/drawing/2014/main" id="{C9BEFBA8-ED5D-4BBE-BEEE-6E7C711D083E}"/>
+              </a:ext>
+            </a:extLst>
+          </p:cNvPr>
+          <p:cNvSpPr txBox="1"/>
+          <p:nvPr/>
+        </p:nvSpPr>
+        <p:spPr>
+          <a:xfrm>
+            <a:off x="2555776" y="5517232"/>
+            <a:ext cx="5929828" cy="523220"/>
+          </a:xfrm>
+          <a:prstGeom prst="rect">
+            <a:avLst/>
+          </a:prstGeom>
+          <a:noFill/>
+        </p:spPr>
+        <p:txBody>
+          <a:bodyPr wrap="none" rtlCol="0">
+            <a:spAutoFit/>
+          </a:bodyPr>
+          <a:lstStyle/>
+          <a:p>
+            <a:r>
+              <a:rPr kumimoji="1" lang="ja-JP" altLang="en-US" sz="2800" dirty="0"/>
+              <a:t>温度により抵抗が変わる物質を利用</a:t>
+            </a:r>
+          </a:p>
+        </p:txBody>
+      </p:sp>
+    </p:spTree>
+    <p:extLst>
+      <p:ext uri="{BB962C8B-B14F-4D97-AF65-F5344CB8AC3E}">
+        <p14:creationId xmlns:p14="http://schemas.microsoft.com/office/powerpoint/2010/main" val="1753450232"/>
+      </p:ext>
+    </p:extLst>
+  </p:cSld>
+  <p:clrMapOvr>
+    <a:masterClrMapping/>
+  </p:clrMapOvr>
+</p:sld>
+</file>
+
+<file path=ppt/slides/slide5.xml><?xml version="1.0" encoding="utf-8"?>
+<p:sld xmlns:a="http://schemas.openxmlformats.org/drawingml/2006/main" xmlns:r="http://schemas.openxmlformats.org/officeDocument/2006/relationships" xmlns:p="http://schemas.openxmlformats.org/presentationml/2006/main">
+  <p:cSld>
+    <p:spTree>
+      <p:nvGrpSpPr>
+        <p:cNvPr id="1" name=""/>
+        <p:cNvGrpSpPr/>
+        <p:nvPr/>
+      </p:nvGrpSpPr>
+      <p:grpSpPr>
+        <a:xfrm>
+          <a:off x="0" y="0"/>
+          <a:ext cx="0" cy="0"/>
+          <a:chOff x="0" y="0"/>
+          <a:chExt cx="0" cy="0"/>
+        </a:xfrm>
+      </p:grpSpPr>
+      <p:sp>
+        <p:nvSpPr>
+          <p:cNvPr id="2" name="テキスト プレースホルダー 1">
+            <a:extLst>
+              <a:ext uri="{FF2B5EF4-FFF2-40B4-BE49-F238E27FC236}">
+                <a16:creationId xmlns:a16="http://schemas.microsoft.com/office/drawing/2014/main" id="{C4ABA72D-A6F4-492D-AE27-E7E55DEA5406}"/>
+              </a:ext>
+            </a:extLst>
+          </p:cNvPr>
+          <p:cNvSpPr>
+            <a:spLocks noGrp="1"/>
+          </p:cNvSpPr>
+          <p:nvPr>
+            <p:ph type="body" sz="quarter" idx="10"/>
+          </p:nvPr>
+        </p:nvSpPr>
+        <p:spPr/>
+        <p:txBody>
+          <a:bodyPr/>
+          <a:lstStyle/>
+          <a:p>
+            <a:r>
+              <a:rPr kumimoji="1" lang="ja-JP" altLang="en-US" dirty="0"/>
+              <a:t>温度の測り方</a:t>
+            </a:r>
+          </a:p>
+        </p:txBody>
+      </p:sp>
+      <p:pic>
+        <p:nvPicPr>
+          <p:cNvPr id="3074" name="Picture 2" descr="黒いケーブルのイラスト">
+            <a:extLst>
+              <a:ext uri="{FF2B5EF4-FFF2-40B4-BE49-F238E27FC236}">
+                <a16:creationId xmlns:a16="http://schemas.microsoft.com/office/drawing/2014/main" id="{642E06D1-22F1-45FD-AAA8-8750D8CFE38C}"/>
+              </a:ext>
+            </a:extLst>
+          </p:cNvPr>
+          <p:cNvPicPr>
+            <a:picLocks noChangeAspect="1" noChangeArrowheads="1"/>
+          </p:cNvPicPr>
+          <p:nvPr/>
+        </p:nvPicPr>
+        <p:blipFill>
+          <a:blip r:embed="rId2">
+            <a:extLst>
+              <a:ext uri="{28A0092B-C50C-407E-A947-70E740481C1C}">
+                <a14:useLocalDpi xmlns:a14="http://schemas.microsoft.com/office/drawing/2010/main" val="0"/>
+              </a:ext>
+            </a:extLst>
+          </a:blip>
+          <a:srcRect/>
+          <a:stretch>
+            <a:fillRect/>
+          </a:stretch>
+        </p:blipFill>
+        <p:spPr bwMode="auto">
+          <a:xfrm>
+            <a:off x="179512" y="980728"/>
+            <a:ext cx="2419343" cy="2032248"/>
+          </a:xfrm>
+          <a:prstGeom prst="rect">
+            <a:avLst/>
+          </a:prstGeom>
+          <a:noFill/>
+          <a:extLst>
+            <a:ext uri="{909E8E84-426E-40DD-AFC4-6F175D3DCCD1}">
+              <a14:hiddenFill xmlns:a14="http://schemas.microsoft.com/office/drawing/2010/main">
+                <a:solidFill>
+                  <a:srgbClr val="FFFFFF"/>
+                </a:solidFill>
+              </a14:hiddenFill>
+            </a:ext>
+          </a:extLst>
+        </p:spPr>
+      </p:pic>
+      <p:sp>
+        <p:nvSpPr>
+          <p:cNvPr id="4" name="テキスト ボックス 3">
+            <a:extLst>
+              <a:ext uri="{FF2B5EF4-FFF2-40B4-BE49-F238E27FC236}">
+                <a16:creationId xmlns:a16="http://schemas.microsoft.com/office/drawing/2014/main" id="{F9A9C775-6E42-40A5-B4EF-D637EE2D27BE}"/>
+              </a:ext>
+            </a:extLst>
+          </p:cNvPr>
+          <p:cNvSpPr txBox="1"/>
+          <p:nvPr/>
+        </p:nvSpPr>
+        <p:spPr>
+          <a:xfrm>
+            <a:off x="2771800" y="1340768"/>
+            <a:ext cx="1261884" cy="523220"/>
+          </a:xfrm>
+          <a:prstGeom prst="rect">
+            <a:avLst/>
+          </a:prstGeom>
+          <a:noFill/>
+        </p:spPr>
+        <p:txBody>
+          <a:bodyPr wrap="none" rtlCol="0">
+            <a:spAutoFit/>
+          </a:bodyPr>
+          <a:lstStyle/>
+          <a:p>
+            <a:r>
+              <a:rPr kumimoji="1" lang="ja-JP" altLang="en-US" sz="2800" dirty="0">
+                <a:solidFill>
+                  <a:srgbClr val="011893"/>
+                </a:solidFill>
+              </a:rPr>
+              <a:t>熱電対</a:t>
+            </a:r>
+          </a:p>
+        </p:txBody>
+      </p:sp>
+      <p:sp>
+        <p:nvSpPr>
+          <p:cNvPr id="5" name="テキスト ボックス 4">
+            <a:extLst>
+              <a:ext uri="{FF2B5EF4-FFF2-40B4-BE49-F238E27FC236}">
+                <a16:creationId xmlns:a16="http://schemas.microsoft.com/office/drawing/2014/main" id="{404354C7-210F-422A-B7C0-DA735D5919F9}"/>
+              </a:ext>
+            </a:extLst>
+          </p:cNvPr>
+          <p:cNvSpPr txBox="1"/>
+          <p:nvPr/>
+        </p:nvSpPr>
+        <p:spPr>
+          <a:xfrm>
+            <a:off x="2771800" y="1844824"/>
+            <a:ext cx="5616623" cy="954107"/>
+          </a:xfrm>
+          <a:prstGeom prst="rect">
+            <a:avLst/>
+          </a:prstGeom>
+          <a:noFill/>
+        </p:spPr>
+        <p:txBody>
+          <a:bodyPr wrap="square" rtlCol="0">
+            <a:spAutoFit/>
+          </a:bodyPr>
+          <a:lstStyle/>
+          <a:p>
+            <a:r>
+              <a:rPr kumimoji="1" lang="ja-JP" altLang="en-US" sz="2800" dirty="0"/>
+              <a:t>二種類の金属の熱電能の差を起電力に変える</a:t>
+            </a:r>
+            <a:r>
+              <a:rPr kumimoji="1" lang="en-US" altLang="ja-JP" sz="2800" dirty="0"/>
+              <a:t>(</a:t>
+            </a:r>
+            <a:r>
+              <a:rPr kumimoji="1" lang="ja-JP" altLang="en-US" sz="2800" dirty="0"/>
+              <a:t>ゼーベック効果</a:t>
+            </a:r>
+            <a:r>
+              <a:rPr kumimoji="1" lang="en-US" altLang="ja-JP" sz="2800" dirty="0"/>
+              <a:t>)</a:t>
+            </a:r>
+            <a:endParaRPr kumimoji="1" lang="ja-JP" altLang="en-US" sz="2800" dirty="0"/>
+          </a:p>
+        </p:txBody>
+      </p:sp>
+      <p:pic>
+        <p:nvPicPr>
+          <p:cNvPr id="3076" name="Picture 4" descr="赤外線温度計のイラスト">
+            <a:extLst>
+              <a:ext uri="{FF2B5EF4-FFF2-40B4-BE49-F238E27FC236}">
+                <a16:creationId xmlns:a16="http://schemas.microsoft.com/office/drawing/2014/main" id="{48957A1C-BB62-417E-932B-EBA2538DD144}"/>
+              </a:ext>
+            </a:extLst>
+          </p:cNvPr>
+          <p:cNvPicPr>
+            <a:picLocks noChangeAspect="1" noChangeArrowheads="1"/>
+          </p:cNvPicPr>
+          <p:nvPr/>
+        </p:nvPicPr>
+        <p:blipFill>
+          <a:blip r:embed="rId3">
+            <a:extLst>
+              <a:ext uri="{28A0092B-C50C-407E-A947-70E740481C1C}">
+                <a14:useLocalDpi xmlns:a14="http://schemas.microsoft.com/office/drawing/2010/main" val="0"/>
+              </a:ext>
+            </a:extLst>
+          </a:blip>
+          <a:srcRect/>
+          <a:stretch>
+            <a:fillRect/>
+          </a:stretch>
+        </p:blipFill>
+        <p:spPr bwMode="auto">
+          <a:xfrm>
+            <a:off x="395536" y="2996952"/>
+            <a:ext cx="1944216" cy="1944216"/>
+          </a:xfrm>
+          <a:prstGeom prst="rect">
+            <a:avLst/>
+          </a:prstGeom>
+          <a:noFill/>
+          <a:extLst>
+            <a:ext uri="{909E8E84-426E-40DD-AFC4-6F175D3DCCD1}">
+              <a14:hiddenFill xmlns:a14="http://schemas.microsoft.com/office/drawing/2010/main">
+                <a:solidFill>
+                  <a:srgbClr val="FFFFFF"/>
+                </a:solidFill>
+              </a14:hiddenFill>
+            </a:ext>
+          </a:extLst>
+        </p:spPr>
+      </p:pic>
+      <p:sp>
+        <p:nvSpPr>
+          <p:cNvPr id="8" name="テキスト ボックス 7">
+            <a:extLst>
+              <a:ext uri="{FF2B5EF4-FFF2-40B4-BE49-F238E27FC236}">
+                <a16:creationId xmlns:a16="http://schemas.microsoft.com/office/drawing/2014/main" id="{8A7DEBBA-C6E5-43C4-9D99-12F20057A2CD}"/>
+              </a:ext>
+            </a:extLst>
+          </p:cNvPr>
+          <p:cNvSpPr txBox="1"/>
+          <p:nvPr/>
+        </p:nvSpPr>
+        <p:spPr>
+          <a:xfrm>
+            <a:off x="2843808" y="3140968"/>
+            <a:ext cx="2339102" cy="523220"/>
+          </a:xfrm>
+          <a:prstGeom prst="rect">
+            <a:avLst/>
+          </a:prstGeom>
+          <a:noFill/>
+        </p:spPr>
+        <p:txBody>
+          <a:bodyPr wrap="none" rtlCol="0">
+            <a:spAutoFit/>
+          </a:bodyPr>
+          <a:lstStyle/>
+          <a:p>
+            <a:r>
+              <a:rPr lang="ja-JP" altLang="en-US" sz="2800" dirty="0">
+                <a:solidFill>
+                  <a:srgbClr val="011893"/>
+                </a:solidFill>
+              </a:rPr>
+              <a:t>赤外線温度計</a:t>
+            </a:r>
+            <a:endParaRPr kumimoji="1" lang="ja-JP" altLang="en-US" sz="2800" dirty="0">
+              <a:solidFill>
+                <a:srgbClr val="011893"/>
+              </a:solidFill>
+            </a:endParaRPr>
+          </a:p>
+        </p:txBody>
+      </p:sp>
+      <p:sp>
+        <p:nvSpPr>
+          <p:cNvPr id="9" name="テキスト ボックス 8">
+            <a:extLst>
+              <a:ext uri="{FF2B5EF4-FFF2-40B4-BE49-F238E27FC236}">
+                <a16:creationId xmlns:a16="http://schemas.microsoft.com/office/drawing/2014/main" id="{A7B94176-ECE3-4067-BEFF-ABDD00E2F8EC}"/>
+              </a:ext>
+            </a:extLst>
+          </p:cNvPr>
+          <p:cNvSpPr txBox="1"/>
+          <p:nvPr/>
+        </p:nvSpPr>
+        <p:spPr>
+          <a:xfrm>
+            <a:off x="2843808" y="3645024"/>
+            <a:ext cx="5616623" cy="954107"/>
+          </a:xfrm>
+          <a:prstGeom prst="rect">
+            <a:avLst/>
+          </a:prstGeom>
+          <a:noFill/>
+        </p:spPr>
+        <p:txBody>
+          <a:bodyPr wrap="square" rtlCol="0">
+            <a:spAutoFit/>
+          </a:bodyPr>
+          <a:lstStyle/>
+          <a:p>
+            <a:r>
+              <a:rPr lang="ja-JP" altLang="en-US" sz="2800" dirty="0"/>
+              <a:t>物体から放出される赤外線のエネルギーを測定</a:t>
+            </a:r>
+            <a:endParaRPr lang="en-US" altLang="ja-JP" sz="2800" dirty="0"/>
+          </a:p>
+        </p:txBody>
+      </p:sp>
+      <p:sp>
+        <p:nvSpPr>
+          <p:cNvPr id="3" name="テキスト ボックス 2">
+            <a:extLst>
+              <a:ext uri="{FF2B5EF4-FFF2-40B4-BE49-F238E27FC236}">
+                <a16:creationId xmlns:a16="http://schemas.microsoft.com/office/drawing/2014/main" id="{9BCEBF09-CD87-4D23-95F2-EF2B4E4663FC}"/>
+              </a:ext>
+            </a:extLst>
+          </p:cNvPr>
+          <p:cNvSpPr txBox="1"/>
+          <p:nvPr/>
+        </p:nvSpPr>
+        <p:spPr>
+          <a:xfrm>
+            <a:off x="179512" y="5085184"/>
+            <a:ext cx="8802410" cy="830997"/>
+          </a:xfrm>
+          <a:prstGeom prst="rect">
+            <a:avLst/>
+          </a:prstGeom>
+          <a:noFill/>
+        </p:spPr>
+        <p:txBody>
+          <a:bodyPr wrap="none" rtlCol="0">
+            <a:spAutoFit/>
+          </a:bodyPr>
+          <a:lstStyle/>
+          <a:p>
+            <a:r>
+              <a:rPr lang="ja-JP" altLang="en-US" sz="2400" dirty="0"/>
+              <a:t>これら全ては、現実物質の温度変化に対する性質の変化を利用</a:t>
+            </a:r>
+            <a:endParaRPr lang="en-US" altLang="ja-JP" sz="2400" dirty="0"/>
+          </a:p>
+          <a:p>
+            <a:r>
+              <a:rPr kumimoji="1" lang="ja-JP" altLang="en-US" sz="2400" dirty="0"/>
+              <a:t>基準となる温度を使って較正する必要がある</a:t>
+            </a:r>
+          </a:p>
+        </p:txBody>
+      </p:sp>
+      <p:sp>
+        <p:nvSpPr>
+          <p:cNvPr id="6" name="矢印: 右 5">
+            <a:extLst>
+              <a:ext uri="{FF2B5EF4-FFF2-40B4-BE49-F238E27FC236}">
+                <a16:creationId xmlns:a16="http://schemas.microsoft.com/office/drawing/2014/main" id="{2394B7D2-FB4A-49D4-9AA5-C9B9A3EAE8B6}"/>
+              </a:ext>
+            </a:extLst>
+          </p:cNvPr>
+          <p:cNvSpPr/>
+          <p:nvPr/>
+        </p:nvSpPr>
+        <p:spPr>
+          <a:xfrm>
+            <a:off x="323528" y="6165304"/>
+            <a:ext cx="978408" cy="484632"/>
+          </a:xfrm>
+          <a:prstGeom prst="rightArrow">
+            <a:avLst/>
+          </a:prstGeom>
+          <a:solidFill>
+            <a:srgbClr val="FF0000"/>
+          </a:solidFill>
+          <a:ln>
+            <a:solidFill>
+              <a:schemeClr val="tx1"/>
+            </a:solidFill>
+          </a:ln>
+        </p:spPr>
+        <p:style>
+          <a:lnRef idx="2">
+            <a:schemeClr val="accent1">
+              <a:shade val="50000"/>
+            </a:schemeClr>
+          </a:lnRef>
+          <a:fillRef idx="1">
+            <a:schemeClr val="accent1"/>
+          </a:fillRef>
+          <a:effectRef idx="0">
+            <a:schemeClr val="accent1"/>
+          </a:effectRef>
+          <a:fontRef idx="minor">
+            <a:schemeClr val="lt1"/>
+          </a:fontRef>
+        </p:style>
+        <p:txBody>
+          <a:bodyPr rtlCol="0" anchor="ctr"/>
+          <a:lstStyle/>
+          <a:p>
+            <a:pPr algn="ctr"/>
+            <a:endParaRPr kumimoji="1" lang="ja-JP" altLang="en-US"/>
+          </a:p>
+        </p:txBody>
+      </p:sp>
+      <p:sp>
+        <p:nvSpPr>
+          <p:cNvPr id="7" name="テキスト ボックス 6">
+            <a:extLst>
+              <a:ext uri="{FF2B5EF4-FFF2-40B4-BE49-F238E27FC236}">
+                <a16:creationId xmlns:a16="http://schemas.microsoft.com/office/drawing/2014/main" id="{4F890956-03B7-4C73-9C79-A8157754670F}"/>
+              </a:ext>
+            </a:extLst>
+          </p:cNvPr>
+          <p:cNvSpPr txBox="1"/>
+          <p:nvPr/>
+        </p:nvSpPr>
+        <p:spPr>
+          <a:xfrm>
+            <a:off x="1475656" y="6165304"/>
+            <a:ext cx="6032421" cy="461665"/>
+          </a:xfrm>
+          <a:prstGeom prst="rect">
+            <a:avLst/>
+          </a:prstGeom>
+          <a:noFill/>
+        </p:spPr>
+        <p:txBody>
+          <a:bodyPr wrap="none" rtlCol="0">
+            <a:spAutoFit/>
+          </a:bodyPr>
+          <a:lstStyle/>
+          <a:p>
+            <a:r>
+              <a:rPr kumimoji="1" lang="ja-JP" altLang="en-US" sz="2400" dirty="0"/>
+              <a:t>数値シミュレーションの中での温度とは？</a:t>
+            </a:r>
+          </a:p>
+        </p:txBody>
+      </p:sp>
+    </p:spTree>
+    <p:extLst>
+      <p:ext uri="{BB962C8B-B14F-4D97-AF65-F5344CB8AC3E}">
+        <p14:creationId xmlns:p14="http://schemas.microsoft.com/office/powerpoint/2010/main" val="1945714295"/>
       </p:ext>
     </p:extLst>
   </p:cSld>

--- a/06_md_observable/simulation06.pptx
+++ b/06_md_observable/simulation06.pptx
@@ -5,7 +5,7 @@
     <p:sldMasterId id="2147483665" r:id="rId1"/>
   </p:sldMasterIdLst>
   <p:notesMasterIdLst>
-    <p:notesMasterId r:id="rId7"/>
+    <p:notesMasterId r:id="rId16"/>
   </p:notesMasterIdLst>
   <p:sldIdLst>
     <p:sldId id="256" r:id="rId2"/>
@@ -13,6 +13,15 @@
     <p:sldId id="340" r:id="rId4"/>
     <p:sldId id="341" r:id="rId5"/>
     <p:sldId id="342" r:id="rId6"/>
+    <p:sldId id="343" r:id="rId7"/>
+    <p:sldId id="344" r:id="rId8"/>
+    <p:sldId id="345" r:id="rId9"/>
+    <p:sldId id="346" r:id="rId10"/>
+    <p:sldId id="347" r:id="rId11"/>
+    <p:sldId id="348" r:id="rId12"/>
+    <p:sldId id="349" r:id="rId13"/>
+    <p:sldId id="350" r:id="rId14"/>
+    <p:sldId id="351" r:id="rId15"/>
   </p:sldIdLst>
   <p:sldSz cx="9144000" cy="6858000" type="screen4x3"/>
   <p:notesSz cx="6858000" cy="9144000"/>
@@ -223,7 +232,7 @@
           </a:lstStyle>
           <a:p>
             <a:fld id="{6B8D1B20-A248-FB47-8240-73C0C5F47C9D}" type="datetimeFigureOut">
-              <a:t>2022/5/2</a:t>
+              <a:t>2022/5/4</a:t>
             </a:fld>
             <a:endParaRPr kumimoji="1" lang="ja-JP" altLang="en-US"/>
           </a:p>
@@ -1332,6 +1341,4426 @@
 </p:sld>
 </file>
 
+<file path=ppt/slides/slide10.xml><?xml version="1.0" encoding="utf-8"?>
+<p:sld xmlns:a="http://schemas.openxmlformats.org/drawingml/2006/main" xmlns:r="http://schemas.openxmlformats.org/officeDocument/2006/relationships" xmlns:p="http://schemas.openxmlformats.org/presentationml/2006/main">
+  <p:cSld>
+    <p:spTree>
+      <p:nvGrpSpPr>
+        <p:cNvPr id="1" name=""/>
+        <p:cNvGrpSpPr/>
+        <p:nvPr/>
+      </p:nvGrpSpPr>
+      <p:grpSpPr>
+        <a:xfrm>
+          <a:off x="0" y="0"/>
+          <a:ext cx="0" cy="0"/>
+          <a:chOff x="0" y="0"/>
+          <a:chExt cx="0" cy="0"/>
+        </a:xfrm>
+      </p:grpSpPr>
+      <p:sp>
+        <p:nvSpPr>
+          <p:cNvPr id="2" name="テキスト プレースホルダー 1">
+            <a:extLst>
+              <a:ext uri="{FF2B5EF4-FFF2-40B4-BE49-F238E27FC236}">
+                <a16:creationId xmlns:a16="http://schemas.microsoft.com/office/drawing/2014/main" id="{E648636E-12E9-312C-6A00-986681CD5436}"/>
+              </a:ext>
+            </a:extLst>
+          </p:cNvPr>
+          <p:cNvSpPr>
+            <a:spLocks noGrp="1"/>
+          </p:cNvSpPr>
+          <p:nvPr>
+            <p:ph type="body" sz="quarter" idx="10"/>
+          </p:nvPr>
+        </p:nvSpPr>
+        <p:spPr/>
+        <p:txBody>
+          <a:bodyPr/>
+          <a:lstStyle/>
+          <a:p>
+            <a:r>
+              <a:rPr lang="ja-JP" altLang="en-US"/>
+              <a:t>熱力学量</a:t>
+            </a:r>
+            <a:endParaRPr kumimoji="1" lang="ja-JP" altLang="en-US"/>
+          </a:p>
+        </p:txBody>
+      </p:sp>
+      <p:sp>
+        <p:nvSpPr>
+          <p:cNvPr id="4" name="テキスト ボックス 3">
+            <a:extLst>
+              <a:ext uri="{FF2B5EF4-FFF2-40B4-BE49-F238E27FC236}">
+                <a16:creationId xmlns:a16="http://schemas.microsoft.com/office/drawing/2014/main" id="{B520F88D-2F29-514F-B919-559C7F0E6524}"/>
+              </a:ext>
+            </a:extLst>
+          </p:cNvPr>
+          <p:cNvSpPr txBox="1"/>
+          <p:nvPr/>
+        </p:nvSpPr>
+        <p:spPr>
+          <a:xfrm>
+            <a:off x="395536" y="1340768"/>
+            <a:ext cx="5583580" cy="584775"/>
+          </a:xfrm>
+          <a:prstGeom prst="rect">
+            <a:avLst/>
+          </a:prstGeom>
+          <a:noFill/>
+        </p:spPr>
+        <p:txBody>
+          <a:bodyPr wrap="none" rtlCol="0">
+            <a:spAutoFit/>
+          </a:bodyPr>
+          <a:lstStyle/>
+          <a:p>
+            <a:r>
+              <a:rPr lang="ja-JP" altLang="en-US" sz="3200">
+                <a:solidFill>
+                  <a:srgbClr val="011893"/>
+                </a:solidFill>
+              </a:rPr>
+              <a:t>示量変数</a:t>
+            </a:r>
+            <a:r>
+              <a:rPr lang="en-US" altLang="ja-JP" sz="3200">
+                <a:solidFill>
+                  <a:srgbClr val="011893"/>
+                </a:solidFill>
+              </a:rPr>
+              <a:t>(extensive variable)</a:t>
+            </a:r>
+            <a:endParaRPr kumimoji="1" lang="ja-JP" altLang="en-US" sz="3200">
+              <a:solidFill>
+                <a:srgbClr val="011893"/>
+              </a:solidFill>
+            </a:endParaRPr>
+          </a:p>
+        </p:txBody>
+      </p:sp>
+      <mc:AlternateContent xmlns:mc="http://schemas.openxmlformats.org/markup-compatibility/2006">
+        <mc:Choice xmlns:a14="http://schemas.microsoft.com/office/drawing/2010/main" Requires="a14">
+          <p:sp>
+            <p:nvSpPr>
+              <p:cNvPr id="5" name="テキスト ボックス 4">
+                <a:extLst>
+                  <a:ext uri="{FF2B5EF4-FFF2-40B4-BE49-F238E27FC236}">
+                    <a16:creationId xmlns:a16="http://schemas.microsoft.com/office/drawing/2014/main" id="{E0CE964B-14DA-A1EC-E053-6412D4482BCE}"/>
+                  </a:ext>
+                </a:extLst>
+              </p:cNvPr>
+              <p:cNvSpPr txBox="1"/>
+              <p:nvPr/>
+            </p:nvSpPr>
+            <p:spPr>
+              <a:xfrm>
+                <a:off x="899592" y="2132856"/>
+                <a:ext cx="7007046" cy="954107"/>
+              </a:xfrm>
+              <a:prstGeom prst="rect">
+                <a:avLst/>
+              </a:prstGeom>
+              <a:noFill/>
+            </p:spPr>
+            <p:txBody>
+              <a:bodyPr wrap="none" rtlCol="0">
+                <a:spAutoFit/>
+              </a:bodyPr>
+              <a:lstStyle/>
+              <a:p>
+                <a:r>
+                  <a:rPr lang="ja-JP" altLang="en-US" sz="2800"/>
+                  <a:t>全く同じ系を二つつけた時、二倍になる量</a:t>
+                </a:r>
+                <a:endParaRPr lang="en-US" altLang="ja-JP" sz="2800"/>
+              </a:p>
+              <a:p>
+                <a:r>
+                  <a:rPr kumimoji="1" lang="ja-JP" altLang="en-US" sz="2800"/>
+                  <a:t>体積</a:t>
+                </a:r>
+                <a14:m>
+                  <m:oMath xmlns:m="http://schemas.openxmlformats.org/officeDocument/2006/math">
+                    <m:r>
+                      <a:rPr kumimoji="1" lang="en-US" altLang="ja-JP" sz="2800" b="0" i="1" smtClean="0">
+                        <a:latin typeface="Cambria Math" panose="02040503050406030204" pitchFamily="18" charset="0"/>
+                      </a:rPr>
+                      <m:t>𝑉</m:t>
+                    </m:r>
+                  </m:oMath>
+                </a14:m>
+                <a:r>
+                  <a:rPr kumimoji="1" lang="ja-JP" altLang="en-US" sz="2800"/>
+                  <a:t>、エントロピー</a:t>
+                </a:r>
+                <a14:m>
+                  <m:oMath xmlns:m="http://schemas.openxmlformats.org/officeDocument/2006/math">
+                    <m:r>
+                      <a:rPr kumimoji="1" lang="en-US" altLang="ja-JP" sz="2800" b="0" i="1" smtClean="0">
+                        <a:latin typeface="Cambria Math" panose="02040503050406030204" pitchFamily="18" charset="0"/>
+                      </a:rPr>
+                      <m:t>𝑆</m:t>
+                    </m:r>
+                  </m:oMath>
+                </a14:m>
+                <a:r>
+                  <a:rPr kumimoji="1" lang="ja-JP" altLang="en-US" sz="2800"/>
+                  <a:t>、物質量</a:t>
+                </a:r>
+                <a14:m>
+                  <m:oMath xmlns:m="http://schemas.openxmlformats.org/officeDocument/2006/math">
+                    <m:r>
+                      <a:rPr kumimoji="1" lang="en-US" altLang="ja-JP" sz="2800" b="0" i="1" smtClean="0">
+                        <a:latin typeface="Cambria Math" panose="02040503050406030204" pitchFamily="18" charset="0"/>
+                      </a:rPr>
+                      <m:t>𝑁</m:t>
+                    </m:r>
+                  </m:oMath>
+                </a14:m>
+                <a:endParaRPr kumimoji="1" lang="ja-JP" altLang="en-US" sz="2800"/>
+              </a:p>
+            </p:txBody>
+          </p:sp>
+        </mc:Choice>
+        <mc:Fallback>
+          <p:sp>
+            <p:nvSpPr>
+              <p:cNvPr id="5" name="テキスト ボックス 4">
+                <a:extLst>
+                  <a:ext uri="{FF2B5EF4-FFF2-40B4-BE49-F238E27FC236}">
+                    <a16:creationId xmlns:a16="http://schemas.microsoft.com/office/drawing/2014/main" id="{E0CE964B-14DA-A1EC-E053-6412D4482BCE}"/>
+                  </a:ext>
+                </a:extLst>
+              </p:cNvPr>
+              <p:cNvSpPr txBox="1">
+                <a:spLocks noRot="1" noChangeAspect="1" noMove="1" noResize="1" noEditPoints="1" noAdjustHandles="1" noChangeArrowheads="1" noChangeShapeType="1" noTextEdit="1"/>
+              </p:cNvSpPr>
+              <p:nvPr/>
+            </p:nvSpPr>
+            <p:spPr>
+              <a:xfrm>
+                <a:off x="899592" y="2132856"/>
+                <a:ext cx="7007046" cy="954107"/>
+              </a:xfrm>
+              <a:prstGeom prst="rect">
+                <a:avLst/>
+              </a:prstGeom>
+              <a:blipFill>
+                <a:blip r:embed="rId2"/>
+                <a:stretch>
+                  <a:fillRect l="-1828" t="-8974" r="-870" b="-15385"/>
+                </a:stretch>
+              </a:blipFill>
+            </p:spPr>
+            <p:txBody>
+              <a:bodyPr/>
+              <a:lstStyle/>
+              <a:p>
+                <a:r>
+                  <a:rPr lang="ja-JP" altLang="en-US">
+                    <a:noFill/>
+                  </a:rPr>
+                  <a:t> </a:t>
+                </a:r>
+              </a:p>
+            </p:txBody>
+          </p:sp>
+        </mc:Fallback>
+      </mc:AlternateContent>
+      <p:sp>
+        <p:nvSpPr>
+          <p:cNvPr id="6" name="テキスト ボックス 5">
+            <a:extLst>
+              <a:ext uri="{FF2B5EF4-FFF2-40B4-BE49-F238E27FC236}">
+                <a16:creationId xmlns:a16="http://schemas.microsoft.com/office/drawing/2014/main" id="{D6E956DA-4FEF-8407-4F7C-996F09EEC5DA}"/>
+              </a:ext>
+            </a:extLst>
+          </p:cNvPr>
+          <p:cNvSpPr txBox="1"/>
+          <p:nvPr/>
+        </p:nvSpPr>
+        <p:spPr>
+          <a:xfrm>
+            <a:off x="467544" y="3356992"/>
+            <a:ext cx="5264583" cy="584775"/>
+          </a:xfrm>
+          <a:prstGeom prst="rect">
+            <a:avLst/>
+          </a:prstGeom>
+          <a:noFill/>
+        </p:spPr>
+        <p:txBody>
+          <a:bodyPr wrap="none" rtlCol="0">
+            <a:spAutoFit/>
+          </a:bodyPr>
+          <a:lstStyle/>
+          <a:p>
+            <a:r>
+              <a:rPr lang="ja-JP" altLang="en-US" sz="3200">
+                <a:solidFill>
+                  <a:srgbClr val="011893"/>
+                </a:solidFill>
+              </a:rPr>
+              <a:t>示強変数</a:t>
+            </a:r>
+            <a:r>
+              <a:rPr lang="en-US" altLang="ja-JP" sz="3200">
+                <a:solidFill>
+                  <a:srgbClr val="011893"/>
+                </a:solidFill>
+              </a:rPr>
+              <a:t>(intensive variable)</a:t>
+            </a:r>
+            <a:endParaRPr kumimoji="1" lang="ja-JP" altLang="en-US" sz="3200">
+              <a:solidFill>
+                <a:srgbClr val="011893"/>
+              </a:solidFill>
+            </a:endParaRPr>
+          </a:p>
+        </p:txBody>
+      </p:sp>
+      <mc:AlternateContent xmlns:mc="http://schemas.openxmlformats.org/markup-compatibility/2006">
+        <mc:Choice xmlns:a14="http://schemas.microsoft.com/office/drawing/2010/main" Requires="a14">
+          <p:sp>
+            <p:nvSpPr>
+              <p:cNvPr id="7" name="テキスト ボックス 6">
+                <a:extLst>
+                  <a:ext uri="{FF2B5EF4-FFF2-40B4-BE49-F238E27FC236}">
+                    <a16:creationId xmlns:a16="http://schemas.microsoft.com/office/drawing/2014/main" id="{23F7915F-4D70-15DB-4D71-DDBC8E5EA0F0}"/>
+                  </a:ext>
+                </a:extLst>
+              </p:cNvPr>
+              <p:cNvSpPr txBox="1"/>
+              <p:nvPr/>
+            </p:nvSpPr>
+            <p:spPr>
+              <a:xfrm>
+                <a:off x="971600" y="3933056"/>
+                <a:ext cx="7725192" cy="954107"/>
+              </a:xfrm>
+              <a:prstGeom prst="rect">
+                <a:avLst/>
+              </a:prstGeom>
+              <a:noFill/>
+            </p:spPr>
+            <p:txBody>
+              <a:bodyPr wrap="none" rtlCol="0">
+                <a:spAutoFit/>
+              </a:bodyPr>
+              <a:lstStyle/>
+              <a:p>
+                <a:r>
+                  <a:rPr lang="ja-JP" altLang="en-US" sz="2800"/>
+                  <a:t>全く同じ系を二つつけた時、値が変わらない量</a:t>
+                </a:r>
+                <a:endParaRPr lang="en-US" altLang="ja-JP" sz="2800"/>
+              </a:p>
+              <a:p>
+                <a:r>
+                  <a:rPr lang="ja-JP" altLang="en-US" sz="2800"/>
+                  <a:t>圧力</a:t>
+                </a:r>
+                <a14:m>
+                  <m:oMath xmlns:m="http://schemas.openxmlformats.org/officeDocument/2006/math">
+                    <m:r>
+                      <a:rPr lang="en-US" altLang="ja-JP" sz="2800" b="0" i="1" smtClean="0">
+                        <a:latin typeface="Cambria Math" panose="02040503050406030204" pitchFamily="18" charset="0"/>
+                      </a:rPr>
+                      <m:t>𝑃</m:t>
+                    </m:r>
+                  </m:oMath>
+                </a14:m>
+                <a:r>
+                  <a:rPr kumimoji="1" lang="ja-JP" altLang="en-US" sz="2800"/>
+                  <a:t>、温度</a:t>
+                </a:r>
+                <a14:m>
+                  <m:oMath xmlns:m="http://schemas.openxmlformats.org/officeDocument/2006/math">
+                    <m:r>
+                      <a:rPr kumimoji="1" lang="en-US" altLang="ja-JP" sz="2800" b="0" i="1" smtClean="0">
+                        <a:latin typeface="Cambria Math" panose="02040503050406030204" pitchFamily="18" charset="0"/>
+                      </a:rPr>
+                      <m:t>𝑇</m:t>
+                    </m:r>
+                  </m:oMath>
+                </a14:m>
+                <a:r>
+                  <a:rPr kumimoji="1" lang="ja-JP" altLang="en-US" sz="2800"/>
+                  <a:t>、化学ポテンシャル</a:t>
+                </a:r>
+                <a14:m>
+                  <m:oMath xmlns:m="http://schemas.openxmlformats.org/officeDocument/2006/math">
+                    <m:r>
+                      <a:rPr kumimoji="1" lang="en-US" altLang="ja-JP" sz="2800" b="0" i="1" smtClean="0">
+                        <a:latin typeface="Cambria Math" panose="02040503050406030204" pitchFamily="18" charset="0"/>
+                      </a:rPr>
+                      <m:t>𝜇</m:t>
+                    </m:r>
+                  </m:oMath>
+                </a14:m>
+                <a:endParaRPr kumimoji="1" lang="ja-JP" altLang="en-US" sz="2800"/>
+              </a:p>
+            </p:txBody>
+          </p:sp>
+        </mc:Choice>
+        <mc:Fallback>
+          <p:sp>
+            <p:nvSpPr>
+              <p:cNvPr id="7" name="テキスト ボックス 6">
+                <a:extLst>
+                  <a:ext uri="{FF2B5EF4-FFF2-40B4-BE49-F238E27FC236}">
+                    <a16:creationId xmlns:a16="http://schemas.microsoft.com/office/drawing/2014/main" id="{23F7915F-4D70-15DB-4D71-DDBC8E5EA0F0}"/>
+                  </a:ext>
+                </a:extLst>
+              </p:cNvPr>
+              <p:cNvSpPr txBox="1">
+                <a:spLocks noRot="1" noChangeAspect="1" noMove="1" noResize="1" noEditPoints="1" noAdjustHandles="1" noChangeArrowheads="1" noChangeShapeType="1" noTextEdit="1"/>
+              </p:cNvSpPr>
+              <p:nvPr/>
+            </p:nvSpPr>
+            <p:spPr>
+              <a:xfrm>
+                <a:off x="971600" y="3933056"/>
+                <a:ext cx="7725192" cy="954107"/>
+              </a:xfrm>
+              <a:prstGeom prst="rect">
+                <a:avLst/>
+              </a:prstGeom>
+              <a:blipFill>
+                <a:blip r:embed="rId3"/>
+                <a:stretch>
+                  <a:fillRect l="-1577" t="-8280" r="-631" b="-14650"/>
+                </a:stretch>
+              </a:blipFill>
+            </p:spPr>
+            <p:txBody>
+              <a:bodyPr/>
+              <a:lstStyle/>
+              <a:p>
+                <a:r>
+                  <a:rPr lang="ja-JP" altLang="en-US">
+                    <a:noFill/>
+                  </a:rPr>
+                  <a:t> </a:t>
+                </a:r>
+              </a:p>
+            </p:txBody>
+          </p:sp>
+        </mc:Fallback>
+      </mc:AlternateContent>
+      <p:sp>
+        <p:nvSpPr>
+          <p:cNvPr id="8" name="正方形/長方形 7">
+            <a:extLst>
+              <a:ext uri="{FF2B5EF4-FFF2-40B4-BE49-F238E27FC236}">
+                <a16:creationId xmlns:a16="http://schemas.microsoft.com/office/drawing/2014/main" id="{12170971-DB67-E6AC-7EC8-348C0A137B6D}"/>
+              </a:ext>
+            </a:extLst>
+          </p:cNvPr>
+          <p:cNvSpPr/>
+          <p:nvPr/>
+        </p:nvSpPr>
+        <p:spPr>
+          <a:xfrm>
+            <a:off x="971600" y="5589240"/>
+            <a:ext cx="720080" cy="720080"/>
+          </a:xfrm>
+          <a:prstGeom prst="rect">
+            <a:avLst/>
+          </a:prstGeom>
+          <a:solidFill>
+            <a:schemeClr val="accent2">
+              <a:lumMod val="40000"/>
+              <a:lumOff val="60000"/>
+            </a:schemeClr>
+          </a:solidFill>
+          <a:ln>
+            <a:solidFill>
+              <a:schemeClr val="tx1"/>
+            </a:solidFill>
+          </a:ln>
+        </p:spPr>
+        <p:style>
+          <a:lnRef idx="2">
+            <a:schemeClr val="accent1">
+              <a:shade val="50000"/>
+            </a:schemeClr>
+          </a:lnRef>
+          <a:fillRef idx="1">
+            <a:schemeClr val="accent1"/>
+          </a:fillRef>
+          <a:effectRef idx="0">
+            <a:schemeClr val="accent1"/>
+          </a:effectRef>
+          <a:fontRef idx="minor">
+            <a:schemeClr val="lt1"/>
+          </a:fontRef>
+        </p:style>
+        <p:txBody>
+          <a:bodyPr rtlCol="0" anchor="ctr"/>
+          <a:lstStyle/>
+          <a:p>
+            <a:pPr algn="ctr"/>
+            <a:endParaRPr kumimoji="1" lang="ja-JP" altLang="en-US"/>
+          </a:p>
+        </p:txBody>
+      </p:sp>
+      <p:sp>
+        <p:nvSpPr>
+          <p:cNvPr id="9" name="正方形/長方形 8">
+            <a:extLst>
+              <a:ext uri="{FF2B5EF4-FFF2-40B4-BE49-F238E27FC236}">
+                <a16:creationId xmlns:a16="http://schemas.microsoft.com/office/drawing/2014/main" id="{3E2EB8D1-FB1B-A62B-9896-21286092D812}"/>
+              </a:ext>
+            </a:extLst>
+          </p:cNvPr>
+          <p:cNvSpPr/>
+          <p:nvPr/>
+        </p:nvSpPr>
+        <p:spPr>
+          <a:xfrm>
+            <a:off x="1979712" y="5589240"/>
+            <a:ext cx="720080" cy="720080"/>
+          </a:xfrm>
+          <a:prstGeom prst="rect">
+            <a:avLst/>
+          </a:prstGeom>
+          <a:solidFill>
+            <a:schemeClr val="accent2">
+              <a:lumMod val="40000"/>
+              <a:lumOff val="60000"/>
+            </a:schemeClr>
+          </a:solidFill>
+          <a:ln>
+            <a:solidFill>
+              <a:schemeClr val="tx1"/>
+            </a:solidFill>
+          </a:ln>
+        </p:spPr>
+        <p:style>
+          <a:lnRef idx="2">
+            <a:schemeClr val="accent1">
+              <a:shade val="50000"/>
+            </a:schemeClr>
+          </a:lnRef>
+          <a:fillRef idx="1">
+            <a:schemeClr val="accent1"/>
+          </a:fillRef>
+          <a:effectRef idx="0">
+            <a:schemeClr val="accent1"/>
+          </a:effectRef>
+          <a:fontRef idx="minor">
+            <a:schemeClr val="lt1"/>
+          </a:fontRef>
+        </p:style>
+        <p:txBody>
+          <a:bodyPr rtlCol="0" anchor="ctr"/>
+          <a:lstStyle/>
+          <a:p>
+            <a:pPr algn="ctr"/>
+            <a:endParaRPr kumimoji="1" lang="ja-JP" altLang="en-US"/>
+          </a:p>
+        </p:txBody>
+      </p:sp>
+      <p:sp>
+        <p:nvSpPr>
+          <p:cNvPr id="10" name="矢印: 右 9">
+            <a:extLst>
+              <a:ext uri="{FF2B5EF4-FFF2-40B4-BE49-F238E27FC236}">
+                <a16:creationId xmlns:a16="http://schemas.microsoft.com/office/drawing/2014/main" id="{9A1AFA81-22CC-43F0-2EB1-D4586DAE84AD}"/>
+              </a:ext>
+            </a:extLst>
+          </p:cNvPr>
+          <p:cNvSpPr/>
+          <p:nvPr/>
+        </p:nvSpPr>
+        <p:spPr>
+          <a:xfrm>
+            <a:off x="2987824" y="5733256"/>
+            <a:ext cx="576064" cy="484632"/>
+          </a:xfrm>
+          <a:prstGeom prst="rightArrow">
+            <a:avLst/>
+          </a:prstGeom>
+          <a:solidFill>
+            <a:srgbClr val="FF0000"/>
+          </a:solidFill>
+          <a:ln>
+            <a:solidFill>
+              <a:schemeClr val="tx1"/>
+            </a:solidFill>
+          </a:ln>
+        </p:spPr>
+        <p:style>
+          <a:lnRef idx="2">
+            <a:schemeClr val="accent1">
+              <a:shade val="50000"/>
+            </a:schemeClr>
+          </a:lnRef>
+          <a:fillRef idx="1">
+            <a:schemeClr val="accent1"/>
+          </a:fillRef>
+          <a:effectRef idx="0">
+            <a:schemeClr val="accent1"/>
+          </a:effectRef>
+          <a:fontRef idx="minor">
+            <a:schemeClr val="lt1"/>
+          </a:fontRef>
+        </p:style>
+        <p:txBody>
+          <a:bodyPr rtlCol="0" anchor="ctr"/>
+          <a:lstStyle/>
+          <a:p>
+            <a:pPr algn="ctr"/>
+            <a:endParaRPr kumimoji="1" lang="ja-JP" altLang="en-US"/>
+          </a:p>
+        </p:txBody>
+      </p:sp>
+      <p:sp>
+        <p:nvSpPr>
+          <p:cNvPr id="11" name="正方形/長方形 10">
+            <a:extLst>
+              <a:ext uri="{FF2B5EF4-FFF2-40B4-BE49-F238E27FC236}">
+                <a16:creationId xmlns:a16="http://schemas.microsoft.com/office/drawing/2014/main" id="{72A73A57-A1BC-AC65-F6A2-2A7AC67036E0}"/>
+              </a:ext>
+            </a:extLst>
+          </p:cNvPr>
+          <p:cNvSpPr/>
+          <p:nvPr/>
+        </p:nvSpPr>
+        <p:spPr>
+          <a:xfrm>
+            <a:off x="4067944" y="5589240"/>
+            <a:ext cx="720080" cy="720080"/>
+          </a:xfrm>
+          <a:prstGeom prst="rect">
+            <a:avLst/>
+          </a:prstGeom>
+          <a:solidFill>
+            <a:schemeClr val="accent2">
+              <a:lumMod val="40000"/>
+              <a:lumOff val="60000"/>
+            </a:schemeClr>
+          </a:solidFill>
+          <a:ln>
+            <a:solidFill>
+              <a:schemeClr val="tx1"/>
+            </a:solidFill>
+          </a:ln>
+        </p:spPr>
+        <p:style>
+          <a:lnRef idx="2">
+            <a:schemeClr val="accent1">
+              <a:shade val="50000"/>
+            </a:schemeClr>
+          </a:lnRef>
+          <a:fillRef idx="1">
+            <a:schemeClr val="accent1"/>
+          </a:fillRef>
+          <a:effectRef idx="0">
+            <a:schemeClr val="accent1"/>
+          </a:effectRef>
+          <a:fontRef idx="minor">
+            <a:schemeClr val="lt1"/>
+          </a:fontRef>
+        </p:style>
+        <p:txBody>
+          <a:bodyPr rtlCol="0" anchor="ctr"/>
+          <a:lstStyle/>
+          <a:p>
+            <a:pPr algn="ctr"/>
+            <a:endParaRPr kumimoji="1" lang="ja-JP" altLang="en-US"/>
+          </a:p>
+        </p:txBody>
+      </p:sp>
+      <p:sp>
+        <p:nvSpPr>
+          <p:cNvPr id="12" name="正方形/長方形 11">
+            <a:extLst>
+              <a:ext uri="{FF2B5EF4-FFF2-40B4-BE49-F238E27FC236}">
+                <a16:creationId xmlns:a16="http://schemas.microsoft.com/office/drawing/2014/main" id="{3E211CC1-9D14-DA67-5C1C-0B1E28BF2DEF}"/>
+              </a:ext>
+            </a:extLst>
+          </p:cNvPr>
+          <p:cNvSpPr/>
+          <p:nvPr/>
+        </p:nvSpPr>
+        <p:spPr>
+          <a:xfrm>
+            <a:off x="4788024" y="5589240"/>
+            <a:ext cx="720080" cy="720080"/>
+          </a:xfrm>
+          <a:prstGeom prst="rect">
+            <a:avLst/>
+          </a:prstGeom>
+          <a:solidFill>
+            <a:schemeClr val="accent2">
+              <a:lumMod val="40000"/>
+              <a:lumOff val="60000"/>
+            </a:schemeClr>
+          </a:solidFill>
+          <a:ln>
+            <a:solidFill>
+              <a:schemeClr val="tx1"/>
+            </a:solidFill>
+          </a:ln>
+        </p:spPr>
+        <p:style>
+          <a:lnRef idx="2">
+            <a:schemeClr val="accent1">
+              <a:shade val="50000"/>
+            </a:schemeClr>
+          </a:lnRef>
+          <a:fillRef idx="1">
+            <a:schemeClr val="accent1"/>
+          </a:fillRef>
+          <a:effectRef idx="0">
+            <a:schemeClr val="accent1"/>
+          </a:effectRef>
+          <a:fontRef idx="minor">
+            <a:schemeClr val="lt1"/>
+          </a:fontRef>
+        </p:style>
+        <p:txBody>
+          <a:bodyPr rtlCol="0" anchor="ctr"/>
+          <a:lstStyle/>
+          <a:p>
+            <a:pPr algn="ctr"/>
+            <a:endParaRPr kumimoji="1" lang="ja-JP" altLang="en-US"/>
+          </a:p>
+        </p:txBody>
+      </p:sp>
+      <p:sp>
+        <p:nvSpPr>
+          <p:cNvPr id="15" name="矢印: 右 14">
+            <a:extLst>
+              <a:ext uri="{FF2B5EF4-FFF2-40B4-BE49-F238E27FC236}">
+                <a16:creationId xmlns:a16="http://schemas.microsoft.com/office/drawing/2014/main" id="{4F58E69C-82B6-A300-1745-B448B72941F6}"/>
+              </a:ext>
+            </a:extLst>
+          </p:cNvPr>
+          <p:cNvSpPr/>
+          <p:nvPr/>
+        </p:nvSpPr>
+        <p:spPr>
+          <a:xfrm>
+            <a:off x="5796136" y="5661248"/>
+            <a:ext cx="576064" cy="484632"/>
+          </a:xfrm>
+          <a:prstGeom prst="rightArrow">
+            <a:avLst/>
+          </a:prstGeom>
+          <a:solidFill>
+            <a:srgbClr val="FF0000"/>
+          </a:solidFill>
+          <a:ln>
+            <a:solidFill>
+              <a:schemeClr val="tx1"/>
+            </a:solidFill>
+          </a:ln>
+        </p:spPr>
+        <p:style>
+          <a:lnRef idx="2">
+            <a:schemeClr val="accent1">
+              <a:shade val="50000"/>
+            </a:schemeClr>
+          </a:lnRef>
+          <a:fillRef idx="1">
+            <a:schemeClr val="accent1"/>
+          </a:fillRef>
+          <a:effectRef idx="0">
+            <a:schemeClr val="accent1"/>
+          </a:effectRef>
+          <a:fontRef idx="minor">
+            <a:schemeClr val="lt1"/>
+          </a:fontRef>
+        </p:style>
+        <p:txBody>
+          <a:bodyPr rtlCol="0" anchor="ctr"/>
+          <a:lstStyle/>
+          <a:p>
+            <a:pPr algn="ctr"/>
+            <a:endParaRPr kumimoji="1" lang="ja-JP" altLang="en-US"/>
+          </a:p>
+        </p:txBody>
+      </p:sp>
+      <p:sp>
+        <p:nvSpPr>
+          <p:cNvPr id="16" name="正方形/長方形 15">
+            <a:extLst>
+              <a:ext uri="{FF2B5EF4-FFF2-40B4-BE49-F238E27FC236}">
+                <a16:creationId xmlns:a16="http://schemas.microsoft.com/office/drawing/2014/main" id="{92B9B91C-A7A3-B228-3A76-D8AA88F04069}"/>
+              </a:ext>
+            </a:extLst>
+          </p:cNvPr>
+          <p:cNvSpPr/>
+          <p:nvPr/>
+        </p:nvSpPr>
+        <p:spPr>
+          <a:xfrm>
+            <a:off x="6732240" y="5589240"/>
+            <a:ext cx="1440160" cy="720080"/>
+          </a:xfrm>
+          <a:prstGeom prst="rect">
+            <a:avLst/>
+          </a:prstGeom>
+          <a:solidFill>
+            <a:schemeClr val="accent2">
+              <a:lumMod val="40000"/>
+              <a:lumOff val="60000"/>
+            </a:schemeClr>
+          </a:solidFill>
+          <a:ln>
+            <a:solidFill>
+              <a:schemeClr val="tx1"/>
+            </a:solidFill>
+          </a:ln>
+        </p:spPr>
+        <p:style>
+          <a:lnRef idx="2">
+            <a:schemeClr val="accent1">
+              <a:shade val="50000"/>
+            </a:schemeClr>
+          </a:lnRef>
+          <a:fillRef idx="1">
+            <a:schemeClr val="accent1"/>
+          </a:fillRef>
+          <a:effectRef idx="0">
+            <a:schemeClr val="accent1"/>
+          </a:effectRef>
+          <a:fontRef idx="minor">
+            <a:schemeClr val="lt1"/>
+          </a:fontRef>
+        </p:style>
+        <p:txBody>
+          <a:bodyPr rtlCol="0" anchor="ctr"/>
+          <a:lstStyle/>
+          <a:p>
+            <a:pPr algn="ctr"/>
+            <a:endParaRPr kumimoji="1" lang="ja-JP" altLang="en-US"/>
+          </a:p>
+        </p:txBody>
+      </p:sp>
+      <p:cxnSp>
+        <p:nvCxnSpPr>
+          <p:cNvPr id="17" name="直線コネクタ 16">
+            <a:extLst>
+              <a:ext uri="{FF2B5EF4-FFF2-40B4-BE49-F238E27FC236}">
+                <a16:creationId xmlns:a16="http://schemas.microsoft.com/office/drawing/2014/main" id="{525073E4-2465-B5CB-6623-349C14E390BA}"/>
+              </a:ext>
+            </a:extLst>
+          </p:cNvPr>
+          <p:cNvCxnSpPr>
+            <a:cxnSpLocks/>
+          </p:cNvCxnSpPr>
+          <p:nvPr/>
+        </p:nvCxnSpPr>
+        <p:spPr>
+          <a:xfrm flipV="1">
+            <a:off x="7452320" y="5229200"/>
+            <a:ext cx="0" cy="720080"/>
+          </a:xfrm>
+          <a:prstGeom prst="line">
+            <a:avLst/>
+          </a:prstGeom>
+          <a:ln>
+            <a:solidFill>
+              <a:schemeClr val="tx1"/>
+            </a:solidFill>
+            <a:headEnd type="none" w="med" len="med"/>
+            <a:tailEnd type="none" w="med" len="med"/>
+          </a:ln>
+        </p:spPr>
+        <p:style>
+          <a:lnRef idx="1">
+            <a:schemeClr val="accent1"/>
+          </a:lnRef>
+          <a:fillRef idx="0">
+            <a:schemeClr val="accent1"/>
+          </a:fillRef>
+          <a:effectRef idx="0">
+            <a:schemeClr val="accent1"/>
+          </a:effectRef>
+          <a:fontRef idx="minor">
+            <a:schemeClr val="tx1"/>
+          </a:fontRef>
+        </p:style>
+      </p:cxnSp>
+      <p:sp>
+        <p:nvSpPr>
+          <p:cNvPr id="18" name="矢印: 右 17">
+            <a:extLst>
+              <a:ext uri="{FF2B5EF4-FFF2-40B4-BE49-F238E27FC236}">
+                <a16:creationId xmlns:a16="http://schemas.microsoft.com/office/drawing/2014/main" id="{61AC1E52-D29E-CC99-A6C6-EADB06640A61}"/>
+              </a:ext>
+            </a:extLst>
+          </p:cNvPr>
+          <p:cNvSpPr/>
+          <p:nvPr/>
+        </p:nvSpPr>
+        <p:spPr>
+          <a:xfrm rot="16200000">
+            <a:off x="7279445" y="4826011"/>
+            <a:ext cx="363659" cy="305940"/>
+          </a:xfrm>
+          <a:prstGeom prst="rightArrow">
+            <a:avLst/>
+          </a:prstGeom>
+          <a:solidFill>
+            <a:srgbClr val="FF0000"/>
+          </a:solidFill>
+          <a:ln>
+            <a:solidFill>
+              <a:schemeClr val="tx1"/>
+            </a:solidFill>
+          </a:ln>
+        </p:spPr>
+        <p:style>
+          <a:lnRef idx="2">
+            <a:schemeClr val="accent1">
+              <a:shade val="50000"/>
+            </a:schemeClr>
+          </a:lnRef>
+          <a:fillRef idx="1">
+            <a:schemeClr val="accent1"/>
+          </a:fillRef>
+          <a:effectRef idx="0">
+            <a:schemeClr val="accent1"/>
+          </a:effectRef>
+          <a:fontRef idx="minor">
+            <a:schemeClr val="lt1"/>
+          </a:fontRef>
+        </p:style>
+        <p:txBody>
+          <a:bodyPr rtlCol="0" anchor="ctr"/>
+          <a:lstStyle/>
+          <a:p>
+            <a:pPr algn="ctr"/>
+            <a:endParaRPr kumimoji="1" lang="ja-JP" altLang="en-US"/>
+          </a:p>
+        </p:txBody>
+      </p:sp>
+    </p:spTree>
+    <p:extLst>
+      <p:ext uri="{BB962C8B-B14F-4D97-AF65-F5344CB8AC3E}">
+        <p14:creationId xmlns:p14="http://schemas.microsoft.com/office/powerpoint/2010/main" val="2230949500"/>
+      </p:ext>
+    </p:extLst>
+  </p:cSld>
+  <p:clrMapOvr>
+    <a:masterClrMapping/>
+  </p:clrMapOvr>
+</p:sld>
+</file>
+
+<file path=ppt/slides/slide11.xml><?xml version="1.0" encoding="utf-8"?>
+<p:sld xmlns:a="http://schemas.openxmlformats.org/drawingml/2006/main" xmlns:r="http://schemas.openxmlformats.org/officeDocument/2006/relationships" xmlns:p="http://schemas.openxmlformats.org/presentationml/2006/main">
+  <p:cSld>
+    <p:spTree>
+      <p:nvGrpSpPr>
+        <p:cNvPr id="1" name=""/>
+        <p:cNvGrpSpPr/>
+        <p:nvPr/>
+      </p:nvGrpSpPr>
+      <p:grpSpPr>
+        <a:xfrm>
+          <a:off x="0" y="0"/>
+          <a:ext cx="0" cy="0"/>
+          <a:chOff x="0" y="0"/>
+          <a:chExt cx="0" cy="0"/>
+        </a:xfrm>
+      </p:grpSpPr>
+      <p:sp>
+        <p:nvSpPr>
+          <p:cNvPr id="2" name="テキスト プレースホルダー 1">
+            <a:extLst>
+              <a:ext uri="{FF2B5EF4-FFF2-40B4-BE49-F238E27FC236}">
+                <a16:creationId xmlns:a16="http://schemas.microsoft.com/office/drawing/2014/main" id="{D92C5E61-A4F9-3F26-116F-3A376B69F79B}"/>
+              </a:ext>
+            </a:extLst>
+          </p:cNvPr>
+          <p:cNvSpPr>
+            <a:spLocks noGrp="1"/>
+          </p:cNvSpPr>
+          <p:nvPr>
+            <p:ph type="body" sz="quarter" idx="10"/>
+          </p:nvPr>
+        </p:nvSpPr>
+        <p:spPr/>
+        <p:txBody>
+          <a:bodyPr/>
+          <a:lstStyle/>
+          <a:p>
+            <a:r>
+              <a:rPr lang="ja-JP" altLang="en-US"/>
+              <a:t>熱力学量</a:t>
+            </a:r>
+            <a:endParaRPr kumimoji="1" lang="ja-JP" altLang="en-US"/>
+          </a:p>
+        </p:txBody>
+      </p:sp>
+      <p:sp>
+        <p:nvSpPr>
+          <p:cNvPr id="3" name="テキスト ボックス 2">
+            <a:extLst>
+              <a:ext uri="{FF2B5EF4-FFF2-40B4-BE49-F238E27FC236}">
+                <a16:creationId xmlns:a16="http://schemas.microsoft.com/office/drawing/2014/main" id="{C40AC1C9-1D71-541F-9249-49F4A1DDF185}"/>
+              </a:ext>
+            </a:extLst>
+          </p:cNvPr>
+          <p:cNvSpPr txBox="1"/>
+          <p:nvPr/>
+        </p:nvSpPr>
+        <p:spPr>
+          <a:xfrm>
+            <a:off x="1327430" y="1988840"/>
+            <a:ext cx="1826141" cy="584775"/>
+          </a:xfrm>
+          <a:prstGeom prst="rect">
+            <a:avLst/>
+          </a:prstGeom>
+          <a:noFill/>
+        </p:spPr>
+        <p:txBody>
+          <a:bodyPr wrap="none" rtlCol="0">
+            <a:spAutoFit/>
+          </a:bodyPr>
+          <a:lstStyle/>
+          <a:p>
+            <a:r>
+              <a:rPr lang="ja-JP" altLang="en-US" sz="3200">
+                <a:solidFill>
+                  <a:srgbClr val="011893"/>
+                </a:solidFill>
+              </a:rPr>
+              <a:t>示量変数</a:t>
+            </a:r>
+            <a:endParaRPr kumimoji="1" lang="ja-JP" altLang="en-US" sz="3200">
+              <a:solidFill>
+                <a:srgbClr val="011893"/>
+              </a:solidFill>
+            </a:endParaRPr>
+          </a:p>
+        </p:txBody>
+      </p:sp>
+      <p:sp>
+        <p:nvSpPr>
+          <p:cNvPr id="4" name="テキスト ボックス 3">
+            <a:extLst>
+              <a:ext uri="{FF2B5EF4-FFF2-40B4-BE49-F238E27FC236}">
+                <a16:creationId xmlns:a16="http://schemas.microsoft.com/office/drawing/2014/main" id="{9755666F-D2CA-865E-9D41-B76A6134071D}"/>
+              </a:ext>
+            </a:extLst>
+          </p:cNvPr>
+          <p:cNvSpPr txBox="1"/>
+          <p:nvPr/>
+        </p:nvSpPr>
+        <p:spPr>
+          <a:xfrm>
+            <a:off x="5531138" y="1988840"/>
+            <a:ext cx="1826141" cy="584775"/>
+          </a:xfrm>
+          <a:prstGeom prst="rect">
+            <a:avLst/>
+          </a:prstGeom>
+          <a:noFill/>
+        </p:spPr>
+        <p:txBody>
+          <a:bodyPr wrap="none" rtlCol="0">
+            <a:spAutoFit/>
+          </a:bodyPr>
+          <a:lstStyle/>
+          <a:p>
+            <a:r>
+              <a:rPr lang="ja-JP" altLang="en-US" sz="3200">
+                <a:solidFill>
+                  <a:srgbClr val="011893"/>
+                </a:solidFill>
+              </a:rPr>
+              <a:t>示強変数</a:t>
+            </a:r>
+            <a:endParaRPr kumimoji="1" lang="ja-JP" altLang="en-US" sz="3200">
+              <a:solidFill>
+                <a:srgbClr val="011893"/>
+              </a:solidFill>
+            </a:endParaRPr>
+          </a:p>
+        </p:txBody>
+      </p:sp>
+      <mc:AlternateContent xmlns:mc="http://schemas.openxmlformats.org/markup-compatibility/2006">
+        <mc:Choice xmlns:a14="http://schemas.microsoft.com/office/drawing/2010/main" Requires="a14">
+          <p:sp>
+            <p:nvSpPr>
+              <p:cNvPr id="5" name="テキスト ボックス 4">
+                <a:extLst>
+                  <a:ext uri="{FF2B5EF4-FFF2-40B4-BE49-F238E27FC236}">
+                    <a16:creationId xmlns:a16="http://schemas.microsoft.com/office/drawing/2014/main" id="{D9A1F1C5-8F50-AA2B-297E-CB1A758134D0}"/>
+                  </a:ext>
+                </a:extLst>
+              </p:cNvPr>
+              <p:cNvSpPr txBox="1"/>
+              <p:nvPr/>
+            </p:nvSpPr>
+            <p:spPr>
+              <a:xfrm>
+                <a:off x="1534890" y="2780928"/>
+                <a:ext cx="1411220" cy="646331"/>
+              </a:xfrm>
+              <a:prstGeom prst="rect">
+                <a:avLst/>
+              </a:prstGeom>
+              <a:noFill/>
+            </p:spPr>
+            <p:txBody>
+              <a:bodyPr wrap="none" rtlCol="0">
+                <a:spAutoFit/>
+              </a:bodyPr>
+              <a:lstStyle/>
+              <a:p>
+                <a:r>
+                  <a:rPr kumimoji="1" lang="ja-JP" altLang="en-US" sz="3600"/>
+                  <a:t>体積</a:t>
+                </a:r>
+                <a14:m>
+                  <m:oMath xmlns:m="http://schemas.openxmlformats.org/officeDocument/2006/math">
+                    <m:r>
+                      <a:rPr kumimoji="1" lang="en-US" altLang="ja-JP" sz="3600" b="0" i="1" smtClean="0">
+                        <a:latin typeface="Cambria Math" panose="02040503050406030204" pitchFamily="18" charset="0"/>
+                      </a:rPr>
+                      <m:t>𝑉</m:t>
+                    </m:r>
+                  </m:oMath>
+                </a14:m>
+                <a:endParaRPr kumimoji="1" lang="ja-JP" altLang="en-US" sz="3600"/>
+              </a:p>
+            </p:txBody>
+          </p:sp>
+        </mc:Choice>
+        <mc:Fallback>
+          <p:sp>
+            <p:nvSpPr>
+              <p:cNvPr id="5" name="テキスト ボックス 4">
+                <a:extLst>
+                  <a:ext uri="{FF2B5EF4-FFF2-40B4-BE49-F238E27FC236}">
+                    <a16:creationId xmlns:a16="http://schemas.microsoft.com/office/drawing/2014/main" id="{D9A1F1C5-8F50-AA2B-297E-CB1A758134D0}"/>
+                  </a:ext>
+                </a:extLst>
+              </p:cNvPr>
+              <p:cNvSpPr txBox="1">
+                <a:spLocks noRot="1" noChangeAspect="1" noMove="1" noResize="1" noEditPoints="1" noAdjustHandles="1" noChangeArrowheads="1" noChangeShapeType="1" noTextEdit="1"/>
+              </p:cNvSpPr>
+              <p:nvPr/>
+            </p:nvSpPr>
+            <p:spPr>
+              <a:xfrm>
+                <a:off x="1534890" y="2780928"/>
+                <a:ext cx="1411220" cy="646331"/>
+              </a:xfrm>
+              <a:prstGeom prst="rect">
+                <a:avLst/>
+              </a:prstGeom>
+              <a:blipFill>
+                <a:blip r:embed="rId2"/>
+                <a:stretch>
+                  <a:fillRect l="-13420" t="-16981" b="-32075"/>
+                </a:stretch>
+              </a:blipFill>
+            </p:spPr>
+            <p:txBody>
+              <a:bodyPr/>
+              <a:lstStyle/>
+              <a:p>
+                <a:r>
+                  <a:rPr lang="ja-JP" altLang="en-US">
+                    <a:noFill/>
+                  </a:rPr>
+                  <a:t> </a:t>
+                </a:r>
+              </a:p>
+            </p:txBody>
+          </p:sp>
+        </mc:Fallback>
+      </mc:AlternateContent>
+      <mc:AlternateContent xmlns:mc="http://schemas.openxmlformats.org/markup-compatibility/2006">
+        <mc:Choice xmlns:a14="http://schemas.microsoft.com/office/drawing/2010/main" Requires="a14">
+          <p:sp>
+            <p:nvSpPr>
+              <p:cNvPr id="6" name="テキスト ボックス 5">
+                <a:extLst>
+                  <a:ext uri="{FF2B5EF4-FFF2-40B4-BE49-F238E27FC236}">
+                    <a16:creationId xmlns:a16="http://schemas.microsoft.com/office/drawing/2014/main" id="{18A58BFD-8DD0-3466-AB58-B59CAA3FA0CF}"/>
+                  </a:ext>
+                </a:extLst>
+              </p:cNvPr>
+              <p:cNvSpPr txBox="1"/>
+              <p:nvPr/>
+            </p:nvSpPr>
+            <p:spPr>
+              <a:xfrm>
+                <a:off x="5741099" y="2780928"/>
+                <a:ext cx="1406219" cy="646331"/>
+              </a:xfrm>
+              <a:prstGeom prst="rect">
+                <a:avLst/>
+              </a:prstGeom>
+              <a:noFill/>
+            </p:spPr>
+            <p:txBody>
+              <a:bodyPr wrap="square" rtlCol="0">
+                <a:spAutoFit/>
+              </a:bodyPr>
+              <a:lstStyle/>
+              <a:p>
+                <a:r>
+                  <a:rPr kumimoji="1" lang="ja-JP" altLang="en-US" sz="3600"/>
+                  <a:t>圧力</a:t>
+                </a:r>
+                <a14:m>
+                  <m:oMath xmlns:m="http://schemas.openxmlformats.org/officeDocument/2006/math">
+                    <m:r>
+                      <a:rPr kumimoji="1" lang="en-US" altLang="ja-JP" sz="3600" b="0" i="1" smtClean="0">
+                        <a:latin typeface="Cambria Math" panose="02040503050406030204" pitchFamily="18" charset="0"/>
+                      </a:rPr>
+                      <m:t>𝑃</m:t>
+                    </m:r>
+                  </m:oMath>
+                </a14:m>
+                <a:endParaRPr kumimoji="1" lang="ja-JP" altLang="en-US" sz="3600"/>
+              </a:p>
+            </p:txBody>
+          </p:sp>
+        </mc:Choice>
+        <mc:Fallback>
+          <p:sp>
+            <p:nvSpPr>
+              <p:cNvPr id="6" name="テキスト ボックス 5">
+                <a:extLst>
+                  <a:ext uri="{FF2B5EF4-FFF2-40B4-BE49-F238E27FC236}">
+                    <a16:creationId xmlns:a16="http://schemas.microsoft.com/office/drawing/2014/main" id="{18A58BFD-8DD0-3466-AB58-B59CAA3FA0CF}"/>
+                  </a:ext>
+                </a:extLst>
+              </p:cNvPr>
+              <p:cNvSpPr txBox="1">
+                <a:spLocks noRot="1" noChangeAspect="1" noMove="1" noResize="1" noEditPoints="1" noAdjustHandles="1" noChangeArrowheads="1" noChangeShapeType="1" noTextEdit="1"/>
+              </p:cNvSpPr>
+              <p:nvPr/>
+            </p:nvSpPr>
+            <p:spPr>
+              <a:xfrm>
+                <a:off x="5741099" y="2780928"/>
+                <a:ext cx="1406219" cy="646331"/>
+              </a:xfrm>
+              <a:prstGeom prst="rect">
+                <a:avLst/>
+              </a:prstGeom>
+              <a:blipFill>
+                <a:blip r:embed="rId3"/>
+                <a:stretch>
+                  <a:fillRect l="-13478" t="-16981" b="-32075"/>
+                </a:stretch>
+              </a:blipFill>
+            </p:spPr>
+            <p:txBody>
+              <a:bodyPr/>
+              <a:lstStyle/>
+              <a:p>
+                <a:r>
+                  <a:rPr lang="ja-JP" altLang="en-US">
+                    <a:noFill/>
+                  </a:rPr>
+                  <a:t> </a:t>
+                </a:r>
+              </a:p>
+            </p:txBody>
+          </p:sp>
+        </mc:Fallback>
+      </mc:AlternateContent>
+      <p:sp>
+        <p:nvSpPr>
+          <p:cNvPr id="7" name="テキスト ボックス 6">
+            <a:extLst>
+              <a:ext uri="{FF2B5EF4-FFF2-40B4-BE49-F238E27FC236}">
+                <a16:creationId xmlns:a16="http://schemas.microsoft.com/office/drawing/2014/main" id="{F7112191-0FEB-4675-E773-EBE21BA7CE69}"/>
+              </a:ext>
+            </a:extLst>
+          </p:cNvPr>
+          <p:cNvSpPr txBox="1"/>
+          <p:nvPr/>
+        </p:nvSpPr>
+        <p:spPr>
+          <a:xfrm>
+            <a:off x="251520" y="1196752"/>
+            <a:ext cx="8443337" cy="523220"/>
+          </a:xfrm>
+          <a:prstGeom prst="rect">
+            <a:avLst/>
+          </a:prstGeom>
+          <a:noFill/>
+        </p:spPr>
+        <p:txBody>
+          <a:bodyPr wrap="none" rtlCol="0">
+            <a:spAutoFit/>
+          </a:bodyPr>
+          <a:lstStyle/>
+          <a:p>
+            <a:r>
+              <a:rPr kumimoji="1" lang="ja-JP" altLang="en-US" sz="2800"/>
+              <a:t>かけたらエネルギーになる量をお互いに共役と呼ぶ</a:t>
+            </a:r>
+          </a:p>
+        </p:txBody>
+      </p:sp>
+      <mc:AlternateContent xmlns:mc="http://schemas.openxmlformats.org/markup-compatibility/2006">
+        <mc:Choice xmlns:a14="http://schemas.microsoft.com/office/drawing/2010/main" Requires="a14">
+          <p:sp>
+            <p:nvSpPr>
+              <p:cNvPr id="9" name="テキスト ボックス 8">
+                <a:extLst>
+                  <a:ext uri="{FF2B5EF4-FFF2-40B4-BE49-F238E27FC236}">
+                    <a16:creationId xmlns:a16="http://schemas.microsoft.com/office/drawing/2014/main" id="{E3E64D2F-7DAC-D79B-7BED-957B6B0EA455}"/>
+                  </a:ext>
+                </a:extLst>
+              </p:cNvPr>
+              <p:cNvSpPr txBox="1"/>
+              <p:nvPr/>
+            </p:nvSpPr>
+            <p:spPr>
+              <a:xfrm>
+                <a:off x="5741099" y="3933056"/>
+                <a:ext cx="1406219" cy="646331"/>
+              </a:xfrm>
+              <a:prstGeom prst="rect">
+                <a:avLst/>
+              </a:prstGeom>
+              <a:noFill/>
+            </p:spPr>
+            <p:txBody>
+              <a:bodyPr wrap="none" rtlCol="0">
+                <a:spAutoFit/>
+              </a:bodyPr>
+              <a:lstStyle/>
+              <a:p>
+                <a:r>
+                  <a:rPr lang="ja-JP" altLang="en-US" sz="3600">
+                    <a:solidFill>
+                      <a:schemeClr val="tx1"/>
+                    </a:solidFill>
+                  </a:rPr>
+                  <a:t>温度</a:t>
+                </a:r>
+                <a14:m>
+                  <m:oMath xmlns:m="http://schemas.openxmlformats.org/officeDocument/2006/math">
+                    <m:r>
+                      <a:rPr kumimoji="1" lang="en-US" altLang="ja-JP" sz="3600" b="0" i="1" smtClean="0">
+                        <a:solidFill>
+                          <a:schemeClr val="tx1"/>
+                        </a:solidFill>
+                        <a:latin typeface="Cambria Math" panose="02040503050406030204" pitchFamily="18" charset="0"/>
+                      </a:rPr>
+                      <m:t>𝑇</m:t>
+                    </m:r>
+                  </m:oMath>
+                </a14:m>
+                <a:endParaRPr kumimoji="1" lang="ja-JP" altLang="en-US" sz="3600">
+                  <a:solidFill>
+                    <a:schemeClr val="tx1"/>
+                  </a:solidFill>
+                </a:endParaRPr>
+              </a:p>
+            </p:txBody>
+          </p:sp>
+        </mc:Choice>
+        <mc:Fallback>
+          <p:sp>
+            <p:nvSpPr>
+              <p:cNvPr id="9" name="テキスト ボックス 8">
+                <a:extLst>
+                  <a:ext uri="{FF2B5EF4-FFF2-40B4-BE49-F238E27FC236}">
+                    <a16:creationId xmlns:a16="http://schemas.microsoft.com/office/drawing/2014/main" id="{E3E64D2F-7DAC-D79B-7BED-957B6B0EA455}"/>
+                  </a:ext>
+                </a:extLst>
+              </p:cNvPr>
+              <p:cNvSpPr txBox="1">
+                <a:spLocks noRot="1" noChangeAspect="1" noMove="1" noResize="1" noEditPoints="1" noAdjustHandles="1" noChangeArrowheads="1" noChangeShapeType="1" noTextEdit="1"/>
+              </p:cNvSpPr>
+              <p:nvPr/>
+            </p:nvSpPr>
+            <p:spPr>
+              <a:xfrm>
+                <a:off x="5741099" y="3933056"/>
+                <a:ext cx="1406219" cy="646331"/>
+              </a:xfrm>
+              <a:prstGeom prst="rect">
+                <a:avLst/>
+              </a:prstGeom>
+              <a:blipFill>
+                <a:blip r:embed="rId4"/>
+                <a:stretch>
+                  <a:fillRect l="-13478" t="-16981" b="-32075"/>
+                </a:stretch>
+              </a:blipFill>
+            </p:spPr>
+            <p:txBody>
+              <a:bodyPr/>
+              <a:lstStyle/>
+              <a:p>
+                <a:r>
+                  <a:rPr lang="ja-JP" altLang="en-US">
+                    <a:noFill/>
+                  </a:rPr>
+                  <a:t> </a:t>
+                </a:r>
+              </a:p>
+            </p:txBody>
+          </p:sp>
+        </mc:Fallback>
+      </mc:AlternateContent>
+      <mc:AlternateContent xmlns:mc="http://schemas.openxmlformats.org/markup-compatibility/2006">
+        <mc:Choice xmlns:a14="http://schemas.microsoft.com/office/drawing/2010/main" Requires="a14">
+          <p:sp>
+            <p:nvSpPr>
+              <p:cNvPr id="10" name="テキスト ボックス 9">
+                <a:extLst>
+                  <a:ext uri="{FF2B5EF4-FFF2-40B4-BE49-F238E27FC236}">
+                    <a16:creationId xmlns:a16="http://schemas.microsoft.com/office/drawing/2014/main" id="{BB34A8A7-EB06-3288-D6B5-E22A47ED3E6B}"/>
+                  </a:ext>
+                </a:extLst>
+              </p:cNvPr>
+              <p:cNvSpPr txBox="1"/>
+              <p:nvPr/>
+            </p:nvSpPr>
+            <p:spPr>
+              <a:xfrm>
+                <a:off x="611560" y="3933056"/>
+                <a:ext cx="3257880" cy="646331"/>
+              </a:xfrm>
+              <a:prstGeom prst="rect">
+                <a:avLst/>
+              </a:prstGeom>
+              <a:noFill/>
+            </p:spPr>
+            <p:txBody>
+              <a:bodyPr wrap="none" rtlCol="0">
+                <a:spAutoFit/>
+              </a:bodyPr>
+              <a:lstStyle/>
+              <a:p>
+                <a:r>
+                  <a:rPr kumimoji="1" lang="ja-JP" altLang="en-US" sz="3600">
+                    <a:solidFill>
+                      <a:schemeClr val="tx1"/>
+                    </a:solidFill>
+                  </a:rPr>
+                  <a:t>エントロピー</a:t>
+                </a:r>
+                <a14:m>
+                  <m:oMath xmlns:m="http://schemas.openxmlformats.org/officeDocument/2006/math">
+                    <m:r>
+                      <a:rPr kumimoji="1" lang="en-US" altLang="ja-JP" sz="3600" b="0" i="1" smtClean="0">
+                        <a:solidFill>
+                          <a:schemeClr val="tx1"/>
+                        </a:solidFill>
+                        <a:latin typeface="Cambria Math" panose="02040503050406030204" pitchFamily="18" charset="0"/>
+                      </a:rPr>
+                      <m:t>𝑆</m:t>
+                    </m:r>
+                  </m:oMath>
+                </a14:m>
+                <a:endParaRPr kumimoji="1" lang="ja-JP" altLang="en-US" sz="3600">
+                  <a:solidFill>
+                    <a:schemeClr val="tx1"/>
+                  </a:solidFill>
+                </a:endParaRPr>
+              </a:p>
+            </p:txBody>
+          </p:sp>
+        </mc:Choice>
+        <mc:Fallback>
+          <p:sp>
+            <p:nvSpPr>
+              <p:cNvPr id="10" name="テキスト ボックス 9">
+                <a:extLst>
+                  <a:ext uri="{FF2B5EF4-FFF2-40B4-BE49-F238E27FC236}">
+                    <a16:creationId xmlns:a16="http://schemas.microsoft.com/office/drawing/2014/main" id="{BB34A8A7-EB06-3288-D6B5-E22A47ED3E6B}"/>
+                  </a:ext>
+                </a:extLst>
+              </p:cNvPr>
+              <p:cNvSpPr txBox="1">
+                <a:spLocks noRot="1" noChangeAspect="1" noMove="1" noResize="1" noEditPoints="1" noAdjustHandles="1" noChangeArrowheads="1" noChangeShapeType="1" noTextEdit="1"/>
+              </p:cNvSpPr>
+              <p:nvPr/>
+            </p:nvSpPr>
+            <p:spPr>
+              <a:xfrm>
+                <a:off x="611560" y="3933056"/>
+                <a:ext cx="3257880" cy="646331"/>
+              </a:xfrm>
+              <a:prstGeom prst="rect">
+                <a:avLst/>
+              </a:prstGeom>
+              <a:blipFill>
+                <a:blip r:embed="rId5"/>
+                <a:stretch>
+                  <a:fillRect l="-5607" t="-16981" b="-32075"/>
+                </a:stretch>
+              </a:blipFill>
+            </p:spPr>
+            <p:txBody>
+              <a:bodyPr/>
+              <a:lstStyle/>
+              <a:p>
+                <a:r>
+                  <a:rPr lang="ja-JP" altLang="en-US">
+                    <a:noFill/>
+                  </a:rPr>
+                  <a:t> </a:t>
+                </a:r>
+              </a:p>
+            </p:txBody>
+          </p:sp>
+        </mc:Fallback>
+      </mc:AlternateContent>
+      <mc:AlternateContent xmlns:mc="http://schemas.openxmlformats.org/markup-compatibility/2006">
+        <mc:Choice xmlns:a14="http://schemas.microsoft.com/office/drawing/2010/main" Requires="a14">
+          <p:sp>
+            <p:nvSpPr>
+              <p:cNvPr id="11" name="テキスト ボックス 10">
+                <a:extLst>
+                  <a:ext uri="{FF2B5EF4-FFF2-40B4-BE49-F238E27FC236}">
+                    <a16:creationId xmlns:a16="http://schemas.microsoft.com/office/drawing/2014/main" id="{A8102BB3-A6D9-50A9-FF16-A3E4AE0106CB}"/>
+                  </a:ext>
+                </a:extLst>
+              </p:cNvPr>
+              <p:cNvSpPr txBox="1"/>
+              <p:nvPr/>
+            </p:nvSpPr>
+            <p:spPr>
+              <a:xfrm>
+                <a:off x="1280910" y="5085184"/>
+                <a:ext cx="1919180" cy="646331"/>
+              </a:xfrm>
+              <a:prstGeom prst="rect">
+                <a:avLst/>
+              </a:prstGeom>
+              <a:noFill/>
+            </p:spPr>
+            <p:txBody>
+              <a:bodyPr wrap="none" rtlCol="0">
+                <a:spAutoFit/>
+              </a:bodyPr>
+              <a:lstStyle/>
+              <a:p>
+                <a:r>
+                  <a:rPr lang="ja-JP" altLang="en-US" sz="3600"/>
+                  <a:t>物質量</a:t>
+                </a:r>
+                <a14:m>
+                  <m:oMath xmlns:m="http://schemas.openxmlformats.org/officeDocument/2006/math">
+                    <m:r>
+                      <a:rPr kumimoji="1" lang="en-US" altLang="ja-JP" sz="3600" b="0" i="1" smtClean="0">
+                        <a:latin typeface="Cambria Math" panose="02040503050406030204" pitchFamily="18" charset="0"/>
+                      </a:rPr>
+                      <m:t>𝑁</m:t>
+                    </m:r>
+                  </m:oMath>
+                </a14:m>
+                <a:endParaRPr kumimoji="1" lang="ja-JP" altLang="en-US" sz="3600"/>
+              </a:p>
+            </p:txBody>
+          </p:sp>
+        </mc:Choice>
+        <mc:Fallback>
+          <p:sp>
+            <p:nvSpPr>
+              <p:cNvPr id="11" name="テキスト ボックス 10">
+                <a:extLst>
+                  <a:ext uri="{FF2B5EF4-FFF2-40B4-BE49-F238E27FC236}">
+                    <a16:creationId xmlns:a16="http://schemas.microsoft.com/office/drawing/2014/main" id="{A8102BB3-A6D9-50A9-FF16-A3E4AE0106CB}"/>
+                  </a:ext>
+                </a:extLst>
+              </p:cNvPr>
+              <p:cNvSpPr txBox="1">
+                <a:spLocks noRot="1" noChangeAspect="1" noMove="1" noResize="1" noEditPoints="1" noAdjustHandles="1" noChangeArrowheads="1" noChangeShapeType="1" noTextEdit="1"/>
+              </p:cNvSpPr>
+              <p:nvPr/>
+            </p:nvSpPr>
+            <p:spPr>
+              <a:xfrm>
+                <a:off x="1280910" y="5085184"/>
+                <a:ext cx="1919180" cy="646331"/>
+              </a:xfrm>
+              <a:prstGeom prst="rect">
+                <a:avLst/>
+              </a:prstGeom>
+              <a:blipFill>
+                <a:blip r:embed="rId6"/>
+                <a:stretch>
+                  <a:fillRect l="-9524" t="-16981" b="-32075"/>
+                </a:stretch>
+              </a:blipFill>
+            </p:spPr>
+            <p:txBody>
+              <a:bodyPr/>
+              <a:lstStyle/>
+              <a:p>
+                <a:r>
+                  <a:rPr lang="ja-JP" altLang="en-US">
+                    <a:noFill/>
+                  </a:rPr>
+                  <a:t> </a:t>
+                </a:r>
+              </a:p>
+            </p:txBody>
+          </p:sp>
+        </mc:Fallback>
+      </mc:AlternateContent>
+      <mc:AlternateContent xmlns:mc="http://schemas.openxmlformats.org/markup-compatibility/2006">
+        <mc:Choice xmlns:a14="http://schemas.microsoft.com/office/drawing/2010/main" Requires="a14">
+          <p:sp>
+            <p:nvSpPr>
+              <p:cNvPr id="12" name="テキスト ボックス 11">
+                <a:extLst>
+                  <a:ext uri="{FF2B5EF4-FFF2-40B4-BE49-F238E27FC236}">
+                    <a16:creationId xmlns:a16="http://schemas.microsoft.com/office/drawing/2014/main" id="{83A82D58-73FB-952F-42B5-BCD8A5843BD2}"/>
+                  </a:ext>
+                </a:extLst>
+              </p:cNvPr>
+              <p:cNvSpPr txBox="1"/>
+              <p:nvPr/>
+            </p:nvSpPr>
+            <p:spPr>
+              <a:xfrm>
+                <a:off x="4355976" y="5085184"/>
+                <a:ext cx="4176464" cy="646331"/>
+              </a:xfrm>
+              <a:prstGeom prst="rect">
+                <a:avLst/>
+              </a:prstGeom>
+              <a:noFill/>
+            </p:spPr>
+            <p:txBody>
+              <a:bodyPr wrap="square" rtlCol="0">
+                <a:spAutoFit/>
+              </a:bodyPr>
+              <a:lstStyle/>
+              <a:p>
+                <a:r>
+                  <a:rPr kumimoji="1" lang="ja-JP" altLang="en-US" sz="3600"/>
+                  <a:t>化学ポテンシャル</a:t>
+                </a:r>
+                <a14:m>
+                  <m:oMath xmlns:m="http://schemas.openxmlformats.org/officeDocument/2006/math">
+                    <m:r>
+                      <a:rPr kumimoji="1" lang="en-US" altLang="ja-JP" sz="3600" b="0" i="1" smtClean="0">
+                        <a:latin typeface="Cambria Math" panose="02040503050406030204" pitchFamily="18" charset="0"/>
+                      </a:rPr>
+                      <m:t>𝜇</m:t>
+                    </m:r>
+                  </m:oMath>
+                </a14:m>
+                <a:endParaRPr kumimoji="1" lang="ja-JP" altLang="en-US" sz="3600"/>
+              </a:p>
+            </p:txBody>
+          </p:sp>
+        </mc:Choice>
+        <mc:Fallback>
+          <p:sp>
+            <p:nvSpPr>
+              <p:cNvPr id="12" name="テキスト ボックス 11">
+                <a:extLst>
+                  <a:ext uri="{FF2B5EF4-FFF2-40B4-BE49-F238E27FC236}">
+                    <a16:creationId xmlns:a16="http://schemas.microsoft.com/office/drawing/2014/main" id="{83A82D58-73FB-952F-42B5-BCD8A5843BD2}"/>
+                  </a:ext>
+                </a:extLst>
+              </p:cNvPr>
+              <p:cNvSpPr txBox="1">
+                <a:spLocks noRot="1" noChangeAspect="1" noMove="1" noResize="1" noEditPoints="1" noAdjustHandles="1" noChangeArrowheads="1" noChangeShapeType="1" noTextEdit="1"/>
+              </p:cNvSpPr>
+              <p:nvPr/>
+            </p:nvSpPr>
+            <p:spPr>
+              <a:xfrm>
+                <a:off x="4355976" y="5085184"/>
+                <a:ext cx="4176464" cy="646331"/>
+              </a:xfrm>
+              <a:prstGeom prst="rect">
+                <a:avLst/>
+              </a:prstGeom>
+              <a:blipFill>
+                <a:blip r:embed="rId7"/>
+                <a:stretch>
+                  <a:fillRect l="-4526" t="-16981" b="-32075"/>
+                </a:stretch>
+              </a:blipFill>
+            </p:spPr>
+            <p:txBody>
+              <a:bodyPr/>
+              <a:lstStyle/>
+              <a:p>
+                <a:r>
+                  <a:rPr lang="ja-JP" altLang="en-US">
+                    <a:noFill/>
+                  </a:rPr>
+                  <a:t> </a:t>
+                </a:r>
+              </a:p>
+            </p:txBody>
+          </p:sp>
+        </mc:Fallback>
+      </mc:AlternateContent>
+    </p:spTree>
+    <p:extLst>
+      <p:ext uri="{BB962C8B-B14F-4D97-AF65-F5344CB8AC3E}">
+        <p14:creationId xmlns:p14="http://schemas.microsoft.com/office/powerpoint/2010/main" val="3146966435"/>
+      </p:ext>
+    </p:extLst>
+  </p:cSld>
+  <p:clrMapOvr>
+    <a:masterClrMapping/>
+  </p:clrMapOvr>
+</p:sld>
+</file>
+
+<file path=ppt/slides/slide12.xml><?xml version="1.0" encoding="utf-8"?>
+<p:sld xmlns:a="http://schemas.openxmlformats.org/drawingml/2006/main" xmlns:r="http://schemas.openxmlformats.org/officeDocument/2006/relationships" xmlns:p="http://schemas.openxmlformats.org/presentationml/2006/main">
+  <p:cSld>
+    <p:spTree>
+      <p:nvGrpSpPr>
+        <p:cNvPr id="1" name=""/>
+        <p:cNvGrpSpPr/>
+        <p:nvPr/>
+      </p:nvGrpSpPr>
+      <p:grpSpPr>
+        <a:xfrm>
+          <a:off x="0" y="0"/>
+          <a:ext cx="0" cy="0"/>
+          <a:chOff x="0" y="0"/>
+          <a:chExt cx="0" cy="0"/>
+        </a:xfrm>
+      </p:grpSpPr>
+      <p:sp>
+        <p:nvSpPr>
+          <p:cNvPr id="2" name="テキスト プレースホルダー 1">
+            <a:extLst>
+              <a:ext uri="{FF2B5EF4-FFF2-40B4-BE49-F238E27FC236}">
+                <a16:creationId xmlns:a16="http://schemas.microsoft.com/office/drawing/2014/main" id="{FB42ACAD-722D-B65C-FC56-4457170B7EF1}"/>
+              </a:ext>
+            </a:extLst>
+          </p:cNvPr>
+          <p:cNvSpPr>
+            <a:spLocks noGrp="1"/>
+          </p:cNvSpPr>
+          <p:nvPr>
+            <p:ph type="body" sz="quarter" idx="10"/>
+          </p:nvPr>
+        </p:nvSpPr>
+        <p:spPr/>
+        <p:txBody>
+          <a:bodyPr/>
+          <a:lstStyle/>
+          <a:p>
+            <a:r>
+              <a:rPr lang="ja-JP" altLang="en-US"/>
+              <a:t>熱力学量</a:t>
+            </a:r>
+            <a:endParaRPr kumimoji="1" lang="ja-JP" altLang="en-US"/>
+          </a:p>
+        </p:txBody>
+      </p:sp>
+      <mc:AlternateContent xmlns:mc="http://schemas.openxmlformats.org/markup-compatibility/2006">
+        <mc:Choice xmlns:a14="http://schemas.microsoft.com/office/drawing/2010/main" Requires="a14">
+          <p:sp>
+            <p:nvSpPr>
+              <p:cNvPr id="3" name="テキスト ボックス 2">
+                <a:extLst>
+                  <a:ext uri="{FF2B5EF4-FFF2-40B4-BE49-F238E27FC236}">
+                    <a16:creationId xmlns:a16="http://schemas.microsoft.com/office/drawing/2014/main" id="{6B59C4E3-5821-4331-51D3-3B49008A138C}"/>
+                  </a:ext>
+                </a:extLst>
+              </p:cNvPr>
+              <p:cNvSpPr txBox="1"/>
+              <p:nvPr/>
+            </p:nvSpPr>
+            <p:spPr>
+              <a:xfrm>
+                <a:off x="2699792" y="1196752"/>
+                <a:ext cx="2729145" cy="769441"/>
+              </a:xfrm>
+              <a:prstGeom prst="rect">
+                <a:avLst/>
+              </a:prstGeom>
+              <a:noFill/>
+            </p:spPr>
+            <p:txBody>
+              <a:bodyPr wrap="none" rtlCol="0">
+                <a:spAutoFit/>
+              </a:bodyPr>
+              <a:lstStyle/>
+              <a:p>
+                <a14:m>
+                  <m:oMathPara xmlns:m="http://schemas.openxmlformats.org/officeDocument/2006/math">
+                    <m:oMathParaPr>
+                      <m:jc m:val="centerGroup"/>
+                    </m:oMathParaPr>
+                    <m:oMath xmlns:m="http://schemas.openxmlformats.org/officeDocument/2006/math">
+                      <m:r>
+                        <a:rPr kumimoji="1" lang="en-US" altLang="ja-JP" sz="4400" b="0" i="1" smtClean="0">
+                          <a:latin typeface="Cambria Math" panose="02040503050406030204" pitchFamily="18" charset="0"/>
+                        </a:rPr>
+                        <m:t>𝑈</m:t>
+                      </m:r>
+                      <m:r>
+                        <a:rPr kumimoji="1" lang="en-US" altLang="ja-JP" sz="4400" b="0" i="1" smtClean="0">
+                          <a:latin typeface="Cambria Math" panose="02040503050406030204" pitchFamily="18" charset="0"/>
+                        </a:rPr>
+                        <m:t>(</m:t>
+                      </m:r>
+                      <m:r>
+                        <a:rPr kumimoji="1" lang="en-US" altLang="ja-JP" sz="4400" b="0" i="1" smtClean="0">
+                          <a:latin typeface="Cambria Math" panose="02040503050406030204" pitchFamily="18" charset="0"/>
+                        </a:rPr>
+                        <m:t>𝑆</m:t>
+                      </m:r>
+                      <m:r>
+                        <a:rPr kumimoji="1" lang="en-US" altLang="ja-JP" sz="4400" b="0" i="1" smtClean="0">
+                          <a:latin typeface="Cambria Math" panose="02040503050406030204" pitchFamily="18" charset="0"/>
+                        </a:rPr>
+                        <m:t>,</m:t>
+                      </m:r>
+                      <m:r>
+                        <a:rPr kumimoji="1" lang="en-US" altLang="ja-JP" sz="4400" b="0" i="1" smtClean="0">
+                          <a:latin typeface="Cambria Math" panose="02040503050406030204" pitchFamily="18" charset="0"/>
+                        </a:rPr>
+                        <m:t>𝑉</m:t>
+                      </m:r>
+                      <m:r>
+                        <a:rPr kumimoji="1" lang="en-US" altLang="ja-JP" sz="4400" b="0" i="1" smtClean="0">
+                          <a:latin typeface="Cambria Math" panose="02040503050406030204" pitchFamily="18" charset="0"/>
+                        </a:rPr>
+                        <m:t>,</m:t>
+                      </m:r>
+                      <m:r>
+                        <a:rPr kumimoji="1" lang="en-US" altLang="ja-JP" sz="4400" b="0" i="1" smtClean="0">
+                          <a:latin typeface="Cambria Math" panose="02040503050406030204" pitchFamily="18" charset="0"/>
+                        </a:rPr>
+                        <m:t>𝑁</m:t>
+                      </m:r>
+                      <m:r>
+                        <a:rPr kumimoji="1" lang="en-US" altLang="ja-JP" sz="4400" b="0" i="1" smtClean="0">
+                          <a:latin typeface="Cambria Math" panose="02040503050406030204" pitchFamily="18" charset="0"/>
+                        </a:rPr>
+                        <m:t>)</m:t>
+                      </m:r>
+                    </m:oMath>
+                  </m:oMathPara>
+                </a14:m>
+                <a:endParaRPr kumimoji="1" lang="ja-JP" altLang="en-US" sz="4400"/>
+              </a:p>
+            </p:txBody>
+          </p:sp>
+        </mc:Choice>
+        <mc:Fallback>
+          <p:sp>
+            <p:nvSpPr>
+              <p:cNvPr id="3" name="テキスト ボックス 2">
+                <a:extLst>
+                  <a:ext uri="{FF2B5EF4-FFF2-40B4-BE49-F238E27FC236}">
+                    <a16:creationId xmlns:a16="http://schemas.microsoft.com/office/drawing/2014/main" id="{6B59C4E3-5821-4331-51D3-3B49008A138C}"/>
+                  </a:ext>
+                </a:extLst>
+              </p:cNvPr>
+              <p:cNvSpPr txBox="1">
+                <a:spLocks noRot="1" noChangeAspect="1" noMove="1" noResize="1" noEditPoints="1" noAdjustHandles="1" noChangeArrowheads="1" noChangeShapeType="1" noTextEdit="1"/>
+              </p:cNvSpPr>
+              <p:nvPr/>
+            </p:nvSpPr>
+            <p:spPr>
+              <a:xfrm>
+                <a:off x="2699792" y="1196752"/>
+                <a:ext cx="2729145" cy="769441"/>
+              </a:xfrm>
+              <a:prstGeom prst="rect">
+                <a:avLst/>
+              </a:prstGeom>
+              <a:blipFill>
+                <a:blip r:embed="rId2"/>
+                <a:stretch>
+                  <a:fillRect/>
+                </a:stretch>
+              </a:blipFill>
+            </p:spPr>
+            <p:txBody>
+              <a:bodyPr/>
+              <a:lstStyle/>
+              <a:p>
+                <a:r>
+                  <a:rPr lang="ja-JP" altLang="en-US">
+                    <a:noFill/>
+                  </a:rPr>
+                  <a:t> </a:t>
+                </a:r>
+              </a:p>
+            </p:txBody>
+          </p:sp>
+        </mc:Fallback>
+      </mc:AlternateContent>
+      <mc:AlternateContent xmlns:mc="http://schemas.openxmlformats.org/markup-compatibility/2006">
+        <mc:Choice xmlns:a14="http://schemas.microsoft.com/office/drawing/2010/main" Requires="a14">
+          <p:sp>
+            <p:nvSpPr>
+              <p:cNvPr id="4" name="テキスト ボックス 3">
+                <a:extLst>
+                  <a:ext uri="{FF2B5EF4-FFF2-40B4-BE49-F238E27FC236}">
+                    <a16:creationId xmlns:a16="http://schemas.microsoft.com/office/drawing/2014/main" id="{51BCAAC4-D27B-FFA0-4516-1D966A9AED1D}"/>
+                  </a:ext>
+                </a:extLst>
+              </p:cNvPr>
+              <p:cNvSpPr txBox="1"/>
+              <p:nvPr/>
+            </p:nvSpPr>
+            <p:spPr>
+              <a:xfrm>
+                <a:off x="683568" y="2564904"/>
+                <a:ext cx="2729145" cy="769441"/>
+              </a:xfrm>
+              <a:prstGeom prst="rect">
+                <a:avLst/>
+              </a:prstGeom>
+              <a:noFill/>
+            </p:spPr>
+            <p:txBody>
+              <a:bodyPr wrap="none" rtlCol="0">
+                <a:spAutoFit/>
+              </a:bodyPr>
+              <a:lstStyle/>
+              <a:p>
+                <a14:m>
+                  <m:oMathPara xmlns:m="http://schemas.openxmlformats.org/officeDocument/2006/math">
+                    <m:oMathParaPr>
+                      <m:jc m:val="centerGroup"/>
+                    </m:oMathParaPr>
+                    <m:oMath xmlns:m="http://schemas.openxmlformats.org/officeDocument/2006/math">
+                      <m:r>
+                        <a:rPr kumimoji="1" lang="en-US" altLang="ja-JP" sz="4400" b="0" i="1" smtClean="0">
+                          <a:latin typeface="Cambria Math" panose="02040503050406030204" pitchFamily="18" charset="0"/>
+                        </a:rPr>
+                        <m:t>𝐻</m:t>
+                      </m:r>
+                      <m:r>
+                        <a:rPr kumimoji="1" lang="en-US" altLang="ja-JP" sz="4400" b="0" i="1" smtClean="0">
+                          <a:latin typeface="Cambria Math" panose="02040503050406030204" pitchFamily="18" charset="0"/>
+                        </a:rPr>
+                        <m:t>(</m:t>
+                      </m:r>
+                      <m:r>
+                        <a:rPr kumimoji="1" lang="en-US" altLang="ja-JP" sz="4400" b="0" i="1" smtClean="0">
+                          <a:latin typeface="Cambria Math" panose="02040503050406030204" pitchFamily="18" charset="0"/>
+                        </a:rPr>
+                        <m:t>𝑆</m:t>
+                      </m:r>
+                      <m:r>
+                        <a:rPr kumimoji="1" lang="en-US" altLang="ja-JP" sz="4400" b="0" i="1" smtClean="0">
+                          <a:latin typeface="Cambria Math" panose="02040503050406030204" pitchFamily="18" charset="0"/>
+                        </a:rPr>
+                        <m:t>,</m:t>
+                      </m:r>
+                      <m:r>
+                        <a:rPr kumimoji="1" lang="en-US" altLang="ja-JP" sz="4400" b="0" i="1" smtClean="0">
+                          <a:solidFill>
+                            <a:srgbClr val="FF0000"/>
+                          </a:solidFill>
+                          <a:latin typeface="Cambria Math" panose="02040503050406030204" pitchFamily="18" charset="0"/>
+                        </a:rPr>
+                        <m:t>𝑃</m:t>
+                      </m:r>
+                      <m:r>
+                        <a:rPr kumimoji="1" lang="en-US" altLang="ja-JP" sz="4400" b="0" i="1" smtClean="0">
+                          <a:latin typeface="Cambria Math" panose="02040503050406030204" pitchFamily="18" charset="0"/>
+                        </a:rPr>
+                        <m:t>,</m:t>
+                      </m:r>
+                      <m:r>
+                        <a:rPr kumimoji="1" lang="en-US" altLang="ja-JP" sz="4400" b="0" i="1" smtClean="0">
+                          <a:latin typeface="Cambria Math" panose="02040503050406030204" pitchFamily="18" charset="0"/>
+                        </a:rPr>
+                        <m:t>𝑁</m:t>
+                      </m:r>
+                      <m:r>
+                        <a:rPr kumimoji="1" lang="en-US" altLang="ja-JP" sz="4400" b="0" i="1" smtClean="0">
+                          <a:latin typeface="Cambria Math" panose="02040503050406030204" pitchFamily="18" charset="0"/>
+                        </a:rPr>
+                        <m:t>)</m:t>
+                      </m:r>
+                    </m:oMath>
+                  </m:oMathPara>
+                </a14:m>
+                <a:endParaRPr kumimoji="1" lang="ja-JP" altLang="en-US" sz="4400"/>
+              </a:p>
+            </p:txBody>
+          </p:sp>
+        </mc:Choice>
+        <mc:Fallback>
+          <p:sp>
+            <p:nvSpPr>
+              <p:cNvPr id="4" name="テキスト ボックス 3">
+                <a:extLst>
+                  <a:ext uri="{FF2B5EF4-FFF2-40B4-BE49-F238E27FC236}">
+                    <a16:creationId xmlns:a16="http://schemas.microsoft.com/office/drawing/2014/main" id="{51BCAAC4-D27B-FFA0-4516-1D966A9AED1D}"/>
+                  </a:ext>
+                </a:extLst>
+              </p:cNvPr>
+              <p:cNvSpPr txBox="1">
+                <a:spLocks noRot="1" noChangeAspect="1" noMove="1" noResize="1" noEditPoints="1" noAdjustHandles="1" noChangeArrowheads="1" noChangeShapeType="1" noTextEdit="1"/>
+              </p:cNvSpPr>
+              <p:nvPr/>
+            </p:nvSpPr>
+            <p:spPr>
+              <a:xfrm>
+                <a:off x="683568" y="2564904"/>
+                <a:ext cx="2729145" cy="769441"/>
+              </a:xfrm>
+              <a:prstGeom prst="rect">
+                <a:avLst/>
+              </a:prstGeom>
+              <a:blipFill>
+                <a:blip r:embed="rId3"/>
+                <a:stretch>
+                  <a:fillRect/>
+                </a:stretch>
+              </a:blipFill>
+            </p:spPr>
+            <p:txBody>
+              <a:bodyPr/>
+              <a:lstStyle/>
+              <a:p>
+                <a:r>
+                  <a:rPr lang="ja-JP" altLang="en-US">
+                    <a:noFill/>
+                  </a:rPr>
+                  <a:t> </a:t>
+                </a:r>
+              </a:p>
+            </p:txBody>
+          </p:sp>
+        </mc:Fallback>
+      </mc:AlternateContent>
+      <mc:AlternateContent xmlns:mc="http://schemas.openxmlformats.org/markup-compatibility/2006">
+        <mc:Choice xmlns:a14="http://schemas.microsoft.com/office/drawing/2010/main" Requires="a14">
+          <p:sp>
+            <p:nvSpPr>
+              <p:cNvPr id="5" name="テキスト ボックス 4">
+                <a:extLst>
+                  <a:ext uri="{FF2B5EF4-FFF2-40B4-BE49-F238E27FC236}">
+                    <a16:creationId xmlns:a16="http://schemas.microsoft.com/office/drawing/2014/main" id="{DEF7B4EB-7ACD-B624-4CF0-7E6AB5E5FA01}"/>
+                  </a:ext>
+                </a:extLst>
+              </p:cNvPr>
+              <p:cNvSpPr txBox="1"/>
+              <p:nvPr/>
+            </p:nvSpPr>
+            <p:spPr>
+              <a:xfrm>
+                <a:off x="5004048" y="2468215"/>
+                <a:ext cx="2756652" cy="769441"/>
+              </a:xfrm>
+              <a:prstGeom prst="rect">
+                <a:avLst/>
+              </a:prstGeom>
+              <a:noFill/>
+            </p:spPr>
+            <p:txBody>
+              <a:bodyPr wrap="none" rtlCol="0">
+                <a:spAutoFit/>
+              </a:bodyPr>
+              <a:lstStyle/>
+              <a:p>
+                <a14:m>
+                  <m:oMathPara xmlns:m="http://schemas.openxmlformats.org/officeDocument/2006/math">
+                    <m:oMathParaPr>
+                      <m:jc m:val="centerGroup"/>
+                    </m:oMathParaPr>
+                    <m:oMath xmlns:m="http://schemas.openxmlformats.org/officeDocument/2006/math">
+                      <m:r>
+                        <a:rPr kumimoji="1" lang="en-US" altLang="ja-JP" sz="4400" b="0" i="1" smtClean="0">
+                          <a:latin typeface="Cambria Math" panose="02040503050406030204" pitchFamily="18" charset="0"/>
+                        </a:rPr>
+                        <m:t>𝐹</m:t>
+                      </m:r>
+                      <m:r>
+                        <a:rPr kumimoji="1" lang="en-US" altLang="ja-JP" sz="4400" b="0" i="1" smtClean="0">
+                          <a:latin typeface="Cambria Math" panose="02040503050406030204" pitchFamily="18" charset="0"/>
+                        </a:rPr>
+                        <m:t>(</m:t>
+                      </m:r>
+                      <m:r>
+                        <a:rPr kumimoji="1" lang="en-US" altLang="ja-JP" sz="4400" b="0" i="1" smtClean="0">
+                          <a:solidFill>
+                            <a:srgbClr val="FF0000"/>
+                          </a:solidFill>
+                          <a:latin typeface="Cambria Math" panose="02040503050406030204" pitchFamily="18" charset="0"/>
+                        </a:rPr>
+                        <m:t>𝑇</m:t>
+                      </m:r>
+                      <m:r>
+                        <a:rPr kumimoji="1" lang="en-US" altLang="ja-JP" sz="4400" b="0" i="1" smtClean="0">
+                          <a:latin typeface="Cambria Math" panose="02040503050406030204" pitchFamily="18" charset="0"/>
+                        </a:rPr>
+                        <m:t>,</m:t>
+                      </m:r>
+                      <m:r>
+                        <a:rPr kumimoji="1" lang="en-US" altLang="ja-JP" sz="4400" b="0" i="1" smtClean="0">
+                          <a:latin typeface="Cambria Math" panose="02040503050406030204" pitchFamily="18" charset="0"/>
+                        </a:rPr>
+                        <m:t>𝑉</m:t>
+                      </m:r>
+                      <m:r>
+                        <a:rPr kumimoji="1" lang="en-US" altLang="ja-JP" sz="4400" b="0" i="1" smtClean="0">
+                          <a:latin typeface="Cambria Math" panose="02040503050406030204" pitchFamily="18" charset="0"/>
+                        </a:rPr>
+                        <m:t>,</m:t>
+                      </m:r>
+                      <m:r>
+                        <a:rPr kumimoji="1" lang="en-US" altLang="ja-JP" sz="4400" b="0" i="1" smtClean="0">
+                          <a:latin typeface="Cambria Math" panose="02040503050406030204" pitchFamily="18" charset="0"/>
+                        </a:rPr>
+                        <m:t>𝑁</m:t>
+                      </m:r>
+                      <m:r>
+                        <a:rPr kumimoji="1" lang="en-US" altLang="ja-JP" sz="4400" b="0" i="1" smtClean="0">
+                          <a:latin typeface="Cambria Math" panose="02040503050406030204" pitchFamily="18" charset="0"/>
+                        </a:rPr>
+                        <m:t>)</m:t>
+                      </m:r>
+                    </m:oMath>
+                  </m:oMathPara>
+                </a14:m>
+                <a:endParaRPr kumimoji="1" lang="ja-JP" altLang="en-US" sz="4400"/>
+              </a:p>
+            </p:txBody>
+          </p:sp>
+        </mc:Choice>
+        <mc:Fallback>
+          <p:sp>
+            <p:nvSpPr>
+              <p:cNvPr id="5" name="テキスト ボックス 4">
+                <a:extLst>
+                  <a:ext uri="{FF2B5EF4-FFF2-40B4-BE49-F238E27FC236}">
+                    <a16:creationId xmlns:a16="http://schemas.microsoft.com/office/drawing/2014/main" id="{DEF7B4EB-7ACD-B624-4CF0-7E6AB5E5FA01}"/>
+                  </a:ext>
+                </a:extLst>
+              </p:cNvPr>
+              <p:cNvSpPr txBox="1">
+                <a:spLocks noRot="1" noChangeAspect="1" noMove="1" noResize="1" noEditPoints="1" noAdjustHandles="1" noChangeArrowheads="1" noChangeShapeType="1" noTextEdit="1"/>
+              </p:cNvSpPr>
+              <p:nvPr/>
+            </p:nvSpPr>
+            <p:spPr>
+              <a:xfrm>
+                <a:off x="5004048" y="2468215"/>
+                <a:ext cx="2756652" cy="769441"/>
+              </a:xfrm>
+              <a:prstGeom prst="rect">
+                <a:avLst/>
+              </a:prstGeom>
+              <a:blipFill>
+                <a:blip r:embed="rId4"/>
+                <a:stretch>
+                  <a:fillRect/>
+                </a:stretch>
+              </a:blipFill>
+            </p:spPr>
+            <p:txBody>
+              <a:bodyPr/>
+              <a:lstStyle/>
+              <a:p>
+                <a:r>
+                  <a:rPr lang="ja-JP" altLang="en-US">
+                    <a:noFill/>
+                  </a:rPr>
+                  <a:t> </a:t>
+                </a:r>
+              </a:p>
+            </p:txBody>
+          </p:sp>
+        </mc:Fallback>
+      </mc:AlternateContent>
+      <mc:AlternateContent xmlns:mc="http://schemas.openxmlformats.org/markup-compatibility/2006">
+        <mc:Choice xmlns:a14="http://schemas.microsoft.com/office/drawing/2010/main" Requires="a14">
+          <p:sp>
+            <p:nvSpPr>
+              <p:cNvPr id="6" name="テキスト ボックス 5">
+                <a:extLst>
+                  <a:ext uri="{FF2B5EF4-FFF2-40B4-BE49-F238E27FC236}">
+                    <a16:creationId xmlns:a16="http://schemas.microsoft.com/office/drawing/2014/main" id="{D1F9773D-3B8B-F1EA-C255-990BA2A85313}"/>
+                  </a:ext>
+                </a:extLst>
+              </p:cNvPr>
+              <p:cNvSpPr txBox="1"/>
+              <p:nvPr/>
+            </p:nvSpPr>
+            <p:spPr>
+              <a:xfrm>
+                <a:off x="1763688" y="4797152"/>
+                <a:ext cx="2756652" cy="769441"/>
+              </a:xfrm>
+              <a:prstGeom prst="rect">
+                <a:avLst/>
+              </a:prstGeom>
+              <a:noFill/>
+            </p:spPr>
+            <p:txBody>
+              <a:bodyPr wrap="none" rtlCol="0">
+                <a:spAutoFit/>
+              </a:bodyPr>
+              <a:lstStyle/>
+              <a:p>
+                <a14:m>
+                  <m:oMathPara xmlns:m="http://schemas.openxmlformats.org/officeDocument/2006/math">
+                    <m:oMathParaPr>
+                      <m:jc m:val="centerGroup"/>
+                    </m:oMathParaPr>
+                    <m:oMath xmlns:m="http://schemas.openxmlformats.org/officeDocument/2006/math">
+                      <m:r>
+                        <a:rPr kumimoji="1" lang="en-US" altLang="ja-JP" sz="4400" b="0" i="1" smtClean="0">
+                          <a:latin typeface="Cambria Math" panose="02040503050406030204" pitchFamily="18" charset="0"/>
+                        </a:rPr>
+                        <m:t>𝐺</m:t>
+                      </m:r>
+                      <m:r>
+                        <a:rPr kumimoji="1" lang="en-US" altLang="ja-JP" sz="4400" b="0" i="1" smtClean="0">
+                          <a:latin typeface="Cambria Math" panose="02040503050406030204" pitchFamily="18" charset="0"/>
+                        </a:rPr>
+                        <m:t>(</m:t>
+                      </m:r>
+                      <m:r>
+                        <a:rPr kumimoji="1" lang="en-US" altLang="ja-JP" sz="4400" b="0" i="1" smtClean="0">
+                          <a:solidFill>
+                            <a:srgbClr val="FF0000"/>
+                          </a:solidFill>
+                          <a:latin typeface="Cambria Math" panose="02040503050406030204" pitchFamily="18" charset="0"/>
+                        </a:rPr>
+                        <m:t>𝑇</m:t>
+                      </m:r>
+                      <m:r>
+                        <a:rPr kumimoji="1" lang="en-US" altLang="ja-JP" sz="4400" b="0" i="1" smtClean="0">
+                          <a:latin typeface="Cambria Math" panose="02040503050406030204" pitchFamily="18" charset="0"/>
+                        </a:rPr>
+                        <m:t>,</m:t>
+                      </m:r>
+                      <m:r>
+                        <a:rPr kumimoji="1" lang="en-US" altLang="ja-JP" sz="4400" b="0" i="1" smtClean="0">
+                          <a:solidFill>
+                            <a:srgbClr val="FF0000"/>
+                          </a:solidFill>
+                          <a:latin typeface="Cambria Math" panose="02040503050406030204" pitchFamily="18" charset="0"/>
+                        </a:rPr>
+                        <m:t>𝑃</m:t>
+                      </m:r>
+                      <m:r>
+                        <a:rPr kumimoji="1" lang="en-US" altLang="ja-JP" sz="4400" b="0" i="1" smtClean="0">
+                          <a:latin typeface="Cambria Math" panose="02040503050406030204" pitchFamily="18" charset="0"/>
+                        </a:rPr>
+                        <m:t>,</m:t>
+                      </m:r>
+                      <m:r>
+                        <a:rPr kumimoji="1" lang="en-US" altLang="ja-JP" sz="4400" b="0" i="1" smtClean="0">
+                          <a:latin typeface="Cambria Math" panose="02040503050406030204" pitchFamily="18" charset="0"/>
+                        </a:rPr>
+                        <m:t>𝑁</m:t>
+                      </m:r>
+                      <m:r>
+                        <a:rPr kumimoji="1" lang="en-US" altLang="ja-JP" sz="4400" b="0" i="1" smtClean="0">
+                          <a:latin typeface="Cambria Math" panose="02040503050406030204" pitchFamily="18" charset="0"/>
+                        </a:rPr>
+                        <m:t>)</m:t>
+                      </m:r>
+                    </m:oMath>
+                  </m:oMathPara>
+                </a14:m>
+                <a:endParaRPr kumimoji="1" lang="ja-JP" altLang="en-US" sz="4400"/>
+              </a:p>
+            </p:txBody>
+          </p:sp>
+        </mc:Choice>
+        <mc:Fallback>
+          <p:sp>
+            <p:nvSpPr>
+              <p:cNvPr id="6" name="テキスト ボックス 5">
+                <a:extLst>
+                  <a:ext uri="{FF2B5EF4-FFF2-40B4-BE49-F238E27FC236}">
+                    <a16:creationId xmlns:a16="http://schemas.microsoft.com/office/drawing/2014/main" id="{D1F9773D-3B8B-F1EA-C255-990BA2A85313}"/>
+                  </a:ext>
+                </a:extLst>
+              </p:cNvPr>
+              <p:cNvSpPr txBox="1">
+                <a:spLocks noRot="1" noChangeAspect="1" noMove="1" noResize="1" noEditPoints="1" noAdjustHandles="1" noChangeArrowheads="1" noChangeShapeType="1" noTextEdit="1"/>
+              </p:cNvSpPr>
+              <p:nvPr/>
+            </p:nvSpPr>
+            <p:spPr>
+              <a:xfrm>
+                <a:off x="1763688" y="4797152"/>
+                <a:ext cx="2756652" cy="769441"/>
+              </a:xfrm>
+              <a:prstGeom prst="rect">
+                <a:avLst/>
+              </a:prstGeom>
+              <a:blipFill>
+                <a:blip r:embed="rId5"/>
+                <a:stretch>
+                  <a:fillRect/>
+                </a:stretch>
+              </a:blipFill>
+            </p:spPr>
+            <p:txBody>
+              <a:bodyPr/>
+              <a:lstStyle/>
+              <a:p>
+                <a:r>
+                  <a:rPr lang="ja-JP" altLang="en-US">
+                    <a:noFill/>
+                  </a:rPr>
+                  <a:t> </a:t>
+                </a:r>
+              </a:p>
+            </p:txBody>
+          </p:sp>
+        </mc:Fallback>
+      </mc:AlternateContent>
+      <p:cxnSp>
+        <p:nvCxnSpPr>
+          <p:cNvPr id="8" name="直線矢印コネクタ 7">
+            <a:extLst>
+              <a:ext uri="{FF2B5EF4-FFF2-40B4-BE49-F238E27FC236}">
+                <a16:creationId xmlns:a16="http://schemas.microsoft.com/office/drawing/2014/main" id="{9D17888B-A53E-F57E-F2F8-59E98D42A44F}"/>
+              </a:ext>
+            </a:extLst>
+          </p:cNvPr>
+          <p:cNvCxnSpPr>
+            <a:cxnSpLocks/>
+            <a:stCxn id="3" idx="2"/>
+            <a:endCxn id="4" idx="0"/>
+          </p:cNvCxnSpPr>
+          <p:nvPr/>
+        </p:nvCxnSpPr>
+        <p:spPr>
+          <a:xfrm flipH="1">
+            <a:off x="2048141" y="1966193"/>
+            <a:ext cx="2016224" cy="598711"/>
+          </a:xfrm>
+          <a:prstGeom prst="straightConnector1">
+            <a:avLst/>
+          </a:prstGeom>
+          <a:ln>
+            <a:solidFill>
+              <a:schemeClr val="tx1"/>
+            </a:solidFill>
+            <a:headEnd type="none" w="med" len="med"/>
+            <a:tailEnd type="triangle"/>
+          </a:ln>
+        </p:spPr>
+        <p:style>
+          <a:lnRef idx="1">
+            <a:schemeClr val="accent1"/>
+          </a:lnRef>
+          <a:fillRef idx="0">
+            <a:schemeClr val="accent1"/>
+          </a:fillRef>
+          <a:effectRef idx="0">
+            <a:schemeClr val="accent1"/>
+          </a:effectRef>
+          <a:fontRef idx="minor">
+            <a:schemeClr val="tx1"/>
+          </a:fontRef>
+        </p:style>
+      </p:cxnSp>
+      <p:cxnSp>
+        <p:nvCxnSpPr>
+          <p:cNvPr id="9" name="直線矢印コネクタ 8">
+            <a:extLst>
+              <a:ext uri="{FF2B5EF4-FFF2-40B4-BE49-F238E27FC236}">
+                <a16:creationId xmlns:a16="http://schemas.microsoft.com/office/drawing/2014/main" id="{8893F0C1-35F3-8194-5DDB-A9F8B38CA189}"/>
+              </a:ext>
+            </a:extLst>
+          </p:cNvPr>
+          <p:cNvCxnSpPr>
+            <a:cxnSpLocks/>
+            <a:stCxn id="3" idx="2"/>
+            <a:endCxn id="5" idx="0"/>
+          </p:cNvCxnSpPr>
+          <p:nvPr/>
+        </p:nvCxnSpPr>
+        <p:spPr>
+          <a:xfrm>
+            <a:off x="4064365" y="1966193"/>
+            <a:ext cx="2318009" cy="502022"/>
+          </a:xfrm>
+          <a:prstGeom prst="straightConnector1">
+            <a:avLst/>
+          </a:prstGeom>
+          <a:ln>
+            <a:solidFill>
+              <a:schemeClr val="tx1"/>
+            </a:solidFill>
+            <a:headEnd type="none" w="med" len="med"/>
+            <a:tailEnd type="triangle"/>
+          </a:ln>
+        </p:spPr>
+        <p:style>
+          <a:lnRef idx="1">
+            <a:schemeClr val="accent1"/>
+          </a:lnRef>
+          <a:fillRef idx="0">
+            <a:schemeClr val="accent1"/>
+          </a:fillRef>
+          <a:effectRef idx="0">
+            <a:schemeClr val="accent1"/>
+          </a:effectRef>
+          <a:fontRef idx="minor">
+            <a:schemeClr val="tx1"/>
+          </a:fontRef>
+        </p:style>
+      </p:cxnSp>
+      <p:cxnSp>
+        <p:nvCxnSpPr>
+          <p:cNvPr id="12" name="直線矢印コネクタ 11">
+            <a:extLst>
+              <a:ext uri="{FF2B5EF4-FFF2-40B4-BE49-F238E27FC236}">
+                <a16:creationId xmlns:a16="http://schemas.microsoft.com/office/drawing/2014/main" id="{F62A5B95-D753-FE55-5EC6-B2F874EC72A0}"/>
+              </a:ext>
+            </a:extLst>
+          </p:cNvPr>
+          <p:cNvCxnSpPr>
+            <a:cxnSpLocks/>
+            <a:stCxn id="5" idx="2"/>
+            <a:endCxn id="6" idx="0"/>
+          </p:cNvCxnSpPr>
+          <p:nvPr/>
+        </p:nvCxnSpPr>
+        <p:spPr>
+          <a:xfrm flipH="1">
+            <a:off x="3142014" y="3237656"/>
+            <a:ext cx="3240360" cy="1559496"/>
+          </a:xfrm>
+          <a:prstGeom prst="straightConnector1">
+            <a:avLst/>
+          </a:prstGeom>
+          <a:ln>
+            <a:solidFill>
+              <a:schemeClr val="tx1"/>
+            </a:solidFill>
+            <a:headEnd type="none" w="med" len="med"/>
+            <a:tailEnd type="triangle"/>
+          </a:ln>
+        </p:spPr>
+        <p:style>
+          <a:lnRef idx="1">
+            <a:schemeClr val="accent1"/>
+          </a:lnRef>
+          <a:fillRef idx="0">
+            <a:schemeClr val="accent1"/>
+          </a:fillRef>
+          <a:effectRef idx="0">
+            <a:schemeClr val="accent1"/>
+          </a:effectRef>
+          <a:fontRef idx="minor">
+            <a:schemeClr val="tx1"/>
+          </a:fontRef>
+        </p:style>
+      </p:cxnSp>
+      <p:cxnSp>
+        <p:nvCxnSpPr>
+          <p:cNvPr id="15" name="直線矢印コネクタ 14">
+            <a:extLst>
+              <a:ext uri="{FF2B5EF4-FFF2-40B4-BE49-F238E27FC236}">
+                <a16:creationId xmlns:a16="http://schemas.microsoft.com/office/drawing/2014/main" id="{307196D7-96E0-6CD4-BACB-7B434E12909B}"/>
+              </a:ext>
+            </a:extLst>
+          </p:cNvPr>
+          <p:cNvCxnSpPr>
+            <a:cxnSpLocks/>
+            <a:stCxn id="4" idx="2"/>
+            <a:endCxn id="6" idx="0"/>
+          </p:cNvCxnSpPr>
+          <p:nvPr/>
+        </p:nvCxnSpPr>
+        <p:spPr>
+          <a:xfrm>
+            <a:off x="2048141" y="3334345"/>
+            <a:ext cx="1093873" cy="1462807"/>
+          </a:xfrm>
+          <a:prstGeom prst="straightConnector1">
+            <a:avLst/>
+          </a:prstGeom>
+          <a:ln>
+            <a:solidFill>
+              <a:schemeClr val="tx1"/>
+            </a:solidFill>
+            <a:headEnd type="none" w="med" len="med"/>
+            <a:tailEnd type="triangle"/>
+          </a:ln>
+        </p:spPr>
+        <p:style>
+          <a:lnRef idx="1">
+            <a:schemeClr val="accent1"/>
+          </a:lnRef>
+          <a:fillRef idx="0">
+            <a:schemeClr val="accent1"/>
+          </a:fillRef>
+          <a:effectRef idx="0">
+            <a:schemeClr val="accent1"/>
+          </a:effectRef>
+          <a:fontRef idx="minor">
+            <a:schemeClr val="tx1"/>
+          </a:fontRef>
+        </p:style>
+      </p:cxnSp>
+      <mc:AlternateContent xmlns:mc="http://schemas.openxmlformats.org/markup-compatibility/2006">
+        <mc:Choice xmlns:a14="http://schemas.microsoft.com/office/drawing/2010/main" Requires="a14">
+          <p:sp>
+            <p:nvSpPr>
+              <p:cNvPr id="18" name="テキスト ボックス 17">
+                <a:extLst>
+                  <a:ext uri="{FF2B5EF4-FFF2-40B4-BE49-F238E27FC236}">
+                    <a16:creationId xmlns:a16="http://schemas.microsoft.com/office/drawing/2014/main" id="{43F3C0F3-0592-801F-DA86-D088E3D878C4}"/>
+                  </a:ext>
+                </a:extLst>
+              </p:cNvPr>
+              <p:cNvSpPr txBox="1"/>
+              <p:nvPr/>
+            </p:nvSpPr>
+            <p:spPr>
+              <a:xfrm>
+                <a:off x="5868144" y="4797152"/>
+                <a:ext cx="2655983" cy="769441"/>
+              </a:xfrm>
+              <a:prstGeom prst="rect">
+                <a:avLst/>
+              </a:prstGeom>
+              <a:noFill/>
+            </p:spPr>
+            <p:txBody>
+              <a:bodyPr wrap="none" rtlCol="0">
+                <a:spAutoFit/>
+              </a:bodyPr>
+              <a:lstStyle/>
+              <a:p>
+                <a14:m>
+                  <m:oMathPara xmlns:m="http://schemas.openxmlformats.org/officeDocument/2006/math">
+                    <m:oMathParaPr>
+                      <m:jc m:val="centerGroup"/>
+                    </m:oMathParaPr>
+                    <m:oMath xmlns:m="http://schemas.openxmlformats.org/officeDocument/2006/math">
+                      <m:r>
+                        <m:rPr>
+                          <m:sty m:val="p"/>
+                        </m:rPr>
+                        <a:rPr lang="en-US" altLang="ja-JP" sz="4400" i="0" smtClean="0">
+                          <a:latin typeface="Cambria Math" panose="02040503050406030204" pitchFamily="18" charset="0"/>
+                        </a:rPr>
+                        <m:t>Ω</m:t>
+                      </m:r>
+                      <m:r>
+                        <a:rPr kumimoji="1" lang="en-US" altLang="ja-JP" sz="4400" b="0" i="1" smtClean="0">
+                          <a:latin typeface="Cambria Math" panose="02040503050406030204" pitchFamily="18" charset="0"/>
+                        </a:rPr>
+                        <m:t>(</m:t>
+                      </m:r>
+                      <m:r>
+                        <a:rPr kumimoji="1" lang="en-US" altLang="ja-JP" sz="4400" b="0" i="1" smtClean="0">
+                          <a:solidFill>
+                            <a:srgbClr val="FF0000"/>
+                          </a:solidFill>
+                          <a:latin typeface="Cambria Math" panose="02040503050406030204" pitchFamily="18" charset="0"/>
+                        </a:rPr>
+                        <m:t>𝑇</m:t>
+                      </m:r>
+                      <m:r>
+                        <a:rPr kumimoji="1" lang="en-US" altLang="ja-JP" sz="4400" b="0" i="1" smtClean="0">
+                          <a:latin typeface="Cambria Math" panose="02040503050406030204" pitchFamily="18" charset="0"/>
+                        </a:rPr>
+                        <m:t>,</m:t>
+                      </m:r>
+                      <m:r>
+                        <a:rPr kumimoji="1" lang="en-US" altLang="ja-JP" sz="4400" b="0" i="1" smtClean="0">
+                          <a:latin typeface="Cambria Math" panose="02040503050406030204" pitchFamily="18" charset="0"/>
+                        </a:rPr>
+                        <m:t>𝑉</m:t>
+                      </m:r>
+                      <m:r>
+                        <a:rPr kumimoji="1" lang="en-US" altLang="ja-JP" sz="4400" b="0" i="1" smtClean="0">
+                          <a:latin typeface="Cambria Math" panose="02040503050406030204" pitchFamily="18" charset="0"/>
+                        </a:rPr>
+                        <m:t>,</m:t>
+                      </m:r>
+                      <m:r>
+                        <a:rPr kumimoji="1" lang="en-US" altLang="ja-JP" sz="4400" b="0" i="1" smtClean="0">
+                          <a:solidFill>
+                            <a:srgbClr val="FF0000"/>
+                          </a:solidFill>
+                          <a:latin typeface="Cambria Math" panose="02040503050406030204" pitchFamily="18" charset="0"/>
+                        </a:rPr>
+                        <m:t>𝜇</m:t>
+                      </m:r>
+                      <m:r>
+                        <a:rPr kumimoji="1" lang="en-US" altLang="ja-JP" sz="4400" b="0" i="1" smtClean="0">
+                          <a:latin typeface="Cambria Math" panose="02040503050406030204" pitchFamily="18" charset="0"/>
+                        </a:rPr>
+                        <m:t>)</m:t>
+                      </m:r>
+                    </m:oMath>
+                  </m:oMathPara>
+                </a14:m>
+                <a:endParaRPr kumimoji="1" lang="ja-JP" altLang="en-US" sz="4400"/>
+              </a:p>
+            </p:txBody>
+          </p:sp>
+        </mc:Choice>
+        <mc:Fallback>
+          <p:sp>
+            <p:nvSpPr>
+              <p:cNvPr id="18" name="テキスト ボックス 17">
+                <a:extLst>
+                  <a:ext uri="{FF2B5EF4-FFF2-40B4-BE49-F238E27FC236}">
+                    <a16:creationId xmlns:a16="http://schemas.microsoft.com/office/drawing/2014/main" id="{43F3C0F3-0592-801F-DA86-D088E3D878C4}"/>
+                  </a:ext>
+                </a:extLst>
+              </p:cNvPr>
+              <p:cNvSpPr txBox="1">
+                <a:spLocks noRot="1" noChangeAspect="1" noMove="1" noResize="1" noEditPoints="1" noAdjustHandles="1" noChangeArrowheads="1" noChangeShapeType="1" noTextEdit="1"/>
+              </p:cNvSpPr>
+              <p:nvPr/>
+            </p:nvSpPr>
+            <p:spPr>
+              <a:xfrm>
+                <a:off x="5868144" y="4797152"/>
+                <a:ext cx="2655983" cy="769441"/>
+              </a:xfrm>
+              <a:prstGeom prst="rect">
+                <a:avLst/>
+              </a:prstGeom>
+              <a:blipFill>
+                <a:blip r:embed="rId6"/>
+                <a:stretch>
+                  <a:fillRect/>
+                </a:stretch>
+              </a:blipFill>
+            </p:spPr>
+            <p:txBody>
+              <a:bodyPr/>
+              <a:lstStyle/>
+              <a:p>
+                <a:r>
+                  <a:rPr lang="ja-JP" altLang="en-US">
+                    <a:noFill/>
+                  </a:rPr>
+                  <a:t> </a:t>
+                </a:r>
+              </a:p>
+            </p:txBody>
+          </p:sp>
+        </mc:Fallback>
+      </mc:AlternateContent>
+      <mc:AlternateContent xmlns:mc="http://schemas.openxmlformats.org/markup-compatibility/2006">
+        <mc:Choice xmlns:a14="http://schemas.microsoft.com/office/drawing/2010/main" Requires="a14">
+          <p:sp>
+            <p:nvSpPr>
+              <p:cNvPr id="30" name="テキスト ボックス 29">
+                <a:extLst>
+                  <a:ext uri="{FF2B5EF4-FFF2-40B4-BE49-F238E27FC236}">
+                    <a16:creationId xmlns:a16="http://schemas.microsoft.com/office/drawing/2014/main" id="{20878908-B4BA-6027-C357-E73C625E5B9A}"/>
+                  </a:ext>
+                </a:extLst>
+              </p:cNvPr>
+              <p:cNvSpPr txBox="1"/>
+              <p:nvPr/>
+            </p:nvSpPr>
+            <p:spPr>
+              <a:xfrm>
+                <a:off x="6084168" y="1844824"/>
+                <a:ext cx="1805366" cy="461665"/>
+              </a:xfrm>
+              <a:prstGeom prst="rect">
+                <a:avLst/>
+              </a:prstGeom>
+              <a:noFill/>
+            </p:spPr>
+            <p:txBody>
+              <a:bodyPr wrap="none" rtlCol="0">
+                <a:spAutoFit/>
+              </a:bodyPr>
+              <a:lstStyle/>
+              <a:p>
+                <a14:m>
+                  <m:oMathPara xmlns:m="http://schemas.openxmlformats.org/officeDocument/2006/math">
+                    <m:oMathParaPr>
+                      <m:jc m:val="centerGroup"/>
+                    </m:oMathParaPr>
+                    <m:oMath xmlns:m="http://schemas.openxmlformats.org/officeDocument/2006/math">
+                      <m:r>
+                        <a:rPr kumimoji="1" lang="en-US" altLang="ja-JP" sz="2400" b="0" i="1" smtClean="0">
+                          <a:latin typeface="Cambria Math" panose="02040503050406030204" pitchFamily="18" charset="0"/>
+                        </a:rPr>
+                        <m:t>𝐹</m:t>
+                      </m:r>
+                      <m:r>
+                        <a:rPr kumimoji="1" lang="en-US" altLang="ja-JP" sz="2400" b="0" i="1" smtClean="0">
+                          <a:latin typeface="Cambria Math" panose="02040503050406030204" pitchFamily="18" charset="0"/>
+                        </a:rPr>
+                        <m:t>=</m:t>
+                      </m:r>
+                      <m:r>
+                        <a:rPr kumimoji="1" lang="en-US" altLang="ja-JP" sz="2400" b="0" i="1" smtClean="0">
+                          <a:latin typeface="Cambria Math" panose="02040503050406030204" pitchFamily="18" charset="0"/>
+                        </a:rPr>
+                        <m:t>𝑈</m:t>
+                      </m:r>
+                      <m:r>
+                        <a:rPr kumimoji="1" lang="en-US" altLang="ja-JP" sz="2400" b="0" i="1" smtClean="0">
+                          <a:latin typeface="Cambria Math" panose="02040503050406030204" pitchFamily="18" charset="0"/>
+                        </a:rPr>
+                        <m:t>−</m:t>
+                      </m:r>
+                      <m:r>
+                        <a:rPr kumimoji="1" lang="en-US" altLang="ja-JP" sz="2400" b="0" i="1" smtClean="0">
+                          <a:latin typeface="Cambria Math" panose="02040503050406030204" pitchFamily="18" charset="0"/>
+                        </a:rPr>
+                        <m:t>𝑇𝑆</m:t>
+                      </m:r>
+                    </m:oMath>
+                  </m:oMathPara>
+                </a14:m>
+                <a:endParaRPr kumimoji="1" lang="ja-JP" altLang="en-US" sz="2400"/>
+              </a:p>
+            </p:txBody>
+          </p:sp>
+        </mc:Choice>
+        <mc:Fallback>
+          <p:sp>
+            <p:nvSpPr>
+              <p:cNvPr id="30" name="テキスト ボックス 29">
+                <a:extLst>
+                  <a:ext uri="{FF2B5EF4-FFF2-40B4-BE49-F238E27FC236}">
+                    <a16:creationId xmlns:a16="http://schemas.microsoft.com/office/drawing/2014/main" id="{20878908-B4BA-6027-C357-E73C625E5B9A}"/>
+                  </a:ext>
+                </a:extLst>
+              </p:cNvPr>
+              <p:cNvSpPr txBox="1">
+                <a:spLocks noRot="1" noChangeAspect="1" noMove="1" noResize="1" noEditPoints="1" noAdjustHandles="1" noChangeArrowheads="1" noChangeShapeType="1" noTextEdit="1"/>
+              </p:cNvSpPr>
+              <p:nvPr/>
+            </p:nvSpPr>
+            <p:spPr>
+              <a:xfrm>
+                <a:off x="6084168" y="1844824"/>
+                <a:ext cx="1805366" cy="461665"/>
+              </a:xfrm>
+              <a:prstGeom prst="rect">
+                <a:avLst/>
+              </a:prstGeom>
+              <a:blipFill>
+                <a:blip r:embed="rId7"/>
+                <a:stretch>
+                  <a:fillRect/>
+                </a:stretch>
+              </a:blipFill>
+            </p:spPr>
+            <p:txBody>
+              <a:bodyPr/>
+              <a:lstStyle/>
+              <a:p>
+                <a:r>
+                  <a:rPr lang="ja-JP" altLang="en-US">
+                    <a:noFill/>
+                  </a:rPr>
+                  <a:t> </a:t>
+                </a:r>
+              </a:p>
+            </p:txBody>
+          </p:sp>
+        </mc:Fallback>
+      </mc:AlternateContent>
+      <mc:AlternateContent xmlns:mc="http://schemas.openxmlformats.org/markup-compatibility/2006">
+        <mc:Choice xmlns:a14="http://schemas.microsoft.com/office/drawing/2010/main" Requires="a14">
+          <p:sp>
+            <p:nvSpPr>
+              <p:cNvPr id="31" name="テキスト ボックス 30">
+                <a:extLst>
+                  <a:ext uri="{FF2B5EF4-FFF2-40B4-BE49-F238E27FC236}">
+                    <a16:creationId xmlns:a16="http://schemas.microsoft.com/office/drawing/2014/main" id="{E4E7F108-33C4-42DE-BCB3-50E0E526CA54}"/>
+                  </a:ext>
+                </a:extLst>
+              </p:cNvPr>
+              <p:cNvSpPr txBox="1"/>
+              <p:nvPr/>
+            </p:nvSpPr>
+            <p:spPr>
+              <a:xfrm>
+                <a:off x="755576" y="1772816"/>
+                <a:ext cx="1879810" cy="461665"/>
+              </a:xfrm>
+              <a:prstGeom prst="rect">
+                <a:avLst/>
+              </a:prstGeom>
+              <a:noFill/>
+            </p:spPr>
+            <p:txBody>
+              <a:bodyPr wrap="none" rtlCol="0">
+                <a:spAutoFit/>
+              </a:bodyPr>
+              <a:lstStyle/>
+              <a:p>
+                <a14:m>
+                  <m:oMathPara xmlns:m="http://schemas.openxmlformats.org/officeDocument/2006/math">
+                    <m:oMathParaPr>
+                      <m:jc m:val="centerGroup"/>
+                    </m:oMathParaPr>
+                    <m:oMath xmlns:m="http://schemas.openxmlformats.org/officeDocument/2006/math">
+                      <m:r>
+                        <a:rPr kumimoji="1" lang="en-US" altLang="ja-JP" sz="2400" b="0" i="1" smtClean="0">
+                          <a:latin typeface="Cambria Math" panose="02040503050406030204" pitchFamily="18" charset="0"/>
+                        </a:rPr>
+                        <m:t>𝐻</m:t>
+                      </m:r>
+                      <m:r>
+                        <a:rPr kumimoji="1" lang="en-US" altLang="ja-JP" sz="2400" b="0" i="1" smtClean="0">
+                          <a:latin typeface="Cambria Math" panose="02040503050406030204" pitchFamily="18" charset="0"/>
+                        </a:rPr>
+                        <m:t>=</m:t>
+                      </m:r>
+                      <m:r>
+                        <a:rPr kumimoji="1" lang="en-US" altLang="ja-JP" sz="2400" b="0" i="1" smtClean="0">
+                          <a:latin typeface="Cambria Math" panose="02040503050406030204" pitchFamily="18" charset="0"/>
+                        </a:rPr>
+                        <m:t>𝑈</m:t>
+                      </m:r>
+                      <m:r>
+                        <a:rPr kumimoji="1" lang="en-US" altLang="ja-JP" sz="2400" b="0" i="1" smtClean="0">
+                          <a:latin typeface="Cambria Math" panose="02040503050406030204" pitchFamily="18" charset="0"/>
+                        </a:rPr>
+                        <m:t>+</m:t>
+                      </m:r>
+                      <m:r>
+                        <a:rPr kumimoji="1" lang="en-US" altLang="ja-JP" sz="2400" b="0" i="1" smtClean="0">
+                          <a:latin typeface="Cambria Math" panose="02040503050406030204" pitchFamily="18" charset="0"/>
+                        </a:rPr>
+                        <m:t>𝑃𝑉</m:t>
+                      </m:r>
+                    </m:oMath>
+                  </m:oMathPara>
+                </a14:m>
+                <a:endParaRPr kumimoji="1" lang="ja-JP" altLang="en-US" sz="2400"/>
+              </a:p>
+            </p:txBody>
+          </p:sp>
+        </mc:Choice>
+        <mc:Fallback>
+          <p:sp>
+            <p:nvSpPr>
+              <p:cNvPr id="31" name="テキスト ボックス 30">
+                <a:extLst>
+                  <a:ext uri="{FF2B5EF4-FFF2-40B4-BE49-F238E27FC236}">
+                    <a16:creationId xmlns:a16="http://schemas.microsoft.com/office/drawing/2014/main" id="{E4E7F108-33C4-42DE-BCB3-50E0E526CA54}"/>
+                  </a:ext>
+                </a:extLst>
+              </p:cNvPr>
+              <p:cNvSpPr txBox="1">
+                <a:spLocks noRot="1" noChangeAspect="1" noMove="1" noResize="1" noEditPoints="1" noAdjustHandles="1" noChangeArrowheads="1" noChangeShapeType="1" noTextEdit="1"/>
+              </p:cNvSpPr>
+              <p:nvPr/>
+            </p:nvSpPr>
+            <p:spPr>
+              <a:xfrm>
+                <a:off x="755576" y="1772816"/>
+                <a:ext cx="1879810" cy="461665"/>
+              </a:xfrm>
+              <a:prstGeom prst="rect">
+                <a:avLst/>
+              </a:prstGeom>
+              <a:blipFill>
+                <a:blip r:embed="rId8"/>
+                <a:stretch>
+                  <a:fillRect/>
+                </a:stretch>
+              </a:blipFill>
+            </p:spPr>
+            <p:txBody>
+              <a:bodyPr/>
+              <a:lstStyle/>
+              <a:p>
+                <a:r>
+                  <a:rPr lang="ja-JP" altLang="en-US">
+                    <a:noFill/>
+                  </a:rPr>
+                  <a:t> </a:t>
+                </a:r>
+              </a:p>
+            </p:txBody>
+          </p:sp>
+        </mc:Fallback>
+      </mc:AlternateContent>
+      <mc:AlternateContent xmlns:mc="http://schemas.openxmlformats.org/markup-compatibility/2006">
+        <mc:Choice xmlns:a14="http://schemas.microsoft.com/office/drawing/2010/main" Requires="a14">
+          <p:sp>
+            <p:nvSpPr>
+              <p:cNvPr id="32" name="テキスト ボックス 31">
+                <a:extLst>
+                  <a:ext uri="{FF2B5EF4-FFF2-40B4-BE49-F238E27FC236}">
+                    <a16:creationId xmlns:a16="http://schemas.microsoft.com/office/drawing/2014/main" id="{87867B22-8EB9-81EE-BA9B-FAF7AFD1AC2F}"/>
+                  </a:ext>
+                </a:extLst>
+              </p:cNvPr>
+              <p:cNvSpPr txBox="1"/>
+              <p:nvPr/>
+            </p:nvSpPr>
+            <p:spPr>
+              <a:xfrm>
+                <a:off x="395536" y="3933056"/>
+                <a:ext cx="1829090" cy="461665"/>
+              </a:xfrm>
+              <a:prstGeom prst="rect">
+                <a:avLst/>
+              </a:prstGeom>
+              <a:noFill/>
+            </p:spPr>
+            <p:txBody>
+              <a:bodyPr wrap="none" rtlCol="0">
+                <a:spAutoFit/>
+              </a:bodyPr>
+              <a:lstStyle/>
+              <a:p>
+                <a14:m>
+                  <m:oMathPara xmlns:m="http://schemas.openxmlformats.org/officeDocument/2006/math">
+                    <m:oMathParaPr>
+                      <m:jc m:val="centerGroup"/>
+                    </m:oMathParaPr>
+                    <m:oMath xmlns:m="http://schemas.openxmlformats.org/officeDocument/2006/math">
+                      <m:r>
+                        <a:rPr kumimoji="1" lang="en-US" altLang="ja-JP" sz="2400" b="0" i="1" smtClean="0">
+                          <a:latin typeface="Cambria Math" panose="02040503050406030204" pitchFamily="18" charset="0"/>
+                        </a:rPr>
+                        <m:t>𝐺</m:t>
+                      </m:r>
+                      <m:r>
+                        <a:rPr kumimoji="1" lang="en-US" altLang="ja-JP" sz="2400" b="0" i="1" smtClean="0">
+                          <a:latin typeface="Cambria Math" panose="02040503050406030204" pitchFamily="18" charset="0"/>
+                        </a:rPr>
+                        <m:t>=</m:t>
+                      </m:r>
+                      <m:r>
+                        <a:rPr kumimoji="1" lang="en-US" altLang="ja-JP" sz="2400" b="0" i="1" smtClean="0">
+                          <a:latin typeface="Cambria Math" panose="02040503050406030204" pitchFamily="18" charset="0"/>
+                        </a:rPr>
+                        <m:t>𝐻</m:t>
+                      </m:r>
+                      <m:r>
+                        <a:rPr kumimoji="1" lang="en-US" altLang="ja-JP" sz="2400" b="0" i="1" smtClean="0">
+                          <a:latin typeface="Cambria Math" panose="02040503050406030204" pitchFamily="18" charset="0"/>
+                        </a:rPr>
+                        <m:t>−</m:t>
+                      </m:r>
+                      <m:r>
+                        <a:rPr kumimoji="1" lang="en-US" altLang="ja-JP" sz="2400" b="0" i="1" smtClean="0">
+                          <a:latin typeface="Cambria Math" panose="02040503050406030204" pitchFamily="18" charset="0"/>
+                        </a:rPr>
+                        <m:t>𝑇𝑆</m:t>
+                      </m:r>
+                    </m:oMath>
+                  </m:oMathPara>
+                </a14:m>
+                <a:endParaRPr kumimoji="1" lang="ja-JP" altLang="en-US" sz="2400"/>
+              </a:p>
+            </p:txBody>
+          </p:sp>
+        </mc:Choice>
+        <mc:Fallback>
+          <p:sp>
+            <p:nvSpPr>
+              <p:cNvPr id="32" name="テキスト ボックス 31">
+                <a:extLst>
+                  <a:ext uri="{FF2B5EF4-FFF2-40B4-BE49-F238E27FC236}">
+                    <a16:creationId xmlns:a16="http://schemas.microsoft.com/office/drawing/2014/main" id="{87867B22-8EB9-81EE-BA9B-FAF7AFD1AC2F}"/>
+                  </a:ext>
+                </a:extLst>
+              </p:cNvPr>
+              <p:cNvSpPr txBox="1">
+                <a:spLocks noRot="1" noChangeAspect="1" noMove="1" noResize="1" noEditPoints="1" noAdjustHandles="1" noChangeArrowheads="1" noChangeShapeType="1" noTextEdit="1"/>
+              </p:cNvSpPr>
+              <p:nvPr/>
+            </p:nvSpPr>
+            <p:spPr>
+              <a:xfrm>
+                <a:off x="395536" y="3933056"/>
+                <a:ext cx="1829090" cy="461665"/>
+              </a:xfrm>
+              <a:prstGeom prst="rect">
+                <a:avLst/>
+              </a:prstGeom>
+              <a:blipFill>
+                <a:blip r:embed="rId9"/>
+                <a:stretch>
+                  <a:fillRect/>
+                </a:stretch>
+              </a:blipFill>
+            </p:spPr>
+            <p:txBody>
+              <a:bodyPr/>
+              <a:lstStyle/>
+              <a:p>
+                <a:r>
+                  <a:rPr lang="ja-JP" altLang="en-US">
+                    <a:noFill/>
+                  </a:rPr>
+                  <a:t> </a:t>
+                </a:r>
+              </a:p>
+            </p:txBody>
+          </p:sp>
+        </mc:Fallback>
+      </mc:AlternateContent>
+      <mc:AlternateContent xmlns:mc="http://schemas.openxmlformats.org/markup-compatibility/2006">
+        <mc:Choice xmlns:a14="http://schemas.microsoft.com/office/drawing/2010/main" Requires="a14">
+          <p:sp>
+            <p:nvSpPr>
+              <p:cNvPr id="33" name="テキスト ボックス 32">
+                <a:extLst>
+                  <a:ext uri="{FF2B5EF4-FFF2-40B4-BE49-F238E27FC236}">
+                    <a16:creationId xmlns:a16="http://schemas.microsoft.com/office/drawing/2014/main" id="{F8DF1863-D4C1-7CF5-EA91-08070FB2704D}"/>
+                  </a:ext>
+                </a:extLst>
+              </p:cNvPr>
+              <p:cNvSpPr txBox="1"/>
+              <p:nvPr/>
+            </p:nvSpPr>
+            <p:spPr>
+              <a:xfrm>
+                <a:off x="4139952" y="4149080"/>
+                <a:ext cx="1835824" cy="461665"/>
+              </a:xfrm>
+              <a:prstGeom prst="rect">
+                <a:avLst/>
+              </a:prstGeom>
+              <a:noFill/>
+            </p:spPr>
+            <p:txBody>
+              <a:bodyPr wrap="none" rtlCol="0">
+                <a:spAutoFit/>
+              </a:bodyPr>
+              <a:lstStyle/>
+              <a:p>
+                <a14:m>
+                  <m:oMathPara xmlns:m="http://schemas.openxmlformats.org/officeDocument/2006/math">
+                    <m:oMathParaPr>
+                      <m:jc m:val="centerGroup"/>
+                    </m:oMathParaPr>
+                    <m:oMath xmlns:m="http://schemas.openxmlformats.org/officeDocument/2006/math">
+                      <m:r>
+                        <a:rPr kumimoji="1" lang="en-US" altLang="ja-JP" sz="2400" b="0" i="1" smtClean="0">
+                          <a:latin typeface="Cambria Math" panose="02040503050406030204" pitchFamily="18" charset="0"/>
+                        </a:rPr>
+                        <m:t>𝐺</m:t>
+                      </m:r>
+                      <m:r>
+                        <a:rPr kumimoji="1" lang="en-US" altLang="ja-JP" sz="2400" b="0" i="1" smtClean="0">
+                          <a:latin typeface="Cambria Math" panose="02040503050406030204" pitchFamily="18" charset="0"/>
+                        </a:rPr>
+                        <m:t>=</m:t>
+                      </m:r>
+                      <m:r>
+                        <a:rPr kumimoji="1" lang="en-US" altLang="ja-JP" sz="2400" b="0" i="1" smtClean="0">
+                          <a:latin typeface="Cambria Math" panose="02040503050406030204" pitchFamily="18" charset="0"/>
+                        </a:rPr>
+                        <m:t>𝐹</m:t>
+                      </m:r>
+                      <m:r>
+                        <a:rPr kumimoji="1" lang="en-US" altLang="ja-JP" sz="2400" b="0" i="1" smtClean="0">
+                          <a:latin typeface="Cambria Math" panose="02040503050406030204" pitchFamily="18" charset="0"/>
+                        </a:rPr>
+                        <m:t>+</m:t>
+                      </m:r>
+                      <m:r>
+                        <a:rPr kumimoji="1" lang="en-US" altLang="ja-JP" sz="2400" b="0" i="1" smtClean="0">
+                          <a:latin typeface="Cambria Math" panose="02040503050406030204" pitchFamily="18" charset="0"/>
+                        </a:rPr>
+                        <m:t>𝑃𝑉</m:t>
+                      </m:r>
+                    </m:oMath>
+                  </m:oMathPara>
+                </a14:m>
+                <a:endParaRPr kumimoji="1" lang="ja-JP" altLang="en-US" sz="2400"/>
+              </a:p>
+            </p:txBody>
+          </p:sp>
+        </mc:Choice>
+        <mc:Fallback>
+          <p:sp>
+            <p:nvSpPr>
+              <p:cNvPr id="33" name="テキスト ボックス 32">
+                <a:extLst>
+                  <a:ext uri="{FF2B5EF4-FFF2-40B4-BE49-F238E27FC236}">
+                    <a16:creationId xmlns:a16="http://schemas.microsoft.com/office/drawing/2014/main" id="{F8DF1863-D4C1-7CF5-EA91-08070FB2704D}"/>
+                  </a:ext>
+                </a:extLst>
+              </p:cNvPr>
+              <p:cNvSpPr txBox="1">
+                <a:spLocks noRot="1" noChangeAspect="1" noMove="1" noResize="1" noEditPoints="1" noAdjustHandles="1" noChangeArrowheads="1" noChangeShapeType="1" noTextEdit="1"/>
+              </p:cNvSpPr>
+              <p:nvPr/>
+            </p:nvSpPr>
+            <p:spPr>
+              <a:xfrm>
+                <a:off x="4139952" y="4149080"/>
+                <a:ext cx="1835824" cy="461665"/>
+              </a:xfrm>
+              <a:prstGeom prst="rect">
+                <a:avLst/>
+              </a:prstGeom>
+              <a:blipFill>
+                <a:blip r:embed="rId10"/>
+                <a:stretch>
+                  <a:fillRect/>
+                </a:stretch>
+              </a:blipFill>
+            </p:spPr>
+            <p:txBody>
+              <a:bodyPr/>
+              <a:lstStyle/>
+              <a:p>
+                <a:r>
+                  <a:rPr lang="ja-JP" altLang="en-US">
+                    <a:noFill/>
+                  </a:rPr>
+                  <a:t> </a:t>
+                </a:r>
+              </a:p>
+            </p:txBody>
+          </p:sp>
+        </mc:Fallback>
+      </mc:AlternateContent>
+      <p:cxnSp>
+        <p:nvCxnSpPr>
+          <p:cNvPr id="38" name="直線矢印コネクタ 37">
+            <a:extLst>
+              <a:ext uri="{FF2B5EF4-FFF2-40B4-BE49-F238E27FC236}">
+                <a16:creationId xmlns:a16="http://schemas.microsoft.com/office/drawing/2014/main" id="{8E6C5C16-CBB7-94FF-830B-B6B65FEF98DE}"/>
+              </a:ext>
+            </a:extLst>
+          </p:cNvPr>
+          <p:cNvCxnSpPr>
+            <a:stCxn id="5" idx="2"/>
+            <a:endCxn id="18" idx="0"/>
+          </p:cNvCxnSpPr>
+          <p:nvPr/>
+        </p:nvCxnSpPr>
+        <p:spPr>
+          <a:xfrm>
+            <a:off x="6382374" y="3237656"/>
+            <a:ext cx="813762" cy="1559496"/>
+          </a:xfrm>
+          <a:prstGeom prst="straightConnector1">
+            <a:avLst/>
+          </a:prstGeom>
+          <a:ln>
+            <a:solidFill>
+              <a:schemeClr val="tx1"/>
+            </a:solidFill>
+            <a:headEnd type="none" w="med" len="med"/>
+            <a:tailEnd type="triangle"/>
+          </a:ln>
+        </p:spPr>
+        <p:style>
+          <a:lnRef idx="1">
+            <a:schemeClr val="accent1"/>
+          </a:lnRef>
+          <a:fillRef idx="0">
+            <a:schemeClr val="accent1"/>
+          </a:fillRef>
+          <a:effectRef idx="0">
+            <a:schemeClr val="accent1"/>
+          </a:effectRef>
+          <a:fontRef idx="minor">
+            <a:schemeClr val="tx1"/>
+          </a:fontRef>
+        </p:style>
+      </p:cxnSp>
+      <mc:AlternateContent xmlns:mc="http://schemas.openxmlformats.org/markup-compatibility/2006">
+        <mc:Choice xmlns:a14="http://schemas.microsoft.com/office/drawing/2010/main" Requires="a14">
+          <p:sp>
+            <p:nvSpPr>
+              <p:cNvPr id="39" name="テキスト ボックス 38">
+                <a:extLst>
+                  <a:ext uri="{FF2B5EF4-FFF2-40B4-BE49-F238E27FC236}">
+                    <a16:creationId xmlns:a16="http://schemas.microsoft.com/office/drawing/2014/main" id="{CF067703-938E-ED81-9B40-65BF1B9D3850}"/>
+                  </a:ext>
+                </a:extLst>
+              </p:cNvPr>
+              <p:cNvSpPr txBox="1"/>
+              <p:nvPr/>
+            </p:nvSpPr>
+            <p:spPr>
+              <a:xfrm>
+                <a:off x="6948264" y="3789040"/>
+                <a:ext cx="1845698" cy="461665"/>
+              </a:xfrm>
+              <a:prstGeom prst="rect">
+                <a:avLst/>
+              </a:prstGeom>
+              <a:noFill/>
+            </p:spPr>
+            <p:txBody>
+              <a:bodyPr wrap="none" rtlCol="0">
+                <a:spAutoFit/>
+              </a:bodyPr>
+              <a:lstStyle/>
+              <a:p>
+                <a14:m>
+                  <m:oMathPara xmlns:m="http://schemas.openxmlformats.org/officeDocument/2006/math">
+                    <m:oMathParaPr>
+                      <m:jc m:val="centerGroup"/>
+                    </m:oMathParaPr>
+                    <m:oMath xmlns:m="http://schemas.openxmlformats.org/officeDocument/2006/math">
+                      <m:r>
+                        <m:rPr>
+                          <m:sty m:val="p"/>
+                        </m:rPr>
+                        <a:rPr kumimoji="1" lang="en-US" altLang="ja-JP" sz="2400" b="0" i="0" smtClean="0">
+                          <a:latin typeface="Cambria Math" panose="02040503050406030204" pitchFamily="18" charset="0"/>
+                        </a:rPr>
+                        <m:t>Ω</m:t>
+                      </m:r>
+                      <m:r>
+                        <a:rPr kumimoji="1" lang="en-US" altLang="ja-JP" sz="2400" b="0" i="1" smtClean="0">
+                          <a:latin typeface="Cambria Math" panose="02040503050406030204" pitchFamily="18" charset="0"/>
+                        </a:rPr>
+                        <m:t>=</m:t>
+                      </m:r>
+                      <m:r>
+                        <a:rPr kumimoji="1" lang="en-US" altLang="ja-JP" sz="2400" b="0" i="1" smtClean="0">
+                          <a:latin typeface="Cambria Math" panose="02040503050406030204" pitchFamily="18" charset="0"/>
+                        </a:rPr>
+                        <m:t>𝐹</m:t>
+                      </m:r>
+                      <m:r>
+                        <a:rPr kumimoji="1" lang="en-US" altLang="ja-JP" sz="2400" b="0" i="1" smtClean="0">
+                          <a:latin typeface="Cambria Math" panose="02040503050406030204" pitchFamily="18" charset="0"/>
+                        </a:rPr>
+                        <m:t>−</m:t>
+                      </m:r>
+                      <m:r>
+                        <a:rPr kumimoji="1" lang="en-US" altLang="ja-JP" sz="2400" b="0" i="1" smtClean="0">
+                          <a:latin typeface="Cambria Math" panose="02040503050406030204" pitchFamily="18" charset="0"/>
+                        </a:rPr>
+                        <m:t>𝜇</m:t>
+                      </m:r>
+                      <m:r>
+                        <a:rPr kumimoji="1" lang="en-US" altLang="ja-JP" sz="2400" b="0" i="1" smtClean="0">
+                          <a:latin typeface="Cambria Math" panose="02040503050406030204" pitchFamily="18" charset="0"/>
+                        </a:rPr>
+                        <m:t>𝑁</m:t>
+                      </m:r>
+                    </m:oMath>
+                  </m:oMathPara>
+                </a14:m>
+                <a:endParaRPr kumimoji="1" lang="ja-JP" altLang="en-US" sz="2400"/>
+              </a:p>
+            </p:txBody>
+          </p:sp>
+        </mc:Choice>
+        <mc:Fallback>
+          <p:sp>
+            <p:nvSpPr>
+              <p:cNvPr id="39" name="テキスト ボックス 38">
+                <a:extLst>
+                  <a:ext uri="{FF2B5EF4-FFF2-40B4-BE49-F238E27FC236}">
+                    <a16:creationId xmlns:a16="http://schemas.microsoft.com/office/drawing/2014/main" id="{CF067703-938E-ED81-9B40-65BF1B9D3850}"/>
+                  </a:ext>
+                </a:extLst>
+              </p:cNvPr>
+              <p:cNvSpPr txBox="1">
+                <a:spLocks noRot="1" noChangeAspect="1" noMove="1" noResize="1" noEditPoints="1" noAdjustHandles="1" noChangeArrowheads="1" noChangeShapeType="1" noTextEdit="1"/>
+              </p:cNvSpPr>
+              <p:nvPr/>
+            </p:nvSpPr>
+            <p:spPr>
+              <a:xfrm>
+                <a:off x="6948264" y="3789040"/>
+                <a:ext cx="1845698" cy="461665"/>
+              </a:xfrm>
+              <a:prstGeom prst="rect">
+                <a:avLst/>
+              </a:prstGeom>
+              <a:blipFill>
+                <a:blip r:embed="rId11"/>
+                <a:stretch>
+                  <a:fillRect b="-18667"/>
+                </a:stretch>
+              </a:blipFill>
+            </p:spPr>
+            <p:txBody>
+              <a:bodyPr/>
+              <a:lstStyle/>
+              <a:p>
+                <a:r>
+                  <a:rPr lang="ja-JP" altLang="en-US">
+                    <a:noFill/>
+                  </a:rPr>
+                  <a:t> </a:t>
+                </a:r>
+              </a:p>
+            </p:txBody>
+          </p:sp>
+        </mc:Fallback>
+      </mc:AlternateContent>
+      <p:sp>
+        <p:nvSpPr>
+          <p:cNvPr id="40" name="テキスト ボックス 39">
+            <a:extLst>
+              <a:ext uri="{FF2B5EF4-FFF2-40B4-BE49-F238E27FC236}">
+                <a16:creationId xmlns:a16="http://schemas.microsoft.com/office/drawing/2014/main" id="{EEEEB50E-7AF5-2474-38C7-55D8D6E93403}"/>
+              </a:ext>
+            </a:extLst>
+          </p:cNvPr>
+          <p:cNvSpPr txBox="1"/>
+          <p:nvPr/>
+        </p:nvSpPr>
+        <p:spPr>
+          <a:xfrm>
+            <a:off x="755576" y="6021288"/>
+            <a:ext cx="6955750" cy="461665"/>
+          </a:xfrm>
+          <a:prstGeom prst="rect">
+            <a:avLst/>
+          </a:prstGeom>
+          <a:noFill/>
+        </p:spPr>
+        <p:txBody>
+          <a:bodyPr wrap="none" rtlCol="0">
+            <a:spAutoFit/>
+          </a:bodyPr>
+          <a:lstStyle/>
+          <a:p>
+            <a:r>
+              <a:rPr lang="ja-JP" altLang="en-US" sz="2400"/>
+              <a:t>共役な量＝ルジャンドル変換で互いに変換する量</a:t>
+            </a:r>
+            <a:endParaRPr kumimoji="1" lang="ja-JP" altLang="en-US" sz="2400"/>
+          </a:p>
+        </p:txBody>
+      </p:sp>
+      <p:sp>
+        <p:nvSpPr>
+          <p:cNvPr id="43" name="四角形: 角を丸くする 42">
+            <a:extLst>
+              <a:ext uri="{FF2B5EF4-FFF2-40B4-BE49-F238E27FC236}">
+                <a16:creationId xmlns:a16="http://schemas.microsoft.com/office/drawing/2014/main" id="{FA121DAB-1292-1CA9-9109-DAD2DF6EB610}"/>
+              </a:ext>
+            </a:extLst>
+          </p:cNvPr>
+          <p:cNvSpPr/>
+          <p:nvPr/>
+        </p:nvSpPr>
+        <p:spPr>
+          <a:xfrm>
+            <a:off x="1619672" y="3933056"/>
+            <a:ext cx="504056" cy="432048"/>
+          </a:xfrm>
+          <a:prstGeom prst="roundRect">
+            <a:avLst/>
+          </a:prstGeom>
+          <a:noFill/>
+          <a:ln w="28575">
+            <a:solidFill>
+              <a:srgbClr val="FF0000"/>
+            </a:solidFill>
+            <a:prstDash val="dash"/>
+          </a:ln>
+        </p:spPr>
+        <p:style>
+          <a:lnRef idx="2">
+            <a:schemeClr val="accent1">
+              <a:shade val="50000"/>
+            </a:schemeClr>
+          </a:lnRef>
+          <a:fillRef idx="1">
+            <a:schemeClr val="accent1"/>
+          </a:fillRef>
+          <a:effectRef idx="0">
+            <a:schemeClr val="accent1"/>
+          </a:effectRef>
+          <a:fontRef idx="minor">
+            <a:schemeClr val="lt1"/>
+          </a:fontRef>
+        </p:style>
+        <p:txBody>
+          <a:bodyPr rtlCol="0" anchor="ctr"/>
+          <a:lstStyle/>
+          <a:p>
+            <a:pPr algn="ctr"/>
+            <a:endParaRPr kumimoji="1" lang="ja-JP" altLang="en-US"/>
+          </a:p>
+        </p:txBody>
+      </p:sp>
+      <p:cxnSp>
+        <p:nvCxnSpPr>
+          <p:cNvPr id="46" name="コネクタ: カギ線 45">
+            <a:extLst>
+              <a:ext uri="{FF2B5EF4-FFF2-40B4-BE49-F238E27FC236}">
+                <a16:creationId xmlns:a16="http://schemas.microsoft.com/office/drawing/2014/main" id="{2761A366-14E7-4D64-131A-2EEF28DDC92E}"/>
+              </a:ext>
+            </a:extLst>
+          </p:cNvPr>
+          <p:cNvCxnSpPr>
+            <a:stCxn id="43" idx="2"/>
+            <a:endCxn id="40" idx="1"/>
+          </p:cNvCxnSpPr>
+          <p:nvPr/>
+        </p:nvCxnSpPr>
+        <p:spPr>
+          <a:xfrm rot="5400000">
+            <a:off x="370130" y="4750550"/>
+            <a:ext cx="1887017" cy="1116124"/>
+          </a:xfrm>
+          <a:prstGeom prst="bentConnector4">
+            <a:avLst>
+              <a:gd name="adj1" fmla="val 43884"/>
+              <a:gd name="adj2" fmla="val 120482"/>
+            </a:avLst>
+          </a:prstGeom>
+          <a:ln>
+            <a:solidFill>
+              <a:schemeClr val="tx1"/>
+            </a:solidFill>
+            <a:headEnd type="none" w="med" len="med"/>
+            <a:tailEnd type="triangle"/>
+          </a:ln>
+        </p:spPr>
+        <p:style>
+          <a:lnRef idx="1">
+            <a:schemeClr val="accent1"/>
+          </a:lnRef>
+          <a:fillRef idx="0">
+            <a:schemeClr val="accent1"/>
+          </a:fillRef>
+          <a:effectRef idx="0">
+            <a:schemeClr val="accent1"/>
+          </a:effectRef>
+          <a:fontRef idx="minor">
+            <a:schemeClr val="tx1"/>
+          </a:fontRef>
+        </p:style>
+      </p:cxnSp>
+    </p:spTree>
+    <p:extLst>
+      <p:ext uri="{BB962C8B-B14F-4D97-AF65-F5344CB8AC3E}">
+        <p14:creationId xmlns:p14="http://schemas.microsoft.com/office/powerpoint/2010/main" val="2056697050"/>
+      </p:ext>
+    </p:extLst>
+  </p:cSld>
+  <p:clrMapOvr>
+    <a:masterClrMapping/>
+  </p:clrMapOvr>
+</p:sld>
+</file>
+
+<file path=ppt/slides/slide13.xml><?xml version="1.0" encoding="utf-8"?>
+<p:sld xmlns:a="http://schemas.openxmlformats.org/drawingml/2006/main" xmlns:r="http://schemas.openxmlformats.org/officeDocument/2006/relationships" xmlns:p="http://schemas.openxmlformats.org/presentationml/2006/main">
+  <p:cSld>
+    <p:spTree>
+      <p:nvGrpSpPr>
+        <p:cNvPr id="1" name=""/>
+        <p:cNvGrpSpPr/>
+        <p:nvPr/>
+      </p:nvGrpSpPr>
+      <p:grpSpPr>
+        <a:xfrm>
+          <a:off x="0" y="0"/>
+          <a:ext cx="0" cy="0"/>
+          <a:chOff x="0" y="0"/>
+          <a:chExt cx="0" cy="0"/>
+        </a:xfrm>
+      </p:grpSpPr>
+      <p:sp>
+        <p:nvSpPr>
+          <p:cNvPr id="2" name="テキスト プレースホルダー 1">
+            <a:extLst>
+              <a:ext uri="{FF2B5EF4-FFF2-40B4-BE49-F238E27FC236}">
+                <a16:creationId xmlns:a16="http://schemas.microsoft.com/office/drawing/2014/main" id="{D92C5E61-A4F9-3F26-116F-3A376B69F79B}"/>
+              </a:ext>
+            </a:extLst>
+          </p:cNvPr>
+          <p:cNvSpPr>
+            <a:spLocks noGrp="1"/>
+          </p:cNvSpPr>
+          <p:nvPr>
+            <p:ph type="body" sz="quarter" idx="10"/>
+          </p:nvPr>
+        </p:nvSpPr>
+        <p:spPr/>
+        <p:txBody>
+          <a:bodyPr/>
+          <a:lstStyle/>
+          <a:p>
+            <a:r>
+              <a:rPr lang="ja-JP" altLang="en-US"/>
+              <a:t>熱力学量</a:t>
+            </a:r>
+            <a:endParaRPr kumimoji="1" lang="ja-JP" altLang="en-US"/>
+          </a:p>
+        </p:txBody>
+      </p:sp>
+      <p:sp>
+        <p:nvSpPr>
+          <p:cNvPr id="3" name="テキスト ボックス 2">
+            <a:extLst>
+              <a:ext uri="{FF2B5EF4-FFF2-40B4-BE49-F238E27FC236}">
+                <a16:creationId xmlns:a16="http://schemas.microsoft.com/office/drawing/2014/main" id="{C40AC1C9-1D71-541F-9249-49F4A1DDF185}"/>
+              </a:ext>
+            </a:extLst>
+          </p:cNvPr>
+          <p:cNvSpPr txBox="1"/>
+          <p:nvPr/>
+        </p:nvSpPr>
+        <p:spPr>
+          <a:xfrm>
+            <a:off x="1327430" y="1988840"/>
+            <a:ext cx="1826141" cy="584775"/>
+          </a:xfrm>
+          <a:prstGeom prst="rect">
+            <a:avLst/>
+          </a:prstGeom>
+          <a:noFill/>
+        </p:spPr>
+        <p:txBody>
+          <a:bodyPr wrap="none" rtlCol="0">
+            <a:spAutoFit/>
+          </a:bodyPr>
+          <a:lstStyle/>
+          <a:p>
+            <a:r>
+              <a:rPr lang="ja-JP" altLang="en-US" sz="3200">
+                <a:solidFill>
+                  <a:srgbClr val="011893"/>
+                </a:solidFill>
+              </a:rPr>
+              <a:t>示量変数</a:t>
+            </a:r>
+            <a:endParaRPr kumimoji="1" lang="ja-JP" altLang="en-US" sz="3200">
+              <a:solidFill>
+                <a:srgbClr val="011893"/>
+              </a:solidFill>
+            </a:endParaRPr>
+          </a:p>
+        </p:txBody>
+      </p:sp>
+      <p:sp>
+        <p:nvSpPr>
+          <p:cNvPr id="4" name="テキスト ボックス 3">
+            <a:extLst>
+              <a:ext uri="{FF2B5EF4-FFF2-40B4-BE49-F238E27FC236}">
+                <a16:creationId xmlns:a16="http://schemas.microsoft.com/office/drawing/2014/main" id="{9755666F-D2CA-865E-9D41-B76A6134071D}"/>
+              </a:ext>
+            </a:extLst>
+          </p:cNvPr>
+          <p:cNvSpPr txBox="1"/>
+          <p:nvPr/>
+        </p:nvSpPr>
+        <p:spPr>
+          <a:xfrm>
+            <a:off x="5531138" y="1988840"/>
+            <a:ext cx="1826141" cy="584775"/>
+          </a:xfrm>
+          <a:prstGeom prst="rect">
+            <a:avLst/>
+          </a:prstGeom>
+          <a:noFill/>
+        </p:spPr>
+        <p:txBody>
+          <a:bodyPr wrap="none" rtlCol="0">
+            <a:spAutoFit/>
+          </a:bodyPr>
+          <a:lstStyle/>
+          <a:p>
+            <a:r>
+              <a:rPr lang="ja-JP" altLang="en-US" sz="3200">
+                <a:solidFill>
+                  <a:srgbClr val="011893"/>
+                </a:solidFill>
+              </a:rPr>
+              <a:t>示強変数</a:t>
+            </a:r>
+            <a:endParaRPr kumimoji="1" lang="ja-JP" altLang="en-US" sz="3200">
+              <a:solidFill>
+                <a:srgbClr val="011893"/>
+              </a:solidFill>
+            </a:endParaRPr>
+          </a:p>
+        </p:txBody>
+      </p:sp>
+      <mc:AlternateContent xmlns:mc="http://schemas.openxmlformats.org/markup-compatibility/2006">
+        <mc:Choice xmlns:a14="http://schemas.microsoft.com/office/drawing/2010/main" Requires="a14">
+          <p:sp>
+            <p:nvSpPr>
+              <p:cNvPr id="5" name="テキスト ボックス 4">
+                <a:extLst>
+                  <a:ext uri="{FF2B5EF4-FFF2-40B4-BE49-F238E27FC236}">
+                    <a16:creationId xmlns:a16="http://schemas.microsoft.com/office/drawing/2014/main" id="{D9A1F1C5-8F50-AA2B-297E-CB1A758134D0}"/>
+                  </a:ext>
+                </a:extLst>
+              </p:cNvPr>
+              <p:cNvSpPr txBox="1"/>
+              <p:nvPr/>
+            </p:nvSpPr>
+            <p:spPr>
+              <a:xfrm>
+                <a:off x="1534890" y="2780928"/>
+                <a:ext cx="1411220" cy="646331"/>
+              </a:xfrm>
+              <a:prstGeom prst="rect">
+                <a:avLst/>
+              </a:prstGeom>
+              <a:noFill/>
+            </p:spPr>
+            <p:txBody>
+              <a:bodyPr wrap="none" rtlCol="0">
+                <a:spAutoFit/>
+              </a:bodyPr>
+              <a:lstStyle/>
+              <a:p>
+                <a:r>
+                  <a:rPr kumimoji="1" lang="ja-JP" altLang="en-US" sz="3600"/>
+                  <a:t>体積</a:t>
+                </a:r>
+                <a14:m>
+                  <m:oMath xmlns:m="http://schemas.openxmlformats.org/officeDocument/2006/math">
+                    <m:r>
+                      <a:rPr kumimoji="1" lang="en-US" altLang="ja-JP" sz="3600" b="0" i="1" smtClean="0">
+                        <a:latin typeface="Cambria Math" panose="02040503050406030204" pitchFamily="18" charset="0"/>
+                      </a:rPr>
+                      <m:t>𝑉</m:t>
+                    </m:r>
+                  </m:oMath>
+                </a14:m>
+                <a:endParaRPr kumimoji="1" lang="ja-JP" altLang="en-US" sz="3600"/>
+              </a:p>
+            </p:txBody>
+          </p:sp>
+        </mc:Choice>
+        <mc:Fallback>
+          <p:sp>
+            <p:nvSpPr>
+              <p:cNvPr id="5" name="テキスト ボックス 4">
+                <a:extLst>
+                  <a:ext uri="{FF2B5EF4-FFF2-40B4-BE49-F238E27FC236}">
+                    <a16:creationId xmlns:a16="http://schemas.microsoft.com/office/drawing/2014/main" id="{D9A1F1C5-8F50-AA2B-297E-CB1A758134D0}"/>
+                  </a:ext>
+                </a:extLst>
+              </p:cNvPr>
+              <p:cNvSpPr txBox="1">
+                <a:spLocks noRot="1" noChangeAspect="1" noMove="1" noResize="1" noEditPoints="1" noAdjustHandles="1" noChangeArrowheads="1" noChangeShapeType="1" noTextEdit="1"/>
+              </p:cNvSpPr>
+              <p:nvPr/>
+            </p:nvSpPr>
+            <p:spPr>
+              <a:xfrm>
+                <a:off x="1534890" y="2780928"/>
+                <a:ext cx="1411220" cy="646331"/>
+              </a:xfrm>
+              <a:prstGeom prst="rect">
+                <a:avLst/>
+              </a:prstGeom>
+              <a:blipFill>
+                <a:blip r:embed="rId2"/>
+                <a:stretch>
+                  <a:fillRect l="-13420" t="-16981" b="-32075"/>
+                </a:stretch>
+              </a:blipFill>
+            </p:spPr>
+            <p:txBody>
+              <a:bodyPr/>
+              <a:lstStyle/>
+              <a:p>
+                <a:r>
+                  <a:rPr lang="ja-JP" altLang="en-US">
+                    <a:noFill/>
+                  </a:rPr>
+                  <a:t> </a:t>
+                </a:r>
+              </a:p>
+            </p:txBody>
+          </p:sp>
+        </mc:Fallback>
+      </mc:AlternateContent>
+      <mc:AlternateContent xmlns:mc="http://schemas.openxmlformats.org/markup-compatibility/2006">
+        <mc:Choice xmlns:a14="http://schemas.microsoft.com/office/drawing/2010/main" Requires="a14">
+          <p:sp>
+            <p:nvSpPr>
+              <p:cNvPr id="6" name="テキスト ボックス 5">
+                <a:extLst>
+                  <a:ext uri="{FF2B5EF4-FFF2-40B4-BE49-F238E27FC236}">
+                    <a16:creationId xmlns:a16="http://schemas.microsoft.com/office/drawing/2014/main" id="{18A58BFD-8DD0-3466-AB58-B59CAA3FA0CF}"/>
+                  </a:ext>
+                </a:extLst>
+              </p:cNvPr>
+              <p:cNvSpPr txBox="1"/>
+              <p:nvPr/>
+            </p:nvSpPr>
+            <p:spPr>
+              <a:xfrm>
+                <a:off x="5741099" y="2780928"/>
+                <a:ext cx="1406219" cy="646331"/>
+              </a:xfrm>
+              <a:prstGeom prst="rect">
+                <a:avLst/>
+              </a:prstGeom>
+              <a:noFill/>
+            </p:spPr>
+            <p:txBody>
+              <a:bodyPr wrap="square" rtlCol="0">
+                <a:spAutoFit/>
+              </a:bodyPr>
+              <a:lstStyle/>
+              <a:p>
+                <a:r>
+                  <a:rPr kumimoji="1" lang="ja-JP" altLang="en-US" sz="3600"/>
+                  <a:t>圧力</a:t>
+                </a:r>
+                <a14:m>
+                  <m:oMath xmlns:m="http://schemas.openxmlformats.org/officeDocument/2006/math">
+                    <m:r>
+                      <a:rPr kumimoji="1" lang="en-US" altLang="ja-JP" sz="3600" b="0" i="1" smtClean="0">
+                        <a:latin typeface="Cambria Math" panose="02040503050406030204" pitchFamily="18" charset="0"/>
+                      </a:rPr>
+                      <m:t>𝑃</m:t>
+                    </m:r>
+                  </m:oMath>
+                </a14:m>
+                <a:endParaRPr kumimoji="1" lang="ja-JP" altLang="en-US" sz="3600"/>
+              </a:p>
+            </p:txBody>
+          </p:sp>
+        </mc:Choice>
+        <mc:Fallback>
+          <p:sp>
+            <p:nvSpPr>
+              <p:cNvPr id="6" name="テキスト ボックス 5">
+                <a:extLst>
+                  <a:ext uri="{FF2B5EF4-FFF2-40B4-BE49-F238E27FC236}">
+                    <a16:creationId xmlns:a16="http://schemas.microsoft.com/office/drawing/2014/main" id="{18A58BFD-8DD0-3466-AB58-B59CAA3FA0CF}"/>
+                  </a:ext>
+                </a:extLst>
+              </p:cNvPr>
+              <p:cNvSpPr txBox="1">
+                <a:spLocks noRot="1" noChangeAspect="1" noMove="1" noResize="1" noEditPoints="1" noAdjustHandles="1" noChangeArrowheads="1" noChangeShapeType="1" noTextEdit="1"/>
+              </p:cNvSpPr>
+              <p:nvPr/>
+            </p:nvSpPr>
+            <p:spPr>
+              <a:xfrm>
+                <a:off x="5741099" y="2780928"/>
+                <a:ext cx="1406219" cy="646331"/>
+              </a:xfrm>
+              <a:prstGeom prst="rect">
+                <a:avLst/>
+              </a:prstGeom>
+              <a:blipFill>
+                <a:blip r:embed="rId3"/>
+                <a:stretch>
+                  <a:fillRect l="-13478" t="-16981" b="-32075"/>
+                </a:stretch>
+              </a:blipFill>
+            </p:spPr>
+            <p:txBody>
+              <a:bodyPr/>
+              <a:lstStyle/>
+              <a:p>
+                <a:r>
+                  <a:rPr lang="ja-JP" altLang="en-US">
+                    <a:noFill/>
+                  </a:rPr>
+                  <a:t> </a:t>
+                </a:r>
+              </a:p>
+            </p:txBody>
+          </p:sp>
+        </mc:Fallback>
+      </mc:AlternateContent>
+      <p:sp>
+        <p:nvSpPr>
+          <p:cNvPr id="7" name="テキスト ボックス 6">
+            <a:extLst>
+              <a:ext uri="{FF2B5EF4-FFF2-40B4-BE49-F238E27FC236}">
+                <a16:creationId xmlns:a16="http://schemas.microsoft.com/office/drawing/2014/main" id="{F7112191-0FEB-4675-E773-EBE21BA7CE69}"/>
+              </a:ext>
+            </a:extLst>
+          </p:cNvPr>
+          <p:cNvSpPr txBox="1"/>
+          <p:nvPr/>
+        </p:nvSpPr>
+        <p:spPr>
+          <a:xfrm>
+            <a:off x="251520" y="1196752"/>
+            <a:ext cx="8443337" cy="523220"/>
+          </a:xfrm>
+          <a:prstGeom prst="rect">
+            <a:avLst/>
+          </a:prstGeom>
+          <a:noFill/>
+        </p:spPr>
+        <p:txBody>
+          <a:bodyPr wrap="none" rtlCol="0">
+            <a:spAutoFit/>
+          </a:bodyPr>
+          <a:lstStyle/>
+          <a:p>
+            <a:r>
+              <a:rPr kumimoji="1" lang="ja-JP" altLang="en-US" sz="2800"/>
+              <a:t>かけたらエネルギーになる量をお互いに共役と呼ぶ</a:t>
+            </a:r>
+          </a:p>
+        </p:txBody>
+      </p:sp>
+      <mc:AlternateContent xmlns:mc="http://schemas.openxmlformats.org/markup-compatibility/2006">
+        <mc:Choice xmlns:a14="http://schemas.microsoft.com/office/drawing/2010/main" Requires="a14">
+          <p:sp>
+            <p:nvSpPr>
+              <p:cNvPr id="9" name="テキスト ボックス 8">
+                <a:extLst>
+                  <a:ext uri="{FF2B5EF4-FFF2-40B4-BE49-F238E27FC236}">
+                    <a16:creationId xmlns:a16="http://schemas.microsoft.com/office/drawing/2014/main" id="{E3E64D2F-7DAC-D79B-7BED-957B6B0EA455}"/>
+                  </a:ext>
+                </a:extLst>
+              </p:cNvPr>
+              <p:cNvSpPr txBox="1"/>
+              <p:nvPr/>
+            </p:nvSpPr>
+            <p:spPr>
+              <a:xfrm>
+                <a:off x="5741099" y="3933056"/>
+                <a:ext cx="1406219" cy="646331"/>
+              </a:xfrm>
+              <a:prstGeom prst="rect">
+                <a:avLst/>
+              </a:prstGeom>
+              <a:noFill/>
+            </p:spPr>
+            <p:txBody>
+              <a:bodyPr wrap="none" rtlCol="0">
+                <a:spAutoFit/>
+              </a:bodyPr>
+              <a:lstStyle/>
+              <a:p>
+                <a:r>
+                  <a:rPr lang="ja-JP" altLang="en-US" sz="3600">
+                    <a:solidFill>
+                      <a:srgbClr val="FF0000"/>
+                    </a:solidFill>
+                  </a:rPr>
+                  <a:t>温度</a:t>
+                </a:r>
+                <a14:m>
+                  <m:oMath xmlns:m="http://schemas.openxmlformats.org/officeDocument/2006/math">
+                    <m:r>
+                      <a:rPr kumimoji="1" lang="en-US" altLang="ja-JP" sz="3600" b="0" i="1" smtClean="0">
+                        <a:solidFill>
+                          <a:srgbClr val="FF0000"/>
+                        </a:solidFill>
+                        <a:latin typeface="Cambria Math" panose="02040503050406030204" pitchFamily="18" charset="0"/>
+                      </a:rPr>
+                      <m:t>𝑇</m:t>
+                    </m:r>
+                  </m:oMath>
+                </a14:m>
+                <a:endParaRPr kumimoji="1" lang="ja-JP" altLang="en-US" sz="3600">
+                  <a:solidFill>
+                    <a:srgbClr val="FF0000"/>
+                  </a:solidFill>
+                </a:endParaRPr>
+              </a:p>
+            </p:txBody>
+          </p:sp>
+        </mc:Choice>
+        <mc:Fallback>
+          <p:sp>
+            <p:nvSpPr>
+              <p:cNvPr id="9" name="テキスト ボックス 8">
+                <a:extLst>
+                  <a:ext uri="{FF2B5EF4-FFF2-40B4-BE49-F238E27FC236}">
+                    <a16:creationId xmlns:a16="http://schemas.microsoft.com/office/drawing/2014/main" id="{E3E64D2F-7DAC-D79B-7BED-957B6B0EA455}"/>
+                  </a:ext>
+                </a:extLst>
+              </p:cNvPr>
+              <p:cNvSpPr txBox="1">
+                <a:spLocks noRot="1" noChangeAspect="1" noMove="1" noResize="1" noEditPoints="1" noAdjustHandles="1" noChangeArrowheads="1" noChangeShapeType="1" noTextEdit="1"/>
+              </p:cNvSpPr>
+              <p:nvPr/>
+            </p:nvSpPr>
+            <p:spPr>
+              <a:xfrm>
+                <a:off x="5741099" y="3933056"/>
+                <a:ext cx="1406219" cy="646331"/>
+              </a:xfrm>
+              <a:prstGeom prst="rect">
+                <a:avLst/>
+              </a:prstGeom>
+              <a:blipFill>
+                <a:blip r:embed="rId4"/>
+                <a:stretch>
+                  <a:fillRect l="-13478" t="-16981" b="-32075"/>
+                </a:stretch>
+              </a:blipFill>
+            </p:spPr>
+            <p:txBody>
+              <a:bodyPr/>
+              <a:lstStyle/>
+              <a:p>
+                <a:r>
+                  <a:rPr lang="ja-JP" altLang="en-US">
+                    <a:noFill/>
+                  </a:rPr>
+                  <a:t> </a:t>
+                </a:r>
+              </a:p>
+            </p:txBody>
+          </p:sp>
+        </mc:Fallback>
+      </mc:AlternateContent>
+      <mc:AlternateContent xmlns:mc="http://schemas.openxmlformats.org/markup-compatibility/2006">
+        <mc:Choice xmlns:a14="http://schemas.microsoft.com/office/drawing/2010/main" Requires="a14">
+          <p:sp>
+            <p:nvSpPr>
+              <p:cNvPr id="10" name="テキスト ボックス 9">
+                <a:extLst>
+                  <a:ext uri="{FF2B5EF4-FFF2-40B4-BE49-F238E27FC236}">
+                    <a16:creationId xmlns:a16="http://schemas.microsoft.com/office/drawing/2014/main" id="{BB34A8A7-EB06-3288-D6B5-E22A47ED3E6B}"/>
+                  </a:ext>
+                </a:extLst>
+              </p:cNvPr>
+              <p:cNvSpPr txBox="1"/>
+              <p:nvPr/>
+            </p:nvSpPr>
+            <p:spPr>
+              <a:xfrm>
+                <a:off x="611560" y="3933056"/>
+                <a:ext cx="3257880" cy="646331"/>
+              </a:xfrm>
+              <a:prstGeom prst="rect">
+                <a:avLst/>
+              </a:prstGeom>
+              <a:noFill/>
+            </p:spPr>
+            <p:txBody>
+              <a:bodyPr wrap="none" rtlCol="0">
+                <a:spAutoFit/>
+              </a:bodyPr>
+              <a:lstStyle/>
+              <a:p>
+                <a:r>
+                  <a:rPr kumimoji="1" lang="ja-JP" altLang="en-US" sz="3600">
+                    <a:solidFill>
+                      <a:srgbClr val="FF0000"/>
+                    </a:solidFill>
+                  </a:rPr>
+                  <a:t>エントロピー</a:t>
+                </a:r>
+                <a14:m>
+                  <m:oMath xmlns:m="http://schemas.openxmlformats.org/officeDocument/2006/math">
+                    <m:r>
+                      <a:rPr kumimoji="1" lang="en-US" altLang="ja-JP" sz="3600" b="0" i="1" smtClean="0">
+                        <a:solidFill>
+                          <a:srgbClr val="FF0000"/>
+                        </a:solidFill>
+                        <a:latin typeface="Cambria Math" panose="02040503050406030204" pitchFamily="18" charset="0"/>
+                      </a:rPr>
+                      <m:t>𝑆</m:t>
+                    </m:r>
+                  </m:oMath>
+                </a14:m>
+                <a:endParaRPr kumimoji="1" lang="ja-JP" altLang="en-US" sz="3600">
+                  <a:solidFill>
+                    <a:srgbClr val="FF0000"/>
+                  </a:solidFill>
+                </a:endParaRPr>
+              </a:p>
+            </p:txBody>
+          </p:sp>
+        </mc:Choice>
+        <mc:Fallback>
+          <p:sp>
+            <p:nvSpPr>
+              <p:cNvPr id="10" name="テキスト ボックス 9">
+                <a:extLst>
+                  <a:ext uri="{FF2B5EF4-FFF2-40B4-BE49-F238E27FC236}">
+                    <a16:creationId xmlns:a16="http://schemas.microsoft.com/office/drawing/2014/main" id="{BB34A8A7-EB06-3288-D6B5-E22A47ED3E6B}"/>
+                  </a:ext>
+                </a:extLst>
+              </p:cNvPr>
+              <p:cNvSpPr txBox="1">
+                <a:spLocks noRot="1" noChangeAspect="1" noMove="1" noResize="1" noEditPoints="1" noAdjustHandles="1" noChangeArrowheads="1" noChangeShapeType="1" noTextEdit="1"/>
+              </p:cNvSpPr>
+              <p:nvPr/>
+            </p:nvSpPr>
+            <p:spPr>
+              <a:xfrm>
+                <a:off x="611560" y="3933056"/>
+                <a:ext cx="3257880" cy="646331"/>
+              </a:xfrm>
+              <a:prstGeom prst="rect">
+                <a:avLst/>
+              </a:prstGeom>
+              <a:blipFill>
+                <a:blip r:embed="rId5"/>
+                <a:stretch>
+                  <a:fillRect l="-5607" t="-16981" b="-32075"/>
+                </a:stretch>
+              </a:blipFill>
+            </p:spPr>
+            <p:txBody>
+              <a:bodyPr/>
+              <a:lstStyle/>
+              <a:p>
+                <a:r>
+                  <a:rPr lang="ja-JP" altLang="en-US">
+                    <a:noFill/>
+                  </a:rPr>
+                  <a:t> </a:t>
+                </a:r>
+              </a:p>
+            </p:txBody>
+          </p:sp>
+        </mc:Fallback>
+      </mc:AlternateContent>
+      <mc:AlternateContent xmlns:mc="http://schemas.openxmlformats.org/markup-compatibility/2006">
+        <mc:Choice xmlns:a14="http://schemas.microsoft.com/office/drawing/2010/main" Requires="a14">
+          <p:sp>
+            <p:nvSpPr>
+              <p:cNvPr id="11" name="テキスト ボックス 10">
+                <a:extLst>
+                  <a:ext uri="{FF2B5EF4-FFF2-40B4-BE49-F238E27FC236}">
+                    <a16:creationId xmlns:a16="http://schemas.microsoft.com/office/drawing/2014/main" id="{A8102BB3-A6D9-50A9-FF16-A3E4AE0106CB}"/>
+                  </a:ext>
+                </a:extLst>
+              </p:cNvPr>
+              <p:cNvSpPr txBox="1"/>
+              <p:nvPr/>
+            </p:nvSpPr>
+            <p:spPr>
+              <a:xfrm>
+                <a:off x="1280910" y="5085184"/>
+                <a:ext cx="1919180" cy="646331"/>
+              </a:xfrm>
+              <a:prstGeom prst="rect">
+                <a:avLst/>
+              </a:prstGeom>
+              <a:noFill/>
+            </p:spPr>
+            <p:txBody>
+              <a:bodyPr wrap="none" rtlCol="0">
+                <a:spAutoFit/>
+              </a:bodyPr>
+              <a:lstStyle/>
+              <a:p>
+                <a:r>
+                  <a:rPr lang="ja-JP" altLang="en-US" sz="3600"/>
+                  <a:t>物質量</a:t>
+                </a:r>
+                <a14:m>
+                  <m:oMath xmlns:m="http://schemas.openxmlformats.org/officeDocument/2006/math">
+                    <m:r>
+                      <a:rPr kumimoji="1" lang="en-US" altLang="ja-JP" sz="3600" b="0" i="1" smtClean="0">
+                        <a:latin typeface="Cambria Math" panose="02040503050406030204" pitchFamily="18" charset="0"/>
+                      </a:rPr>
+                      <m:t>𝑁</m:t>
+                    </m:r>
+                  </m:oMath>
+                </a14:m>
+                <a:endParaRPr kumimoji="1" lang="ja-JP" altLang="en-US" sz="3600"/>
+              </a:p>
+            </p:txBody>
+          </p:sp>
+        </mc:Choice>
+        <mc:Fallback>
+          <p:sp>
+            <p:nvSpPr>
+              <p:cNvPr id="11" name="テキスト ボックス 10">
+                <a:extLst>
+                  <a:ext uri="{FF2B5EF4-FFF2-40B4-BE49-F238E27FC236}">
+                    <a16:creationId xmlns:a16="http://schemas.microsoft.com/office/drawing/2014/main" id="{A8102BB3-A6D9-50A9-FF16-A3E4AE0106CB}"/>
+                  </a:ext>
+                </a:extLst>
+              </p:cNvPr>
+              <p:cNvSpPr txBox="1">
+                <a:spLocks noRot="1" noChangeAspect="1" noMove="1" noResize="1" noEditPoints="1" noAdjustHandles="1" noChangeArrowheads="1" noChangeShapeType="1" noTextEdit="1"/>
+              </p:cNvSpPr>
+              <p:nvPr/>
+            </p:nvSpPr>
+            <p:spPr>
+              <a:xfrm>
+                <a:off x="1280910" y="5085184"/>
+                <a:ext cx="1919180" cy="646331"/>
+              </a:xfrm>
+              <a:prstGeom prst="rect">
+                <a:avLst/>
+              </a:prstGeom>
+              <a:blipFill>
+                <a:blip r:embed="rId6"/>
+                <a:stretch>
+                  <a:fillRect l="-9524" t="-16981" b="-32075"/>
+                </a:stretch>
+              </a:blipFill>
+            </p:spPr>
+            <p:txBody>
+              <a:bodyPr/>
+              <a:lstStyle/>
+              <a:p>
+                <a:r>
+                  <a:rPr lang="ja-JP" altLang="en-US">
+                    <a:noFill/>
+                  </a:rPr>
+                  <a:t> </a:t>
+                </a:r>
+              </a:p>
+            </p:txBody>
+          </p:sp>
+        </mc:Fallback>
+      </mc:AlternateContent>
+      <mc:AlternateContent xmlns:mc="http://schemas.openxmlformats.org/markup-compatibility/2006">
+        <mc:Choice xmlns:a14="http://schemas.microsoft.com/office/drawing/2010/main" Requires="a14">
+          <p:sp>
+            <p:nvSpPr>
+              <p:cNvPr id="12" name="テキスト ボックス 11">
+                <a:extLst>
+                  <a:ext uri="{FF2B5EF4-FFF2-40B4-BE49-F238E27FC236}">
+                    <a16:creationId xmlns:a16="http://schemas.microsoft.com/office/drawing/2014/main" id="{83A82D58-73FB-952F-42B5-BCD8A5843BD2}"/>
+                  </a:ext>
+                </a:extLst>
+              </p:cNvPr>
+              <p:cNvSpPr txBox="1"/>
+              <p:nvPr/>
+            </p:nvSpPr>
+            <p:spPr>
+              <a:xfrm>
+                <a:off x="4355976" y="5085184"/>
+                <a:ext cx="4176464" cy="646331"/>
+              </a:xfrm>
+              <a:prstGeom prst="rect">
+                <a:avLst/>
+              </a:prstGeom>
+              <a:noFill/>
+            </p:spPr>
+            <p:txBody>
+              <a:bodyPr wrap="square" rtlCol="0">
+                <a:spAutoFit/>
+              </a:bodyPr>
+              <a:lstStyle/>
+              <a:p>
+                <a:r>
+                  <a:rPr kumimoji="1" lang="ja-JP" altLang="en-US" sz="3600"/>
+                  <a:t>化学ポテンシャル</a:t>
+                </a:r>
+                <a14:m>
+                  <m:oMath xmlns:m="http://schemas.openxmlformats.org/officeDocument/2006/math">
+                    <m:r>
+                      <a:rPr kumimoji="1" lang="en-US" altLang="ja-JP" sz="3600" b="0" i="1" smtClean="0">
+                        <a:latin typeface="Cambria Math" panose="02040503050406030204" pitchFamily="18" charset="0"/>
+                      </a:rPr>
+                      <m:t>𝜇</m:t>
+                    </m:r>
+                  </m:oMath>
+                </a14:m>
+                <a:endParaRPr kumimoji="1" lang="ja-JP" altLang="en-US" sz="3600"/>
+              </a:p>
+            </p:txBody>
+          </p:sp>
+        </mc:Choice>
+        <mc:Fallback>
+          <p:sp>
+            <p:nvSpPr>
+              <p:cNvPr id="12" name="テキスト ボックス 11">
+                <a:extLst>
+                  <a:ext uri="{FF2B5EF4-FFF2-40B4-BE49-F238E27FC236}">
+                    <a16:creationId xmlns:a16="http://schemas.microsoft.com/office/drawing/2014/main" id="{83A82D58-73FB-952F-42B5-BCD8A5843BD2}"/>
+                  </a:ext>
+                </a:extLst>
+              </p:cNvPr>
+              <p:cNvSpPr txBox="1">
+                <a:spLocks noRot="1" noChangeAspect="1" noMove="1" noResize="1" noEditPoints="1" noAdjustHandles="1" noChangeArrowheads="1" noChangeShapeType="1" noTextEdit="1"/>
+              </p:cNvSpPr>
+              <p:nvPr/>
+            </p:nvSpPr>
+            <p:spPr>
+              <a:xfrm>
+                <a:off x="4355976" y="5085184"/>
+                <a:ext cx="4176464" cy="646331"/>
+              </a:xfrm>
+              <a:prstGeom prst="rect">
+                <a:avLst/>
+              </a:prstGeom>
+              <a:blipFill>
+                <a:blip r:embed="rId7"/>
+                <a:stretch>
+                  <a:fillRect l="-4526" t="-16981" b="-32075"/>
+                </a:stretch>
+              </a:blipFill>
+            </p:spPr>
+            <p:txBody>
+              <a:bodyPr/>
+              <a:lstStyle/>
+              <a:p>
+                <a:r>
+                  <a:rPr lang="ja-JP" altLang="en-US">
+                    <a:noFill/>
+                  </a:rPr>
+                  <a:t> </a:t>
+                </a:r>
+              </a:p>
+            </p:txBody>
+          </p:sp>
+        </mc:Fallback>
+      </mc:AlternateContent>
+      <p:sp>
+        <p:nvSpPr>
+          <p:cNvPr id="13" name="テキスト ボックス 12">
+            <a:extLst>
+              <a:ext uri="{FF2B5EF4-FFF2-40B4-BE49-F238E27FC236}">
+                <a16:creationId xmlns:a16="http://schemas.microsoft.com/office/drawing/2014/main" id="{11BCCB09-8B18-A476-197B-D8C91EC61ECA}"/>
+              </a:ext>
+            </a:extLst>
+          </p:cNvPr>
+          <p:cNvSpPr txBox="1"/>
+          <p:nvPr/>
+        </p:nvSpPr>
+        <p:spPr>
+          <a:xfrm>
+            <a:off x="251520" y="6093296"/>
+            <a:ext cx="8186857" cy="461665"/>
+          </a:xfrm>
+          <a:prstGeom prst="rect">
+            <a:avLst/>
+          </a:prstGeom>
+          <a:noFill/>
+        </p:spPr>
+        <p:txBody>
+          <a:bodyPr wrap="none" rtlCol="0">
+            <a:spAutoFit/>
+          </a:bodyPr>
+          <a:lstStyle/>
+          <a:p>
+            <a:r>
+              <a:rPr kumimoji="1" lang="ja-JP" altLang="en-US" sz="2400"/>
+              <a:t>示量変数と示強変数、どちらが「基本的な量」だろうか？</a:t>
+            </a:r>
+          </a:p>
+        </p:txBody>
+      </p:sp>
+    </p:spTree>
+    <p:extLst>
+      <p:ext uri="{BB962C8B-B14F-4D97-AF65-F5344CB8AC3E}">
+        <p14:creationId xmlns:p14="http://schemas.microsoft.com/office/powerpoint/2010/main" val="1999213746"/>
+      </p:ext>
+    </p:extLst>
+  </p:cSld>
+  <p:clrMapOvr>
+    <a:masterClrMapping/>
+  </p:clrMapOvr>
+</p:sld>
+</file>
+
+<file path=ppt/slides/slide14.xml><?xml version="1.0" encoding="utf-8"?>
+<p:sld xmlns:a="http://schemas.openxmlformats.org/drawingml/2006/main" xmlns:r="http://schemas.openxmlformats.org/officeDocument/2006/relationships" xmlns:p="http://schemas.openxmlformats.org/presentationml/2006/main">
+  <p:cSld>
+    <p:spTree>
+      <p:nvGrpSpPr>
+        <p:cNvPr id="1" name=""/>
+        <p:cNvGrpSpPr/>
+        <p:nvPr/>
+      </p:nvGrpSpPr>
+      <p:grpSpPr>
+        <a:xfrm>
+          <a:off x="0" y="0"/>
+          <a:ext cx="0" cy="0"/>
+          <a:chOff x="0" y="0"/>
+          <a:chExt cx="0" cy="0"/>
+        </a:xfrm>
+      </p:grpSpPr>
+      <p:sp>
+        <p:nvSpPr>
+          <p:cNvPr id="2" name="テキスト プレースホルダー 1">
+            <a:extLst>
+              <a:ext uri="{FF2B5EF4-FFF2-40B4-BE49-F238E27FC236}">
+                <a16:creationId xmlns:a16="http://schemas.microsoft.com/office/drawing/2014/main" id="{521FBE89-6F78-84F8-42E5-F71C9F222C9D}"/>
+              </a:ext>
+            </a:extLst>
+          </p:cNvPr>
+          <p:cNvSpPr>
+            <a:spLocks noGrp="1"/>
+          </p:cNvSpPr>
+          <p:nvPr>
+            <p:ph type="body" sz="quarter" idx="10"/>
+          </p:nvPr>
+        </p:nvSpPr>
+        <p:spPr/>
+        <p:txBody>
+          <a:bodyPr/>
+          <a:lstStyle/>
+          <a:p>
+            <a:r>
+              <a:rPr kumimoji="1" lang="ja-JP" altLang="en-US"/>
+              <a:t>変数と観測量</a:t>
+            </a:r>
+            <a:r>
+              <a:rPr lang="ja-JP" altLang="en-US"/>
+              <a:t>のまとめ</a:t>
+            </a:r>
+            <a:endParaRPr kumimoji="1" lang="ja-JP" altLang="en-US"/>
+          </a:p>
+        </p:txBody>
+      </p:sp>
+      <p:sp>
+        <p:nvSpPr>
+          <p:cNvPr id="4" name="テキスト ボックス 3">
+            <a:extLst>
+              <a:ext uri="{FF2B5EF4-FFF2-40B4-BE49-F238E27FC236}">
+                <a16:creationId xmlns:a16="http://schemas.microsoft.com/office/drawing/2014/main" id="{0228DD81-D0ED-81F8-1E8C-1BBDFF3500D3}"/>
+              </a:ext>
+            </a:extLst>
+          </p:cNvPr>
+          <p:cNvSpPr txBox="1"/>
+          <p:nvPr/>
+        </p:nvSpPr>
+        <p:spPr>
+          <a:xfrm>
+            <a:off x="395536" y="1340768"/>
+            <a:ext cx="7749237" cy="523220"/>
+          </a:xfrm>
+          <a:prstGeom prst="rect">
+            <a:avLst/>
+          </a:prstGeom>
+          <a:noFill/>
+        </p:spPr>
+        <p:txBody>
+          <a:bodyPr wrap="none" rtlCol="0">
+            <a:spAutoFit/>
+          </a:bodyPr>
+          <a:lstStyle/>
+          <a:p>
+            <a:r>
+              <a:rPr kumimoji="1" lang="en-US" altLang="ja-JP" sz="2800"/>
+              <a:t>a priori</a:t>
+            </a:r>
+            <a:r>
+              <a:rPr kumimoji="1" lang="ja-JP" altLang="en-US" sz="2800"/>
+              <a:t>な量とは、我々が未定義で使う量のこと</a:t>
+            </a:r>
+          </a:p>
+        </p:txBody>
+      </p:sp>
+      <p:sp>
+        <p:nvSpPr>
+          <p:cNvPr id="5" name="テキスト ボックス 4">
+            <a:extLst>
+              <a:ext uri="{FF2B5EF4-FFF2-40B4-BE49-F238E27FC236}">
+                <a16:creationId xmlns:a16="http://schemas.microsoft.com/office/drawing/2014/main" id="{2FD241DF-7DB2-4F7F-526D-1E001C67669B}"/>
+              </a:ext>
+            </a:extLst>
+          </p:cNvPr>
+          <p:cNvSpPr txBox="1"/>
+          <p:nvPr/>
+        </p:nvSpPr>
+        <p:spPr>
+          <a:xfrm>
+            <a:off x="827584" y="2060848"/>
+            <a:ext cx="7749237" cy="954107"/>
+          </a:xfrm>
+          <a:prstGeom prst="rect">
+            <a:avLst/>
+          </a:prstGeom>
+          <a:noFill/>
+        </p:spPr>
+        <p:txBody>
+          <a:bodyPr wrap="none" rtlCol="0">
+            <a:spAutoFit/>
+          </a:bodyPr>
+          <a:lstStyle/>
+          <a:p>
+            <a:r>
+              <a:rPr kumimoji="1" lang="ja-JP" altLang="en-US" sz="2800"/>
+              <a:t>熱力学では、共役な量のどちらかが</a:t>
+            </a:r>
+            <a:r>
+              <a:rPr kumimoji="1" lang="en-US" altLang="ja-JP" sz="2800"/>
+              <a:t>a priori</a:t>
+            </a:r>
+            <a:r>
+              <a:rPr kumimoji="1" lang="ja-JP" altLang="en-US" sz="2800"/>
+              <a:t>な量</a:t>
+            </a:r>
+            <a:endParaRPr kumimoji="1" lang="en-US" altLang="ja-JP" sz="2800"/>
+          </a:p>
+          <a:p>
+            <a:r>
+              <a:rPr kumimoji="1" lang="ja-JP" altLang="en-US" sz="2800"/>
+              <a:t>数値計算では、支配方程式に含まれる変数</a:t>
+            </a:r>
+          </a:p>
+        </p:txBody>
+      </p:sp>
+      <p:sp>
+        <p:nvSpPr>
+          <p:cNvPr id="6" name="テキスト ボックス 5">
+            <a:extLst>
+              <a:ext uri="{FF2B5EF4-FFF2-40B4-BE49-F238E27FC236}">
+                <a16:creationId xmlns:a16="http://schemas.microsoft.com/office/drawing/2014/main" id="{CFFB7074-E15E-B4FD-8BB6-6E81C54E3DC4}"/>
+              </a:ext>
+            </a:extLst>
+          </p:cNvPr>
+          <p:cNvSpPr txBox="1"/>
+          <p:nvPr/>
+        </p:nvSpPr>
+        <p:spPr>
+          <a:xfrm>
+            <a:off x="425097" y="3501008"/>
+            <a:ext cx="8467383" cy="523220"/>
+          </a:xfrm>
+          <a:prstGeom prst="rect">
+            <a:avLst/>
+          </a:prstGeom>
+          <a:noFill/>
+        </p:spPr>
+        <p:txBody>
+          <a:bodyPr wrap="none" rtlCol="0">
+            <a:spAutoFit/>
+          </a:bodyPr>
+          <a:lstStyle/>
+          <a:p>
+            <a:r>
+              <a:rPr kumimoji="1" lang="ja-JP" altLang="en-US" sz="2800"/>
+              <a:t>それ以外の物理量は全て</a:t>
+            </a:r>
+            <a:r>
+              <a:rPr kumimoji="1" lang="en-US" altLang="ja-JP" sz="2800"/>
+              <a:t>a priori</a:t>
+            </a:r>
+            <a:r>
+              <a:rPr kumimoji="1" lang="ja-JP" altLang="en-US" sz="2800"/>
+              <a:t>な量から定義される</a:t>
+            </a:r>
+          </a:p>
+        </p:txBody>
+      </p:sp>
+    </p:spTree>
+    <p:extLst>
+      <p:ext uri="{BB962C8B-B14F-4D97-AF65-F5344CB8AC3E}">
+        <p14:creationId xmlns:p14="http://schemas.microsoft.com/office/powerpoint/2010/main" val="1714534277"/>
+      </p:ext>
+    </p:extLst>
+  </p:cSld>
+  <p:clrMapOvr>
+    <a:masterClrMapping/>
+  </p:clrMapOvr>
+</p:sld>
+</file>
+
 <file path=ppt/slides/slide2.xml><?xml version="1.0" encoding="utf-8"?>
 <p:sld xmlns:a="http://schemas.openxmlformats.org/drawingml/2006/main" xmlns:r="http://schemas.openxmlformats.org/officeDocument/2006/relationships" xmlns:p="http://schemas.openxmlformats.org/presentationml/2006/main">
   <p:cSld>
@@ -2004,8 +6433,8 @@
         </p:nvSpPr>
         <p:spPr>
           <a:xfrm>
-            <a:off x="6156176" y="4293096"/>
-            <a:ext cx="2031325" cy="461665"/>
+            <a:off x="6372200" y="4293096"/>
+            <a:ext cx="1723549" cy="461665"/>
           </a:xfrm>
           <a:prstGeom prst="rect">
             <a:avLst/>
@@ -2019,8 +6448,12 @@
           <a:lstStyle/>
           <a:p>
             <a:r>
+              <a:rPr lang="ja-JP" altLang="en-US" sz="2400"/>
+              <a:t>固体</a:t>
+            </a:r>
+            <a:r>
               <a:rPr lang="ja-JP" altLang="en-US" sz="2400" dirty="0"/>
-              <a:t>固液体の温度</a:t>
+              <a:t>の温度</a:t>
             </a:r>
             <a:endParaRPr kumimoji="1" lang="ja-JP" altLang="en-US" sz="2400" dirty="0"/>
           </a:p>
@@ -3031,7 +7464,7 @@
         <p:spPr>
           <a:xfrm>
             <a:off x="1475656" y="6165304"/>
-            <a:ext cx="6032421" cy="461665"/>
+            <a:ext cx="3416320" cy="523220"/>
           </a:xfrm>
           <a:prstGeom prst="rect">
             <a:avLst/>
@@ -3045,9 +7478,10 @@
           <a:lstStyle/>
           <a:p>
             <a:r>
-              <a:rPr kumimoji="1" lang="ja-JP" altLang="en-US" sz="2400" dirty="0"/>
-              <a:t>数値シミュレーションの中での温度とは？</a:t>
-            </a:r>
+              <a:rPr lang="ja-JP" altLang="en-US" sz="2800"/>
+              <a:t>そもそも温度とは？</a:t>
+            </a:r>
+            <a:endParaRPr kumimoji="1" lang="ja-JP" altLang="en-US" sz="2800" dirty="0"/>
           </a:p>
         </p:txBody>
       </p:sp>
@@ -3055,6 +7489,2401 @@
     <p:extLst>
       <p:ext uri="{BB962C8B-B14F-4D97-AF65-F5344CB8AC3E}">
         <p14:creationId xmlns:p14="http://schemas.microsoft.com/office/powerpoint/2010/main" val="1945714295"/>
+      </p:ext>
+    </p:extLst>
+  </p:cSld>
+  <p:clrMapOvr>
+    <a:masterClrMapping/>
+  </p:clrMapOvr>
+</p:sld>
+</file>
+
+<file path=ppt/slides/slide6.xml><?xml version="1.0" encoding="utf-8"?>
+<p:sld xmlns:a="http://schemas.openxmlformats.org/drawingml/2006/main" xmlns:r="http://schemas.openxmlformats.org/officeDocument/2006/relationships" xmlns:p="http://schemas.openxmlformats.org/presentationml/2006/main">
+  <p:cSld>
+    <p:spTree>
+      <p:nvGrpSpPr>
+        <p:cNvPr id="1" name=""/>
+        <p:cNvGrpSpPr/>
+        <p:nvPr/>
+      </p:nvGrpSpPr>
+      <p:grpSpPr>
+        <a:xfrm>
+          <a:off x="0" y="0"/>
+          <a:ext cx="0" cy="0"/>
+          <a:chOff x="0" y="0"/>
+          <a:chExt cx="0" cy="0"/>
+        </a:xfrm>
+      </p:grpSpPr>
+      <p:sp>
+        <p:nvSpPr>
+          <p:cNvPr id="2" name="テキスト プレースホルダー 1">
+            <a:extLst>
+              <a:ext uri="{FF2B5EF4-FFF2-40B4-BE49-F238E27FC236}">
+                <a16:creationId xmlns:a16="http://schemas.microsoft.com/office/drawing/2014/main" id="{4A08F968-A80C-F382-4386-5E436CB405AF}"/>
+              </a:ext>
+            </a:extLst>
+          </p:cNvPr>
+          <p:cNvSpPr>
+            <a:spLocks noGrp="1"/>
+          </p:cNvSpPr>
+          <p:nvPr>
+            <p:ph type="body" sz="quarter" idx="10"/>
+          </p:nvPr>
+        </p:nvSpPr>
+        <p:spPr/>
+        <p:txBody>
+          <a:bodyPr/>
+          <a:lstStyle/>
+          <a:p>
+            <a:r>
+              <a:rPr kumimoji="1" lang="ja-JP" altLang="en-US"/>
+              <a:t>変数と観測量</a:t>
+            </a:r>
+          </a:p>
+        </p:txBody>
+      </p:sp>
+      <p:sp>
+        <p:nvSpPr>
+          <p:cNvPr id="3" name="テキスト ボックス 2">
+            <a:extLst>
+              <a:ext uri="{FF2B5EF4-FFF2-40B4-BE49-F238E27FC236}">
+                <a16:creationId xmlns:a16="http://schemas.microsoft.com/office/drawing/2014/main" id="{2F02D26D-D18A-B70E-2897-DE02C5F9FDE4}"/>
+              </a:ext>
+            </a:extLst>
+          </p:cNvPr>
+          <p:cNvSpPr txBox="1"/>
+          <p:nvPr/>
+        </p:nvSpPr>
+        <p:spPr>
+          <a:xfrm>
+            <a:off x="251520" y="1268760"/>
+            <a:ext cx="2751074" cy="584775"/>
+          </a:xfrm>
+          <a:prstGeom prst="rect">
+            <a:avLst/>
+          </a:prstGeom>
+          <a:noFill/>
+        </p:spPr>
+        <p:txBody>
+          <a:bodyPr wrap="none" rtlCol="0">
+            <a:spAutoFit/>
+          </a:bodyPr>
+          <a:lstStyle/>
+          <a:p>
+            <a:r>
+              <a:rPr lang="ja-JP" altLang="en-US" sz="3200">
+                <a:solidFill>
+                  <a:srgbClr val="011893"/>
+                </a:solidFill>
+              </a:rPr>
+              <a:t>変数</a:t>
+            </a:r>
+            <a:r>
+              <a:rPr lang="en-US" altLang="ja-JP" sz="3200">
+                <a:solidFill>
+                  <a:srgbClr val="011893"/>
+                </a:solidFill>
+              </a:rPr>
+              <a:t>(Variable)</a:t>
+            </a:r>
+            <a:endParaRPr kumimoji="1" lang="ja-JP" altLang="en-US" sz="3200">
+              <a:solidFill>
+                <a:srgbClr val="011893"/>
+              </a:solidFill>
+            </a:endParaRPr>
+          </a:p>
+        </p:txBody>
+      </p:sp>
+      <p:sp>
+        <p:nvSpPr>
+          <p:cNvPr id="4" name="テキスト ボックス 3">
+            <a:extLst>
+              <a:ext uri="{FF2B5EF4-FFF2-40B4-BE49-F238E27FC236}">
+                <a16:creationId xmlns:a16="http://schemas.microsoft.com/office/drawing/2014/main" id="{FFF13417-84AA-BCE6-C0D3-9722E5800831}"/>
+              </a:ext>
+            </a:extLst>
+          </p:cNvPr>
+          <p:cNvSpPr txBox="1"/>
+          <p:nvPr/>
+        </p:nvSpPr>
+        <p:spPr>
+          <a:xfrm>
+            <a:off x="827584" y="1988840"/>
+            <a:ext cx="5540299" cy="1077218"/>
+          </a:xfrm>
+          <a:prstGeom prst="rect">
+            <a:avLst/>
+          </a:prstGeom>
+          <a:noFill/>
+        </p:spPr>
+        <p:txBody>
+          <a:bodyPr wrap="none" rtlCol="0">
+            <a:spAutoFit/>
+          </a:bodyPr>
+          <a:lstStyle/>
+          <a:p>
+            <a:r>
+              <a:rPr lang="ja-JP" altLang="en-US" sz="3200"/>
+              <a:t>我々が</a:t>
+            </a:r>
+            <a:r>
+              <a:rPr lang="en-US" altLang="ja-JP" sz="3200"/>
+              <a:t>a priori</a:t>
+            </a:r>
+            <a:r>
+              <a:rPr lang="ja-JP" altLang="en-US" sz="3200"/>
+              <a:t>に認める物理量</a:t>
+            </a:r>
+            <a:endParaRPr lang="en-US" altLang="ja-JP" sz="3200"/>
+          </a:p>
+          <a:p>
+            <a:r>
+              <a:rPr kumimoji="1" lang="ja-JP" altLang="en-US" sz="3200"/>
+              <a:t>支配方程式に直接でてくる量</a:t>
+            </a:r>
+          </a:p>
+        </p:txBody>
+      </p:sp>
+      <p:sp>
+        <p:nvSpPr>
+          <p:cNvPr id="5" name="テキスト ボックス 4">
+            <a:extLst>
+              <a:ext uri="{FF2B5EF4-FFF2-40B4-BE49-F238E27FC236}">
+                <a16:creationId xmlns:a16="http://schemas.microsoft.com/office/drawing/2014/main" id="{39700BD8-9BB7-F8FA-31EE-A5A9416E4BC0}"/>
+              </a:ext>
+            </a:extLst>
+          </p:cNvPr>
+          <p:cNvSpPr txBox="1"/>
+          <p:nvPr/>
+        </p:nvSpPr>
+        <p:spPr>
+          <a:xfrm>
+            <a:off x="179512" y="3276273"/>
+            <a:ext cx="3783408" cy="584775"/>
+          </a:xfrm>
+          <a:prstGeom prst="rect">
+            <a:avLst/>
+          </a:prstGeom>
+          <a:noFill/>
+        </p:spPr>
+        <p:txBody>
+          <a:bodyPr wrap="none" rtlCol="0">
+            <a:spAutoFit/>
+          </a:bodyPr>
+          <a:lstStyle/>
+          <a:p>
+            <a:r>
+              <a:rPr lang="ja-JP" altLang="en-US" sz="3200">
+                <a:solidFill>
+                  <a:srgbClr val="011893"/>
+                </a:solidFill>
+              </a:rPr>
+              <a:t>観測量</a:t>
+            </a:r>
+            <a:r>
+              <a:rPr lang="en-US" altLang="ja-JP" sz="3200">
+                <a:solidFill>
+                  <a:srgbClr val="011893"/>
+                </a:solidFill>
+              </a:rPr>
+              <a:t>(Observable)</a:t>
+            </a:r>
+            <a:endParaRPr kumimoji="1" lang="ja-JP" altLang="en-US" sz="3200">
+              <a:solidFill>
+                <a:srgbClr val="011893"/>
+              </a:solidFill>
+            </a:endParaRPr>
+          </a:p>
+        </p:txBody>
+      </p:sp>
+      <p:sp>
+        <p:nvSpPr>
+          <p:cNvPr id="6" name="テキスト ボックス 5">
+            <a:extLst>
+              <a:ext uri="{FF2B5EF4-FFF2-40B4-BE49-F238E27FC236}">
+                <a16:creationId xmlns:a16="http://schemas.microsoft.com/office/drawing/2014/main" id="{24C69BBA-BDEB-124F-56F2-4415737427B3}"/>
+              </a:ext>
+            </a:extLst>
+          </p:cNvPr>
+          <p:cNvSpPr txBox="1"/>
+          <p:nvPr/>
+        </p:nvSpPr>
+        <p:spPr>
+          <a:xfrm>
+            <a:off x="827584" y="3933056"/>
+            <a:ext cx="5519460" cy="1077218"/>
+          </a:xfrm>
+          <a:prstGeom prst="rect">
+            <a:avLst/>
+          </a:prstGeom>
+          <a:noFill/>
+        </p:spPr>
+        <p:txBody>
+          <a:bodyPr wrap="none" rtlCol="0">
+            <a:spAutoFit/>
+          </a:bodyPr>
+          <a:lstStyle/>
+          <a:p>
+            <a:r>
+              <a:rPr kumimoji="1" lang="ja-JP" altLang="en-US" sz="3200"/>
+              <a:t>支配方程式には含まれない量</a:t>
+            </a:r>
+            <a:endParaRPr kumimoji="1" lang="en-US" altLang="ja-JP" sz="3200"/>
+          </a:p>
+          <a:p>
+            <a:r>
+              <a:rPr kumimoji="1" lang="ja-JP" altLang="en-US" sz="3200"/>
+              <a:t>変数から導かれる量</a:t>
+            </a:r>
+          </a:p>
+        </p:txBody>
+      </p:sp>
+      <p:sp>
+        <p:nvSpPr>
+          <p:cNvPr id="7" name="テキスト ボックス 6">
+            <a:extLst>
+              <a:ext uri="{FF2B5EF4-FFF2-40B4-BE49-F238E27FC236}">
+                <a16:creationId xmlns:a16="http://schemas.microsoft.com/office/drawing/2014/main" id="{B3BD8CCB-4C0E-BEAF-79DB-20DBBC0110A0}"/>
+              </a:ext>
+            </a:extLst>
+          </p:cNvPr>
+          <p:cNvSpPr txBox="1"/>
+          <p:nvPr/>
+        </p:nvSpPr>
+        <p:spPr>
+          <a:xfrm>
+            <a:off x="323528" y="5445224"/>
+            <a:ext cx="8443337" cy="523220"/>
+          </a:xfrm>
+          <a:prstGeom prst="rect">
+            <a:avLst/>
+          </a:prstGeom>
+          <a:noFill/>
+        </p:spPr>
+        <p:txBody>
+          <a:bodyPr wrap="none" rtlCol="0">
+            <a:spAutoFit/>
+          </a:bodyPr>
+          <a:lstStyle/>
+          <a:p>
+            <a:r>
+              <a:rPr kumimoji="1" lang="ja-JP" altLang="en-US" sz="2800"/>
+              <a:t>何が変数で何が観測量かは支配方程式により異なる</a:t>
+            </a:r>
+          </a:p>
+        </p:txBody>
+      </p:sp>
+    </p:spTree>
+    <p:extLst>
+      <p:ext uri="{BB962C8B-B14F-4D97-AF65-F5344CB8AC3E}">
+        <p14:creationId xmlns:p14="http://schemas.microsoft.com/office/powerpoint/2010/main" val="947592308"/>
+      </p:ext>
+    </p:extLst>
+  </p:cSld>
+  <p:clrMapOvr>
+    <a:masterClrMapping/>
+  </p:clrMapOvr>
+</p:sld>
+</file>
+
+<file path=ppt/slides/slide7.xml><?xml version="1.0" encoding="utf-8"?>
+<p:sld xmlns:a="http://schemas.openxmlformats.org/drawingml/2006/main" xmlns:r="http://schemas.openxmlformats.org/officeDocument/2006/relationships" xmlns:p="http://schemas.openxmlformats.org/presentationml/2006/main">
+  <p:cSld>
+    <p:spTree>
+      <p:nvGrpSpPr>
+        <p:cNvPr id="1" name=""/>
+        <p:cNvGrpSpPr/>
+        <p:nvPr/>
+      </p:nvGrpSpPr>
+      <p:grpSpPr>
+        <a:xfrm>
+          <a:off x="0" y="0"/>
+          <a:ext cx="0" cy="0"/>
+          <a:chOff x="0" y="0"/>
+          <a:chExt cx="0" cy="0"/>
+        </a:xfrm>
+      </p:grpSpPr>
+      <p:sp>
+        <p:nvSpPr>
+          <p:cNvPr id="2" name="テキスト プレースホルダー 1">
+            <a:extLst>
+              <a:ext uri="{FF2B5EF4-FFF2-40B4-BE49-F238E27FC236}">
+                <a16:creationId xmlns:a16="http://schemas.microsoft.com/office/drawing/2014/main" id="{5E74A420-992E-70D0-5340-2E6EBB408E62}"/>
+              </a:ext>
+            </a:extLst>
+          </p:cNvPr>
+          <p:cNvSpPr>
+            <a:spLocks noGrp="1"/>
+          </p:cNvSpPr>
+          <p:nvPr>
+            <p:ph type="body" sz="quarter" idx="10"/>
+          </p:nvPr>
+        </p:nvSpPr>
+        <p:spPr/>
+        <p:txBody>
+          <a:bodyPr/>
+          <a:lstStyle/>
+          <a:p>
+            <a:r>
+              <a:rPr kumimoji="1" lang="ja-JP" altLang="en-US"/>
+              <a:t>変数と観測量</a:t>
+            </a:r>
+          </a:p>
+        </p:txBody>
+      </p:sp>
+      <p:sp>
+        <p:nvSpPr>
+          <p:cNvPr id="4" name="テキスト ボックス 3">
+            <a:extLst>
+              <a:ext uri="{FF2B5EF4-FFF2-40B4-BE49-F238E27FC236}">
+                <a16:creationId xmlns:a16="http://schemas.microsoft.com/office/drawing/2014/main" id="{D7FDD895-B010-559D-3647-88923FF9AC8B}"/>
+              </a:ext>
+            </a:extLst>
+          </p:cNvPr>
+          <p:cNvSpPr txBox="1"/>
+          <p:nvPr/>
+        </p:nvSpPr>
+        <p:spPr>
+          <a:xfrm>
+            <a:off x="395536" y="1268760"/>
+            <a:ext cx="2954655" cy="646331"/>
+          </a:xfrm>
+          <a:prstGeom prst="rect">
+            <a:avLst/>
+          </a:prstGeom>
+          <a:noFill/>
+        </p:spPr>
+        <p:txBody>
+          <a:bodyPr wrap="none" rtlCol="0">
+            <a:spAutoFit/>
+          </a:bodyPr>
+          <a:lstStyle/>
+          <a:p>
+            <a:r>
+              <a:rPr lang="ja-JP" altLang="en-US" sz="3600"/>
+              <a:t>熱伝導方程式</a:t>
+            </a:r>
+            <a:endParaRPr kumimoji="1" lang="ja-JP" altLang="en-US" sz="3600"/>
+          </a:p>
+        </p:txBody>
+      </p:sp>
+      <mc:AlternateContent xmlns:mc="http://schemas.openxmlformats.org/markup-compatibility/2006">
+        <mc:Choice xmlns:a14="http://schemas.microsoft.com/office/drawing/2010/main" Requires="a14">
+          <p:sp>
+            <p:nvSpPr>
+              <p:cNvPr id="5" name="テキスト ボックス 4">
+                <a:extLst>
+                  <a:ext uri="{FF2B5EF4-FFF2-40B4-BE49-F238E27FC236}">
+                    <a16:creationId xmlns:a16="http://schemas.microsoft.com/office/drawing/2014/main" id="{F3BDE375-4931-FCD5-DF31-186278447288}"/>
+                  </a:ext>
+                </a:extLst>
+              </p:cNvPr>
+              <p:cNvSpPr txBox="1"/>
+              <p:nvPr/>
+            </p:nvSpPr>
+            <p:spPr>
+              <a:xfrm>
+                <a:off x="3059832" y="1988840"/>
+                <a:ext cx="2570384" cy="1203984"/>
+              </a:xfrm>
+              <a:prstGeom prst="rect">
+                <a:avLst/>
+              </a:prstGeom>
+              <a:noFill/>
+            </p:spPr>
+            <p:txBody>
+              <a:bodyPr wrap="none" rtlCol="0">
+                <a:spAutoFit/>
+              </a:bodyPr>
+              <a:lstStyle/>
+              <a:p>
+                <a14:m>
+                  <m:oMathPara xmlns:m="http://schemas.openxmlformats.org/officeDocument/2006/math">
+                    <m:oMathParaPr>
+                      <m:jc m:val="centerGroup"/>
+                    </m:oMathParaPr>
+                    <m:oMath xmlns:m="http://schemas.openxmlformats.org/officeDocument/2006/math">
+                      <m:f>
+                        <m:fPr>
+                          <m:ctrlPr>
+                            <a:rPr kumimoji="1" lang="en-US" altLang="ja-JP" sz="3600" b="0" i="1" smtClean="0">
+                              <a:latin typeface="Cambria Math" panose="02040503050406030204" pitchFamily="18" charset="0"/>
+                            </a:rPr>
+                          </m:ctrlPr>
+                        </m:fPr>
+                        <m:num>
+                          <m:r>
+                            <a:rPr kumimoji="1" lang="en-US" altLang="ja-JP" sz="3600" b="0" i="1" smtClean="0">
+                              <a:latin typeface="Cambria Math" panose="02040503050406030204" pitchFamily="18" charset="0"/>
+                            </a:rPr>
+                            <m:t>𝜕</m:t>
+                          </m:r>
+                          <m:r>
+                            <a:rPr kumimoji="1" lang="en-US" altLang="ja-JP" sz="3600" b="0" i="1" smtClean="0">
+                              <a:latin typeface="Cambria Math" panose="02040503050406030204" pitchFamily="18" charset="0"/>
+                            </a:rPr>
+                            <m:t>𝑇</m:t>
+                          </m:r>
+                        </m:num>
+                        <m:den>
+                          <m:r>
+                            <a:rPr kumimoji="1" lang="en-US" altLang="ja-JP" sz="3600" b="0" i="1" smtClean="0">
+                              <a:latin typeface="Cambria Math" panose="02040503050406030204" pitchFamily="18" charset="0"/>
+                            </a:rPr>
+                            <m:t>𝜕</m:t>
+                          </m:r>
+                          <m:r>
+                            <a:rPr kumimoji="1" lang="en-US" altLang="ja-JP" sz="3600" b="0" i="1" smtClean="0">
+                              <a:latin typeface="Cambria Math" panose="02040503050406030204" pitchFamily="18" charset="0"/>
+                            </a:rPr>
+                            <m:t>𝑡</m:t>
+                          </m:r>
+                        </m:den>
+                      </m:f>
+                      <m:r>
+                        <a:rPr kumimoji="1" lang="en-US" altLang="ja-JP" sz="3600" b="0" i="1" smtClean="0">
+                          <a:latin typeface="Cambria Math" panose="02040503050406030204" pitchFamily="18" charset="0"/>
+                        </a:rPr>
+                        <m:t>=</m:t>
+                      </m:r>
+                      <m:r>
+                        <a:rPr kumimoji="1" lang="en-US" altLang="ja-JP" sz="3600" b="0" i="1" smtClean="0">
+                          <a:latin typeface="Cambria Math" panose="02040503050406030204" pitchFamily="18" charset="0"/>
+                        </a:rPr>
+                        <m:t>𝜅</m:t>
+                      </m:r>
+                      <m:f>
+                        <m:fPr>
+                          <m:ctrlPr>
+                            <a:rPr kumimoji="1" lang="en-US" altLang="ja-JP" sz="3600" b="0" i="1" smtClean="0">
+                              <a:latin typeface="Cambria Math" panose="02040503050406030204" pitchFamily="18" charset="0"/>
+                            </a:rPr>
+                          </m:ctrlPr>
+                        </m:fPr>
+                        <m:num>
+                          <m:sSup>
+                            <m:sSupPr>
+                              <m:ctrlPr>
+                                <a:rPr kumimoji="1" lang="en-US" altLang="ja-JP" sz="3600" b="0" i="1" smtClean="0">
+                                  <a:latin typeface="Cambria Math" panose="02040503050406030204" pitchFamily="18" charset="0"/>
+                                </a:rPr>
+                              </m:ctrlPr>
+                            </m:sSupPr>
+                            <m:e>
+                              <m:r>
+                                <a:rPr kumimoji="1" lang="en-US" altLang="ja-JP" sz="3600" b="0" i="1" smtClean="0">
+                                  <a:latin typeface="Cambria Math" panose="02040503050406030204" pitchFamily="18" charset="0"/>
+                                </a:rPr>
+                                <m:t>𝜕</m:t>
+                              </m:r>
+                            </m:e>
+                            <m:sup>
+                              <m:r>
+                                <a:rPr kumimoji="1" lang="en-US" altLang="ja-JP" sz="3600" b="0" i="1" smtClean="0">
+                                  <a:latin typeface="Cambria Math" panose="02040503050406030204" pitchFamily="18" charset="0"/>
+                                </a:rPr>
+                                <m:t>2</m:t>
+                              </m:r>
+                            </m:sup>
+                          </m:sSup>
+                          <m:r>
+                            <a:rPr kumimoji="1" lang="en-US" altLang="ja-JP" sz="3600" b="0" i="1" smtClean="0">
+                              <a:latin typeface="Cambria Math" panose="02040503050406030204" pitchFamily="18" charset="0"/>
+                            </a:rPr>
+                            <m:t>𝑇</m:t>
+                          </m:r>
+                        </m:num>
+                        <m:den>
+                          <m:r>
+                            <a:rPr kumimoji="1" lang="en-US" altLang="ja-JP" sz="3600" b="0" i="1" smtClean="0">
+                              <a:latin typeface="Cambria Math" panose="02040503050406030204" pitchFamily="18" charset="0"/>
+                            </a:rPr>
+                            <m:t>𝜕</m:t>
+                          </m:r>
+                          <m:sSup>
+                            <m:sSupPr>
+                              <m:ctrlPr>
+                                <a:rPr kumimoji="1" lang="en-US" altLang="ja-JP" sz="3600" b="0" i="1" smtClean="0">
+                                  <a:latin typeface="Cambria Math" panose="02040503050406030204" pitchFamily="18" charset="0"/>
+                                </a:rPr>
+                              </m:ctrlPr>
+                            </m:sSupPr>
+                            <m:e>
+                              <m:r>
+                                <a:rPr kumimoji="1" lang="en-US" altLang="ja-JP" sz="3600" b="0" i="1" smtClean="0">
+                                  <a:latin typeface="Cambria Math" panose="02040503050406030204" pitchFamily="18" charset="0"/>
+                                </a:rPr>
+                                <m:t>𝑥</m:t>
+                              </m:r>
+                            </m:e>
+                            <m:sup>
+                              <m:r>
+                                <a:rPr kumimoji="1" lang="en-US" altLang="ja-JP" sz="3600" b="0" i="1" smtClean="0">
+                                  <a:latin typeface="Cambria Math" panose="02040503050406030204" pitchFamily="18" charset="0"/>
+                                </a:rPr>
+                                <m:t>2</m:t>
+                              </m:r>
+                            </m:sup>
+                          </m:sSup>
+                        </m:den>
+                      </m:f>
+                    </m:oMath>
+                  </m:oMathPara>
+                </a14:m>
+                <a:endParaRPr kumimoji="1" lang="ja-JP" altLang="en-US" sz="3600"/>
+              </a:p>
+            </p:txBody>
+          </p:sp>
+        </mc:Choice>
+        <mc:Fallback>
+          <p:sp>
+            <p:nvSpPr>
+              <p:cNvPr id="5" name="テキスト ボックス 4">
+                <a:extLst>
+                  <a:ext uri="{FF2B5EF4-FFF2-40B4-BE49-F238E27FC236}">
+                    <a16:creationId xmlns:a16="http://schemas.microsoft.com/office/drawing/2014/main" id="{F3BDE375-4931-FCD5-DF31-186278447288}"/>
+                  </a:ext>
+                </a:extLst>
+              </p:cNvPr>
+              <p:cNvSpPr txBox="1">
+                <a:spLocks noRot="1" noChangeAspect="1" noMove="1" noResize="1" noEditPoints="1" noAdjustHandles="1" noChangeArrowheads="1" noChangeShapeType="1" noTextEdit="1"/>
+              </p:cNvSpPr>
+              <p:nvPr/>
+            </p:nvSpPr>
+            <p:spPr>
+              <a:xfrm>
+                <a:off x="3059832" y="1988840"/>
+                <a:ext cx="2570384" cy="1203984"/>
+              </a:xfrm>
+              <a:prstGeom prst="rect">
+                <a:avLst/>
+              </a:prstGeom>
+              <a:blipFill>
+                <a:blip r:embed="rId2"/>
+                <a:stretch>
+                  <a:fillRect/>
+                </a:stretch>
+              </a:blipFill>
+            </p:spPr>
+            <p:txBody>
+              <a:bodyPr/>
+              <a:lstStyle/>
+              <a:p>
+                <a:r>
+                  <a:rPr lang="ja-JP" altLang="en-US">
+                    <a:noFill/>
+                  </a:rPr>
+                  <a:t> </a:t>
+                </a:r>
+              </a:p>
+            </p:txBody>
+          </p:sp>
+        </mc:Fallback>
+      </mc:AlternateContent>
+      <mc:AlternateContent xmlns:mc="http://schemas.openxmlformats.org/markup-compatibility/2006">
+        <mc:Choice xmlns:a14="http://schemas.microsoft.com/office/drawing/2010/main" Requires="a14">
+          <p:sp>
+            <p:nvSpPr>
+              <p:cNvPr id="6" name="テキスト ボックス 5">
+                <a:extLst>
+                  <a:ext uri="{FF2B5EF4-FFF2-40B4-BE49-F238E27FC236}">
+                    <a16:creationId xmlns:a16="http://schemas.microsoft.com/office/drawing/2014/main" id="{163AF859-B5AF-45B7-AEF1-6EA90B23691A}"/>
+                  </a:ext>
+                </a:extLst>
+              </p:cNvPr>
+              <p:cNvSpPr txBox="1"/>
+              <p:nvPr/>
+            </p:nvSpPr>
+            <p:spPr>
+              <a:xfrm>
+                <a:off x="251520" y="3645024"/>
+                <a:ext cx="8568952" cy="523220"/>
+              </a:xfrm>
+              <a:prstGeom prst="rect">
+                <a:avLst/>
+              </a:prstGeom>
+              <a:noFill/>
+            </p:spPr>
+            <p:txBody>
+              <a:bodyPr wrap="square" rtlCol="0">
+                <a:spAutoFit/>
+              </a:bodyPr>
+              <a:lstStyle/>
+              <a:p>
+                <a:r>
+                  <a:rPr lang="ja-JP" altLang="en-US" sz="2800"/>
+                  <a:t>位置</a:t>
+                </a:r>
+                <a14:m>
+                  <m:oMath xmlns:m="http://schemas.openxmlformats.org/officeDocument/2006/math">
+                    <m:r>
+                      <a:rPr lang="en-US" altLang="ja-JP" sz="2800" b="0" i="1" smtClean="0">
+                        <a:latin typeface="Cambria Math" panose="02040503050406030204" pitchFamily="18" charset="0"/>
+                      </a:rPr>
+                      <m:t>𝑥</m:t>
+                    </m:r>
+                    <m:r>
+                      <a:rPr lang="ja-JP" altLang="en-US" sz="2800" i="1">
+                        <a:latin typeface="Cambria Math" panose="02040503050406030204" pitchFamily="18" charset="0"/>
+                      </a:rPr>
+                      <m:t>、</m:t>
+                    </m:r>
+                  </m:oMath>
+                </a14:m>
+                <a:r>
+                  <a:rPr lang="ja-JP" altLang="en-US" sz="2800"/>
+                  <a:t>時刻</a:t>
+                </a:r>
+                <a14:m>
+                  <m:oMath xmlns:m="http://schemas.openxmlformats.org/officeDocument/2006/math">
+                    <m:r>
+                      <a:rPr lang="en-US" altLang="ja-JP" sz="2800" b="0" i="1" smtClean="0">
+                        <a:latin typeface="Cambria Math" panose="02040503050406030204" pitchFamily="18" charset="0"/>
+                      </a:rPr>
+                      <m:t>𝑡</m:t>
+                    </m:r>
+                  </m:oMath>
+                </a14:m>
+                <a:r>
+                  <a:rPr lang="ja-JP" altLang="en-US" sz="2800"/>
+                  <a:t>、温度</a:t>
+                </a:r>
+                <a14:m>
+                  <m:oMath xmlns:m="http://schemas.openxmlformats.org/officeDocument/2006/math">
+                    <m:r>
+                      <a:rPr lang="en-US" altLang="ja-JP" sz="2800" b="0" i="1" smtClean="0">
+                        <a:latin typeface="Cambria Math" panose="02040503050406030204" pitchFamily="18" charset="0"/>
+                      </a:rPr>
+                      <m:t>𝑇</m:t>
+                    </m:r>
+                    <m:r>
+                      <a:rPr lang="en-US" altLang="ja-JP" sz="2800" b="0" i="1" smtClean="0">
+                        <a:latin typeface="Cambria Math" panose="02040503050406030204" pitchFamily="18" charset="0"/>
+                      </a:rPr>
+                      <m:t>(</m:t>
+                    </m:r>
+                    <m:r>
+                      <a:rPr lang="en-US" altLang="ja-JP" sz="2800" b="0" i="1" smtClean="0">
+                        <a:latin typeface="Cambria Math" panose="02040503050406030204" pitchFamily="18" charset="0"/>
+                      </a:rPr>
+                      <m:t>𝑥</m:t>
+                    </m:r>
+                    <m:r>
+                      <a:rPr lang="en-US" altLang="ja-JP" sz="2800" b="0" i="1" smtClean="0">
+                        <a:latin typeface="Cambria Math" panose="02040503050406030204" pitchFamily="18" charset="0"/>
+                      </a:rPr>
+                      <m:t>,</m:t>
+                    </m:r>
+                    <m:r>
+                      <a:rPr lang="en-US" altLang="ja-JP" sz="2800" b="0" i="1" smtClean="0">
+                        <a:latin typeface="Cambria Math" panose="02040503050406030204" pitchFamily="18" charset="0"/>
+                      </a:rPr>
+                      <m:t>𝑡</m:t>
+                    </m:r>
+                    <m:r>
+                      <a:rPr lang="en-US" altLang="ja-JP" sz="2800" b="0" i="1" smtClean="0">
+                        <a:latin typeface="Cambria Math" panose="02040503050406030204" pitchFamily="18" charset="0"/>
+                      </a:rPr>
+                      <m:t>)</m:t>
+                    </m:r>
+                  </m:oMath>
+                </a14:m>
+                <a:r>
+                  <a:rPr kumimoji="1" lang="ja-JP" altLang="en-US" sz="2800"/>
+                  <a:t>は全て</a:t>
+                </a:r>
+                <a:r>
+                  <a:rPr lang="ja-JP" altLang="en-US" sz="2800">
+                    <a:solidFill>
+                      <a:srgbClr val="FF0000"/>
+                    </a:solidFill>
+                  </a:rPr>
+                  <a:t>変数</a:t>
+                </a:r>
+                <a:r>
+                  <a:rPr lang="en-US" altLang="ja-JP" sz="2800">
+                    <a:solidFill>
+                      <a:srgbClr val="FF0000"/>
+                    </a:solidFill>
+                  </a:rPr>
+                  <a:t>(variable)</a:t>
+                </a:r>
+              </a:p>
+            </p:txBody>
+          </p:sp>
+        </mc:Choice>
+        <mc:Fallback>
+          <p:sp>
+            <p:nvSpPr>
+              <p:cNvPr id="6" name="テキスト ボックス 5">
+                <a:extLst>
+                  <a:ext uri="{FF2B5EF4-FFF2-40B4-BE49-F238E27FC236}">
+                    <a16:creationId xmlns:a16="http://schemas.microsoft.com/office/drawing/2014/main" id="{163AF859-B5AF-45B7-AEF1-6EA90B23691A}"/>
+                  </a:ext>
+                </a:extLst>
+              </p:cNvPr>
+              <p:cNvSpPr txBox="1">
+                <a:spLocks noRot="1" noChangeAspect="1" noMove="1" noResize="1" noEditPoints="1" noAdjustHandles="1" noChangeArrowheads="1" noChangeShapeType="1" noTextEdit="1"/>
+              </p:cNvSpPr>
+              <p:nvPr/>
+            </p:nvSpPr>
+            <p:spPr>
+              <a:xfrm>
+                <a:off x="251520" y="3645024"/>
+                <a:ext cx="8568952" cy="523220"/>
+              </a:xfrm>
+              <a:prstGeom prst="rect">
+                <a:avLst/>
+              </a:prstGeom>
+              <a:blipFill>
+                <a:blip r:embed="rId3"/>
+                <a:stretch>
+                  <a:fillRect l="-1422" t="-16279" b="-31395"/>
+                </a:stretch>
+              </a:blipFill>
+            </p:spPr>
+            <p:txBody>
+              <a:bodyPr/>
+              <a:lstStyle/>
+              <a:p>
+                <a:r>
+                  <a:rPr lang="ja-JP" altLang="en-US">
+                    <a:noFill/>
+                  </a:rPr>
+                  <a:t> </a:t>
+                </a:r>
+              </a:p>
+            </p:txBody>
+          </p:sp>
+        </mc:Fallback>
+      </mc:AlternateContent>
+      <p:sp>
+        <p:nvSpPr>
+          <p:cNvPr id="8" name="テキスト ボックス 7">
+            <a:extLst>
+              <a:ext uri="{FF2B5EF4-FFF2-40B4-BE49-F238E27FC236}">
+                <a16:creationId xmlns:a16="http://schemas.microsoft.com/office/drawing/2014/main" id="{E5B08163-694A-6AFB-F241-92BD305993E8}"/>
+              </a:ext>
+            </a:extLst>
+          </p:cNvPr>
+          <p:cNvSpPr txBox="1"/>
+          <p:nvPr/>
+        </p:nvSpPr>
+        <p:spPr>
+          <a:xfrm>
+            <a:off x="251520" y="4653136"/>
+            <a:ext cx="8568952" cy="954107"/>
+          </a:xfrm>
+          <a:prstGeom prst="rect">
+            <a:avLst/>
+          </a:prstGeom>
+          <a:noFill/>
+        </p:spPr>
+        <p:txBody>
+          <a:bodyPr wrap="square">
+            <a:spAutoFit/>
+          </a:bodyPr>
+          <a:lstStyle/>
+          <a:p>
+            <a:r>
+              <a:rPr lang="ja-JP" altLang="en-US" sz="2800"/>
+              <a:t>この支配方程式を認めた時点で「この世界には温度というものがあり、この方程式に従う」と宣言</a:t>
+            </a:r>
+            <a:endParaRPr lang="en-US" altLang="ja-JP" sz="2800"/>
+          </a:p>
+        </p:txBody>
+      </p:sp>
+    </p:spTree>
+    <p:extLst>
+      <p:ext uri="{BB962C8B-B14F-4D97-AF65-F5344CB8AC3E}">
+        <p14:creationId xmlns:p14="http://schemas.microsoft.com/office/powerpoint/2010/main" val="1523585112"/>
+      </p:ext>
+    </p:extLst>
+  </p:cSld>
+  <p:clrMapOvr>
+    <a:masterClrMapping/>
+  </p:clrMapOvr>
+</p:sld>
+</file>
+
+<file path=ppt/slides/slide8.xml><?xml version="1.0" encoding="utf-8"?>
+<p:sld xmlns:a="http://schemas.openxmlformats.org/drawingml/2006/main" xmlns:r="http://schemas.openxmlformats.org/officeDocument/2006/relationships" xmlns:p="http://schemas.openxmlformats.org/presentationml/2006/main">
+  <p:cSld>
+    <p:spTree>
+      <p:nvGrpSpPr>
+        <p:cNvPr id="1" name=""/>
+        <p:cNvGrpSpPr/>
+        <p:nvPr/>
+      </p:nvGrpSpPr>
+      <p:grpSpPr>
+        <a:xfrm>
+          <a:off x="0" y="0"/>
+          <a:ext cx="0" cy="0"/>
+          <a:chOff x="0" y="0"/>
+          <a:chExt cx="0" cy="0"/>
+        </a:xfrm>
+      </p:grpSpPr>
+      <p:sp>
+        <p:nvSpPr>
+          <p:cNvPr id="2" name="テキスト プレースホルダー 1">
+            <a:extLst>
+              <a:ext uri="{FF2B5EF4-FFF2-40B4-BE49-F238E27FC236}">
+                <a16:creationId xmlns:a16="http://schemas.microsoft.com/office/drawing/2014/main" id="{A9B00E66-0840-E595-0FA2-4B894B0FE1F8}"/>
+              </a:ext>
+            </a:extLst>
+          </p:cNvPr>
+          <p:cNvSpPr>
+            <a:spLocks noGrp="1"/>
+          </p:cNvSpPr>
+          <p:nvPr>
+            <p:ph type="body" sz="quarter" idx="10"/>
+          </p:nvPr>
+        </p:nvSpPr>
+        <p:spPr/>
+        <p:txBody>
+          <a:bodyPr/>
+          <a:lstStyle/>
+          <a:p>
+            <a:r>
+              <a:rPr kumimoji="1" lang="ja-JP" altLang="en-US"/>
+              <a:t>変数と観測量</a:t>
+            </a:r>
+          </a:p>
+        </p:txBody>
+      </p:sp>
+      <p:sp>
+        <p:nvSpPr>
+          <p:cNvPr id="3" name="テキスト ボックス 2">
+            <a:extLst>
+              <a:ext uri="{FF2B5EF4-FFF2-40B4-BE49-F238E27FC236}">
+                <a16:creationId xmlns:a16="http://schemas.microsoft.com/office/drawing/2014/main" id="{3EF5BEF5-633A-E28D-17C9-77DA3F38541C}"/>
+              </a:ext>
+            </a:extLst>
+          </p:cNvPr>
+          <p:cNvSpPr txBox="1"/>
+          <p:nvPr/>
+        </p:nvSpPr>
+        <p:spPr>
+          <a:xfrm>
+            <a:off x="251520" y="1268760"/>
+            <a:ext cx="7417415" cy="646331"/>
+          </a:xfrm>
+          <a:prstGeom prst="rect">
+            <a:avLst/>
+          </a:prstGeom>
+          <a:noFill/>
+        </p:spPr>
+        <p:txBody>
+          <a:bodyPr wrap="none" rtlCol="0">
+            <a:spAutoFit/>
+          </a:bodyPr>
+          <a:lstStyle/>
+          <a:p>
+            <a:r>
+              <a:rPr kumimoji="1" lang="ja-JP" altLang="en-US" sz="3600"/>
+              <a:t>ナビエ・ストークス方程式</a:t>
+            </a:r>
+            <a:r>
+              <a:rPr kumimoji="1" lang="en-US" altLang="ja-JP" sz="3600"/>
+              <a:t>(</a:t>
+            </a:r>
+            <a:r>
+              <a:rPr kumimoji="1" lang="ja-JP" altLang="en-US" sz="3600"/>
+              <a:t>非圧縮</a:t>
+            </a:r>
+            <a:r>
+              <a:rPr kumimoji="1" lang="en-US" altLang="ja-JP" sz="3600"/>
+              <a:t>)</a:t>
+            </a:r>
+            <a:endParaRPr kumimoji="1" lang="ja-JP" altLang="en-US" sz="3600"/>
+          </a:p>
+        </p:txBody>
+      </p:sp>
+      <mc:AlternateContent xmlns:mc="http://schemas.openxmlformats.org/markup-compatibility/2006">
+        <mc:Choice xmlns:a14="http://schemas.microsoft.com/office/drawing/2010/main" Requires="a14">
+          <p:sp>
+            <p:nvSpPr>
+              <p:cNvPr id="4" name="テキスト ボックス 3">
+                <a:extLst>
+                  <a:ext uri="{FF2B5EF4-FFF2-40B4-BE49-F238E27FC236}">
+                    <a16:creationId xmlns:a16="http://schemas.microsoft.com/office/drawing/2014/main" id="{DB975BF0-6A0C-3C9A-025D-A6FC0093C886}"/>
+                  </a:ext>
+                </a:extLst>
+              </p:cNvPr>
+              <p:cNvSpPr txBox="1"/>
+              <p:nvPr/>
+            </p:nvSpPr>
+            <p:spPr>
+              <a:xfrm>
+                <a:off x="1331640" y="2132856"/>
+                <a:ext cx="5300554" cy="1015343"/>
+              </a:xfrm>
+              <a:prstGeom prst="rect">
+                <a:avLst/>
+              </a:prstGeom>
+              <a:noFill/>
+            </p:spPr>
+            <p:txBody>
+              <a:bodyPr wrap="none" rtlCol="0">
+                <a:spAutoFit/>
+              </a:bodyPr>
+              <a:lstStyle/>
+              <a:p>
+                <a14:m>
+                  <m:oMathPara xmlns:m="http://schemas.openxmlformats.org/officeDocument/2006/math">
+                    <m:oMathParaPr>
+                      <m:jc m:val="centerGroup"/>
+                    </m:oMathParaPr>
+                    <m:oMath xmlns:m="http://schemas.openxmlformats.org/officeDocument/2006/math">
+                      <m:f>
+                        <m:fPr>
+                          <m:ctrlPr>
+                            <a:rPr kumimoji="1" lang="en-US" altLang="ja-JP" sz="2800" b="0" i="1" smtClean="0">
+                              <a:latin typeface="Cambria Math" panose="02040503050406030204" pitchFamily="18" charset="0"/>
+                            </a:rPr>
+                          </m:ctrlPr>
+                        </m:fPr>
+                        <m:num>
+                          <m:r>
+                            <a:rPr kumimoji="1" lang="en-US" altLang="ja-JP" sz="2800" b="0" i="1" smtClean="0">
+                              <a:latin typeface="Cambria Math" panose="02040503050406030204" pitchFamily="18" charset="0"/>
+                            </a:rPr>
+                            <m:t>𝜕</m:t>
+                          </m:r>
+                          <m:acc>
+                            <m:accPr>
+                              <m:chr m:val="⃗"/>
+                              <m:ctrlPr>
+                                <a:rPr kumimoji="1" lang="en-US" altLang="ja-JP" sz="2800" b="0" i="1" smtClean="0">
+                                  <a:latin typeface="Cambria Math" panose="02040503050406030204" pitchFamily="18" charset="0"/>
+                                </a:rPr>
+                              </m:ctrlPr>
+                            </m:accPr>
+                            <m:e>
+                              <m:r>
+                                <a:rPr kumimoji="1" lang="en-US" altLang="ja-JP" sz="2800" b="0" i="1" smtClean="0">
+                                  <a:latin typeface="Cambria Math" panose="02040503050406030204" pitchFamily="18" charset="0"/>
+                                </a:rPr>
+                                <m:t>𝑣</m:t>
+                              </m:r>
+                            </m:e>
+                          </m:acc>
+                        </m:num>
+                        <m:den>
+                          <m:r>
+                            <a:rPr kumimoji="1" lang="en-US" altLang="ja-JP" sz="2800" b="0" i="1" smtClean="0">
+                              <a:latin typeface="Cambria Math" panose="02040503050406030204" pitchFamily="18" charset="0"/>
+                            </a:rPr>
+                            <m:t>𝜕</m:t>
+                          </m:r>
+                          <m:r>
+                            <a:rPr kumimoji="1" lang="en-US" altLang="ja-JP" sz="2800" b="0" i="1" smtClean="0">
+                              <a:latin typeface="Cambria Math" panose="02040503050406030204" pitchFamily="18" charset="0"/>
+                            </a:rPr>
+                            <m:t>𝑡</m:t>
+                          </m:r>
+                        </m:den>
+                      </m:f>
+                      <m:r>
+                        <a:rPr kumimoji="1" lang="en-US" altLang="ja-JP" sz="2800" b="0" i="1" smtClean="0">
+                          <a:latin typeface="Cambria Math" panose="02040503050406030204" pitchFamily="18" charset="0"/>
+                        </a:rPr>
+                        <m:t>+</m:t>
+                      </m:r>
+                      <m:d>
+                        <m:dPr>
+                          <m:ctrlPr>
+                            <a:rPr kumimoji="1" lang="en-US" altLang="ja-JP" sz="2800" b="0" i="1" smtClean="0">
+                              <a:latin typeface="Cambria Math" panose="02040503050406030204" pitchFamily="18" charset="0"/>
+                            </a:rPr>
+                          </m:ctrlPr>
+                        </m:dPr>
+                        <m:e>
+                          <m:acc>
+                            <m:accPr>
+                              <m:chr m:val="⃗"/>
+                              <m:ctrlPr>
+                                <a:rPr kumimoji="1" lang="en-US" altLang="ja-JP" sz="2800" b="0" i="1" smtClean="0">
+                                  <a:latin typeface="Cambria Math" panose="02040503050406030204" pitchFamily="18" charset="0"/>
+                                </a:rPr>
+                              </m:ctrlPr>
+                            </m:accPr>
+                            <m:e>
+                              <m:r>
+                                <a:rPr kumimoji="1" lang="en-US" altLang="ja-JP" sz="2800" b="0" i="1" smtClean="0">
+                                  <a:latin typeface="Cambria Math" panose="02040503050406030204" pitchFamily="18" charset="0"/>
+                                </a:rPr>
+                                <m:t>𝑣</m:t>
+                              </m:r>
+                            </m:e>
+                          </m:acc>
+                          <m:r>
+                            <a:rPr kumimoji="1" lang="en-US" altLang="ja-JP" sz="2800" b="0" i="1" smtClean="0">
+                              <a:latin typeface="Cambria Math" panose="02040503050406030204" pitchFamily="18" charset="0"/>
+                            </a:rPr>
+                            <m:t>⋅</m:t>
+                          </m:r>
+                          <m:r>
+                            <m:rPr>
+                              <m:sty m:val="p"/>
+                            </m:rPr>
+                            <a:rPr kumimoji="1" lang="en-US" altLang="ja-JP" sz="2800" b="0" i="0" smtClean="0">
+                              <a:latin typeface="Cambria Math" panose="02040503050406030204" pitchFamily="18" charset="0"/>
+                            </a:rPr>
+                            <m:t>∇</m:t>
+                          </m:r>
+                        </m:e>
+                      </m:d>
+                      <m:r>
+                        <a:rPr kumimoji="1" lang="en-US" altLang="ja-JP" sz="2800" b="0" i="1" smtClean="0">
+                          <a:latin typeface="Cambria Math" panose="02040503050406030204" pitchFamily="18" charset="0"/>
+                        </a:rPr>
+                        <m:t>=−</m:t>
+                      </m:r>
+                      <m:f>
+                        <m:fPr>
+                          <m:ctrlPr>
+                            <a:rPr kumimoji="1" lang="en-US" altLang="ja-JP" sz="2800" b="0" i="1" smtClean="0">
+                              <a:latin typeface="Cambria Math" panose="02040503050406030204" pitchFamily="18" charset="0"/>
+                            </a:rPr>
+                          </m:ctrlPr>
+                        </m:fPr>
+                        <m:num>
+                          <m:r>
+                            <a:rPr kumimoji="1" lang="en-US" altLang="ja-JP" sz="2800" b="0" i="1" smtClean="0">
+                              <a:latin typeface="Cambria Math" panose="02040503050406030204" pitchFamily="18" charset="0"/>
+                            </a:rPr>
+                            <m:t>1</m:t>
+                          </m:r>
+                        </m:num>
+                        <m:den>
+                          <m:r>
+                            <a:rPr kumimoji="1" lang="en-US" altLang="ja-JP" sz="2800" b="0" i="1" smtClean="0">
+                              <a:latin typeface="Cambria Math" panose="02040503050406030204" pitchFamily="18" charset="0"/>
+                            </a:rPr>
+                            <m:t>𝜌</m:t>
+                          </m:r>
+                        </m:den>
+                      </m:f>
+                      <m:r>
+                        <m:rPr>
+                          <m:sty m:val="p"/>
+                        </m:rPr>
+                        <a:rPr kumimoji="1" lang="en-US" altLang="ja-JP" sz="2800" b="0" i="0" smtClean="0">
+                          <a:latin typeface="Cambria Math" panose="02040503050406030204" pitchFamily="18" charset="0"/>
+                        </a:rPr>
+                        <m:t>∇</m:t>
+                      </m:r>
+                      <m:r>
+                        <a:rPr kumimoji="1" lang="en-US" altLang="ja-JP" sz="2800" b="0" i="1" smtClean="0">
+                          <a:latin typeface="Cambria Math" panose="02040503050406030204" pitchFamily="18" charset="0"/>
+                        </a:rPr>
+                        <m:t>𝑃</m:t>
+                      </m:r>
+                      <m:r>
+                        <a:rPr kumimoji="1" lang="en-US" altLang="ja-JP" sz="2800" b="0" i="1" smtClean="0">
+                          <a:latin typeface="Cambria Math" panose="02040503050406030204" pitchFamily="18" charset="0"/>
+                        </a:rPr>
+                        <m:t>+</m:t>
+                      </m:r>
+                      <m:r>
+                        <a:rPr kumimoji="1" lang="en-US" altLang="ja-JP" sz="2800" b="0" i="1" smtClean="0">
+                          <a:latin typeface="Cambria Math" panose="02040503050406030204" pitchFamily="18" charset="0"/>
+                        </a:rPr>
+                        <m:t>𝜈</m:t>
+                      </m:r>
+                      <m:r>
+                        <m:rPr>
+                          <m:sty m:val="p"/>
+                        </m:rPr>
+                        <a:rPr kumimoji="1" lang="en-US" altLang="ja-JP" sz="2800" b="0" i="0" smtClean="0">
+                          <a:latin typeface="Cambria Math" panose="02040503050406030204" pitchFamily="18" charset="0"/>
+                        </a:rPr>
+                        <m:t>Δ</m:t>
+                      </m:r>
+                      <m:acc>
+                        <m:accPr>
+                          <m:chr m:val="⃗"/>
+                          <m:ctrlPr>
+                            <a:rPr kumimoji="1" lang="en-US" altLang="ja-JP" sz="2800" b="0" i="1" smtClean="0">
+                              <a:latin typeface="Cambria Math" panose="02040503050406030204" pitchFamily="18" charset="0"/>
+                            </a:rPr>
+                          </m:ctrlPr>
+                        </m:accPr>
+                        <m:e>
+                          <m:r>
+                            <a:rPr kumimoji="1" lang="en-US" altLang="ja-JP" sz="2800" b="0" i="1" smtClean="0">
+                              <a:latin typeface="Cambria Math" panose="02040503050406030204" pitchFamily="18" charset="0"/>
+                            </a:rPr>
+                            <m:t>𝑣</m:t>
+                          </m:r>
+                        </m:e>
+                      </m:acc>
+                      <m:r>
+                        <a:rPr kumimoji="1" lang="en-US" altLang="ja-JP" sz="2800" b="0" i="1" smtClean="0">
+                          <a:latin typeface="Cambria Math" panose="02040503050406030204" pitchFamily="18" charset="0"/>
+                        </a:rPr>
+                        <m:t>+</m:t>
+                      </m:r>
+                      <m:acc>
+                        <m:accPr>
+                          <m:chr m:val="⃗"/>
+                          <m:ctrlPr>
+                            <a:rPr kumimoji="1" lang="en-US" altLang="ja-JP" sz="2800" b="0" i="1" smtClean="0">
+                              <a:latin typeface="Cambria Math" panose="02040503050406030204" pitchFamily="18" charset="0"/>
+                            </a:rPr>
+                          </m:ctrlPr>
+                        </m:accPr>
+                        <m:e>
+                          <m:r>
+                            <a:rPr kumimoji="1" lang="en-US" altLang="ja-JP" sz="2800" b="0" i="1" smtClean="0">
+                              <a:latin typeface="Cambria Math" panose="02040503050406030204" pitchFamily="18" charset="0"/>
+                            </a:rPr>
+                            <m:t>𝐹</m:t>
+                          </m:r>
+                        </m:e>
+                      </m:acc>
+                    </m:oMath>
+                  </m:oMathPara>
+                </a14:m>
+                <a:endParaRPr kumimoji="1" lang="ja-JP" altLang="en-US" sz="2800"/>
+              </a:p>
+            </p:txBody>
+          </p:sp>
+        </mc:Choice>
+        <mc:Fallback>
+          <p:sp>
+            <p:nvSpPr>
+              <p:cNvPr id="4" name="テキスト ボックス 3">
+                <a:extLst>
+                  <a:ext uri="{FF2B5EF4-FFF2-40B4-BE49-F238E27FC236}">
+                    <a16:creationId xmlns:a16="http://schemas.microsoft.com/office/drawing/2014/main" id="{DB975BF0-6A0C-3C9A-025D-A6FC0093C886}"/>
+                  </a:ext>
+                </a:extLst>
+              </p:cNvPr>
+              <p:cNvSpPr txBox="1">
+                <a:spLocks noRot="1" noChangeAspect="1" noMove="1" noResize="1" noEditPoints="1" noAdjustHandles="1" noChangeArrowheads="1" noChangeShapeType="1" noTextEdit="1"/>
+              </p:cNvSpPr>
+              <p:nvPr/>
+            </p:nvSpPr>
+            <p:spPr>
+              <a:xfrm>
+                <a:off x="1331640" y="2132856"/>
+                <a:ext cx="5300554" cy="1015343"/>
+              </a:xfrm>
+              <a:prstGeom prst="rect">
+                <a:avLst/>
+              </a:prstGeom>
+              <a:blipFill>
+                <a:blip r:embed="rId2"/>
+                <a:stretch>
+                  <a:fillRect/>
+                </a:stretch>
+              </a:blipFill>
+            </p:spPr>
+            <p:txBody>
+              <a:bodyPr/>
+              <a:lstStyle/>
+              <a:p>
+                <a:r>
+                  <a:rPr lang="ja-JP" altLang="en-US">
+                    <a:noFill/>
+                  </a:rPr>
+                  <a:t> </a:t>
+                </a:r>
+              </a:p>
+            </p:txBody>
+          </p:sp>
+        </mc:Fallback>
+      </mc:AlternateContent>
+      <mc:AlternateContent xmlns:mc="http://schemas.openxmlformats.org/markup-compatibility/2006">
+        <mc:Choice xmlns:a14="http://schemas.microsoft.com/office/drawing/2010/main" Requires="a14">
+          <p:sp>
+            <p:nvSpPr>
+              <p:cNvPr id="5" name="テキスト ボックス 4">
+                <a:extLst>
+                  <a:ext uri="{FF2B5EF4-FFF2-40B4-BE49-F238E27FC236}">
+                    <a16:creationId xmlns:a16="http://schemas.microsoft.com/office/drawing/2014/main" id="{46CB238D-BD41-F070-EBDD-00C659FB3646}"/>
+                  </a:ext>
+                </a:extLst>
+              </p:cNvPr>
+              <p:cNvSpPr txBox="1"/>
+              <p:nvPr/>
+            </p:nvSpPr>
+            <p:spPr>
+              <a:xfrm>
+                <a:off x="323528" y="3429000"/>
+                <a:ext cx="5715091" cy="523220"/>
+              </a:xfrm>
+              <a:prstGeom prst="rect">
+                <a:avLst/>
+              </a:prstGeom>
+              <a:noFill/>
+            </p:spPr>
+            <p:txBody>
+              <a:bodyPr wrap="none" rtlCol="0">
+                <a:spAutoFit/>
+              </a:bodyPr>
+              <a:lstStyle/>
+              <a:p>
+                <a:r>
+                  <a:rPr kumimoji="1" lang="ja-JP" altLang="en-US" sz="2800"/>
+                  <a:t>速度場</a:t>
+                </a:r>
+                <a14:m>
+                  <m:oMath xmlns:m="http://schemas.openxmlformats.org/officeDocument/2006/math">
+                    <m:acc>
+                      <m:accPr>
+                        <m:chr m:val="⃗"/>
+                        <m:ctrlPr>
+                          <a:rPr kumimoji="1" lang="en-US" altLang="ja-JP" sz="2800" b="0" i="1" smtClean="0">
+                            <a:latin typeface="Cambria Math" panose="02040503050406030204" pitchFamily="18" charset="0"/>
+                          </a:rPr>
+                        </m:ctrlPr>
+                      </m:accPr>
+                      <m:e>
+                        <m:r>
+                          <a:rPr kumimoji="1" lang="en-US" altLang="ja-JP" sz="2800" b="0" i="1" smtClean="0">
+                            <a:latin typeface="Cambria Math" panose="02040503050406030204" pitchFamily="18" charset="0"/>
+                          </a:rPr>
+                          <m:t>𝑣</m:t>
+                        </m:r>
+                      </m:e>
+                    </m:acc>
+                  </m:oMath>
+                </a14:m>
+                <a:r>
+                  <a:rPr kumimoji="1" lang="ja-JP" altLang="en-US" sz="2800"/>
+                  <a:t>と圧力場</a:t>
+                </a:r>
+                <a14:m>
+                  <m:oMath xmlns:m="http://schemas.openxmlformats.org/officeDocument/2006/math">
+                    <m:r>
+                      <a:rPr kumimoji="1" lang="en-US" altLang="ja-JP" sz="2800" b="0" i="1" smtClean="0">
+                        <a:latin typeface="Cambria Math" panose="02040503050406030204" pitchFamily="18" charset="0"/>
+                      </a:rPr>
+                      <m:t>𝑃</m:t>
+                    </m:r>
+                  </m:oMath>
+                </a14:m>
+                <a:r>
+                  <a:rPr kumimoji="1" lang="ja-JP" altLang="en-US" sz="2800"/>
+                  <a:t>が</a:t>
+                </a:r>
+                <a:r>
+                  <a:rPr kumimoji="1" lang="ja-JP" altLang="en-US" sz="2800">
+                    <a:solidFill>
+                      <a:srgbClr val="FF0000"/>
+                    </a:solidFill>
+                  </a:rPr>
+                  <a:t>変数</a:t>
+                </a:r>
+                <a:r>
+                  <a:rPr kumimoji="1" lang="en-US" altLang="ja-JP" sz="2800">
+                    <a:solidFill>
+                      <a:srgbClr val="FF0000"/>
+                    </a:solidFill>
+                  </a:rPr>
+                  <a:t>(variable)</a:t>
+                </a:r>
+                <a:endParaRPr kumimoji="1" lang="ja-JP" altLang="en-US" sz="2800">
+                  <a:solidFill>
+                    <a:srgbClr val="FF0000"/>
+                  </a:solidFill>
+                </a:endParaRPr>
+              </a:p>
+            </p:txBody>
+          </p:sp>
+        </mc:Choice>
+        <mc:Fallback>
+          <p:sp>
+            <p:nvSpPr>
+              <p:cNvPr id="5" name="テキスト ボックス 4">
+                <a:extLst>
+                  <a:ext uri="{FF2B5EF4-FFF2-40B4-BE49-F238E27FC236}">
+                    <a16:creationId xmlns:a16="http://schemas.microsoft.com/office/drawing/2014/main" id="{46CB238D-BD41-F070-EBDD-00C659FB3646}"/>
+                  </a:ext>
+                </a:extLst>
+              </p:cNvPr>
+              <p:cNvSpPr txBox="1">
+                <a:spLocks noRot="1" noChangeAspect="1" noMove="1" noResize="1" noEditPoints="1" noAdjustHandles="1" noChangeArrowheads="1" noChangeShapeType="1" noTextEdit="1"/>
+              </p:cNvSpPr>
+              <p:nvPr/>
+            </p:nvSpPr>
+            <p:spPr>
+              <a:xfrm>
+                <a:off x="323528" y="3429000"/>
+                <a:ext cx="5715091" cy="523220"/>
+              </a:xfrm>
+              <a:prstGeom prst="rect">
+                <a:avLst/>
+              </a:prstGeom>
+              <a:blipFill>
+                <a:blip r:embed="rId3"/>
+                <a:stretch>
+                  <a:fillRect l="-2132" t="-16471" r="-640" b="-31765"/>
+                </a:stretch>
+              </a:blipFill>
+            </p:spPr>
+            <p:txBody>
+              <a:bodyPr/>
+              <a:lstStyle/>
+              <a:p>
+                <a:r>
+                  <a:rPr lang="ja-JP" altLang="en-US">
+                    <a:noFill/>
+                  </a:rPr>
+                  <a:t> </a:t>
+                </a:r>
+              </a:p>
+            </p:txBody>
+          </p:sp>
+        </mc:Fallback>
+      </mc:AlternateContent>
+      <p:sp>
+        <p:nvSpPr>
+          <p:cNvPr id="6" name="テキスト ボックス 5">
+            <a:extLst>
+              <a:ext uri="{FF2B5EF4-FFF2-40B4-BE49-F238E27FC236}">
+                <a16:creationId xmlns:a16="http://schemas.microsoft.com/office/drawing/2014/main" id="{82074DEF-8EEE-58E4-FE1C-454D737F7ADA}"/>
+              </a:ext>
+            </a:extLst>
+          </p:cNvPr>
+          <p:cNvSpPr txBox="1"/>
+          <p:nvPr/>
+        </p:nvSpPr>
+        <p:spPr>
+          <a:xfrm>
+            <a:off x="323528" y="4293096"/>
+            <a:ext cx="7920880" cy="954107"/>
+          </a:xfrm>
+          <a:prstGeom prst="rect">
+            <a:avLst/>
+          </a:prstGeom>
+          <a:noFill/>
+        </p:spPr>
+        <p:txBody>
+          <a:bodyPr wrap="square" rtlCol="0">
+            <a:spAutoFit/>
+          </a:bodyPr>
+          <a:lstStyle/>
+          <a:p>
+            <a:r>
+              <a:rPr lang="ja-JP" altLang="en-US" sz="2800"/>
+              <a:t>この支配方程式を認めた時点で、圧力という量の存在を認めている。</a:t>
+            </a:r>
+            <a:endParaRPr kumimoji="1" lang="ja-JP" altLang="en-US" sz="2800"/>
+          </a:p>
+        </p:txBody>
+      </p:sp>
+      <p:sp>
+        <p:nvSpPr>
+          <p:cNvPr id="7" name="矢印: 右 6">
+            <a:extLst>
+              <a:ext uri="{FF2B5EF4-FFF2-40B4-BE49-F238E27FC236}">
+                <a16:creationId xmlns:a16="http://schemas.microsoft.com/office/drawing/2014/main" id="{39F3D141-DFE5-372D-ED12-0FB98565F734}"/>
+              </a:ext>
+            </a:extLst>
+          </p:cNvPr>
+          <p:cNvSpPr/>
+          <p:nvPr/>
+        </p:nvSpPr>
+        <p:spPr>
+          <a:xfrm>
+            <a:off x="683568" y="5733256"/>
+            <a:ext cx="576064" cy="484632"/>
+          </a:xfrm>
+          <a:prstGeom prst="rightArrow">
+            <a:avLst/>
+          </a:prstGeom>
+          <a:solidFill>
+            <a:srgbClr val="FF0000"/>
+          </a:solidFill>
+          <a:ln>
+            <a:solidFill>
+              <a:schemeClr val="tx1"/>
+            </a:solidFill>
+          </a:ln>
+        </p:spPr>
+        <p:style>
+          <a:lnRef idx="2">
+            <a:schemeClr val="accent1">
+              <a:shade val="50000"/>
+            </a:schemeClr>
+          </a:lnRef>
+          <a:fillRef idx="1">
+            <a:schemeClr val="accent1"/>
+          </a:fillRef>
+          <a:effectRef idx="0">
+            <a:schemeClr val="accent1"/>
+          </a:effectRef>
+          <a:fontRef idx="minor">
+            <a:schemeClr val="lt1"/>
+          </a:fontRef>
+        </p:style>
+        <p:txBody>
+          <a:bodyPr rtlCol="0" anchor="ctr"/>
+          <a:lstStyle/>
+          <a:p>
+            <a:pPr algn="ctr"/>
+            <a:endParaRPr kumimoji="1" lang="ja-JP" altLang="en-US"/>
+          </a:p>
+        </p:txBody>
+      </p:sp>
+      <p:sp>
+        <p:nvSpPr>
+          <p:cNvPr id="8" name="テキスト ボックス 7">
+            <a:extLst>
+              <a:ext uri="{FF2B5EF4-FFF2-40B4-BE49-F238E27FC236}">
+                <a16:creationId xmlns:a16="http://schemas.microsoft.com/office/drawing/2014/main" id="{4CCCA1F0-49DD-D30E-F5E4-BFF4038CC960}"/>
+              </a:ext>
+            </a:extLst>
+          </p:cNvPr>
+          <p:cNvSpPr txBox="1"/>
+          <p:nvPr/>
+        </p:nvSpPr>
+        <p:spPr>
+          <a:xfrm>
+            <a:off x="1403648" y="5733256"/>
+            <a:ext cx="6955750" cy="461665"/>
+          </a:xfrm>
+          <a:prstGeom prst="rect">
+            <a:avLst/>
+          </a:prstGeom>
+          <a:noFill/>
+        </p:spPr>
+        <p:txBody>
+          <a:bodyPr wrap="none" rtlCol="0">
+            <a:spAutoFit/>
+          </a:bodyPr>
+          <a:lstStyle/>
+          <a:p>
+            <a:r>
+              <a:rPr kumimoji="1" lang="ja-JP" altLang="en-US" sz="2400"/>
+              <a:t>「圧力とは何か？」という問いが意味をもたない</a:t>
+            </a:r>
+          </a:p>
+        </p:txBody>
+      </p:sp>
+    </p:spTree>
+    <p:extLst>
+      <p:ext uri="{BB962C8B-B14F-4D97-AF65-F5344CB8AC3E}">
+        <p14:creationId xmlns:p14="http://schemas.microsoft.com/office/powerpoint/2010/main" val="3962489914"/>
+      </p:ext>
+    </p:extLst>
+  </p:cSld>
+  <p:clrMapOvr>
+    <a:masterClrMapping/>
+  </p:clrMapOvr>
+</p:sld>
+</file>
+
+<file path=ppt/slides/slide9.xml><?xml version="1.0" encoding="utf-8"?>
+<p:sld xmlns:a="http://schemas.openxmlformats.org/drawingml/2006/main" xmlns:r="http://schemas.openxmlformats.org/officeDocument/2006/relationships" xmlns:p="http://schemas.openxmlformats.org/presentationml/2006/main">
+  <p:cSld>
+    <p:spTree>
+      <p:nvGrpSpPr>
+        <p:cNvPr id="1" name=""/>
+        <p:cNvGrpSpPr/>
+        <p:nvPr/>
+      </p:nvGrpSpPr>
+      <p:grpSpPr>
+        <a:xfrm>
+          <a:off x="0" y="0"/>
+          <a:ext cx="0" cy="0"/>
+          <a:chOff x="0" y="0"/>
+          <a:chExt cx="0" cy="0"/>
+        </a:xfrm>
+      </p:grpSpPr>
+      <p:sp>
+        <p:nvSpPr>
+          <p:cNvPr id="2" name="テキスト プレースホルダー 1">
+            <a:extLst>
+              <a:ext uri="{FF2B5EF4-FFF2-40B4-BE49-F238E27FC236}">
+                <a16:creationId xmlns:a16="http://schemas.microsoft.com/office/drawing/2014/main" id="{1C7E27C4-965A-426E-5A1F-05AE3FA8FF7A}"/>
+              </a:ext>
+            </a:extLst>
+          </p:cNvPr>
+          <p:cNvSpPr>
+            <a:spLocks noGrp="1"/>
+          </p:cNvSpPr>
+          <p:nvPr>
+            <p:ph type="body" sz="quarter" idx="10"/>
+          </p:nvPr>
+        </p:nvSpPr>
+        <p:spPr/>
+        <p:txBody>
+          <a:bodyPr/>
+          <a:lstStyle/>
+          <a:p>
+            <a:r>
+              <a:rPr kumimoji="1" lang="ja-JP" altLang="en-US"/>
+              <a:t>変数と観測量</a:t>
+            </a:r>
+          </a:p>
+        </p:txBody>
+      </p:sp>
+      <p:sp>
+        <p:nvSpPr>
+          <p:cNvPr id="3" name="テキスト ボックス 2">
+            <a:extLst>
+              <a:ext uri="{FF2B5EF4-FFF2-40B4-BE49-F238E27FC236}">
+                <a16:creationId xmlns:a16="http://schemas.microsoft.com/office/drawing/2014/main" id="{4661984B-B0DE-AAA3-77F8-C17B29D2C8AF}"/>
+              </a:ext>
+            </a:extLst>
+          </p:cNvPr>
+          <p:cNvSpPr txBox="1"/>
+          <p:nvPr/>
+        </p:nvSpPr>
+        <p:spPr>
+          <a:xfrm>
+            <a:off x="395536" y="1268760"/>
+            <a:ext cx="5262979" cy="646331"/>
+          </a:xfrm>
+          <a:prstGeom prst="rect">
+            <a:avLst/>
+          </a:prstGeom>
+          <a:noFill/>
+        </p:spPr>
+        <p:txBody>
+          <a:bodyPr wrap="none" rtlCol="0">
+            <a:spAutoFit/>
+          </a:bodyPr>
+          <a:lstStyle/>
+          <a:p>
+            <a:r>
+              <a:rPr kumimoji="1" lang="ja-JP" altLang="en-US" sz="3600"/>
+              <a:t>ハミルトンの運動方程式</a:t>
+            </a:r>
+          </a:p>
+        </p:txBody>
+      </p:sp>
+      <mc:AlternateContent xmlns:mc="http://schemas.openxmlformats.org/markup-compatibility/2006">
+        <mc:Choice xmlns:a14="http://schemas.microsoft.com/office/drawing/2010/main" Requires="a14">
+          <p:sp>
+            <p:nvSpPr>
+              <p:cNvPr id="4" name="テキスト ボックス 3">
+                <a:extLst>
+                  <a:ext uri="{FF2B5EF4-FFF2-40B4-BE49-F238E27FC236}">
+                    <a16:creationId xmlns:a16="http://schemas.microsoft.com/office/drawing/2014/main" id="{6358AEB3-10C1-DA8C-AE93-D9EB42104122}"/>
+                  </a:ext>
+                </a:extLst>
+              </p:cNvPr>
+              <p:cNvSpPr txBox="1"/>
+              <p:nvPr/>
+            </p:nvSpPr>
+            <p:spPr>
+              <a:xfrm>
+                <a:off x="1187624" y="2132856"/>
+                <a:ext cx="2716385" cy="1239314"/>
+              </a:xfrm>
+              <a:prstGeom prst="rect">
+                <a:avLst/>
+              </a:prstGeom>
+              <a:noFill/>
+            </p:spPr>
+            <p:txBody>
+              <a:bodyPr wrap="none" rtlCol="0">
+                <a:spAutoFit/>
+              </a:bodyPr>
+              <a:lstStyle/>
+              <a:p>
+                <a14:m>
+                  <m:oMathPara xmlns:m="http://schemas.openxmlformats.org/officeDocument/2006/math">
+                    <m:oMathParaPr>
+                      <m:jc m:val="centerGroup"/>
+                    </m:oMathParaPr>
+                    <m:oMath xmlns:m="http://schemas.openxmlformats.org/officeDocument/2006/math">
+                      <m:f>
+                        <m:fPr>
+                          <m:ctrlPr>
+                            <a:rPr kumimoji="1" lang="en-US" altLang="ja-JP" sz="3600" b="0" i="1" smtClean="0">
+                              <a:latin typeface="Cambria Math" panose="02040503050406030204" pitchFamily="18" charset="0"/>
+                            </a:rPr>
+                          </m:ctrlPr>
+                        </m:fPr>
+                        <m:num>
+                          <m:r>
+                            <a:rPr kumimoji="1" lang="en-US" altLang="ja-JP" sz="3600" b="0" i="1" smtClean="0">
+                              <a:latin typeface="Cambria Math" panose="02040503050406030204" pitchFamily="18" charset="0"/>
+                            </a:rPr>
+                            <m:t>𝑑</m:t>
+                          </m:r>
+                          <m:sSub>
+                            <m:sSubPr>
+                              <m:ctrlPr>
+                                <a:rPr kumimoji="1" lang="en-US" altLang="ja-JP" sz="3600" b="0" i="1" smtClean="0">
+                                  <a:latin typeface="Cambria Math" panose="02040503050406030204" pitchFamily="18" charset="0"/>
+                                </a:rPr>
+                              </m:ctrlPr>
+                            </m:sSubPr>
+                            <m:e>
+                              <m:r>
+                                <a:rPr kumimoji="1" lang="en-US" altLang="ja-JP" sz="3600" b="0" i="1" smtClean="0">
+                                  <a:latin typeface="Cambria Math" panose="02040503050406030204" pitchFamily="18" charset="0"/>
+                                </a:rPr>
+                                <m:t>𝑝</m:t>
+                              </m:r>
+                            </m:e>
+                            <m:sub>
+                              <m:r>
+                                <a:rPr kumimoji="1" lang="en-US" altLang="ja-JP" sz="3600" b="0" i="1" smtClean="0">
+                                  <a:latin typeface="Cambria Math" panose="02040503050406030204" pitchFamily="18" charset="0"/>
+                                </a:rPr>
+                                <m:t>𝑖</m:t>
+                              </m:r>
+                            </m:sub>
+                          </m:sSub>
+                        </m:num>
+                        <m:den>
+                          <m:r>
+                            <a:rPr kumimoji="1" lang="en-US" altLang="ja-JP" sz="3600" b="0" i="1" smtClean="0">
+                              <a:latin typeface="Cambria Math" panose="02040503050406030204" pitchFamily="18" charset="0"/>
+                            </a:rPr>
+                            <m:t>𝑑𝑡</m:t>
+                          </m:r>
+                        </m:den>
+                      </m:f>
+                      <m:r>
+                        <a:rPr kumimoji="1" lang="en-US" altLang="ja-JP" sz="3600" b="0" i="1" smtClean="0">
+                          <a:latin typeface="Cambria Math" panose="02040503050406030204" pitchFamily="18" charset="0"/>
+                        </a:rPr>
+                        <m:t>=−</m:t>
+                      </m:r>
+                      <m:f>
+                        <m:fPr>
+                          <m:ctrlPr>
+                            <a:rPr kumimoji="1" lang="en-US" altLang="ja-JP" sz="3600" b="0" i="1" smtClean="0">
+                              <a:latin typeface="Cambria Math" panose="02040503050406030204" pitchFamily="18" charset="0"/>
+                            </a:rPr>
+                          </m:ctrlPr>
+                        </m:fPr>
+                        <m:num>
+                          <m:r>
+                            <a:rPr kumimoji="1" lang="en-US" altLang="ja-JP" sz="3600" b="0" i="1" smtClean="0">
+                              <a:latin typeface="Cambria Math" panose="02040503050406030204" pitchFamily="18" charset="0"/>
+                            </a:rPr>
+                            <m:t>𝜕</m:t>
+                          </m:r>
+                          <m:r>
+                            <a:rPr kumimoji="1" lang="en-US" altLang="ja-JP" sz="3600" b="0" i="1" smtClean="0">
+                              <a:latin typeface="Cambria Math" panose="02040503050406030204" pitchFamily="18" charset="0"/>
+                            </a:rPr>
+                            <m:t>𝐻</m:t>
+                          </m:r>
+                        </m:num>
+                        <m:den>
+                          <m:r>
+                            <a:rPr kumimoji="1" lang="en-US" altLang="ja-JP" sz="3600" b="0" i="1" smtClean="0">
+                              <a:latin typeface="Cambria Math" panose="02040503050406030204" pitchFamily="18" charset="0"/>
+                            </a:rPr>
+                            <m:t>𝜕</m:t>
+                          </m:r>
+                          <m:sSub>
+                            <m:sSubPr>
+                              <m:ctrlPr>
+                                <a:rPr kumimoji="1" lang="en-US" altLang="ja-JP" sz="3600" b="0" i="1" smtClean="0">
+                                  <a:latin typeface="Cambria Math" panose="02040503050406030204" pitchFamily="18" charset="0"/>
+                                </a:rPr>
+                              </m:ctrlPr>
+                            </m:sSubPr>
+                            <m:e>
+                              <m:r>
+                                <a:rPr kumimoji="1" lang="en-US" altLang="ja-JP" sz="3600" b="0" i="1" smtClean="0">
+                                  <a:latin typeface="Cambria Math" panose="02040503050406030204" pitchFamily="18" charset="0"/>
+                                </a:rPr>
+                                <m:t>𝑞</m:t>
+                              </m:r>
+                            </m:e>
+                            <m:sub>
+                              <m:r>
+                                <a:rPr kumimoji="1" lang="en-US" altLang="ja-JP" sz="3600" b="0" i="1" smtClean="0">
+                                  <a:latin typeface="Cambria Math" panose="02040503050406030204" pitchFamily="18" charset="0"/>
+                                </a:rPr>
+                                <m:t>𝑖</m:t>
+                              </m:r>
+                            </m:sub>
+                          </m:sSub>
+                        </m:den>
+                      </m:f>
+                    </m:oMath>
+                  </m:oMathPara>
+                </a14:m>
+                <a:endParaRPr kumimoji="1" lang="ja-JP" altLang="en-US" sz="3600"/>
+              </a:p>
+            </p:txBody>
+          </p:sp>
+        </mc:Choice>
+        <mc:Fallback>
+          <p:sp>
+            <p:nvSpPr>
+              <p:cNvPr id="4" name="テキスト ボックス 3">
+                <a:extLst>
+                  <a:ext uri="{FF2B5EF4-FFF2-40B4-BE49-F238E27FC236}">
+                    <a16:creationId xmlns:a16="http://schemas.microsoft.com/office/drawing/2014/main" id="{6358AEB3-10C1-DA8C-AE93-D9EB42104122}"/>
+                  </a:ext>
+                </a:extLst>
+              </p:cNvPr>
+              <p:cNvSpPr txBox="1">
+                <a:spLocks noRot="1" noChangeAspect="1" noMove="1" noResize="1" noEditPoints="1" noAdjustHandles="1" noChangeArrowheads="1" noChangeShapeType="1" noTextEdit="1"/>
+              </p:cNvSpPr>
+              <p:nvPr/>
+            </p:nvSpPr>
+            <p:spPr>
+              <a:xfrm>
+                <a:off x="1187624" y="2132856"/>
+                <a:ext cx="2716385" cy="1239314"/>
+              </a:xfrm>
+              <a:prstGeom prst="rect">
+                <a:avLst/>
+              </a:prstGeom>
+              <a:blipFill>
+                <a:blip r:embed="rId2"/>
+                <a:stretch>
+                  <a:fillRect/>
+                </a:stretch>
+              </a:blipFill>
+            </p:spPr>
+            <p:txBody>
+              <a:bodyPr/>
+              <a:lstStyle/>
+              <a:p>
+                <a:r>
+                  <a:rPr lang="ja-JP" altLang="en-US">
+                    <a:noFill/>
+                  </a:rPr>
+                  <a:t> </a:t>
+                </a:r>
+              </a:p>
+            </p:txBody>
+          </p:sp>
+        </mc:Fallback>
+      </mc:AlternateContent>
+      <mc:AlternateContent xmlns:mc="http://schemas.openxmlformats.org/markup-compatibility/2006">
+        <mc:Choice xmlns:a14="http://schemas.microsoft.com/office/drawing/2010/main" Requires="a14">
+          <p:sp>
+            <p:nvSpPr>
+              <p:cNvPr id="5" name="テキスト ボックス 4">
+                <a:extLst>
+                  <a:ext uri="{FF2B5EF4-FFF2-40B4-BE49-F238E27FC236}">
+                    <a16:creationId xmlns:a16="http://schemas.microsoft.com/office/drawing/2014/main" id="{D9FCCFE0-68BC-CF6F-FA74-A7C95260AB33}"/>
+                  </a:ext>
+                </a:extLst>
+              </p:cNvPr>
+              <p:cNvSpPr txBox="1"/>
+              <p:nvPr/>
+            </p:nvSpPr>
+            <p:spPr>
+              <a:xfrm>
+                <a:off x="4788024" y="2132856"/>
+                <a:ext cx="2290819" cy="1239314"/>
+              </a:xfrm>
+              <a:prstGeom prst="rect">
+                <a:avLst/>
+              </a:prstGeom>
+              <a:noFill/>
+            </p:spPr>
+            <p:txBody>
+              <a:bodyPr wrap="none" rtlCol="0">
+                <a:spAutoFit/>
+              </a:bodyPr>
+              <a:lstStyle/>
+              <a:p>
+                <a14:m>
+                  <m:oMathPara xmlns:m="http://schemas.openxmlformats.org/officeDocument/2006/math">
+                    <m:oMathParaPr>
+                      <m:jc m:val="centerGroup"/>
+                    </m:oMathParaPr>
+                    <m:oMath xmlns:m="http://schemas.openxmlformats.org/officeDocument/2006/math">
+                      <m:f>
+                        <m:fPr>
+                          <m:ctrlPr>
+                            <a:rPr kumimoji="1" lang="en-US" altLang="ja-JP" sz="3600" b="0" i="1" smtClean="0">
+                              <a:latin typeface="Cambria Math" panose="02040503050406030204" pitchFamily="18" charset="0"/>
+                            </a:rPr>
+                          </m:ctrlPr>
+                        </m:fPr>
+                        <m:num>
+                          <m:r>
+                            <a:rPr kumimoji="1" lang="en-US" altLang="ja-JP" sz="3600" b="0" i="1" smtClean="0">
+                              <a:latin typeface="Cambria Math" panose="02040503050406030204" pitchFamily="18" charset="0"/>
+                            </a:rPr>
+                            <m:t>𝑑</m:t>
+                          </m:r>
+                          <m:sSub>
+                            <m:sSubPr>
+                              <m:ctrlPr>
+                                <a:rPr kumimoji="1" lang="en-US" altLang="ja-JP" sz="3600" b="0" i="1" smtClean="0">
+                                  <a:latin typeface="Cambria Math" panose="02040503050406030204" pitchFamily="18" charset="0"/>
+                                </a:rPr>
+                              </m:ctrlPr>
+                            </m:sSubPr>
+                            <m:e>
+                              <m:r>
+                                <a:rPr kumimoji="1" lang="en-US" altLang="ja-JP" sz="3600" b="0" i="1" smtClean="0">
+                                  <a:latin typeface="Cambria Math" panose="02040503050406030204" pitchFamily="18" charset="0"/>
+                                </a:rPr>
+                                <m:t>𝑞</m:t>
+                              </m:r>
+                            </m:e>
+                            <m:sub>
+                              <m:r>
+                                <a:rPr kumimoji="1" lang="en-US" altLang="ja-JP" sz="3600" b="0" i="1" smtClean="0">
+                                  <a:latin typeface="Cambria Math" panose="02040503050406030204" pitchFamily="18" charset="0"/>
+                                </a:rPr>
+                                <m:t>𝑖</m:t>
+                              </m:r>
+                            </m:sub>
+                          </m:sSub>
+                        </m:num>
+                        <m:den>
+                          <m:r>
+                            <a:rPr kumimoji="1" lang="en-US" altLang="ja-JP" sz="3600" b="0" i="1" smtClean="0">
+                              <a:latin typeface="Cambria Math" panose="02040503050406030204" pitchFamily="18" charset="0"/>
+                            </a:rPr>
+                            <m:t>𝑑𝑡</m:t>
+                          </m:r>
+                        </m:den>
+                      </m:f>
+                      <m:r>
+                        <a:rPr kumimoji="1" lang="en-US" altLang="ja-JP" sz="3600" b="0" i="1" smtClean="0">
+                          <a:latin typeface="Cambria Math" panose="02040503050406030204" pitchFamily="18" charset="0"/>
+                        </a:rPr>
+                        <m:t>=</m:t>
+                      </m:r>
+                      <m:f>
+                        <m:fPr>
+                          <m:ctrlPr>
+                            <a:rPr kumimoji="1" lang="en-US" altLang="ja-JP" sz="3600" b="0" i="1" smtClean="0">
+                              <a:latin typeface="Cambria Math" panose="02040503050406030204" pitchFamily="18" charset="0"/>
+                            </a:rPr>
+                          </m:ctrlPr>
+                        </m:fPr>
+                        <m:num>
+                          <m:r>
+                            <a:rPr kumimoji="1" lang="en-US" altLang="ja-JP" sz="3600" b="0" i="1" smtClean="0">
+                              <a:latin typeface="Cambria Math" panose="02040503050406030204" pitchFamily="18" charset="0"/>
+                            </a:rPr>
+                            <m:t>𝜕</m:t>
+                          </m:r>
+                          <m:r>
+                            <a:rPr kumimoji="1" lang="en-US" altLang="ja-JP" sz="3600" b="0" i="1" smtClean="0">
+                              <a:latin typeface="Cambria Math" panose="02040503050406030204" pitchFamily="18" charset="0"/>
+                            </a:rPr>
+                            <m:t>𝐻</m:t>
+                          </m:r>
+                        </m:num>
+                        <m:den>
+                          <m:r>
+                            <a:rPr kumimoji="1" lang="en-US" altLang="ja-JP" sz="3600" b="0" i="1" smtClean="0">
+                              <a:latin typeface="Cambria Math" panose="02040503050406030204" pitchFamily="18" charset="0"/>
+                            </a:rPr>
+                            <m:t>𝜕</m:t>
+                          </m:r>
+                          <m:sSub>
+                            <m:sSubPr>
+                              <m:ctrlPr>
+                                <a:rPr kumimoji="1" lang="en-US" altLang="ja-JP" sz="3600" b="0" i="1" smtClean="0">
+                                  <a:latin typeface="Cambria Math" panose="02040503050406030204" pitchFamily="18" charset="0"/>
+                                </a:rPr>
+                              </m:ctrlPr>
+                            </m:sSubPr>
+                            <m:e>
+                              <m:r>
+                                <a:rPr kumimoji="1" lang="en-US" altLang="ja-JP" sz="3600" b="0" i="1" smtClean="0">
+                                  <a:latin typeface="Cambria Math" panose="02040503050406030204" pitchFamily="18" charset="0"/>
+                                </a:rPr>
+                                <m:t>𝑝</m:t>
+                              </m:r>
+                            </m:e>
+                            <m:sub>
+                              <m:r>
+                                <a:rPr kumimoji="1" lang="en-US" altLang="ja-JP" sz="3600" b="0" i="1" smtClean="0">
+                                  <a:latin typeface="Cambria Math" panose="02040503050406030204" pitchFamily="18" charset="0"/>
+                                </a:rPr>
+                                <m:t>𝑖</m:t>
+                              </m:r>
+                            </m:sub>
+                          </m:sSub>
+                        </m:den>
+                      </m:f>
+                    </m:oMath>
+                  </m:oMathPara>
+                </a14:m>
+                <a:endParaRPr kumimoji="1" lang="ja-JP" altLang="en-US" sz="3600"/>
+              </a:p>
+            </p:txBody>
+          </p:sp>
+        </mc:Choice>
+        <mc:Fallback>
+          <p:sp>
+            <p:nvSpPr>
+              <p:cNvPr id="5" name="テキスト ボックス 4">
+                <a:extLst>
+                  <a:ext uri="{FF2B5EF4-FFF2-40B4-BE49-F238E27FC236}">
+                    <a16:creationId xmlns:a16="http://schemas.microsoft.com/office/drawing/2014/main" id="{D9FCCFE0-68BC-CF6F-FA74-A7C95260AB33}"/>
+                  </a:ext>
+                </a:extLst>
+              </p:cNvPr>
+              <p:cNvSpPr txBox="1">
+                <a:spLocks noRot="1" noChangeAspect="1" noMove="1" noResize="1" noEditPoints="1" noAdjustHandles="1" noChangeArrowheads="1" noChangeShapeType="1" noTextEdit="1"/>
+              </p:cNvSpPr>
+              <p:nvPr/>
+            </p:nvSpPr>
+            <p:spPr>
+              <a:xfrm>
+                <a:off x="4788024" y="2132856"/>
+                <a:ext cx="2290819" cy="1239314"/>
+              </a:xfrm>
+              <a:prstGeom prst="rect">
+                <a:avLst/>
+              </a:prstGeom>
+              <a:blipFill>
+                <a:blip r:embed="rId3"/>
+                <a:stretch>
+                  <a:fillRect/>
+                </a:stretch>
+              </a:blipFill>
+            </p:spPr>
+            <p:txBody>
+              <a:bodyPr/>
+              <a:lstStyle/>
+              <a:p>
+                <a:r>
+                  <a:rPr lang="ja-JP" altLang="en-US">
+                    <a:noFill/>
+                  </a:rPr>
+                  <a:t> </a:t>
+                </a:r>
+              </a:p>
+            </p:txBody>
+          </p:sp>
+        </mc:Fallback>
+      </mc:AlternateContent>
+      <mc:AlternateContent xmlns:mc="http://schemas.openxmlformats.org/markup-compatibility/2006">
+        <mc:Choice xmlns:a14="http://schemas.microsoft.com/office/drawing/2010/main" Requires="a14">
+          <p:sp>
+            <p:nvSpPr>
+              <p:cNvPr id="6" name="テキスト ボックス 5">
+                <a:extLst>
+                  <a:ext uri="{FF2B5EF4-FFF2-40B4-BE49-F238E27FC236}">
+                    <a16:creationId xmlns:a16="http://schemas.microsoft.com/office/drawing/2014/main" id="{58E4DA20-3851-3B02-BC7B-7C8CDAAF3039}"/>
+                  </a:ext>
+                </a:extLst>
+              </p:cNvPr>
+              <p:cNvSpPr txBox="1"/>
+              <p:nvPr/>
+            </p:nvSpPr>
+            <p:spPr>
+              <a:xfrm>
+                <a:off x="467544" y="3717032"/>
+                <a:ext cx="7940315" cy="524824"/>
+              </a:xfrm>
+              <a:prstGeom prst="rect">
+                <a:avLst/>
+              </a:prstGeom>
+              <a:noFill/>
+            </p:spPr>
+            <p:txBody>
+              <a:bodyPr wrap="none" rtlCol="0">
+                <a:spAutoFit/>
+              </a:bodyPr>
+              <a:lstStyle/>
+              <a:p>
+                <a:r>
+                  <a:rPr kumimoji="1" lang="ja-JP" altLang="en-US" sz="2800"/>
+                  <a:t>エネルギー</a:t>
+                </a:r>
+                <a14:m>
+                  <m:oMath xmlns:m="http://schemas.openxmlformats.org/officeDocument/2006/math">
+                    <m:r>
+                      <a:rPr kumimoji="1" lang="en-US" altLang="ja-JP" sz="2800" b="0" i="1" smtClean="0">
+                        <a:latin typeface="Cambria Math" panose="02040503050406030204" pitchFamily="18" charset="0"/>
+                      </a:rPr>
+                      <m:t>𝐻</m:t>
+                    </m:r>
+                    <m:r>
+                      <a:rPr lang="ja-JP" altLang="en-US" sz="2800" i="1">
+                        <a:latin typeface="Cambria Math" panose="02040503050406030204" pitchFamily="18" charset="0"/>
+                      </a:rPr>
+                      <m:t>、</m:t>
+                    </m:r>
+                  </m:oMath>
+                </a14:m>
+                <a:r>
+                  <a:rPr kumimoji="1" lang="ja-JP" altLang="en-US" sz="2800"/>
+                  <a:t>座標</a:t>
+                </a:r>
+                <a14:m>
+                  <m:oMath xmlns:m="http://schemas.openxmlformats.org/officeDocument/2006/math">
+                    <m:sSub>
+                      <m:sSubPr>
+                        <m:ctrlPr>
+                          <a:rPr kumimoji="1" lang="en-US" altLang="ja-JP" sz="2800" b="0" i="1" smtClean="0">
+                            <a:latin typeface="Cambria Math" panose="02040503050406030204" pitchFamily="18" charset="0"/>
+                          </a:rPr>
+                        </m:ctrlPr>
+                      </m:sSubPr>
+                      <m:e>
+                        <m:r>
+                          <a:rPr kumimoji="1" lang="en-US" altLang="ja-JP" sz="2800" b="0" i="1" smtClean="0">
+                            <a:latin typeface="Cambria Math" panose="02040503050406030204" pitchFamily="18" charset="0"/>
+                          </a:rPr>
+                          <m:t>𝑞</m:t>
+                        </m:r>
+                      </m:e>
+                      <m:sub>
+                        <m:r>
+                          <a:rPr kumimoji="1" lang="en-US" altLang="ja-JP" sz="2800" b="0" i="1" smtClean="0">
+                            <a:latin typeface="Cambria Math" panose="02040503050406030204" pitchFamily="18" charset="0"/>
+                          </a:rPr>
+                          <m:t>𝑖</m:t>
+                        </m:r>
+                      </m:sub>
+                    </m:sSub>
+                  </m:oMath>
+                </a14:m>
+                <a:r>
+                  <a:rPr kumimoji="1" lang="ja-JP" altLang="en-US" sz="2800"/>
+                  <a:t>、運動量</a:t>
+                </a:r>
+                <a14:m>
+                  <m:oMath xmlns:m="http://schemas.openxmlformats.org/officeDocument/2006/math">
+                    <m:sSub>
+                      <m:sSubPr>
+                        <m:ctrlPr>
+                          <a:rPr kumimoji="1" lang="en-US" altLang="ja-JP" sz="2800" b="0" i="1" smtClean="0">
+                            <a:latin typeface="Cambria Math" panose="02040503050406030204" pitchFamily="18" charset="0"/>
+                          </a:rPr>
+                        </m:ctrlPr>
+                      </m:sSubPr>
+                      <m:e>
+                        <m:r>
+                          <a:rPr kumimoji="1" lang="en-US" altLang="ja-JP" sz="2800" b="0" i="1" smtClean="0">
+                            <a:latin typeface="Cambria Math" panose="02040503050406030204" pitchFamily="18" charset="0"/>
+                          </a:rPr>
+                          <m:t>𝑝</m:t>
+                        </m:r>
+                      </m:e>
+                      <m:sub>
+                        <m:r>
+                          <a:rPr kumimoji="1" lang="en-US" altLang="ja-JP" sz="2800" b="0" i="1" smtClean="0">
+                            <a:latin typeface="Cambria Math" panose="02040503050406030204" pitchFamily="18" charset="0"/>
+                          </a:rPr>
+                          <m:t>𝑖</m:t>
+                        </m:r>
+                      </m:sub>
+                    </m:sSub>
+                    <m:r>
+                      <a:rPr lang="ja-JP" altLang="en-US" sz="2800" i="1">
+                        <a:latin typeface="Cambria Math" panose="02040503050406030204" pitchFamily="18" charset="0"/>
+                      </a:rPr>
+                      <m:t>が</m:t>
+                    </m:r>
+                  </m:oMath>
+                </a14:m>
+                <a:r>
+                  <a:rPr kumimoji="1" lang="ja-JP" altLang="en-US" sz="2800">
+                    <a:solidFill>
+                      <a:srgbClr val="FF0000"/>
+                    </a:solidFill>
+                  </a:rPr>
+                  <a:t>変数</a:t>
+                </a:r>
+                <a:r>
+                  <a:rPr kumimoji="1" lang="en-US" altLang="ja-JP" sz="2800">
+                    <a:solidFill>
+                      <a:srgbClr val="FF0000"/>
+                    </a:solidFill>
+                  </a:rPr>
+                  <a:t>(variable)</a:t>
+                </a:r>
+                <a:endParaRPr kumimoji="1" lang="ja-JP" altLang="en-US" sz="2800">
+                  <a:solidFill>
+                    <a:srgbClr val="FF0000"/>
+                  </a:solidFill>
+                </a:endParaRPr>
+              </a:p>
+            </p:txBody>
+          </p:sp>
+        </mc:Choice>
+        <mc:Fallback>
+          <p:sp>
+            <p:nvSpPr>
+              <p:cNvPr id="6" name="テキスト ボックス 5">
+                <a:extLst>
+                  <a:ext uri="{FF2B5EF4-FFF2-40B4-BE49-F238E27FC236}">
+                    <a16:creationId xmlns:a16="http://schemas.microsoft.com/office/drawing/2014/main" id="{58E4DA20-3851-3B02-BC7B-7C8CDAAF3039}"/>
+                  </a:ext>
+                </a:extLst>
+              </p:cNvPr>
+              <p:cNvSpPr txBox="1">
+                <a:spLocks noRot="1" noChangeAspect="1" noMove="1" noResize="1" noEditPoints="1" noAdjustHandles="1" noChangeArrowheads="1" noChangeShapeType="1" noTextEdit="1"/>
+              </p:cNvSpPr>
+              <p:nvPr/>
+            </p:nvSpPr>
+            <p:spPr>
+              <a:xfrm>
+                <a:off x="467544" y="3717032"/>
+                <a:ext cx="7940315" cy="524824"/>
+              </a:xfrm>
+              <a:prstGeom prst="rect">
+                <a:avLst/>
+              </a:prstGeom>
+              <a:blipFill>
+                <a:blip r:embed="rId4"/>
+                <a:stretch>
+                  <a:fillRect l="-1613" t="-15116" r="-230" b="-32558"/>
+                </a:stretch>
+              </a:blipFill>
+            </p:spPr>
+            <p:txBody>
+              <a:bodyPr/>
+              <a:lstStyle/>
+              <a:p>
+                <a:r>
+                  <a:rPr lang="ja-JP" altLang="en-US">
+                    <a:noFill/>
+                  </a:rPr>
+                  <a:t> </a:t>
+                </a:r>
+              </a:p>
+            </p:txBody>
+          </p:sp>
+        </mc:Fallback>
+      </mc:AlternateContent>
+      <mc:AlternateContent xmlns:mc="http://schemas.openxmlformats.org/markup-compatibility/2006">
+        <mc:Choice xmlns:a14="http://schemas.microsoft.com/office/drawing/2010/main" Requires="a14">
+          <p:sp>
+            <p:nvSpPr>
+              <p:cNvPr id="8" name="テキスト ボックス 7">
+                <a:extLst>
+                  <a:ext uri="{FF2B5EF4-FFF2-40B4-BE49-F238E27FC236}">
+                    <a16:creationId xmlns:a16="http://schemas.microsoft.com/office/drawing/2014/main" id="{7C477B20-1249-99EC-2B1A-B833F29842D7}"/>
+                  </a:ext>
+                </a:extLst>
+              </p:cNvPr>
+              <p:cNvSpPr txBox="1"/>
+              <p:nvPr/>
+            </p:nvSpPr>
+            <p:spPr>
+              <a:xfrm>
+                <a:off x="582871" y="4345940"/>
+                <a:ext cx="6581417" cy="523220"/>
+              </a:xfrm>
+              <a:prstGeom prst="rect">
+                <a:avLst/>
+              </a:prstGeom>
+              <a:noFill/>
+            </p:spPr>
+            <p:txBody>
+              <a:bodyPr wrap="none" rtlCol="0">
+                <a:spAutoFit/>
+              </a:bodyPr>
+              <a:lstStyle/>
+              <a:p>
+                <a:r>
+                  <a:rPr kumimoji="1" lang="ja-JP" altLang="en-US" sz="2800"/>
+                  <a:t>温度</a:t>
+                </a:r>
+                <a14:m>
+                  <m:oMath xmlns:m="http://schemas.openxmlformats.org/officeDocument/2006/math">
+                    <m:r>
+                      <a:rPr kumimoji="1" lang="en-US" altLang="ja-JP" sz="2800" b="0" i="1" smtClean="0">
+                        <a:latin typeface="Cambria Math" panose="02040503050406030204" pitchFamily="18" charset="0"/>
+                      </a:rPr>
+                      <m:t>𝑇</m:t>
+                    </m:r>
+                    <m:r>
+                      <a:rPr lang="ja-JP" altLang="en-US" sz="2800" i="1">
+                        <a:latin typeface="Cambria Math" panose="02040503050406030204" pitchFamily="18" charset="0"/>
+                      </a:rPr>
+                      <m:t>や</m:t>
+                    </m:r>
+                  </m:oMath>
+                </a14:m>
+                <a:r>
+                  <a:rPr kumimoji="1" lang="ja-JP" altLang="en-US" sz="2800"/>
+                  <a:t>圧力</a:t>
+                </a:r>
+                <a14:m>
+                  <m:oMath xmlns:m="http://schemas.openxmlformats.org/officeDocument/2006/math">
+                    <m:r>
+                      <a:rPr kumimoji="1" lang="en-US" altLang="ja-JP" sz="2800" b="0" i="1" smtClean="0">
+                        <a:latin typeface="Cambria Math" panose="02040503050406030204" pitchFamily="18" charset="0"/>
+                      </a:rPr>
+                      <m:t>𝑃</m:t>
+                    </m:r>
+                  </m:oMath>
+                </a14:m>
+                <a:r>
+                  <a:rPr kumimoji="1" lang="ja-JP" altLang="en-US" sz="2800"/>
+                  <a:t>は全て</a:t>
+                </a:r>
+                <a:r>
+                  <a:rPr kumimoji="1" lang="ja-JP" altLang="en-US" sz="2800">
+                    <a:solidFill>
+                      <a:srgbClr val="FF0000"/>
+                    </a:solidFill>
+                  </a:rPr>
+                  <a:t>観測量</a:t>
+                </a:r>
+                <a:r>
+                  <a:rPr kumimoji="1" lang="en-US" altLang="ja-JP" sz="2800">
+                    <a:solidFill>
+                      <a:srgbClr val="FF0000"/>
+                    </a:solidFill>
+                  </a:rPr>
+                  <a:t>(observable</a:t>
+                </a:r>
+                <a:r>
+                  <a:rPr kumimoji="1" lang="en-US" altLang="ja-JP" sz="2800"/>
+                  <a:t>)</a:t>
+                </a:r>
+              </a:p>
+            </p:txBody>
+          </p:sp>
+        </mc:Choice>
+        <mc:Fallback>
+          <p:sp>
+            <p:nvSpPr>
+              <p:cNvPr id="8" name="テキスト ボックス 7">
+                <a:extLst>
+                  <a:ext uri="{FF2B5EF4-FFF2-40B4-BE49-F238E27FC236}">
+                    <a16:creationId xmlns:a16="http://schemas.microsoft.com/office/drawing/2014/main" id="{7C477B20-1249-99EC-2B1A-B833F29842D7}"/>
+                  </a:ext>
+                </a:extLst>
+              </p:cNvPr>
+              <p:cNvSpPr txBox="1">
+                <a:spLocks noRot="1" noChangeAspect="1" noMove="1" noResize="1" noEditPoints="1" noAdjustHandles="1" noChangeArrowheads="1" noChangeShapeType="1" noTextEdit="1"/>
+              </p:cNvSpPr>
+              <p:nvPr/>
+            </p:nvSpPr>
+            <p:spPr>
+              <a:xfrm>
+                <a:off x="582871" y="4345940"/>
+                <a:ext cx="6581417" cy="523220"/>
+              </a:xfrm>
+              <a:prstGeom prst="rect">
+                <a:avLst/>
+              </a:prstGeom>
+              <a:blipFill>
+                <a:blip r:embed="rId5"/>
+                <a:stretch>
+                  <a:fillRect l="-1946" t="-16279" r="-556" b="-31395"/>
+                </a:stretch>
+              </a:blipFill>
+            </p:spPr>
+            <p:txBody>
+              <a:bodyPr/>
+              <a:lstStyle/>
+              <a:p>
+                <a:r>
+                  <a:rPr lang="ja-JP" altLang="en-US">
+                    <a:noFill/>
+                  </a:rPr>
+                  <a:t> </a:t>
+                </a:r>
+              </a:p>
+            </p:txBody>
+          </p:sp>
+        </mc:Fallback>
+      </mc:AlternateContent>
+      <p:sp>
+        <p:nvSpPr>
+          <p:cNvPr id="9" name="テキスト ボックス 8">
+            <a:extLst>
+              <a:ext uri="{FF2B5EF4-FFF2-40B4-BE49-F238E27FC236}">
+                <a16:creationId xmlns:a16="http://schemas.microsoft.com/office/drawing/2014/main" id="{9C38FC1F-2E33-9BBF-0E9A-593728C566A2}"/>
+              </a:ext>
+            </a:extLst>
+          </p:cNvPr>
+          <p:cNvSpPr txBox="1"/>
+          <p:nvPr/>
+        </p:nvSpPr>
+        <p:spPr>
+          <a:xfrm>
+            <a:off x="1572697" y="5157192"/>
+            <a:ext cx="7571303" cy="461665"/>
+          </a:xfrm>
+          <a:prstGeom prst="rect">
+            <a:avLst/>
+          </a:prstGeom>
+          <a:noFill/>
+        </p:spPr>
+        <p:txBody>
+          <a:bodyPr wrap="none" rtlCol="0">
+            <a:spAutoFit/>
+          </a:bodyPr>
+          <a:lstStyle/>
+          <a:p>
+            <a:r>
+              <a:rPr lang="ja-JP" altLang="en-US" sz="2400"/>
+              <a:t>この世界では、温度や圧力は定義しなければならない</a:t>
+            </a:r>
+            <a:endParaRPr kumimoji="1" lang="ja-JP" altLang="en-US" sz="2400"/>
+          </a:p>
+        </p:txBody>
+      </p:sp>
+      <p:sp>
+        <p:nvSpPr>
+          <p:cNvPr id="10" name="矢印: 右 9">
+            <a:extLst>
+              <a:ext uri="{FF2B5EF4-FFF2-40B4-BE49-F238E27FC236}">
+                <a16:creationId xmlns:a16="http://schemas.microsoft.com/office/drawing/2014/main" id="{CE43C00A-DEC7-EB5C-A0BA-29716328E17F}"/>
+              </a:ext>
+            </a:extLst>
+          </p:cNvPr>
+          <p:cNvSpPr/>
+          <p:nvPr/>
+        </p:nvSpPr>
+        <p:spPr>
+          <a:xfrm>
+            <a:off x="827584" y="5157192"/>
+            <a:ext cx="576064" cy="412624"/>
+          </a:xfrm>
+          <a:prstGeom prst="rightArrow">
+            <a:avLst/>
+          </a:prstGeom>
+          <a:solidFill>
+            <a:srgbClr val="FF0000"/>
+          </a:solidFill>
+          <a:ln>
+            <a:solidFill>
+              <a:schemeClr val="tx1"/>
+            </a:solidFill>
+          </a:ln>
+        </p:spPr>
+        <p:style>
+          <a:lnRef idx="2">
+            <a:schemeClr val="accent1">
+              <a:shade val="50000"/>
+            </a:schemeClr>
+          </a:lnRef>
+          <a:fillRef idx="1">
+            <a:schemeClr val="accent1"/>
+          </a:fillRef>
+          <a:effectRef idx="0">
+            <a:schemeClr val="accent1"/>
+          </a:effectRef>
+          <a:fontRef idx="minor">
+            <a:schemeClr val="lt1"/>
+          </a:fontRef>
+        </p:style>
+        <p:txBody>
+          <a:bodyPr rtlCol="0" anchor="ctr"/>
+          <a:lstStyle/>
+          <a:p>
+            <a:pPr algn="ctr"/>
+            <a:endParaRPr kumimoji="1" lang="ja-JP" altLang="en-US"/>
+          </a:p>
+        </p:txBody>
+      </p:sp>
+    </p:spTree>
+    <p:extLst>
+      <p:ext uri="{BB962C8B-B14F-4D97-AF65-F5344CB8AC3E}">
+        <p14:creationId xmlns:p14="http://schemas.microsoft.com/office/powerpoint/2010/main" val="2603427895"/>
       </p:ext>
     </p:extLst>
   </p:cSld>

--- a/06_md_observable/simulation06.pptx
+++ b/06_md_observable/simulation06.pptx
@@ -5,7 +5,7 @@
     <p:sldMasterId id="2147483665" r:id="rId1"/>
   </p:sldMasterIdLst>
   <p:notesMasterIdLst>
-    <p:notesMasterId r:id="rId16"/>
+    <p:notesMasterId r:id="rId24"/>
   </p:notesMasterIdLst>
   <p:sldIdLst>
     <p:sldId id="256" r:id="rId2"/>
@@ -22,6 +22,14 @@
     <p:sldId id="349" r:id="rId13"/>
     <p:sldId id="350" r:id="rId14"/>
     <p:sldId id="351" r:id="rId15"/>
+    <p:sldId id="352" r:id="rId16"/>
+    <p:sldId id="353" r:id="rId17"/>
+    <p:sldId id="354" r:id="rId18"/>
+    <p:sldId id="355" r:id="rId19"/>
+    <p:sldId id="356" r:id="rId20"/>
+    <p:sldId id="357" r:id="rId21"/>
+    <p:sldId id="358" r:id="rId22"/>
+    <p:sldId id="359" r:id="rId23"/>
   </p:sldIdLst>
   <p:sldSz cx="9144000" cy="6858000" type="screen4x3"/>
   <p:notesSz cx="6858000" cy="9144000"/>
@@ -1439,8 +1447,8 @@
           </a:p>
         </p:txBody>
       </p:sp>
-      <mc:AlternateContent xmlns:mc="http://schemas.openxmlformats.org/markup-compatibility/2006">
-        <mc:Choice xmlns:a14="http://schemas.microsoft.com/office/drawing/2010/main" Requires="a14">
+      <mc:AlternateContent xmlns:mc="http://schemas.openxmlformats.org/markup-compatibility/2006" xmlns:a14="http://schemas.microsoft.com/office/drawing/2010/main">
+        <mc:Choice Requires="a14">
           <p:sp>
             <p:nvSpPr>
               <p:cNvPr id="5" name="テキスト ボックス 4">
@@ -1523,7 +1531,7 @@
             </p:txBody>
           </p:sp>
         </mc:Choice>
-        <mc:Fallback>
+        <mc:Fallback xmlns="">
           <p:sp>
             <p:nvSpPr>
               <p:cNvPr id="5" name="テキスト ボックス 4">
@@ -1620,8 +1628,8 @@
           </a:p>
         </p:txBody>
       </p:sp>
-      <mc:AlternateContent xmlns:mc="http://schemas.openxmlformats.org/markup-compatibility/2006">
-        <mc:Choice xmlns:a14="http://schemas.microsoft.com/office/drawing/2010/main" Requires="a14">
+      <mc:AlternateContent xmlns:mc="http://schemas.openxmlformats.org/markup-compatibility/2006" xmlns:a14="http://schemas.microsoft.com/office/drawing/2010/main">
+        <mc:Choice Requires="a14">
           <p:sp>
             <p:nvSpPr>
               <p:cNvPr id="7" name="テキスト ボックス 6">
@@ -1704,7 +1712,7 @@
             </p:txBody>
           </p:sp>
         </mc:Choice>
-        <mc:Fallback>
+        <mc:Fallback xmlns="">
           <p:sp>
             <p:nvSpPr>
               <p:cNvPr id="7" name="テキスト ボックス 6">
@@ -2388,8 +2396,8 @@
           </a:p>
         </p:txBody>
       </p:sp>
-      <mc:AlternateContent xmlns:mc="http://schemas.openxmlformats.org/markup-compatibility/2006">
-        <mc:Choice xmlns:a14="http://schemas.microsoft.com/office/drawing/2010/main" Requires="a14">
+      <mc:AlternateContent xmlns:mc="http://schemas.openxmlformats.org/markup-compatibility/2006" xmlns:a14="http://schemas.microsoft.com/office/drawing/2010/main">
+        <mc:Choice Requires="a14">
           <p:sp>
             <p:nvSpPr>
               <p:cNvPr id="5" name="テキスト ボックス 4">
@@ -2437,7 +2445,7 @@
             </p:txBody>
           </p:sp>
         </mc:Choice>
-        <mc:Fallback>
+        <mc:Fallback xmlns="">
           <p:sp>
             <p:nvSpPr>
               <p:cNvPr id="5" name="テキスト ボックス 4">
@@ -2482,8 +2490,8 @@
           </p:sp>
         </mc:Fallback>
       </mc:AlternateContent>
-      <mc:AlternateContent xmlns:mc="http://schemas.openxmlformats.org/markup-compatibility/2006">
-        <mc:Choice xmlns:a14="http://schemas.microsoft.com/office/drawing/2010/main" Requires="a14">
+      <mc:AlternateContent xmlns:mc="http://schemas.openxmlformats.org/markup-compatibility/2006" xmlns:a14="http://schemas.microsoft.com/office/drawing/2010/main">
+        <mc:Choice Requires="a14">
           <p:sp>
             <p:nvSpPr>
               <p:cNvPr id="6" name="テキスト ボックス 5">
@@ -2531,7 +2539,7 @@
             </p:txBody>
           </p:sp>
         </mc:Choice>
-        <mc:Fallback>
+        <mc:Fallback xmlns="">
           <p:sp>
             <p:nvSpPr>
               <p:cNvPr id="6" name="テキスト ボックス 5">
@@ -2611,8 +2619,8 @@
           </a:p>
         </p:txBody>
       </p:sp>
-      <mc:AlternateContent xmlns:mc="http://schemas.openxmlformats.org/markup-compatibility/2006">
-        <mc:Choice xmlns:a14="http://schemas.microsoft.com/office/drawing/2010/main" Requires="a14">
+      <mc:AlternateContent xmlns:mc="http://schemas.openxmlformats.org/markup-compatibility/2006" xmlns:a14="http://schemas.microsoft.com/office/drawing/2010/main">
+        <mc:Choice Requires="a14">
           <p:sp>
             <p:nvSpPr>
               <p:cNvPr id="9" name="テキスト ボックス 8">
@@ -2671,7 +2679,7 @@
             </p:txBody>
           </p:sp>
         </mc:Choice>
-        <mc:Fallback>
+        <mc:Fallback xmlns="">
           <p:sp>
             <p:nvSpPr>
               <p:cNvPr id="9" name="テキスト ボックス 8">
@@ -2716,8 +2724,8 @@
           </p:sp>
         </mc:Fallback>
       </mc:AlternateContent>
-      <mc:AlternateContent xmlns:mc="http://schemas.openxmlformats.org/markup-compatibility/2006">
-        <mc:Choice xmlns:a14="http://schemas.microsoft.com/office/drawing/2010/main" Requires="a14">
+      <mc:AlternateContent xmlns:mc="http://schemas.openxmlformats.org/markup-compatibility/2006" xmlns:a14="http://schemas.microsoft.com/office/drawing/2010/main">
+        <mc:Choice Requires="a14">
           <p:sp>
             <p:nvSpPr>
               <p:cNvPr id="10" name="テキスト ボックス 9">
@@ -2776,7 +2784,7 @@
             </p:txBody>
           </p:sp>
         </mc:Choice>
-        <mc:Fallback>
+        <mc:Fallback xmlns="">
           <p:sp>
             <p:nvSpPr>
               <p:cNvPr id="10" name="テキスト ボックス 9">
@@ -2821,8 +2829,8 @@
           </p:sp>
         </mc:Fallback>
       </mc:AlternateContent>
-      <mc:AlternateContent xmlns:mc="http://schemas.openxmlformats.org/markup-compatibility/2006">
-        <mc:Choice xmlns:a14="http://schemas.microsoft.com/office/drawing/2010/main" Requires="a14">
+      <mc:AlternateContent xmlns:mc="http://schemas.openxmlformats.org/markup-compatibility/2006" xmlns:a14="http://schemas.microsoft.com/office/drawing/2010/main">
+        <mc:Choice Requires="a14">
           <p:sp>
             <p:nvSpPr>
               <p:cNvPr id="11" name="テキスト ボックス 10">
@@ -2870,7 +2878,7 @@
             </p:txBody>
           </p:sp>
         </mc:Choice>
-        <mc:Fallback>
+        <mc:Fallback xmlns="">
           <p:sp>
             <p:nvSpPr>
               <p:cNvPr id="11" name="テキスト ボックス 10">
@@ -2915,8 +2923,8 @@
           </p:sp>
         </mc:Fallback>
       </mc:AlternateContent>
-      <mc:AlternateContent xmlns:mc="http://schemas.openxmlformats.org/markup-compatibility/2006">
-        <mc:Choice xmlns:a14="http://schemas.microsoft.com/office/drawing/2010/main" Requires="a14">
+      <mc:AlternateContent xmlns:mc="http://schemas.openxmlformats.org/markup-compatibility/2006" xmlns:a14="http://schemas.microsoft.com/office/drawing/2010/main">
+        <mc:Choice Requires="a14">
           <p:sp>
             <p:nvSpPr>
               <p:cNvPr id="12" name="テキスト ボックス 11">
@@ -2964,7 +2972,7 @@
             </p:txBody>
           </p:sp>
         </mc:Choice>
-        <mc:Fallback>
+        <mc:Fallback xmlns="">
           <p:sp>
             <p:nvSpPr>
               <p:cNvPr id="12" name="テキスト ボックス 11">
@@ -3068,8 +3076,8 @@
           </a:p>
         </p:txBody>
       </p:sp>
-      <mc:AlternateContent xmlns:mc="http://schemas.openxmlformats.org/markup-compatibility/2006">
-        <mc:Choice xmlns:a14="http://schemas.microsoft.com/office/drawing/2010/main" Requires="a14">
+      <mc:AlternateContent xmlns:mc="http://schemas.openxmlformats.org/markup-compatibility/2006" xmlns:a14="http://schemas.microsoft.com/office/drawing/2010/main">
+        <mc:Choice Requires="a14">
           <p:sp>
             <p:nvSpPr>
               <p:cNvPr id="3" name="テキスト ボックス 2">
@@ -3098,6 +3106,7 @@
               </a:bodyPr>
               <a:lstStyle/>
               <a:p>
+                <a:pPr/>
                 <a14:m>
                   <m:oMathPara xmlns:m="http://schemas.openxmlformats.org/officeDocument/2006/math">
                     <m:oMathParaPr>
@@ -3160,7 +3169,7 @@
             </p:txBody>
           </p:sp>
         </mc:Choice>
-        <mc:Fallback>
+        <mc:Fallback xmlns="">
           <p:sp>
             <p:nvSpPr>
               <p:cNvPr id="3" name="テキスト ボックス 2">
@@ -3205,8 +3214,8 @@
           </p:sp>
         </mc:Fallback>
       </mc:AlternateContent>
-      <mc:AlternateContent xmlns:mc="http://schemas.openxmlformats.org/markup-compatibility/2006">
-        <mc:Choice xmlns:a14="http://schemas.microsoft.com/office/drawing/2010/main" Requires="a14">
+      <mc:AlternateContent xmlns:mc="http://schemas.openxmlformats.org/markup-compatibility/2006" xmlns:a14="http://schemas.microsoft.com/office/drawing/2010/main">
+        <mc:Choice Requires="a14">
           <p:sp>
             <p:nvSpPr>
               <p:cNvPr id="4" name="テキスト ボックス 3">
@@ -3235,6 +3244,7 @@
               </a:bodyPr>
               <a:lstStyle/>
               <a:p>
+                <a:pPr/>
                 <a14:m>
                   <m:oMathPara xmlns:m="http://schemas.openxmlformats.org/officeDocument/2006/math">
                     <m:oMathParaPr>
@@ -3300,7 +3310,7 @@
             </p:txBody>
           </p:sp>
         </mc:Choice>
-        <mc:Fallback>
+        <mc:Fallback xmlns="">
           <p:sp>
             <p:nvSpPr>
               <p:cNvPr id="4" name="テキスト ボックス 3">
@@ -3345,8 +3355,8 @@
           </p:sp>
         </mc:Fallback>
       </mc:AlternateContent>
-      <mc:AlternateContent xmlns:mc="http://schemas.openxmlformats.org/markup-compatibility/2006">
-        <mc:Choice xmlns:a14="http://schemas.microsoft.com/office/drawing/2010/main" Requires="a14">
+      <mc:AlternateContent xmlns:mc="http://schemas.openxmlformats.org/markup-compatibility/2006" xmlns:a14="http://schemas.microsoft.com/office/drawing/2010/main">
+        <mc:Choice Requires="a14">
           <p:sp>
             <p:nvSpPr>
               <p:cNvPr id="5" name="テキスト ボックス 4">
@@ -3375,6 +3385,7 @@
               </a:bodyPr>
               <a:lstStyle/>
               <a:p>
+                <a:pPr/>
                 <a14:m>
                   <m:oMathPara xmlns:m="http://schemas.openxmlformats.org/officeDocument/2006/math">
                     <m:oMathParaPr>
@@ -3440,7 +3451,7 @@
             </p:txBody>
           </p:sp>
         </mc:Choice>
-        <mc:Fallback>
+        <mc:Fallback xmlns="">
           <p:sp>
             <p:nvSpPr>
               <p:cNvPr id="5" name="テキスト ボックス 4">
@@ -3485,8 +3496,8 @@
           </p:sp>
         </mc:Fallback>
       </mc:AlternateContent>
-      <mc:AlternateContent xmlns:mc="http://schemas.openxmlformats.org/markup-compatibility/2006">
-        <mc:Choice xmlns:a14="http://schemas.microsoft.com/office/drawing/2010/main" Requires="a14">
+      <mc:AlternateContent xmlns:mc="http://schemas.openxmlformats.org/markup-compatibility/2006" xmlns:a14="http://schemas.microsoft.com/office/drawing/2010/main">
+        <mc:Choice Requires="a14">
           <p:sp>
             <p:nvSpPr>
               <p:cNvPr id="6" name="テキスト ボックス 5">
@@ -3515,6 +3526,7 @@
               </a:bodyPr>
               <a:lstStyle/>
               <a:p>
+                <a:pPr/>
                 <a14:m>
                   <m:oMathPara xmlns:m="http://schemas.openxmlformats.org/officeDocument/2006/math">
                     <m:oMathParaPr>
@@ -3583,7 +3595,7 @@
             </p:txBody>
           </p:sp>
         </mc:Choice>
-        <mc:Fallback>
+        <mc:Fallback xmlns="">
           <p:sp>
             <p:nvSpPr>
               <p:cNvPr id="6" name="テキスト ボックス 5">
@@ -3816,8 +3828,8 @@
           </a:fontRef>
         </p:style>
       </p:cxnSp>
-      <mc:AlternateContent xmlns:mc="http://schemas.openxmlformats.org/markup-compatibility/2006">
-        <mc:Choice xmlns:a14="http://schemas.microsoft.com/office/drawing/2010/main" Requires="a14">
+      <mc:AlternateContent xmlns:mc="http://schemas.openxmlformats.org/markup-compatibility/2006" xmlns:a14="http://schemas.microsoft.com/office/drawing/2010/main">
+        <mc:Choice Requires="a14">
           <p:sp>
             <p:nvSpPr>
               <p:cNvPr id="18" name="テキスト ボックス 17">
@@ -3846,6 +3858,7 @@
               </a:bodyPr>
               <a:lstStyle/>
               <a:p>
+                <a:pPr/>
                 <a14:m>
                   <m:oMathPara xmlns:m="http://schemas.openxmlformats.org/officeDocument/2006/math">
                     <m:oMathParaPr>
@@ -3917,7 +3930,7 @@
             </p:txBody>
           </p:sp>
         </mc:Choice>
-        <mc:Fallback>
+        <mc:Fallback xmlns="">
           <p:sp>
             <p:nvSpPr>
               <p:cNvPr id="18" name="テキスト ボックス 17">
@@ -3962,8 +3975,8 @@
           </p:sp>
         </mc:Fallback>
       </mc:AlternateContent>
-      <mc:AlternateContent xmlns:mc="http://schemas.openxmlformats.org/markup-compatibility/2006">
-        <mc:Choice xmlns:a14="http://schemas.microsoft.com/office/drawing/2010/main" Requires="a14">
+      <mc:AlternateContent xmlns:mc="http://schemas.openxmlformats.org/markup-compatibility/2006" xmlns:a14="http://schemas.microsoft.com/office/drawing/2010/main">
+        <mc:Choice Requires="a14">
           <p:sp>
             <p:nvSpPr>
               <p:cNvPr id="30" name="テキスト ボックス 29">
@@ -3992,6 +4005,7 @@
               </a:bodyPr>
               <a:lstStyle/>
               <a:p>
+                <a:pPr/>
                 <a14:m>
                   <m:oMathPara xmlns:m="http://schemas.openxmlformats.org/officeDocument/2006/math">
                     <m:oMathParaPr>
@@ -4036,7 +4050,7 @@
             </p:txBody>
           </p:sp>
         </mc:Choice>
-        <mc:Fallback>
+        <mc:Fallback xmlns="">
           <p:sp>
             <p:nvSpPr>
               <p:cNvPr id="30" name="テキスト ボックス 29">
@@ -4081,8 +4095,8 @@
           </p:sp>
         </mc:Fallback>
       </mc:AlternateContent>
-      <mc:AlternateContent xmlns:mc="http://schemas.openxmlformats.org/markup-compatibility/2006">
-        <mc:Choice xmlns:a14="http://schemas.microsoft.com/office/drawing/2010/main" Requires="a14">
+      <mc:AlternateContent xmlns:mc="http://schemas.openxmlformats.org/markup-compatibility/2006" xmlns:a14="http://schemas.microsoft.com/office/drawing/2010/main">
+        <mc:Choice Requires="a14">
           <p:sp>
             <p:nvSpPr>
               <p:cNvPr id="31" name="テキスト ボックス 30">
@@ -4111,6 +4125,7 @@
               </a:bodyPr>
               <a:lstStyle/>
               <a:p>
+                <a:pPr/>
                 <a14:m>
                   <m:oMathPara xmlns:m="http://schemas.openxmlformats.org/officeDocument/2006/math">
                     <m:oMathParaPr>
@@ -4155,7 +4170,7 @@
             </p:txBody>
           </p:sp>
         </mc:Choice>
-        <mc:Fallback>
+        <mc:Fallback xmlns="">
           <p:sp>
             <p:nvSpPr>
               <p:cNvPr id="31" name="テキスト ボックス 30">
@@ -4200,8 +4215,8 @@
           </p:sp>
         </mc:Fallback>
       </mc:AlternateContent>
-      <mc:AlternateContent xmlns:mc="http://schemas.openxmlformats.org/markup-compatibility/2006">
-        <mc:Choice xmlns:a14="http://schemas.microsoft.com/office/drawing/2010/main" Requires="a14">
+      <mc:AlternateContent xmlns:mc="http://schemas.openxmlformats.org/markup-compatibility/2006" xmlns:a14="http://schemas.microsoft.com/office/drawing/2010/main">
+        <mc:Choice Requires="a14">
           <p:sp>
             <p:nvSpPr>
               <p:cNvPr id="32" name="テキスト ボックス 31">
@@ -4230,6 +4245,7 @@
               </a:bodyPr>
               <a:lstStyle/>
               <a:p>
+                <a:pPr/>
                 <a14:m>
                   <m:oMathPara xmlns:m="http://schemas.openxmlformats.org/officeDocument/2006/math">
                     <m:oMathParaPr>
@@ -4274,7 +4290,7 @@
             </p:txBody>
           </p:sp>
         </mc:Choice>
-        <mc:Fallback>
+        <mc:Fallback xmlns="">
           <p:sp>
             <p:nvSpPr>
               <p:cNvPr id="32" name="テキスト ボックス 31">
@@ -4319,8 +4335,8 @@
           </p:sp>
         </mc:Fallback>
       </mc:AlternateContent>
-      <mc:AlternateContent xmlns:mc="http://schemas.openxmlformats.org/markup-compatibility/2006">
-        <mc:Choice xmlns:a14="http://schemas.microsoft.com/office/drawing/2010/main" Requires="a14">
+      <mc:AlternateContent xmlns:mc="http://schemas.openxmlformats.org/markup-compatibility/2006" xmlns:a14="http://schemas.microsoft.com/office/drawing/2010/main">
+        <mc:Choice Requires="a14">
           <p:sp>
             <p:nvSpPr>
               <p:cNvPr id="33" name="テキスト ボックス 32">
@@ -4349,6 +4365,7 @@
               </a:bodyPr>
               <a:lstStyle/>
               <a:p>
+                <a:pPr/>
                 <a14:m>
                   <m:oMathPara xmlns:m="http://schemas.openxmlformats.org/officeDocument/2006/math">
                     <m:oMathParaPr>
@@ -4393,7 +4410,7 @@
             </p:txBody>
           </p:sp>
         </mc:Choice>
-        <mc:Fallback>
+        <mc:Fallback xmlns="">
           <p:sp>
             <p:nvSpPr>
               <p:cNvPr id="33" name="テキスト ボックス 32">
@@ -4484,8 +4501,8 @@
           </a:fontRef>
         </p:style>
       </p:cxnSp>
-      <mc:AlternateContent xmlns:mc="http://schemas.openxmlformats.org/markup-compatibility/2006">
-        <mc:Choice xmlns:a14="http://schemas.microsoft.com/office/drawing/2010/main" Requires="a14">
+      <mc:AlternateContent xmlns:mc="http://schemas.openxmlformats.org/markup-compatibility/2006" xmlns:a14="http://schemas.microsoft.com/office/drawing/2010/main">
+        <mc:Choice Requires="a14">
           <p:sp>
             <p:nvSpPr>
               <p:cNvPr id="39" name="テキスト ボックス 38">
@@ -4514,6 +4531,7 @@
               </a:bodyPr>
               <a:lstStyle/>
               <a:p>
+                <a:pPr/>
                 <a14:m>
                   <m:oMathPara xmlns:m="http://schemas.openxmlformats.org/officeDocument/2006/math">
                     <m:oMathParaPr>
@@ -4567,7 +4585,7 @@
             </p:txBody>
           </p:sp>
         </mc:Choice>
-        <mc:Fallback>
+        <mc:Fallback xmlns="">
           <p:sp>
             <p:nvSpPr>
               <p:cNvPr id="39" name="テキスト ボックス 38">
@@ -4750,6 +4768,86 @@
           </a:fontRef>
         </p:style>
       </p:cxnSp>
+      <p:sp>
+        <p:nvSpPr>
+          <p:cNvPr id="7" name="テキスト ボックス 6">
+            <a:extLst>
+              <a:ext uri="{FF2B5EF4-FFF2-40B4-BE49-F238E27FC236}">
+                <a16:creationId xmlns:a16="http://schemas.microsoft.com/office/drawing/2014/main" id="{F8852D74-A17D-02FB-EC7F-3C7266D3CB8D}"/>
+              </a:ext>
+            </a:extLst>
+          </p:cNvPr>
+          <p:cNvSpPr txBox="1"/>
+          <p:nvPr/>
+        </p:nvSpPr>
+        <p:spPr>
+          <a:xfrm>
+            <a:off x="6372200" y="908720"/>
+            <a:ext cx="1569660" cy="369332"/>
+          </a:xfrm>
+          <a:prstGeom prst="rect">
+            <a:avLst/>
+          </a:prstGeom>
+          <a:noFill/>
+        </p:spPr>
+        <p:txBody>
+          <a:bodyPr wrap="none" rtlCol="0">
+            <a:spAutoFit/>
+          </a:bodyPr>
+          <a:lstStyle/>
+          <a:p>
+            <a:r>
+              <a:rPr kumimoji="1" lang="ja-JP" altLang="en-US"/>
+              <a:t>全て示量変数</a:t>
+            </a:r>
+          </a:p>
+        </p:txBody>
+      </p:sp>
+      <p:cxnSp>
+        <p:nvCxnSpPr>
+          <p:cNvPr id="11" name="直線矢印コネクタ 10">
+            <a:extLst>
+              <a:ext uri="{FF2B5EF4-FFF2-40B4-BE49-F238E27FC236}">
+                <a16:creationId xmlns:a16="http://schemas.microsoft.com/office/drawing/2014/main" id="{05CC4623-9429-B2B2-07BC-F899A831CA80}"/>
+              </a:ext>
+            </a:extLst>
+          </p:cNvPr>
+          <p:cNvCxnSpPr>
+            <a:stCxn id="7" idx="1"/>
+          </p:cNvCxnSpPr>
+          <p:nvPr/>
+        </p:nvCxnSpPr>
+        <p:spPr>
+          <a:xfrm flipH="1">
+            <a:off x="5292080" y="1093386"/>
+            <a:ext cx="1080120" cy="391398"/>
+          </a:xfrm>
+          <a:prstGeom prst="straightConnector1">
+            <a:avLst/>
+          </a:prstGeom>
+          <a:ln>
+            <a:solidFill>
+              <a:schemeClr val="tx1"/>
+            </a:solidFill>
+            <a:headEnd type="none" w="med" len="med"/>
+            <a:tailEnd type="triangle"/>
+          </a:ln>
+        </p:spPr>
+        <p:style>
+          <a:lnRef idx="1">
+            <a:schemeClr val="accent1"/>
+          </a:lnRef>
+          <a:fillRef idx="0">
+            <a:schemeClr val="accent1"/>
+          </a:fillRef>
+          <a:effectRef idx="0">
+            <a:schemeClr val="accent1"/>
+          </a:effectRef>
+          <a:fontRef idx="minor">
+            <a:schemeClr val="tx1"/>
+          </a:fontRef>
+        </p:style>
+      </p:cxnSp>
     </p:spTree>
     <p:extLst>
       <p:ext uri="{BB962C8B-B14F-4D97-AF65-F5344CB8AC3E}">
@@ -4897,8 +4995,8 @@
           </a:p>
         </p:txBody>
       </p:sp>
-      <mc:AlternateContent xmlns:mc="http://schemas.openxmlformats.org/markup-compatibility/2006">
-        <mc:Choice xmlns:a14="http://schemas.microsoft.com/office/drawing/2010/main" Requires="a14">
+      <mc:AlternateContent xmlns:mc="http://schemas.openxmlformats.org/markup-compatibility/2006" xmlns:a14="http://schemas.microsoft.com/office/drawing/2010/main">
+        <mc:Choice Requires="a14">
           <p:sp>
             <p:nvSpPr>
               <p:cNvPr id="5" name="テキスト ボックス 4">
@@ -4946,7 +5044,7 @@
             </p:txBody>
           </p:sp>
         </mc:Choice>
-        <mc:Fallback>
+        <mc:Fallback xmlns="">
           <p:sp>
             <p:nvSpPr>
               <p:cNvPr id="5" name="テキスト ボックス 4">
@@ -4991,8 +5089,8 @@
           </p:sp>
         </mc:Fallback>
       </mc:AlternateContent>
-      <mc:AlternateContent xmlns:mc="http://schemas.openxmlformats.org/markup-compatibility/2006">
-        <mc:Choice xmlns:a14="http://schemas.microsoft.com/office/drawing/2010/main" Requires="a14">
+      <mc:AlternateContent xmlns:mc="http://schemas.openxmlformats.org/markup-compatibility/2006" xmlns:a14="http://schemas.microsoft.com/office/drawing/2010/main">
+        <mc:Choice Requires="a14">
           <p:sp>
             <p:nvSpPr>
               <p:cNvPr id="6" name="テキスト ボックス 5">
@@ -5040,7 +5138,7 @@
             </p:txBody>
           </p:sp>
         </mc:Choice>
-        <mc:Fallback>
+        <mc:Fallback xmlns="">
           <p:sp>
             <p:nvSpPr>
               <p:cNvPr id="6" name="テキスト ボックス 5">
@@ -5120,8 +5218,8 @@
           </a:p>
         </p:txBody>
       </p:sp>
-      <mc:AlternateContent xmlns:mc="http://schemas.openxmlformats.org/markup-compatibility/2006">
-        <mc:Choice xmlns:a14="http://schemas.microsoft.com/office/drawing/2010/main" Requires="a14">
+      <mc:AlternateContent xmlns:mc="http://schemas.openxmlformats.org/markup-compatibility/2006" xmlns:a14="http://schemas.microsoft.com/office/drawing/2010/main">
+        <mc:Choice Requires="a14">
           <p:sp>
             <p:nvSpPr>
               <p:cNvPr id="9" name="テキスト ボックス 8">
@@ -5180,7 +5278,7 @@
             </p:txBody>
           </p:sp>
         </mc:Choice>
-        <mc:Fallback>
+        <mc:Fallback xmlns="">
           <p:sp>
             <p:nvSpPr>
               <p:cNvPr id="9" name="テキスト ボックス 8">
@@ -5225,8 +5323,8 @@
           </p:sp>
         </mc:Fallback>
       </mc:AlternateContent>
-      <mc:AlternateContent xmlns:mc="http://schemas.openxmlformats.org/markup-compatibility/2006">
-        <mc:Choice xmlns:a14="http://schemas.microsoft.com/office/drawing/2010/main" Requires="a14">
+      <mc:AlternateContent xmlns:mc="http://schemas.openxmlformats.org/markup-compatibility/2006" xmlns:a14="http://schemas.microsoft.com/office/drawing/2010/main">
+        <mc:Choice Requires="a14">
           <p:sp>
             <p:nvSpPr>
               <p:cNvPr id="10" name="テキスト ボックス 9">
@@ -5285,7 +5383,7 @@
             </p:txBody>
           </p:sp>
         </mc:Choice>
-        <mc:Fallback>
+        <mc:Fallback xmlns="">
           <p:sp>
             <p:nvSpPr>
               <p:cNvPr id="10" name="テキスト ボックス 9">
@@ -5330,8 +5428,8 @@
           </p:sp>
         </mc:Fallback>
       </mc:AlternateContent>
-      <mc:AlternateContent xmlns:mc="http://schemas.openxmlformats.org/markup-compatibility/2006">
-        <mc:Choice xmlns:a14="http://schemas.microsoft.com/office/drawing/2010/main" Requires="a14">
+      <mc:AlternateContent xmlns:mc="http://schemas.openxmlformats.org/markup-compatibility/2006" xmlns:a14="http://schemas.microsoft.com/office/drawing/2010/main">
+        <mc:Choice Requires="a14">
           <p:sp>
             <p:nvSpPr>
               <p:cNvPr id="11" name="テキスト ボックス 10">
@@ -5379,7 +5477,7 @@
             </p:txBody>
           </p:sp>
         </mc:Choice>
-        <mc:Fallback>
+        <mc:Fallback xmlns="">
           <p:sp>
             <p:nvSpPr>
               <p:cNvPr id="11" name="テキスト ボックス 10">
@@ -5424,8 +5522,8 @@
           </p:sp>
         </mc:Fallback>
       </mc:AlternateContent>
-      <mc:AlternateContent xmlns:mc="http://schemas.openxmlformats.org/markup-compatibility/2006">
-        <mc:Choice xmlns:a14="http://schemas.microsoft.com/office/drawing/2010/main" Requires="a14">
+      <mc:AlternateContent xmlns:mc="http://schemas.openxmlformats.org/markup-compatibility/2006" xmlns:a14="http://schemas.microsoft.com/office/drawing/2010/main">
+        <mc:Choice Requires="a14">
           <p:sp>
             <p:nvSpPr>
               <p:cNvPr id="12" name="テキスト ボックス 11">
@@ -5473,7 +5571,7 @@
             </p:txBody>
           </p:sp>
         </mc:Choice>
-        <mc:Fallback>
+        <mc:Fallback xmlns="">
           <p:sp>
             <p:nvSpPr>
               <p:cNvPr id="12" name="テキスト ボックス 11">
@@ -5748,10 +5846,4513 @@
           </a:p>
         </p:txBody>
       </p:sp>
+      <p:sp>
+        <p:nvSpPr>
+          <p:cNvPr id="3" name="テキスト ボックス 2">
+            <a:extLst>
+              <a:ext uri="{FF2B5EF4-FFF2-40B4-BE49-F238E27FC236}">
+                <a16:creationId xmlns:a16="http://schemas.microsoft.com/office/drawing/2014/main" id="{DC3A739A-4813-39B4-E884-C1B6B5BB4CC2}"/>
+              </a:ext>
+            </a:extLst>
+          </p:cNvPr>
+          <p:cNvSpPr txBox="1"/>
+          <p:nvPr/>
+        </p:nvSpPr>
+        <p:spPr>
+          <a:xfrm>
+            <a:off x="971600" y="5013176"/>
+            <a:ext cx="8084264" cy="523220"/>
+          </a:xfrm>
+          <a:prstGeom prst="rect">
+            <a:avLst/>
+          </a:prstGeom>
+          <a:noFill/>
+        </p:spPr>
+        <p:txBody>
+          <a:bodyPr wrap="none" rtlCol="0">
+            <a:spAutoFit/>
+          </a:bodyPr>
+          <a:lstStyle/>
+          <a:p>
+            <a:r>
+              <a:rPr lang="ja-JP" altLang="en-US" sz="2800"/>
+              <a:t>分子動力学法において、温度や圧力を定義しよう</a:t>
+            </a:r>
+            <a:endParaRPr kumimoji="1" lang="ja-JP" altLang="en-US" sz="2800"/>
+          </a:p>
+        </p:txBody>
+      </p:sp>
+      <p:sp>
+        <p:nvSpPr>
+          <p:cNvPr id="7" name="矢印: 右 6">
+            <a:extLst>
+              <a:ext uri="{FF2B5EF4-FFF2-40B4-BE49-F238E27FC236}">
+                <a16:creationId xmlns:a16="http://schemas.microsoft.com/office/drawing/2014/main" id="{4A2DB7A1-3E82-B7E1-A9DA-D50EBA2F6253}"/>
+              </a:ext>
+            </a:extLst>
+          </p:cNvPr>
+          <p:cNvSpPr/>
+          <p:nvPr/>
+        </p:nvSpPr>
+        <p:spPr>
+          <a:xfrm>
+            <a:off x="323528" y="5085184"/>
+            <a:ext cx="432048" cy="484632"/>
+          </a:xfrm>
+          <a:prstGeom prst="rightArrow">
+            <a:avLst/>
+          </a:prstGeom>
+          <a:solidFill>
+            <a:srgbClr val="FF0000"/>
+          </a:solidFill>
+          <a:ln>
+            <a:solidFill>
+              <a:schemeClr val="tx1"/>
+            </a:solidFill>
+          </a:ln>
+        </p:spPr>
+        <p:style>
+          <a:lnRef idx="2">
+            <a:schemeClr val="accent1">
+              <a:shade val="50000"/>
+            </a:schemeClr>
+          </a:lnRef>
+          <a:fillRef idx="1">
+            <a:schemeClr val="accent1"/>
+          </a:fillRef>
+          <a:effectRef idx="0">
+            <a:schemeClr val="accent1"/>
+          </a:effectRef>
+          <a:fontRef idx="minor">
+            <a:schemeClr val="lt1"/>
+          </a:fontRef>
+        </p:style>
+        <p:txBody>
+          <a:bodyPr rtlCol="0" anchor="ctr"/>
+          <a:lstStyle/>
+          <a:p>
+            <a:pPr algn="ctr"/>
+            <a:endParaRPr kumimoji="1" lang="ja-JP" altLang="en-US"/>
+          </a:p>
+        </p:txBody>
+      </p:sp>
     </p:spTree>
     <p:extLst>
       <p:ext uri="{BB962C8B-B14F-4D97-AF65-F5344CB8AC3E}">
         <p14:creationId xmlns:p14="http://schemas.microsoft.com/office/powerpoint/2010/main" val="1714534277"/>
+      </p:ext>
+    </p:extLst>
+  </p:cSld>
+  <p:clrMapOvr>
+    <a:masterClrMapping/>
+  </p:clrMapOvr>
+</p:sld>
+</file>
+
+<file path=ppt/slides/slide15.xml><?xml version="1.0" encoding="utf-8"?>
+<p:sld xmlns:a="http://schemas.openxmlformats.org/drawingml/2006/main" xmlns:r="http://schemas.openxmlformats.org/officeDocument/2006/relationships" xmlns:p="http://schemas.openxmlformats.org/presentationml/2006/main">
+  <p:cSld>
+    <p:spTree>
+      <p:nvGrpSpPr>
+        <p:cNvPr id="1" name=""/>
+        <p:cNvGrpSpPr/>
+        <p:nvPr/>
+      </p:nvGrpSpPr>
+      <p:grpSpPr>
+        <a:xfrm>
+          <a:off x="0" y="0"/>
+          <a:ext cx="0" cy="0"/>
+          <a:chOff x="0" y="0"/>
+          <a:chExt cx="0" cy="0"/>
+        </a:xfrm>
+      </p:grpSpPr>
+      <p:sp>
+        <p:nvSpPr>
+          <p:cNvPr id="2" name="テキスト プレースホルダー 1">
+            <a:extLst>
+              <a:ext uri="{FF2B5EF4-FFF2-40B4-BE49-F238E27FC236}">
+                <a16:creationId xmlns:a16="http://schemas.microsoft.com/office/drawing/2014/main" id="{BE4BE97D-FF22-7C73-B97E-95E0C2481E22}"/>
+              </a:ext>
+            </a:extLst>
+          </p:cNvPr>
+          <p:cNvSpPr>
+            <a:spLocks noGrp="1"/>
+          </p:cNvSpPr>
+          <p:nvPr>
+            <p:ph type="body" sz="quarter" idx="10"/>
+          </p:nvPr>
+        </p:nvSpPr>
+        <p:spPr/>
+        <p:txBody>
+          <a:bodyPr/>
+          <a:lstStyle/>
+          <a:p>
+            <a:r>
+              <a:rPr lang="ja-JP" altLang="en-US"/>
+              <a:t>分子動力学法における温度</a:t>
+            </a:r>
+            <a:endParaRPr kumimoji="1" lang="ja-JP" altLang="en-US"/>
+          </a:p>
+        </p:txBody>
+      </p:sp>
+      <mc:AlternateContent xmlns:mc="http://schemas.openxmlformats.org/markup-compatibility/2006">
+        <mc:Choice xmlns:a14="http://schemas.microsoft.com/office/drawing/2010/main" Requires="a14">
+          <p:sp>
+            <p:nvSpPr>
+              <p:cNvPr id="3" name="テキスト ボックス 2">
+                <a:extLst>
+                  <a:ext uri="{FF2B5EF4-FFF2-40B4-BE49-F238E27FC236}">
+                    <a16:creationId xmlns:a16="http://schemas.microsoft.com/office/drawing/2014/main" id="{3AC02551-FA35-D837-0887-057204FE4031}"/>
+                  </a:ext>
+                </a:extLst>
+              </p:cNvPr>
+              <p:cNvSpPr txBox="1"/>
+              <p:nvPr/>
+            </p:nvSpPr>
+            <p:spPr>
+              <a:xfrm>
+                <a:off x="467544" y="1196752"/>
+                <a:ext cx="5334666" cy="523220"/>
+              </a:xfrm>
+              <a:prstGeom prst="rect">
+                <a:avLst/>
+              </a:prstGeom>
+              <a:noFill/>
+            </p:spPr>
+            <p:txBody>
+              <a:bodyPr wrap="none" rtlCol="0">
+                <a:spAutoFit/>
+              </a:bodyPr>
+              <a:lstStyle/>
+              <a:p>
+                <a:r>
+                  <a:rPr lang="ja-JP" altLang="en-US" sz="2800"/>
+                  <a:t>温度</a:t>
+                </a:r>
+                <a14:m>
+                  <m:oMath xmlns:m="http://schemas.openxmlformats.org/officeDocument/2006/math">
+                    <m:r>
+                      <a:rPr lang="en-US" altLang="ja-JP" sz="2800" b="0" i="1" smtClean="0">
+                        <a:latin typeface="Cambria Math" panose="02040503050406030204" pitchFamily="18" charset="0"/>
+                      </a:rPr>
+                      <m:t>𝑇</m:t>
+                    </m:r>
+                  </m:oMath>
+                </a14:m>
+                <a:r>
+                  <a:rPr lang="ja-JP" altLang="en-US" sz="2800"/>
+                  <a:t>は運動エネルギー</a:t>
+                </a:r>
+                <a14:m>
+                  <m:oMath xmlns:m="http://schemas.openxmlformats.org/officeDocument/2006/math">
+                    <m:r>
+                      <a:rPr lang="en-US" altLang="ja-JP" sz="2800" b="0" i="1" smtClean="0">
+                        <a:latin typeface="Cambria Math" panose="02040503050406030204" pitchFamily="18" charset="0"/>
+                      </a:rPr>
+                      <m:t>𝐾</m:t>
+                    </m:r>
+                  </m:oMath>
+                </a14:m>
+                <a:r>
+                  <a:rPr lang="ja-JP" altLang="en-US" sz="2800"/>
+                  <a:t>に比例</a:t>
+                </a:r>
+                <a:endParaRPr kumimoji="1" lang="ja-JP" altLang="en-US" sz="2800"/>
+              </a:p>
+            </p:txBody>
+          </p:sp>
+        </mc:Choice>
+        <mc:Fallback>
+          <p:sp>
+            <p:nvSpPr>
+              <p:cNvPr id="3" name="テキスト ボックス 2">
+                <a:extLst>
+                  <a:ext uri="{FF2B5EF4-FFF2-40B4-BE49-F238E27FC236}">
+                    <a16:creationId xmlns:a16="http://schemas.microsoft.com/office/drawing/2014/main" id="{3AC02551-FA35-D837-0887-057204FE4031}"/>
+                  </a:ext>
+                </a:extLst>
+              </p:cNvPr>
+              <p:cNvSpPr txBox="1">
+                <a:spLocks noRot="1" noChangeAspect="1" noMove="1" noResize="1" noEditPoints="1" noAdjustHandles="1" noChangeArrowheads="1" noChangeShapeType="1" noTextEdit="1"/>
+              </p:cNvSpPr>
+              <p:nvPr/>
+            </p:nvSpPr>
+            <p:spPr>
+              <a:xfrm>
+                <a:off x="467544" y="1196752"/>
+                <a:ext cx="5334666" cy="523220"/>
+              </a:xfrm>
+              <a:prstGeom prst="rect">
+                <a:avLst/>
+              </a:prstGeom>
+              <a:blipFill>
+                <a:blip r:embed="rId2"/>
+                <a:stretch>
+                  <a:fillRect l="-2400" t="-15116" r="-1257" b="-27907"/>
+                </a:stretch>
+              </a:blipFill>
+            </p:spPr>
+            <p:txBody>
+              <a:bodyPr/>
+              <a:lstStyle/>
+              <a:p>
+                <a:r>
+                  <a:rPr lang="ja-JP" altLang="en-US">
+                    <a:noFill/>
+                  </a:rPr>
+                  <a:t> </a:t>
+                </a:r>
+              </a:p>
+            </p:txBody>
+          </p:sp>
+        </mc:Fallback>
+      </mc:AlternateContent>
+      <mc:AlternateContent xmlns:mc="http://schemas.openxmlformats.org/markup-compatibility/2006">
+        <mc:Choice xmlns:a14="http://schemas.microsoft.com/office/drawing/2010/main" Requires="a14">
+          <p:sp>
+            <p:nvSpPr>
+              <p:cNvPr id="4" name="テキスト ボックス 3">
+                <a:extLst>
+                  <a:ext uri="{FF2B5EF4-FFF2-40B4-BE49-F238E27FC236}">
+                    <a16:creationId xmlns:a16="http://schemas.microsoft.com/office/drawing/2014/main" id="{C1917905-B24B-5FAC-7D31-42DDB278154E}"/>
+                  </a:ext>
+                </a:extLst>
+              </p:cNvPr>
+              <p:cNvSpPr txBox="1"/>
+              <p:nvPr/>
+            </p:nvSpPr>
+            <p:spPr>
+              <a:xfrm>
+                <a:off x="2555776" y="1844824"/>
+                <a:ext cx="1852430" cy="1017523"/>
+              </a:xfrm>
+              <a:prstGeom prst="rect">
+                <a:avLst/>
+              </a:prstGeom>
+              <a:noFill/>
+            </p:spPr>
+            <p:txBody>
+              <a:bodyPr wrap="none" rtlCol="0">
+                <a:spAutoFit/>
+              </a:bodyPr>
+              <a:lstStyle/>
+              <a:p>
+                <a14:m>
+                  <m:oMathPara xmlns:m="http://schemas.openxmlformats.org/officeDocument/2006/math">
+                    <m:oMathParaPr>
+                      <m:jc m:val="centerGroup"/>
+                    </m:oMathParaPr>
+                    <m:oMath xmlns:m="http://schemas.openxmlformats.org/officeDocument/2006/math">
+                      <m:r>
+                        <a:rPr kumimoji="1" lang="en-US" altLang="ja-JP" sz="3200" b="0" i="1" smtClean="0">
+                          <a:latin typeface="Cambria Math" panose="02040503050406030204" pitchFamily="18" charset="0"/>
+                        </a:rPr>
+                        <m:t>𝑇</m:t>
+                      </m:r>
+                      <m:r>
+                        <a:rPr kumimoji="1" lang="en-US" altLang="ja-JP" sz="3200" b="0" i="1" smtClean="0">
+                          <a:latin typeface="Cambria Math" panose="02040503050406030204" pitchFamily="18" charset="0"/>
+                        </a:rPr>
+                        <m:t>=</m:t>
+                      </m:r>
+                      <m:f>
+                        <m:fPr>
+                          <m:ctrlPr>
+                            <a:rPr kumimoji="1" lang="en-US" altLang="ja-JP" sz="3200" b="0" i="1" smtClean="0">
+                              <a:latin typeface="Cambria Math" panose="02040503050406030204" pitchFamily="18" charset="0"/>
+                            </a:rPr>
+                          </m:ctrlPr>
+                        </m:fPr>
+                        <m:num>
+                          <m:r>
+                            <a:rPr kumimoji="1" lang="en-US" altLang="ja-JP" sz="3200" b="0" i="1" smtClean="0">
+                              <a:latin typeface="Cambria Math" panose="02040503050406030204" pitchFamily="18" charset="0"/>
+                            </a:rPr>
+                            <m:t>2</m:t>
+                          </m:r>
+                          <m:r>
+                            <a:rPr kumimoji="1" lang="en-US" altLang="ja-JP" sz="3200" b="0" i="1" smtClean="0">
+                              <a:latin typeface="Cambria Math" panose="02040503050406030204" pitchFamily="18" charset="0"/>
+                            </a:rPr>
+                            <m:t>𝐾</m:t>
+                          </m:r>
+                        </m:num>
+                        <m:den>
+                          <m:r>
+                            <a:rPr kumimoji="1" lang="en-US" altLang="ja-JP" sz="3200" b="0" i="1" smtClean="0">
+                              <a:latin typeface="Cambria Math" panose="02040503050406030204" pitchFamily="18" charset="0"/>
+                            </a:rPr>
+                            <m:t>3</m:t>
+                          </m:r>
+                          <m:r>
+                            <a:rPr kumimoji="1" lang="en-US" altLang="ja-JP" sz="3200" b="0" i="1" smtClean="0">
+                              <a:latin typeface="Cambria Math" panose="02040503050406030204" pitchFamily="18" charset="0"/>
+                            </a:rPr>
+                            <m:t>𝑁𝑘</m:t>
+                          </m:r>
+                        </m:den>
+                      </m:f>
+                    </m:oMath>
+                  </m:oMathPara>
+                </a14:m>
+                <a:endParaRPr kumimoji="1" lang="ja-JP" altLang="en-US" sz="3200"/>
+              </a:p>
+            </p:txBody>
+          </p:sp>
+        </mc:Choice>
+        <mc:Fallback>
+          <p:sp>
+            <p:nvSpPr>
+              <p:cNvPr id="4" name="テキスト ボックス 3">
+                <a:extLst>
+                  <a:ext uri="{FF2B5EF4-FFF2-40B4-BE49-F238E27FC236}">
+                    <a16:creationId xmlns:a16="http://schemas.microsoft.com/office/drawing/2014/main" id="{C1917905-B24B-5FAC-7D31-42DDB278154E}"/>
+                  </a:ext>
+                </a:extLst>
+              </p:cNvPr>
+              <p:cNvSpPr txBox="1">
+                <a:spLocks noRot="1" noChangeAspect="1" noMove="1" noResize="1" noEditPoints="1" noAdjustHandles="1" noChangeArrowheads="1" noChangeShapeType="1" noTextEdit="1"/>
+              </p:cNvSpPr>
+              <p:nvPr/>
+            </p:nvSpPr>
+            <p:spPr>
+              <a:xfrm>
+                <a:off x="2555776" y="1844824"/>
+                <a:ext cx="1852430" cy="1017523"/>
+              </a:xfrm>
+              <a:prstGeom prst="rect">
+                <a:avLst/>
+              </a:prstGeom>
+              <a:blipFill>
+                <a:blip r:embed="rId3"/>
+                <a:stretch>
+                  <a:fillRect/>
+                </a:stretch>
+              </a:blipFill>
+            </p:spPr>
+            <p:txBody>
+              <a:bodyPr/>
+              <a:lstStyle/>
+              <a:p>
+                <a:r>
+                  <a:rPr lang="ja-JP" altLang="en-US">
+                    <a:noFill/>
+                  </a:rPr>
+                  <a:t> </a:t>
+                </a:r>
+              </a:p>
+            </p:txBody>
+          </p:sp>
+        </mc:Fallback>
+      </mc:AlternateContent>
+      <mc:AlternateContent xmlns:mc="http://schemas.openxmlformats.org/markup-compatibility/2006">
+        <mc:Choice xmlns:a14="http://schemas.microsoft.com/office/drawing/2010/main" Requires="a14">
+          <p:sp>
+            <p:nvSpPr>
+              <p:cNvPr id="5" name="テキスト ボックス 4">
+                <a:extLst>
+                  <a:ext uri="{FF2B5EF4-FFF2-40B4-BE49-F238E27FC236}">
+                    <a16:creationId xmlns:a16="http://schemas.microsoft.com/office/drawing/2014/main" id="{0B9FFA2B-A0F1-248E-817F-52186B97CA17}"/>
+                  </a:ext>
+                </a:extLst>
+              </p:cNvPr>
+              <p:cNvSpPr txBox="1"/>
+              <p:nvPr/>
+            </p:nvSpPr>
+            <p:spPr>
+              <a:xfrm>
+                <a:off x="5220072" y="1988840"/>
+                <a:ext cx="2816797" cy="830997"/>
+              </a:xfrm>
+              <a:prstGeom prst="rect">
+                <a:avLst/>
+              </a:prstGeom>
+              <a:noFill/>
+            </p:spPr>
+            <p:txBody>
+              <a:bodyPr wrap="none" rtlCol="0">
+                <a:spAutoFit/>
+              </a:bodyPr>
+              <a:lstStyle/>
+              <a:p>
+                <a14:m>
+                  <m:oMath xmlns:m="http://schemas.openxmlformats.org/officeDocument/2006/math">
+                    <m:r>
+                      <a:rPr kumimoji="1" lang="en-US" altLang="ja-JP" sz="2400" b="0" i="1" smtClean="0">
+                        <a:latin typeface="Cambria Math" panose="02040503050406030204" pitchFamily="18" charset="0"/>
+                      </a:rPr>
+                      <m:t>𝑁</m:t>
+                    </m:r>
+                  </m:oMath>
+                </a14:m>
+                <a:r>
+                  <a:rPr kumimoji="1" lang="ja-JP" altLang="en-US" sz="2400"/>
+                  <a:t>：粒子数</a:t>
+                </a:r>
+                <a:endParaRPr kumimoji="1" lang="en-US" altLang="ja-JP" sz="2400"/>
+              </a:p>
+              <a:p>
+                <a14:m>
+                  <m:oMath xmlns:m="http://schemas.openxmlformats.org/officeDocument/2006/math">
+                    <m:r>
+                      <a:rPr kumimoji="1" lang="en-US" altLang="ja-JP" sz="2400" b="0" i="1" smtClean="0">
+                        <a:latin typeface="Cambria Math" panose="02040503050406030204" pitchFamily="18" charset="0"/>
+                      </a:rPr>
+                      <m:t>𝑘</m:t>
+                    </m:r>
+                    <m:r>
+                      <a:rPr lang="ja-JP" altLang="en-US" sz="2400" i="1">
+                        <a:latin typeface="Cambria Math" panose="02040503050406030204" pitchFamily="18" charset="0"/>
+                      </a:rPr>
+                      <m:t>：</m:t>
+                    </m:r>
+                  </m:oMath>
+                </a14:m>
+                <a:r>
+                  <a:rPr kumimoji="1" lang="ja-JP" altLang="en-US" sz="2400"/>
+                  <a:t>ボルツマン定数</a:t>
+                </a:r>
+              </a:p>
+            </p:txBody>
+          </p:sp>
+        </mc:Choice>
+        <mc:Fallback>
+          <p:sp>
+            <p:nvSpPr>
+              <p:cNvPr id="5" name="テキスト ボックス 4">
+                <a:extLst>
+                  <a:ext uri="{FF2B5EF4-FFF2-40B4-BE49-F238E27FC236}">
+                    <a16:creationId xmlns:a16="http://schemas.microsoft.com/office/drawing/2014/main" id="{0B9FFA2B-A0F1-248E-817F-52186B97CA17}"/>
+                  </a:ext>
+                </a:extLst>
+              </p:cNvPr>
+              <p:cNvSpPr txBox="1">
+                <a:spLocks noRot="1" noChangeAspect="1" noMove="1" noResize="1" noEditPoints="1" noAdjustHandles="1" noChangeArrowheads="1" noChangeShapeType="1" noTextEdit="1"/>
+              </p:cNvSpPr>
+              <p:nvPr/>
+            </p:nvSpPr>
+            <p:spPr>
+              <a:xfrm>
+                <a:off x="5220072" y="1988840"/>
+                <a:ext cx="2816797" cy="830997"/>
+              </a:xfrm>
+              <a:prstGeom prst="rect">
+                <a:avLst/>
+              </a:prstGeom>
+              <a:blipFill>
+                <a:blip r:embed="rId4"/>
+                <a:stretch>
+                  <a:fillRect l="-649" t="-8029" r="-2597" b="-13139"/>
+                </a:stretch>
+              </a:blipFill>
+            </p:spPr>
+            <p:txBody>
+              <a:bodyPr/>
+              <a:lstStyle/>
+              <a:p>
+                <a:r>
+                  <a:rPr lang="ja-JP" altLang="en-US">
+                    <a:noFill/>
+                  </a:rPr>
+                  <a:t> </a:t>
+                </a:r>
+              </a:p>
+            </p:txBody>
+          </p:sp>
+        </mc:Fallback>
+      </mc:AlternateContent>
+      <mc:AlternateContent xmlns:mc="http://schemas.openxmlformats.org/markup-compatibility/2006">
+        <mc:Choice xmlns:a14="http://schemas.microsoft.com/office/drawing/2010/main" Requires="a14">
+          <p:sp>
+            <p:nvSpPr>
+              <p:cNvPr id="6" name="テキスト ボックス 5">
+                <a:extLst>
+                  <a:ext uri="{FF2B5EF4-FFF2-40B4-BE49-F238E27FC236}">
+                    <a16:creationId xmlns:a16="http://schemas.microsoft.com/office/drawing/2014/main" id="{9FDF1CA0-0C9B-C1B8-24DC-BF4434D5D9D8}"/>
+                  </a:ext>
+                </a:extLst>
+              </p:cNvPr>
+              <p:cNvSpPr txBox="1"/>
+              <p:nvPr/>
+            </p:nvSpPr>
+            <p:spPr>
+              <a:xfrm>
+                <a:off x="395536" y="2996952"/>
+                <a:ext cx="5831725" cy="523220"/>
+              </a:xfrm>
+              <a:prstGeom prst="rect">
+                <a:avLst/>
+              </a:prstGeom>
+              <a:noFill/>
+            </p:spPr>
+            <p:txBody>
+              <a:bodyPr wrap="none" rtlCol="0">
+                <a:spAutoFit/>
+              </a:bodyPr>
+              <a:lstStyle/>
+              <a:p>
+                <a:r>
+                  <a:rPr lang="ja-JP" altLang="en-US" sz="2800"/>
+                  <a:t>運動エネルギー</a:t>
+                </a:r>
+                <a14:m>
+                  <m:oMath xmlns:m="http://schemas.openxmlformats.org/officeDocument/2006/math">
+                    <m:r>
+                      <a:rPr lang="en-US" altLang="ja-JP" sz="2800" b="0" i="1" smtClean="0">
+                        <a:latin typeface="Cambria Math" panose="02040503050406030204" pitchFamily="18" charset="0"/>
+                      </a:rPr>
+                      <m:t>𝐾</m:t>
+                    </m:r>
+                  </m:oMath>
+                </a14:m>
+                <a:r>
+                  <a:rPr lang="ja-JP" altLang="en-US" sz="2800" b="0"/>
+                  <a:t>は運動量の二乗和</a:t>
+                </a:r>
+                <a:endParaRPr lang="en-US" altLang="ja-JP" sz="2800" b="0"/>
+              </a:p>
+            </p:txBody>
+          </p:sp>
+        </mc:Choice>
+        <mc:Fallback>
+          <p:sp>
+            <p:nvSpPr>
+              <p:cNvPr id="6" name="テキスト ボックス 5">
+                <a:extLst>
+                  <a:ext uri="{FF2B5EF4-FFF2-40B4-BE49-F238E27FC236}">
+                    <a16:creationId xmlns:a16="http://schemas.microsoft.com/office/drawing/2014/main" id="{9FDF1CA0-0C9B-C1B8-24DC-BF4434D5D9D8}"/>
+                  </a:ext>
+                </a:extLst>
+              </p:cNvPr>
+              <p:cNvSpPr txBox="1">
+                <a:spLocks noRot="1" noChangeAspect="1" noMove="1" noResize="1" noEditPoints="1" noAdjustHandles="1" noChangeArrowheads="1" noChangeShapeType="1" noTextEdit="1"/>
+              </p:cNvSpPr>
+              <p:nvPr/>
+            </p:nvSpPr>
+            <p:spPr>
+              <a:xfrm>
+                <a:off x="395536" y="2996952"/>
+                <a:ext cx="5831725" cy="523220"/>
+              </a:xfrm>
+              <a:prstGeom prst="rect">
+                <a:avLst/>
+              </a:prstGeom>
+              <a:blipFill>
+                <a:blip r:embed="rId5"/>
+                <a:stretch>
+                  <a:fillRect l="-2194" t="-16471" r="-1045" b="-29412"/>
+                </a:stretch>
+              </a:blipFill>
+            </p:spPr>
+            <p:txBody>
+              <a:bodyPr/>
+              <a:lstStyle/>
+              <a:p>
+                <a:r>
+                  <a:rPr lang="ja-JP" altLang="en-US">
+                    <a:noFill/>
+                  </a:rPr>
+                  <a:t> </a:t>
+                </a:r>
+              </a:p>
+            </p:txBody>
+          </p:sp>
+        </mc:Fallback>
+      </mc:AlternateContent>
+      <mc:AlternateContent xmlns:mc="http://schemas.openxmlformats.org/markup-compatibility/2006">
+        <mc:Choice xmlns:a14="http://schemas.microsoft.com/office/drawing/2010/main" Requires="a14">
+          <p:sp>
+            <p:nvSpPr>
+              <p:cNvPr id="7" name="テキスト ボックス 6">
+                <a:extLst>
+                  <a:ext uri="{FF2B5EF4-FFF2-40B4-BE49-F238E27FC236}">
+                    <a16:creationId xmlns:a16="http://schemas.microsoft.com/office/drawing/2014/main" id="{C2704026-CECF-5408-EC8E-2D5411B5615E}"/>
+                  </a:ext>
+                </a:extLst>
+              </p:cNvPr>
+              <p:cNvSpPr txBox="1"/>
+              <p:nvPr/>
+            </p:nvSpPr>
+            <p:spPr>
+              <a:xfrm>
+                <a:off x="2555776" y="3501008"/>
+                <a:ext cx="2323713" cy="1344920"/>
+              </a:xfrm>
+              <a:prstGeom prst="rect">
+                <a:avLst/>
+              </a:prstGeom>
+              <a:noFill/>
+            </p:spPr>
+            <p:txBody>
+              <a:bodyPr wrap="none" rtlCol="0">
+                <a:spAutoFit/>
+              </a:bodyPr>
+              <a:lstStyle/>
+              <a:p>
+                <a14:m>
+                  <m:oMathPara xmlns:m="http://schemas.openxmlformats.org/officeDocument/2006/math">
+                    <m:oMathParaPr>
+                      <m:jc m:val="centerGroup"/>
+                    </m:oMathParaPr>
+                    <m:oMath xmlns:m="http://schemas.openxmlformats.org/officeDocument/2006/math">
+                      <m:r>
+                        <a:rPr kumimoji="1" lang="en-US" altLang="ja-JP" sz="3200" b="0" i="1" smtClean="0">
+                          <a:latin typeface="Cambria Math" panose="02040503050406030204" pitchFamily="18" charset="0"/>
+                        </a:rPr>
+                        <m:t>𝐾</m:t>
+                      </m:r>
+                      <m:r>
+                        <a:rPr kumimoji="1" lang="en-US" altLang="ja-JP" sz="3200" b="0" i="1" smtClean="0">
+                          <a:latin typeface="Cambria Math" panose="02040503050406030204" pitchFamily="18" charset="0"/>
+                        </a:rPr>
+                        <m:t>=</m:t>
+                      </m:r>
+                      <m:nary>
+                        <m:naryPr>
+                          <m:chr m:val="∑"/>
+                          <m:supHide m:val="on"/>
+                          <m:ctrlPr>
+                            <a:rPr kumimoji="1" lang="en-US" altLang="ja-JP" sz="3200" b="0" i="1" smtClean="0">
+                              <a:latin typeface="Cambria Math" panose="02040503050406030204" pitchFamily="18" charset="0"/>
+                            </a:rPr>
+                          </m:ctrlPr>
+                        </m:naryPr>
+                        <m:sub>
+                          <m:r>
+                            <a:rPr kumimoji="1" lang="en-US" altLang="ja-JP" sz="3200" b="0" i="1" smtClean="0">
+                              <a:latin typeface="Cambria Math" panose="02040503050406030204" pitchFamily="18" charset="0"/>
+                            </a:rPr>
+                            <m:t>𝑖</m:t>
+                          </m:r>
+                        </m:sub>
+                        <m:sup/>
+                        <m:e>
+                          <m:f>
+                            <m:fPr>
+                              <m:ctrlPr>
+                                <a:rPr kumimoji="1" lang="en-US" altLang="ja-JP" sz="3200" b="0" i="1" smtClean="0">
+                                  <a:latin typeface="Cambria Math" panose="02040503050406030204" pitchFamily="18" charset="0"/>
+                                </a:rPr>
+                              </m:ctrlPr>
+                            </m:fPr>
+                            <m:num>
+                              <m:sSubSup>
+                                <m:sSubSupPr>
+                                  <m:ctrlPr>
+                                    <a:rPr kumimoji="1" lang="en-US" altLang="ja-JP" sz="3200" b="0" i="1" smtClean="0">
+                                      <a:latin typeface="Cambria Math" panose="02040503050406030204" pitchFamily="18" charset="0"/>
+                                    </a:rPr>
+                                  </m:ctrlPr>
+                                </m:sSubSupPr>
+                                <m:e>
+                                  <m:r>
+                                    <a:rPr kumimoji="1" lang="en-US" altLang="ja-JP" sz="3200" b="0" i="1" smtClean="0">
+                                      <a:latin typeface="Cambria Math" panose="02040503050406030204" pitchFamily="18" charset="0"/>
+                                    </a:rPr>
+                                    <m:t>𝑝</m:t>
+                                  </m:r>
+                                </m:e>
+                                <m:sub>
+                                  <m:r>
+                                    <a:rPr kumimoji="1" lang="en-US" altLang="ja-JP" sz="3200" b="0" i="1" smtClean="0">
+                                      <a:latin typeface="Cambria Math" panose="02040503050406030204" pitchFamily="18" charset="0"/>
+                                    </a:rPr>
+                                    <m:t>𝑖</m:t>
+                                  </m:r>
+                                </m:sub>
+                                <m:sup>
+                                  <m:r>
+                                    <a:rPr kumimoji="1" lang="en-US" altLang="ja-JP" sz="3200" b="0" i="1" smtClean="0">
+                                      <a:latin typeface="Cambria Math" panose="02040503050406030204" pitchFamily="18" charset="0"/>
+                                    </a:rPr>
+                                    <m:t>2</m:t>
+                                  </m:r>
+                                </m:sup>
+                              </m:sSubSup>
+                            </m:num>
+                            <m:den>
+                              <m:r>
+                                <a:rPr kumimoji="1" lang="en-US" altLang="ja-JP" sz="3200" b="0" i="1" smtClean="0">
+                                  <a:latin typeface="Cambria Math" panose="02040503050406030204" pitchFamily="18" charset="0"/>
+                                </a:rPr>
+                                <m:t>2</m:t>
+                              </m:r>
+                              <m:r>
+                                <a:rPr kumimoji="1" lang="en-US" altLang="ja-JP" sz="3200" b="0" i="1" smtClean="0">
+                                  <a:latin typeface="Cambria Math" panose="02040503050406030204" pitchFamily="18" charset="0"/>
+                                </a:rPr>
+                                <m:t>𝑚</m:t>
+                              </m:r>
+                            </m:den>
+                          </m:f>
+                        </m:e>
+                      </m:nary>
+                    </m:oMath>
+                  </m:oMathPara>
+                </a14:m>
+                <a:endParaRPr kumimoji="1" lang="ja-JP" altLang="en-US" sz="3200"/>
+              </a:p>
+            </p:txBody>
+          </p:sp>
+        </mc:Choice>
+        <mc:Fallback>
+          <p:sp>
+            <p:nvSpPr>
+              <p:cNvPr id="7" name="テキスト ボックス 6">
+                <a:extLst>
+                  <a:ext uri="{FF2B5EF4-FFF2-40B4-BE49-F238E27FC236}">
+                    <a16:creationId xmlns:a16="http://schemas.microsoft.com/office/drawing/2014/main" id="{C2704026-CECF-5408-EC8E-2D5411B5615E}"/>
+                  </a:ext>
+                </a:extLst>
+              </p:cNvPr>
+              <p:cNvSpPr txBox="1">
+                <a:spLocks noRot="1" noChangeAspect="1" noMove="1" noResize="1" noEditPoints="1" noAdjustHandles="1" noChangeArrowheads="1" noChangeShapeType="1" noTextEdit="1"/>
+              </p:cNvSpPr>
+              <p:nvPr/>
+            </p:nvSpPr>
+            <p:spPr>
+              <a:xfrm>
+                <a:off x="2555776" y="3501008"/>
+                <a:ext cx="2323713" cy="1344920"/>
+              </a:xfrm>
+              <a:prstGeom prst="rect">
+                <a:avLst/>
+              </a:prstGeom>
+              <a:blipFill>
+                <a:blip r:embed="rId6"/>
+                <a:stretch>
+                  <a:fillRect/>
+                </a:stretch>
+              </a:blipFill>
+            </p:spPr>
+            <p:txBody>
+              <a:bodyPr/>
+              <a:lstStyle/>
+              <a:p>
+                <a:r>
+                  <a:rPr lang="ja-JP" altLang="en-US">
+                    <a:noFill/>
+                  </a:rPr>
+                  <a:t> </a:t>
+                </a:r>
+              </a:p>
+            </p:txBody>
+          </p:sp>
+        </mc:Fallback>
+      </mc:AlternateContent>
+      <p:sp>
+        <p:nvSpPr>
+          <p:cNvPr id="8" name="テキスト ボックス 7">
+            <a:extLst>
+              <a:ext uri="{FF2B5EF4-FFF2-40B4-BE49-F238E27FC236}">
+                <a16:creationId xmlns:a16="http://schemas.microsoft.com/office/drawing/2014/main" id="{209714DD-B775-FBBE-160F-3A27011161DA}"/>
+              </a:ext>
+            </a:extLst>
+          </p:cNvPr>
+          <p:cNvSpPr txBox="1"/>
+          <p:nvPr/>
+        </p:nvSpPr>
+        <p:spPr>
+          <a:xfrm>
+            <a:off x="467544" y="4797152"/>
+            <a:ext cx="1620957" cy="523220"/>
+          </a:xfrm>
+          <a:prstGeom prst="rect">
+            <a:avLst/>
+          </a:prstGeom>
+          <a:noFill/>
+        </p:spPr>
+        <p:txBody>
+          <a:bodyPr wrap="none" rtlCol="0">
+            <a:spAutoFit/>
+          </a:bodyPr>
+          <a:lstStyle/>
+          <a:p>
+            <a:r>
+              <a:rPr lang="ja-JP" altLang="en-US" sz="2800" b="0"/>
+              <a:t>以上から</a:t>
+            </a:r>
+            <a:endParaRPr lang="en-US" altLang="ja-JP" sz="2800" b="0"/>
+          </a:p>
+        </p:txBody>
+      </p:sp>
+      <mc:AlternateContent xmlns:mc="http://schemas.openxmlformats.org/markup-compatibility/2006">
+        <mc:Choice xmlns:a14="http://schemas.microsoft.com/office/drawing/2010/main" Requires="a14">
+          <p:sp>
+            <p:nvSpPr>
+              <p:cNvPr id="9" name="テキスト ボックス 8">
+                <a:extLst>
+                  <a:ext uri="{FF2B5EF4-FFF2-40B4-BE49-F238E27FC236}">
+                    <a16:creationId xmlns:a16="http://schemas.microsoft.com/office/drawing/2014/main" id="{1F061341-CC39-33A0-2C10-785F9BCF6E26}"/>
+                  </a:ext>
+                </a:extLst>
+              </p:cNvPr>
+              <p:cNvSpPr txBox="1"/>
+              <p:nvPr/>
+            </p:nvSpPr>
+            <p:spPr>
+              <a:xfrm>
+                <a:off x="2483768" y="5301208"/>
+                <a:ext cx="3112519" cy="1344920"/>
+              </a:xfrm>
+              <a:prstGeom prst="rect">
+                <a:avLst/>
+              </a:prstGeom>
+              <a:noFill/>
+            </p:spPr>
+            <p:txBody>
+              <a:bodyPr wrap="none" rtlCol="0">
+                <a:spAutoFit/>
+              </a:bodyPr>
+              <a:lstStyle/>
+              <a:p>
+                <a14:m>
+                  <m:oMathPara xmlns:m="http://schemas.openxmlformats.org/officeDocument/2006/math">
+                    <m:oMathParaPr>
+                      <m:jc m:val="centerGroup"/>
+                    </m:oMathParaPr>
+                    <m:oMath xmlns:m="http://schemas.openxmlformats.org/officeDocument/2006/math">
+                      <m:r>
+                        <a:rPr kumimoji="1" lang="en-US" altLang="ja-JP" sz="3200" b="0" i="1" smtClean="0">
+                          <a:latin typeface="Cambria Math" panose="02040503050406030204" pitchFamily="18" charset="0"/>
+                        </a:rPr>
+                        <m:t>𝑇</m:t>
+                      </m:r>
+                      <m:r>
+                        <a:rPr kumimoji="1" lang="en-US" altLang="ja-JP" sz="3200" b="0" i="1" smtClean="0">
+                          <a:latin typeface="Cambria Math" panose="02040503050406030204" pitchFamily="18" charset="0"/>
+                        </a:rPr>
+                        <m:t>=</m:t>
+                      </m:r>
+                      <m:f>
+                        <m:fPr>
+                          <m:ctrlPr>
+                            <a:rPr kumimoji="1" lang="en-US" altLang="ja-JP" sz="3200" b="0" i="1" smtClean="0">
+                              <a:latin typeface="Cambria Math" panose="02040503050406030204" pitchFamily="18" charset="0"/>
+                            </a:rPr>
+                          </m:ctrlPr>
+                        </m:fPr>
+                        <m:num>
+                          <m:r>
+                            <a:rPr kumimoji="1" lang="en-US" altLang="ja-JP" sz="3200" b="0" i="1" smtClean="0">
+                              <a:latin typeface="Cambria Math" panose="02040503050406030204" pitchFamily="18" charset="0"/>
+                            </a:rPr>
+                            <m:t>2</m:t>
+                          </m:r>
+                        </m:num>
+                        <m:den>
+                          <m:r>
+                            <a:rPr kumimoji="1" lang="en-US" altLang="ja-JP" sz="3200" b="0" i="1" smtClean="0">
+                              <a:latin typeface="Cambria Math" panose="02040503050406030204" pitchFamily="18" charset="0"/>
+                            </a:rPr>
+                            <m:t>3</m:t>
+                          </m:r>
+                          <m:r>
+                            <a:rPr kumimoji="1" lang="en-US" altLang="ja-JP" sz="3200" b="0" i="1" smtClean="0">
+                              <a:latin typeface="Cambria Math" panose="02040503050406030204" pitchFamily="18" charset="0"/>
+                            </a:rPr>
+                            <m:t>𝑁𝑘</m:t>
+                          </m:r>
+                        </m:den>
+                      </m:f>
+                      <m:nary>
+                        <m:naryPr>
+                          <m:chr m:val="∑"/>
+                          <m:supHide m:val="on"/>
+                          <m:ctrlPr>
+                            <a:rPr kumimoji="1" lang="en-US" altLang="ja-JP" sz="3200" b="0" i="1" smtClean="0">
+                              <a:latin typeface="Cambria Math" panose="02040503050406030204" pitchFamily="18" charset="0"/>
+                            </a:rPr>
+                          </m:ctrlPr>
+                        </m:naryPr>
+                        <m:sub>
+                          <m:r>
+                            <a:rPr kumimoji="1" lang="en-US" altLang="ja-JP" sz="3200" b="0" i="1" smtClean="0">
+                              <a:latin typeface="Cambria Math" panose="02040503050406030204" pitchFamily="18" charset="0"/>
+                            </a:rPr>
+                            <m:t>𝑖</m:t>
+                          </m:r>
+                        </m:sub>
+                        <m:sup/>
+                        <m:e>
+                          <m:f>
+                            <m:fPr>
+                              <m:ctrlPr>
+                                <a:rPr kumimoji="1" lang="en-US" altLang="ja-JP" sz="3200" b="0" i="1" smtClean="0">
+                                  <a:latin typeface="Cambria Math" panose="02040503050406030204" pitchFamily="18" charset="0"/>
+                                </a:rPr>
+                              </m:ctrlPr>
+                            </m:fPr>
+                            <m:num>
+                              <m:sSubSup>
+                                <m:sSubSupPr>
+                                  <m:ctrlPr>
+                                    <a:rPr kumimoji="1" lang="en-US" altLang="ja-JP" sz="3200" b="0" i="1" smtClean="0">
+                                      <a:latin typeface="Cambria Math" panose="02040503050406030204" pitchFamily="18" charset="0"/>
+                                    </a:rPr>
+                                  </m:ctrlPr>
+                                </m:sSubSupPr>
+                                <m:e>
+                                  <m:r>
+                                    <a:rPr kumimoji="1" lang="en-US" altLang="ja-JP" sz="3200" b="0" i="1" smtClean="0">
+                                      <a:latin typeface="Cambria Math" panose="02040503050406030204" pitchFamily="18" charset="0"/>
+                                    </a:rPr>
+                                    <m:t>𝑝</m:t>
+                                  </m:r>
+                                </m:e>
+                                <m:sub>
+                                  <m:r>
+                                    <a:rPr kumimoji="1" lang="en-US" altLang="ja-JP" sz="3200" b="0" i="1" smtClean="0">
+                                      <a:latin typeface="Cambria Math" panose="02040503050406030204" pitchFamily="18" charset="0"/>
+                                    </a:rPr>
+                                    <m:t>𝑖</m:t>
+                                  </m:r>
+                                </m:sub>
+                                <m:sup>
+                                  <m:r>
+                                    <a:rPr kumimoji="1" lang="en-US" altLang="ja-JP" sz="3200" b="0" i="1" smtClean="0">
+                                      <a:latin typeface="Cambria Math" panose="02040503050406030204" pitchFamily="18" charset="0"/>
+                                    </a:rPr>
+                                    <m:t>2</m:t>
+                                  </m:r>
+                                </m:sup>
+                              </m:sSubSup>
+                            </m:num>
+                            <m:den>
+                              <m:r>
+                                <a:rPr kumimoji="1" lang="en-US" altLang="ja-JP" sz="3200" b="0" i="1" smtClean="0">
+                                  <a:latin typeface="Cambria Math" panose="02040503050406030204" pitchFamily="18" charset="0"/>
+                                </a:rPr>
+                                <m:t>2</m:t>
+                              </m:r>
+                              <m:r>
+                                <a:rPr kumimoji="1" lang="en-US" altLang="ja-JP" sz="3200" b="0" i="1" smtClean="0">
+                                  <a:latin typeface="Cambria Math" panose="02040503050406030204" pitchFamily="18" charset="0"/>
+                                </a:rPr>
+                                <m:t>𝑚</m:t>
+                              </m:r>
+                            </m:den>
+                          </m:f>
+                        </m:e>
+                      </m:nary>
+                    </m:oMath>
+                  </m:oMathPara>
+                </a14:m>
+                <a:endParaRPr kumimoji="1" lang="ja-JP" altLang="en-US" sz="3200"/>
+              </a:p>
+            </p:txBody>
+          </p:sp>
+        </mc:Choice>
+        <mc:Fallback>
+          <p:sp>
+            <p:nvSpPr>
+              <p:cNvPr id="9" name="テキスト ボックス 8">
+                <a:extLst>
+                  <a:ext uri="{FF2B5EF4-FFF2-40B4-BE49-F238E27FC236}">
+                    <a16:creationId xmlns:a16="http://schemas.microsoft.com/office/drawing/2014/main" id="{1F061341-CC39-33A0-2C10-785F9BCF6E26}"/>
+                  </a:ext>
+                </a:extLst>
+              </p:cNvPr>
+              <p:cNvSpPr txBox="1">
+                <a:spLocks noRot="1" noChangeAspect="1" noMove="1" noResize="1" noEditPoints="1" noAdjustHandles="1" noChangeArrowheads="1" noChangeShapeType="1" noTextEdit="1"/>
+              </p:cNvSpPr>
+              <p:nvPr/>
+            </p:nvSpPr>
+            <p:spPr>
+              <a:xfrm>
+                <a:off x="2483768" y="5301208"/>
+                <a:ext cx="3112519" cy="1344920"/>
+              </a:xfrm>
+              <a:prstGeom prst="rect">
+                <a:avLst/>
+              </a:prstGeom>
+              <a:blipFill>
+                <a:blip r:embed="rId7"/>
+                <a:stretch>
+                  <a:fillRect/>
+                </a:stretch>
+              </a:blipFill>
+            </p:spPr>
+            <p:txBody>
+              <a:bodyPr/>
+              <a:lstStyle/>
+              <a:p>
+                <a:r>
+                  <a:rPr lang="ja-JP" altLang="en-US">
+                    <a:noFill/>
+                  </a:rPr>
+                  <a:t> </a:t>
+                </a:r>
+              </a:p>
+            </p:txBody>
+          </p:sp>
+        </mc:Fallback>
+      </mc:AlternateContent>
+    </p:spTree>
+    <p:extLst>
+      <p:ext uri="{BB962C8B-B14F-4D97-AF65-F5344CB8AC3E}">
+        <p14:creationId xmlns:p14="http://schemas.microsoft.com/office/powerpoint/2010/main" val="3159136469"/>
+      </p:ext>
+    </p:extLst>
+  </p:cSld>
+  <p:clrMapOvr>
+    <a:masterClrMapping/>
+  </p:clrMapOvr>
+</p:sld>
+</file>
+
+<file path=ppt/slides/slide16.xml><?xml version="1.0" encoding="utf-8"?>
+<p:sld xmlns:a="http://schemas.openxmlformats.org/drawingml/2006/main" xmlns:r="http://schemas.openxmlformats.org/officeDocument/2006/relationships" xmlns:p="http://schemas.openxmlformats.org/presentationml/2006/main">
+  <p:cSld>
+    <p:spTree>
+      <p:nvGrpSpPr>
+        <p:cNvPr id="1" name=""/>
+        <p:cNvGrpSpPr/>
+        <p:nvPr/>
+      </p:nvGrpSpPr>
+      <p:grpSpPr>
+        <a:xfrm>
+          <a:off x="0" y="0"/>
+          <a:ext cx="0" cy="0"/>
+          <a:chOff x="0" y="0"/>
+          <a:chExt cx="0" cy="0"/>
+        </a:xfrm>
+      </p:grpSpPr>
+      <p:sp>
+        <p:nvSpPr>
+          <p:cNvPr id="2" name="テキスト プレースホルダー 1">
+            <a:extLst>
+              <a:ext uri="{FF2B5EF4-FFF2-40B4-BE49-F238E27FC236}">
+                <a16:creationId xmlns:a16="http://schemas.microsoft.com/office/drawing/2014/main" id="{87830846-2CA9-7BC8-3C8C-5A93420B16DE}"/>
+              </a:ext>
+            </a:extLst>
+          </p:cNvPr>
+          <p:cNvSpPr>
+            <a:spLocks noGrp="1"/>
+          </p:cNvSpPr>
+          <p:nvPr>
+            <p:ph type="body" sz="quarter" idx="10"/>
+          </p:nvPr>
+        </p:nvSpPr>
+        <p:spPr/>
+        <p:txBody>
+          <a:bodyPr/>
+          <a:lstStyle/>
+          <a:p>
+            <a:r>
+              <a:rPr lang="ja-JP" altLang="en-US"/>
+              <a:t>分子動力学法における温度</a:t>
+            </a:r>
+            <a:endParaRPr kumimoji="1" lang="ja-JP" altLang="en-US"/>
+          </a:p>
+        </p:txBody>
+      </p:sp>
+      <mc:AlternateContent xmlns:mc="http://schemas.openxmlformats.org/markup-compatibility/2006">
+        <mc:Choice xmlns:a14="http://schemas.microsoft.com/office/drawing/2010/main" Requires="a14">
+          <p:sp>
+            <p:nvSpPr>
+              <p:cNvPr id="3" name="テキスト ボックス 2">
+                <a:extLst>
+                  <a:ext uri="{FF2B5EF4-FFF2-40B4-BE49-F238E27FC236}">
+                    <a16:creationId xmlns:a16="http://schemas.microsoft.com/office/drawing/2014/main" id="{168C3301-1E5B-8D9D-730B-720C0B05BF38}"/>
+                  </a:ext>
+                </a:extLst>
+              </p:cNvPr>
+              <p:cNvSpPr txBox="1"/>
+              <p:nvPr/>
+            </p:nvSpPr>
+            <p:spPr>
+              <a:xfrm>
+                <a:off x="2915816" y="1916832"/>
+                <a:ext cx="3112519" cy="1344920"/>
+              </a:xfrm>
+              <a:prstGeom prst="rect">
+                <a:avLst/>
+              </a:prstGeom>
+              <a:noFill/>
+            </p:spPr>
+            <p:txBody>
+              <a:bodyPr wrap="none" rtlCol="0">
+                <a:spAutoFit/>
+              </a:bodyPr>
+              <a:lstStyle/>
+              <a:p>
+                <a14:m>
+                  <m:oMathPara xmlns:m="http://schemas.openxmlformats.org/officeDocument/2006/math">
+                    <m:oMathParaPr>
+                      <m:jc m:val="centerGroup"/>
+                    </m:oMathParaPr>
+                    <m:oMath xmlns:m="http://schemas.openxmlformats.org/officeDocument/2006/math">
+                      <m:r>
+                        <a:rPr kumimoji="1" lang="en-US" altLang="ja-JP" sz="3200" b="0" i="1" smtClean="0">
+                          <a:latin typeface="Cambria Math" panose="02040503050406030204" pitchFamily="18" charset="0"/>
+                        </a:rPr>
+                        <m:t>𝑇</m:t>
+                      </m:r>
+                      <m:r>
+                        <a:rPr kumimoji="1" lang="en-US" altLang="ja-JP" sz="3200" b="0" i="1" smtClean="0">
+                          <a:latin typeface="Cambria Math" panose="02040503050406030204" pitchFamily="18" charset="0"/>
+                        </a:rPr>
+                        <m:t>=</m:t>
+                      </m:r>
+                      <m:f>
+                        <m:fPr>
+                          <m:ctrlPr>
+                            <a:rPr kumimoji="1" lang="en-US" altLang="ja-JP" sz="3200" b="0" i="1" smtClean="0">
+                              <a:latin typeface="Cambria Math" panose="02040503050406030204" pitchFamily="18" charset="0"/>
+                            </a:rPr>
+                          </m:ctrlPr>
+                        </m:fPr>
+                        <m:num>
+                          <m:r>
+                            <a:rPr kumimoji="1" lang="en-US" altLang="ja-JP" sz="3200" b="0" i="1" smtClean="0">
+                              <a:latin typeface="Cambria Math" panose="02040503050406030204" pitchFamily="18" charset="0"/>
+                            </a:rPr>
+                            <m:t>2</m:t>
+                          </m:r>
+                        </m:num>
+                        <m:den>
+                          <m:r>
+                            <a:rPr kumimoji="1" lang="en-US" altLang="ja-JP" sz="3200" b="0" i="1" smtClean="0">
+                              <a:latin typeface="Cambria Math" panose="02040503050406030204" pitchFamily="18" charset="0"/>
+                            </a:rPr>
+                            <m:t>3</m:t>
+                          </m:r>
+                          <m:r>
+                            <a:rPr kumimoji="1" lang="en-US" altLang="ja-JP" sz="3200" b="0" i="1" smtClean="0">
+                              <a:latin typeface="Cambria Math" panose="02040503050406030204" pitchFamily="18" charset="0"/>
+                            </a:rPr>
+                            <m:t>𝑁𝑘</m:t>
+                          </m:r>
+                        </m:den>
+                      </m:f>
+                      <m:nary>
+                        <m:naryPr>
+                          <m:chr m:val="∑"/>
+                          <m:supHide m:val="on"/>
+                          <m:ctrlPr>
+                            <a:rPr kumimoji="1" lang="en-US" altLang="ja-JP" sz="3200" b="0" i="1" smtClean="0">
+                              <a:latin typeface="Cambria Math" panose="02040503050406030204" pitchFamily="18" charset="0"/>
+                            </a:rPr>
+                          </m:ctrlPr>
+                        </m:naryPr>
+                        <m:sub>
+                          <m:r>
+                            <a:rPr kumimoji="1" lang="en-US" altLang="ja-JP" sz="3200" b="0" i="1" smtClean="0">
+                              <a:latin typeface="Cambria Math" panose="02040503050406030204" pitchFamily="18" charset="0"/>
+                            </a:rPr>
+                            <m:t>𝑖</m:t>
+                          </m:r>
+                        </m:sub>
+                        <m:sup/>
+                        <m:e>
+                          <m:f>
+                            <m:fPr>
+                              <m:ctrlPr>
+                                <a:rPr kumimoji="1" lang="en-US" altLang="ja-JP" sz="3200" b="0" i="1" smtClean="0">
+                                  <a:latin typeface="Cambria Math" panose="02040503050406030204" pitchFamily="18" charset="0"/>
+                                </a:rPr>
+                              </m:ctrlPr>
+                            </m:fPr>
+                            <m:num>
+                              <m:sSubSup>
+                                <m:sSubSupPr>
+                                  <m:ctrlPr>
+                                    <a:rPr kumimoji="1" lang="en-US" altLang="ja-JP" sz="3200" b="0" i="1" smtClean="0">
+                                      <a:latin typeface="Cambria Math" panose="02040503050406030204" pitchFamily="18" charset="0"/>
+                                    </a:rPr>
+                                  </m:ctrlPr>
+                                </m:sSubSupPr>
+                                <m:e>
+                                  <m:r>
+                                    <a:rPr kumimoji="1" lang="en-US" altLang="ja-JP" sz="3200" b="0" i="1" smtClean="0">
+                                      <a:latin typeface="Cambria Math" panose="02040503050406030204" pitchFamily="18" charset="0"/>
+                                    </a:rPr>
+                                    <m:t>𝑝</m:t>
+                                  </m:r>
+                                </m:e>
+                                <m:sub>
+                                  <m:r>
+                                    <a:rPr kumimoji="1" lang="en-US" altLang="ja-JP" sz="3200" b="0" i="1" smtClean="0">
+                                      <a:latin typeface="Cambria Math" panose="02040503050406030204" pitchFamily="18" charset="0"/>
+                                    </a:rPr>
+                                    <m:t>𝑖</m:t>
+                                  </m:r>
+                                </m:sub>
+                                <m:sup>
+                                  <m:r>
+                                    <a:rPr kumimoji="1" lang="en-US" altLang="ja-JP" sz="3200" b="0" i="1" smtClean="0">
+                                      <a:latin typeface="Cambria Math" panose="02040503050406030204" pitchFamily="18" charset="0"/>
+                                    </a:rPr>
+                                    <m:t>2</m:t>
+                                  </m:r>
+                                </m:sup>
+                              </m:sSubSup>
+                            </m:num>
+                            <m:den>
+                              <m:r>
+                                <a:rPr kumimoji="1" lang="en-US" altLang="ja-JP" sz="3200" b="0" i="1" smtClean="0">
+                                  <a:latin typeface="Cambria Math" panose="02040503050406030204" pitchFamily="18" charset="0"/>
+                                </a:rPr>
+                                <m:t>2</m:t>
+                              </m:r>
+                              <m:r>
+                                <a:rPr kumimoji="1" lang="en-US" altLang="ja-JP" sz="3200" b="0" i="1" smtClean="0">
+                                  <a:latin typeface="Cambria Math" panose="02040503050406030204" pitchFamily="18" charset="0"/>
+                                </a:rPr>
+                                <m:t>𝑚</m:t>
+                              </m:r>
+                            </m:den>
+                          </m:f>
+                        </m:e>
+                      </m:nary>
+                    </m:oMath>
+                  </m:oMathPara>
+                </a14:m>
+                <a:endParaRPr kumimoji="1" lang="ja-JP" altLang="en-US" sz="3200"/>
+              </a:p>
+            </p:txBody>
+          </p:sp>
+        </mc:Choice>
+        <mc:Fallback>
+          <p:sp>
+            <p:nvSpPr>
+              <p:cNvPr id="3" name="テキスト ボックス 2">
+                <a:extLst>
+                  <a:ext uri="{FF2B5EF4-FFF2-40B4-BE49-F238E27FC236}">
+                    <a16:creationId xmlns:a16="http://schemas.microsoft.com/office/drawing/2014/main" id="{168C3301-1E5B-8D9D-730B-720C0B05BF38}"/>
+                  </a:ext>
+                </a:extLst>
+              </p:cNvPr>
+              <p:cNvSpPr txBox="1">
+                <a:spLocks noRot="1" noChangeAspect="1" noMove="1" noResize="1" noEditPoints="1" noAdjustHandles="1" noChangeArrowheads="1" noChangeShapeType="1" noTextEdit="1"/>
+              </p:cNvSpPr>
+              <p:nvPr/>
+            </p:nvSpPr>
+            <p:spPr>
+              <a:xfrm>
+                <a:off x="2915816" y="1916832"/>
+                <a:ext cx="3112519" cy="1344920"/>
+              </a:xfrm>
+              <a:prstGeom prst="rect">
+                <a:avLst/>
+              </a:prstGeom>
+              <a:blipFill>
+                <a:blip r:embed="rId2"/>
+                <a:stretch>
+                  <a:fillRect/>
+                </a:stretch>
+              </a:blipFill>
+            </p:spPr>
+            <p:txBody>
+              <a:bodyPr/>
+              <a:lstStyle/>
+              <a:p>
+                <a:r>
+                  <a:rPr lang="ja-JP" altLang="en-US">
+                    <a:noFill/>
+                  </a:rPr>
+                  <a:t> </a:t>
+                </a:r>
+              </a:p>
+            </p:txBody>
+          </p:sp>
+        </mc:Fallback>
+      </mc:AlternateContent>
+      <p:sp>
+        <p:nvSpPr>
+          <p:cNvPr id="5" name="四角形: 角を丸くする 4">
+            <a:extLst>
+              <a:ext uri="{FF2B5EF4-FFF2-40B4-BE49-F238E27FC236}">
+                <a16:creationId xmlns:a16="http://schemas.microsoft.com/office/drawing/2014/main" id="{D0575931-809F-6838-EAB6-13294DE3A9CF}"/>
+              </a:ext>
+            </a:extLst>
+          </p:cNvPr>
+          <p:cNvSpPr/>
+          <p:nvPr/>
+        </p:nvSpPr>
+        <p:spPr>
+          <a:xfrm>
+            <a:off x="3779912" y="1844824"/>
+            <a:ext cx="2304256" cy="1368152"/>
+          </a:xfrm>
+          <a:prstGeom prst="roundRect">
+            <a:avLst/>
+          </a:prstGeom>
+          <a:noFill/>
+          <a:ln w="38100">
+            <a:solidFill>
+              <a:srgbClr val="FF0000"/>
+            </a:solidFill>
+            <a:prstDash val="dash"/>
+          </a:ln>
+        </p:spPr>
+        <p:style>
+          <a:lnRef idx="2">
+            <a:schemeClr val="accent1">
+              <a:shade val="50000"/>
+            </a:schemeClr>
+          </a:lnRef>
+          <a:fillRef idx="1">
+            <a:schemeClr val="accent1"/>
+          </a:fillRef>
+          <a:effectRef idx="0">
+            <a:schemeClr val="accent1"/>
+          </a:effectRef>
+          <a:fontRef idx="minor">
+            <a:schemeClr val="lt1"/>
+          </a:fontRef>
+        </p:style>
+        <p:txBody>
+          <a:bodyPr rtlCol="0" anchor="ctr"/>
+          <a:lstStyle/>
+          <a:p>
+            <a:pPr algn="ctr"/>
+            <a:endParaRPr kumimoji="1" lang="ja-JP" altLang="en-US"/>
+          </a:p>
+        </p:txBody>
+      </p:sp>
+      <p:sp>
+        <p:nvSpPr>
+          <p:cNvPr id="6" name="四角形: 角を丸くする 5">
+            <a:extLst>
+              <a:ext uri="{FF2B5EF4-FFF2-40B4-BE49-F238E27FC236}">
+                <a16:creationId xmlns:a16="http://schemas.microsoft.com/office/drawing/2014/main" id="{2F33E7DE-0CDC-59AE-7108-36B3C6780B59}"/>
+              </a:ext>
+            </a:extLst>
+          </p:cNvPr>
+          <p:cNvSpPr/>
+          <p:nvPr/>
+        </p:nvSpPr>
+        <p:spPr>
+          <a:xfrm>
+            <a:off x="2843808" y="2204864"/>
+            <a:ext cx="567680" cy="656456"/>
+          </a:xfrm>
+          <a:prstGeom prst="roundRect">
+            <a:avLst/>
+          </a:prstGeom>
+          <a:noFill/>
+          <a:ln w="38100">
+            <a:solidFill>
+              <a:srgbClr val="FF0000"/>
+            </a:solidFill>
+            <a:prstDash val="dash"/>
+          </a:ln>
+        </p:spPr>
+        <p:style>
+          <a:lnRef idx="2">
+            <a:schemeClr val="accent1">
+              <a:shade val="50000"/>
+            </a:schemeClr>
+          </a:lnRef>
+          <a:fillRef idx="1">
+            <a:schemeClr val="accent1"/>
+          </a:fillRef>
+          <a:effectRef idx="0">
+            <a:schemeClr val="accent1"/>
+          </a:effectRef>
+          <a:fontRef idx="minor">
+            <a:schemeClr val="lt1"/>
+          </a:fontRef>
+        </p:style>
+        <p:txBody>
+          <a:bodyPr rtlCol="0" anchor="ctr"/>
+          <a:lstStyle/>
+          <a:p>
+            <a:pPr algn="ctr"/>
+            <a:endParaRPr kumimoji="1" lang="ja-JP" altLang="en-US"/>
+          </a:p>
+        </p:txBody>
+      </p:sp>
+      <p:sp>
+        <p:nvSpPr>
+          <p:cNvPr id="7" name="テキスト ボックス 6">
+            <a:extLst>
+              <a:ext uri="{FF2B5EF4-FFF2-40B4-BE49-F238E27FC236}">
+                <a16:creationId xmlns:a16="http://schemas.microsoft.com/office/drawing/2014/main" id="{BCDD0A2C-AC39-D9A2-FEBA-1D56569D79CD}"/>
+              </a:ext>
+            </a:extLst>
+          </p:cNvPr>
+          <p:cNvSpPr txBox="1"/>
+          <p:nvPr/>
+        </p:nvSpPr>
+        <p:spPr>
+          <a:xfrm>
+            <a:off x="1043608" y="1124744"/>
+            <a:ext cx="3518912" cy="400110"/>
+          </a:xfrm>
+          <a:prstGeom prst="rect">
+            <a:avLst/>
+          </a:prstGeom>
+          <a:noFill/>
+        </p:spPr>
+        <p:txBody>
+          <a:bodyPr wrap="none" rtlCol="0">
+            <a:spAutoFit/>
+          </a:bodyPr>
+          <a:lstStyle/>
+          <a:p>
+            <a:r>
+              <a:rPr kumimoji="1" lang="ja-JP" altLang="en-US" sz="2000"/>
+              <a:t>こちらは全部知っているので</a:t>
+            </a:r>
+          </a:p>
+        </p:txBody>
+      </p:sp>
+      <p:cxnSp>
+        <p:nvCxnSpPr>
+          <p:cNvPr id="9" name="コネクタ: カギ線 8">
+            <a:extLst>
+              <a:ext uri="{FF2B5EF4-FFF2-40B4-BE49-F238E27FC236}">
+                <a16:creationId xmlns:a16="http://schemas.microsoft.com/office/drawing/2014/main" id="{C6DA85E6-C13C-B9DA-8681-E33FFF462A7A}"/>
+              </a:ext>
+            </a:extLst>
+          </p:cNvPr>
+          <p:cNvCxnSpPr>
+            <a:stCxn id="7" idx="3"/>
+            <a:endCxn id="5" idx="0"/>
+          </p:cNvCxnSpPr>
+          <p:nvPr/>
+        </p:nvCxnSpPr>
+        <p:spPr>
+          <a:xfrm>
+            <a:off x="4562520" y="1324799"/>
+            <a:ext cx="369520" cy="520025"/>
+          </a:xfrm>
+          <a:prstGeom prst="bentConnector2">
+            <a:avLst/>
+          </a:prstGeom>
+          <a:ln>
+            <a:solidFill>
+              <a:schemeClr val="tx1"/>
+            </a:solidFill>
+            <a:headEnd type="none" w="med" len="med"/>
+            <a:tailEnd type="triangle"/>
+          </a:ln>
+        </p:spPr>
+        <p:style>
+          <a:lnRef idx="1">
+            <a:schemeClr val="accent1"/>
+          </a:lnRef>
+          <a:fillRef idx="0">
+            <a:schemeClr val="accent1"/>
+          </a:fillRef>
+          <a:effectRef idx="0">
+            <a:schemeClr val="accent1"/>
+          </a:effectRef>
+          <a:fontRef idx="minor">
+            <a:schemeClr val="tx1"/>
+          </a:fontRef>
+        </p:style>
+      </p:cxnSp>
+      <p:sp>
+        <p:nvSpPr>
+          <p:cNvPr id="10" name="テキスト ボックス 9">
+            <a:extLst>
+              <a:ext uri="{FF2B5EF4-FFF2-40B4-BE49-F238E27FC236}">
+                <a16:creationId xmlns:a16="http://schemas.microsoft.com/office/drawing/2014/main" id="{1F3C7E27-C143-F126-58DB-883F5513855E}"/>
+              </a:ext>
+            </a:extLst>
+          </p:cNvPr>
+          <p:cNvSpPr txBox="1"/>
+          <p:nvPr/>
+        </p:nvSpPr>
+        <p:spPr>
+          <a:xfrm>
+            <a:off x="4139952" y="3501008"/>
+            <a:ext cx="2236510" cy="400110"/>
+          </a:xfrm>
+          <a:prstGeom prst="rect">
+            <a:avLst/>
+          </a:prstGeom>
+          <a:noFill/>
+        </p:spPr>
+        <p:txBody>
+          <a:bodyPr wrap="none" rtlCol="0">
+            <a:spAutoFit/>
+          </a:bodyPr>
+          <a:lstStyle/>
+          <a:p>
+            <a:r>
+              <a:rPr kumimoji="1" lang="ja-JP" altLang="en-US" sz="2000"/>
+              <a:t>これが計算できる</a:t>
+            </a:r>
+          </a:p>
+        </p:txBody>
+      </p:sp>
+      <p:cxnSp>
+        <p:nvCxnSpPr>
+          <p:cNvPr id="12" name="コネクタ: カギ線 11">
+            <a:extLst>
+              <a:ext uri="{FF2B5EF4-FFF2-40B4-BE49-F238E27FC236}">
+                <a16:creationId xmlns:a16="http://schemas.microsoft.com/office/drawing/2014/main" id="{0DEC2567-471B-E081-A7FC-7649A3C4FD7B}"/>
+              </a:ext>
+            </a:extLst>
+          </p:cNvPr>
+          <p:cNvCxnSpPr>
+            <a:stCxn id="10" idx="1"/>
+            <a:endCxn id="6" idx="2"/>
+          </p:cNvCxnSpPr>
+          <p:nvPr/>
+        </p:nvCxnSpPr>
+        <p:spPr>
+          <a:xfrm rot="10800000">
+            <a:off x="3127648" y="2861321"/>
+            <a:ext cx="1012304" cy="839743"/>
+          </a:xfrm>
+          <a:prstGeom prst="bentConnector2">
+            <a:avLst/>
+          </a:prstGeom>
+          <a:ln>
+            <a:solidFill>
+              <a:schemeClr val="tx1"/>
+            </a:solidFill>
+            <a:headEnd type="none" w="med" len="med"/>
+            <a:tailEnd type="triangle"/>
+          </a:ln>
+        </p:spPr>
+        <p:style>
+          <a:lnRef idx="1">
+            <a:schemeClr val="accent1"/>
+          </a:lnRef>
+          <a:fillRef idx="0">
+            <a:schemeClr val="accent1"/>
+          </a:fillRef>
+          <a:effectRef idx="0">
+            <a:schemeClr val="accent1"/>
+          </a:effectRef>
+          <a:fontRef idx="minor">
+            <a:schemeClr val="tx1"/>
+          </a:fontRef>
+        </p:style>
+      </p:cxnSp>
+      <mc:AlternateContent xmlns:mc="http://schemas.openxmlformats.org/markup-compatibility/2006">
+        <mc:Choice xmlns:a14="http://schemas.microsoft.com/office/drawing/2010/main" Requires="a14">
+          <p:sp>
+            <p:nvSpPr>
+              <p:cNvPr id="15" name="テキスト ボックス 14">
+                <a:extLst>
+                  <a:ext uri="{FF2B5EF4-FFF2-40B4-BE49-F238E27FC236}">
+                    <a16:creationId xmlns:a16="http://schemas.microsoft.com/office/drawing/2014/main" id="{B08D9AB1-B258-D50F-74C0-514AD788C401}"/>
+                  </a:ext>
+                </a:extLst>
+              </p:cNvPr>
+              <p:cNvSpPr txBox="1"/>
+              <p:nvPr/>
+            </p:nvSpPr>
+            <p:spPr>
+              <a:xfrm>
+                <a:off x="611560" y="4077072"/>
+                <a:ext cx="2054409" cy="1188210"/>
+              </a:xfrm>
+              <a:prstGeom prst="rect">
+                <a:avLst/>
+              </a:prstGeom>
+              <a:noFill/>
+            </p:spPr>
+            <p:txBody>
+              <a:bodyPr wrap="none" rtlCol="0">
+                <a:spAutoFit/>
+              </a:bodyPr>
+              <a:lstStyle/>
+              <a:p>
+                <a14:m>
+                  <m:oMathPara xmlns:m="http://schemas.openxmlformats.org/officeDocument/2006/math">
+                    <m:oMathParaPr>
+                      <m:jc m:val="centerGroup"/>
+                    </m:oMathParaPr>
+                    <m:oMath xmlns:m="http://schemas.openxmlformats.org/officeDocument/2006/math">
+                      <m:r>
+                        <a:rPr kumimoji="1" lang="en-US" altLang="ja-JP" sz="2800" b="0" i="1" smtClean="0">
+                          <a:latin typeface="Cambria Math" panose="02040503050406030204" pitchFamily="18" charset="0"/>
+                        </a:rPr>
+                        <m:t>𝐾</m:t>
+                      </m:r>
+                      <m:r>
+                        <a:rPr kumimoji="1" lang="en-US" altLang="ja-JP" sz="2800" b="0" i="1" smtClean="0">
+                          <a:latin typeface="Cambria Math" panose="02040503050406030204" pitchFamily="18" charset="0"/>
+                        </a:rPr>
+                        <m:t>=</m:t>
+                      </m:r>
+                      <m:nary>
+                        <m:naryPr>
+                          <m:chr m:val="∑"/>
+                          <m:supHide m:val="on"/>
+                          <m:ctrlPr>
+                            <a:rPr kumimoji="1" lang="en-US" altLang="ja-JP" sz="2800" b="0" i="1" smtClean="0">
+                              <a:latin typeface="Cambria Math" panose="02040503050406030204" pitchFamily="18" charset="0"/>
+                            </a:rPr>
+                          </m:ctrlPr>
+                        </m:naryPr>
+                        <m:sub>
+                          <m:r>
+                            <a:rPr kumimoji="1" lang="en-US" altLang="ja-JP" sz="2800" b="0" i="1" smtClean="0">
+                              <a:latin typeface="Cambria Math" panose="02040503050406030204" pitchFamily="18" charset="0"/>
+                            </a:rPr>
+                            <m:t>𝑖</m:t>
+                          </m:r>
+                        </m:sub>
+                        <m:sup/>
+                        <m:e>
+                          <m:f>
+                            <m:fPr>
+                              <m:ctrlPr>
+                                <a:rPr kumimoji="1" lang="en-US" altLang="ja-JP" sz="2800" b="0" i="1" smtClean="0">
+                                  <a:latin typeface="Cambria Math" panose="02040503050406030204" pitchFamily="18" charset="0"/>
+                                </a:rPr>
+                              </m:ctrlPr>
+                            </m:fPr>
+                            <m:num>
+                              <m:sSubSup>
+                                <m:sSubSupPr>
+                                  <m:ctrlPr>
+                                    <a:rPr kumimoji="1" lang="en-US" altLang="ja-JP" sz="2800" b="0" i="1" smtClean="0">
+                                      <a:latin typeface="Cambria Math" panose="02040503050406030204" pitchFamily="18" charset="0"/>
+                                    </a:rPr>
+                                  </m:ctrlPr>
+                                </m:sSubSupPr>
+                                <m:e>
+                                  <m:r>
+                                    <a:rPr kumimoji="1" lang="en-US" altLang="ja-JP" sz="2800" b="0" i="1" smtClean="0">
+                                      <a:latin typeface="Cambria Math" panose="02040503050406030204" pitchFamily="18" charset="0"/>
+                                    </a:rPr>
+                                    <m:t>𝑝</m:t>
+                                  </m:r>
+                                </m:e>
+                                <m:sub>
+                                  <m:r>
+                                    <a:rPr kumimoji="1" lang="en-US" altLang="ja-JP" sz="2800" b="0" i="1" smtClean="0">
+                                      <a:latin typeface="Cambria Math" panose="02040503050406030204" pitchFamily="18" charset="0"/>
+                                    </a:rPr>
+                                    <m:t>𝑖</m:t>
+                                  </m:r>
+                                </m:sub>
+                                <m:sup>
+                                  <m:r>
+                                    <a:rPr kumimoji="1" lang="en-US" altLang="ja-JP" sz="2800" b="0" i="1" smtClean="0">
+                                      <a:latin typeface="Cambria Math" panose="02040503050406030204" pitchFamily="18" charset="0"/>
+                                    </a:rPr>
+                                    <m:t>2</m:t>
+                                  </m:r>
+                                </m:sup>
+                              </m:sSubSup>
+                            </m:num>
+                            <m:den>
+                              <m:r>
+                                <a:rPr kumimoji="1" lang="en-US" altLang="ja-JP" sz="2800" b="0" i="1" smtClean="0">
+                                  <a:latin typeface="Cambria Math" panose="02040503050406030204" pitchFamily="18" charset="0"/>
+                                </a:rPr>
+                                <m:t>2</m:t>
+                              </m:r>
+                              <m:r>
+                                <a:rPr kumimoji="1" lang="en-US" altLang="ja-JP" sz="2800" b="0" i="1" smtClean="0">
+                                  <a:latin typeface="Cambria Math" panose="02040503050406030204" pitchFamily="18" charset="0"/>
+                                </a:rPr>
+                                <m:t>𝑚</m:t>
+                              </m:r>
+                            </m:den>
+                          </m:f>
+                        </m:e>
+                      </m:nary>
+                    </m:oMath>
+                  </m:oMathPara>
+                </a14:m>
+                <a:endParaRPr kumimoji="1" lang="ja-JP" altLang="en-US" sz="2800"/>
+              </a:p>
+            </p:txBody>
+          </p:sp>
+        </mc:Choice>
+        <mc:Fallback>
+          <p:sp>
+            <p:nvSpPr>
+              <p:cNvPr id="15" name="テキスト ボックス 14">
+                <a:extLst>
+                  <a:ext uri="{FF2B5EF4-FFF2-40B4-BE49-F238E27FC236}">
+                    <a16:creationId xmlns:a16="http://schemas.microsoft.com/office/drawing/2014/main" id="{B08D9AB1-B258-D50F-74C0-514AD788C401}"/>
+                  </a:ext>
+                </a:extLst>
+              </p:cNvPr>
+              <p:cNvSpPr txBox="1">
+                <a:spLocks noRot="1" noChangeAspect="1" noMove="1" noResize="1" noEditPoints="1" noAdjustHandles="1" noChangeArrowheads="1" noChangeShapeType="1" noTextEdit="1"/>
+              </p:cNvSpPr>
+              <p:nvPr/>
+            </p:nvSpPr>
+            <p:spPr>
+              <a:xfrm>
+                <a:off x="611560" y="4077072"/>
+                <a:ext cx="2054409" cy="1188210"/>
+              </a:xfrm>
+              <a:prstGeom prst="rect">
+                <a:avLst/>
+              </a:prstGeom>
+              <a:blipFill>
+                <a:blip r:embed="rId3"/>
+                <a:stretch>
+                  <a:fillRect/>
+                </a:stretch>
+              </a:blipFill>
+            </p:spPr>
+            <p:txBody>
+              <a:bodyPr/>
+              <a:lstStyle/>
+              <a:p>
+                <a:r>
+                  <a:rPr lang="ja-JP" altLang="en-US">
+                    <a:noFill/>
+                  </a:rPr>
+                  <a:t> </a:t>
+                </a:r>
+              </a:p>
+            </p:txBody>
+          </p:sp>
+        </mc:Fallback>
+      </mc:AlternateContent>
+      <p:sp>
+        <p:nvSpPr>
+          <p:cNvPr id="16" name="テキスト ボックス 15">
+            <a:extLst>
+              <a:ext uri="{FF2B5EF4-FFF2-40B4-BE49-F238E27FC236}">
+                <a16:creationId xmlns:a16="http://schemas.microsoft.com/office/drawing/2014/main" id="{56D2EF6A-5808-7D43-3269-28E4A6E1B133}"/>
+              </a:ext>
+            </a:extLst>
+          </p:cNvPr>
+          <p:cNvSpPr txBox="1"/>
+          <p:nvPr/>
+        </p:nvSpPr>
+        <p:spPr>
+          <a:xfrm>
+            <a:off x="2771800" y="4293096"/>
+            <a:ext cx="3515706" cy="523220"/>
+          </a:xfrm>
+          <a:prstGeom prst="rect">
+            <a:avLst/>
+          </a:prstGeom>
+          <a:noFill/>
+        </p:spPr>
+        <p:txBody>
+          <a:bodyPr wrap="none" rtlCol="0">
+            <a:spAutoFit/>
+          </a:bodyPr>
+          <a:lstStyle/>
+          <a:p>
+            <a:r>
+              <a:rPr lang="ja-JP" altLang="en-US" sz="2800"/>
+              <a:t>← これは単なる定義</a:t>
+            </a:r>
+            <a:endParaRPr kumimoji="1" lang="ja-JP" altLang="en-US" sz="2800"/>
+          </a:p>
+        </p:txBody>
+      </p:sp>
+      <mc:AlternateContent xmlns:mc="http://schemas.openxmlformats.org/markup-compatibility/2006">
+        <mc:Choice xmlns:a14="http://schemas.microsoft.com/office/drawing/2010/main" Requires="a14">
+          <p:sp>
+            <p:nvSpPr>
+              <p:cNvPr id="17" name="テキスト ボックス 16">
+                <a:extLst>
+                  <a:ext uri="{FF2B5EF4-FFF2-40B4-BE49-F238E27FC236}">
+                    <a16:creationId xmlns:a16="http://schemas.microsoft.com/office/drawing/2014/main" id="{2C2912B5-CE5D-E1BA-4D79-5CE7680E5EBE}"/>
+                  </a:ext>
+                </a:extLst>
+              </p:cNvPr>
+              <p:cNvSpPr txBox="1"/>
+              <p:nvPr/>
+            </p:nvSpPr>
+            <p:spPr>
+              <a:xfrm>
+                <a:off x="683568" y="5373216"/>
+                <a:ext cx="1852430" cy="1017523"/>
+              </a:xfrm>
+              <a:prstGeom prst="rect">
+                <a:avLst/>
+              </a:prstGeom>
+              <a:noFill/>
+            </p:spPr>
+            <p:txBody>
+              <a:bodyPr wrap="none" rtlCol="0">
+                <a:spAutoFit/>
+              </a:bodyPr>
+              <a:lstStyle/>
+              <a:p>
+                <a14:m>
+                  <m:oMathPara xmlns:m="http://schemas.openxmlformats.org/officeDocument/2006/math">
+                    <m:oMathParaPr>
+                      <m:jc m:val="centerGroup"/>
+                    </m:oMathParaPr>
+                    <m:oMath xmlns:m="http://schemas.openxmlformats.org/officeDocument/2006/math">
+                      <m:r>
+                        <a:rPr kumimoji="1" lang="en-US" altLang="ja-JP" sz="3200" b="0" i="1" smtClean="0">
+                          <a:latin typeface="Cambria Math" panose="02040503050406030204" pitchFamily="18" charset="0"/>
+                        </a:rPr>
+                        <m:t>𝑇</m:t>
+                      </m:r>
+                      <m:r>
+                        <a:rPr kumimoji="1" lang="en-US" altLang="ja-JP" sz="3200" b="0" i="1" smtClean="0">
+                          <a:latin typeface="Cambria Math" panose="02040503050406030204" pitchFamily="18" charset="0"/>
+                        </a:rPr>
+                        <m:t>=</m:t>
+                      </m:r>
+                      <m:f>
+                        <m:fPr>
+                          <m:ctrlPr>
+                            <a:rPr kumimoji="1" lang="en-US" altLang="ja-JP" sz="3200" b="0" i="1" smtClean="0">
+                              <a:latin typeface="Cambria Math" panose="02040503050406030204" pitchFamily="18" charset="0"/>
+                            </a:rPr>
+                          </m:ctrlPr>
+                        </m:fPr>
+                        <m:num>
+                          <m:r>
+                            <a:rPr kumimoji="1" lang="en-US" altLang="ja-JP" sz="3200" b="0" i="1" smtClean="0">
+                              <a:latin typeface="Cambria Math" panose="02040503050406030204" pitchFamily="18" charset="0"/>
+                            </a:rPr>
+                            <m:t>2</m:t>
+                          </m:r>
+                          <m:r>
+                            <a:rPr kumimoji="1" lang="en-US" altLang="ja-JP" sz="3200" b="0" i="1" smtClean="0">
+                              <a:latin typeface="Cambria Math" panose="02040503050406030204" pitchFamily="18" charset="0"/>
+                            </a:rPr>
+                            <m:t>𝐾</m:t>
+                          </m:r>
+                        </m:num>
+                        <m:den>
+                          <m:r>
+                            <a:rPr kumimoji="1" lang="en-US" altLang="ja-JP" sz="3200" b="0" i="1" smtClean="0">
+                              <a:latin typeface="Cambria Math" panose="02040503050406030204" pitchFamily="18" charset="0"/>
+                            </a:rPr>
+                            <m:t>3</m:t>
+                          </m:r>
+                          <m:r>
+                            <a:rPr kumimoji="1" lang="en-US" altLang="ja-JP" sz="3200" b="0" i="1" smtClean="0">
+                              <a:latin typeface="Cambria Math" panose="02040503050406030204" pitchFamily="18" charset="0"/>
+                            </a:rPr>
+                            <m:t>𝑁𝑘</m:t>
+                          </m:r>
+                        </m:den>
+                      </m:f>
+                    </m:oMath>
+                  </m:oMathPara>
+                </a14:m>
+                <a:endParaRPr kumimoji="1" lang="ja-JP" altLang="en-US" sz="3200"/>
+              </a:p>
+            </p:txBody>
+          </p:sp>
+        </mc:Choice>
+        <mc:Fallback>
+          <p:sp>
+            <p:nvSpPr>
+              <p:cNvPr id="17" name="テキスト ボックス 16">
+                <a:extLst>
+                  <a:ext uri="{FF2B5EF4-FFF2-40B4-BE49-F238E27FC236}">
+                    <a16:creationId xmlns:a16="http://schemas.microsoft.com/office/drawing/2014/main" id="{2C2912B5-CE5D-E1BA-4D79-5CE7680E5EBE}"/>
+                  </a:ext>
+                </a:extLst>
+              </p:cNvPr>
+              <p:cNvSpPr txBox="1">
+                <a:spLocks noRot="1" noChangeAspect="1" noMove="1" noResize="1" noEditPoints="1" noAdjustHandles="1" noChangeArrowheads="1" noChangeShapeType="1" noTextEdit="1"/>
+              </p:cNvSpPr>
+              <p:nvPr/>
+            </p:nvSpPr>
+            <p:spPr>
+              <a:xfrm>
+                <a:off x="683568" y="5373216"/>
+                <a:ext cx="1852430" cy="1017523"/>
+              </a:xfrm>
+              <a:prstGeom prst="rect">
+                <a:avLst/>
+              </a:prstGeom>
+              <a:blipFill>
+                <a:blip r:embed="rId4"/>
+                <a:stretch>
+                  <a:fillRect/>
+                </a:stretch>
+              </a:blipFill>
+            </p:spPr>
+            <p:txBody>
+              <a:bodyPr/>
+              <a:lstStyle/>
+              <a:p>
+                <a:r>
+                  <a:rPr lang="ja-JP" altLang="en-US">
+                    <a:noFill/>
+                  </a:rPr>
+                  <a:t> </a:t>
+                </a:r>
+              </a:p>
+            </p:txBody>
+          </p:sp>
+        </mc:Fallback>
+      </mc:AlternateContent>
+      <p:sp>
+        <p:nvSpPr>
+          <p:cNvPr id="18" name="テキスト ボックス 17">
+            <a:extLst>
+              <a:ext uri="{FF2B5EF4-FFF2-40B4-BE49-F238E27FC236}">
+                <a16:creationId xmlns:a16="http://schemas.microsoft.com/office/drawing/2014/main" id="{BC4A56C4-3210-8D7D-AECE-954DB9A66D5D}"/>
+              </a:ext>
+            </a:extLst>
+          </p:cNvPr>
+          <p:cNvSpPr txBox="1"/>
+          <p:nvPr/>
+        </p:nvSpPr>
+        <p:spPr>
+          <a:xfrm>
+            <a:off x="2771800" y="5589240"/>
+            <a:ext cx="4951997" cy="523220"/>
+          </a:xfrm>
+          <a:prstGeom prst="rect">
+            <a:avLst/>
+          </a:prstGeom>
+          <a:noFill/>
+        </p:spPr>
+        <p:txBody>
+          <a:bodyPr wrap="none" rtlCol="0">
+            <a:spAutoFit/>
+          </a:bodyPr>
+          <a:lstStyle/>
+          <a:p>
+            <a:r>
+              <a:rPr lang="ja-JP" altLang="en-US" sz="2800"/>
+              <a:t>← これはどこからきたのか？</a:t>
+            </a:r>
+            <a:endParaRPr kumimoji="1" lang="ja-JP" altLang="en-US" sz="2800"/>
+          </a:p>
+        </p:txBody>
+      </p:sp>
+    </p:spTree>
+    <p:extLst>
+      <p:ext uri="{BB962C8B-B14F-4D97-AF65-F5344CB8AC3E}">
+        <p14:creationId xmlns:p14="http://schemas.microsoft.com/office/powerpoint/2010/main" val="3630233591"/>
+      </p:ext>
+    </p:extLst>
+  </p:cSld>
+  <p:clrMapOvr>
+    <a:masterClrMapping/>
+  </p:clrMapOvr>
+</p:sld>
+</file>
+
+<file path=ppt/slides/slide17.xml><?xml version="1.0" encoding="utf-8"?>
+<p:sld xmlns:a="http://schemas.openxmlformats.org/drawingml/2006/main" xmlns:r="http://schemas.openxmlformats.org/officeDocument/2006/relationships" xmlns:p="http://schemas.openxmlformats.org/presentationml/2006/main">
+  <p:cSld>
+    <p:spTree>
+      <p:nvGrpSpPr>
+        <p:cNvPr id="1" name=""/>
+        <p:cNvGrpSpPr/>
+        <p:nvPr/>
+      </p:nvGrpSpPr>
+      <p:grpSpPr>
+        <a:xfrm>
+          <a:off x="0" y="0"/>
+          <a:ext cx="0" cy="0"/>
+          <a:chOff x="0" y="0"/>
+          <a:chExt cx="0" cy="0"/>
+        </a:xfrm>
+      </p:grpSpPr>
+      <p:sp>
+        <p:nvSpPr>
+          <p:cNvPr id="2" name="テキスト プレースホルダー 1">
+            <a:extLst>
+              <a:ext uri="{FF2B5EF4-FFF2-40B4-BE49-F238E27FC236}">
+                <a16:creationId xmlns:a16="http://schemas.microsoft.com/office/drawing/2014/main" id="{D5C61DD7-98F5-F5C4-B7AC-3DF19258C95E}"/>
+              </a:ext>
+            </a:extLst>
+          </p:cNvPr>
+          <p:cNvSpPr>
+            <a:spLocks noGrp="1"/>
+          </p:cNvSpPr>
+          <p:nvPr>
+            <p:ph type="body" sz="quarter" idx="10"/>
+          </p:nvPr>
+        </p:nvSpPr>
+        <p:spPr/>
+        <p:txBody>
+          <a:bodyPr/>
+          <a:lstStyle/>
+          <a:p>
+            <a:r>
+              <a:rPr kumimoji="1" lang="ja-JP" altLang="en-US"/>
+              <a:t>カノニカル分布と逆温度</a:t>
+            </a:r>
+          </a:p>
+        </p:txBody>
+      </p:sp>
+      <mc:AlternateContent xmlns:mc="http://schemas.openxmlformats.org/markup-compatibility/2006">
+        <mc:Choice xmlns:a14="http://schemas.microsoft.com/office/drawing/2010/main" Requires="a14">
+          <p:sp>
+            <p:nvSpPr>
+              <p:cNvPr id="3" name="テキスト ボックス 2">
+                <a:extLst>
+                  <a:ext uri="{FF2B5EF4-FFF2-40B4-BE49-F238E27FC236}">
+                    <a16:creationId xmlns:a16="http://schemas.microsoft.com/office/drawing/2014/main" id="{97B619D0-40C4-1F47-8C09-7D559C6FE6E8}"/>
+                  </a:ext>
+                </a:extLst>
+              </p:cNvPr>
+              <p:cNvSpPr txBox="1"/>
+              <p:nvPr/>
+            </p:nvSpPr>
+            <p:spPr>
+              <a:xfrm>
+                <a:off x="323528" y="1196752"/>
+                <a:ext cx="8243347" cy="954107"/>
+              </a:xfrm>
+              <a:prstGeom prst="rect">
+                <a:avLst/>
+              </a:prstGeom>
+              <a:noFill/>
+            </p:spPr>
+            <p:txBody>
+              <a:bodyPr wrap="none" rtlCol="0">
+                <a:spAutoFit/>
+              </a:bodyPr>
+              <a:lstStyle/>
+              <a:p>
+                <a14:m>
+                  <m:oMath xmlns:m="http://schemas.openxmlformats.org/officeDocument/2006/math">
+                    <m:r>
+                      <a:rPr kumimoji="1" lang="en-US" altLang="ja-JP" sz="2800" b="0" i="1" smtClean="0">
+                        <a:latin typeface="Cambria Math" panose="02040503050406030204" pitchFamily="18" charset="0"/>
+                      </a:rPr>
+                      <m:t>(</m:t>
+                    </m:r>
+                    <m:r>
+                      <a:rPr kumimoji="1" lang="en-US" altLang="ja-JP" sz="2800" b="0" i="1" smtClean="0">
+                        <a:latin typeface="Cambria Math" panose="02040503050406030204" pitchFamily="18" charset="0"/>
+                      </a:rPr>
+                      <m:t>𝑝</m:t>
+                    </m:r>
+                    <m:r>
+                      <a:rPr kumimoji="1" lang="en-US" altLang="ja-JP" sz="2800" b="0" i="1" smtClean="0">
+                        <a:latin typeface="Cambria Math" panose="02040503050406030204" pitchFamily="18" charset="0"/>
+                      </a:rPr>
+                      <m:t>,</m:t>
+                    </m:r>
+                    <m:r>
+                      <a:rPr kumimoji="1" lang="en-US" altLang="ja-JP" sz="2800" b="0" i="1" smtClean="0">
+                        <a:latin typeface="Cambria Math" panose="02040503050406030204" pitchFamily="18" charset="0"/>
+                      </a:rPr>
+                      <m:t>𝑞</m:t>
+                    </m:r>
+                    <m:r>
+                      <a:rPr kumimoji="1" lang="en-US" altLang="ja-JP" sz="2800" b="0" i="1" smtClean="0">
+                        <a:latin typeface="Cambria Math" panose="02040503050406030204" pitchFamily="18" charset="0"/>
+                      </a:rPr>
+                      <m:t>)</m:t>
+                    </m:r>
+                    <m:r>
+                      <a:rPr lang="ja-JP" altLang="en-US" sz="2800" i="1">
+                        <a:latin typeface="Cambria Math" panose="02040503050406030204" pitchFamily="18" charset="0"/>
+                      </a:rPr>
+                      <m:t>空間の</m:t>
+                    </m:r>
+                  </m:oMath>
+                </a14:m>
+                <a:r>
+                  <a:rPr kumimoji="1" lang="ja-JP" altLang="en-US" sz="2800"/>
+                  <a:t>分布関数</a:t>
+                </a:r>
+                <a14:m>
+                  <m:oMath xmlns:m="http://schemas.openxmlformats.org/officeDocument/2006/math">
+                    <m:r>
+                      <a:rPr kumimoji="1" lang="en-US" altLang="ja-JP" sz="2800" b="0" i="1" smtClean="0">
+                        <a:latin typeface="Cambria Math" panose="02040503050406030204" pitchFamily="18" charset="0"/>
+                      </a:rPr>
+                      <m:t>𝑓</m:t>
+                    </m:r>
+                    <m:r>
+                      <a:rPr kumimoji="1" lang="en-US" altLang="ja-JP" sz="2800" b="0" i="1" smtClean="0">
+                        <a:latin typeface="Cambria Math" panose="02040503050406030204" pitchFamily="18" charset="0"/>
+                      </a:rPr>
+                      <m:t>(</m:t>
+                    </m:r>
+                    <m:r>
+                      <a:rPr kumimoji="1" lang="en-US" altLang="ja-JP" sz="2800" b="0" i="1" smtClean="0">
+                        <a:latin typeface="Cambria Math" panose="02040503050406030204" pitchFamily="18" charset="0"/>
+                      </a:rPr>
+                      <m:t>𝑝</m:t>
+                    </m:r>
+                    <m:r>
+                      <a:rPr kumimoji="1" lang="en-US" altLang="ja-JP" sz="2800" b="0" i="1" smtClean="0">
+                        <a:latin typeface="Cambria Math" panose="02040503050406030204" pitchFamily="18" charset="0"/>
+                      </a:rPr>
+                      <m:t>,</m:t>
+                    </m:r>
+                    <m:r>
+                      <a:rPr kumimoji="1" lang="en-US" altLang="ja-JP" sz="2800" b="0" i="1" smtClean="0">
+                        <a:latin typeface="Cambria Math" panose="02040503050406030204" pitchFamily="18" charset="0"/>
+                      </a:rPr>
+                      <m:t>𝑞</m:t>
+                    </m:r>
+                    <m:r>
+                      <a:rPr kumimoji="1" lang="en-US" altLang="ja-JP" sz="2800" b="0" i="1" smtClean="0">
+                        <a:latin typeface="Cambria Math" panose="02040503050406030204" pitchFamily="18" charset="0"/>
+                      </a:rPr>
+                      <m:t>)</m:t>
+                    </m:r>
+                    <m:r>
+                      <a:rPr lang="ja-JP" altLang="en-US" sz="2800" i="1">
+                        <a:latin typeface="Cambria Math" panose="02040503050406030204" pitchFamily="18" charset="0"/>
+                      </a:rPr>
+                      <m:t>を</m:t>
+                    </m:r>
+                  </m:oMath>
+                </a14:m>
+                <a:r>
+                  <a:rPr kumimoji="1" lang="ja-JP" altLang="en-US" sz="2800"/>
+                  <a:t>考える</a:t>
+                </a:r>
+                <a:endParaRPr kumimoji="1" lang="en-US" altLang="ja-JP" sz="2800"/>
+              </a:p>
+              <a:p>
+                <a:r>
+                  <a:rPr lang="ja-JP" altLang="en-US" sz="2800"/>
+                  <a:t>ある点</a:t>
+                </a:r>
+                <a14:m>
+                  <m:oMath xmlns:m="http://schemas.openxmlformats.org/officeDocument/2006/math">
+                    <m:r>
+                      <a:rPr lang="en-US" altLang="ja-JP" sz="2800" b="0" i="1" smtClean="0">
+                        <a:latin typeface="Cambria Math" panose="02040503050406030204" pitchFamily="18" charset="0"/>
+                      </a:rPr>
+                      <m:t>(</m:t>
+                    </m:r>
+                    <m:r>
+                      <a:rPr lang="en-US" altLang="ja-JP" sz="2800" b="0" i="1" smtClean="0">
+                        <a:latin typeface="Cambria Math" panose="02040503050406030204" pitchFamily="18" charset="0"/>
+                      </a:rPr>
+                      <m:t>𝑝</m:t>
+                    </m:r>
+                    <m:r>
+                      <a:rPr lang="en-US" altLang="ja-JP" sz="2800" b="0" i="1" smtClean="0">
+                        <a:latin typeface="Cambria Math" panose="02040503050406030204" pitchFamily="18" charset="0"/>
+                      </a:rPr>
+                      <m:t>,</m:t>
+                    </m:r>
+                    <m:r>
+                      <a:rPr lang="en-US" altLang="ja-JP" sz="2800" b="0" i="1" smtClean="0">
+                        <a:latin typeface="Cambria Math" panose="02040503050406030204" pitchFamily="18" charset="0"/>
+                      </a:rPr>
+                      <m:t>𝑞</m:t>
+                    </m:r>
+                    <m:r>
+                      <a:rPr lang="en-US" altLang="ja-JP" sz="2800" b="0" i="1" smtClean="0">
+                        <a:latin typeface="Cambria Math" panose="02040503050406030204" pitchFamily="18" charset="0"/>
+                      </a:rPr>
+                      <m:t>)</m:t>
+                    </m:r>
+                    <m:r>
+                      <a:rPr kumimoji="1" lang="ja-JP" altLang="en-US" sz="2800" i="1">
+                        <a:latin typeface="Cambria Math" panose="02040503050406030204" pitchFamily="18" charset="0"/>
+                      </a:rPr>
+                      <m:t>に</m:t>
+                    </m:r>
+                  </m:oMath>
+                </a14:m>
+                <a:r>
+                  <a:rPr kumimoji="1" lang="ja-JP" altLang="en-US" sz="2800"/>
+                  <a:t>おけるエネルギー</a:t>
+                </a:r>
+                <a14:m>
+                  <m:oMath xmlns:m="http://schemas.openxmlformats.org/officeDocument/2006/math">
+                    <m:r>
+                      <a:rPr kumimoji="1" lang="en-US" altLang="ja-JP" sz="2800" b="0" i="1" smtClean="0">
+                        <a:latin typeface="Cambria Math" panose="02040503050406030204" pitchFamily="18" charset="0"/>
+                      </a:rPr>
+                      <m:t>𝐻</m:t>
+                    </m:r>
+                    <m:r>
+                      <a:rPr kumimoji="1" lang="en-US" altLang="ja-JP" sz="2800" b="0" i="1" smtClean="0">
+                        <a:latin typeface="Cambria Math" panose="02040503050406030204" pitchFamily="18" charset="0"/>
+                      </a:rPr>
+                      <m:t>(</m:t>
+                    </m:r>
+                    <m:r>
+                      <a:rPr kumimoji="1" lang="en-US" altLang="ja-JP" sz="2800" b="0" i="1" smtClean="0">
+                        <a:latin typeface="Cambria Math" panose="02040503050406030204" pitchFamily="18" charset="0"/>
+                      </a:rPr>
+                      <m:t>𝑝</m:t>
+                    </m:r>
+                    <m:r>
+                      <a:rPr kumimoji="1" lang="en-US" altLang="ja-JP" sz="2800" b="0" i="1" smtClean="0">
+                        <a:latin typeface="Cambria Math" panose="02040503050406030204" pitchFamily="18" charset="0"/>
+                      </a:rPr>
+                      <m:t>,</m:t>
+                    </m:r>
+                    <m:r>
+                      <a:rPr kumimoji="1" lang="en-US" altLang="ja-JP" sz="2800" b="0" i="1" smtClean="0">
+                        <a:latin typeface="Cambria Math" panose="02040503050406030204" pitchFamily="18" charset="0"/>
+                      </a:rPr>
+                      <m:t>𝑞</m:t>
+                    </m:r>
+                    <m:r>
+                      <a:rPr kumimoji="1" lang="en-US" altLang="ja-JP" sz="2800" b="0" i="1" smtClean="0">
+                        <a:latin typeface="Cambria Math" panose="02040503050406030204" pitchFamily="18" charset="0"/>
+                      </a:rPr>
+                      <m:t>)</m:t>
+                    </m:r>
+                  </m:oMath>
+                </a14:m>
+                <a:r>
+                  <a:rPr kumimoji="1" lang="ja-JP" altLang="en-US" sz="2800"/>
+                  <a:t>を定義する</a:t>
+                </a:r>
+              </a:p>
+            </p:txBody>
+          </p:sp>
+        </mc:Choice>
+        <mc:Fallback>
+          <p:sp>
+            <p:nvSpPr>
+              <p:cNvPr id="3" name="テキスト ボックス 2">
+                <a:extLst>
+                  <a:ext uri="{FF2B5EF4-FFF2-40B4-BE49-F238E27FC236}">
+                    <a16:creationId xmlns:a16="http://schemas.microsoft.com/office/drawing/2014/main" id="{97B619D0-40C4-1F47-8C09-7D559C6FE6E8}"/>
+                  </a:ext>
+                </a:extLst>
+              </p:cNvPr>
+              <p:cNvSpPr txBox="1">
+                <a:spLocks noRot="1" noChangeAspect="1" noMove="1" noResize="1" noEditPoints="1" noAdjustHandles="1" noChangeArrowheads="1" noChangeShapeType="1" noTextEdit="1"/>
+              </p:cNvSpPr>
+              <p:nvPr/>
+            </p:nvSpPr>
+            <p:spPr>
+              <a:xfrm>
+                <a:off x="323528" y="1196752"/>
+                <a:ext cx="8243347" cy="954107"/>
+              </a:xfrm>
+              <a:prstGeom prst="rect">
+                <a:avLst/>
+              </a:prstGeom>
+              <a:blipFill>
+                <a:blip r:embed="rId2"/>
+                <a:stretch>
+                  <a:fillRect l="-1479" t="-8280" r="-592" b="-14650"/>
+                </a:stretch>
+              </a:blipFill>
+            </p:spPr>
+            <p:txBody>
+              <a:bodyPr/>
+              <a:lstStyle/>
+              <a:p>
+                <a:r>
+                  <a:rPr lang="ja-JP" altLang="en-US">
+                    <a:noFill/>
+                  </a:rPr>
+                  <a:t> </a:t>
+                </a:r>
+              </a:p>
+            </p:txBody>
+          </p:sp>
+        </mc:Fallback>
+      </mc:AlternateContent>
+      <p:sp>
+        <p:nvSpPr>
+          <p:cNvPr id="4" name="テキスト ボックス 3">
+            <a:extLst>
+              <a:ext uri="{FF2B5EF4-FFF2-40B4-BE49-F238E27FC236}">
+                <a16:creationId xmlns:a16="http://schemas.microsoft.com/office/drawing/2014/main" id="{BADA349C-726E-23A5-61A9-3483443DCBA7}"/>
+              </a:ext>
+            </a:extLst>
+          </p:cNvPr>
+          <p:cNvSpPr txBox="1"/>
+          <p:nvPr/>
+        </p:nvSpPr>
+        <p:spPr>
+          <a:xfrm>
+            <a:off x="1115616" y="2996952"/>
+            <a:ext cx="1980029" cy="523220"/>
+          </a:xfrm>
+          <a:prstGeom prst="rect">
+            <a:avLst/>
+          </a:prstGeom>
+          <a:noFill/>
+        </p:spPr>
+        <p:txBody>
+          <a:bodyPr wrap="none" rtlCol="0">
+            <a:spAutoFit/>
+          </a:bodyPr>
+          <a:lstStyle/>
+          <a:p>
+            <a:r>
+              <a:rPr kumimoji="1" lang="ja-JP" altLang="en-US" sz="2800"/>
+              <a:t>規格化条件</a:t>
+            </a:r>
+          </a:p>
+        </p:txBody>
+      </p:sp>
+      <mc:AlternateContent xmlns:mc="http://schemas.openxmlformats.org/markup-compatibility/2006">
+        <mc:Choice xmlns:a14="http://schemas.microsoft.com/office/drawing/2010/main" Requires="a14">
+          <p:sp>
+            <p:nvSpPr>
+              <p:cNvPr id="7" name="テキスト ボックス 6">
+                <a:extLst>
+                  <a:ext uri="{FF2B5EF4-FFF2-40B4-BE49-F238E27FC236}">
+                    <a16:creationId xmlns:a16="http://schemas.microsoft.com/office/drawing/2014/main" id="{30117BE1-A7C1-7092-6021-974C60955C30}"/>
+                  </a:ext>
+                </a:extLst>
+              </p:cNvPr>
+              <p:cNvSpPr txBox="1"/>
+              <p:nvPr/>
+            </p:nvSpPr>
+            <p:spPr>
+              <a:xfrm>
+                <a:off x="3635896" y="2420888"/>
+                <a:ext cx="3230179" cy="1706878"/>
+              </a:xfrm>
+              <a:prstGeom prst="rect">
+                <a:avLst/>
+              </a:prstGeom>
+              <a:noFill/>
+            </p:spPr>
+            <p:txBody>
+              <a:bodyPr wrap="none" rtlCol="0">
+                <a:spAutoFit/>
+              </a:bodyPr>
+              <a:lstStyle/>
+              <a:p>
+                <a14:m>
+                  <m:oMathPara xmlns:m="http://schemas.openxmlformats.org/officeDocument/2006/math">
+                    <m:oMathParaPr>
+                      <m:jc m:val="centerGroup"/>
+                    </m:oMathParaPr>
+                    <m:oMath xmlns:m="http://schemas.openxmlformats.org/officeDocument/2006/math">
+                      <m:nary>
+                        <m:naryPr>
+                          <m:limLoc m:val="undOvr"/>
+                          <m:subHide m:val="on"/>
+                          <m:supHide m:val="on"/>
+                          <m:ctrlPr>
+                            <a:rPr kumimoji="1" lang="en-US" altLang="ja-JP" sz="4000" b="0" i="1" smtClean="0">
+                              <a:latin typeface="Cambria Math" panose="02040503050406030204" pitchFamily="18" charset="0"/>
+                            </a:rPr>
+                          </m:ctrlPr>
+                        </m:naryPr>
+                        <m:sub/>
+                        <m:sup/>
+                        <m:e>
+                          <m:r>
+                            <a:rPr lang="en-US" altLang="ja-JP" sz="4000" i="1">
+                              <a:latin typeface="Cambria Math" panose="02040503050406030204" pitchFamily="18" charset="0"/>
+                            </a:rPr>
+                            <m:t>𝑓𝑑𝑝𝑑𝑞</m:t>
+                          </m:r>
+                        </m:e>
+                      </m:nary>
+                      <m:r>
+                        <a:rPr kumimoji="1" lang="en-US" altLang="ja-JP" sz="4000" b="0" i="1" smtClean="0">
+                          <a:latin typeface="Cambria Math" panose="02040503050406030204" pitchFamily="18" charset="0"/>
+                        </a:rPr>
+                        <m:t>=1</m:t>
+                      </m:r>
+                    </m:oMath>
+                  </m:oMathPara>
+                </a14:m>
+                <a:endParaRPr kumimoji="1" lang="ja-JP" altLang="en-US" sz="4000"/>
+              </a:p>
+            </p:txBody>
+          </p:sp>
+        </mc:Choice>
+        <mc:Fallback>
+          <p:sp>
+            <p:nvSpPr>
+              <p:cNvPr id="7" name="テキスト ボックス 6">
+                <a:extLst>
+                  <a:ext uri="{FF2B5EF4-FFF2-40B4-BE49-F238E27FC236}">
+                    <a16:creationId xmlns:a16="http://schemas.microsoft.com/office/drawing/2014/main" id="{30117BE1-A7C1-7092-6021-974C60955C30}"/>
+                  </a:ext>
+                </a:extLst>
+              </p:cNvPr>
+              <p:cNvSpPr txBox="1">
+                <a:spLocks noRot="1" noChangeAspect="1" noMove="1" noResize="1" noEditPoints="1" noAdjustHandles="1" noChangeArrowheads="1" noChangeShapeType="1" noTextEdit="1"/>
+              </p:cNvSpPr>
+              <p:nvPr/>
+            </p:nvSpPr>
+            <p:spPr>
+              <a:xfrm>
+                <a:off x="3635896" y="2420888"/>
+                <a:ext cx="3230179" cy="1706878"/>
+              </a:xfrm>
+              <a:prstGeom prst="rect">
+                <a:avLst/>
+              </a:prstGeom>
+              <a:blipFill>
+                <a:blip r:embed="rId3"/>
+                <a:stretch>
+                  <a:fillRect/>
+                </a:stretch>
+              </a:blipFill>
+            </p:spPr>
+            <p:txBody>
+              <a:bodyPr/>
+              <a:lstStyle/>
+              <a:p>
+                <a:r>
+                  <a:rPr lang="ja-JP" altLang="en-US">
+                    <a:noFill/>
+                  </a:rPr>
+                  <a:t> </a:t>
+                </a:r>
+              </a:p>
+            </p:txBody>
+          </p:sp>
+        </mc:Fallback>
+      </mc:AlternateContent>
+      <p:sp>
+        <p:nvSpPr>
+          <p:cNvPr id="8" name="テキスト ボックス 7">
+            <a:extLst>
+              <a:ext uri="{FF2B5EF4-FFF2-40B4-BE49-F238E27FC236}">
+                <a16:creationId xmlns:a16="http://schemas.microsoft.com/office/drawing/2014/main" id="{0C72EEF6-E6C0-0ABB-77C7-A0590808D8DA}"/>
+              </a:ext>
+            </a:extLst>
+          </p:cNvPr>
+          <p:cNvSpPr txBox="1"/>
+          <p:nvPr/>
+        </p:nvSpPr>
+        <p:spPr>
+          <a:xfrm>
+            <a:off x="611560" y="4365104"/>
+            <a:ext cx="2698175" cy="523220"/>
+          </a:xfrm>
+          <a:prstGeom prst="rect">
+            <a:avLst/>
+          </a:prstGeom>
+          <a:noFill/>
+        </p:spPr>
+        <p:txBody>
+          <a:bodyPr wrap="none" rtlCol="0">
+            <a:spAutoFit/>
+          </a:bodyPr>
+          <a:lstStyle/>
+          <a:p>
+            <a:r>
+              <a:rPr lang="ja-JP" altLang="en-US" sz="2800"/>
+              <a:t>内部エネルギー</a:t>
+            </a:r>
+            <a:endParaRPr kumimoji="1" lang="ja-JP" altLang="en-US" sz="2800"/>
+          </a:p>
+        </p:txBody>
+      </p:sp>
+      <mc:AlternateContent xmlns:mc="http://schemas.openxmlformats.org/markup-compatibility/2006">
+        <mc:Choice xmlns:a14="http://schemas.microsoft.com/office/drawing/2010/main" Requires="a14">
+          <p:sp>
+            <p:nvSpPr>
+              <p:cNvPr id="9" name="テキスト ボックス 8">
+                <a:extLst>
+                  <a:ext uri="{FF2B5EF4-FFF2-40B4-BE49-F238E27FC236}">
+                    <a16:creationId xmlns:a16="http://schemas.microsoft.com/office/drawing/2014/main" id="{DA0F4298-C868-17FF-7CEC-E9A89B5C7C27}"/>
+                  </a:ext>
+                </a:extLst>
+              </p:cNvPr>
+              <p:cNvSpPr txBox="1"/>
+              <p:nvPr/>
+            </p:nvSpPr>
+            <p:spPr>
+              <a:xfrm>
+                <a:off x="3563888" y="3861048"/>
+                <a:ext cx="3682610" cy="1706878"/>
+              </a:xfrm>
+              <a:prstGeom prst="rect">
+                <a:avLst/>
+              </a:prstGeom>
+              <a:noFill/>
+            </p:spPr>
+            <p:txBody>
+              <a:bodyPr wrap="none" rtlCol="0">
+                <a:spAutoFit/>
+              </a:bodyPr>
+              <a:lstStyle/>
+              <a:p>
+                <a14:m>
+                  <m:oMathPara xmlns:m="http://schemas.openxmlformats.org/officeDocument/2006/math">
+                    <m:oMathParaPr>
+                      <m:jc m:val="centerGroup"/>
+                    </m:oMathParaPr>
+                    <m:oMath xmlns:m="http://schemas.openxmlformats.org/officeDocument/2006/math">
+                      <m:nary>
+                        <m:naryPr>
+                          <m:limLoc m:val="undOvr"/>
+                          <m:subHide m:val="on"/>
+                          <m:supHide m:val="on"/>
+                          <m:ctrlPr>
+                            <a:rPr kumimoji="1" lang="en-US" altLang="ja-JP" sz="4000" b="0" i="1" smtClean="0">
+                              <a:latin typeface="Cambria Math" panose="02040503050406030204" pitchFamily="18" charset="0"/>
+                            </a:rPr>
+                          </m:ctrlPr>
+                        </m:naryPr>
+                        <m:sub/>
+                        <m:sup/>
+                        <m:e>
+                          <m:r>
+                            <a:rPr kumimoji="1" lang="en-US" altLang="ja-JP" sz="4000" b="0" i="1" smtClean="0">
+                              <a:latin typeface="Cambria Math" panose="02040503050406030204" pitchFamily="18" charset="0"/>
+                            </a:rPr>
+                            <m:t>𝐻</m:t>
+                          </m:r>
+                          <m:r>
+                            <a:rPr lang="en-US" altLang="ja-JP" sz="4000" i="1">
+                              <a:latin typeface="Cambria Math" panose="02040503050406030204" pitchFamily="18" charset="0"/>
+                            </a:rPr>
+                            <m:t>𝑓𝑑𝑝𝑑𝑞</m:t>
+                          </m:r>
+                        </m:e>
+                      </m:nary>
+                      <m:r>
+                        <a:rPr kumimoji="1" lang="en-US" altLang="ja-JP" sz="4000" b="0" i="1" smtClean="0">
+                          <a:latin typeface="Cambria Math" panose="02040503050406030204" pitchFamily="18" charset="0"/>
+                        </a:rPr>
+                        <m:t>=</m:t>
+                      </m:r>
+                      <m:r>
+                        <a:rPr kumimoji="1" lang="en-US" altLang="ja-JP" sz="4000" b="0" i="1" smtClean="0">
+                          <a:latin typeface="Cambria Math" panose="02040503050406030204" pitchFamily="18" charset="0"/>
+                        </a:rPr>
+                        <m:t>𝑈</m:t>
+                      </m:r>
+                    </m:oMath>
+                  </m:oMathPara>
+                </a14:m>
+                <a:endParaRPr kumimoji="1" lang="ja-JP" altLang="en-US" sz="4000"/>
+              </a:p>
+            </p:txBody>
+          </p:sp>
+        </mc:Choice>
+        <mc:Fallback>
+          <p:sp>
+            <p:nvSpPr>
+              <p:cNvPr id="9" name="テキスト ボックス 8">
+                <a:extLst>
+                  <a:ext uri="{FF2B5EF4-FFF2-40B4-BE49-F238E27FC236}">
+                    <a16:creationId xmlns:a16="http://schemas.microsoft.com/office/drawing/2014/main" id="{DA0F4298-C868-17FF-7CEC-E9A89B5C7C27}"/>
+                  </a:ext>
+                </a:extLst>
+              </p:cNvPr>
+              <p:cNvSpPr txBox="1">
+                <a:spLocks noRot="1" noChangeAspect="1" noMove="1" noResize="1" noEditPoints="1" noAdjustHandles="1" noChangeArrowheads="1" noChangeShapeType="1" noTextEdit="1"/>
+              </p:cNvSpPr>
+              <p:nvPr/>
+            </p:nvSpPr>
+            <p:spPr>
+              <a:xfrm>
+                <a:off x="3563888" y="3861048"/>
+                <a:ext cx="3682610" cy="1706878"/>
+              </a:xfrm>
+              <a:prstGeom prst="rect">
+                <a:avLst/>
+              </a:prstGeom>
+              <a:blipFill>
+                <a:blip r:embed="rId4"/>
+                <a:stretch>
+                  <a:fillRect/>
+                </a:stretch>
+              </a:blipFill>
+            </p:spPr>
+            <p:txBody>
+              <a:bodyPr/>
+              <a:lstStyle/>
+              <a:p>
+                <a:r>
+                  <a:rPr lang="ja-JP" altLang="en-US">
+                    <a:noFill/>
+                  </a:rPr>
+                  <a:t> </a:t>
+                </a:r>
+              </a:p>
+            </p:txBody>
+          </p:sp>
+        </mc:Fallback>
+      </mc:AlternateContent>
+    </p:spTree>
+    <p:extLst>
+      <p:ext uri="{BB962C8B-B14F-4D97-AF65-F5344CB8AC3E}">
+        <p14:creationId xmlns:p14="http://schemas.microsoft.com/office/powerpoint/2010/main" val="3879831379"/>
+      </p:ext>
+    </p:extLst>
+  </p:cSld>
+  <p:clrMapOvr>
+    <a:masterClrMapping/>
+  </p:clrMapOvr>
+</p:sld>
+</file>
+
+<file path=ppt/slides/slide18.xml><?xml version="1.0" encoding="utf-8"?>
+<p:sld xmlns:a="http://schemas.openxmlformats.org/drawingml/2006/main" xmlns:r="http://schemas.openxmlformats.org/officeDocument/2006/relationships" xmlns:p="http://schemas.openxmlformats.org/presentationml/2006/main">
+  <p:cSld>
+    <p:spTree>
+      <p:nvGrpSpPr>
+        <p:cNvPr id="1" name=""/>
+        <p:cNvGrpSpPr/>
+        <p:nvPr/>
+      </p:nvGrpSpPr>
+      <p:grpSpPr>
+        <a:xfrm>
+          <a:off x="0" y="0"/>
+          <a:ext cx="0" cy="0"/>
+          <a:chOff x="0" y="0"/>
+          <a:chExt cx="0" cy="0"/>
+        </a:xfrm>
+      </p:grpSpPr>
+      <p:sp>
+        <p:nvSpPr>
+          <p:cNvPr id="2" name="テキスト プレースホルダー 1">
+            <a:extLst>
+              <a:ext uri="{FF2B5EF4-FFF2-40B4-BE49-F238E27FC236}">
+                <a16:creationId xmlns:a16="http://schemas.microsoft.com/office/drawing/2014/main" id="{DABAA168-A674-EA6C-FA69-E4215A3B3229}"/>
+              </a:ext>
+            </a:extLst>
+          </p:cNvPr>
+          <p:cNvSpPr>
+            <a:spLocks noGrp="1"/>
+          </p:cNvSpPr>
+          <p:nvPr>
+            <p:ph type="body" sz="quarter" idx="10"/>
+          </p:nvPr>
+        </p:nvSpPr>
+        <p:spPr/>
+        <p:txBody>
+          <a:bodyPr/>
+          <a:lstStyle/>
+          <a:p>
+            <a:r>
+              <a:rPr kumimoji="1" lang="ja-JP" altLang="en-US"/>
+              <a:t>カノニカル分布と逆温度</a:t>
+            </a:r>
+          </a:p>
+        </p:txBody>
+      </p:sp>
+      <p:sp>
+        <p:nvSpPr>
+          <p:cNvPr id="3" name="テキスト ボックス 2">
+            <a:extLst>
+              <a:ext uri="{FF2B5EF4-FFF2-40B4-BE49-F238E27FC236}">
+                <a16:creationId xmlns:a16="http://schemas.microsoft.com/office/drawing/2014/main" id="{DD278D98-67B4-8316-9E9D-BF29F81969E8}"/>
+              </a:ext>
+            </a:extLst>
+          </p:cNvPr>
+          <p:cNvSpPr txBox="1"/>
+          <p:nvPr/>
+        </p:nvSpPr>
+        <p:spPr>
+          <a:xfrm>
+            <a:off x="251520" y="1340768"/>
+            <a:ext cx="7725192" cy="523220"/>
+          </a:xfrm>
+          <a:prstGeom prst="rect">
+            <a:avLst/>
+          </a:prstGeom>
+          <a:noFill/>
+        </p:spPr>
+        <p:txBody>
+          <a:bodyPr wrap="none" rtlCol="0">
+            <a:spAutoFit/>
+          </a:bodyPr>
+          <a:lstStyle/>
+          <a:p>
+            <a:r>
+              <a:rPr kumimoji="1" lang="ja-JP" altLang="en-US" sz="2800"/>
+              <a:t>この系のエントロピーを以下のように定義する</a:t>
+            </a:r>
+          </a:p>
+        </p:txBody>
+      </p:sp>
+      <mc:AlternateContent xmlns:mc="http://schemas.openxmlformats.org/markup-compatibility/2006">
+        <mc:Choice xmlns:a14="http://schemas.microsoft.com/office/drawing/2010/main" Requires="a14">
+          <p:sp>
+            <p:nvSpPr>
+              <p:cNvPr id="4" name="テキスト ボックス 3">
+                <a:extLst>
+                  <a:ext uri="{FF2B5EF4-FFF2-40B4-BE49-F238E27FC236}">
+                    <a16:creationId xmlns:a16="http://schemas.microsoft.com/office/drawing/2014/main" id="{31B6384D-F58B-A80A-09D8-828DE9CDFAAD}"/>
+                  </a:ext>
+                </a:extLst>
+              </p:cNvPr>
+              <p:cNvSpPr txBox="1"/>
+              <p:nvPr/>
+            </p:nvSpPr>
+            <p:spPr>
+              <a:xfrm>
+                <a:off x="2195736" y="2060848"/>
+                <a:ext cx="4223400" cy="1384033"/>
+              </a:xfrm>
+              <a:prstGeom prst="rect">
+                <a:avLst/>
+              </a:prstGeom>
+              <a:noFill/>
+            </p:spPr>
+            <p:txBody>
+              <a:bodyPr wrap="none" rtlCol="0">
+                <a:spAutoFit/>
+              </a:bodyPr>
+              <a:lstStyle/>
+              <a:p>
+                <a14:m>
+                  <m:oMathPara xmlns:m="http://schemas.openxmlformats.org/officeDocument/2006/math">
+                    <m:oMathParaPr>
+                      <m:jc m:val="centerGroup"/>
+                    </m:oMathParaPr>
+                    <m:oMath xmlns:m="http://schemas.openxmlformats.org/officeDocument/2006/math">
+                      <m:r>
+                        <a:rPr kumimoji="1" lang="en-US" altLang="ja-JP" sz="3200" b="0" i="1" smtClean="0">
+                          <a:latin typeface="Cambria Math" panose="02040503050406030204" pitchFamily="18" charset="0"/>
+                        </a:rPr>
+                        <m:t>𝑆</m:t>
+                      </m:r>
+                      <m:r>
+                        <a:rPr kumimoji="1" lang="en-US" altLang="ja-JP" sz="3200" b="0" i="1" smtClean="0">
+                          <a:latin typeface="Cambria Math" panose="02040503050406030204" pitchFamily="18" charset="0"/>
+                        </a:rPr>
+                        <m:t>=−</m:t>
+                      </m:r>
+                      <m:r>
+                        <a:rPr kumimoji="1" lang="en-US" altLang="ja-JP" sz="3200" b="0" i="1" smtClean="0">
+                          <a:latin typeface="Cambria Math" panose="02040503050406030204" pitchFamily="18" charset="0"/>
+                        </a:rPr>
+                        <m:t>𝑘</m:t>
+                      </m:r>
+                      <m:nary>
+                        <m:naryPr>
+                          <m:limLoc m:val="undOvr"/>
+                          <m:subHide m:val="on"/>
+                          <m:supHide m:val="on"/>
+                          <m:ctrlPr>
+                            <a:rPr kumimoji="1" lang="en-US" altLang="ja-JP" sz="3200" b="0" i="1" smtClean="0">
+                              <a:latin typeface="Cambria Math" panose="02040503050406030204" pitchFamily="18" charset="0"/>
+                            </a:rPr>
+                          </m:ctrlPr>
+                        </m:naryPr>
+                        <m:sub/>
+                        <m:sup/>
+                        <m:e>
+                          <m:r>
+                            <a:rPr kumimoji="1" lang="en-US" altLang="ja-JP" sz="3200" b="0" i="1" smtClean="0">
+                              <a:latin typeface="Cambria Math" panose="02040503050406030204" pitchFamily="18" charset="0"/>
+                            </a:rPr>
+                            <m:t>𝑓</m:t>
+                          </m:r>
+                          <m:func>
+                            <m:funcPr>
+                              <m:ctrlPr>
+                                <a:rPr kumimoji="1" lang="en-US" altLang="ja-JP" sz="3200" b="0" i="1" smtClean="0">
+                                  <a:latin typeface="Cambria Math" panose="02040503050406030204" pitchFamily="18" charset="0"/>
+                                </a:rPr>
+                              </m:ctrlPr>
+                            </m:funcPr>
+                            <m:fName>
+                              <m:r>
+                                <m:rPr>
+                                  <m:sty m:val="p"/>
+                                </m:rPr>
+                                <a:rPr kumimoji="1" lang="en-US" altLang="ja-JP" sz="3200" b="0" i="0" smtClean="0">
+                                  <a:latin typeface="Cambria Math" panose="02040503050406030204" pitchFamily="18" charset="0"/>
+                                </a:rPr>
+                                <m:t>log</m:t>
+                              </m:r>
+                            </m:fName>
+                            <m:e>
+                              <m:r>
+                                <a:rPr kumimoji="1" lang="en-US" altLang="ja-JP" sz="3200" b="0" i="1" smtClean="0">
+                                  <a:latin typeface="Cambria Math" panose="02040503050406030204" pitchFamily="18" charset="0"/>
+                                </a:rPr>
+                                <m:t>𝑓</m:t>
+                              </m:r>
+                            </m:e>
+                          </m:func>
+                          <m:r>
+                            <a:rPr lang="en-US" altLang="ja-JP" sz="3200" i="1">
+                              <a:latin typeface="Cambria Math" panose="02040503050406030204" pitchFamily="18" charset="0"/>
+                            </a:rPr>
+                            <m:t>𝑑𝑝𝑑𝑞</m:t>
+                          </m:r>
+                        </m:e>
+                      </m:nary>
+                    </m:oMath>
+                  </m:oMathPara>
+                </a14:m>
+                <a:endParaRPr kumimoji="1" lang="ja-JP" altLang="en-US" sz="3200"/>
+              </a:p>
+            </p:txBody>
+          </p:sp>
+        </mc:Choice>
+        <mc:Fallback>
+          <p:sp>
+            <p:nvSpPr>
+              <p:cNvPr id="4" name="テキスト ボックス 3">
+                <a:extLst>
+                  <a:ext uri="{FF2B5EF4-FFF2-40B4-BE49-F238E27FC236}">
+                    <a16:creationId xmlns:a16="http://schemas.microsoft.com/office/drawing/2014/main" id="{31B6384D-F58B-A80A-09D8-828DE9CDFAAD}"/>
+                  </a:ext>
+                </a:extLst>
+              </p:cNvPr>
+              <p:cNvSpPr txBox="1">
+                <a:spLocks noRot="1" noChangeAspect="1" noMove="1" noResize="1" noEditPoints="1" noAdjustHandles="1" noChangeArrowheads="1" noChangeShapeType="1" noTextEdit="1"/>
+              </p:cNvSpPr>
+              <p:nvPr/>
+            </p:nvSpPr>
+            <p:spPr>
+              <a:xfrm>
+                <a:off x="2195736" y="2060848"/>
+                <a:ext cx="4223400" cy="1384033"/>
+              </a:xfrm>
+              <a:prstGeom prst="rect">
+                <a:avLst/>
+              </a:prstGeom>
+              <a:blipFill>
+                <a:blip r:embed="rId2"/>
+                <a:stretch>
+                  <a:fillRect/>
+                </a:stretch>
+              </a:blipFill>
+            </p:spPr>
+            <p:txBody>
+              <a:bodyPr/>
+              <a:lstStyle/>
+              <a:p>
+                <a:r>
+                  <a:rPr lang="ja-JP" altLang="en-US">
+                    <a:noFill/>
+                  </a:rPr>
+                  <a:t> </a:t>
+                </a:r>
+              </a:p>
+            </p:txBody>
+          </p:sp>
+        </mc:Fallback>
+      </mc:AlternateContent>
+      <mc:AlternateContent xmlns:mc="http://schemas.openxmlformats.org/markup-compatibility/2006">
+        <mc:Choice xmlns:a14="http://schemas.microsoft.com/office/drawing/2010/main" Requires="a14">
+          <p:sp>
+            <p:nvSpPr>
+              <p:cNvPr id="5" name="テキスト ボックス 4">
+                <a:extLst>
+                  <a:ext uri="{FF2B5EF4-FFF2-40B4-BE49-F238E27FC236}">
+                    <a16:creationId xmlns:a16="http://schemas.microsoft.com/office/drawing/2014/main" id="{BEA26DA5-6645-B993-6463-BBE45DF33803}"/>
+                  </a:ext>
+                </a:extLst>
+              </p:cNvPr>
+              <p:cNvSpPr txBox="1"/>
+              <p:nvPr/>
+            </p:nvSpPr>
+            <p:spPr>
+              <a:xfrm>
+                <a:off x="724704" y="4292704"/>
+                <a:ext cx="2318712" cy="1222514"/>
+              </a:xfrm>
+              <a:prstGeom prst="rect">
+                <a:avLst/>
+              </a:prstGeom>
+              <a:noFill/>
+            </p:spPr>
+            <p:txBody>
+              <a:bodyPr wrap="none" rtlCol="0">
+                <a:spAutoFit/>
+              </a:bodyPr>
+              <a:lstStyle/>
+              <a:p>
+                <a14:m>
+                  <m:oMathPara xmlns:m="http://schemas.openxmlformats.org/officeDocument/2006/math">
+                    <m:oMathParaPr>
+                      <m:jc m:val="centerGroup"/>
+                    </m:oMathParaPr>
+                    <m:oMath xmlns:m="http://schemas.openxmlformats.org/officeDocument/2006/math">
+                      <m:nary>
+                        <m:naryPr>
+                          <m:limLoc m:val="undOvr"/>
+                          <m:subHide m:val="on"/>
+                          <m:supHide m:val="on"/>
+                          <m:ctrlPr>
+                            <a:rPr kumimoji="1" lang="en-US" altLang="ja-JP" sz="2800" b="0" i="1" smtClean="0">
+                              <a:latin typeface="Cambria Math" panose="02040503050406030204" pitchFamily="18" charset="0"/>
+                            </a:rPr>
+                          </m:ctrlPr>
+                        </m:naryPr>
+                        <m:sub/>
+                        <m:sup/>
+                        <m:e>
+                          <m:r>
+                            <a:rPr lang="en-US" altLang="ja-JP" sz="2800" i="1">
+                              <a:latin typeface="Cambria Math" panose="02040503050406030204" pitchFamily="18" charset="0"/>
+                            </a:rPr>
+                            <m:t>𝑓𝑑𝑝𝑑𝑞</m:t>
+                          </m:r>
+                        </m:e>
+                      </m:nary>
+                      <m:r>
+                        <a:rPr kumimoji="1" lang="en-US" altLang="ja-JP" sz="2800" b="0" i="1" smtClean="0">
+                          <a:latin typeface="Cambria Math" panose="02040503050406030204" pitchFamily="18" charset="0"/>
+                        </a:rPr>
+                        <m:t>=1</m:t>
+                      </m:r>
+                    </m:oMath>
+                  </m:oMathPara>
+                </a14:m>
+                <a:endParaRPr kumimoji="1" lang="ja-JP" altLang="en-US" sz="2800"/>
+              </a:p>
+            </p:txBody>
+          </p:sp>
+        </mc:Choice>
+        <mc:Fallback>
+          <p:sp>
+            <p:nvSpPr>
+              <p:cNvPr id="5" name="テキスト ボックス 4">
+                <a:extLst>
+                  <a:ext uri="{FF2B5EF4-FFF2-40B4-BE49-F238E27FC236}">
+                    <a16:creationId xmlns:a16="http://schemas.microsoft.com/office/drawing/2014/main" id="{BEA26DA5-6645-B993-6463-BBE45DF33803}"/>
+                  </a:ext>
+                </a:extLst>
+              </p:cNvPr>
+              <p:cNvSpPr txBox="1">
+                <a:spLocks noRot="1" noChangeAspect="1" noMove="1" noResize="1" noEditPoints="1" noAdjustHandles="1" noChangeArrowheads="1" noChangeShapeType="1" noTextEdit="1"/>
+              </p:cNvSpPr>
+              <p:nvPr/>
+            </p:nvSpPr>
+            <p:spPr>
+              <a:xfrm>
+                <a:off x="724704" y="4292704"/>
+                <a:ext cx="2318712" cy="1222514"/>
+              </a:xfrm>
+              <a:prstGeom prst="rect">
+                <a:avLst/>
+              </a:prstGeom>
+              <a:blipFill>
+                <a:blip r:embed="rId3"/>
+                <a:stretch>
+                  <a:fillRect/>
+                </a:stretch>
+              </a:blipFill>
+            </p:spPr>
+            <p:txBody>
+              <a:bodyPr/>
+              <a:lstStyle/>
+              <a:p>
+                <a:r>
+                  <a:rPr lang="ja-JP" altLang="en-US">
+                    <a:noFill/>
+                  </a:rPr>
+                  <a:t> </a:t>
+                </a:r>
+              </a:p>
+            </p:txBody>
+          </p:sp>
+        </mc:Fallback>
+      </mc:AlternateContent>
+      <mc:AlternateContent xmlns:mc="http://schemas.openxmlformats.org/markup-compatibility/2006">
+        <mc:Choice xmlns:a14="http://schemas.microsoft.com/office/drawing/2010/main" Requires="a14">
+          <p:sp>
+            <p:nvSpPr>
+              <p:cNvPr id="6" name="テキスト ボックス 5">
+                <a:extLst>
+                  <a:ext uri="{FF2B5EF4-FFF2-40B4-BE49-F238E27FC236}">
+                    <a16:creationId xmlns:a16="http://schemas.microsoft.com/office/drawing/2014/main" id="{561A021C-B450-6E9D-0071-39FD0952E467}"/>
+                  </a:ext>
+                </a:extLst>
+              </p:cNvPr>
+              <p:cNvSpPr txBox="1"/>
+              <p:nvPr/>
+            </p:nvSpPr>
+            <p:spPr>
+              <a:xfrm>
+                <a:off x="611560" y="5445224"/>
+                <a:ext cx="2635080" cy="1222514"/>
+              </a:xfrm>
+              <a:prstGeom prst="rect">
+                <a:avLst/>
+              </a:prstGeom>
+              <a:noFill/>
+            </p:spPr>
+            <p:txBody>
+              <a:bodyPr wrap="none" rtlCol="0">
+                <a:spAutoFit/>
+              </a:bodyPr>
+              <a:lstStyle/>
+              <a:p>
+                <a14:m>
+                  <m:oMathPara xmlns:m="http://schemas.openxmlformats.org/officeDocument/2006/math">
+                    <m:oMathParaPr>
+                      <m:jc m:val="centerGroup"/>
+                    </m:oMathParaPr>
+                    <m:oMath xmlns:m="http://schemas.openxmlformats.org/officeDocument/2006/math">
+                      <m:nary>
+                        <m:naryPr>
+                          <m:limLoc m:val="undOvr"/>
+                          <m:subHide m:val="on"/>
+                          <m:supHide m:val="on"/>
+                          <m:ctrlPr>
+                            <a:rPr kumimoji="1" lang="en-US" altLang="ja-JP" sz="2800" b="0" i="1" smtClean="0">
+                              <a:latin typeface="Cambria Math" panose="02040503050406030204" pitchFamily="18" charset="0"/>
+                            </a:rPr>
+                          </m:ctrlPr>
+                        </m:naryPr>
+                        <m:sub/>
+                        <m:sup/>
+                        <m:e>
+                          <m:r>
+                            <a:rPr kumimoji="1" lang="en-US" altLang="ja-JP" sz="2800" b="0" i="1" smtClean="0">
+                              <a:latin typeface="Cambria Math" panose="02040503050406030204" pitchFamily="18" charset="0"/>
+                            </a:rPr>
+                            <m:t>𝐻</m:t>
+                          </m:r>
+                          <m:r>
+                            <a:rPr lang="en-US" altLang="ja-JP" sz="2800" i="1">
+                              <a:latin typeface="Cambria Math" panose="02040503050406030204" pitchFamily="18" charset="0"/>
+                            </a:rPr>
+                            <m:t>𝑓𝑑𝑝𝑑𝑞</m:t>
+                          </m:r>
+                        </m:e>
+                      </m:nary>
+                      <m:r>
+                        <a:rPr kumimoji="1" lang="en-US" altLang="ja-JP" sz="2800" b="0" i="1" smtClean="0">
+                          <a:latin typeface="Cambria Math" panose="02040503050406030204" pitchFamily="18" charset="0"/>
+                        </a:rPr>
+                        <m:t>=</m:t>
+                      </m:r>
+                      <m:r>
+                        <a:rPr kumimoji="1" lang="en-US" altLang="ja-JP" sz="2800" b="0" i="1" smtClean="0">
+                          <a:latin typeface="Cambria Math" panose="02040503050406030204" pitchFamily="18" charset="0"/>
+                        </a:rPr>
+                        <m:t>𝑈</m:t>
+                      </m:r>
+                    </m:oMath>
+                  </m:oMathPara>
+                </a14:m>
+                <a:endParaRPr kumimoji="1" lang="ja-JP" altLang="en-US" sz="2800"/>
+              </a:p>
+            </p:txBody>
+          </p:sp>
+        </mc:Choice>
+        <mc:Fallback>
+          <p:sp>
+            <p:nvSpPr>
+              <p:cNvPr id="6" name="テキスト ボックス 5">
+                <a:extLst>
+                  <a:ext uri="{FF2B5EF4-FFF2-40B4-BE49-F238E27FC236}">
+                    <a16:creationId xmlns:a16="http://schemas.microsoft.com/office/drawing/2014/main" id="{561A021C-B450-6E9D-0071-39FD0952E467}"/>
+                  </a:ext>
+                </a:extLst>
+              </p:cNvPr>
+              <p:cNvSpPr txBox="1">
+                <a:spLocks noRot="1" noChangeAspect="1" noMove="1" noResize="1" noEditPoints="1" noAdjustHandles="1" noChangeArrowheads="1" noChangeShapeType="1" noTextEdit="1"/>
+              </p:cNvSpPr>
+              <p:nvPr/>
+            </p:nvSpPr>
+            <p:spPr>
+              <a:xfrm>
+                <a:off x="611560" y="5445224"/>
+                <a:ext cx="2635080" cy="1222514"/>
+              </a:xfrm>
+              <a:prstGeom prst="rect">
+                <a:avLst/>
+              </a:prstGeom>
+              <a:blipFill>
+                <a:blip r:embed="rId4"/>
+                <a:stretch>
+                  <a:fillRect/>
+                </a:stretch>
+              </a:blipFill>
+            </p:spPr>
+            <p:txBody>
+              <a:bodyPr/>
+              <a:lstStyle/>
+              <a:p>
+                <a:r>
+                  <a:rPr lang="ja-JP" altLang="en-US">
+                    <a:noFill/>
+                  </a:rPr>
+                  <a:t> </a:t>
+                </a:r>
+              </a:p>
+            </p:txBody>
+          </p:sp>
+        </mc:Fallback>
+      </mc:AlternateContent>
+      <p:sp>
+        <p:nvSpPr>
+          <p:cNvPr id="7" name="テキスト ボックス 6">
+            <a:extLst>
+              <a:ext uri="{FF2B5EF4-FFF2-40B4-BE49-F238E27FC236}">
+                <a16:creationId xmlns:a16="http://schemas.microsoft.com/office/drawing/2014/main" id="{E8E34414-EF9B-1E8B-7317-7814C2A3018F}"/>
+              </a:ext>
+            </a:extLst>
+          </p:cNvPr>
+          <p:cNvSpPr txBox="1"/>
+          <p:nvPr/>
+        </p:nvSpPr>
+        <p:spPr>
+          <a:xfrm>
+            <a:off x="395536" y="3356992"/>
+            <a:ext cx="8208912" cy="864096"/>
+          </a:xfrm>
+          <a:prstGeom prst="rect">
+            <a:avLst/>
+          </a:prstGeom>
+          <a:noFill/>
+        </p:spPr>
+        <p:txBody>
+          <a:bodyPr wrap="square" rtlCol="0">
+            <a:spAutoFit/>
+          </a:bodyPr>
+          <a:lstStyle/>
+          <a:p>
+            <a:r>
+              <a:rPr lang="ja-JP" altLang="en-US" sz="2400"/>
+              <a:t>以下の条件を満たしつつ、エントロピーを最大化する分布関数を求めたい</a:t>
+            </a:r>
+            <a:endParaRPr kumimoji="1" lang="ja-JP" altLang="en-US" sz="2400"/>
+          </a:p>
+        </p:txBody>
+      </p:sp>
+      <p:sp>
+        <p:nvSpPr>
+          <p:cNvPr id="8" name="テキスト ボックス 7">
+            <a:extLst>
+              <a:ext uri="{FF2B5EF4-FFF2-40B4-BE49-F238E27FC236}">
+                <a16:creationId xmlns:a16="http://schemas.microsoft.com/office/drawing/2014/main" id="{F52C8A1C-A677-4030-266F-DF3325A928E8}"/>
+              </a:ext>
+            </a:extLst>
+          </p:cNvPr>
+          <p:cNvSpPr txBox="1"/>
+          <p:nvPr/>
+        </p:nvSpPr>
+        <p:spPr>
+          <a:xfrm>
+            <a:off x="4067944" y="4581128"/>
+            <a:ext cx="1980029" cy="523220"/>
+          </a:xfrm>
+          <a:prstGeom prst="rect">
+            <a:avLst/>
+          </a:prstGeom>
+          <a:noFill/>
+        </p:spPr>
+        <p:txBody>
+          <a:bodyPr wrap="none" rtlCol="0">
+            <a:spAutoFit/>
+          </a:bodyPr>
+          <a:lstStyle/>
+          <a:p>
+            <a:r>
+              <a:rPr kumimoji="1" lang="ja-JP" altLang="en-US" sz="2800"/>
+              <a:t>規格化条件</a:t>
+            </a:r>
+          </a:p>
+        </p:txBody>
+      </p:sp>
+      <mc:AlternateContent xmlns:mc="http://schemas.openxmlformats.org/markup-compatibility/2006">
+        <mc:Choice xmlns:a14="http://schemas.microsoft.com/office/drawing/2010/main" Requires="a14">
+          <p:sp>
+            <p:nvSpPr>
+              <p:cNvPr id="9" name="テキスト ボックス 8">
+                <a:extLst>
+                  <a:ext uri="{FF2B5EF4-FFF2-40B4-BE49-F238E27FC236}">
+                    <a16:creationId xmlns:a16="http://schemas.microsoft.com/office/drawing/2014/main" id="{F43036E6-B767-3D5F-3316-E130B694A292}"/>
+                  </a:ext>
+                </a:extLst>
+              </p:cNvPr>
+              <p:cNvSpPr txBox="1"/>
+              <p:nvPr/>
+            </p:nvSpPr>
+            <p:spPr>
+              <a:xfrm>
+                <a:off x="4143155" y="5661248"/>
+                <a:ext cx="4029245" cy="523220"/>
+              </a:xfrm>
+              <a:prstGeom prst="rect">
+                <a:avLst/>
+              </a:prstGeom>
+              <a:noFill/>
+            </p:spPr>
+            <p:txBody>
+              <a:bodyPr wrap="none" rtlCol="0">
+                <a:spAutoFit/>
+              </a:bodyPr>
+              <a:lstStyle/>
+              <a:p>
+                <a:r>
+                  <a:rPr kumimoji="1" lang="ja-JP" altLang="en-US" sz="2800"/>
+                  <a:t>エネルギーの期待値が</a:t>
+                </a:r>
+                <a14:m>
+                  <m:oMath xmlns:m="http://schemas.openxmlformats.org/officeDocument/2006/math">
+                    <m:r>
+                      <a:rPr kumimoji="1" lang="en-US" altLang="ja-JP" sz="2800" b="0" i="1" smtClean="0">
+                        <a:latin typeface="Cambria Math" panose="02040503050406030204" pitchFamily="18" charset="0"/>
+                      </a:rPr>
+                      <m:t>𝑈</m:t>
+                    </m:r>
+                  </m:oMath>
+                </a14:m>
+                <a:endParaRPr kumimoji="1" lang="ja-JP" altLang="en-US" sz="2800"/>
+              </a:p>
+            </p:txBody>
+          </p:sp>
+        </mc:Choice>
+        <mc:Fallback>
+          <p:sp>
+            <p:nvSpPr>
+              <p:cNvPr id="9" name="テキスト ボックス 8">
+                <a:extLst>
+                  <a:ext uri="{FF2B5EF4-FFF2-40B4-BE49-F238E27FC236}">
+                    <a16:creationId xmlns:a16="http://schemas.microsoft.com/office/drawing/2014/main" id="{F43036E6-B767-3D5F-3316-E130B694A292}"/>
+                  </a:ext>
+                </a:extLst>
+              </p:cNvPr>
+              <p:cNvSpPr txBox="1">
+                <a:spLocks noRot="1" noChangeAspect="1" noMove="1" noResize="1" noEditPoints="1" noAdjustHandles="1" noChangeArrowheads="1" noChangeShapeType="1" noTextEdit="1"/>
+              </p:cNvSpPr>
+              <p:nvPr/>
+            </p:nvSpPr>
+            <p:spPr>
+              <a:xfrm>
+                <a:off x="4143155" y="5661248"/>
+                <a:ext cx="4029245" cy="523220"/>
+              </a:xfrm>
+              <a:prstGeom prst="rect">
+                <a:avLst/>
+              </a:prstGeom>
+              <a:blipFill>
+                <a:blip r:embed="rId5"/>
+                <a:stretch>
+                  <a:fillRect l="-3177" t="-16279" b="-27907"/>
+                </a:stretch>
+              </a:blipFill>
+            </p:spPr>
+            <p:txBody>
+              <a:bodyPr/>
+              <a:lstStyle/>
+              <a:p>
+                <a:r>
+                  <a:rPr lang="ja-JP" altLang="en-US">
+                    <a:noFill/>
+                  </a:rPr>
+                  <a:t> </a:t>
+                </a:r>
+              </a:p>
+            </p:txBody>
+          </p:sp>
+        </mc:Fallback>
+      </mc:AlternateContent>
+    </p:spTree>
+    <p:extLst>
+      <p:ext uri="{BB962C8B-B14F-4D97-AF65-F5344CB8AC3E}">
+        <p14:creationId xmlns:p14="http://schemas.microsoft.com/office/powerpoint/2010/main" val="417806345"/>
+      </p:ext>
+    </p:extLst>
+  </p:cSld>
+  <p:clrMapOvr>
+    <a:masterClrMapping/>
+  </p:clrMapOvr>
+</p:sld>
+</file>
+
+<file path=ppt/slides/slide19.xml><?xml version="1.0" encoding="utf-8"?>
+<p:sld xmlns:a="http://schemas.openxmlformats.org/drawingml/2006/main" xmlns:r="http://schemas.openxmlformats.org/officeDocument/2006/relationships" xmlns:p="http://schemas.openxmlformats.org/presentationml/2006/main">
+  <p:cSld>
+    <p:spTree>
+      <p:nvGrpSpPr>
+        <p:cNvPr id="1" name=""/>
+        <p:cNvGrpSpPr/>
+        <p:nvPr/>
+      </p:nvGrpSpPr>
+      <p:grpSpPr>
+        <a:xfrm>
+          <a:off x="0" y="0"/>
+          <a:ext cx="0" cy="0"/>
+          <a:chOff x="0" y="0"/>
+          <a:chExt cx="0" cy="0"/>
+        </a:xfrm>
+      </p:grpSpPr>
+      <p:sp>
+        <p:nvSpPr>
+          <p:cNvPr id="2" name="テキスト プレースホルダー 1">
+            <a:extLst>
+              <a:ext uri="{FF2B5EF4-FFF2-40B4-BE49-F238E27FC236}">
+                <a16:creationId xmlns:a16="http://schemas.microsoft.com/office/drawing/2014/main" id="{E45ADFAC-D57D-49D7-EAFC-72AE65280F2C}"/>
+              </a:ext>
+            </a:extLst>
+          </p:cNvPr>
+          <p:cNvSpPr>
+            <a:spLocks noGrp="1"/>
+          </p:cNvSpPr>
+          <p:nvPr>
+            <p:ph type="body" sz="quarter" idx="10"/>
+          </p:nvPr>
+        </p:nvSpPr>
+        <p:spPr/>
+        <p:txBody>
+          <a:bodyPr/>
+          <a:lstStyle/>
+          <a:p>
+            <a:r>
+              <a:rPr kumimoji="1" lang="ja-JP" altLang="en-US"/>
+              <a:t>カノニカル分布と逆温度</a:t>
+            </a:r>
+          </a:p>
+        </p:txBody>
+      </p:sp>
+      <p:sp>
+        <p:nvSpPr>
+          <p:cNvPr id="4" name="テキスト ボックス 3">
+            <a:extLst>
+              <a:ext uri="{FF2B5EF4-FFF2-40B4-BE49-F238E27FC236}">
+                <a16:creationId xmlns:a16="http://schemas.microsoft.com/office/drawing/2014/main" id="{69276943-CA1C-43CD-A5C7-29723D2E691C}"/>
+              </a:ext>
+            </a:extLst>
+          </p:cNvPr>
+          <p:cNvSpPr txBox="1"/>
+          <p:nvPr/>
+        </p:nvSpPr>
+        <p:spPr>
+          <a:xfrm>
+            <a:off x="251520" y="1340768"/>
+            <a:ext cx="5006499" cy="461665"/>
+          </a:xfrm>
+          <a:prstGeom prst="rect">
+            <a:avLst/>
+          </a:prstGeom>
+          <a:noFill/>
+        </p:spPr>
+        <p:txBody>
+          <a:bodyPr wrap="none" rtlCol="0">
+            <a:spAutoFit/>
+          </a:bodyPr>
+          <a:lstStyle/>
+          <a:p>
+            <a:r>
+              <a:rPr lang="ja-JP" altLang="en-US" sz="2400"/>
+              <a:t>ラグランジュの未定定数法より</a:t>
+            </a:r>
+            <a:r>
+              <a:rPr lang="en-US" altLang="ja-JP" sz="2400"/>
+              <a:t>(※)</a:t>
+            </a:r>
+            <a:endParaRPr kumimoji="1" lang="ja-JP" altLang="en-US" sz="2400"/>
+          </a:p>
+        </p:txBody>
+      </p:sp>
+      <mc:AlternateContent xmlns:mc="http://schemas.openxmlformats.org/markup-compatibility/2006">
+        <mc:Choice xmlns:a14="http://schemas.microsoft.com/office/drawing/2010/main" Requires="a14">
+          <p:sp>
+            <p:nvSpPr>
+              <p:cNvPr id="5" name="テキスト ボックス 4">
+                <a:extLst>
+                  <a:ext uri="{FF2B5EF4-FFF2-40B4-BE49-F238E27FC236}">
+                    <a16:creationId xmlns:a16="http://schemas.microsoft.com/office/drawing/2014/main" id="{D209BDC6-A8D6-CEB4-CA8E-BD20341512A0}"/>
+                  </a:ext>
+                </a:extLst>
+              </p:cNvPr>
+              <p:cNvSpPr txBox="1"/>
+              <p:nvPr/>
+            </p:nvSpPr>
+            <p:spPr>
+              <a:xfrm>
+                <a:off x="827584" y="1844824"/>
+                <a:ext cx="7559057" cy="1222514"/>
+              </a:xfrm>
+              <a:prstGeom prst="rect">
+                <a:avLst/>
+              </a:prstGeom>
+              <a:noFill/>
+            </p:spPr>
+            <p:txBody>
+              <a:bodyPr wrap="none" rtlCol="0">
+                <a:spAutoFit/>
+              </a:bodyPr>
+              <a:lstStyle/>
+              <a:p>
+                <a14:m>
+                  <m:oMathPara xmlns:m="http://schemas.openxmlformats.org/officeDocument/2006/math">
+                    <m:oMathParaPr>
+                      <m:jc m:val="centerGroup"/>
+                    </m:oMathParaPr>
+                    <m:oMath xmlns:m="http://schemas.openxmlformats.org/officeDocument/2006/math">
+                      <m:r>
+                        <a:rPr kumimoji="1" lang="en-US" altLang="ja-JP" sz="2800" b="0" i="1" smtClean="0">
+                          <a:latin typeface="Cambria Math" panose="02040503050406030204" pitchFamily="18" charset="0"/>
+                        </a:rPr>
+                        <m:t>𝐼</m:t>
+                      </m:r>
+                      <m:r>
+                        <a:rPr kumimoji="1" lang="en-US" altLang="ja-JP" sz="2800" b="0" i="1" smtClean="0">
+                          <a:latin typeface="Cambria Math" panose="02040503050406030204" pitchFamily="18" charset="0"/>
+                        </a:rPr>
+                        <m:t>=</m:t>
+                      </m:r>
+                      <m:r>
+                        <a:rPr lang="en-US" altLang="ja-JP" sz="2800" i="1">
+                          <a:latin typeface="Cambria Math" panose="02040503050406030204" pitchFamily="18" charset="0"/>
+                        </a:rPr>
+                        <m:t>𝛼</m:t>
+                      </m:r>
+                      <m:nary>
+                        <m:naryPr>
+                          <m:limLoc m:val="undOvr"/>
+                          <m:subHide m:val="on"/>
+                          <m:supHide m:val="on"/>
+                          <m:ctrlPr>
+                            <a:rPr lang="en-US" altLang="ja-JP" sz="2800" i="1">
+                              <a:latin typeface="Cambria Math" panose="02040503050406030204" pitchFamily="18" charset="0"/>
+                            </a:rPr>
+                          </m:ctrlPr>
+                        </m:naryPr>
+                        <m:sub/>
+                        <m:sup/>
+                        <m:e>
+                          <m:r>
+                            <a:rPr lang="en-US" altLang="ja-JP" sz="2800" i="1">
+                              <a:latin typeface="Cambria Math" panose="02040503050406030204" pitchFamily="18" charset="0"/>
+                            </a:rPr>
+                            <m:t>𝑓𝑑𝑝𝑑𝑞</m:t>
+                          </m:r>
+                        </m:e>
+                      </m:nary>
+                      <m:r>
+                        <a:rPr lang="en-US" altLang="ja-JP" sz="2800" i="1">
+                          <a:latin typeface="Cambria Math" panose="02040503050406030204" pitchFamily="18" charset="0"/>
+                        </a:rPr>
+                        <m:t>+</m:t>
+                      </m:r>
+                      <m:r>
+                        <a:rPr lang="en-US" altLang="ja-JP" sz="2800" b="0" i="1" smtClean="0">
+                          <a:latin typeface="Cambria Math" panose="02040503050406030204" pitchFamily="18" charset="0"/>
+                        </a:rPr>
+                        <m:t>𝛽</m:t>
+                      </m:r>
+                      <m:nary>
+                        <m:naryPr>
+                          <m:limLoc m:val="undOvr"/>
+                          <m:subHide m:val="on"/>
+                          <m:supHide m:val="on"/>
+                          <m:ctrlPr>
+                            <a:rPr lang="en-US" altLang="ja-JP" sz="2800" i="1">
+                              <a:latin typeface="Cambria Math" panose="02040503050406030204" pitchFamily="18" charset="0"/>
+                            </a:rPr>
+                          </m:ctrlPr>
+                        </m:naryPr>
+                        <m:sub/>
+                        <m:sup/>
+                        <m:e>
+                          <m:r>
+                            <a:rPr lang="en-US" altLang="ja-JP" sz="2800" b="0" i="1" smtClean="0">
+                              <a:latin typeface="Cambria Math" panose="02040503050406030204" pitchFamily="18" charset="0"/>
+                            </a:rPr>
+                            <m:t>𝐻</m:t>
+                          </m:r>
+                          <m:r>
+                            <a:rPr lang="en-US" altLang="ja-JP" sz="2800" i="1">
+                              <a:latin typeface="Cambria Math" panose="02040503050406030204" pitchFamily="18" charset="0"/>
+                            </a:rPr>
+                            <m:t>𝑓𝑑𝑝𝑑𝑞</m:t>
+                          </m:r>
+                        </m:e>
+                      </m:nary>
+                      <m:r>
+                        <a:rPr lang="en-US" altLang="ja-JP" sz="2800" i="1">
+                          <a:latin typeface="Cambria Math" panose="02040503050406030204" pitchFamily="18" charset="0"/>
+                        </a:rPr>
+                        <m:t>+</m:t>
+                      </m:r>
+                      <m:nary>
+                        <m:naryPr>
+                          <m:limLoc m:val="undOvr"/>
+                          <m:subHide m:val="on"/>
+                          <m:supHide m:val="on"/>
+                          <m:ctrlPr>
+                            <a:rPr lang="en-US" altLang="ja-JP" sz="2800" i="1">
+                              <a:latin typeface="Cambria Math" panose="02040503050406030204" pitchFamily="18" charset="0"/>
+                            </a:rPr>
+                          </m:ctrlPr>
+                        </m:naryPr>
+                        <m:sub/>
+                        <m:sup/>
+                        <m:e>
+                          <m:r>
+                            <a:rPr lang="en-US" altLang="ja-JP" sz="2800" b="0" i="1" smtClean="0">
+                              <a:latin typeface="Cambria Math" panose="02040503050406030204" pitchFamily="18" charset="0"/>
+                            </a:rPr>
+                            <m:t>𝑓</m:t>
+                          </m:r>
+                          <m:func>
+                            <m:funcPr>
+                              <m:ctrlPr>
+                                <a:rPr lang="en-US" altLang="ja-JP" sz="2800" b="0" i="1" smtClean="0">
+                                  <a:latin typeface="Cambria Math" panose="02040503050406030204" pitchFamily="18" charset="0"/>
+                                </a:rPr>
+                              </m:ctrlPr>
+                            </m:funcPr>
+                            <m:fName>
+                              <m:r>
+                                <m:rPr>
+                                  <m:sty m:val="p"/>
+                                </m:rPr>
+                                <a:rPr lang="en-US" altLang="ja-JP" sz="2800" b="0" i="0" smtClean="0">
+                                  <a:latin typeface="Cambria Math" panose="02040503050406030204" pitchFamily="18" charset="0"/>
+                                </a:rPr>
+                                <m:t>log</m:t>
+                              </m:r>
+                            </m:fName>
+                            <m:e>
+                              <m:r>
+                                <a:rPr lang="en-US" altLang="ja-JP" sz="2800" b="0" i="1" smtClean="0">
+                                  <a:latin typeface="Cambria Math" panose="02040503050406030204" pitchFamily="18" charset="0"/>
+                                </a:rPr>
+                                <m:t>𝑓</m:t>
+                              </m:r>
+                            </m:e>
+                          </m:func>
+                          <m:r>
+                            <a:rPr lang="en-US" altLang="ja-JP" sz="2800" i="1">
+                              <a:latin typeface="Cambria Math" panose="02040503050406030204" pitchFamily="18" charset="0"/>
+                            </a:rPr>
+                            <m:t>𝑑𝑝𝑑𝑞</m:t>
+                          </m:r>
+                        </m:e>
+                      </m:nary>
+                    </m:oMath>
+                  </m:oMathPara>
+                </a14:m>
+                <a:endParaRPr kumimoji="1" lang="ja-JP" altLang="en-US" sz="2800"/>
+              </a:p>
+            </p:txBody>
+          </p:sp>
+        </mc:Choice>
+        <mc:Fallback>
+          <p:sp>
+            <p:nvSpPr>
+              <p:cNvPr id="5" name="テキスト ボックス 4">
+                <a:extLst>
+                  <a:ext uri="{FF2B5EF4-FFF2-40B4-BE49-F238E27FC236}">
+                    <a16:creationId xmlns:a16="http://schemas.microsoft.com/office/drawing/2014/main" id="{D209BDC6-A8D6-CEB4-CA8E-BD20341512A0}"/>
+                  </a:ext>
+                </a:extLst>
+              </p:cNvPr>
+              <p:cNvSpPr txBox="1">
+                <a:spLocks noRot="1" noChangeAspect="1" noMove="1" noResize="1" noEditPoints="1" noAdjustHandles="1" noChangeArrowheads="1" noChangeShapeType="1" noTextEdit="1"/>
+              </p:cNvSpPr>
+              <p:nvPr/>
+            </p:nvSpPr>
+            <p:spPr>
+              <a:xfrm>
+                <a:off x="827584" y="1844824"/>
+                <a:ext cx="7559057" cy="1222514"/>
+              </a:xfrm>
+              <a:prstGeom prst="rect">
+                <a:avLst/>
+              </a:prstGeom>
+              <a:blipFill>
+                <a:blip r:embed="rId2"/>
+                <a:stretch>
+                  <a:fillRect/>
+                </a:stretch>
+              </a:blipFill>
+            </p:spPr>
+            <p:txBody>
+              <a:bodyPr/>
+              <a:lstStyle/>
+              <a:p>
+                <a:r>
+                  <a:rPr lang="ja-JP" altLang="en-US">
+                    <a:noFill/>
+                  </a:rPr>
+                  <a:t> </a:t>
+                </a:r>
+              </a:p>
+            </p:txBody>
+          </p:sp>
+        </mc:Fallback>
+      </mc:AlternateContent>
+      <p:sp>
+        <p:nvSpPr>
+          <p:cNvPr id="6" name="テキスト ボックス 5">
+            <a:extLst>
+              <a:ext uri="{FF2B5EF4-FFF2-40B4-BE49-F238E27FC236}">
+                <a16:creationId xmlns:a16="http://schemas.microsoft.com/office/drawing/2014/main" id="{579727D6-8EEC-4510-981E-7A3A7216A1C0}"/>
+              </a:ext>
+            </a:extLst>
+          </p:cNvPr>
+          <p:cNvSpPr txBox="1"/>
+          <p:nvPr/>
+        </p:nvSpPr>
+        <p:spPr>
+          <a:xfrm>
+            <a:off x="755576" y="6381328"/>
+            <a:ext cx="7423827" cy="338554"/>
+          </a:xfrm>
+          <a:prstGeom prst="rect">
+            <a:avLst/>
+          </a:prstGeom>
+          <a:noFill/>
+        </p:spPr>
+        <p:txBody>
+          <a:bodyPr wrap="none" rtlCol="0">
+            <a:spAutoFit/>
+          </a:bodyPr>
+          <a:lstStyle/>
+          <a:p>
+            <a:r>
+              <a:rPr lang="en-US" altLang="ja-JP" sz="1600"/>
+              <a:t>※ </a:t>
+            </a:r>
+            <a:r>
+              <a:rPr lang="ja-JP" altLang="en-US" sz="1600"/>
+              <a:t>あとの便利のために符号をかえたりボルツマン定数を吸収させたりしている</a:t>
+            </a:r>
+            <a:endParaRPr kumimoji="1" lang="ja-JP" altLang="en-US" sz="1600"/>
+          </a:p>
+        </p:txBody>
+      </p:sp>
+      <p:sp>
+        <p:nvSpPr>
+          <p:cNvPr id="7" name="テキスト ボックス 6">
+            <a:extLst>
+              <a:ext uri="{FF2B5EF4-FFF2-40B4-BE49-F238E27FC236}">
+                <a16:creationId xmlns:a16="http://schemas.microsoft.com/office/drawing/2014/main" id="{A04C2DDE-FC93-8DD5-0A51-F857D0304C9E}"/>
+              </a:ext>
+            </a:extLst>
+          </p:cNvPr>
+          <p:cNvSpPr txBox="1"/>
+          <p:nvPr/>
+        </p:nvSpPr>
+        <p:spPr>
+          <a:xfrm>
+            <a:off x="323528" y="2996952"/>
+            <a:ext cx="2339102" cy="461665"/>
+          </a:xfrm>
+          <a:prstGeom prst="rect">
+            <a:avLst/>
+          </a:prstGeom>
+          <a:noFill/>
+        </p:spPr>
+        <p:txBody>
+          <a:bodyPr wrap="none" rtlCol="0">
+            <a:spAutoFit/>
+          </a:bodyPr>
+          <a:lstStyle/>
+          <a:p>
+            <a:r>
+              <a:rPr kumimoji="1" lang="ja-JP" altLang="en-US" sz="2400"/>
+              <a:t>汎関数微分から</a:t>
+            </a:r>
+          </a:p>
+        </p:txBody>
+      </p:sp>
+      <mc:AlternateContent xmlns:mc="http://schemas.openxmlformats.org/markup-compatibility/2006">
+        <mc:Choice xmlns:a14="http://schemas.microsoft.com/office/drawing/2010/main" Requires="a14">
+          <p:sp>
+            <p:nvSpPr>
+              <p:cNvPr id="9" name="テキスト ボックス 8">
+                <a:extLst>
+                  <a:ext uri="{FF2B5EF4-FFF2-40B4-BE49-F238E27FC236}">
+                    <a16:creationId xmlns:a16="http://schemas.microsoft.com/office/drawing/2014/main" id="{7F193168-4E89-234A-D395-A3009CC7EEC3}"/>
+                  </a:ext>
+                </a:extLst>
+              </p:cNvPr>
+              <p:cNvSpPr txBox="1"/>
+              <p:nvPr/>
+            </p:nvSpPr>
+            <p:spPr>
+              <a:xfrm>
+                <a:off x="1619672" y="3645024"/>
+                <a:ext cx="1450012" cy="584775"/>
+              </a:xfrm>
+              <a:prstGeom prst="rect">
+                <a:avLst/>
+              </a:prstGeom>
+              <a:noFill/>
+            </p:spPr>
+            <p:txBody>
+              <a:bodyPr wrap="none" rtlCol="0">
+                <a:spAutoFit/>
+              </a:bodyPr>
+              <a:lstStyle/>
+              <a:p>
+                <a14:m>
+                  <m:oMathPara xmlns:m="http://schemas.openxmlformats.org/officeDocument/2006/math">
+                    <m:oMathParaPr>
+                      <m:jc m:val="centerGroup"/>
+                    </m:oMathParaPr>
+                    <m:oMath xmlns:m="http://schemas.openxmlformats.org/officeDocument/2006/math">
+                      <m:r>
+                        <a:rPr kumimoji="1" lang="en-US" altLang="ja-JP" sz="3200" b="0" i="1" smtClean="0">
+                          <a:latin typeface="Cambria Math" panose="02040503050406030204" pitchFamily="18" charset="0"/>
+                        </a:rPr>
+                        <m:t>𝛿</m:t>
+                      </m:r>
+                      <m:r>
+                        <a:rPr kumimoji="1" lang="en-US" altLang="ja-JP" sz="3200" b="0" i="1" smtClean="0">
+                          <a:latin typeface="Cambria Math" panose="02040503050406030204" pitchFamily="18" charset="0"/>
+                        </a:rPr>
+                        <m:t>𝐼</m:t>
+                      </m:r>
+                      <m:r>
+                        <a:rPr kumimoji="1" lang="en-US" altLang="ja-JP" sz="3200" b="0" i="1" smtClean="0">
+                          <a:latin typeface="Cambria Math" panose="02040503050406030204" pitchFamily="18" charset="0"/>
+                        </a:rPr>
+                        <m:t>=0</m:t>
+                      </m:r>
+                    </m:oMath>
+                  </m:oMathPara>
+                </a14:m>
+                <a:endParaRPr kumimoji="1" lang="ja-JP" altLang="en-US" sz="3200"/>
+              </a:p>
+            </p:txBody>
+          </p:sp>
+        </mc:Choice>
+        <mc:Fallback>
+          <p:sp>
+            <p:nvSpPr>
+              <p:cNvPr id="9" name="テキスト ボックス 8">
+                <a:extLst>
+                  <a:ext uri="{FF2B5EF4-FFF2-40B4-BE49-F238E27FC236}">
+                    <a16:creationId xmlns:a16="http://schemas.microsoft.com/office/drawing/2014/main" id="{7F193168-4E89-234A-D395-A3009CC7EEC3}"/>
+                  </a:ext>
+                </a:extLst>
+              </p:cNvPr>
+              <p:cNvSpPr txBox="1">
+                <a:spLocks noRot="1" noChangeAspect="1" noMove="1" noResize="1" noEditPoints="1" noAdjustHandles="1" noChangeArrowheads="1" noChangeShapeType="1" noTextEdit="1"/>
+              </p:cNvSpPr>
+              <p:nvPr/>
+            </p:nvSpPr>
+            <p:spPr>
+              <a:xfrm>
+                <a:off x="1619672" y="3645024"/>
+                <a:ext cx="1450012" cy="584775"/>
+              </a:xfrm>
+              <a:prstGeom prst="rect">
+                <a:avLst/>
+              </a:prstGeom>
+              <a:blipFill>
+                <a:blip r:embed="rId3"/>
+                <a:stretch>
+                  <a:fillRect/>
+                </a:stretch>
+              </a:blipFill>
+            </p:spPr>
+            <p:txBody>
+              <a:bodyPr/>
+              <a:lstStyle/>
+              <a:p>
+                <a:r>
+                  <a:rPr lang="ja-JP" altLang="en-US">
+                    <a:noFill/>
+                  </a:rPr>
+                  <a:t> </a:t>
+                </a:r>
+              </a:p>
+            </p:txBody>
+          </p:sp>
+        </mc:Fallback>
+      </mc:AlternateContent>
+      <mc:AlternateContent xmlns:mc="http://schemas.openxmlformats.org/markup-compatibility/2006">
+        <mc:Choice xmlns:a14="http://schemas.microsoft.com/office/drawing/2010/main" Requires="a14">
+          <p:sp>
+            <p:nvSpPr>
+              <p:cNvPr id="10" name="テキスト ボックス 9">
+                <a:extLst>
+                  <a:ext uri="{FF2B5EF4-FFF2-40B4-BE49-F238E27FC236}">
+                    <a16:creationId xmlns:a16="http://schemas.microsoft.com/office/drawing/2014/main" id="{4125A1BA-4DD2-81A5-8043-02A2B47FB10A}"/>
+                  </a:ext>
+                </a:extLst>
+              </p:cNvPr>
+              <p:cNvSpPr txBox="1"/>
+              <p:nvPr/>
+            </p:nvSpPr>
+            <p:spPr>
+              <a:xfrm>
+                <a:off x="3779912" y="3645024"/>
+                <a:ext cx="4550413" cy="584775"/>
+              </a:xfrm>
+              <a:prstGeom prst="rect">
+                <a:avLst/>
+              </a:prstGeom>
+              <a:noFill/>
+            </p:spPr>
+            <p:txBody>
+              <a:bodyPr wrap="none" rtlCol="0">
+                <a:spAutoFit/>
+              </a:bodyPr>
+              <a:lstStyle/>
+              <a:p>
+                <a14:m>
+                  <m:oMathPara xmlns:m="http://schemas.openxmlformats.org/officeDocument/2006/math">
+                    <m:oMathParaPr>
+                      <m:jc m:val="centerGroup"/>
+                    </m:oMathParaPr>
+                    <m:oMath xmlns:m="http://schemas.openxmlformats.org/officeDocument/2006/math">
+                      <m:r>
+                        <a:rPr lang="en-US" altLang="ja-JP" sz="3200" i="1" smtClean="0">
+                          <a:latin typeface="Cambria Math" panose="02040503050406030204" pitchFamily="18" charset="0"/>
+                        </a:rPr>
+                        <m:t>𝛼</m:t>
+                      </m:r>
+                      <m:r>
+                        <a:rPr lang="en-US" altLang="ja-JP" sz="3200" b="0" i="1" smtClean="0">
+                          <a:latin typeface="Cambria Math" panose="02040503050406030204" pitchFamily="18" charset="0"/>
+                        </a:rPr>
+                        <m:t>+</m:t>
+                      </m:r>
+                      <m:r>
+                        <a:rPr lang="en-US" altLang="ja-JP" sz="3200" b="0" i="1" smtClean="0">
+                          <a:latin typeface="Cambria Math" panose="02040503050406030204" pitchFamily="18" charset="0"/>
+                        </a:rPr>
+                        <m:t>𝛽</m:t>
+                      </m:r>
+                      <m:r>
+                        <a:rPr lang="en-US" altLang="ja-JP" sz="3200" b="0" i="1" smtClean="0">
+                          <a:latin typeface="Cambria Math" panose="02040503050406030204" pitchFamily="18" charset="0"/>
+                        </a:rPr>
+                        <m:t>𝐻</m:t>
+                      </m:r>
+                      <m:r>
+                        <a:rPr lang="en-US" altLang="ja-JP" sz="3200" b="0" i="1" smtClean="0">
+                          <a:latin typeface="Cambria Math" panose="02040503050406030204" pitchFamily="18" charset="0"/>
+                        </a:rPr>
+                        <m:t>+1+</m:t>
+                      </m:r>
+                      <m:func>
+                        <m:funcPr>
+                          <m:ctrlPr>
+                            <a:rPr lang="en-US" altLang="ja-JP" sz="3200" b="0" i="1" smtClean="0">
+                              <a:latin typeface="Cambria Math" panose="02040503050406030204" pitchFamily="18" charset="0"/>
+                            </a:rPr>
+                          </m:ctrlPr>
+                        </m:funcPr>
+                        <m:fName>
+                          <m:r>
+                            <m:rPr>
+                              <m:sty m:val="p"/>
+                            </m:rPr>
+                            <a:rPr lang="en-US" altLang="ja-JP" sz="3200" b="0" i="0" smtClean="0">
+                              <a:latin typeface="Cambria Math" panose="02040503050406030204" pitchFamily="18" charset="0"/>
+                            </a:rPr>
+                            <m:t>log</m:t>
+                          </m:r>
+                        </m:fName>
+                        <m:e>
+                          <m:r>
+                            <a:rPr lang="en-US" altLang="ja-JP" sz="3200" b="0" i="1" smtClean="0">
+                              <a:latin typeface="Cambria Math" panose="02040503050406030204" pitchFamily="18" charset="0"/>
+                            </a:rPr>
+                            <m:t>𝑓</m:t>
+                          </m:r>
+                        </m:e>
+                      </m:func>
+                      <m:r>
+                        <a:rPr kumimoji="1" lang="en-US" altLang="ja-JP" sz="3200" b="0" i="1" smtClean="0">
+                          <a:latin typeface="Cambria Math" panose="02040503050406030204" pitchFamily="18" charset="0"/>
+                        </a:rPr>
+                        <m:t>=0</m:t>
+                      </m:r>
+                    </m:oMath>
+                  </m:oMathPara>
+                </a14:m>
+                <a:endParaRPr kumimoji="1" lang="ja-JP" altLang="en-US" sz="3200"/>
+              </a:p>
+            </p:txBody>
+          </p:sp>
+        </mc:Choice>
+        <mc:Fallback>
+          <p:sp>
+            <p:nvSpPr>
+              <p:cNvPr id="10" name="テキスト ボックス 9">
+                <a:extLst>
+                  <a:ext uri="{FF2B5EF4-FFF2-40B4-BE49-F238E27FC236}">
+                    <a16:creationId xmlns:a16="http://schemas.microsoft.com/office/drawing/2014/main" id="{4125A1BA-4DD2-81A5-8043-02A2B47FB10A}"/>
+                  </a:ext>
+                </a:extLst>
+              </p:cNvPr>
+              <p:cNvSpPr txBox="1">
+                <a:spLocks noRot="1" noChangeAspect="1" noMove="1" noResize="1" noEditPoints="1" noAdjustHandles="1" noChangeArrowheads="1" noChangeShapeType="1" noTextEdit="1"/>
+              </p:cNvSpPr>
+              <p:nvPr/>
+            </p:nvSpPr>
+            <p:spPr>
+              <a:xfrm>
+                <a:off x="3779912" y="3645024"/>
+                <a:ext cx="4550413" cy="584775"/>
+              </a:xfrm>
+              <a:prstGeom prst="rect">
+                <a:avLst/>
+              </a:prstGeom>
+              <a:blipFill>
+                <a:blip r:embed="rId4"/>
+                <a:stretch>
+                  <a:fillRect/>
+                </a:stretch>
+              </a:blipFill>
+            </p:spPr>
+            <p:txBody>
+              <a:bodyPr/>
+              <a:lstStyle/>
+              <a:p>
+                <a:r>
+                  <a:rPr lang="ja-JP" altLang="en-US">
+                    <a:noFill/>
+                  </a:rPr>
+                  <a:t> </a:t>
+                </a:r>
+              </a:p>
+            </p:txBody>
+          </p:sp>
+        </mc:Fallback>
+      </mc:AlternateContent>
+      <p:sp>
+        <p:nvSpPr>
+          <p:cNvPr id="11" name="矢印: 右 10">
+            <a:extLst>
+              <a:ext uri="{FF2B5EF4-FFF2-40B4-BE49-F238E27FC236}">
+                <a16:creationId xmlns:a16="http://schemas.microsoft.com/office/drawing/2014/main" id="{4102D609-159C-2FB7-FC21-18F76B04ACA2}"/>
+              </a:ext>
+            </a:extLst>
+          </p:cNvPr>
+          <p:cNvSpPr/>
+          <p:nvPr/>
+        </p:nvSpPr>
+        <p:spPr>
+          <a:xfrm>
+            <a:off x="3347864" y="3717032"/>
+            <a:ext cx="432048" cy="484632"/>
+          </a:xfrm>
+          <a:prstGeom prst="rightArrow">
+            <a:avLst/>
+          </a:prstGeom>
+          <a:solidFill>
+            <a:srgbClr val="FF0000"/>
+          </a:solidFill>
+          <a:ln>
+            <a:solidFill>
+              <a:schemeClr val="tx1"/>
+            </a:solidFill>
+          </a:ln>
+        </p:spPr>
+        <p:style>
+          <a:lnRef idx="2">
+            <a:schemeClr val="accent1">
+              <a:shade val="50000"/>
+            </a:schemeClr>
+          </a:lnRef>
+          <a:fillRef idx="1">
+            <a:schemeClr val="accent1"/>
+          </a:fillRef>
+          <a:effectRef idx="0">
+            <a:schemeClr val="accent1"/>
+          </a:effectRef>
+          <a:fontRef idx="minor">
+            <a:schemeClr val="lt1"/>
+          </a:fontRef>
+        </p:style>
+        <p:txBody>
+          <a:bodyPr rtlCol="0" anchor="ctr"/>
+          <a:lstStyle/>
+          <a:p>
+            <a:pPr algn="ctr"/>
+            <a:endParaRPr kumimoji="1" lang="ja-JP" altLang="en-US"/>
+          </a:p>
+        </p:txBody>
+      </p:sp>
+      <p:sp>
+        <p:nvSpPr>
+          <p:cNvPr id="12" name="テキスト ボックス 11">
+            <a:extLst>
+              <a:ext uri="{FF2B5EF4-FFF2-40B4-BE49-F238E27FC236}">
+                <a16:creationId xmlns:a16="http://schemas.microsoft.com/office/drawing/2014/main" id="{2601571A-9179-8353-D11E-807FE23F57CA}"/>
+              </a:ext>
+            </a:extLst>
+          </p:cNvPr>
+          <p:cNvSpPr txBox="1"/>
+          <p:nvPr/>
+        </p:nvSpPr>
+        <p:spPr>
+          <a:xfrm>
+            <a:off x="323528" y="4437112"/>
+            <a:ext cx="1415772" cy="461665"/>
+          </a:xfrm>
+          <a:prstGeom prst="rect">
+            <a:avLst/>
+          </a:prstGeom>
+          <a:noFill/>
+        </p:spPr>
+        <p:txBody>
+          <a:bodyPr wrap="none" rtlCol="0">
+            <a:spAutoFit/>
+          </a:bodyPr>
+          <a:lstStyle/>
+          <a:p>
+            <a:r>
+              <a:rPr lang="ja-JP" altLang="en-US" sz="2400"/>
+              <a:t>以上から</a:t>
+            </a:r>
+            <a:endParaRPr kumimoji="1" lang="ja-JP" altLang="en-US" sz="2400"/>
+          </a:p>
+        </p:txBody>
+      </p:sp>
+      <mc:AlternateContent xmlns:mc="http://schemas.openxmlformats.org/markup-compatibility/2006">
+        <mc:Choice xmlns:a14="http://schemas.microsoft.com/office/drawing/2010/main" Requires="a14">
+          <p:sp>
+            <p:nvSpPr>
+              <p:cNvPr id="13" name="テキスト ボックス 12">
+                <a:extLst>
+                  <a:ext uri="{FF2B5EF4-FFF2-40B4-BE49-F238E27FC236}">
+                    <a16:creationId xmlns:a16="http://schemas.microsoft.com/office/drawing/2014/main" id="{4CDDCF3E-E6C0-AF45-4F5F-E7C70B410AE9}"/>
+                  </a:ext>
+                </a:extLst>
+              </p:cNvPr>
+              <p:cNvSpPr txBox="1"/>
+              <p:nvPr/>
+            </p:nvSpPr>
+            <p:spPr>
+              <a:xfrm>
+                <a:off x="899592" y="5085184"/>
+                <a:ext cx="3571042" cy="584775"/>
+              </a:xfrm>
+              <a:prstGeom prst="rect">
+                <a:avLst/>
+              </a:prstGeom>
+              <a:noFill/>
+            </p:spPr>
+            <p:txBody>
+              <a:bodyPr wrap="none" rtlCol="0">
+                <a:spAutoFit/>
+              </a:bodyPr>
+              <a:lstStyle/>
+              <a:p>
+                <a14:m>
+                  <m:oMathPara xmlns:m="http://schemas.openxmlformats.org/officeDocument/2006/math">
+                    <m:oMathParaPr>
+                      <m:jc m:val="centerGroup"/>
+                    </m:oMathParaPr>
+                    <m:oMath xmlns:m="http://schemas.openxmlformats.org/officeDocument/2006/math">
+                      <m:r>
+                        <a:rPr kumimoji="1" lang="en-US" altLang="ja-JP" sz="3200" b="0" i="1" smtClean="0">
+                          <a:latin typeface="Cambria Math" panose="02040503050406030204" pitchFamily="18" charset="0"/>
+                        </a:rPr>
+                        <m:t>𝑓</m:t>
+                      </m:r>
+                      <m:r>
+                        <a:rPr kumimoji="1" lang="en-US" altLang="ja-JP" sz="3200" b="0" i="1" smtClean="0">
+                          <a:latin typeface="Cambria Math" panose="02040503050406030204" pitchFamily="18" charset="0"/>
+                        </a:rPr>
+                        <m:t>=</m:t>
+                      </m:r>
+                      <m:sSup>
+                        <m:sSupPr>
+                          <m:ctrlPr>
+                            <a:rPr kumimoji="1" lang="en-US" altLang="ja-JP" sz="3200" b="0" i="1" smtClean="0">
+                              <a:latin typeface="Cambria Math" panose="02040503050406030204" pitchFamily="18" charset="0"/>
+                            </a:rPr>
+                          </m:ctrlPr>
+                        </m:sSupPr>
+                        <m:e>
+                          <m:r>
+                            <a:rPr kumimoji="1" lang="en-US" altLang="ja-JP" sz="3200" b="0" i="1" smtClean="0">
+                              <a:latin typeface="Cambria Math" panose="02040503050406030204" pitchFamily="18" charset="0"/>
+                            </a:rPr>
+                            <m:t>𝑍</m:t>
+                          </m:r>
+                        </m:e>
+                        <m:sup>
+                          <m:r>
+                            <a:rPr kumimoji="1" lang="en-US" altLang="ja-JP" sz="3200" b="0" i="1" smtClean="0">
+                              <a:latin typeface="Cambria Math" panose="02040503050406030204" pitchFamily="18" charset="0"/>
+                            </a:rPr>
+                            <m:t>−1</m:t>
+                          </m:r>
+                        </m:sup>
+                      </m:sSup>
+                      <m:r>
+                        <m:rPr>
+                          <m:sty m:val="p"/>
+                        </m:rPr>
+                        <a:rPr kumimoji="1" lang="en-US" altLang="ja-JP" sz="3200" b="0" i="0" smtClean="0">
+                          <a:latin typeface="Cambria Math" panose="02040503050406030204" pitchFamily="18" charset="0"/>
+                        </a:rPr>
+                        <m:t>exp</m:t>
+                      </m:r>
+                      <m:r>
+                        <a:rPr kumimoji="1" lang="en-US" altLang="ja-JP" sz="3200" b="0" i="1" smtClean="0">
+                          <a:latin typeface="Cambria Math" panose="02040503050406030204" pitchFamily="18" charset="0"/>
+                        </a:rPr>
+                        <m:t>⁡(−</m:t>
+                      </m:r>
+                      <m:r>
+                        <a:rPr kumimoji="1" lang="en-US" altLang="ja-JP" sz="3200" b="0" i="1" smtClean="0">
+                          <a:latin typeface="Cambria Math" panose="02040503050406030204" pitchFamily="18" charset="0"/>
+                        </a:rPr>
+                        <m:t>𝛽</m:t>
+                      </m:r>
+                      <m:r>
+                        <a:rPr kumimoji="1" lang="en-US" altLang="ja-JP" sz="3200" b="0" i="1" smtClean="0">
+                          <a:latin typeface="Cambria Math" panose="02040503050406030204" pitchFamily="18" charset="0"/>
+                        </a:rPr>
+                        <m:t>𝐻</m:t>
+                      </m:r>
+                      <m:r>
+                        <a:rPr kumimoji="1" lang="en-US" altLang="ja-JP" sz="3200" b="0" i="1" smtClean="0">
+                          <a:latin typeface="Cambria Math" panose="02040503050406030204" pitchFamily="18" charset="0"/>
+                        </a:rPr>
+                        <m:t>)</m:t>
+                      </m:r>
+                    </m:oMath>
+                  </m:oMathPara>
+                </a14:m>
+                <a:endParaRPr kumimoji="1" lang="ja-JP" altLang="en-US" sz="3200"/>
+              </a:p>
+            </p:txBody>
+          </p:sp>
+        </mc:Choice>
+        <mc:Fallback>
+          <p:sp>
+            <p:nvSpPr>
+              <p:cNvPr id="13" name="テキスト ボックス 12">
+                <a:extLst>
+                  <a:ext uri="{FF2B5EF4-FFF2-40B4-BE49-F238E27FC236}">
+                    <a16:creationId xmlns:a16="http://schemas.microsoft.com/office/drawing/2014/main" id="{4CDDCF3E-E6C0-AF45-4F5F-E7C70B410AE9}"/>
+                  </a:ext>
+                </a:extLst>
+              </p:cNvPr>
+              <p:cNvSpPr txBox="1">
+                <a:spLocks noRot="1" noChangeAspect="1" noMove="1" noResize="1" noEditPoints="1" noAdjustHandles="1" noChangeArrowheads="1" noChangeShapeType="1" noTextEdit="1"/>
+              </p:cNvSpPr>
+              <p:nvPr/>
+            </p:nvSpPr>
+            <p:spPr>
+              <a:xfrm>
+                <a:off x="899592" y="5085184"/>
+                <a:ext cx="3571042" cy="584775"/>
+              </a:xfrm>
+              <a:prstGeom prst="rect">
+                <a:avLst/>
+              </a:prstGeom>
+              <a:blipFill>
+                <a:blip r:embed="rId5"/>
+                <a:stretch>
+                  <a:fillRect/>
+                </a:stretch>
+              </a:blipFill>
+            </p:spPr>
+            <p:txBody>
+              <a:bodyPr/>
+              <a:lstStyle/>
+              <a:p>
+                <a:r>
+                  <a:rPr lang="ja-JP" altLang="en-US">
+                    <a:noFill/>
+                  </a:rPr>
+                  <a:t> </a:t>
+                </a:r>
+              </a:p>
+            </p:txBody>
+          </p:sp>
+        </mc:Fallback>
+      </mc:AlternateContent>
+      <mc:AlternateContent xmlns:mc="http://schemas.openxmlformats.org/markup-compatibility/2006">
+        <mc:Choice xmlns:a14="http://schemas.microsoft.com/office/drawing/2010/main" Requires="a14">
+          <p:sp>
+            <p:nvSpPr>
+              <p:cNvPr id="14" name="テキスト ボックス 13">
+                <a:extLst>
+                  <a:ext uri="{FF2B5EF4-FFF2-40B4-BE49-F238E27FC236}">
+                    <a16:creationId xmlns:a16="http://schemas.microsoft.com/office/drawing/2014/main" id="{32ADA5EA-756E-CC2A-648F-2E8F985C2CF3}"/>
+                  </a:ext>
+                </a:extLst>
+              </p:cNvPr>
+              <p:cNvSpPr txBox="1"/>
+              <p:nvPr/>
+            </p:nvSpPr>
+            <p:spPr>
+              <a:xfrm>
+                <a:off x="5621928" y="5085184"/>
+                <a:ext cx="3028393" cy="584775"/>
+              </a:xfrm>
+              <a:prstGeom prst="rect">
+                <a:avLst/>
+              </a:prstGeom>
+              <a:noFill/>
+            </p:spPr>
+            <p:txBody>
+              <a:bodyPr wrap="none" rtlCol="0">
+                <a:spAutoFit/>
+              </a:bodyPr>
+              <a:lstStyle/>
+              <a:p>
+                <a14:m>
+                  <m:oMathPara xmlns:m="http://schemas.openxmlformats.org/officeDocument/2006/math">
+                    <m:oMathParaPr>
+                      <m:jc m:val="centerGroup"/>
+                    </m:oMathParaPr>
+                    <m:oMath xmlns:m="http://schemas.openxmlformats.org/officeDocument/2006/math">
+                      <m:r>
+                        <a:rPr kumimoji="1" lang="en-US" altLang="ja-JP" sz="3200" b="0" i="1" smtClean="0">
+                          <a:latin typeface="Cambria Math" panose="02040503050406030204" pitchFamily="18" charset="0"/>
+                        </a:rPr>
+                        <m:t>𝑍</m:t>
+                      </m:r>
+                      <m:r>
+                        <a:rPr kumimoji="1" lang="en-US" altLang="ja-JP" sz="3200" b="0" i="1" smtClean="0">
+                          <a:latin typeface="Cambria Math" panose="02040503050406030204" pitchFamily="18" charset="0"/>
+                        </a:rPr>
+                        <m:t>=</m:t>
+                      </m:r>
+                      <m:r>
+                        <m:rPr>
+                          <m:sty m:val="p"/>
+                        </m:rPr>
+                        <a:rPr kumimoji="1" lang="en-US" altLang="ja-JP" sz="3200" b="0" i="0" smtClean="0">
+                          <a:latin typeface="Cambria Math" panose="02040503050406030204" pitchFamily="18" charset="0"/>
+                        </a:rPr>
+                        <m:t>exp</m:t>
+                      </m:r>
+                      <m:r>
+                        <a:rPr kumimoji="1" lang="en-US" altLang="ja-JP" sz="3200" b="0" i="1" smtClean="0">
+                          <a:latin typeface="Cambria Math" panose="02040503050406030204" pitchFamily="18" charset="0"/>
+                        </a:rPr>
+                        <m:t>⁡(</m:t>
+                      </m:r>
+                      <m:r>
+                        <a:rPr kumimoji="1" lang="en-US" altLang="ja-JP" sz="3200" b="0" i="1" smtClean="0">
+                          <a:latin typeface="Cambria Math" panose="02040503050406030204" pitchFamily="18" charset="0"/>
+                        </a:rPr>
+                        <m:t>𝛼</m:t>
+                      </m:r>
+                      <m:r>
+                        <a:rPr kumimoji="1" lang="en-US" altLang="ja-JP" sz="3200" b="0" i="1" smtClean="0">
+                          <a:latin typeface="Cambria Math" panose="02040503050406030204" pitchFamily="18" charset="0"/>
+                        </a:rPr>
+                        <m:t>+1)</m:t>
+                      </m:r>
+                    </m:oMath>
+                  </m:oMathPara>
+                </a14:m>
+                <a:endParaRPr kumimoji="1" lang="ja-JP" altLang="en-US" sz="3200"/>
+              </a:p>
+            </p:txBody>
+          </p:sp>
+        </mc:Choice>
+        <mc:Fallback>
+          <p:sp>
+            <p:nvSpPr>
+              <p:cNvPr id="14" name="テキスト ボックス 13">
+                <a:extLst>
+                  <a:ext uri="{FF2B5EF4-FFF2-40B4-BE49-F238E27FC236}">
+                    <a16:creationId xmlns:a16="http://schemas.microsoft.com/office/drawing/2014/main" id="{32ADA5EA-756E-CC2A-648F-2E8F985C2CF3}"/>
+                  </a:ext>
+                </a:extLst>
+              </p:cNvPr>
+              <p:cNvSpPr txBox="1">
+                <a:spLocks noRot="1" noChangeAspect="1" noMove="1" noResize="1" noEditPoints="1" noAdjustHandles="1" noChangeArrowheads="1" noChangeShapeType="1" noTextEdit="1"/>
+              </p:cNvSpPr>
+              <p:nvPr/>
+            </p:nvSpPr>
+            <p:spPr>
+              <a:xfrm>
+                <a:off x="5621928" y="5085184"/>
+                <a:ext cx="3028393" cy="584775"/>
+              </a:xfrm>
+              <a:prstGeom prst="rect">
+                <a:avLst/>
+              </a:prstGeom>
+              <a:blipFill>
+                <a:blip r:embed="rId6"/>
+                <a:stretch>
+                  <a:fillRect/>
+                </a:stretch>
+              </a:blipFill>
+            </p:spPr>
+            <p:txBody>
+              <a:bodyPr/>
+              <a:lstStyle/>
+              <a:p>
+                <a:r>
+                  <a:rPr lang="ja-JP" altLang="en-US">
+                    <a:noFill/>
+                  </a:rPr>
+                  <a:t> </a:t>
+                </a:r>
+              </a:p>
+            </p:txBody>
+          </p:sp>
+        </mc:Fallback>
+      </mc:AlternateContent>
+      <p:cxnSp>
+        <p:nvCxnSpPr>
+          <p:cNvPr id="19" name="直線コネクタ 18">
+            <a:extLst>
+              <a:ext uri="{FF2B5EF4-FFF2-40B4-BE49-F238E27FC236}">
+                <a16:creationId xmlns:a16="http://schemas.microsoft.com/office/drawing/2014/main" id="{9966CDB5-13FE-2678-B84B-1492FEF7D087}"/>
+              </a:ext>
+            </a:extLst>
+          </p:cNvPr>
+          <p:cNvCxnSpPr/>
+          <p:nvPr/>
+        </p:nvCxnSpPr>
+        <p:spPr>
+          <a:xfrm flipH="1">
+            <a:off x="971600" y="5733256"/>
+            <a:ext cx="3456384" cy="0"/>
+          </a:xfrm>
+          <a:prstGeom prst="line">
+            <a:avLst/>
+          </a:prstGeom>
+          <a:ln w="38100">
+            <a:solidFill>
+              <a:srgbClr val="FF0000"/>
+            </a:solidFill>
+            <a:headEnd type="none" w="med" len="med"/>
+            <a:tailEnd type="none" w="med" len="med"/>
+          </a:ln>
+        </p:spPr>
+        <p:style>
+          <a:lnRef idx="1">
+            <a:schemeClr val="accent1"/>
+          </a:lnRef>
+          <a:fillRef idx="0">
+            <a:schemeClr val="accent1"/>
+          </a:fillRef>
+          <a:effectRef idx="0">
+            <a:schemeClr val="accent1"/>
+          </a:effectRef>
+          <a:fontRef idx="minor">
+            <a:schemeClr val="tx1"/>
+          </a:fontRef>
+        </p:style>
+      </p:cxnSp>
+      <p:sp>
+        <p:nvSpPr>
+          <p:cNvPr id="20" name="テキスト ボックス 19">
+            <a:extLst>
+              <a:ext uri="{FF2B5EF4-FFF2-40B4-BE49-F238E27FC236}">
+                <a16:creationId xmlns:a16="http://schemas.microsoft.com/office/drawing/2014/main" id="{914E5EB1-E15A-1FCF-43CF-D2607762290F}"/>
+              </a:ext>
+            </a:extLst>
+          </p:cNvPr>
+          <p:cNvSpPr txBox="1"/>
+          <p:nvPr/>
+        </p:nvSpPr>
+        <p:spPr>
+          <a:xfrm>
+            <a:off x="1691387" y="5867980"/>
+            <a:ext cx="1800493" cy="369332"/>
+          </a:xfrm>
+          <a:prstGeom prst="rect">
+            <a:avLst/>
+          </a:prstGeom>
+          <a:noFill/>
+        </p:spPr>
+        <p:txBody>
+          <a:bodyPr wrap="none" rtlCol="0">
+            <a:spAutoFit/>
+          </a:bodyPr>
+          <a:lstStyle/>
+          <a:p>
+            <a:r>
+              <a:rPr lang="ja-JP" altLang="en-US"/>
+              <a:t>カノニカル分布</a:t>
+            </a:r>
+            <a:endParaRPr kumimoji="1" lang="ja-JP" altLang="en-US"/>
+          </a:p>
+        </p:txBody>
+      </p:sp>
+      <p:cxnSp>
+        <p:nvCxnSpPr>
+          <p:cNvPr id="21" name="直線コネクタ 20">
+            <a:extLst>
+              <a:ext uri="{FF2B5EF4-FFF2-40B4-BE49-F238E27FC236}">
+                <a16:creationId xmlns:a16="http://schemas.microsoft.com/office/drawing/2014/main" id="{D5D2F569-40CA-1330-CD97-0CEE4D01541C}"/>
+              </a:ext>
+            </a:extLst>
+          </p:cNvPr>
+          <p:cNvCxnSpPr>
+            <a:cxnSpLocks/>
+          </p:cNvCxnSpPr>
+          <p:nvPr/>
+        </p:nvCxnSpPr>
+        <p:spPr>
+          <a:xfrm flipH="1">
+            <a:off x="5765944" y="5661248"/>
+            <a:ext cx="2736304" cy="0"/>
+          </a:xfrm>
+          <a:prstGeom prst="line">
+            <a:avLst/>
+          </a:prstGeom>
+          <a:ln w="38100">
+            <a:solidFill>
+              <a:srgbClr val="FF0000"/>
+            </a:solidFill>
+            <a:headEnd type="none" w="med" len="med"/>
+            <a:tailEnd type="none" w="med" len="med"/>
+          </a:ln>
+        </p:spPr>
+        <p:style>
+          <a:lnRef idx="1">
+            <a:schemeClr val="accent1"/>
+          </a:lnRef>
+          <a:fillRef idx="0">
+            <a:schemeClr val="accent1"/>
+          </a:fillRef>
+          <a:effectRef idx="0">
+            <a:schemeClr val="accent1"/>
+          </a:effectRef>
+          <a:fontRef idx="minor">
+            <a:schemeClr val="tx1"/>
+          </a:fontRef>
+        </p:style>
+      </p:cxnSp>
+      <p:sp>
+        <p:nvSpPr>
+          <p:cNvPr id="23" name="テキスト ボックス 22">
+            <a:extLst>
+              <a:ext uri="{FF2B5EF4-FFF2-40B4-BE49-F238E27FC236}">
+                <a16:creationId xmlns:a16="http://schemas.microsoft.com/office/drawing/2014/main" id="{EDF5C52A-99F9-520F-A87C-78C32F51D4FA}"/>
+              </a:ext>
+            </a:extLst>
+          </p:cNvPr>
+          <p:cNvSpPr txBox="1"/>
+          <p:nvPr/>
+        </p:nvSpPr>
+        <p:spPr>
+          <a:xfrm>
+            <a:off x="5364088" y="5795972"/>
+            <a:ext cx="3570208" cy="369332"/>
+          </a:xfrm>
+          <a:prstGeom prst="rect">
+            <a:avLst/>
+          </a:prstGeom>
+          <a:noFill/>
+        </p:spPr>
+        <p:txBody>
+          <a:bodyPr wrap="none" rtlCol="0">
+            <a:spAutoFit/>
+          </a:bodyPr>
+          <a:lstStyle/>
+          <a:p>
+            <a:r>
+              <a:rPr kumimoji="1" lang="ja-JP" altLang="en-US"/>
+              <a:t>分配関数</a:t>
+            </a:r>
+            <a:r>
+              <a:rPr kumimoji="1" lang="en-US" altLang="ja-JP"/>
+              <a:t>(</a:t>
+            </a:r>
+            <a:r>
+              <a:rPr kumimoji="1" lang="ja-JP" altLang="en-US"/>
+              <a:t>規格化</a:t>
+            </a:r>
+            <a:r>
+              <a:rPr lang="ja-JP" altLang="en-US"/>
+              <a:t>条件</a:t>
+            </a:r>
+            <a:r>
+              <a:rPr kumimoji="1" lang="ja-JP" altLang="en-US"/>
+              <a:t>から決まる</a:t>
+            </a:r>
+            <a:r>
+              <a:rPr kumimoji="1" lang="en-US" altLang="ja-JP"/>
+              <a:t>)</a:t>
+            </a:r>
+            <a:endParaRPr kumimoji="1" lang="ja-JP" altLang="en-US"/>
+          </a:p>
+        </p:txBody>
+      </p:sp>
+    </p:spTree>
+    <p:extLst>
+      <p:ext uri="{BB962C8B-B14F-4D97-AF65-F5344CB8AC3E}">
+        <p14:creationId xmlns:p14="http://schemas.microsoft.com/office/powerpoint/2010/main" val="2367253527"/>
       </p:ext>
     </p:extLst>
   </p:cSld>
@@ -5996,6 +10597,1902 @@
     <p:extLst>
       <p:ext uri="{BB962C8B-B14F-4D97-AF65-F5344CB8AC3E}">
         <p14:creationId xmlns:p14="http://schemas.microsoft.com/office/powerpoint/2010/main" val="2660997395"/>
+      </p:ext>
+    </p:extLst>
+  </p:cSld>
+  <p:clrMapOvr>
+    <a:masterClrMapping/>
+  </p:clrMapOvr>
+</p:sld>
+</file>
+
+<file path=ppt/slides/slide20.xml><?xml version="1.0" encoding="utf-8"?>
+<p:sld xmlns:a="http://schemas.openxmlformats.org/drawingml/2006/main" xmlns:r="http://schemas.openxmlformats.org/officeDocument/2006/relationships" xmlns:p="http://schemas.openxmlformats.org/presentationml/2006/main">
+  <p:cSld>
+    <p:spTree>
+      <p:nvGrpSpPr>
+        <p:cNvPr id="1" name=""/>
+        <p:cNvGrpSpPr/>
+        <p:nvPr/>
+      </p:nvGrpSpPr>
+      <p:grpSpPr>
+        <a:xfrm>
+          <a:off x="0" y="0"/>
+          <a:ext cx="0" cy="0"/>
+          <a:chOff x="0" y="0"/>
+          <a:chExt cx="0" cy="0"/>
+        </a:xfrm>
+      </p:grpSpPr>
+      <p:sp>
+        <p:nvSpPr>
+          <p:cNvPr id="2" name="テキスト プレースホルダー 1">
+            <a:extLst>
+              <a:ext uri="{FF2B5EF4-FFF2-40B4-BE49-F238E27FC236}">
+                <a16:creationId xmlns:a16="http://schemas.microsoft.com/office/drawing/2014/main" id="{A099CE07-22D4-4623-F0B2-6416665DFA7D}"/>
+              </a:ext>
+            </a:extLst>
+          </p:cNvPr>
+          <p:cNvSpPr>
+            <a:spLocks noGrp="1"/>
+          </p:cNvSpPr>
+          <p:nvPr>
+            <p:ph type="body" sz="quarter" idx="10"/>
+          </p:nvPr>
+        </p:nvSpPr>
+        <p:spPr/>
+        <p:txBody>
+          <a:bodyPr/>
+          <a:lstStyle/>
+          <a:p>
+            <a:r>
+              <a:rPr kumimoji="1" lang="ja-JP" altLang="en-US"/>
+              <a:t>カノニカル分布と逆温度</a:t>
+            </a:r>
+          </a:p>
+        </p:txBody>
+      </p:sp>
+      <mc:AlternateContent xmlns:mc="http://schemas.openxmlformats.org/markup-compatibility/2006">
+        <mc:Choice xmlns:a14="http://schemas.microsoft.com/office/drawing/2010/main" Requires="a14">
+          <p:sp>
+            <p:nvSpPr>
+              <p:cNvPr id="3" name="テキスト ボックス 2">
+                <a:extLst>
+                  <a:ext uri="{FF2B5EF4-FFF2-40B4-BE49-F238E27FC236}">
+                    <a16:creationId xmlns:a16="http://schemas.microsoft.com/office/drawing/2014/main" id="{E2316ECE-BA9F-CA67-AC8F-FC263019D802}"/>
+                  </a:ext>
+                </a:extLst>
+              </p:cNvPr>
+              <p:cNvSpPr txBox="1"/>
+              <p:nvPr/>
+            </p:nvSpPr>
+            <p:spPr>
+              <a:xfrm>
+                <a:off x="539552" y="1340768"/>
+                <a:ext cx="4223400" cy="1384033"/>
+              </a:xfrm>
+              <a:prstGeom prst="rect">
+                <a:avLst/>
+              </a:prstGeom>
+              <a:noFill/>
+            </p:spPr>
+            <p:txBody>
+              <a:bodyPr wrap="none" rtlCol="0">
+                <a:spAutoFit/>
+              </a:bodyPr>
+              <a:lstStyle/>
+              <a:p>
+                <a14:m>
+                  <m:oMathPara xmlns:m="http://schemas.openxmlformats.org/officeDocument/2006/math">
+                    <m:oMathParaPr>
+                      <m:jc m:val="centerGroup"/>
+                    </m:oMathParaPr>
+                    <m:oMath xmlns:m="http://schemas.openxmlformats.org/officeDocument/2006/math">
+                      <m:r>
+                        <a:rPr kumimoji="1" lang="en-US" altLang="ja-JP" sz="3200" b="0" i="1" smtClean="0">
+                          <a:latin typeface="Cambria Math" panose="02040503050406030204" pitchFamily="18" charset="0"/>
+                        </a:rPr>
+                        <m:t>𝑆</m:t>
+                      </m:r>
+                      <m:r>
+                        <a:rPr kumimoji="1" lang="en-US" altLang="ja-JP" sz="3200" b="0" i="1" smtClean="0">
+                          <a:latin typeface="Cambria Math" panose="02040503050406030204" pitchFamily="18" charset="0"/>
+                        </a:rPr>
+                        <m:t>=−</m:t>
+                      </m:r>
+                      <m:r>
+                        <a:rPr kumimoji="1" lang="en-US" altLang="ja-JP" sz="3200" b="0" i="1" smtClean="0">
+                          <a:latin typeface="Cambria Math" panose="02040503050406030204" pitchFamily="18" charset="0"/>
+                        </a:rPr>
+                        <m:t>𝑘</m:t>
+                      </m:r>
+                      <m:nary>
+                        <m:naryPr>
+                          <m:limLoc m:val="undOvr"/>
+                          <m:subHide m:val="on"/>
+                          <m:supHide m:val="on"/>
+                          <m:ctrlPr>
+                            <a:rPr kumimoji="1" lang="en-US" altLang="ja-JP" sz="3200" b="0" i="1" smtClean="0">
+                              <a:latin typeface="Cambria Math" panose="02040503050406030204" pitchFamily="18" charset="0"/>
+                            </a:rPr>
+                          </m:ctrlPr>
+                        </m:naryPr>
+                        <m:sub/>
+                        <m:sup/>
+                        <m:e>
+                          <m:r>
+                            <a:rPr kumimoji="1" lang="en-US" altLang="ja-JP" sz="3200" b="0" i="1" smtClean="0">
+                              <a:latin typeface="Cambria Math" panose="02040503050406030204" pitchFamily="18" charset="0"/>
+                            </a:rPr>
+                            <m:t>𝑓</m:t>
+                          </m:r>
+                          <m:func>
+                            <m:funcPr>
+                              <m:ctrlPr>
+                                <a:rPr kumimoji="1" lang="en-US" altLang="ja-JP" sz="3200" b="0" i="1" smtClean="0">
+                                  <a:latin typeface="Cambria Math" panose="02040503050406030204" pitchFamily="18" charset="0"/>
+                                </a:rPr>
+                              </m:ctrlPr>
+                            </m:funcPr>
+                            <m:fName>
+                              <m:r>
+                                <m:rPr>
+                                  <m:sty m:val="p"/>
+                                </m:rPr>
+                                <a:rPr kumimoji="1" lang="en-US" altLang="ja-JP" sz="3200" b="0" i="0" smtClean="0">
+                                  <a:latin typeface="Cambria Math" panose="02040503050406030204" pitchFamily="18" charset="0"/>
+                                </a:rPr>
+                                <m:t>log</m:t>
+                              </m:r>
+                            </m:fName>
+                            <m:e>
+                              <m:r>
+                                <a:rPr kumimoji="1" lang="en-US" altLang="ja-JP" sz="3200" b="0" i="1" smtClean="0">
+                                  <a:latin typeface="Cambria Math" panose="02040503050406030204" pitchFamily="18" charset="0"/>
+                                </a:rPr>
+                                <m:t>𝑓</m:t>
+                              </m:r>
+                            </m:e>
+                          </m:func>
+                          <m:r>
+                            <a:rPr lang="en-US" altLang="ja-JP" sz="3200" i="1">
+                              <a:latin typeface="Cambria Math" panose="02040503050406030204" pitchFamily="18" charset="0"/>
+                            </a:rPr>
+                            <m:t>𝑑𝑝𝑑𝑞</m:t>
+                          </m:r>
+                        </m:e>
+                      </m:nary>
+                    </m:oMath>
+                  </m:oMathPara>
+                </a14:m>
+                <a:endParaRPr kumimoji="1" lang="ja-JP" altLang="en-US" sz="3200"/>
+              </a:p>
+            </p:txBody>
+          </p:sp>
+        </mc:Choice>
+        <mc:Fallback>
+          <p:sp>
+            <p:nvSpPr>
+              <p:cNvPr id="3" name="テキスト ボックス 2">
+                <a:extLst>
+                  <a:ext uri="{FF2B5EF4-FFF2-40B4-BE49-F238E27FC236}">
+                    <a16:creationId xmlns:a16="http://schemas.microsoft.com/office/drawing/2014/main" id="{E2316ECE-BA9F-CA67-AC8F-FC263019D802}"/>
+                  </a:ext>
+                </a:extLst>
+              </p:cNvPr>
+              <p:cNvSpPr txBox="1">
+                <a:spLocks noRot="1" noChangeAspect="1" noMove="1" noResize="1" noEditPoints="1" noAdjustHandles="1" noChangeArrowheads="1" noChangeShapeType="1" noTextEdit="1"/>
+              </p:cNvSpPr>
+              <p:nvPr/>
+            </p:nvSpPr>
+            <p:spPr>
+              <a:xfrm>
+                <a:off x="539552" y="1340768"/>
+                <a:ext cx="4223400" cy="1384033"/>
+              </a:xfrm>
+              <a:prstGeom prst="rect">
+                <a:avLst/>
+              </a:prstGeom>
+              <a:blipFill>
+                <a:blip r:embed="rId2"/>
+                <a:stretch>
+                  <a:fillRect/>
+                </a:stretch>
+              </a:blipFill>
+            </p:spPr>
+            <p:txBody>
+              <a:bodyPr/>
+              <a:lstStyle/>
+              <a:p>
+                <a:r>
+                  <a:rPr lang="ja-JP" altLang="en-US">
+                    <a:noFill/>
+                  </a:rPr>
+                  <a:t> </a:t>
+                </a:r>
+              </a:p>
+            </p:txBody>
+          </p:sp>
+        </mc:Fallback>
+      </mc:AlternateContent>
+      <p:sp>
+        <p:nvSpPr>
+          <p:cNvPr id="4" name="テキスト ボックス 3">
+            <a:extLst>
+              <a:ext uri="{FF2B5EF4-FFF2-40B4-BE49-F238E27FC236}">
+                <a16:creationId xmlns:a16="http://schemas.microsoft.com/office/drawing/2014/main" id="{2C2C3C6B-83F8-92F4-5539-F09A9CA902FD}"/>
+              </a:ext>
+            </a:extLst>
+          </p:cNvPr>
+          <p:cNvSpPr txBox="1"/>
+          <p:nvPr/>
+        </p:nvSpPr>
+        <p:spPr>
+          <a:xfrm>
+            <a:off x="5044112" y="1753652"/>
+            <a:ext cx="3416320" cy="523220"/>
+          </a:xfrm>
+          <a:prstGeom prst="rect">
+            <a:avLst/>
+          </a:prstGeom>
+          <a:noFill/>
+        </p:spPr>
+        <p:txBody>
+          <a:bodyPr wrap="none" rtlCol="0">
+            <a:spAutoFit/>
+          </a:bodyPr>
+          <a:lstStyle/>
+          <a:p>
+            <a:r>
+              <a:rPr lang="ja-JP" altLang="en-US" sz="2800"/>
+              <a:t>エントロピーの定義</a:t>
+            </a:r>
+            <a:endParaRPr kumimoji="1" lang="ja-JP" altLang="en-US" sz="2800"/>
+          </a:p>
+        </p:txBody>
+      </p:sp>
+      <mc:AlternateContent xmlns:mc="http://schemas.openxmlformats.org/markup-compatibility/2006">
+        <mc:Choice xmlns:a14="http://schemas.microsoft.com/office/drawing/2010/main" Requires="a14">
+          <p:sp>
+            <p:nvSpPr>
+              <p:cNvPr id="5" name="テキスト ボックス 4">
+                <a:extLst>
+                  <a:ext uri="{FF2B5EF4-FFF2-40B4-BE49-F238E27FC236}">
+                    <a16:creationId xmlns:a16="http://schemas.microsoft.com/office/drawing/2014/main" id="{B32C3259-DF3C-170A-737F-18D28E556A9D}"/>
+                  </a:ext>
+                </a:extLst>
+              </p:cNvPr>
+              <p:cNvSpPr txBox="1"/>
+              <p:nvPr/>
+            </p:nvSpPr>
+            <p:spPr>
+              <a:xfrm>
+                <a:off x="467544" y="3123546"/>
+                <a:ext cx="3571042" cy="584775"/>
+              </a:xfrm>
+              <a:prstGeom prst="rect">
+                <a:avLst/>
+              </a:prstGeom>
+              <a:noFill/>
+            </p:spPr>
+            <p:txBody>
+              <a:bodyPr wrap="none" rtlCol="0">
+                <a:spAutoFit/>
+              </a:bodyPr>
+              <a:lstStyle/>
+              <a:p>
+                <a14:m>
+                  <m:oMathPara xmlns:m="http://schemas.openxmlformats.org/officeDocument/2006/math">
+                    <m:oMathParaPr>
+                      <m:jc m:val="centerGroup"/>
+                    </m:oMathParaPr>
+                    <m:oMath xmlns:m="http://schemas.openxmlformats.org/officeDocument/2006/math">
+                      <m:r>
+                        <a:rPr kumimoji="1" lang="en-US" altLang="ja-JP" sz="3200" b="0" i="1" smtClean="0">
+                          <a:latin typeface="Cambria Math" panose="02040503050406030204" pitchFamily="18" charset="0"/>
+                        </a:rPr>
+                        <m:t>𝑓</m:t>
+                      </m:r>
+                      <m:r>
+                        <a:rPr kumimoji="1" lang="en-US" altLang="ja-JP" sz="3200" b="0" i="1" smtClean="0">
+                          <a:latin typeface="Cambria Math" panose="02040503050406030204" pitchFamily="18" charset="0"/>
+                        </a:rPr>
+                        <m:t>=</m:t>
+                      </m:r>
+                      <m:sSup>
+                        <m:sSupPr>
+                          <m:ctrlPr>
+                            <a:rPr kumimoji="1" lang="en-US" altLang="ja-JP" sz="3200" b="0" i="1" smtClean="0">
+                              <a:latin typeface="Cambria Math" panose="02040503050406030204" pitchFamily="18" charset="0"/>
+                            </a:rPr>
+                          </m:ctrlPr>
+                        </m:sSupPr>
+                        <m:e>
+                          <m:r>
+                            <a:rPr kumimoji="1" lang="en-US" altLang="ja-JP" sz="3200" b="0" i="1" smtClean="0">
+                              <a:latin typeface="Cambria Math" panose="02040503050406030204" pitchFamily="18" charset="0"/>
+                            </a:rPr>
+                            <m:t>𝑍</m:t>
+                          </m:r>
+                        </m:e>
+                        <m:sup>
+                          <m:r>
+                            <a:rPr kumimoji="1" lang="en-US" altLang="ja-JP" sz="3200" b="0" i="1" smtClean="0">
+                              <a:latin typeface="Cambria Math" panose="02040503050406030204" pitchFamily="18" charset="0"/>
+                            </a:rPr>
+                            <m:t>−1</m:t>
+                          </m:r>
+                        </m:sup>
+                      </m:sSup>
+                      <m:r>
+                        <m:rPr>
+                          <m:sty m:val="p"/>
+                        </m:rPr>
+                        <a:rPr kumimoji="1" lang="en-US" altLang="ja-JP" sz="3200" b="0" i="0" smtClean="0">
+                          <a:latin typeface="Cambria Math" panose="02040503050406030204" pitchFamily="18" charset="0"/>
+                        </a:rPr>
+                        <m:t>exp</m:t>
+                      </m:r>
+                      <m:r>
+                        <a:rPr kumimoji="1" lang="en-US" altLang="ja-JP" sz="3200" b="0" i="1" smtClean="0">
+                          <a:latin typeface="Cambria Math" panose="02040503050406030204" pitchFamily="18" charset="0"/>
+                        </a:rPr>
+                        <m:t>⁡(−</m:t>
+                      </m:r>
+                      <m:r>
+                        <a:rPr kumimoji="1" lang="en-US" altLang="ja-JP" sz="3200" b="0" i="1" smtClean="0">
+                          <a:latin typeface="Cambria Math" panose="02040503050406030204" pitchFamily="18" charset="0"/>
+                        </a:rPr>
+                        <m:t>𝛽</m:t>
+                      </m:r>
+                      <m:r>
+                        <a:rPr kumimoji="1" lang="en-US" altLang="ja-JP" sz="3200" b="0" i="1" smtClean="0">
+                          <a:latin typeface="Cambria Math" panose="02040503050406030204" pitchFamily="18" charset="0"/>
+                        </a:rPr>
+                        <m:t>𝐻</m:t>
+                      </m:r>
+                      <m:r>
+                        <a:rPr kumimoji="1" lang="en-US" altLang="ja-JP" sz="3200" b="0" i="1" smtClean="0">
+                          <a:latin typeface="Cambria Math" panose="02040503050406030204" pitchFamily="18" charset="0"/>
+                        </a:rPr>
+                        <m:t>)</m:t>
+                      </m:r>
+                    </m:oMath>
+                  </m:oMathPara>
+                </a14:m>
+                <a:endParaRPr kumimoji="1" lang="ja-JP" altLang="en-US" sz="3200"/>
+              </a:p>
+            </p:txBody>
+          </p:sp>
+        </mc:Choice>
+        <mc:Fallback>
+          <p:sp>
+            <p:nvSpPr>
+              <p:cNvPr id="5" name="テキスト ボックス 4">
+                <a:extLst>
+                  <a:ext uri="{FF2B5EF4-FFF2-40B4-BE49-F238E27FC236}">
+                    <a16:creationId xmlns:a16="http://schemas.microsoft.com/office/drawing/2014/main" id="{B32C3259-DF3C-170A-737F-18D28E556A9D}"/>
+                  </a:ext>
+                </a:extLst>
+              </p:cNvPr>
+              <p:cNvSpPr txBox="1">
+                <a:spLocks noRot="1" noChangeAspect="1" noMove="1" noResize="1" noEditPoints="1" noAdjustHandles="1" noChangeArrowheads="1" noChangeShapeType="1" noTextEdit="1"/>
+              </p:cNvSpPr>
+              <p:nvPr/>
+            </p:nvSpPr>
+            <p:spPr>
+              <a:xfrm>
+                <a:off x="467544" y="3123546"/>
+                <a:ext cx="3571042" cy="584775"/>
+              </a:xfrm>
+              <a:prstGeom prst="rect">
+                <a:avLst/>
+              </a:prstGeom>
+              <a:blipFill>
+                <a:blip r:embed="rId3"/>
+                <a:stretch>
+                  <a:fillRect/>
+                </a:stretch>
+              </a:blipFill>
+            </p:spPr>
+            <p:txBody>
+              <a:bodyPr/>
+              <a:lstStyle/>
+              <a:p>
+                <a:r>
+                  <a:rPr lang="ja-JP" altLang="en-US">
+                    <a:noFill/>
+                  </a:rPr>
+                  <a:t> </a:t>
+                </a:r>
+              </a:p>
+            </p:txBody>
+          </p:sp>
+        </mc:Fallback>
+      </mc:AlternateContent>
+      <mc:AlternateContent xmlns:mc="http://schemas.openxmlformats.org/markup-compatibility/2006">
+        <mc:Choice xmlns:a14="http://schemas.microsoft.com/office/drawing/2010/main" Requires="a14">
+          <p:sp>
+            <p:nvSpPr>
+              <p:cNvPr id="7" name="テキスト ボックス 6">
+                <a:extLst>
+                  <a:ext uri="{FF2B5EF4-FFF2-40B4-BE49-F238E27FC236}">
+                    <a16:creationId xmlns:a16="http://schemas.microsoft.com/office/drawing/2014/main" id="{5DDB1B44-47EE-B0A8-EF2B-14818A92E8D6}"/>
+                  </a:ext>
+                </a:extLst>
+              </p:cNvPr>
+              <p:cNvSpPr txBox="1"/>
+              <p:nvPr/>
+            </p:nvSpPr>
+            <p:spPr>
+              <a:xfrm>
+                <a:off x="4427984" y="3132257"/>
+                <a:ext cx="4005264" cy="584775"/>
+              </a:xfrm>
+              <a:prstGeom prst="rect">
+                <a:avLst/>
+              </a:prstGeom>
+              <a:noFill/>
+            </p:spPr>
+            <p:txBody>
+              <a:bodyPr wrap="none" rtlCol="0">
+                <a:spAutoFit/>
+              </a:bodyPr>
+              <a:lstStyle/>
+              <a:p>
+                <a14:m>
+                  <m:oMathPara xmlns:m="http://schemas.openxmlformats.org/officeDocument/2006/math">
+                    <m:oMathParaPr>
+                      <m:jc m:val="centerGroup"/>
+                    </m:oMathParaPr>
+                    <m:oMath xmlns:m="http://schemas.openxmlformats.org/officeDocument/2006/math">
+                      <m:func>
+                        <m:funcPr>
+                          <m:ctrlPr>
+                            <a:rPr lang="en-US" altLang="ja-JP" sz="3200" b="0" i="1" smtClean="0">
+                              <a:latin typeface="Cambria Math" panose="02040503050406030204" pitchFamily="18" charset="0"/>
+                            </a:rPr>
+                          </m:ctrlPr>
+                        </m:funcPr>
+                        <m:fName>
+                          <m:r>
+                            <m:rPr>
+                              <m:sty m:val="p"/>
+                            </m:rPr>
+                            <a:rPr lang="en-US" altLang="ja-JP" sz="3200" b="0" i="0" smtClean="0">
+                              <a:latin typeface="Cambria Math" panose="02040503050406030204" pitchFamily="18" charset="0"/>
+                            </a:rPr>
+                            <m:t>log</m:t>
+                          </m:r>
+                        </m:fName>
+                        <m:e>
+                          <m:r>
+                            <a:rPr lang="en-US" altLang="ja-JP" sz="3200" b="0" i="1" smtClean="0">
+                              <a:latin typeface="Cambria Math" panose="02040503050406030204" pitchFamily="18" charset="0"/>
+                            </a:rPr>
+                            <m:t>𝑓</m:t>
+                          </m:r>
+                        </m:e>
+                      </m:func>
+                      <m:r>
+                        <a:rPr lang="en-US" altLang="ja-JP" sz="3200" b="0" i="1" smtClean="0">
+                          <a:latin typeface="Cambria Math" panose="02040503050406030204" pitchFamily="18" charset="0"/>
+                        </a:rPr>
+                        <m:t>=</m:t>
+                      </m:r>
+                      <m:r>
+                        <a:rPr kumimoji="1" lang="en-US" altLang="ja-JP" sz="3200" b="0" i="1" smtClean="0">
+                          <a:latin typeface="Cambria Math" panose="02040503050406030204" pitchFamily="18" charset="0"/>
+                        </a:rPr>
+                        <m:t>−</m:t>
+                      </m:r>
+                      <m:r>
+                        <a:rPr kumimoji="1" lang="en-US" altLang="ja-JP" sz="3200" b="0" i="1" smtClean="0">
+                          <a:latin typeface="Cambria Math" panose="02040503050406030204" pitchFamily="18" charset="0"/>
+                        </a:rPr>
+                        <m:t>𝛽</m:t>
+                      </m:r>
+                      <m:r>
+                        <a:rPr kumimoji="1" lang="en-US" altLang="ja-JP" sz="3200" b="0" i="1" smtClean="0">
+                          <a:latin typeface="Cambria Math" panose="02040503050406030204" pitchFamily="18" charset="0"/>
+                        </a:rPr>
+                        <m:t>𝐻</m:t>
+                      </m:r>
+                      <m:r>
+                        <a:rPr kumimoji="1" lang="en-US" altLang="ja-JP" sz="3200" b="0" i="1" smtClean="0">
+                          <a:latin typeface="Cambria Math" panose="02040503050406030204" pitchFamily="18" charset="0"/>
+                        </a:rPr>
+                        <m:t>−</m:t>
+                      </m:r>
+                      <m:func>
+                        <m:funcPr>
+                          <m:ctrlPr>
+                            <a:rPr kumimoji="1" lang="en-US" altLang="ja-JP" sz="3200" b="0" i="1" smtClean="0">
+                              <a:latin typeface="Cambria Math" panose="02040503050406030204" pitchFamily="18" charset="0"/>
+                            </a:rPr>
+                          </m:ctrlPr>
+                        </m:funcPr>
+                        <m:fName>
+                          <m:r>
+                            <m:rPr>
+                              <m:sty m:val="p"/>
+                            </m:rPr>
+                            <a:rPr kumimoji="1" lang="en-US" altLang="ja-JP" sz="3200" b="0" i="0" smtClean="0">
+                              <a:latin typeface="Cambria Math" panose="02040503050406030204" pitchFamily="18" charset="0"/>
+                            </a:rPr>
+                            <m:t>log</m:t>
+                          </m:r>
+                        </m:fName>
+                        <m:e>
+                          <m:r>
+                            <a:rPr kumimoji="1" lang="en-US" altLang="ja-JP" sz="3200" b="0" i="1" smtClean="0">
+                              <a:latin typeface="Cambria Math" panose="02040503050406030204" pitchFamily="18" charset="0"/>
+                            </a:rPr>
+                            <m:t>𝑍</m:t>
+                          </m:r>
+                        </m:e>
+                      </m:func>
+                    </m:oMath>
+                  </m:oMathPara>
+                </a14:m>
+                <a:endParaRPr kumimoji="1" lang="ja-JP" altLang="en-US" sz="3200"/>
+              </a:p>
+            </p:txBody>
+          </p:sp>
+        </mc:Choice>
+        <mc:Fallback>
+          <p:sp>
+            <p:nvSpPr>
+              <p:cNvPr id="7" name="テキスト ボックス 6">
+                <a:extLst>
+                  <a:ext uri="{FF2B5EF4-FFF2-40B4-BE49-F238E27FC236}">
+                    <a16:creationId xmlns:a16="http://schemas.microsoft.com/office/drawing/2014/main" id="{5DDB1B44-47EE-B0A8-EF2B-14818A92E8D6}"/>
+                  </a:ext>
+                </a:extLst>
+              </p:cNvPr>
+              <p:cNvSpPr txBox="1">
+                <a:spLocks noRot="1" noChangeAspect="1" noMove="1" noResize="1" noEditPoints="1" noAdjustHandles="1" noChangeArrowheads="1" noChangeShapeType="1" noTextEdit="1"/>
+              </p:cNvSpPr>
+              <p:nvPr/>
+            </p:nvSpPr>
+            <p:spPr>
+              <a:xfrm>
+                <a:off x="4427984" y="3132257"/>
+                <a:ext cx="4005264" cy="584775"/>
+              </a:xfrm>
+              <a:prstGeom prst="rect">
+                <a:avLst/>
+              </a:prstGeom>
+              <a:blipFill>
+                <a:blip r:embed="rId4"/>
+                <a:stretch>
+                  <a:fillRect/>
+                </a:stretch>
+              </a:blipFill>
+            </p:spPr>
+            <p:txBody>
+              <a:bodyPr/>
+              <a:lstStyle/>
+              <a:p>
+                <a:r>
+                  <a:rPr lang="ja-JP" altLang="en-US">
+                    <a:noFill/>
+                  </a:rPr>
+                  <a:t> </a:t>
+                </a:r>
+              </a:p>
+            </p:txBody>
+          </p:sp>
+        </mc:Fallback>
+      </mc:AlternateContent>
+      <p:sp>
+        <p:nvSpPr>
+          <p:cNvPr id="8" name="矢印: 右 7">
+            <a:extLst>
+              <a:ext uri="{FF2B5EF4-FFF2-40B4-BE49-F238E27FC236}">
+                <a16:creationId xmlns:a16="http://schemas.microsoft.com/office/drawing/2014/main" id="{EA00E360-C71F-039C-116A-BFDBC9417EF6}"/>
+              </a:ext>
+            </a:extLst>
+          </p:cNvPr>
+          <p:cNvSpPr/>
+          <p:nvPr/>
+        </p:nvSpPr>
+        <p:spPr>
+          <a:xfrm>
+            <a:off x="4067944" y="3195554"/>
+            <a:ext cx="432048" cy="484632"/>
+          </a:xfrm>
+          <a:prstGeom prst="rightArrow">
+            <a:avLst/>
+          </a:prstGeom>
+          <a:solidFill>
+            <a:srgbClr val="FF0000"/>
+          </a:solidFill>
+          <a:ln>
+            <a:solidFill>
+              <a:schemeClr val="tx1"/>
+            </a:solidFill>
+          </a:ln>
+        </p:spPr>
+        <p:style>
+          <a:lnRef idx="2">
+            <a:schemeClr val="accent1">
+              <a:shade val="50000"/>
+            </a:schemeClr>
+          </a:lnRef>
+          <a:fillRef idx="1">
+            <a:schemeClr val="accent1"/>
+          </a:fillRef>
+          <a:effectRef idx="0">
+            <a:schemeClr val="accent1"/>
+          </a:effectRef>
+          <a:fontRef idx="minor">
+            <a:schemeClr val="lt1"/>
+          </a:fontRef>
+        </p:style>
+        <p:txBody>
+          <a:bodyPr rtlCol="0" anchor="ctr"/>
+          <a:lstStyle/>
+          <a:p>
+            <a:pPr algn="ctr"/>
+            <a:endParaRPr kumimoji="1" lang="ja-JP" altLang="en-US"/>
+          </a:p>
+        </p:txBody>
+      </p:sp>
+      <mc:AlternateContent xmlns:mc="http://schemas.openxmlformats.org/markup-compatibility/2006">
+        <mc:Choice xmlns:a14="http://schemas.microsoft.com/office/drawing/2010/main" Requires="a14">
+          <p:sp>
+            <p:nvSpPr>
+              <p:cNvPr id="9" name="テキスト ボックス 8">
+                <a:extLst>
+                  <a:ext uri="{FF2B5EF4-FFF2-40B4-BE49-F238E27FC236}">
+                    <a16:creationId xmlns:a16="http://schemas.microsoft.com/office/drawing/2014/main" id="{C18EB098-547E-4238-D0C8-2677E2FF59EF}"/>
+                  </a:ext>
+                </a:extLst>
+              </p:cNvPr>
+              <p:cNvSpPr txBox="1"/>
+              <p:nvPr/>
+            </p:nvSpPr>
+            <p:spPr>
+              <a:xfrm>
+                <a:off x="1187624" y="4005064"/>
+                <a:ext cx="4226478" cy="1384033"/>
+              </a:xfrm>
+              <a:prstGeom prst="rect">
+                <a:avLst/>
+              </a:prstGeom>
+              <a:noFill/>
+            </p:spPr>
+            <p:txBody>
+              <a:bodyPr wrap="none" rtlCol="0">
+                <a:spAutoFit/>
+              </a:bodyPr>
+              <a:lstStyle/>
+              <a:p>
+                <a14:m>
+                  <m:oMathPara xmlns:m="http://schemas.openxmlformats.org/officeDocument/2006/math">
+                    <m:oMathParaPr>
+                      <m:jc m:val="centerGroup"/>
+                    </m:oMathParaPr>
+                    <m:oMath xmlns:m="http://schemas.openxmlformats.org/officeDocument/2006/math">
+                      <m:r>
+                        <a:rPr kumimoji="1" lang="en-US" altLang="ja-JP" sz="3200" b="0" i="1" smtClean="0">
+                          <a:latin typeface="Cambria Math" panose="02040503050406030204" pitchFamily="18" charset="0"/>
+                        </a:rPr>
+                        <m:t>𝑆</m:t>
+                      </m:r>
+                      <m:r>
+                        <a:rPr kumimoji="1" lang="en-US" altLang="ja-JP" sz="3200" b="0" i="1" smtClean="0">
+                          <a:latin typeface="Cambria Math" panose="02040503050406030204" pitchFamily="18" charset="0"/>
+                        </a:rPr>
+                        <m:t>=</m:t>
+                      </m:r>
+                      <m:r>
+                        <a:rPr kumimoji="1" lang="en-US" altLang="ja-JP" sz="3200" b="0" i="1" smtClean="0">
+                          <a:latin typeface="Cambria Math" panose="02040503050406030204" pitchFamily="18" charset="0"/>
+                        </a:rPr>
+                        <m:t>𝛽</m:t>
+                      </m:r>
+                      <m:r>
+                        <a:rPr kumimoji="1" lang="en-US" altLang="ja-JP" sz="3200" b="0" i="1" smtClean="0">
+                          <a:latin typeface="Cambria Math" panose="02040503050406030204" pitchFamily="18" charset="0"/>
+                        </a:rPr>
+                        <m:t>𝑘</m:t>
+                      </m:r>
+                      <m:nary>
+                        <m:naryPr>
+                          <m:limLoc m:val="undOvr"/>
+                          <m:subHide m:val="on"/>
+                          <m:supHide m:val="on"/>
+                          <m:ctrlPr>
+                            <a:rPr kumimoji="1" lang="en-US" altLang="ja-JP" sz="3200" b="0" i="1" smtClean="0">
+                              <a:latin typeface="Cambria Math" panose="02040503050406030204" pitchFamily="18" charset="0"/>
+                            </a:rPr>
+                          </m:ctrlPr>
+                        </m:naryPr>
+                        <m:sub/>
+                        <m:sup/>
+                        <m:e>
+                          <m:r>
+                            <a:rPr kumimoji="1" lang="en-US" altLang="ja-JP" sz="3200" b="0" i="1" smtClean="0">
+                              <a:latin typeface="Cambria Math" panose="02040503050406030204" pitchFamily="18" charset="0"/>
+                            </a:rPr>
+                            <m:t>𝐻𝑓</m:t>
+                          </m:r>
+                          <m:r>
+                            <a:rPr lang="en-US" altLang="ja-JP" sz="3200" i="1">
+                              <a:latin typeface="Cambria Math" panose="02040503050406030204" pitchFamily="18" charset="0"/>
+                            </a:rPr>
+                            <m:t>𝑑𝑝𝑑𝑞</m:t>
+                          </m:r>
+                          <m:r>
+                            <a:rPr lang="en-US" altLang="ja-JP" sz="3200" b="0" i="1" smtClean="0">
+                              <a:latin typeface="Cambria Math" panose="02040503050406030204" pitchFamily="18" charset="0"/>
+                            </a:rPr>
+                            <m:t>+</m:t>
+                          </m:r>
+                          <m:r>
+                            <a:rPr lang="en-US" altLang="ja-JP" sz="3200" b="0" i="1" smtClean="0">
+                              <a:latin typeface="Cambria Math" panose="02040503050406030204" pitchFamily="18" charset="0"/>
+                            </a:rPr>
+                            <m:t>𝐶</m:t>
+                          </m:r>
+                        </m:e>
+                      </m:nary>
+                    </m:oMath>
+                  </m:oMathPara>
+                </a14:m>
+                <a:endParaRPr kumimoji="1" lang="ja-JP" altLang="en-US" sz="3200"/>
+              </a:p>
+            </p:txBody>
+          </p:sp>
+        </mc:Choice>
+        <mc:Fallback>
+          <p:sp>
+            <p:nvSpPr>
+              <p:cNvPr id="9" name="テキスト ボックス 8">
+                <a:extLst>
+                  <a:ext uri="{FF2B5EF4-FFF2-40B4-BE49-F238E27FC236}">
+                    <a16:creationId xmlns:a16="http://schemas.microsoft.com/office/drawing/2014/main" id="{C18EB098-547E-4238-D0C8-2677E2FF59EF}"/>
+                  </a:ext>
+                </a:extLst>
+              </p:cNvPr>
+              <p:cNvSpPr txBox="1">
+                <a:spLocks noRot="1" noChangeAspect="1" noMove="1" noResize="1" noEditPoints="1" noAdjustHandles="1" noChangeArrowheads="1" noChangeShapeType="1" noTextEdit="1"/>
+              </p:cNvSpPr>
+              <p:nvPr/>
+            </p:nvSpPr>
+            <p:spPr>
+              <a:xfrm>
+                <a:off x="1187624" y="4005064"/>
+                <a:ext cx="4226478" cy="1384033"/>
+              </a:xfrm>
+              <a:prstGeom prst="rect">
+                <a:avLst/>
+              </a:prstGeom>
+              <a:blipFill>
+                <a:blip r:embed="rId5"/>
+                <a:stretch>
+                  <a:fillRect/>
+                </a:stretch>
+              </a:blipFill>
+            </p:spPr>
+            <p:txBody>
+              <a:bodyPr/>
+              <a:lstStyle/>
+              <a:p>
+                <a:r>
+                  <a:rPr lang="ja-JP" altLang="en-US">
+                    <a:noFill/>
+                  </a:rPr>
+                  <a:t> </a:t>
+                </a:r>
+              </a:p>
+            </p:txBody>
+          </p:sp>
+        </mc:Fallback>
+      </mc:AlternateContent>
+      <p:sp>
+        <p:nvSpPr>
+          <p:cNvPr id="10" name="四角形: 角を丸くする 9">
+            <a:extLst>
+              <a:ext uri="{FF2B5EF4-FFF2-40B4-BE49-F238E27FC236}">
+                <a16:creationId xmlns:a16="http://schemas.microsoft.com/office/drawing/2014/main" id="{454EB1FA-DF07-9798-7AA8-93DB6F974108}"/>
+              </a:ext>
+            </a:extLst>
+          </p:cNvPr>
+          <p:cNvSpPr/>
+          <p:nvPr/>
+        </p:nvSpPr>
+        <p:spPr>
+          <a:xfrm>
+            <a:off x="2915816" y="4293096"/>
+            <a:ext cx="1656184" cy="720080"/>
+          </a:xfrm>
+          <a:prstGeom prst="roundRect">
+            <a:avLst/>
+          </a:prstGeom>
+          <a:noFill/>
+          <a:ln w="38100">
+            <a:solidFill>
+              <a:srgbClr val="FF0000"/>
+            </a:solidFill>
+            <a:prstDash val="dash"/>
+          </a:ln>
+        </p:spPr>
+        <p:style>
+          <a:lnRef idx="2">
+            <a:schemeClr val="accent1">
+              <a:shade val="50000"/>
+            </a:schemeClr>
+          </a:lnRef>
+          <a:fillRef idx="1">
+            <a:schemeClr val="accent1"/>
+          </a:fillRef>
+          <a:effectRef idx="0">
+            <a:schemeClr val="accent1"/>
+          </a:effectRef>
+          <a:fontRef idx="minor">
+            <a:schemeClr val="lt1"/>
+          </a:fontRef>
+        </p:style>
+        <p:txBody>
+          <a:bodyPr rtlCol="0" anchor="ctr"/>
+          <a:lstStyle/>
+          <a:p>
+            <a:pPr algn="ctr"/>
+            <a:endParaRPr kumimoji="1" lang="ja-JP" altLang="en-US"/>
+          </a:p>
+        </p:txBody>
+      </p:sp>
+      <mc:AlternateContent xmlns:mc="http://schemas.openxmlformats.org/markup-compatibility/2006">
+        <mc:Choice xmlns:a14="http://schemas.microsoft.com/office/drawing/2010/main" Requires="a14">
+          <p:sp>
+            <p:nvSpPr>
+              <p:cNvPr id="11" name="テキスト ボックス 10">
+                <a:extLst>
+                  <a:ext uri="{FF2B5EF4-FFF2-40B4-BE49-F238E27FC236}">
+                    <a16:creationId xmlns:a16="http://schemas.microsoft.com/office/drawing/2014/main" id="{4A28230A-DFDD-8CE0-2284-D2A7DFBC1D6C}"/>
+                  </a:ext>
+                </a:extLst>
+              </p:cNvPr>
+              <p:cNvSpPr txBox="1"/>
+              <p:nvPr/>
+            </p:nvSpPr>
+            <p:spPr>
+              <a:xfrm>
+                <a:off x="3419872" y="5013176"/>
+                <a:ext cx="905376" cy="523220"/>
+              </a:xfrm>
+              <a:prstGeom prst="rect">
+                <a:avLst/>
+              </a:prstGeom>
+              <a:noFill/>
+            </p:spPr>
+            <p:txBody>
+              <a:bodyPr wrap="none" rtlCol="0">
+                <a:spAutoFit/>
+              </a:bodyPr>
+              <a:lstStyle/>
+              <a:p>
+                <a14:m>
+                  <m:oMathPara xmlns:m="http://schemas.openxmlformats.org/officeDocument/2006/math">
+                    <m:oMathParaPr>
+                      <m:jc m:val="centerGroup"/>
+                    </m:oMathParaPr>
+                    <m:oMath xmlns:m="http://schemas.openxmlformats.org/officeDocument/2006/math">
+                      <m:r>
+                        <a:rPr kumimoji="1" lang="en-US" altLang="ja-JP" sz="2800" b="0" i="1" smtClean="0">
+                          <a:latin typeface="Cambria Math" panose="02040503050406030204" pitchFamily="18" charset="0"/>
+                        </a:rPr>
+                        <m:t>=</m:t>
+                      </m:r>
+                      <m:r>
+                        <a:rPr kumimoji="1" lang="en-US" altLang="ja-JP" sz="2800" b="0" i="1" smtClean="0">
+                          <a:latin typeface="Cambria Math" panose="02040503050406030204" pitchFamily="18" charset="0"/>
+                        </a:rPr>
+                        <m:t>𝑈</m:t>
+                      </m:r>
+                    </m:oMath>
+                  </m:oMathPara>
+                </a14:m>
+                <a:endParaRPr kumimoji="1" lang="ja-JP" altLang="en-US" sz="2800"/>
+              </a:p>
+            </p:txBody>
+          </p:sp>
+        </mc:Choice>
+        <mc:Fallback>
+          <p:sp>
+            <p:nvSpPr>
+              <p:cNvPr id="11" name="テキスト ボックス 10">
+                <a:extLst>
+                  <a:ext uri="{FF2B5EF4-FFF2-40B4-BE49-F238E27FC236}">
+                    <a16:creationId xmlns:a16="http://schemas.microsoft.com/office/drawing/2014/main" id="{4A28230A-DFDD-8CE0-2284-D2A7DFBC1D6C}"/>
+                  </a:ext>
+                </a:extLst>
+              </p:cNvPr>
+              <p:cNvSpPr txBox="1">
+                <a:spLocks noRot="1" noChangeAspect="1" noMove="1" noResize="1" noEditPoints="1" noAdjustHandles="1" noChangeArrowheads="1" noChangeShapeType="1" noTextEdit="1"/>
+              </p:cNvSpPr>
+              <p:nvPr/>
+            </p:nvSpPr>
+            <p:spPr>
+              <a:xfrm>
+                <a:off x="3419872" y="5013176"/>
+                <a:ext cx="905376" cy="523220"/>
+              </a:xfrm>
+              <a:prstGeom prst="rect">
+                <a:avLst/>
+              </a:prstGeom>
+              <a:blipFill>
+                <a:blip r:embed="rId6"/>
+                <a:stretch>
+                  <a:fillRect/>
+                </a:stretch>
+              </a:blipFill>
+            </p:spPr>
+            <p:txBody>
+              <a:bodyPr/>
+              <a:lstStyle/>
+              <a:p>
+                <a:r>
+                  <a:rPr lang="ja-JP" altLang="en-US">
+                    <a:noFill/>
+                  </a:rPr>
+                  <a:t> </a:t>
+                </a:r>
+              </a:p>
+            </p:txBody>
+          </p:sp>
+        </mc:Fallback>
+      </mc:AlternateContent>
+      <p:sp>
+        <p:nvSpPr>
+          <p:cNvPr id="12" name="四角形: 角を丸くする 11">
+            <a:extLst>
+              <a:ext uri="{FF2B5EF4-FFF2-40B4-BE49-F238E27FC236}">
+                <a16:creationId xmlns:a16="http://schemas.microsoft.com/office/drawing/2014/main" id="{E424EF04-9256-3C16-B1DA-E031BDEAF8D9}"/>
+              </a:ext>
+            </a:extLst>
+          </p:cNvPr>
+          <p:cNvSpPr/>
+          <p:nvPr/>
+        </p:nvSpPr>
+        <p:spPr>
+          <a:xfrm>
+            <a:off x="2699792" y="1700808"/>
+            <a:ext cx="936104" cy="648072"/>
+          </a:xfrm>
+          <a:prstGeom prst="roundRect">
+            <a:avLst/>
+          </a:prstGeom>
+          <a:noFill/>
+          <a:ln w="38100">
+            <a:solidFill>
+              <a:srgbClr val="FF0000"/>
+            </a:solidFill>
+            <a:prstDash val="dash"/>
+          </a:ln>
+        </p:spPr>
+        <p:style>
+          <a:lnRef idx="2">
+            <a:schemeClr val="accent1">
+              <a:shade val="50000"/>
+            </a:schemeClr>
+          </a:lnRef>
+          <a:fillRef idx="1">
+            <a:schemeClr val="accent1"/>
+          </a:fillRef>
+          <a:effectRef idx="0">
+            <a:schemeClr val="accent1"/>
+          </a:effectRef>
+          <a:fontRef idx="minor">
+            <a:schemeClr val="lt1"/>
+          </a:fontRef>
+        </p:style>
+        <p:txBody>
+          <a:bodyPr rtlCol="0" anchor="ctr"/>
+          <a:lstStyle/>
+          <a:p>
+            <a:pPr algn="ctr"/>
+            <a:endParaRPr kumimoji="1" lang="ja-JP" altLang="en-US"/>
+          </a:p>
+        </p:txBody>
+      </p:sp>
+      <p:sp>
+        <p:nvSpPr>
+          <p:cNvPr id="13" name="四角形: 角を丸くする 12">
+            <a:extLst>
+              <a:ext uri="{FF2B5EF4-FFF2-40B4-BE49-F238E27FC236}">
+                <a16:creationId xmlns:a16="http://schemas.microsoft.com/office/drawing/2014/main" id="{FA3EB2B3-A592-34EE-84BD-0F392530C78B}"/>
+              </a:ext>
+            </a:extLst>
+          </p:cNvPr>
+          <p:cNvSpPr/>
+          <p:nvPr/>
+        </p:nvSpPr>
+        <p:spPr>
+          <a:xfrm>
+            <a:off x="4572000" y="3140968"/>
+            <a:ext cx="936104" cy="648072"/>
+          </a:xfrm>
+          <a:prstGeom prst="roundRect">
+            <a:avLst/>
+          </a:prstGeom>
+          <a:noFill/>
+          <a:ln w="38100">
+            <a:solidFill>
+              <a:srgbClr val="FF0000"/>
+            </a:solidFill>
+            <a:prstDash val="dash"/>
+          </a:ln>
+        </p:spPr>
+        <p:style>
+          <a:lnRef idx="2">
+            <a:schemeClr val="accent1">
+              <a:shade val="50000"/>
+            </a:schemeClr>
+          </a:lnRef>
+          <a:fillRef idx="1">
+            <a:schemeClr val="accent1"/>
+          </a:fillRef>
+          <a:effectRef idx="0">
+            <a:schemeClr val="accent1"/>
+          </a:effectRef>
+          <a:fontRef idx="minor">
+            <a:schemeClr val="lt1"/>
+          </a:fontRef>
+        </p:style>
+        <p:txBody>
+          <a:bodyPr rtlCol="0" anchor="ctr"/>
+          <a:lstStyle/>
+          <a:p>
+            <a:pPr algn="ctr"/>
+            <a:endParaRPr kumimoji="1" lang="ja-JP" altLang="en-US"/>
+          </a:p>
+        </p:txBody>
+      </p:sp>
+      <p:cxnSp>
+        <p:nvCxnSpPr>
+          <p:cNvPr id="15" name="コネクタ: カギ線 14">
+            <a:extLst>
+              <a:ext uri="{FF2B5EF4-FFF2-40B4-BE49-F238E27FC236}">
+                <a16:creationId xmlns:a16="http://schemas.microsoft.com/office/drawing/2014/main" id="{FA1B130C-64A3-22BC-6DC3-D84A0F9E37CB}"/>
+              </a:ext>
+            </a:extLst>
+          </p:cNvPr>
+          <p:cNvCxnSpPr>
+            <a:stCxn id="13" idx="0"/>
+            <a:endCxn id="12" idx="2"/>
+          </p:cNvCxnSpPr>
+          <p:nvPr/>
+        </p:nvCxnSpPr>
+        <p:spPr>
+          <a:xfrm rot="16200000" flipV="1">
+            <a:off x="3707904" y="1808820"/>
+            <a:ext cx="792088" cy="1872208"/>
+          </a:xfrm>
+          <a:prstGeom prst="bentConnector3">
+            <a:avLst/>
+          </a:prstGeom>
+          <a:ln>
+            <a:solidFill>
+              <a:schemeClr val="tx1"/>
+            </a:solidFill>
+            <a:headEnd type="none" w="med" len="med"/>
+            <a:tailEnd type="triangle"/>
+          </a:ln>
+        </p:spPr>
+        <p:style>
+          <a:lnRef idx="1">
+            <a:schemeClr val="accent1"/>
+          </a:lnRef>
+          <a:fillRef idx="0">
+            <a:schemeClr val="accent1"/>
+          </a:fillRef>
+          <a:effectRef idx="0">
+            <a:schemeClr val="accent1"/>
+          </a:effectRef>
+          <a:fontRef idx="minor">
+            <a:schemeClr val="tx1"/>
+          </a:fontRef>
+        </p:style>
+      </p:cxnSp>
+      <p:sp>
+        <p:nvSpPr>
+          <p:cNvPr id="16" name="テキスト ボックス 15">
+            <a:extLst>
+              <a:ext uri="{FF2B5EF4-FFF2-40B4-BE49-F238E27FC236}">
+                <a16:creationId xmlns:a16="http://schemas.microsoft.com/office/drawing/2014/main" id="{807EED1A-AB82-2819-D1DB-5CC6E2BA2E98}"/>
+              </a:ext>
+            </a:extLst>
+          </p:cNvPr>
+          <p:cNvSpPr txBox="1"/>
+          <p:nvPr/>
+        </p:nvSpPr>
+        <p:spPr>
+          <a:xfrm>
+            <a:off x="5220072" y="2492896"/>
+            <a:ext cx="2492990" cy="369332"/>
+          </a:xfrm>
+          <a:prstGeom prst="rect">
+            <a:avLst/>
+          </a:prstGeom>
+          <a:noFill/>
+        </p:spPr>
+        <p:txBody>
+          <a:bodyPr wrap="none" rtlCol="0">
+            <a:spAutoFit/>
+          </a:bodyPr>
+          <a:lstStyle/>
+          <a:p>
+            <a:r>
+              <a:rPr kumimoji="1" lang="ja-JP" altLang="en-US"/>
+              <a:t>カノニカル分布を代入</a:t>
+            </a:r>
+          </a:p>
+        </p:txBody>
+      </p:sp>
+      <mc:AlternateContent xmlns:mc="http://schemas.openxmlformats.org/markup-compatibility/2006">
+        <mc:Choice xmlns:a14="http://schemas.microsoft.com/office/drawing/2010/main" Requires="a14">
+          <p:sp>
+            <p:nvSpPr>
+              <p:cNvPr id="17" name="テキスト ボックス 16">
+                <a:extLst>
+                  <a:ext uri="{FF2B5EF4-FFF2-40B4-BE49-F238E27FC236}">
+                    <a16:creationId xmlns:a16="http://schemas.microsoft.com/office/drawing/2014/main" id="{977E3B5E-B581-A89A-72A4-EF9CCEB0FDCD}"/>
+                  </a:ext>
+                </a:extLst>
+              </p:cNvPr>
+              <p:cNvSpPr txBox="1"/>
+              <p:nvPr/>
+            </p:nvSpPr>
+            <p:spPr>
+              <a:xfrm>
+                <a:off x="3059832" y="5661248"/>
+                <a:ext cx="1846596" cy="1027525"/>
+              </a:xfrm>
+              <a:prstGeom prst="rect">
+                <a:avLst/>
+              </a:prstGeom>
+              <a:noFill/>
+            </p:spPr>
+            <p:txBody>
+              <a:bodyPr wrap="none" rtlCol="0">
+                <a:spAutoFit/>
+              </a:bodyPr>
+              <a:lstStyle/>
+              <a:p>
+                <a14:m>
+                  <m:oMathPara xmlns:m="http://schemas.openxmlformats.org/officeDocument/2006/math">
+                    <m:oMathParaPr>
+                      <m:jc m:val="centerGroup"/>
+                    </m:oMathParaPr>
+                    <m:oMath xmlns:m="http://schemas.openxmlformats.org/officeDocument/2006/math">
+                      <m:f>
+                        <m:fPr>
+                          <m:ctrlPr>
+                            <a:rPr kumimoji="1" lang="en-US" altLang="ja-JP" sz="3200" b="0" i="1" smtClean="0">
+                              <a:latin typeface="Cambria Math" panose="02040503050406030204" pitchFamily="18" charset="0"/>
+                            </a:rPr>
+                          </m:ctrlPr>
+                        </m:fPr>
+                        <m:num>
+                          <m:r>
+                            <a:rPr kumimoji="1" lang="en-US" altLang="ja-JP" sz="3200" b="0" i="1" smtClean="0">
+                              <a:latin typeface="Cambria Math" panose="02040503050406030204" pitchFamily="18" charset="0"/>
+                            </a:rPr>
+                            <m:t>𝑑𝑆</m:t>
+                          </m:r>
+                        </m:num>
+                        <m:den>
+                          <m:r>
+                            <a:rPr kumimoji="1" lang="en-US" altLang="ja-JP" sz="3200" b="0" i="1" smtClean="0">
+                              <a:latin typeface="Cambria Math" panose="02040503050406030204" pitchFamily="18" charset="0"/>
+                            </a:rPr>
+                            <m:t>𝑑𝑈</m:t>
+                          </m:r>
+                        </m:den>
+                      </m:f>
+                      <m:r>
+                        <a:rPr kumimoji="1" lang="en-US" altLang="ja-JP" sz="3200" b="0" i="1" smtClean="0">
+                          <a:latin typeface="Cambria Math" panose="02040503050406030204" pitchFamily="18" charset="0"/>
+                        </a:rPr>
+                        <m:t>=</m:t>
+                      </m:r>
+                      <m:r>
+                        <a:rPr kumimoji="1" lang="en-US" altLang="ja-JP" sz="3200" b="0" i="1" smtClean="0">
+                          <a:latin typeface="Cambria Math" panose="02040503050406030204" pitchFamily="18" charset="0"/>
+                        </a:rPr>
+                        <m:t>𝛽</m:t>
+                      </m:r>
+                      <m:r>
+                        <a:rPr kumimoji="1" lang="en-US" altLang="ja-JP" sz="3200" b="0" i="1" smtClean="0">
+                          <a:latin typeface="Cambria Math" panose="02040503050406030204" pitchFamily="18" charset="0"/>
+                        </a:rPr>
+                        <m:t>𝑘</m:t>
+                      </m:r>
+                    </m:oMath>
+                  </m:oMathPara>
+                </a14:m>
+                <a:endParaRPr kumimoji="1" lang="ja-JP" altLang="en-US" sz="3200"/>
+              </a:p>
+            </p:txBody>
+          </p:sp>
+        </mc:Choice>
+        <mc:Fallback>
+          <p:sp>
+            <p:nvSpPr>
+              <p:cNvPr id="17" name="テキスト ボックス 16">
+                <a:extLst>
+                  <a:ext uri="{FF2B5EF4-FFF2-40B4-BE49-F238E27FC236}">
+                    <a16:creationId xmlns:a16="http://schemas.microsoft.com/office/drawing/2014/main" id="{977E3B5E-B581-A89A-72A4-EF9CCEB0FDCD}"/>
+                  </a:ext>
+                </a:extLst>
+              </p:cNvPr>
+              <p:cNvSpPr txBox="1">
+                <a:spLocks noRot="1" noChangeAspect="1" noMove="1" noResize="1" noEditPoints="1" noAdjustHandles="1" noChangeArrowheads="1" noChangeShapeType="1" noTextEdit="1"/>
+              </p:cNvSpPr>
+              <p:nvPr/>
+            </p:nvSpPr>
+            <p:spPr>
+              <a:xfrm>
+                <a:off x="3059832" y="5661248"/>
+                <a:ext cx="1846596" cy="1027525"/>
+              </a:xfrm>
+              <a:prstGeom prst="rect">
+                <a:avLst/>
+              </a:prstGeom>
+              <a:blipFill>
+                <a:blip r:embed="rId7"/>
+                <a:stretch>
+                  <a:fillRect/>
+                </a:stretch>
+              </a:blipFill>
+            </p:spPr>
+            <p:txBody>
+              <a:bodyPr/>
+              <a:lstStyle/>
+              <a:p>
+                <a:r>
+                  <a:rPr lang="ja-JP" altLang="en-US">
+                    <a:noFill/>
+                  </a:rPr>
+                  <a:t> </a:t>
+                </a:r>
+              </a:p>
+            </p:txBody>
+          </p:sp>
+        </mc:Fallback>
+      </mc:AlternateContent>
+    </p:spTree>
+    <p:extLst>
+      <p:ext uri="{BB962C8B-B14F-4D97-AF65-F5344CB8AC3E}">
+        <p14:creationId xmlns:p14="http://schemas.microsoft.com/office/powerpoint/2010/main" val="3600037904"/>
+      </p:ext>
+    </p:extLst>
+  </p:cSld>
+  <p:clrMapOvr>
+    <a:masterClrMapping/>
+  </p:clrMapOvr>
+</p:sld>
+</file>
+
+<file path=ppt/slides/slide21.xml><?xml version="1.0" encoding="utf-8"?>
+<p:sld xmlns:a="http://schemas.openxmlformats.org/drawingml/2006/main" xmlns:r="http://schemas.openxmlformats.org/officeDocument/2006/relationships" xmlns:p="http://schemas.openxmlformats.org/presentationml/2006/main">
+  <p:cSld>
+    <p:spTree>
+      <p:nvGrpSpPr>
+        <p:cNvPr id="1" name=""/>
+        <p:cNvGrpSpPr/>
+        <p:nvPr/>
+      </p:nvGrpSpPr>
+      <p:grpSpPr>
+        <a:xfrm>
+          <a:off x="0" y="0"/>
+          <a:ext cx="0" cy="0"/>
+          <a:chOff x="0" y="0"/>
+          <a:chExt cx="0" cy="0"/>
+        </a:xfrm>
+      </p:grpSpPr>
+      <p:sp>
+        <p:nvSpPr>
+          <p:cNvPr id="2" name="テキスト プレースホルダー 1">
+            <a:extLst>
+              <a:ext uri="{FF2B5EF4-FFF2-40B4-BE49-F238E27FC236}">
+                <a16:creationId xmlns:a16="http://schemas.microsoft.com/office/drawing/2014/main" id="{0736986C-E9FB-5383-57BD-80C9EF962920}"/>
+              </a:ext>
+            </a:extLst>
+          </p:cNvPr>
+          <p:cNvSpPr>
+            <a:spLocks noGrp="1"/>
+          </p:cNvSpPr>
+          <p:nvPr>
+            <p:ph type="body" sz="quarter" idx="10"/>
+          </p:nvPr>
+        </p:nvSpPr>
+        <p:spPr/>
+        <p:txBody>
+          <a:bodyPr/>
+          <a:lstStyle/>
+          <a:p>
+            <a:r>
+              <a:rPr kumimoji="1" lang="ja-JP" altLang="en-US"/>
+              <a:t>カノニカル分布と逆温度</a:t>
+            </a:r>
+          </a:p>
+        </p:txBody>
+      </p:sp>
+      <mc:AlternateContent xmlns:mc="http://schemas.openxmlformats.org/markup-compatibility/2006">
+        <mc:Choice xmlns:a14="http://schemas.microsoft.com/office/drawing/2010/main" Requires="a14">
+          <p:sp>
+            <p:nvSpPr>
+              <p:cNvPr id="3" name="テキスト ボックス 2">
+                <a:extLst>
+                  <a:ext uri="{FF2B5EF4-FFF2-40B4-BE49-F238E27FC236}">
+                    <a16:creationId xmlns:a16="http://schemas.microsoft.com/office/drawing/2014/main" id="{1D6E88B1-31A4-4CE0-6974-E628126B7C43}"/>
+                  </a:ext>
+                </a:extLst>
+              </p:cNvPr>
+              <p:cNvSpPr txBox="1"/>
+              <p:nvPr/>
+            </p:nvSpPr>
+            <p:spPr>
+              <a:xfrm>
+                <a:off x="971600" y="1340768"/>
+                <a:ext cx="1846596" cy="1027525"/>
+              </a:xfrm>
+              <a:prstGeom prst="rect">
+                <a:avLst/>
+              </a:prstGeom>
+              <a:noFill/>
+            </p:spPr>
+            <p:txBody>
+              <a:bodyPr wrap="none" rtlCol="0">
+                <a:spAutoFit/>
+              </a:bodyPr>
+              <a:lstStyle/>
+              <a:p>
+                <a14:m>
+                  <m:oMathPara xmlns:m="http://schemas.openxmlformats.org/officeDocument/2006/math">
+                    <m:oMathParaPr>
+                      <m:jc m:val="centerGroup"/>
+                    </m:oMathParaPr>
+                    <m:oMath xmlns:m="http://schemas.openxmlformats.org/officeDocument/2006/math">
+                      <m:f>
+                        <m:fPr>
+                          <m:ctrlPr>
+                            <a:rPr kumimoji="1" lang="en-US" altLang="ja-JP" sz="3200" b="0" i="1" smtClean="0">
+                              <a:latin typeface="Cambria Math" panose="02040503050406030204" pitchFamily="18" charset="0"/>
+                            </a:rPr>
+                          </m:ctrlPr>
+                        </m:fPr>
+                        <m:num>
+                          <m:r>
+                            <a:rPr kumimoji="1" lang="en-US" altLang="ja-JP" sz="3200" b="0" i="1" smtClean="0">
+                              <a:latin typeface="Cambria Math" panose="02040503050406030204" pitchFamily="18" charset="0"/>
+                            </a:rPr>
+                            <m:t>𝑑𝑆</m:t>
+                          </m:r>
+                        </m:num>
+                        <m:den>
+                          <m:r>
+                            <a:rPr kumimoji="1" lang="en-US" altLang="ja-JP" sz="3200" b="0" i="1" smtClean="0">
+                              <a:latin typeface="Cambria Math" panose="02040503050406030204" pitchFamily="18" charset="0"/>
+                            </a:rPr>
+                            <m:t>𝑑𝑈</m:t>
+                          </m:r>
+                        </m:den>
+                      </m:f>
+                      <m:r>
+                        <a:rPr kumimoji="1" lang="en-US" altLang="ja-JP" sz="3200" b="0" i="1" smtClean="0">
+                          <a:latin typeface="Cambria Math" panose="02040503050406030204" pitchFamily="18" charset="0"/>
+                        </a:rPr>
+                        <m:t>=</m:t>
+                      </m:r>
+                      <m:r>
+                        <a:rPr kumimoji="1" lang="en-US" altLang="ja-JP" sz="3200" b="0" i="1" smtClean="0">
+                          <a:latin typeface="Cambria Math" panose="02040503050406030204" pitchFamily="18" charset="0"/>
+                        </a:rPr>
+                        <m:t>𝛽</m:t>
+                      </m:r>
+                      <m:r>
+                        <a:rPr kumimoji="1" lang="en-US" altLang="ja-JP" sz="3200" b="0" i="1" smtClean="0">
+                          <a:latin typeface="Cambria Math" panose="02040503050406030204" pitchFamily="18" charset="0"/>
+                        </a:rPr>
+                        <m:t>𝑘</m:t>
+                      </m:r>
+                    </m:oMath>
+                  </m:oMathPara>
+                </a14:m>
+                <a:endParaRPr kumimoji="1" lang="ja-JP" altLang="en-US" sz="3200"/>
+              </a:p>
+            </p:txBody>
+          </p:sp>
+        </mc:Choice>
+        <mc:Fallback>
+          <p:sp>
+            <p:nvSpPr>
+              <p:cNvPr id="3" name="テキスト ボックス 2">
+                <a:extLst>
+                  <a:ext uri="{FF2B5EF4-FFF2-40B4-BE49-F238E27FC236}">
+                    <a16:creationId xmlns:a16="http://schemas.microsoft.com/office/drawing/2014/main" id="{1D6E88B1-31A4-4CE0-6974-E628126B7C43}"/>
+                  </a:ext>
+                </a:extLst>
+              </p:cNvPr>
+              <p:cNvSpPr txBox="1">
+                <a:spLocks noRot="1" noChangeAspect="1" noMove="1" noResize="1" noEditPoints="1" noAdjustHandles="1" noChangeArrowheads="1" noChangeShapeType="1" noTextEdit="1"/>
+              </p:cNvSpPr>
+              <p:nvPr/>
+            </p:nvSpPr>
+            <p:spPr>
+              <a:xfrm>
+                <a:off x="971600" y="1340768"/>
+                <a:ext cx="1846596" cy="1027525"/>
+              </a:xfrm>
+              <a:prstGeom prst="rect">
+                <a:avLst/>
+              </a:prstGeom>
+              <a:blipFill>
+                <a:blip r:embed="rId2"/>
+                <a:stretch>
+                  <a:fillRect/>
+                </a:stretch>
+              </a:blipFill>
+            </p:spPr>
+            <p:txBody>
+              <a:bodyPr/>
+              <a:lstStyle/>
+              <a:p>
+                <a:r>
+                  <a:rPr lang="ja-JP" altLang="en-US">
+                    <a:noFill/>
+                  </a:rPr>
+                  <a:t> </a:t>
+                </a:r>
+              </a:p>
+            </p:txBody>
+          </p:sp>
+        </mc:Fallback>
+      </mc:AlternateContent>
+      <mc:AlternateContent xmlns:mc="http://schemas.openxmlformats.org/markup-compatibility/2006">
+        <mc:Choice xmlns:a14="http://schemas.microsoft.com/office/drawing/2010/main" Requires="a14">
+          <p:sp>
+            <p:nvSpPr>
+              <p:cNvPr id="4" name="テキスト ボックス 3">
+                <a:extLst>
+                  <a:ext uri="{FF2B5EF4-FFF2-40B4-BE49-F238E27FC236}">
+                    <a16:creationId xmlns:a16="http://schemas.microsoft.com/office/drawing/2014/main" id="{CF2A5A90-ACC7-6F95-CCB1-7A569F7E29DB}"/>
+                  </a:ext>
+                </a:extLst>
+              </p:cNvPr>
+              <p:cNvSpPr txBox="1"/>
+              <p:nvPr/>
+            </p:nvSpPr>
+            <p:spPr>
+              <a:xfrm>
+                <a:off x="971600" y="2708920"/>
+                <a:ext cx="1612749" cy="1027525"/>
+              </a:xfrm>
+              <a:prstGeom prst="rect">
+                <a:avLst/>
+              </a:prstGeom>
+              <a:noFill/>
+            </p:spPr>
+            <p:txBody>
+              <a:bodyPr wrap="none" rtlCol="0">
+                <a:spAutoFit/>
+              </a:bodyPr>
+              <a:lstStyle/>
+              <a:p>
+                <a14:m>
+                  <m:oMathPara xmlns:m="http://schemas.openxmlformats.org/officeDocument/2006/math">
+                    <m:oMathParaPr>
+                      <m:jc m:val="centerGroup"/>
+                    </m:oMathParaPr>
+                    <m:oMath xmlns:m="http://schemas.openxmlformats.org/officeDocument/2006/math">
+                      <m:f>
+                        <m:fPr>
+                          <m:ctrlPr>
+                            <a:rPr kumimoji="1" lang="en-US" altLang="ja-JP" sz="3200" b="0" i="1" smtClean="0">
+                              <a:latin typeface="Cambria Math" panose="02040503050406030204" pitchFamily="18" charset="0"/>
+                            </a:rPr>
+                          </m:ctrlPr>
+                        </m:fPr>
+                        <m:num>
+                          <m:r>
+                            <a:rPr kumimoji="1" lang="en-US" altLang="ja-JP" sz="3200" b="0" i="1" smtClean="0">
+                              <a:latin typeface="Cambria Math" panose="02040503050406030204" pitchFamily="18" charset="0"/>
+                            </a:rPr>
+                            <m:t>𝑑𝑆</m:t>
+                          </m:r>
+                        </m:num>
+                        <m:den>
+                          <m:r>
+                            <a:rPr kumimoji="1" lang="en-US" altLang="ja-JP" sz="3200" b="0" i="1" smtClean="0">
+                              <a:latin typeface="Cambria Math" panose="02040503050406030204" pitchFamily="18" charset="0"/>
+                            </a:rPr>
+                            <m:t>𝑑𝑈</m:t>
+                          </m:r>
+                        </m:den>
+                      </m:f>
+                      <m:r>
+                        <a:rPr kumimoji="1" lang="en-US" altLang="ja-JP" sz="3200" b="0" i="1" smtClean="0">
+                          <a:latin typeface="Cambria Math" panose="02040503050406030204" pitchFamily="18" charset="0"/>
+                        </a:rPr>
+                        <m:t>=</m:t>
+                      </m:r>
+                      <m:f>
+                        <m:fPr>
+                          <m:ctrlPr>
+                            <a:rPr kumimoji="1" lang="en-US" altLang="ja-JP" sz="3200" b="0" i="1" smtClean="0">
+                              <a:latin typeface="Cambria Math" panose="02040503050406030204" pitchFamily="18" charset="0"/>
+                            </a:rPr>
+                          </m:ctrlPr>
+                        </m:fPr>
+                        <m:num>
+                          <m:r>
+                            <a:rPr kumimoji="1" lang="en-US" altLang="ja-JP" sz="3200" b="0" i="1" smtClean="0">
+                              <a:latin typeface="Cambria Math" panose="02040503050406030204" pitchFamily="18" charset="0"/>
+                            </a:rPr>
+                            <m:t>1</m:t>
+                          </m:r>
+                        </m:num>
+                        <m:den>
+                          <m:r>
+                            <a:rPr kumimoji="1" lang="en-US" altLang="ja-JP" sz="3200" b="0" i="1" smtClean="0">
+                              <a:latin typeface="Cambria Math" panose="02040503050406030204" pitchFamily="18" charset="0"/>
+                            </a:rPr>
+                            <m:t>𝑇</m:t>
+                          </m:r>
+                        </m:den>
+                      </m:f>
+                    </m:oMath>
+                  </m:oMathPara>
+                </a14:m>
+                <a:endParaRPr kumimoji="1" lang="ja-JP" altLang="en-US" sz="3200"/>
+              </a:p>
+            </p:txBody>
+          </p:sp>
+        </mc:Choice>
+        <mc:Fallback>
+          <p:sp>
+            <p:nvSpPr>
+              <p:cNvPr id="4" name="テキスト ボックス 3">
+                <a:extLst>
+                  <a:ext uri="{FF2B5EF4-FFF2-40B4-BE49-F238E27FC236}">
+                    <a16:creationId xmlns:a16="http://schemas.microsoft.com/office/drawing/2014/main" id="{CF2A5A90-ACC7-6F95-CCB1-7A569F7E29DB}"/>
+                  </a:ext>
+                </a:extLst>
+              </p:cNvPr>
+              <p:cNvSpPr txBox="1">
+                <a:spLocks noRot="1" noChangeAspect="1" noMove="1" noResize="1" noEditPoints="1" noAdjustHandles="1" noChangeArrowheads="1" noChangeShapeType="1" noTextEdit="1"/>
+              </p:cNvSpPr>
+              <p:nvPr/>
+            </p:nvSpPr>
+            <p:spPr>
+              <a:xfrm>
+                <a:off x="971600" y="2708920"/>
+                <a:ext cx="1612749" cy="1027525"/>
+              </a:xfrm>
+              <a:prstGeom prst="rect">
+                <a:avLst/>
+              </a:prstGeom>
+              <a:blipFill>
+                <a:blip r:embed="rId3"/>
+                <a:stretch>
+                  <a:fillRect/>
+                </a:stretch>
+              </a:blipFill>
+            </p:spPr>
+            <p:txBody>
+              <a:bodyPr/>
+              <a:lstStyle/>
+              <a:p>
+                <a:r>
+                  <a:rPr lang="ja-JP" altLang="en-US">
+                    <a:noFill/>
+                  </a:rPr>
+                  <a:t> </a:t>
+                </a:r>
+              </a:p>
+            </p:txBody>
+          </p:sp>
+        </mc:Fallback>
+      </mc:AlternateContent>
+      <p:sp>
+        <p:nvSpPr>
+          <p:cNvPr id="5" name="テキスト ボックス 4">
+            <a:extLst>
+              <a:ext uri="{FF2B5EF4-FFF2-40B4-BE49-F238E27FC236}">
+                <a16:creationId xmlns:a16="http://schemas.microsoft.com/office/drawing/2014/main" id="{08F5A44D-09B6-4761-C6C7-3D00FA2D1CB2}"/>
+              </a:ext>
+            </a:extLst>
+          </p:cNvPr>
+          <p:cNvSpPr txBox="1"/>
+          <p:nvPr/>
+        </p:nvSpPr>
+        <p:spPr>
+          <a:xfrm>
+            <a:off x="3059832" y="1628800"/>
+            <a:ext cx="4288353" cy="584775"/>
+          </a:xfrm>
+          <a:prstGeom prst="rect">
+            <a:avLst/>
+          </a:prstGeom>
+          <a:noFill/>
+        </p:spPr>
+        <p:txBody>
+          <a:bodyPr wrap="none" rtlCol="0">
+            <a:spAutoFit/>
+          </a:bodyPr>
+          <a:lstStyle/>
+          <a:p>
+            <a:r>
+              <a:rPr lang="ja-JP" altLang="en-US" sz="3200"/>
+              <a:t>さきほど求めた関係式</a:t>
+            </a:r>
+            <a:endParaRPr kumimoji="1" lang="ja-JP" altLang="en-US" sz="3200"/>
+          </a:p>
+        </p:txBody>
+      </p:sp>
+      <p:sp>
+        <p:nvSpPr>
+          <p:cNvPr id="6" name="テキスト ボックス 5">
+            <a:extLst>
+              <a:ext uri="{FF2B5EF4-FFF2-40B4-BE49-F238E27FC236}">
+                <a16:creationId xmlns:a16="http://schemas.microsoft.com/office/drawing/2014/main" id="{B119039D-3BA3-ACDC-0925-8081DB13C3DE}"/>
+              </a:ext>
+            </a:extLst>
+          </p:cNvPr>
+          <p:cNvSpPr txBox="1"/>
+          <p:nvPr/>
+        </p:nvSpPr>
+        <p:spPr>
+          <a:xfrm>
+            <a:off x="3131840" y="2924944"/>
+            <a:ext cx="2646878" cy="584775"/>
+          </a:xfrm>
+          <a:prstGeom prst="rect">
+            <a:avLst/>
+          </a:prstGeom>
+          <a:noFill/>
+        </p:spPr>
+        <p:txBody>
+          <a:bodyPr wrap="none" rtlCol="0">
+            <a:spAutoFit/>
+          </a:bodyPr>
+          <a:lstStyle/>
+          <a:p>
+            <a:r>
+              <a:rPr kumimoji="1" lang="ja-JP" altLang="en-US" sz="3200"/>
+              <a:t>熱力学関係式</a:t>
+            </a:r>
+          </a:p>
+        </p:txBody>
+      </p:sp>
+      <p:sp>
+        <p:nvSpPr>
+          <p:cNvPr id="7" name="テキスト ボックス 6">
+            <a:extLst>
+              <a:ext uri="{FF2B5EF4-FFF2-40B4-BE49-F238E27FC236}">
+                <a16:creationId xmlns:a16="http://schemas.microsoft.com/office/drawing/2014/main" id="{FD2DD400-FF97-6EF2-3E2D-4A74AAC1EA84}"/>
+              </a:ext>
+            </a:extLst>
+          </p:cNvPr>
+          <p:cNvSpPr txBox="1"/>
+          <p:nvPr/>
+        </p:nvSpPr>
+        <p:spPr>
+          <a:xfrm>
+            <a:off x="755576" y="4365104"/>
+            <a:ext cx="5109091" cy="584775"/>
+          </a:xfrm>
+          <a:prstGeom prst="rect">
+            <a:avLst/>
+          </a:prstGeom>
+          <a:noFill/>
+        </p:spPr>
+        <p:txBody>
+          <a:bodyPr wrap="none" rtlCol="0">
+            <a:spAutoFit/>
+          </a:bodyPr>
+          <a:lstStyle/>
+          <a:p>
+            <a:r>
+              <a:rPr kumimoji="1" lang="ja-JP" altLang="en-US" sz="3200"/>
+              <a:t>逆温度と温度が結びついた</a:t>
+            </a:r>
+          </a:p>
+        </p:txBody>
+      </p:sp>
+      <mc:AlternateContent xmlns:mc="http://schemas.openxmlformats.org/markup-compatibility/2006">
+        <mc:Choice xmlns:a14="http://schemas.microsoft.com/office/drawing/2010/main" Requires="a14">
+          <p:sp>
+            <p:nvSpPr>
+              <p:cNvPr id="8" name="テキスト ボックス 7">
+                <a:extLst>
+                  <a:ext uri="{FF2B5EF4-FFF2-40B4-BE49-F238E27FC236}">
+                    <a16:creationId xmlns:a16="http://schemas.microsoft.com/office/drawing/2014/main" id="{4184B0F0-8F01-9149-63DA-CE3B226409B7}"/>
+                  </a:ext>
+                </a:extLst>
+              </p:cNvPr>
+              <p:cNvSpPr txBox="1"/>
+              <p:nvPr/>
+            </p:nvSpPr>
+            <p:spPr>
+              <a:xfrm>
+                <a:off x="3059832" y="5229200"/>
+                <a:ext cx="1747658" cy="1133131"/>
+              </a:xfrm>
+              <a:prstGeom prst="rect">
+                <a:avLst/>
+              </a:prstGeom>
+              <a:noFill/>
+            </p:spPr>
+            <p:txBody>
+              <a:bodyPr wrap="none" rtlCol="0">
+                <a:spAutoFit/>
+              </a:bodyPr>
+              <a:lstStyle/>
+              <a:p>
+                <a14:m>
+                  <m:oMathPara xmlns:m="http://schemas.openxmlformats.org/officeDocument/2006/math">
+                    <m:oMathParaPr>
+                      <m:jc m:val="centerGroup"/>
+                    </m:oMathParaPr>
+                    <m:oMath xmlns:m="http://schemas.openxmlformats.org/officeDocument/2006/math">
+                      <m:r>
+                        <a:rPr kumimoji="1" lang="en-US" altLang="ja-JP" sz="3600" b="0" i="1" smtClean="0">
+                          <a:latin typeface="Cambria Math" panose="02040503050406030204" pitchFamily="18" charset="0"/>
+                        </a:rPr>
+                        <m:t>𝛽</m:t>
+                      </m:r>
+                      <m:r>
+                        <a:rPr kumimoji="1" lang="en-US" altLang="ja-JP" sz="3600" b="0" i="1" smtClean="0">
+                          <a:latin typeface="Cambria Math" panose="02040503050406030204" pitchFamily="18" charset="0"/>
+                        </a:rPr>
+                        <m:t>=</m:t>
+                      </m:r>
+                      <m:f>
+                        <m:fPr>
+                          <m:ctrlPr>
+                            <a:rPr kumimoji="1" lang="en-US" altLang="ja-JP" sz="3600" b="0" i="1" smtClean="0">
+                              <a:latin typeface="Cambria Math" panose="02040503050406030204" pitchFamily="18" charset="0"/>
+                            </a:rPr>
+                          </m:ctrlPr>
+                        </m:fPr>
+                        <m:num>
+                          <m:r>
+                            <a:rPr kumimoji="1" lang="en-US" altLang="ja-JP" sz="3600" b="0" i="1" smtClean="0">
+                              <a:latin typeface="Cambria Math" panose="02040503050406030204" pitchFamily="18" charset="0"/>
+                            </a:rPr>
+                            <m:t>1</m:t>
+                          </m:r>
+                        </m:num>
+                        <m:den>
+                          <m:r>
+                            <a:rPr kumimoji="1" lang="en-US" altLang="ja-JP" sz="3600" b="0" i="1" smtClean="0">
+                              <a:latin typeface="Cambria Math" panose="02040503050406030204" pitchFamily="18" charset="0"/>
+                            </a:rPr>
+                            <m:t>𝑘𝑇</m:t>
+                          </m:r>
+                        </m:den>
+                      </m:f>
+                    </m:oMath>
+                  </m:oMathPara>
+                </a14:m>
+                <a:endParaRPr kumimoji="1" lang="ja-JP" altLang="en-US" sz="3600"/>
+              </a:p>
+            </p:txBody>
+          </p:sp>
+        </mc:Choice>
+        <mc:Fallback>
+          <p:sp>
+            <p:nvSpPr>
+              <p:cNvPr id="8" name="テキスト ボックス 7">
+                <a:extLst>
+                  <a:ext uri="{FF2B5EF4-FFF2-40B4-BE49-F238E27FC236}">
+                    <a16:creationId xmlns:a16="http://schemas.microsoft.com/office/drawing/2014/main" id="{4184B0F0-8F01-9149-63DA-CE3B226409B7}"/>
+                  </a:ext>
+                </a:extLst>
+              </p:cNvPr>
+              <p:cNvSpPr txBox="1">
+                <a:spLocks noRot="1" noChangeAspect="1" noMove="1" noResize="1" noEditPoints="1" noAdjustHandles="1" noChangeArrowheads="1" noChangeShapeType="1" noTextEdit="1"/>
+              </p:cNvSpPr>
+              <p:nvPr/>
+            </p:nvSpPr>
+            <p:spPr>
+              <a:xfrm>
+                <a:off x="3059832" y="5229200"/>
+                <a:ext cx="1747658" cy="1133131"/>
+              </a:xfrm>
+              <a:prstGeom prst="rect">
+                <a:avLst/>
+              </a:prstGeom>
+              <a:blipFill>
+                <a:blip r:embed="rId4"/>
+                <a:stretch>
+                  <a:fillRect/>
+                </a:stretch>
+              </a:blipFill>
+            </p:spPr>
+            <p:txBody>
+              <a:bodyPr/>
+              <a:lstStyle/>
+              <a:p>
+                <a:r>
+                  <a:rPr lang="ja-JP" altLang="en-US">
+                    <a:noFill/>
+                  </a:rPr>
+                  <a:t> </a:t>
+                </a:r>
+              </a:p>
+            </p:txBody>
+          </p:sp>
+        </mc:Fallback>
+      </mc:AlternateContent>
+    </p:spTree>
+    <p:extLst>
+      <p:ext uri="{BB962C8B-B14F-4D97-AF65-F5344CB8AC3E}">
+        <p14:creationId xmlns:p14="http://schemas.microsoft.com/office/powerpoint/2010/main" val="890127777"/>
+      </p:ext>
+    </p:extLst>
+  </p:cSld>
+  <p:clrMapOvr>
+    <a:masterClrMapping/>
+  </p:clrMapOvr>
+</p:sld>
+</file>
+
+<file path=ppt/slides/slide22.xml><?xml version="1.0" encoding="utf-8"?>
+<p:sld xmlns:a="http://schemas.openxmlformats.org/drawingml/2006/main" xmlns:r="http://schemas.openxmlformats.org/officeDocument/2006/relationships" xmlns:p="http://schemas.openxmlformats.org/presentationml/2006/main">
+  <p:cSld>
+    <p:spTree>
+      <p:nvGrpSpPr>
+        <p:cNvPr id="1" name=""/>
+        <p:cNvGrpSpPr/>
+        <p:nvPr/>
+      </p:nvGrpSpPr>
+      <p:grpSpPr>
+        <a:xfrm>
+          <a:off x="0" y="0"/>
+          <a:ext cx="0" cy="0"/>
+          <a:chOff x="0" y="0"/>
+          <a:chExt cx="0" cy="0"/>
+        </a:xfrm>
+      </p:grpSpPr>
+      <p:sp>
+        <p:nvSpPr>
+          <p:cNvPr id="2" name="テキスト プレースホルダー 1">
+            <a:extLst>
+              <a:ext uri="{FF2B5EF4-FFF2-40B4-BE49-F238E27FC236}">
+                <a16:creationId xmlns:a16="http://schemas.microsoft.com/office/drawing/2014/main" id="{0CAAB564-92FE-2FBC-1D17-FFB2B93268E1}"/>
+              </a:ext>
+            </a:extLst>
+          </p:cNvPr>
+          <p:cNvSpPr>
+            <a:spLocks noGrp="1"/>
+          </p:cNvSpPr>
+          <p:nvPr>
+            <p:ph type="body" sz="quarter" idx="10"/>
+          </p:nvPr>
+        </p:nvSpPr>
+        <p:spPr/>
+        <p:txBody>
+          <a:bodyPr/>
+          <a:lstStyle/>
+          <a:p>
+            <a:r>
+              <a:rPr kumimoji="1" lang="ja-JP" altLang="en-US"/>
+              <a:t>カノニカル分布と逆温度のまとめ</a:t>
+            </a:r>
+          </a:p>
+        </p:txBody>
+      </p:sp>
+    </p:spTree>
+    <p:extLst>
+      <p:ext uri="{BB962C8B-B14F-4D97-AF65-F5344CB8AC3E}">
+        <p14:creationId xmlns:p14="http://schemas.microsoft.com/office/powerpoint/2010/main" val="348826034"/>
       </p:ext>
     </p:extLst>
   </p:cSld>
@@ -7868,8 +14365,8 @@
           </a:p>
         </p:txBody>
       </p:sp>
-      <mc:AlternateContent xmlns:mc="http://schemas.openxmlformats.org/markup-compatibility/2006">
-        <mc:Choice xmlns:a14="http://schemas.microsoft.com/office/drawing/2010/main" Requires="a14">
+      <mc:AlternateContent xmlns:mc="http://schemas.openxmlformats.org/markup-compatibility/2006" xmlns:a14="http://schemas.microsoft.com/office/drawing/2010/main">
+        <mc:Choice Requires="a14">
           <p:sp>
             <p:nvSpPr>
               <p:cNvPr id="5" name="テキスト ボックス 4">
@@ -7898,6 +14395,7 @@
               </a:bodyPr>
               <a:lstStyle/>
               <a:p>
+                <a:pPr/>
                 <a14:m>
                   <m:oMathPara xmlns:m="http://schemas.openxmlformats.org/officeDocument/2006/math">
                     <m:oMathParaPr>
@@ -8036,7 +14534,7 @@
             </p:txBody>
           </p:sp>
         </mc:Choice>
-        <mc:Fallback>
+        <mc:Fallback xmlns="">
           <p:sp>
             <p:nvSpPr>
               <p:cNvPr id="5" name="テキスト ボックス 4">
@@ -8081,8 +14579,8 @@
           </p:sp>
         </mc:Fallback>
       </mc:AlternateContent>
-      <mc:AlternateContent xmlns:mc="http://schemas.openxmlformats.org/markup-compatibility/2006">
-        <mc:Choice xmlns:a14="http://schemas.microsoft.com/office/drawing/2010/main" Requires="a14">
+      <mc:AlternateContent xmlns:mc="http://schemas.openxmlformats.org/markup-compatibility/2006" xmlns:a14="http://schemas.microsoft.com/office/drawing/2010/main">
+        <mc:Choice Requires="a14">
           <p:sp>
             <p:nvSpPr>
               <p:cNvPr id="6" name="テキスト ボックス 5">
@@ -8213,7 +14711,7 @@
             </p:txBody>
           </p:sp>
         </mc:Choice>
-        <mc:Fallback>
+        <mc:Fallback xmlns="">
           <p:sp>
             <p:nvSpPr>
               <p:cNvPr id="6" name="テキスト ボックス 5">
@@ -8400,8 +14898,8 @@
           </a:p>
         </p:txBody>
       </p:sp>
-      <mc:AlternateContent xmlns:mc="http://schemas.openxmlformats.org/markup-compatibility/2006">
-        <mc:Choice xmlns:a14="http://schemas.microsoft.com/office/drawing/2010/main" Requires="a14">
+      <mc:AlternateContent xmlns:mc="http://schemas.openxmlformats.org/markup-compatibility/2006" xmlns:a14="http://schemas.microsoft.com/office/drawing/2010/main">
+        <mc:Choice Requires="a14">
           <p:sp>
             <p:nvSpPr>
               <p:cNvPr id="4" name="テキスト ボックス 3">
@@ -8430,6 +14928,7 @@
               </a:bodyPr>
               <a:lstStyle/>
               <a:p>
+                <a:pPr/>
                 <a14:m>
                   <m:oMathPara xmlns:m="http://schemas.openxmlformats.org/officeDocument/2006/math">
                     <m:oMathParaPr>
@@ -8652,7 +15151,7 @@
             </p:txBody>
           </p:sp>
         </mc:Choice>
-        <mc:Fallback>
+        <mc:Fallback xmlns="">
           <p:sp>
             <p:nvSpPr>
               <p:cNvPr id="4" name="テキスト ボックス 3">
@@ -8697,8 +15196,8 @@
           </p:sp>
         </mc:Fallback>
       </mc:AlternateContent>
-      <mc:AlternateContent xmlns:mc="http://schemas.openxmlformats.org/markup-compatibility/2006">
-        <mc:Choice xmlns:a14="http://schemas.microsoft.com/office/drawing/2010/main" Requires="a14">
+      <mc:AlternateContent xmlns:mc="http://schemas.openxmlformats.org/markup-compatibility/2006" xmlns:a14="http://schemas.microsoft.com/office/drawing/2010/main">
+        <mc:Choice Requires="a14">
           <p:sp>
             <p:nvSpPr>
               <p:cNvPr id="5" name="テキスト ボックス 4">
@@ -8796,7 +15295,7 @@
             </p:txBody>
           </p:sp>
         </mc:Choice>
-        <mc:Fallback>
+        <mc:Fallback xmlns="">
           <p:sp>
             <p:nvSpPr>
               <p:cNvPr id="5" name="テキスト ボックス 4">
@@ -9059,8 +15558,8 @@
           </a:p>
         </p:txBody>
       </p:sp>
-      <mc:AlternateContent xmlns:mc="http://schemas.openxmlformats.org/markup-compatibility/2006">
-        <mc:Choice xmlns:a14="http://schemas.microsoft.com/office/drawing/2010/main" Requires="a14">
+      <mc:AlternateContent xmlns:mc="http://schemas.openxmlformats.org/markup-compatibility/2006" xmlns:a14="http://schemas.microsoft.com/office/drawing/2010/main">
+        <mc:Choice Requires="a14">
           <p:sp>
             <p:nvSpPr>
               <p:cNvPr id="4" name="テキスト ボックス 3">
@@ -9089,6 +15588,7 @@
               </a:bodyPr>
               <a:lstStyle/>
               <a:p>
+                <a:pPr/>
                 <a14:m>
                   <m:oMathPara xmlns:m="http://schemas.openxmlformats.org/officeDocument/2006/math">
                     <m:oMathParaPr>
@@ -9215,7 +15715,7 @@
             </p:txBody>
           </p:sp>
         </mc:Choice>
-        <mc:Fallback>
+        <mc:Fallback xmlns="">
           <p:sp>
             <p:nvSpPr>
               <p:cNvPr id="4" name="テキスト ボックス 3">
@@ -9260,8 +15760,8 @@
           </p:sp>
         </mc:Fallback>
       </mc:AlternateContent>
-      <mc:AlternateContent xmlns:mc="http://schemas.openxmlformats.org/markup-compatibility/2006">
-        <mc:Choice xmlns:a14="http://schemas.microsoft.com/office/drawing/2010/main" Requires="a14">
+      <mc:AlternateContent xmlns:mc="http://schemas.openxmlformats.org/markup-compatibility/2006" xmlns:a14="http://schemas.microsoft.com/office/drawing/2010/main">
+        <mc:Choice Requires="a14">
           <p:sp>
             <p:nvSpPr>
               <p:cNvPr id="5" name="テキスト ボックス 4">
@@ -9290,6 +15790,7 @@
               </a:bodyPr>
               <a:lstStyle/>
               <a:p>
+                <a:pPr/>
                 <a14:m>
                   <m:oMathPara xmlns:m="http://schemas.openxmlformats.org/officeDocument/2006/math">
                     <m:oMathParaPr>
@@ -9416,7 +15917,7 @@
             </p:txBody>
           </p:sp>
         </mc:Choice>
-        <mc:Fallback>
+        <mc:Fallback xmlns="">
           <p:sp>
             <p:nvSpPr>
               <p:cNvPr id="5" name="テキスト ボックス 4">
@@ -9461,8 +15962,8 @@
           </p:sp>
         </mc:Fallback>
       </mc:AlternateContent>
-      <mc:AlternateContent xmlns:mc="http://schemas.openxmlformats.org/markup-compatibility/2006">
-        <mc:Choice xmlns:a14="http://schemas.microsoft.com/office/drawing/2010/main" Requires="a14">
+      <mc:AlternateContent xmlns:mc="http://schemas.openxmlformats.org/markup-compatibility/2006" xmlns:a14="http://schemas.microsoft.com/office/drawing/2010/main">
+        <mc:Choice Requires="a14">
           <p:sp>
             <p:nvSpPr>
               <p:cNvPr id="6" name="テキスト ボックス 5">
@@ -9608,7 +16109,7 @@
             </p:txBody>
           </p:sp>
         </mc:Choice>
-        <mc:Fallback>
+        <mc:Fallback xmlns="">
           <p:sp>
             <p:nvSpPr>
               <p:cNvPr id="6" name="テキスト ボックス 5">
@@ -9653,8 +16154,8 @@
           </p:sp>
         </mc:Fallback>
       </mc:AlternateContent>
-      <mc:AlternateContent xmlns:mc="http://schemas.openxmlformats.org/markup-compatibility/2006">
-        <mc:Choice xmlns:a14="http://schemas.microsoft.com/office/drawing/2010/main" Requires="a14">
+      <mc:AlternateContent xmlns:mc="http://schemas.openxmlformats.org/markup-compatibility/2006" xmlns:a14="http://schemas.microsoft.com/office/drawing/2010/main">
+        <mc:Choice Requires="a14">
           <p:sp>
             <p:nvSpPr>
               <p:cNvPr id="8" name="テキスト ボックス 7">
@@ -9745,7 +16246,7 @@
             </p:txBody>
           </p:sp>
         </mc:Choice>
-        <mc:Fallback>
+        <mc:Fallback xmlns="">
           <p:sp>
             <p:nvSpPr>
               <p:cNvPr id="8" name="テキスト ボックス 7">

--- a/06_md_observable/simulation06.pptx
+++ b/06_md_observable/simulation06.pptx
@@ -5,7 +5,7 @@
     <p:sldMasterId id="2147483665" r:id="rId1"/>
   </p:sldMasterIdLst>
   <p:notesMasterIdLst>
-    <p:notesMasterId r:id="rId24"/>
+    <p:notesMasterId r:id="rId29"/>
   </p:notesMasterIdLst>
   <p:sldIdLst>
     <p:sldId id="256" r:id="rId2"/>
@@ -29,7 +29,12 @@
     <p:sldId id="356" r:id="rId20"/>
     <p:sldId id="357" r:id="rId21"/>
     <p:sldId id="358" r:id="rId22"/>
-    <p:sldId id="359" r:id="rId23"/>
+    <p:sldId id="360" r:id="rId23"/>
+    <p:sldId id="361" r:id="rId24"/>
+    <p:sldId id="359" r:id="rId25"/>
+    <p:sldId id="363" r:id="rId26"/>
+    <p:sldId id="364" r:id="rId27"/>
+    <p:sldId id="362" r:id="rId28"/>
   </p:sldIdLst>
   <p:sldSz cx="9144000" cy="6858000" type="screen4x3"/>
   <p:notesSz cx="6858000" cy="9144000"/>
@@ -5995,8 +6000,8 @@
           </a:p>
         </p:txBody>
       </p:sp>
-      <mc:AlternateContent xmlns:mc="http://schemas.openxmlformats.org/markup-compatibility/2006">
-        <mc:Choice xmlns:a14="http://schemas.microsoft.com/office/drawing/2010/main" Requires="a14">
+      <mc:AlternateContent xmlns:mc="http://schemas.openxmlformats.org/markup-compatibility/2006" xmlns:a14="http://schemas.microsoft.com/office/drawing/2010/main">
+        <mc:Choice Requires="a14">
           <p:sp>
             <p:nvSpPr>
               <p:cNvPr id="3" name="テキスト ボックス 2">
@@ -6062,7 +6067,7 @@
             </p:txBody>
           </p:sp>
         </mc:Choice>
-        <mc:Fallback>
+        <mc:Fallback xmlns="">
           <p:sp>
             <p:nvSpPr>
               <p:cNvPr id="3" name="テキスト ボックス 2">
@@ -6107,8 +6112,8 @@
           </p:sp>
         </mc:Fallback>
       </mc:AlternateContent>
-      <mc:AlternateContent xmlns:mc="http://schemas.openxmlformats.org/markup-compatibility/2006">
-        <mc:Choice xmlns:a14="http://schemas.microsoft.com/office/drawing/2010/main" Requires="a14">
+      <mc:AlternateContent xmlns:mc="http://schemas.openxmlformats.org/markup-compatibility/2006" xmlns:a14="http://schemas.microsoft.com/office/drawing/2010/main">
+        <mc:Choice Requires="a14">
           <p:sp>
             <p:nvSpPr>
               <p:cNvPr id="4" name="テキスト ボックス 3">
@@ -6137,6 +6142,7 @@
               </a:bodyPr>
               <a:lstStyle/>
               <a:p>
+                <a:pPr/>
                 <a14:m>
                   <m:oMathPara xmlns:m="http://schemas.openxmlformats.org/officeDocument/2006/math">
                     <m:oMathParaPr>
@@ -6200,7 +6206,7 @@
             </p:txBody>
           </p:sp>
         </mc:Choice>
-        <mc:Fallback>
+        <mc:Fallback xmlns="">
           <p:sp>
             <p:nvSpPr>
               <p:cNvPr id="4" name="テキスト ボックス 3">
@@ -6245,8 +6251,8 @@
           </p:sp>
         </mc:Fallback>
       </mc:AlternateContent>
-      <mc:AlternateContent xmlns:mc="http://schemas.openxmlformats.org/markup-compatibility/2006">
-        <mc:Choice xmlns:a14="http://schemas.microsoft.com/office/drawing/2010/main" Requires="a14">
+      <mc:AlternateContent xmlns:mc="http://schemas.openxmlformats.org/markup-compatibility/2006" xmlns:a14="http://schemas.microsoft.com/office/drawing/2010/main">
+        <mc:Choice Requires="a14">
           <p:sp>
             <p:nvSpPr>
               <p:cNvPr id="5" name="テキスト ボックス 4">
@@ -6316,7 +6322,7 @@
             </p:txBody>
           </p:sp>
         </mc:Choice>
-        <mc:Fallback>
+        <mc:Fallback xmlns="">
           <p:sp>
             <p:nvSpPr>
               <p:cNvPr id="5" name="テキスト ボックス 4">
@@ -6361,8 +6367,8 @@
           </p:sp>
         </mc:Fallback>
       </mc:AlternateContent>
-      <mc:AlternateContent xmlns:mc="http://schemas.openxmlformats.org/markup-compatibility/2006">
-        <mc:Choice xmlns:a14="http://schemas.microsoft.com/office/drawing/2010/main" Requires="a14">
+      <mc:AlternateContent xmlns:mc="http://schemas.openxmlformats.org/markup-compatibility/2006" xmlns:a14="http://schemas.microsoft.com/office/drawing/2010/main">
+        <mc:Choice Requires="a14">
           <p:sp>
             <p:nvSpPr>
               <p:cNvPr id="6" name="テキスト ボックス 5">
@@ -6414,7 +6420,7 @@
             </p:txBody>
           </p:sp>
         </mc:Choice>
-        <mc:Fallback>
+        <mc:Fallback xmlns="">
           <p:sp>
             <p:nvSpPr>
               <p:cNvPr id="6" name="テキスト ボックス 5">
@@ -6459,8 +6465,8 @@
           </p:sp>
         </mc:Fallback>
       </mc:AlternateContent>
-      <mc:AlternateContent xmlns:mc="http://schemas.openxmlformats.org/markup-compatibility/2006">
-        <mc:Choice xmlns:a14="http://schemas.microsoft.com/office/drawing/2010/main" Requires="a14">
+      <mc:AlternateContent xmlns:mc="http://schemas.openxmlformats.org/markup-compatibility/2006" xmlns:a14="http://schemas.microsoft.com/office/drawing/2010/main">
+        <mc:Choice Requires="a14">
           <p:sp>
             <p:nvSpPr>
               <p:cNvPr id="7" name="テキスト ボックス 6">
@@ -6489,6 +6495,7 @@
               </a:bodyPr>
               <a:lstStyle/>
               <a:p>
+                <a:pPr/>
                 <a14:m>
                   <m:oMathPara xmlns:m="http://schemas.openxmlformats.org/officeDocument/2006/math">
                     <m:oMathParaPr>
@@ -6595,7 +6602,7 @@
             </p:txBody>
           </p:sp>
         </mc:Choice>
-        <mc:Fallback>
+        <mc:Fallback xmlns="">
           <p:sp>
             <p:nvSpPr>
               <p:cNvPr id="7" name="テキスト ボックス 6">
@@ -6676,8 +6683,8 @@
           </a:p>
         </p:txBody>
       </p:sp>
-      <mc:AlternateContent xmlns:mc="http://schemas.openxmlformats.org/markup-compatibility/2006">
-        <mc:Choice xmlns:a14="http://schemas.microsoft.com/office/drawing/2010/main" Requires="a14">
+      <mc:AlternateContent xmlns:mc="http://schemas.openxmlformats.org/markup-compatibility/2006" xmlns:a14="http://schemas.microsoft.com/office/drawing/2010/main">
+        <mc:Choice Requires="a14">
           <p:sp>
             <p:nvSpPr>
               <p:cNvPr id="9" name="テキスト ボックス 8">
@@ -6706,6 +6713,7 @@
               </a:bodyPr>
               <a:lstStyle/>
               <a:p>
+                <a:pPr/>
                 <a14:m>
                   <m:oMathPara xmlns:m="http://schemas.openxmlformats.org/officeDocument/2006/math">
                     <m:oMathParaPr>
@@ -6843,7 +6851,7 @@
             </p:txBody>
           </p:sp>
         </mc:Choice>
-        <mc:Fallback>
+        <mc:Fallback xmlns="">
           <p:sp>
             <p:nvSpPr>
               <p:cNvPr id="9" name="テキスト ボックス 8">
@@ -6947,8 +6955,8 @@
           </a:p>
         </p:txBody>
       </p:sp>
-      <mc:AlternateContent xmlns:mc="http://schemas.openxmlformats.org/markup-compatibility/2006">
-        <mc:Choice xmlns:a14="http://schemas.microsoft.com/office/drawing/2010/main" Requires="a14">
+      <mc:AlternateContent xmlns:mc="http://schemas.openxmlformats.org/markup-compatibility/2006" xmlns:a14="http://schemas.microsoft.com/office/drawing/2010/main">
+        <mc:Choice Requires="a14">
           <p:sp>
             <p:nvSpPr>
               <p:cNvPr id="3" name="テキスト ボックス 2">
@@ -6977,6 +6985,7 @@
               </a:bodyPr>
               <a:lstStyle/>
               <a:p>
+                <a:pPr/>
                 <a14:m>
                   <m:oMathPara xmlns:m="http://schemas.openxmlformats.org/officeDocument/2006/math">
                     <m:oMathParaPr>
@@ -7114,7 +7123,7 @@
             </p:txBody>
           </p:sp>
         </mc:Choice>
-        <mc:Fallback>
+        <mc:Fallback xmlns="">
           <p:sp>
             <p:nvSpPr>
               <p:cNvPr id="3" name="テキスト ボックス 2">
@@ -7427,8 +7436,8 @@
           </a:fontRef>
         </p:style>
       </p:cxnSp>
-      <mc:AlternateContent xmlns:mc="http://schemas.openxmlformats.org/markup-compatibility/2006">
-        <mc:Choice xmlns:a14="http://schemas.microsoft.com/office/drawing/2010/main" Requires="a14">
+      <mc:AlternateContent xmlns:mc="http://schemas.openxmlformats.org/markup-compatibility/2006" xmlns:a14="http://schemas.microsoft.com/office/drawing/2010/main">
+        <mc:Choice Requires="a14">
           <p:sp>
             <p:nvSpPr>
               <p:cNvPr id="15" name="テキスト ボックス 14">
@@ -7457,6 +7466,7 @@
               </a:bodyPr>
               <a:lstStyle/>
               <a:p>
+                <a:pPr/>
                 <a14:m>
                   <m:oMathPara xmlns:m="http://schemas.openxmlformats.org/officeDocument/2006/math">
                     <m:oMathParaPr>
@@ -7563,7 +7573,7 @@
             </p:txBody>
           </p:sp>
         </mc:Choice>
-        <mc:Fallback>
+        <mc:Fallback xmlns="">
           <p:sp>
             <p:nvSpPr>
               <p:cNvPr id="15" name="テキスト ボックス 14">
@@ -7644,8 +7654,8 @@
           </a:p>
         </p:txBody>
       </p:sp>
-      <mc:AlternateContent xmlns:mc="http://schemas.openxmlformats.org/markup-compatibility/2006">
-        <mc:Choice xmlns:a14="http://schemas.microsoft.com/office/drawing/2010/main" Requires="a14">
+      <mc:AlternateContent xmlns:mc="http://schemas.openxmlformats.org/markup-compatibility/2006" xmlns:a14="http://schemas.microsoft.com/office/drawing/2010/main">
+        <mc:Choice Requires="a14">
           <p:sp>
             <p:nvSpPr>
               <p:cNvPr id="17" name="テキスト ボックス 16">
@@ -7674,6 +7684,7 @@
               </a:bodyPr>
               <a:lstStyle/>
               <a:p>
+                <a:pPr/>
                 <a14:m>
                   <m:oMathPara xmlns:m="http://schemas.openxmlformats.org/officeDocument/2006/math">
                     <m:oMathParaPr>
@@ -7737,7 +7748,7 @@
             </p:txBody>
           </p:sp>
         </mc:Choice>
-        <mc:Fallback>
+        <mc:Fallback xmlns="">
           <p:sp>
             <p:nvSpPr>
               <p:cNvPr id="17" name="テキスト ボックス 16">
@@ -7876,8 +7887,8 @@
           </a:p>
         </p:txBody>
       </p:sp>
-      <mc:AlternateContent xmlns:mc="http://schemas.openxmlformats.org/markup-compatibility/2006">
-        <mc:Choice xmlns:a14="http://schemas.microsoft.com/office/drawing/2010/main" Requires="a14">
+      <mc:AlternateContent xmlns:mc="http://schemas.openxmlformats.org/markup-compatibility/2006" xmlns:a14="http://schemas.microsoft.com/office/drawing/2010/main">
+        <mc:Choice Requires="a14">
           <p:sp>
             <p:nvSpPr>
               <p:cNvPr id="3" name="テキスト ボックス 2">
@@ -8099,7 +8110,7 @@
             </p:txBody>
           </p:sp>
         </mc:Choice>
-        <mc:Fallback>
+        <mc:Fallback xmlns="">
           <p:sp>
             <p:nvSpPr>
               <p:cNvPr id="3" name="テキスト ボックス 2">
@@ -8179,8 +8190,8 @@
           </a:p>
         </p:txBody>
       </p:sp>
-      <mc:AlternateContent xmlns:mc="http://schemas.openxmlformats.org/markup-compatibility/2006">
-        <mc:Choice xmlns:a14="http://schemas.microsoft.com/office/drawing/2010/main" Requires="a14">
+      <mc:AlternateContent xmlns:mc="http://schemas.openxmlformats.org/markup-compatibility/2006" xmlns:a14="http://schemas.microsoft.com/office/drawing/2010/main">
+        <mc:Choice Requires="a14">
           <p:sp>
             <p:nvSpPr>
               <p:cNvPr id="7" name="テキスト ボックス 6">
@@ -8209,6 +8220,7 @@
               </a:bodyPr>
               <a:lstStyle/>
               <a:p>
+                <a:pPr/>
                 <a14:m>
                   <m:oMathPara xmlns:m="http://schemas.openxmlformats.org/officeDocument/2006/math">
                     <m:oMathParaPr>
@@ -8251,7 +8263,7 @@
             </p:txBody>
           </p:sp>
         </mc:Choice>
-        <mc:Fallback>
+        <mc:Fallback xmlns="">
           <p:sp>
             <p:nvSpPr>
               <p:cNvPr id="7" name="テキスト ボックス 6">
@@ -8332,8 +8344,8 @@
           </a:p>
         </p:txBody>
       </p:sp>
-      <mc:AlternateContent xmlns:mc="http://schemas.openxmlformats.org/markup-compatibility/2006">
-        <mc:Choice xmlns:a14="http://schemas.microsoft.com/office/drawing/2010/main" Requires="a14">
+      <mc:AlternateContent xmlns:mc="http://schemas.openxmlformats.org/markup-compatibility/2006" xmlns:a14="http://schemas.microsoft.com/office/drawing/2010/main">
+        <mc:Choice Requires="a14">
           <p:sp>
             <p:nvSpPr>
               <p:cNvPr id="9" name="テキスト ボックス 8">
@@ -8362,6 +8374,7 @@
               </a:bodyPr>
               <a:lstStyle/>
               <a:p>
+                <a:pPr/>
                 <a14:m>
                   <m:oMathPara xmlns:m="http://schemas.openxmlformats.org/officeDocument/2006/math">
                     <m:oMathParaPr>
@@ -8416,7 +8429,7 @@
             </p:txBody>
           </p:sp>
         </mc:Choice>
-        <mc:Fallback>
+        <mc:Fallback xmlns="">
           <p:sp>
             <p:nvSpPr>
               <p:cNvPr id="9" name="テキスト ボックス 8">
@@ -8554,8 +8567,8 @@
           </a:p>
         </p:txBody>
       </p:sp>
-      <mc:AlternateContent xmlns:mc="http://schemas.openxmlformats.org/markup-compatibility/2006">
-        <mc:Choice xmlns:a14="http://schemas.microsoft.com/office/drawing/2010/main" Requires="a14">
+      <mc:AlternateContent xmlns:mc="http://schemas.openxmlformats.org/markup-compatibility/2006" xmlns:a14="http://schemas.microsoft.com/office/drawing/2010/main">
+        <mc:Choice Requires="a14">
           <p:sp>
             <p:nvSpPr>
               <p:cNvPr id="4" name="テキスト ボックス 3">
@@ -8584,6 +8597,7 @@
               </a:bodyPr>
               <a:lstStyle/>
               <a:p>
+                <a:pPr/>
                 <a14:m>
                   <m:oMathPara xmlns:m="http://schemas.openxmlformats.org/officeDocument/2006/math">
                     <m:oMathParaPr>
@@ -8672,7 +8686,7 @@
             </p:txBody>
           </p:sp>
         </mc:Choice>
-        <mc:Fallback>
+        <mc:Fallback xmlns="">
           <p:sp>
             <p:nvSpPr>
               <p:cNvPr id="4" name="テキスト ボックス 3">
@@ -8717,8 +8731,8 @@
           </p:sp>
         </mc:Fallback>
       </mc:AlternateContent>
-      <mc:AlternateContent xmlns:mc="http://schemas.openxmlformats.org/markup-compatibility/2006">
-        <mc:Choice xmlns:a14="http://schemas.microsoft.com/office/drawing/2010/main" Requires="a14">
+      <mc:AlternateContent xmlns:mc="http://schemas.openxmlformats.org/markup-compatibility/2006" xmlns:a14="http://schemas.microsoft.com/office/drawing/2010/main">
+        <mc:Choice Requires="a14">
           <p:sp>
             <p:nvSpPr>
               <p:cNvPr id="5" name="テキスト ボックス 4">
@@ -8747,6 +8761,7 @@
               </a:bodyPr>
               <a:lstStyle/>
               <a:p>
+                <a:pPr/>
                 <a14:m>
                   <m:oMathPara xmlns:m="http://schemas.openxmlformats.org/officeDocument/2006/math">
                     <m:oMathParaPr>
@@ -8789,7 +8804,7 @@
             </p:txBody>
           </p:sp>
         </mc:Choice>
-        <mc:Fallback>
+        <mc:Fallback xmlns="">
           <p:sp>
             <p:nvSpPr>
               <p:cNvPr id="5" name="テキスト ボックス 4">
@@ -8834,8 +8849,8 @@
           </p:sp>
         </mc:Fallback>
       </mc:AlternateContent>
-      <mc:AlternateContent xmlns:mc="http://schemas.openxmlformats.org/markup-compatibility/2006">
-        <mc:Choice xmlns:a14="http://schemas.microsoft.com/office/drawing/2010/main" Requires="a14">
+      <mc:AlternateContent xmlns:mc="http://schemas.openxmlformats.org/markup-compatibility/2006" xmlns:a14="http://schemas.microsoft.com/office/drawing/2010/main">
+        <mc:Choice Requires="a14">
           <p:sp>
             <p:nvSpPr>
               <p:cNvPr id="6" name="テキスト ボックス 5">
@@ -8864,6 +8879,7 @@
               </a:bodyPr>
               <a:lstStyle/>
               <a:p>
+                <a:pPr/>
                 <a14:m>
                   <m:oMathPara xmlns:m="http://schemas.openxmlformats.org/officeDocument/2006/math">
                     <m:oMathParaPr>
@@ -8918,7 +8934,7 @@
             </p:txBody>
           </p:sp>
         </mc:Choice>
-        <mc:Fallback>
+        <mc:Fallback xmlns="">
           <p:sp>
             <p:nvSpPr>
               <p:cNvPr id="6" name="テキスト ボックス 5">
@@ -9034,8 +9050,8 @@
           </a:p>
         </p:txBody>
       </p:sp>
-      <mc:AlternateContent xmlns:mc="http://schemas.openxmlformats.org/markup-compatibility/2006">
-        <mc:Choice xmlns:a14="http://schemas.microsoft.com/office/drawing/2010/main" Requires="a14">
+      <mc:AlternateContent xmlns:mc="http://schemas.openxmlformats.org/markup-compatibility/2006" xmlns:a14="http://schemas.microsoft.com/office/drawing/2010/main">
+        <mc:Choice Requires="a14">
           <p:sp>
             <p:nvSpPr>
               <p:cNvPr id="9" name="テキスト ボックス 8">
@@ -9083,7 +9099,7 @@
             </p:txBody>
           </p:sp>
         </mc:Choice>
-        <mc:Fallback>
+        <mc:Fallback xmlns="">
           <p:sp>
             <p:nvSpPr>
               <p:cNvPr id="9" name="テキスト ボックス 8">
@@ -9226,8 +9242,8 @@
           </a:p>
         </p:txBody>
       </p:sp>
-      <mc:AlternateContent xmlns:mc="http://schemas.openxmlformats.org/markup-compatibility/2006">
-        <mc:Choice xmlns:a14="http://schemas.microsoft.com/office/drawing/2010/main" Requires="a14">
+      <mc:AlternateContent xmlns:mc="http://schemas.openxmlformats.org/markup-compatibility/2006" xmlns:a14="http://schemas.microsoft.com/office/drawing/2010/main">
+        <mc:Choice Requires="a14">
           <p:sp>
             <p:nvSpPr>
               <p:cNvPr id="5" name="テキスト ボックス 4">
@@ -9256,6 +9272,7 @@
               </a:bodyPr>
               <a:lstStyle/>
               <a:p>
+                <a:pPr/>
                 <a14:m>
                   <m:oMathPara xmlns:m="http://schemas.openxmlformats.org/officeDocument/2006/math">
                     <m:oMathParaPr>
@@ -9412,7 +9429,7 @@
             </p:txBody>
           </p:sp>
         </mc:Choice>
-        <mc:Fallback>
+        <mc:Fallback xmlns="">
           <p:sp>
             <p:nvSpPr>
               <p:cNvPr id="5" name="テキスト ボックス 4">
@@ -9532,8 +9549,8 @@
           </a:p>
         </p:txBody>
       </p:sp>
-      <mc:AlternateContent xmlns:mc="http://schemas.openxmlformats.org/markup-compatibility/2006">
-        <mc:Choice xmlns:a14="http://schemas.microsoft.com/office/drawing/2010/main" Requires="a14">
+      <mc:AlternateContent xmlns:mc="http://schemas.openxmlformats.org/markup-compatibility/2006" xmlns:a14="http://schemas.microsoft.com/office/drawing/2010/main">
+        <mc:Choice Requires="a14">
           <p:sp>
             <p:nvSpPr>
               <p:cNvPr id="9" name="テキスト ボックス 8">
@@ -9562,6 +9579,7 @@
               </a:bodyPr>
               <a:lstStyle/>
               <a:p>
+                <a:pPr/>
                 <a14:m>
                   <m:oMathPara xmlns:m="http://schemas.openxmlformats.org/officeDocument/2006/math">
                     <m:oMathParaPr>
@@ -9594,7 +9612,7 @@
             </p:txBody>
           </p:sp>
         </mc:Choice>
-        <mc:Fallback>
+        <mc:Fallback xmlns="">
           <p:sp>
             <p:nvSpPr>
               <p:cNvPr id="9" name="テキスト ボックス 8">
@@ -9639,8 +9657,8 @@
           </p:sp>
         </mc:Fallback>
       </mc:AlternateContent>
-      <mc:AlternateContent xmlns:mc="http://schemas.openxmlformats.org/markup-compatibility/2006">
-        <mc:Choice xmlns:a14="http://schemas.microsoft.com/office/drawing/2010/main" Requires="a14">
+      <mc:AlternateContent xmlns:mc="http://schemas.openxmlformats.org/markup-compatibility/2006" xmlns:a14="http://schemas.microsoft.com/office/drawing/2010/main">
+        <mc:Choice Requires="a14">
           <p:sp>
             <p:nvSpPr>
               <p:cNvPr id="10" name="テキスト ボックス 9">
@@ -9669,6 +9687,7 @@
               </a:bodyPr>
               <a:lstStyle/>
               <a:p>
+                <a:pPr/>
                 <a14:m>
                   <m:oMathPara xmlns:m="http://schemas.openxmlformats.org/officeDocument/2006/math">
                     <m:oMathParaPr>
@@ -9747,7 +9766,7 @@
             </p:txBody>
           </p:sp>
         </mc:Choice>
-        <mc:Fallback>
+        <mc:Fallback xmlns="">
           <p:sp>
             <p:nvSpPr>
               <p:cNvPr id="10" name="テキスト ボックス 9">
@@ -9882,8 +9901,8 @@
           </a:p>
         </p:txBody>
       </p:sp>
-      <mc:AlternateContent xmlns:mc="http://schemas.openxmlformats.org/markup-compatibility/2006">
-        <mc:Choice xmlns:a14="http://schemas.microsoft.com/office/drawing/2010/main" Requires="a14">
+      <mc:AlternateContent xmlns:mc="http://schemas.openxmlformats.org/markup-compatibility/2006" xmlns:a14="http://schemas.microsoft.com/office/drawing/2010/main">
+        <mc:Choice Requires="a14">
           <p:sp>
             <p:nvSpPr>
               <p:cNvPr id="13" name="テキスト ボックス 12">
@@ -9912,6 +9931,7 @@
               </a:bodyPr>
               <a:lstStyle/>
               <a:p>
+                <a:pPr/>
                 <a14:m>
                   <m:oMathPara xmlns:m="http://schemas.openxmlformats.org/officeDocument/2006/math">
                     <m:oMathParaPr>
@@ -9996,7 +10016,7 @@
             </p:txBody>
           </p:sp>
         </mc:Choice>
-        <mc:Fallback>
+        <mc:Fallback xmlns="">
           <p:sp>
             <p:nvSpPr>
               <p:cNvPr id="13" name="テキスト ボックス 12">
@@ -10041,8 +10061,8 @@
           </p:sp>
         </mc:Fallback>
       </mc:AlternateContent>
-      <mc:AlternateContent xmlns:mc="http://schemas.openxmlformats.org/markup-compatibility/2006">
-        <mc:Choice xmlns:a14="http://schemas.microsoft.com/office/drawing/2010/main" Requires="a14">
+      <mc:AlternateContent xmlns:mc="http://schemas.openxmlformats.org/markup-compatibility/2006" xmlns:a14="http://schemas.microsoft.com/office/drawing/2010/main">
+        <mc:Choice Requires="a14">
           <p:sp>
             <p:nvSpPr>
               <p:cNvPr id="14" name="テキスト ボックス 13">
@@ -10071,6 +10091,7 @@
               </a:bodyPr>
               <a:lstStyle/>
               <a:p>
+                <a:pPr/>
                 <a14:m>
                   <m:oMathPara xmlns:m="http://schemas.openxmlformats.org/officeDocument/2006/math">
                     <m:oMathParaPr>
@@ -10124,7 +10145,7 @@
             </p:txBody>
           </p:sp>
         </mc:Choice>
-        <mc:Fallback>
+        <mc:Fallback xmlns="">
           <p:sp>
             <p:nvSpPr>
               <p:cNvPr id="14" name="テキスト ボックス 13">
@@ -10651,8 +10672,8 @@
           </a:p>
         </p:txBody>
       </p:sp>
-      <mc:AlternateContent xmlns:mc="http://schemas.openxmlformats.org/markup-compatibility/2006">
-        <mc:Choice xmlns:a14="http://schemas.microsoft.com/office/drawing/2010/main" Requires="a14">
+      <mc:AlternateContent xmlns:mc="http://schemas.openxmlformats.org/markup-compatibility/2006" xmlns:a14="http://schemas.microsoft.com/office/drawing/2010/main">
+        <mc:Choice Requires="a14">
           <p:sp>
             <p:nvSpPr>
               <p:cNvPr id="3" name="テキスト ボックス 2">
@@ -10681,6 +10702,7 @@
               </a:bodyPr>
               <a:lstStyle/>
               <a:p>
+                <a:pPr/>
                 <a14:m>
                   <m:oMathPara xmlns:m="http://schemas.openxmlformats.org/officeDocument/2006/math">
                     <m:oMathParaPr>
@@ -10769,7 +10791,7 @@
             </p:txBody>
           </p:sp>
         </mc:Choice>
-        <mc:Fallback>
+        <mc:Fallback xmlns="">
           <p:sp>
             <p:nvSpPr>
               <p:cNvPr id="3" name="テキスト ボックス 2">
@@ -10850,8 +10872,8 @@
           </a:p>
         </p:txBody>
       </p:sp>
-      <mc:AlternateContent xmlns:mc="http://schemas.openxmlformats.org/markup-compatibility/2006">
-        <mc:Choice xmlns:a14="http://schemas.microsoft.com/office/drawing/2010/main" Requires="a14">
+      <mc:AlternateContent xmlns:mc="http://schemas.openxmlformats.org/markup-compatibility/2006" xmlns:a14="http://schemas.microsoft.com/office/drawing/2010/main">
+        <mc:Choice Requires="a14">
           <p:sp>
             <p:nvSpPr>
               <p:cNvPr id="5" name="テキスト ボックス 4">
@@ -10880,6 +10902,7 @@
               </a:bodyPr>
               <a:lstStyle/>
               <a:p>
+                <a:pPr/>
                 <a14:m>
                   <m:oMathPara xmlns:m="http://schemas.openxmlformats.org/officeDocument/2006/math">
                     <m:oMathParaPr>
@@ -10964,7 +10987,7 @@
             </p:txBody>
           </p:sp>
         </mc:Choice>
-        <mc:Fallback>
+        <mc:Fallback xmlns="">
           <p:sp>
             <p:nvSpPr>
               <p:cNvPr id="5" name="テキスト ボックス 4">
@@ -11009,8 +11032,8 @@
           </p:sp>
         </mc:Fallback>
       </mc:AlternateContent>
-      <mc:AlternateContent xmlns:mc="http://schemas.openxmlformats.org/markup-compatibility/2006">
-        <mc:Choice xmlns:a14="http://schemas.microsoft.com/office/drawing/2010/main" Requires="a14">
+      <mc:AlternateContent xmlns:mc="http://schemas.openxmlformats.org/markup-compatibility/2006" xmlns:a14="http://schemas.microsoft.com/office/drawing/2010/main">
+        <mc:Choice Requires="a14">
           <p:sp>
             <p:nvSpPr>
               <p:cNvPr id="7" name="テキスト ボックス 6">
@@ -11039,6 +11062,7 @@
               </a:bodyPr>
               <a:lstStyle/>
               <a:p>
+                <a:pPr/>
                 <a14:m>
                   <m:oMathPara xmlns:m="http://schemas.openxmlformats.org/officeDocument/2006/math">
                     <m:oMathParaPr>
@@ -11139,7 +11163,7 @@
             </p:txBody>
           </p:sp>
         </mc:Choice>
-        <mc:Fallback>
+        <mc:Fallback xmlns="">
           <p:sp>
             <p:nvSpPr>
               <p:cNvPr id="7" name="テキスト ボックス 6">
@@ -11238,8 +11262,8 @@
           </a:p>
         </p:txBody>
       </p:sp>
-      <mc:AlternateContent xmlns:mc="http://schemas.openxmlformats.org/markup-compatibility/2006">
-        <mc:Choice xmlns:a14="http://schemas.microsoft.com/office/drawing/2010/main" Requires="a14">
+      <mc:AlternateContent xmlns:mc="http://schemas.openxmlformats.org/markup-compatibility/2006" xmlns:a14="http://schemas.microsoft.com/office/drawing/2010/main">
+        <mc:Choice Requires="a14">
           <p:sp>
             <p:nvSpPr>
               <p:cNvPr id="9" name="テキスト ボックス 8">
@@ -11268,6 +11292,7 @@
               </a:bodyPr>
               <a:lstStyle/>
               <a:p>
+                <a:pPr/>
                 <a14:m>
                   <m:oMathPara xmlns:m="http://schemas.openxmlformats.org/officeDocument/2006/math">
                     <m:oMathParaPr>
@@ -11346,7 +11371,7 @@
             </p:txBody>
           </p:sp>
         </mc:Choice>
-        <mc:Fallback>
+        <mc:Fallback xmlns="">
           <p:sp>
             <p:nvSpPr>
               <p:cNvPr id="9" name="テキスト ボックス 8">
@@ -11444,8 +11469,8 @@
           </a:p>
         </p:txBody>
       </p:sp>
-      <mc:AlternateContent xmlns:mc="http://schemas.openxmlformats.org/markup-compatibility/2006">
-        <mc:Choice xmlns:a14="http://schemas.microsoft.com/office/drawing/2010/main" Requires="a14">
+      <mc:AlternateContent xmlns:mc="http://schemas.openxmlformats.org/markup-compatibility/2006" xmlns:a14="http://schemas.microsoft.com/office/drawing/2010/main">
+        <mc:Choice Requires="a14">
           <p:sp>
             <p:nvSpPr>
               <p:cNvPr id="11" name="テキスト ボックス 10">
@@ -11474,6 +11499,7 @@
               </a:bodyPr>
               <a:lstStyle/>
               <a:p>
+                <a:pPr/>
                 <a14:m>
                   <m:oMathPara xmlns:m="http://schemas.openxmlformats.org/officeDocument/2006/math">
                     <m:oMathParaPr>
@@ -11500,7 +11526,7 @@
             </p:txBody>
           </p:sp>
         </mc:Choice>
-        <mc:Fallback>
+        <mc:Fallback xmlns="">
           <p:sp>
             <p:nvSpPr>
               <p:cNvPr id="11" name="テキスト ボックス 10">
@@ -11732,8 +11758,8 @@
           </a:p>
         </p:txBody>
       </p:sp>
-      <mc:AlternateContent xmlns:mc="http://schemas.openxmlformats.org/markup-compatibility/2006">
-        <mc:Choice xmlns:a14="http://schemas.microsoft.com/office/drawing/2010/main" Requires="a14">
+      <mc:AlternateContent xmlns:mc="http://schemas.openxmlformats.org/markup-compatibility/2006" xmlns:a14="http://schemas.microsoft.com/office/drawing/2010/main">
+        <mc:Choice Requires="a14">
           <p:sp>
             <p:nvSpPr>
               <p:cNvPr id="17" name="テキスト ボックス 16">
@@ -11762,6 +11788,7 @@
               </a:bodyPr>
               <a:lstStyle/>
               <a:p>
+                <a:pPr/>
                 <a14:m>
                   <m:oMathPara xmlns:m="http://schemas.openxmlformats.org/officeDocument/2006/math">
                     <m:oMathParaPr>
@@ -11819,7 +11846,7 @@
             </p:txBody>
           </p:sp>
         </mc:Choice>
-        <mc:Fallback>
+        <mc:Fallback xmlns="">
           <p:sp>
             <p:nvSpPr>
               <p:cNvPr id="17" name="テキスト ボックス 16">
@@ -11922,8 +11949,8 @@
           </a:p>
         </p:txBody>
       </p:sp>
-      <mc:AlternateContent xmlns:mc="http://schemas.openxmlformats.org/markup-compatibility/2006">
-        <mc:Choice xmlns:a14="http://schemas.microsoft.com/office/drawing/2010/main" Requires="a14">
+      <mc:AlternateContent xmlns:mc="http://schemas.openxmlformats.org/markup-compatibility/2006" xmlns:a14="http://schemas.microsoft.com/office/drawing/2010/main">
+        <mc:Choice Requires="a14">
           <p:sp>
             <p:nvSpPr>
               <p:cNvPr id="3" name="テキスト ボックス 2">
@@ -11952,6 +11979,7 @@
               </a:bodyPr>
               <a:lstStyle/>
               <a:p>
+                <a:pPr/>
                 <a14:m>
                   <m:oMathPara xmlns:m="http://schemas.openxmlformats.org/officeDocument/2006/math">
                     <m:oMathParaPr>
@@ -12009,7 +12037,7 @@
             </p:txBody>
           </p:sp>
         </mc:Choice>
-        <mc:Fallback>
+        <mc:Fallback xmlns="">
           <p:sp>
             <p:nvSpPr>
               <p:cNvPr id="3" name="テキスト ボックス 2">
@@ -12054,8 +12082,8 @@
           </p:sp>
         </mc:Fallback>
       </mc:AlternateContent>
-      <mc:AlternateContent xmlns:mc="http://schemas.openxmlformats.org/markup-compatibility/2006">
-        <mc:Choice xmlns:a14="http://schemas.microsoft.com/office/drawing/2010/main" Requires="a14">
+      <mc:AlternateContent xmlns:mc="http://schemas.openxmlformats.org/markup-compatibility/2006" xmlns:a14="http://schemas.microsoft.com/office/drawing/2010/main">
+        <mc:Choice Requires="a14">
           <p:sp>
             <p:nvSpPr>
               <p:cNvPr id="4" name="テキスト ボックス 3">
@@ -12084,6 +12112,7 @@
               </a:bodyPr>
               <a:lstStyle/>
               <a:p>
+                <a:pPr/>
                 <a14:m>
                   <m:oMathPara xmlns:m="http://schemas.openxmlformats.org/officeDocument/2006/math">
                     <m:oMathParaPr>
@@ -12154,7 +12183,7 @@
             </p:txBody>
           </p:sp>
         </mc:Choice>
-        <mc:Fallback>
+        <mc:Fallback xmlns="">
           <p:sp>
             <p:nvSpPr>
               <p:cNvPr id="4" name="テキスト ボックス 3">
@@ -12305,8 +12334,8 @@
           </a:p>
         </p:txBody>
       </p:sp>
-      <mc:AlternateContent xmlns:mc="http://schemas.openxmlformats.org/markup-compatibility/2006">
-        <mc:Choice xmlns:a14="http://schemas.microsoft.com/office/drawing/2010/main" Requires="a14">
+      <mc:AlternateContent xmlns:mc="http://schemas.openxmlformats.org/markup-compatibility/2006" xmlns:a14="http://schemas.microsoft.com/office/drawing/2010/main">
+        <mc:Choice Requires="a14">
           <p:sp>
             <p:nvSpPr>
               <p:cNvPr id="8" name="テキスト ボックス 7">
@@ -12335,6 +12364,7 @@
               </a:bodyPr>
               <a:lstStyle/>
               <a:p>
+                <a:pPr/>
                 <a14:m>
                   <m:oMathPara xmlns:m="http://schemas.openxmlformats.org/officeDocument/2006/math">
                     <m:oMathParaPr>
@@ -12386,7 +12416,7 @@
             </p:txBody>
           </p:sp>
         </mc:Choice>
-        <mc:Fallback>
+        <mc:Fallback xmlns="">
           <p:sp>
             <p:nvSpPr>
               <p:cNvPr id="8" name="テキスト ボックス 7">
@@ -12466,6 +12496,2329 @@
           <p:cNvPr id="2" name="テキスト プレースホルダー 1">
             <a:extLst>
               <a:ext uri="{FF2B5EF4-FFF2-40B4-BE49-F238E27FC236}">
+                <a16:creationId xmlns:a16="http://schemas.microsoft.com/office/drawing/2014/main" id="{4788D169-A6E9-6155-2B3A-AB4112A455F4}"/>
+              </a:ext>
+            </a:extLst>
+          </p:cNvPr>
+          <p:cNvSpPr>
+            <a:spLocks noGrp="1"/>
+          </p:cNvSpPr>
+          <p:nvPr>
+            <p:ph type="body" sz="quarter" idx="10"/>
+          </p:nvPr>
+        </p:nvSpPr>
+        <p:spPr/>
+        <p:txBody>
+          <a:bodyPr/>
+          <a:lstStyle/>
+          <a:p>
+            <a:r>
+              <a:rPr lang="ja-JP" altLang="en-US"/>
+              <a:t>物理量の期待値</a:t>
+            </a:r>
+            <a:endParaRPr kumimoji="1" lang="ja-JP" altLang="en-US"/>
+          </a:p>
+        </p:txBody>
+      </p:sp>
+      <mc:AlternateContent xmlns:mc="http://schemas.openxmlformats.org/markup-compatibility/2006">
+        <mc:Choice xmlns:a14="http://schemas.microsoft.com/office/drawing/2010/main" Requires="a14">
+          <p:sp>
+            <p:nvSpPr>
+              <p:cNvPr id="3" name="テキスト ボックス 2">
+                <a:extLst>
+                  <a:ext uri="{FF2B5EF4-FFF2-40B4-BE49-F238E27FC236}">
+                    <a16:creationId xmlns:a16="http://schemas.microsoft.com/office/drawing/2014/main" id="{A9D3E289-FB4F-A294-0A59-01C9B96C5FA5}"/>
+                  </a:ext>
+                </a:extLst>
+              </p:cNvPr>
+              <p:cNvSpPr txBox="1"/>
+              <p:nvPr/>
+            </p:nvSpPr>
+            <p:spPr>
+              <a:xfrm>
+                <a:off x="323528" y="1196752"/>
+                <a:ext cx="7130222" cy="523220"/>
+              </a:xfrm>
+              <a:prstGeom prst="rect">
+                <a:avLst/>
+              </a:prstGeom>
+              <a:noFill/>
+            </p:spPr>
+            <p:txBody>
+              <a:bodyPr wrap="none" rtlCol="0">
+                <a:spAutoFit/>
+              </a:bodyPr>
+              <a:lstStyle/>
+              <a:p>
+                <a:r>
+                  <a:rPr kumimoji="1" lang="ja-JP" altLang="en-US" sz="2800"/>
+                  <a:t>全ての物理量は位相空間の座標</a:t>
+                </a:r>
+                <a14:m>
+                  <m:oMath xmlns:m="http://schemas.openxmlformats.org/officeDocument/2006/math">
+                    <m:r>
+                      <a:rPr kumimoji="1" lang="en-US" altLang="ja-JP" sz="2800" b="0" i="1" smtClean="0">
+                        <a:latin typeface="Cambria Math" panose="02040503050406030204" pitchFamily="18" charset="0"/>
+                      </a:rPr>
+                      <m:t>(</m:t>
+                    </m:r>
+                    <m:r>
+                      <a:rPr kumimoji="1" lang="en-US" altLang="ja-JP" sz="2800" b="0" i="1" smtClean="0">
+                        <a:latin typeface="Cambria Math" panose="02040503050406030204" pitchFamily="18" charset="0"/>
+                      </a:rPr>
+                      <m:t>𝑝</m:t>
+                    </m:r>
+                    <m:r>
+                      <a:rPr kumimoji="1" lang="en-US" altLang="ja-JP" sz="2800" b="0" i="1" smtClean="0">
+                        <a:latin typeface="Cambria Math" panose="02040503050406030204" pitchFamily="18" charset="0"/>
+                      </a:rPr>
+                      <m:t>,</m:t>
+                    </m:r>
+                    <m:r>
+                      <a:rPr kumimoji="1" lang="en-US" altLang="ja-JP" sz="2800" b="0" i="1" smtClean="0">
+                        <a:latin typeface="Cambria Math" panose="02040503050406030204" pitchFamily="18" charset="0"/>
+                      </a:rPr>
+                      <m:t>𝑞</m:t>
+                    </m:r>
+                    <m:r>
+                      <a:rPr kumimoji="1" lang="en-US" altLang="ja-JP" sz="2800" b="0" i="1" smtClean="0">
+                        <a:latin typeface="Cambria Math" panose="02040503050406030204" pitchFamily="18" charset="0"/>
+                      </a:rPr>
+                      <m:t>)</m:t>
+                    </m:r>
+                  </m:oMath>
+                </a14:m>
+                <a:r>
+                  <a:rPr kumimoji="1" lang="ja-JP" altLang="en-US" sz="2800"/>
+                  <a:t>の関数</a:t>
+                </a:r>
+              </a:p>
+            </p:txBody>
+          </p:sp>
+        </mc:Choice>
+        <mc:Fallback>
+          <p:sp>
+            <p:nvSpPr>
+              <p:cNvPr id="3" name="テキスト ボックス 2">
+                <a:extLst>
+                  <a:ext uri="{FF2B5EF4-FFF2-40B4-BE49-F238E27FC236}">
+                    <a16:creationId xmlns:a16="http://schemas.microsoft.com/office/drawing/2014/main" id="{A9D3E289-FB4F-A294-0A59-01C9B96C5FA5}"/>
+                  </a:ext>
+                </a:extLst>
+              </p:cNvPr>
+              <p:cNvSpPr txBox="1">
+                <a:spLocks noRot="1" noChangeAspect="1" noMove="1" noResize="1" noEditPoints="1" noAdjustHandles="1" noChangeArrowheads="1" noChangeShapeType="1" noTextEdit="1"/>
+              </p:cNvSpPr>
+              <p:nvPr/>
+            </p:nvSpPr>
+            <p:spPr>
+              <a:xfrm>
+                <a:off x="323528" y="1196752"/>
+                <a:ext cx="7130222" cy="523220"/>
+              </a:xfrm>
+              <a:prstGeom prst="rect">
+                <a:avLst/>
+              </a:prstGeom>
+              <a:blipFill>
+                <a:blip r:embed="rId2"/>
+                <a:stretch>
+                  <a:fillRect l="-1709" t="-15116" r="-855" b="-27907"/>
+                </a:stretch>
+              </a:blipFill>
+            </p:spPr>
+            <p:txBody>
+              <a:bodyPr/>
+              <a:lstStyle/>
+              <a:p>
+                <a:r>
+                  <a:rPr lang="ja-JP" altLang="en-US">
+                    <a:noFill/>
+                  </a:rPr>
+                  <a:t> </a:t>
+                </a:r>
+              </a:p>
+            </p:txBody>
+          </p:sp>
+        </mc:Fallback>
+      </mc:AlternateContent>
+      <mc:AlternateContent xmlns:mc="http://schemas.openxmlformats.org/markup-compatibility/2006">
+        <mc:Choice xmlns:a14="http://schemas.microsoft.com/office/drawing/2010/main" Requires="a14">
+          <p:sp>
+            <p:nvSpPr>
+              <p:cNvPr id="4" name="テキスト ボックス 3">
+                <a:extLst>
+                  <a:ext uri="{FF2B5EF4-FFF2-40B4-BE49-F238E27FC236}">
+                    <a16:creationId xmlns:a16="http://schemas.microsoft.com/office/drawing/2014/main" id="{93DD3F02-E48E-7B82-F0CE-15FD62A791A6}"/>
+                  </a:ext>
+                </a:extLst>
+              </p:cNvPr>
+              <p:cNvSpPr txBox="1"/>
+              <p:nvPr/>
+            </p:nvSpPr>
+            <p:spPr>
+              <a:xfrm>
+                <a:off x="323528" y="1988840"/>
+                <a:ext cx="3770648" cy="523220"/>
+              </a:xfrm>
+              <a:prstGeom prst="rect">
+                <a:avLst/>
+              </a:prstGeom>
+              <a:noFill/>
+            </p:spPr>
+            <p:txBody>
+              <a:bodyPr wrap="none" rtlCol="0">
+                <a:spAutoFit/>
+              </a:bodyPr>
+              <a:lstStyle/>
+              <a:p>
+                <a:r>
+                  <a:rPr kumimoji="1" lang="ja-JP" altLang="en-US" sz="2800"/>
+                  <a:t>物理量</a:t>
+                </a:r>
+                <a14:m>
+                  <m:oMath xmlns:m="http://schemas.openxmlformats.org/officeDocument/2006/math">
+                    <m:r>
+                      <a:rPr kumimoji="1" lang="en-US" altLang="ja-JP" sz="2800" b="0" i="1" smtClean="0">
+                        <a:latin typeface="Cambria Math" panose="02040503050406030204" pitchFamily="18" charset="0"/>
+                      </a:rPr>
+                      <m:t>𝐴</m:t>
+                    </m:r>
+                    <m:r>
+                      <a:rPr kumimoji="1" lang="en-US" altLang="ja-JP" sz="2800" b="0" i="1" smtClean="0">
+                        <a:latin typeface="Cambria Math" panose="02040503050406030204" pitchFamily="18" charset="0"/>
+                      </a:rPr>
+                      <m:t>(</m:t>
+                    </m:r>
+                    <m:r>
+                      <a:rPr kumimoji="1" lang="en-US" altLang="ja-JP" sz="2800" b="0" i="1" smtClean="0">
+                        <a:latin typeface="Cambria Math" panose="02040503050406030204" pitchFamily="18" charset="0"/>
+                      </a:rPr>
+                      <m:t>𝑝</m:t>
+                    </m:r>
+                    <m:r>
+                      <a:rPr kumimoji="1" lang="en-US" altLang="ja-JP" sz="2800" b="0" i="1" smtClean="0">
+                        <a:latin typeface="Cambria Math" panose="02040503050406030204" pitchFamily="18" charset="0"/>
+                      </a:rPr>
+                      <m:t>,</m:t>
+                    </m:r>
+                    <m:r>
+                      <a:rPr kumimoji="1" lang="en-US" altLang="ja-JP" sz="2800" b="0" i="1" smtClean="0">
+                        <a:latin typeface="Cambria Math" panose="02040503050406030204" pitchFamily="18" charset="0"/>
+                      </a:rPr>
+                      <m:t>𝑞</m:t>
+                    </m:r>
+                    <m:r>
+                      <a:rPr kumimoji="1" lang="en-US" altLang="ja-JP" sz="2800" b="0" i="1" smtClean="0">
+                        <a:latin typeface="Cambria Math" panose="02040503050406030204" pitchFamily="18" charset="0"/>
+                      </a:rPr>
+                      <m:t>)</m:t>
+                    </m:r>
+                  </m:oMath>
+                </a14:m>
+                <a:r>
+                  <a:rPr kumimoji="1" lang="ja-JP" altLang="en-US" sz="2800"/>
+                  <a:t>の期待値</a:t>
+                </a:r>
+              </a:p>
+            </p:txBody>
+          </p:sp>
+        </mc:Choice>
+        <mc:Fallback>
+          <p:sp>
+            <p:nvSpPr>
+              <p:cNvPr id="4" name="テキスト ボックス 3">
+                <a:extLst>
+                  <a:ext uri="{FF2B5EF4-FFF2-40B4-BE49-F238E27FC236}">
+                    <a16:creationId xmlns:a16="http://schemas.microsoft.com/office/drawing/2014/main" id="{93DD3F02-E48E-7B82-F0CE-15FD62A791A6}"/>
+                  </a:ext>
+                </a:extLst>
+              </p:cNvPr>
+              <p:cNvSpPr txBox="1">
+                <a:spLocks noRot="1" noChangeAspect="1" noMove="1" noResize="1" noEditPoints="1" noAdjustHandles="1" noChangeArrowheads="1" noChangeShapeType="1" noTextEdit="1"/>
+              </p:cNvSpPr>
+              <p:nvPr/>
+            </p:nvSpPr>
+            <p:spPr>
+              <a:xfrm>
+                <a:off x="323528" y="1988840"/>
+                <a:ext cx="3770648" cy="523220"/>
+              </a:xfrm>
+              <a:prstGeom prst="rect">
+                <a:avLst/>
+              </a:prstGeom>
+              <a:blipFill>
+                <a:blip r:embed="rId3"/>
+                <a:stretch>
+                  <a:fillRect l="-3231" t="-15116" r="-2262" b="-27907"/>
+                </a:stretch>
+              </a:blipFill>
+            </p:spPr>
+            <p:txBody>
+              <a:bodyPr/>
+              <a:lstStyle/>
+              <a:p>
+                <a:r>
+                  <a:rPr lang="ja-JP" altLang="en-US">
+                    <a:noFill/>
+                  </a:rPr>
+                  <a:t> </a:t>
+                </a:r>
+              </a:p>
+            </p:txBody>
+          </p:sp>
+        </mc:Fallback>
+      </mc:AlternateContent>
+      <mc:AlternateContent xmlns:mc="http://schemas.openxmlformats.org/markup-compatibility/2006">
+        <mc:Choice xmlns:a14="http://schemas.microsoft.com/office/drawing/2010/main" Requires="a14">
+          <p:sp>
+            <p:nvSpPr>
+              <p:cNvPr id="5" name="テキスト ボックス 4">
+                <a:extLst>
+                  <a:ext uri="{FF2B5EF4-FFF2-40B4-BE49-F238E27FC236}">
+                    <a16:creationId xmlns:a16="http://schemas.microsoft.com/office/drawing/2014/main" id="{AA771012-B018-C002-C513-3388DEE3CA35}"/>
+                  </a:ext>
+                </a:extLst>
+              </p:cNvPr>
+              <p:cNvSpPr txBox="1"/>
+              <p:nvPr/>
+            </p:nvSpPr>
+            <p:spPr>
+              <a:xfrm>
+                <a:off x="2771800" y="2852936"/>
+                <a:ext cx="3213893" cy="1384033"/>
+              </a:xfrm>
+              <a:prstGeom prst="rect">
+                <a:avLst/>
+              </a:prstGeom>
+              <a:noFill/>
+            </p:spPr>
+            <p:txBody>
+              <a:bodyPr wrap="none" rtlCol="0">
+                <a:spAutoFit/>
+              </a:bodyPr>
+              <a:lstStyle/>
+              <a:p>
+                <a14:m>
+                  <m:oMathPara xmlns:m="http://schemas.openxmlformats.org/officeDocument/2006/math">
+                    <m:oMathParaPr>
+                      <m:jc m:val="centerGroup"/>
+                    </m:oMathParaPr>
+                    <m:oMath xmlns:m="http://schemas.openxmlformats.org/officeDocument/2006/math">
+                      <m:d>
+                        <m:dPr>
+                          <m:begChr m:val="⟨"/>
+                          <m:endChr m:val="⟩"/>
+                          <m:ctrlPr>
+                            <a:rPr kumimoji="1" lang="en-US" altLang="ja-JP" sz="3200" i="1" smtClean="0">
+                              <a:latin typeface="Cambria Math" panose="02040503050406030204" pitchFamily="18" charset="0"/>
+                            </a:rPr>
+                          </m:ctrlPr>
+                        </m:dPr>
+                        <m:e>
+                          <m:r>
+                            <a:rPr kumimoji="1" lang="en-US" altLang="ja-JP" sz="3200" b="0" i="1" smtClean="0">
+                              <a:latin typeface="Cambria Math" panose="02040503050406030204" pitchFamily="18" charset="0"/>
+                            </a:rPr>
+                            <m:t>𝐴</m:t>
+                          </m:r>
+                        </m:e>
+                      </m:d>
+                      <m:r>
+                        <a:rPr kumimoji="1" lang="en-US" altLang="ja-JP" sz="3200" b="0" i="1" smtClean="0">
+                          <a:latin typeface="Cambria Math" panose="02040503050406030204" pitchFamily="18" charset="0"/>
+                        </a:rPr>
+                        <m:t>≡</m:t>
+                      </m:r>
+                      <m:nary>
+                        <m:naryPr>
+                          <m:limLoc m:val="undOvr"/>
+                          <m:subHide m:val="on"/>
+                          <m:supHide m:val="on"/>
+                          <m:ctrlPr>
+                            <a:rPr kumimoji="1" lang="en-US" altLang="ja-JP" sz="3200" b="0" i="1" smtClean="0">
+                              <a:latin typeface="Cambria Math" panose="02040503050406030204" pitchFamily="18" charset="0"/>
+                            </a:rPr>
+                          </m:ctrlPr>
+                        </m:naryPr>
+                        <m:sub/>
+                        <m:sup/>
+                        <m:e>
+                          <m:r>
+                            <a:rPr kumimoji="1" lang="en-US" altLang="ja-JP" sz="3200" b="0" i="1" smtClean="0">
+                              <a:latin typeface="Cambria Math" panose="02040503050406030204" pitchFamily="18" charset="0"/>
+                            </a:rPr>
+                            <m:t>𝐴𝑓𝑑𝑝𝑑𝑞</m:t>
+                          </m:r>
+                        </m:e>
+                      </m:nary>
+                    </m:oMath>
+                  </m:oMathPara>
+                </a14:m>
+                <a:endParaRPr kumimoji="1" lang="ja-JP" altLang="en-US" sz="3200"/>
+              </a:p>
+            </p:txBody>
+          </p:sp>
+        </mc:Choice>
+        <mc:Fallback>
+          <p:sp>
+            <p:nvSpPr>
+              <p:cNvPr id="5" name="テキスト ボックス 4">
+                <a:extLst>
+                  <a:ext uri="{FF2B5EF4-FFF2-40B4-BE49-F238E27FC236}">
+                    <a16:creationId xmlns:a16="http://schemas.microsoft.com/office/drawing/2014/main" id="{AA771012-B018-C002-C513-3388DEE3CA35}"/>
+                  </a:ext>
+                </a:extLst>
+              </p:cNvPr>
+              <p:cNvSpPr txBox="1">
+                <a:spLocks noRot="1" noChangeAspect="1" noMove="1" noResize="1" noEditPoints="1" noAdjustHandles="1" noChangeArrowheads="1" noChangeShapeType="1" noTextEdit="1"/>
+              </p:cNvSpPr>
+              <p:nvPr/>
+            </p:nvSpPr>
+            <p:spPr>
+              <a:xfrm>
+                <a:off x="2771800" y="2852936"/>
+                <a:ext cx="3213893" cy="1384033"/>
+              </a:xfrm>
+              <a:prstGeom prst="rect">
+                <a:avLst/>
+              </a:prstGeom>
+              <a:blipFill>
+                <a:blip r:embed="rId4"/>
+                <a:stretch>
+                  <a:fillRect/>
+                </a:stretch>
+              </a:blipFill>
+            </p:spPr>
+            <p:txBody>
+              <a:bodyPr/>
+              <a:lstStyle/>
+              <a:p>
+                <a:r>
+                  <a:rPr lang="ja-JP" altLang="en-US">
+                    <a:noFill/>
+                  </a:rPr>
+                  <a:t> </a:t>
+                </a:r>
+              </a:p>
+            </p:txBody>
+          </p:sp>
+        </mc:Fallback>
+      </mc:AlternateContent>
+      <mc:AlternateContent xmlns:mc="http://schemas.openxmlformats.org/markup-compatibility/2006">
+        <mc:Choice xmlns:a14="http://schemas.microsoft.com/office/drawing/2010/main" Requires="a14">
+          <p:sp>
+            <p:nvSpPr>
+              <p:cNvPr id="6" name="テキスト ボックス 5">
+                <a:extLst>
+                  <a:ext uri="{FF2B5EF4-FFF2-40B4-BE49-F238E27FC236}">
+                    <a16:creationId xmlns:a16="http://schemas.microsoft.com/office/drawing/2014/main" id="{36360E5D-D002-1BE6-E857-A8CD5BFB0AD9}"/>
+                  </a:ext>
+                </a:extLst>
+              </p:cNvPr>
+              <p:cNvSpPr txBox="1"/>
+              <p:nvPr/>
+            </p:nvSpPr>
+            <p:spPr>
+              <a:xfrm>
+                <a:off x="611560" y="4653136"/>
+                <a:ext cx="8136904" cy="1384995"/>
+              </a:xfrm>
+              <a:prstGeom prst="rect">
+                <a:avLst/>
+              </a:prstGeom>
+              <a:noFill/>
+            </p:spPr>
+            <p:txBody>
+              <a:bodyPr wrap="square" rtlCol="0">
+                <a:spAutoFit/>
+              </a:bodyPr>
+              <a:lstStyle/>
+              <a:p>
+                <a:r>
+                  <a:rPr lang="ja-JP" altLang="en-US" sz="2800"/>
+                  <a:t>位相空間の各点</a:t>
+                </a:r>
+                <a14:m>
+                  <m:oMath xmlns:m="http://schemas.openxmlformats.org/officeDocument/2006/math">
+                    <m:r>
+                      <a:rPr lang="en-US" altLang="ja-JP" sz="2800" b="0" i="1" smtClean="0">
+                        <a:latin typeface="Cambria Math" panose="02040503050406030204" pitchFamily="18" charset="0"/>
+                      </a:rPr>
+                      <m:t>(</m:t>
+                    </m:r>
+                    <m:r>
+                      <a:rPr lang="en-US" altLang="ja-JP" sz="2800" b="0" i="1" smtClean="0">
+                        <a:latin typeface="Cambria Math" panose="02040503050406030204" pitchFamily="18" charset="0"/>
+                      </a:rPr>
+                      <m:t>𝑝</m:t>
+                    </m:r>
+                    <m:r>
+                      <a:rPr lang="en-US" altLang="ja-JP" sz="2800" b="0" i="1" smtClean="0">
+                        <a:latin typeface="Cambria Math" panose="02040503050406030204" pitchFamily="18" charset="0"/>
+                      </a:rPr>
+                      <m:t>,</m:t>
+                    </m:r>
+                    <m:r>
+                      <a:rPr lang="en-US" altLang="ja-JP" sz="2800" b="0" i="1" smtClean="0">
+                        <a:latin typeface="Cambria Math" panose="02040503050406030204" pitchFamily="18" charset="0"/>
+                      </a:rPr>
+                      <m:t>𝑞</m:t>
+                    </m:r>
+                    <m:r>
+                      <a:rPr lang="en-US" altLang="ja-JP" sz="2800" b="0" i="1" smtClean="0">
+                        <a:latin typeface="Cambria Math" panose="02040503050406030204" pitchFamily="18" charset="0"/>
+                      </a:rPr>
+                      <m:t>)</m:t>
+                    </m:r>
+                    <m:r>
+                      <a:rPr lang="ja-JP" altLang="en-US" sz="2800" i="1">
+                        <a:latin typeface="Cambria Math" panose="02040503050406030204" pitchFamily="18" charset="0"/>
+                      </a:rPr>
+                      <m:t>で</m:t>
+                    </m:r>
+                  </m:oMath>
+                </a14:m>
+                <a:r>
+                  <a:rPr lang="ja-JP" altLang="en-US" sz="2800"/>
+                  <a:t>定義される物理量</a:t>
+                </a:r>
+                <a14:m>
+                  <m:oMath xmlns:m="http://schemas.openxmlformats.org/officeDocument/2006/math">
+                    <m:r>
+                      <a:rPr lang="en-US" altLang="ja-JP" sz="2800" b="0" i="1" smtClean="0">
+                        <a:latin typeface="Cambria Math" panose="02040503050406030204" pitchFamily="18" charset="0"/>
+                      </a:rPr>
+                      <m:t>𝐴</m:t>
+                    </m:r>
+                    <m:r>
+                      <a:rPr lang="en-US" altLang="ja-JP" sz="2800" b="0" i="1" smtClean="0">
+                        <a:latin typeface="Cambria Math" panose="02040503050406030204" pitchFamily="18" charset="0"/>
+                      </a:rPr>
+                      <m:t>(</m:t>
+                    </m:r>
+                    <m:r>
+                      <a:rPr lang="en-US" altLang="ja-JP" sz="2800" b="0" i="1" smtClean="0">
+                        <a:latin typeface="Cambria Math" panose="02040503050406030204" pitchFamily="18" charset="0"/>
+                      </a:rPr>
+                      <m:t>𝑝</m:t>
+                    </m:r>
+                    <m:r>
+                      <a:rPr lang="en-US" altLang="ja-JP" sz="2800" b="0" i="1" smtClean="0">
+                        <a:latin typeface="Cambria Math" panose="02040503050406030204" pitchFamily="18" charset="0"/>
+                      </a:rPr>
+                      <m:t>,</m:t>
+                    </m:r>
+                    <m:r>
+                      <a:rPr lang="en-US" altLang="ja-JP" sz="2800" b="0" i="1" smtClean="0">
+                        <a:latin typeface="Cambria Math" panose="02040503050406030204" pitchFamily="18" charset="0"/>
+                      </a:rPr>
+                      <m:t>𝑞</m:t>
+                    </m:r>
+                    <m:r>
+                      <a:rPr lang="en-US" altLang="ja-JP" sz="2800" b="0" i="1" smtClean="0">
+                        <a:latin typeface="Cambria Math" panose="02040503050406030204" pitchFamily="18" charset="0"/>
+                      </a:rPr>
+                      <m:t>)</m:t>
+                    </m:r>
+                    <m:r>
+                      <a:rPr kumimoji="1" lang="ja-JP" altLang="en-US" sz="2800" i="1">
+                        <a:latin typeface="Cambria Math" panose="02040503050406030204" pitchFamily="18" charset="0"/>
+                      </a:rPr>
+                      <m:t>に、</m:t>
+                    </m:r>
+                  </m:oMath>
+                </a14:m>
+                <a:r>
+                  <a:rPr kumimoji="1" lang="ja-JP" altLang="en-US" sz="2800"/>
+                  <a:t>その点における</a:t>
+                </a:r>
+                <a:r>
+                  <a:rPr lang="ja-JP" altLang="en-US" sz="2800"/>
+                  <a:t>分布関数</a:t>
+                </a:r>
+                <a14:m>
+                  <m:oMath xmlns:m="http://schemas.openxmlformats.org/officeDocument/2006/math">
+                    <m:r>
+                      <a:rPr lang="en-US" altLang="ja-JP" sz="2800" b="0" i="1" smtClean="0">
+                        <a:latin typeface="Cambria Math" panose="02040503050406030204" pitchFamily="18" charset="0"/>
+                      </a:rPr>
+                      <m:t>𝑓</m:t>
+                    </m:r>
+                    <m:r>
+                      <a:rPr lang="en-US" altLang="ja-JP" sz="2800" b="0" i="1" smtClean="0">
+                        <a:latin typeface="Cambria Math" panose="02040503050406030204" pitchFamily="18" charset="0"/>
+                      </a:rPr>
+                      <m:t>(</m:t>
+                    </m:r>
+                    <m:r>
+                      <a:rPr lang="en-US" altLang="ja-JP" sz="2800" b="0" i="1" smtClean="0">
+                        <a:latin typeface="Cambria Math" panose="02040503050406030204" pitchFamily="18" charset="0"/>
+                      </a:rPr>
+                      <m:t>𝑝</m:t>
+                    </m:r>
+                    <m:r>
+                      <a:rPr lang="en-US" altLang="ja-JP" sz="2800" b="0" i="1" smtClean="0">
+                        <a:latin typeface="Cambria Math" panose="02040503050406030204" pitchFamily="18" charset="0"/>
+                      </a:rPr>
+                      <m:t>,</m:t>
+                    </m:r>
+                    <m:r>
+                      <a:rPr lang="en-US" altLang="ja-JP" sz="2800" b="0" i="1" smtClean="0">
+                        <a:latin typeface="Cambria Math" panose="02040503050406030204" pitchFamily="18" charset="0"/>
+                      </a:rPr>
+                      <m:t>𝑞</m:t>
+                    </m:r>
+                    <m:r>
+                      <a:rPr lang="en-US" altLang="ja-JP" sz="2800" b="0" i="1" smtClean="0">
+                        <a:latin typeface="Cambria Math" panose="02040503050406030204" pitchFamily="18" charset="0"/>
+                      </a:rPr>
+                      <m:t>)</m:t>
+                    </m:r>
+                  </m:oMath>
+                </a14:m>
+                <a:r>
+                  <a:rPr kumimoji="1" lang="ja-JP" altLang="en-US" sz="2800"/>
+                  <a:t>をかけて全位相空間において平均せよ</a:t>
+                </a:r>
+              </a:p>
+            </p:txBody>
+          </p:sp>
+        </mc:Choice>
+        <mc:Fallback>
+          <p:sp>
+            <p:nvSpPr>
+              <p:cNvPr id="6" name="テキスト ボックス 5">
+                <a:extLst>
+                  <a:ext uri="{FF2B5EF4-FFF2-40B4-BE49-F238E27FC236}">
+                    <a16:creationId xmlns:a16="http://schemas.microsoft.com/office/drawing/2014/main" id="{36360E5D-D002-1BE6-E857-A8CD5BFB0AD9}"/>
+                  </a:ext>
+                </a:extLst>
+              </p:cNvPr>
+              <p:cNvSpPr txBox="1">
+                <a:spLocks noRot="1" noChangeAspect="1" noMove="1" noResize="1" noEditPoints="1" noAdjustHandles="1" noChangeArrowheads="1" noChangeShapeType="1" noTextEdit="1"/>
+              </p:cNvSpPr>
+              <p:nvPr/>
+            </p:nvSpPr>
+            <p:spPr>
+              <a:xfrm>
+                <a:off x="611560" y="4653136"/>
+                <a:ext cx="8136904" cy="1384995"/>
+              </a:xfrm>
+              <a:prstGeom prst="rect">
+                <a:avLst/>
+              </a:prstGeom>
+              <a:blipFill>
+                <a:blip r:embed="rId5"/>
+                <a:stretch>
+                  <a:fillRect l="-1498" t="-5263" b="-9649"/>
+                </a:stretch>
+              </a:blipFill>
+            </p:spPr>
+            <p:txBody>
+              <a:bodyPr/>
+              <a:lstStyle/>
+              <a:p>
+                <a:r>
+                  <a:rPr lang="ja-JP" altLang="en-US">
+                    <a:noFill/>
+                  </a:rPr>
+                  <a:t> </a:t>
+                </a:r>
+              </a:p>
+            </p:txBody>
+          </p:sp>
+        </mc:Fallback>
+      </mc:AlternateContent>
+      <p:sp>
+        <p:nvSpPr>
+          <p:cNvPr id="7" name="四角形: 角を丸くする 6">
+            <a:extLst>
+              <a:ext uri="{FF2B5EF4-FFF2-40B4-BE49-F238E27FC236}">
+                <a16:creationId xmlns:a16="http://schemas.microsoft.com/office/drawing/2014/main" id="{D16B4B08-1675-A275-2961-B959342B5E33}"/>
+              </a:ext>
+            </a:extLst>
+          </p:cNvPr>
+          <p:cNvSpPr/>
+          <p:nvPr/>
+        </p:nvSpPr>
+        <p:spPr>
+          <a:xfrm>
+            <a:off x="2699792" y="2780928"/>
+            <a:ext cx="3312368" cy="1368152"/>
+          </a:xfrm>
+          <a:prstGeom prst="roundRect">
+            <a:avLst/>
+          </a:prstGeom>
+          <a:noFill/>
+          <a:ln w="38100">
+            <a:solidFill>
+              <a:srgbClr val="FF0000"/>
+            </a:solidFill>
+            <a:prstDash val="dash"/>
+          </a:ln>
+        </p:spPr>
+        <p:style>
+          <a:lnRef idx="2">
+            <a:schemeClr val="accent1">
+              <a:shade val="50000"/>
+            </a:schemeClr>
+          </a:lnRef>
+          <a:fillRef idx="1">
+            <a:schemeClr val="accent1"/>
+          </a:fillRef>
+          <a:effectRef idx="0">
+            <a:schemeClr val="accent1"/>
+          </a:effectRef>
+          <a:fontRef idx="minor">
+            <a:schemeClr val="lt1"/>
+          </a:fontRef>
+        </p:style>
+        <p:txBody>
+          <a:bodyPr rtlCol="0" anchor="ctr"/>
+          <a:lstStyle/>
+          <a:p>
+            <a:pPr algn="ctr"/>
+            <a:endParaRPr kumimoji="1" lang="ja-JP" altLang="en-US"/>
+          </a:p>
+        </p:txBody>
+      </p:sp>
+      <p:cxnSp>
+        <p:nvCxnSpPr>
+          <p:cNvPr id="9" name="コネクタ: カギ線 8">
+            <a:extLst>
+              <a:ext uri="{FF2B5EF4-FFF2-40B4-BE49-F238E27FC236}">
+                <a16:creationId xmlns:a16="http://schemas.microsoft.com/office/drawing/2014/main" id="{5266230A-6EEB-0925-036A-9FB88E066B1D}"/>
+              </a:ext>
+            </a:extLst>
+          </p:cNvPr>
+          <p:cNvCxnSpPr>
+            <a:stCxn id="6" idx="1"/>
+            <a:endCxn id="7" idx="1"/>
+          </p:cNvCxnSpPr>
+          <p:nvPr/>
+        </p:nvCxnSpPr>
+        <p:spPr>
+          <a:xfrm rot="10800000" flipH="1">
+            <a:off x="611560" y="3465004"/>
+            <a:ext cx="2088232" cy="1880630"/>
+          </a:xfrm>
+          <a:prstGeom prst="bentConnector3">
+            <a:avLst>
+              <a:gd name="adj1" fmla="val -10947"/>
+            </a:avLst>
+          </a:prstGeom>
+          <a:ln>
+            <a:solidFill>
+              <a:schemeClr val="tx1"/>
+            </a:solidFill>
+            <a:headEnd type="none" w="med" len="med"/>
+            <a:tailEnd type="triangle"/>
+          </a:ln>
+        </p:spPr>
+        <p:style>
+          <a:lnRef idx="1">
+            <a:schemeClr val="accent1"/>
+          </a:lnRef>
+          <a:fillRef idx="0">
+            <a:schemeClr val="accent1"/>
+          </a:fillRef>
+          <a:effectRef idx="0">
+            <a:schemeClr val="accent1"/>
+          </a:effectRef>
+          <a:fontRef idx="minor">
+            <a:schemeClr val="tx1"/>
+          </a:fontRef>
+        </p:style>
+      </p:cxnSp>
+    </p:spTree>
+    <p:extLst>
+      <p:ext uri="{BB962C8B-B14F-4D97-AF65-F5344CB8AC3E}">
+        <p14:creationId xmlns:p14="http://schemas.microsoft.com/office/powerpoint/2010/main" val="3847689038"/>
+      </p:ext>
+    </p:extLst>
+  </p:cSld>
+  <p:clrMapOvr>
+    <a:masterClrMapping/>
+  </p:clrMapOvr>
+</p:sld>
+</file>
+
+<file path=ppt/slides/slide23.xml><?xml version="1.0" encoding="utf-8"?>
+<p:sld xmlns:a="http://schemas.openxmlformats.org/drawingml/2006/main" xmlns:r="http://schemas.openxmlformats.org/officeDocument/2006/relationships" xmlns:p="http://schemas.openxmlformats.org/presentationml/2006/main">
+  <p:cSld>
+    <p:spTree>
+      <p:nvGrpSpPr>
+        <p:cNvPr id="1" name=""/>
+        <p:cNvGrpSpPr/>
+        <p:nvPr/>
+      </p:nvGrpSpPr>
+      <p:grpSpPr>
+        <a:xfrm>
+          <a:off x="0" y="0"/>
+          <a:ext cx="0" cy="0"/>
+          <a:chOff x="0" y="0"/>
+          <a:chExt cx="0" cy="0"/>
+        </a:xfrm>
+      </p:grpSpPr>
+      <p:sp>
+        <p:nvSpPr>
+          <p:cNvPr id="2" name="テキスト プレースホルダー 1">
+            <a:extLst>
+              <a:ext uri="{FF2B5EF4-FFF2-40B4-BE49-F238E27FC236}">
+                <a16:creationId xmlns:a16="http://schemas.microsoft.com/office/drawing/2014/main" id="{8D9DADBF-686E-184E-DD14-0F3866518CFE}"/>
+              </a:ext>
+            </a:extLst>
+          </p:cNvPr>
+          <p:cNvSpPr>
+            <a:spLocks noGrp="1"/>
+          </p:cNvSpPr>
+          <p:nvPr>
+            <p:ph type="body" sz="quarter" idx="10"/>
+          </p:nvPr>
+        </p:nvSpPr>
+        <p:spPr/>
+        <p:txBody>
+          <a:bodyPr/>
+          <a:lstStyle/>
+          <a:p>
+            <a:r>
+              <a:rPr lang="ja-JP" altLang="en-US"/>
+              <a:t>物理量の期待値</a:t>
+            </a:r>
+            <a:endParaRPr kumimoji="1" lang="ja-JP" altLang="en-US"/>
+          </a:p>
+        </p:txBody>
+      </p:sp>
+      <p:sp>
+        <p:nvSpPr>
+          <p:cNvPr id="4" name="テキスト ボックス 3">
+            <a:extLst>
+              <a:ext uri="{FF2B5EF4-FFF2-40B4-BE49-F238E27FC236}">
+                <a16:creationId xmlns:a16="http://schemas.microsoft.com/office/drawing/2014/main" id="{247CEDBF-0E11-798A-84DA-2DD7D536C813}"/>
+              </a:ext>
+            </a:extLst>
+          </p:cNvPr>
+          <p:cNvSpPr txBox="1"/>
+          <p:nvPr/>
+        </p:nvSpPr>
+        <p:spPr>
+          <a:xfrm>
+            <a:off x="395536" y="1124744"/>
+            <a:ext cx="5211683" cy="523220"/>
+          </a:xfrm>
+          <a:prstGeom prst="rect">
+            <a:avLst/>
+          </a:prstGeom>
+          <a:noFill/>
+        </p:spPr>
+        <p:txBody>
+          <a:bodyPr wrap="none" rtlCol="0">
+            <a:spAutoFit/>
+          </a:bodyPr>
+          <a:lstStyle/>
+          <a:p>
+            <a:r>
+              <a:rPr kumimoji="1" lang="ja-JP" altLang="en-US" sz="2800"/>
+              <a:t>分布がカノニカル分布である時</a:t>
+            </a:r>
+          </a:p>
+        </p:txBody>
+      </p:sp>
+      <mc:AlternateContent xmlns:mc="http://schemas.openxmlformats.org/markup-compatibility/2006">
+        <mc:Choice xmlns:a14="http://schemas.microsoft.com/office/drawing/2010/main" Requires="a14">
+          <p:sp>
+            <p:nvSpPr>
+              <p:cNvPr id="5" name="テキスト ボックス 4">
+                <a:extLst>
+                  <a:ext uri="{FF2B5EF4-FFF2-40B4-BE49-F238E27FC236}">
+                    <a16:creationId xmlns:a16="http://schemas.microsoft.com/office/drawing/2014/main" id="{E9BD4232-1150-BC81-4D8A-EE7A2367CBD4}"/>
+                  </a:ext>
+                </a:extLst>
+              </p:cNvPr>
+              <p:cNvSpPr txBox="1"/>
+              <p:nvPr/>
+            </p:nvSpPr>
+            <p:spPr>
+              <a:xfrm>
+                <a:off x="6660232" y="1124744"/>
+                <a:ext cx="1361270" cy="523220"/>
+              </a:xfrm>
+              <a:prstGeom prst="rect">
+                <a:avLst/>
+              </a:prstGeom>
+              <a:noFill/>
+            </p:spPr>
+            <p:txBody>
+              <a:bodyPr wrap="none" rtlCol="0">
+                <a:spAutoFit/>
+              </a:bodyPr>
+              <a:lstStyle/>
+              <a:p>
+                <a14:m>
+                  <m:oMathPara xmlns:m="http://schemas.openxmlformats.org/officeDocument/2006/math">
+                    <m:oMathParaPr>
+                      <m:jc m:val="centerGroup"/>
+                    </m:oMathParaPr>
+                    <m:oMath xmlns:m="http://schemas.openxmlformats.org/officeDocument/2006/math">
+                      <m:r>
+                        <a:rPr lang="ja-JP" altLang="en-US" sz="2800" i="1">
+                          <a:latin typeface="Cambria Math" panose="02040503050406030204" pitchFamily="18" charset="0"/>
+                        </a:rPr>
+                        <m:t>という</m:t>
+                      </m:r>
+                    </m:oMath>
+                  </m:oMathPara>
+                </a14:m>
+                <a:endParaRPr kumimoji="1" lang="ja-JP" altLang="en-US" sz="2800"/>
+              </a:p>
+            </p:txBody>
+          </p:sp>
+        </mc:Choice>
+        <mc:Fallback>
+          <p:sp>
+            <p:nvSpPr>
+              <p:cNvPr id="5" name="テキスト ボックス 4">
+                <a:extLst>
+                  <a:ext uri="{FF2B5EF4-FFF2-40B4-BE49-F238E27FC236}">
+                    <a16:creationId xmlns:a16="http://schemas.microsoft.com/office/drawing/2014/main" id="{E9BD4232-1150-BC81-4D8A-EE7A2367CBD4}"/>
+                  </a:ext>
+                </a:extLst>
+              </p:cNvPr>
+              <p:cNvSpPr txBox="1">
+                <a:spLocks noRot="1" noChangeAspect="1" noMove="1" noResize="1" noEditPoints="1" noAdjustHandles="1" noChangeArrowheads="1" noChangeShapeType="1" noTextEdit="1"/>
+              </p:cNvSpPr>
+              <p:nvPr/>
+            </p:nvSpPr>
+            <p:spPr>
+              <a:xfrm>
+                <a:off x="6660232" y="1124744"/>
+                <a:ext cx="1361270" cy="523220"/>
+              </a:xfrm>
+              <a:prstGeom prst="rect">
+                <a:avLst/>
+              </a:prstGeom>
+              <a:blipFill>
+                <a:blip r:embed="rId2"/>
+                <a:stretch>
+                  <a:fillRect/>
+                </a:stretch>
+              </a:blipFill>
+            </p:spPr>
+            <p:txBody>
+              <a:bodyPr/>
+              <a:lstStyle/>
+              <a:p>
+                <a:r>
+                  <a:rPr lang="ja-JP" altLang="en-US">
+                    <a:noFill/>
+                  </a:rPr>
+                  <a:t> </a:t>
+                </a:r>
+              </a:p>
+            </p:txBody>
+          </p:sp>
+        </mc:Fallback>
+      </mc:AlternateContent>
+      <mc:AlternateContent xmlns:mc="http://schemas.openxmlformats.org/markup-compatibility/2006">
+        <mc:Choice xmlns:a14="http://schemas.microsoft.com/office/drawing/2010/main" Requires="a14">
+          <p:sp>
+            <p:nvSpPr>
+              <p:cNvPr id="7" name="テキスト ボックス 6">
+                <a:extLst>
+                  <a:ext uri="{FF2B5EF4-FFF2-40B4-BE49-F238E27FC236}">
+                    <a16:creationId xmlns:a16="http://schemas.microsoft.com/office/drawing/2014/main" id="{80B9A06B-2211-2FFC-E044-E532D6928D84}"/>
+                  </a:ext>
+                </a:extLst>
+              </p:cNvPr>
+              <p:cNvSpPr txBox="1"/>
+              <p:nvPr/>
+            </p:nvSpPr>
+            <p:spPr>
+              <a:xfrm>
+                <a:off x="5076056" y="836712"/>
+                <a:ext cx="2051720" cy="1111651"/>
+              </a:xfrm>
+              <a:prstGeom prst="rect">
+                <a:avLst/>
+              </a:prstGeom>
+              <a:noFill/>
+            </p:spPr>
+            <p:txBody>
+              <a:bodyPr wrap="square">
+                <a:spAutoFit/>
+              </a:bodyPr>
+              <a:lstStyle/>
+              <a:p>
+                <a:pPr/>
+                <a14:m>
+                  <m:oMathPara xmlns:m="http://schemas.openxmlformats.org/officeDocument/2006/math">
+                    <m:oMathParaPr>
+                      <m:jc m:val="centerGroup"/>
+                    </m:oMathParaPr>
+                    <m:oMath xmlns:m="http://schemas.openxmlformats.org/officeDocument/2006/math">
+                      <m:r>
+                        <a:rPr kumimoji="1" lang="en-US" altLang="ja-JP" sz="3200" b="0" i="1" smtClean="0">
+                          <a:latin typeface="Cambria Math" panose="02040503050406030204" pitchFamily="18" charset="0"/>
+                        </a:rPr>
+                        <m:t>𝑝</m:t>
+                      </m:r>
+                      <m:f>
+                        <m:fPr>
+                          <m:ctrlPr>
+                            <a:rPr kumimoji="1" lang="en-US" altLang="ja-JP" sz="3200" b="0" i="1" smtClean="0">
+                              <a:latin typeface="Cambria Math" panose="02040503050406030204" pitchFamily="18" charset="0"/>
+                            </a:rPr>
+                          </m:ctrlPr>
+                        </m:fPr>
+                        <m:num>
+                          <m:r>
+                            <a:rPr kumimoji="1" lang="en-US" altLang="ja-JP" sz="3200" b="0" i="1" smtClean="0">
+                              <a:latin typeface="Cambria Math" panose="02040503050406030204" pitchFamily="18" charset="0"/>
+                            </a:rPr>
+                            <m:t>𝜕</m:t>
+                          </m:r>
+                          <m:r>
+                            <a:rPr kumimoji="1" lang="en-US" altLang="ja-JP" sz="3200" b="0" i="1" smtClean="0">
+                              <a:latin typeface="Cambria Math" panose="02040503050406030204" pitchFamily="18" charset="0"/>
+                            </a:rPr>
+                            <m:t>𝐻</m:t>
+                          </m:r>
+                        </m:num>
+                        <m:den>
+                          <m:r>
+                            <a:rPr kumimoji="1" lang="en-US" altLang="ja-JP" sz="3200" b="0" i="1" smtClean="0">
+                              <a:latin typeface="Cambria Math" panose="02040503050406030204" pitchFamily="18" charset="0"/>
+                            </a:rPr>
+                            <m:t>𝜕</m:t>
+                          </m:r>
+                          <m:r>
+                            <a:rPr kumimoji="1" lang="en-US" altLang="ja-JP" sz="3200" b="0" i="1" smtClean="0">
+                              <a:latin typeface="Cambria Math" panose="02040503050406030204" pitchFamily="18" charset="0"/>
+                            </a:rPr>
+                            <m:t>𝑝</m:t>
+                          </m:r>
+                        </m:den>
+                      </m:f>
+                    </m:oMath>
+                  </m:oMathPara>
+                </a14:m>
+                <a:endParaRPr lang="ja-JP" altLang="en-US" sz="3200"/>
+              </a:p>
+            </p:txBody>
+          </p:sp>
+        </mc:Choice>
+        <mc:Fallback>
+          <p:sp>
+            <p:nvSpPr>
+              <p:cNvPr id="7" name="テキスト ボックス 6">
+                <a:extLst>
+                  <a:ext uri="{FF2B5EF4-FFF2-40B4-BE49-F238E27FC236}">
+                    <a16:creationId xmlns:a16="http://schemas.microsoft.com/office/drawing/2014/main" id="{80B9A06B-2211-2FFC-E044-E532D6928D84}"/>
+                  </a:ext>
+                </a:extLst>
+              </p:cNvPr>
+              <p:cNvSpPr txBox="1">
+                <a:spLocks noRot="1" noChangeAspect="1" noMove="1" noResize="1" noEditPoints="1" noAdjustHandles="1" noChangeArrowheads="1" noChangeShapeType="1" noTextEdit="1"/>
+              </p:cNvSpPr>
+              <p:nvPr/>
+            </p:nvSpPr>
+            <p:spPr>
+              <a:xfrm>
+                <a:off x="5076056" y="836712"/>
+                <a:ext cx="2051720" cy="1111651"/>
+              </a:xfrm>
+              <a:prstGeom prst="rect">
+                <a:avLst/>
+              </a:prstGeom>
+              <a:blipFill>
+                <a:blip r:embed="rId3"/>
+                <a:stretch>
+                  <a:fillRect/>
+                </a:stretch>
+              </a:blipFill>
+            </p:spPr>
+            <p:txBody>
+              <a:bodyPr/>
+              <a:lstStyle/>
+              <a:p>
+                <a:r>
+                  <a:rPr lang="ja-JP" altLang="en-US">
+                    <a:noFill/>
+                  </a:rPr>
+                  <a:t> </a:t>
+                </a:r>
+              </a:p>
+            </p:txBody>
+          </p:sp>
+        </mc:Fallback>
+      </mc:AlternateContent>
+      <mc:AlternateContent xmlns:mc="http://schemas.openxmlformats.org/markup-compatibility/2006">
+        <mc:Choice xmlns:a14="http://schemas.microsoft.com/office/drawing/2010/main" Requires="a14">
+          <p:sp>
+            <p:nvSpPr>
+              <p:cNvPr id="8" name="テキスト ボックス 7">
+                <a:extLst>
+                  <a:ext uri="{FF2B5EF4-FFF2-40B4-BE49-F238E27FC236}">
+                    <a16:creationId xmlns:a16="http://schemas.microsoft.com/office/drawing/2014/main" id="{FC066692-2F8C-8E2E-5C1F-74F2CA9CB2DA}"/>
+                  </a:ext>
+                </a:extLst>
+              </p:cNvPr>
+              <p:cNvSpPr txBox="1"/>
+              <p:nvPr/>
+            </p:nvSpPr>
+            <p:spPr>
+              <a:xfrm>
+                <a:off x="1619672" y="5373216"/>
+                <a:ext cx="5982342" cy="1270156"/>
+              </a:xfrm>
+              <a:prstGeom prst="rect">
+                <a:avLst/>
+              </a:prstGeom>
+              <a:noFill/>
+            </p:spPr>
+            <p:txBody>
+              <a:bodyPr wrap="none" rtlCol="0">
+                <a:spAutoFit/>
+              </a:bodyPr>
+              <a:lstStyle/>
+              <a:p>
+                <a14:m>
+                  <m:oMathPara xmlns:m="http://schemas.openxmlformats.org/officeDocument/2006/math">
+                    <m:oMathParaPr>
+                      <m:jc m:val="centerGroup"/>
+                    </m:oMathParaPr>
+                    <m:oMath xmlns:m="http://schemas.openxmlformats.org/officeDocument/2006/math">
+                      <m:d>
+                        <m:dPr>
+                          <m:begChr m:val="⟨"/>
+                          <m:endChr m:val="⟩"/>
+                          <m:ctrlPr>
+                            <a:rPr kumimoji="1" lang="en-US" altLang="ja-JP" sz="2800" i="1" smtClean="0">
+                              <a:latin typeface="Cambria Math" panose="02040503050406030204" pitchFamily="18" charset="0"/>
+                            </a:rPr>
+                          </m:ctrlPr>
+                        </m:dPr>
+                        <m:e>
+                          <m:r>
+                            <a:rPr kumimoji="1" lang="en-US" altLang="ja-JP" sz="2800" b="0" i="1" smtClean="0">
+                              <a:latin typeface="Cambria Math" panose="02040503050406030204" pitchFamily="18" charset="0"/>
+                            </a:rPr>
+                            <m:t>𝑝</m:t>
+                          </m:r>
+                          <m:f>
+                            <m:fPr>
+                              <m:ctrlPr>
+                                <a:rPr kumimoji="1" lang="en-US" altLang="ja-JP" sz="2800" b="0" i="1" smtClean="0">
+                                  <a:latin typeface="Cambria Math" panose="02040503050406030204" pitchFamily="18" charset="0"/>
+                                </a:rPr>
+                              </m:ctrlPr>
+                            </m:fPr>
+                            <m:num>
+                              <m:r>
+                                <a:rPr kumimoji="1" lang="en-US" altLang="ja-JP" sz="2800" b="0" i="1" smtClean="0">
+                                  <a:latin typeface="Cambria Math" panose="02040503050406030204" pitchFamily="18" charset="0"/>
+                                </a:rPr>
+                                <m:t>𝜕</m:t>
+                              </m:r>
+                              <m:r>
+                                <a:rPr kumimoji="1" lang="en-US" altLang="ja-JP" sz="2800" b="0" i="1" smtClean="0">
+                                  <a:latin typeface="Cambria Math" panose="02040503050406030204" pitchFamily="18" charset="0"/>
+                                </a:rPr>
+                                <m:t>𝐻</m:t>
+                              </m:r>
+                            </m:num>
+                            <m:den>
+                              <m:r>
+                                <a:rPr kumimoji="1" lang="en-US" altLang="ja-JP" sz="2800" b="0" i="1" smtClean="0">
+                                  <a:latin typeface="Cambria Math" panose="02040503050406030204" pitchFamily="18" charset="0"/>
+                                </a:rPr>
+                                <m:t>𝜕</m:t>
+                              </m:r>
+                              <m:r>
+                                <a:rPr kumimoji="1" lang="en-US" altLang="ja-JP" sz="2800" b="0" i="1" smtClean="0">
+                                  <a:latin typeface="Cambria Math" panose="02040503050406030204" pitchFamily="18" charset="0"/>
+                                </a:rPr>
+                                <m:t>𝑝</m:t>
+                              </m:r>
+                            </m:den>
+                          </m:f>
+                        </m:e>
+                      </m:d>
+                      <m:r>
+                        <a:rPr kumimoji="1" lang="en-US" altLang="ja-JP" sz="2800" b="0" i="1" smtClean="0">
+                          <a:latin typeface="Cambria Math" panose="02040503050406030204" pitchFamily="18" charset="0"/>
+                        </a:rPr>
+                        <m:t>=</m:t>
+                      </m:r>
+                      <m:sSup>
+                        <m:sSupPr>
+                          <m:ctrlPr>
+                            <a:rPr kumimoji="1" lang="en-US" altLang="ja-JP" sz="2800" b="0" i="1" smtClean="0">
+                              <a:latin typeface="Cambria Math" panose="02040503050406030204" pitchFamily="18" charset="0"/>
+                            </a:rPr>
+                          </m:ctrlPr>
+                        </m:sSupPr>
+                        <m:e>
+                          <m:r>
+                            <a:rPr kumimoji="1" lang="en-US" altLang="ja-JP" sz="2800" b="0" i="1" smtClean="0">
+                              <a:latin typeface="Cambria Math" panose="02040503050406030204" pitchFamily="18" charset="0"/>
+                            </a:rPr>
+                            <m:t>𝑍</m:t>
+                          </m:r>
+                        </m:e>
+                        <m:sup>
+                          <m:r>
+                            <a:rPr kumimoji="1" lang="en-US" altLang="ja-JP" sz="2800" b="0" i="1" smtClean="0">
+                              <a:latin typeface="Cambria Math" panose="02040503050406030204" pitchFamily="18" charset="0"/>
+                            </a:rPr>
+                            <m:t>−1</m:t>
+                          </m:r>
+                        </m:sup>
+                      </m:sSup>
+                      <m:nary>
+                        <m:naryPr>
+                          <m:limLoc m:val="undOvr"/>
+                          <m:subHide m:val="on"/>
+                          <m:supHide m:val="on"/>
+                          <m:ctrlPr>
+                            <a:rPr kumimoji="1" lang="en-US" altLang="ja-JP" sz="2800" b="0" i="1" smtClean="0">
+                              <a:latin typeface="Cambria Math" panose="02040503050406030204" pitchFamily="18" charset="0"/>
+                            </a:rPr>
+                          </m:ctrlPr>
+                        </m:naryPr>
+                        <m:sub/>
+                        <m:sup/>
+                        <m:e>
+                          <m:r>
+                            <a:rPr lang="en-US" altLang="ja-JP" sz="2800" i="1">
+                              <a:latin typeface="Cambria Math" panose="02040503050406030204" pitchFamily="18" charset="0"/>
+                            </a:rPr>
+                            <m:t>𝑝</m:t>
+                          </m:r>
+                          <m:f>
+                            <m:fPr>
+                              <m:ctrlPr>
+                                <a:rPr lang="en-US" altLang="ja-JP" sz="2800" i="1">
+                                  <a:latin typeface="Cambria Math" panose="02040503050406030204" pitchFamily="18" charset="0"/>
+                                </a:rPr>
+                              </m:ctrlPr>
+                            </m:fPr>
+                            <m:num>
+                              <m:r>
+                                <a:rPr lang="en-US" altLang="ja-JP" sz="2800" i="1">
+                                  <a:latin typeface="Cambria Math" panose="02040503050406030204" pitchFamily="18" charset="0"/>
+                                </a:rPr>
+                                <m:t>𝜕</m:t>
+                              </m:r>
+                              <m:r>
+                                <a:rPr lang="en-US" altLang="ja-JP" sz="2800" i="1">
+                                  <a:latin typeface="Cambria Math" panose="02040503050406030204" pitchFamily="18" charset="0"/>
+                                </a:rPr>
+                                <m:t>𝐻</m:t>
+                              </m:r>
+                            </m:num>
+                            <m:den>
+                              <m:r>
+                                <a:rPr lang="en-US" altLang="ja-JP" sz="2800" i="1">
+                                  <a:latin typeface="Cambria Math" panose="02040503050406030204" pitchFamily="18" charset="0"/>
+                                </a:rPr>
+                                <m:t>𝜕</m:t>
+                              </m:r>
+                              <m:r>
+                                <a:rPr lang="en-US" altLang="ja-JP" sz="2800" i="1">
+                                  <a:latin typeface="Cambria Math" panose="02040503050406030204" pitchFamily="18" charset="0"/>
+                                </a:rPr>
+                                <m:t>𝑝</m:t>
+                              </m:r>
+                            </m:den>
+                          </m:f>
+                          <m:func>
+                            <m:funcPr>
+                              <m:ctrlPr>
+                                <a:rPr lang="en-US" altLang="ja-JP" sz="2800" b="0" i="1" smtClean="0">
+                                  <a:latin typeface="Cambria Math" panose="02040503050406030204" pitchFamily="18" charset="0"/>
+                                </a:rPr>
+                              </m:ctrlPr>
+                            </m:funcPr>
+                            <m:fName>
+                              <m:r>
+                                <m:rPr>
+                                  <m:sty m:val="p"/>
+                                </m:rPr>
+                                <a:rPr lang="en-US" altLang="ja-JP" sz="2800" b="0" i="0" smtClean="0">
+                                  <a:latin typeface="Cambria Math" panose="02040503050406030204" pitchFamily="18" charset="0"/>
+                                </a:rPr>
+                                <m:t>exp</m:t>
+                              </m:r>
+                            </m:fName>
+                            <m:e>
+                              <m:d>
+                                <m:dPr>
+                                  <m:ctrlPr>
+                                    <a:rPr lang="en-US" altLang="ja-JP" sz="2800" b="0" i="1" smtClean="0">
+                                      <a:latin typeface="Cambria Math" panose="02040503050406030204" pitchFamily="18" charset="0"/>
+                                    </a:rPr>
+                                  </m:ctrlPr>
+                                </m:dPr>
+                                <m:e>
+                                  <m:r>
+                                    <a:rPr lang="en-US" altLang="ja-JP" sz="2800" b="0" i="1" smtClean="0">
+                                      <a:latin typeface="Cambria Math" panose="02040503050406030204" pitchFamily="18" charset="0"/>
+                                    </a:rPr>
+                                    <m:t>−</m:t>
+                                  </m:r>
+                                  <m:r>
+                                    <a:rPr lang="en-US" altLang="ja-JP" sz="2800" b="0" i="1" smtClean="0">
+                                      <a:latin typeface="Cambria Math" panose="02040503050406030204" pitchFamily="18" charset="0"/>
+                                    </a:rPr>
+                                    <m:t>𝛽</m:t>
+                                  </m:r>
+                                  <m:r>
+                                    <a:rPr lang="en-US" altLang="ja-JP" sz="2800" b="0" i="1" smtClean="0">
+                                      <a:latin typeface="Cambria Math" panose="02040503050406030204" pitchFamily="18" charset="0"/>
+                                    </a:rPr>
+                                    <m:t>𝐻</m:t>
+                                  </m:r>
+                                </m:e>
+                              </m:d>
+                              <m:r>
+                                <a:rPr lang="en-US" altLang="ja-JP" sz="2800" b="0" i="1" smtClean="0">
+                                  <a:latin typeface="Cambria Math" panose="02040503050406030204" pitchFamily="18" charset="0"/>
+                                </a:rPr>
+                                <m:t>𝑑𝑝𝑑𝑞</m:t>
+                              </m:r>
+                            </m:e>
+                          </m:func>
+                        </m:e>
+                      </m:nary>
+                    </m:oMath>
+                  </m:oMathPara>
+                </a14:m>
+                <a:endParaRPr kumimoji="1" lang="ja-JP" altLang="en-US" sz="2800"/>
+              </a:p>
+            </p:txBody>
+          </p:sp>
+        </mc:Choice>
+        <mc:Fallback>
+          <p:sp>
+            <p:nvSpPr>
+              <p:cNvPr id="8" name="テキスト ボックス 7">
+                <a:extLst>
+                  <a:ext uri="{FF2B5EF4-FFF2-40B4-BE49-F238E27FC236}">
+                    <a16:creationId xmlns:a16="http://schemas.microsoft.com/office/drawing/2014/main" id="{FC066692-2F8C-8E2E-5C1F-74F2CA9CB2DA}"/>
+                  </a:ext>
+                </a:extLst>
+              </p:cNvPr>
+              <p:cNvSpPr txBox="1">
+                <a:spLocks noRot="1" noChangeAspect="1" noMove="1" noResize="1" noEditPoints="1" noAdjustHandles="1" noChangeArrowheads="1" noChangeShapeType="1" noTextEdit="1"/>
+              </p:cNvSpPr>
+              <p:nvPr/>
+            </p:nvSpPr>
+            <p:spPr>
+              <a:xfrm>
+                <a:off x="1619672" y="5373216"/>
+                <a:ext cx="5982342" cy="1270156"/>
+              </a:xfrm>
+              <a:prstGeom prst="rect">
+                <a:avLst/>
+              </a:prstGeom>
+              <a:blipFill>
+                <a:blip r:embed="rId4"/>
+                <a:stretch>
+                  <a:fillRect/>
+                </a:stretch>
+              </a:blipFill>
+            </p:spPr>
+            <p:txBody>
+              <a:bodyPr/>
+              <a:lstStyle/>
+              <a:p>
+                <a:r>
+                  <a:rPr lang="ja-JP" altLang="en-US">
+                    <a:noFill/>
+                  </a:rPr>
+                  <a:t> </a:t>
+                </a:r>
+              </a:p>
+            </p:txBody>
+          </p:sp>
+        </mc:Fallback>
+      </mc:AlternateContent>
+      <mc:AlternateContent xmlns:mc="http://schemas.openxmlformats.org/markup-compatibility/2006">
+        <mc:Choice xmlns:a14="http://schemas.microsoft.com/office/drawing/2010/main" Requires="a14">
+          <p:sp>
+            <p:nvSpPr>
+              <p:cNvPr id="9" name="テキスト ボックス 8">
+                <a:extLst>
+                  <a:ext uri="{FF2B5EF4-FFF2-40B4-BE49-F238E27FC236}">
+                    <a16:creationId xmlns:a16="http://schemas.microsoft.com/office/drawing/2014/main" id="{0F0399A3-65CB-B6A2-D1CB-C4BE4A99341B}"/>
+                  </a:ext>
+                </a:extLst>
+              </p:cNvPr>
+              <p:cNvSpPr txBox="1"/>
+              <p:nvPr/>
+            </p:nvSpPr>
+            <p:spPr>
+              <a:xfrm>
+                <a:off x="3203848" y="2636912"/>
+                <a:ext cx="3213893" cy="1384033"/>
+              </a:xfrm>
+              <a:prstGeom prst="rect">
+                <a:avLst/>
+              </a:prstGeom>
+              <a:noFill/>
+            </p:spPr>
+            <p:txBody>
+              <a:bodyPr wrap="none" rtlCol="0">
+                <a:spAutoFit/>
+              </a:bodyPr>
+              <a:lstStyle/>
+              <a:p>
+                <a14:m>
+                  <m:oMathPara xmlns:m="http://schemas.openxmlformats.org/officeDocument/2006/math">
+                    <m:oMathParaPr>
+                      <m:jc m:val="centerGroup"/>
+                    </m:oMathParaPr>
+                    <m:oMath xmlns:m="http://schemas.openxmlformats.org/officeDocument/2006/math">
+                      <m:d>
+                        <m:dPr>
+                          <m:begChr m:val="⟨"/>
+                          <m:endChr m:val="⟩"/>
+                          <m:ctrlPr>
+                            <a:rPr kumimoji="1" lang="en-US" altLang="ja-JP" sz="3200" i="1" smtClean="0">
+                              <a:latin typeface="Cambria Math" panose="02040503050406030204" pitchFamily="18" charset="0"/>
+                            </a:rPr>
+                          </m:ctrlPr>
+                        </m:dPr>
+                        <m:e>
+                          <m:r>
+                            <a:rPr kumimoji="1" lang="en-US" altLang="ja-JP" sz="3200" b="0" i="1" smtClean="0">
+                              <a:latin typeface="Cambria Math" panose="02040503050406030204" pitchFamily="18" charset="0"/>
+                            </a:rPr>
+                            <m:t>𝐴</m:t>
+                          </m:r>
+                        </m:e>
+                      </m:d>
+                      <m:r>
+                        <a:rPr kumimoji="1" lang="en-US" altLang="ja-JP" sz="3200" b="0" i="1" smtClean="0">
+                          <a:latin typeface="Cambria Math" panose="02040503050406030204" pitchFamily="18" charset="0"/>
+                        </a:rPr>
+                        <m:t>≡</m:t>
+                      </m:r>
+                      <m:nary>
+                        <m:naryPr>
+                          <m:limLoc m:val="undOvr"/>
+                          <m:subHide m:val="on"/>
+                          <m:supHide m:val="on"/>
+                          <m:ctrlPr>
+                            <a:rPr kumimoji="1" lang="en-US" altLang="ja-JP" sz="3200" b="0" i="1" smtClean="0">
+                              <a:latin typeface="Cambria Math" panose="02040503050406030204" pitchFamily="18" charset="0"/>
+                            </a:rPr>
+                          </m:ctrlPr>
+                        </m:naryPr>
+                        <m:sub/>
+                        <m:sup/>
+                        <m:e>
+                          <m:r>
+                            <a:rPr kumimoji="1" lang="en-US" altLang="ja-JP" sz="3200" b="0" i="1" smtClean="0">
+                              <a:latin typeface="Cambria Math" panose="02040503050406030204" pitchFamily="18" charset="0"/>
+                            </a:rPr>
+                            <m:t>𝐴𝑓𝑑𝑝𝑑𝑞</m:t>
+                          </m:r>
+                        </m:e>
+                      </m:nary>
+                    </m:oMath>
+                  </m:oMathPara>
+                </a14:m>
+                <a:endParaRPr kumimoji="1" lang="ja-JP" altLang="en-US" sz="3200"/>
+              </a:p>
+            </p:txBody>
+          </p:sp>
+        </mc:Choice>
+        <mc:Fallback>
+          <p:sp>
+            <p:nvSpPr>
+              <p:cNvPr id="9" name="テキスト ボックス 8">
+                <a:extLst>
+                  <a:ext uri="{FF2B5EF4-FFF2-40B4-BE49-F238E27FC236}">
+                    <a16:creationId xmlns:a16="http://schemas.microsoft.com/office/drawing/2014/main" id="{0F0399A3-65CB-B6A2-D1CB-C4BE4A99341B}"/>
+                  </a:ext>
+                </a:extLst>
+              </p:cNvPr>
+              <p:cNvSpPr txBox="1">
+                <a:spLocks noRot="1" noChangeAspect="1" noMove="1" noResize="1" noEditPoints="1" noAdjustHandles="1" noChangeArrowheads="1" noChangeShapeType="1" noTextEdit="1"/>
+              </p:cNvSpPr>
+              <p:nvPr/>
+            </p:nvSpPr>
+            <p:spPr>
+              <a:xfrm>
+                <a:off x="3203848" y="2636912"/>
+                <a:ext cx="3213893" cy="1384033"/>
+              </a:xfrm>
+              <a:prstGeom prst="rect">
+                <a:avLst/>
+              </a:prstGeom>
+              <a:blipFill>
+                <a:blip r:embed="rId5"/>
+                <a:stretch>
+                  <a:fillRect/>
+                </a:stretch>
+              </a:blipFill>
+            </p:spPr>
+            <p:txBody>
+              <a:bodyPr/>
+              <a:lstStyle/>
+              <a:p>
+                <a:r>
+                  <a:rPr lang="ja-JP" altLang="en-US">
+                    <a:noFill/>
+                  </a:rPr>
+                  <a:t> </a:t>
+                </a:r>
+              </a:p>
+            </p:txBody>
+          </p:sp>
+        </mc:Fallback>
+      </mc:AlternateContent>
+      <mc:AlternateContent xmlns:mc="http://schemas.openxmlformats.org/markup-compatibility/2006">
+        <mc:Choice xmlns:a14="http://schemas.microsoft.com/office/drawing/2010/main" Requires="a14">
+          <p:sp>
+            <p:nvSpPr>
+              <p:cNvPr id="11" name="テキスト ボックス 10">
+                <a:extLst>
+                  <a:ext uri="{FF2B5EF4-FFF2-40B4-BE49-F238E27FC236}">
+                    <a16:creationId xmlns:a16="http://schemas.microsoft.com/office/drawing/2014/main" id="{A9CDD499-11A4-B675-7A17-6A9048EA4267}"/>
+                  </a:ext>
+                </a:extLst>
+              </p:cNvPr>
+              <p:cNvSpPr txBox="1"/>
+              <p:nvPr/>
+            </p:nvSpPr>
+            <p:spPr>
+              <a:xfrm>
+                <a:off x="5508104" y="4077072"/>
+                <a:ext cx="2949744" cy="461665"/>
+              </a:xfrm>
+              <a:prstGeom prst="rect">
+                <a:avLst/>
+              </a:prstGeom>
+              <a:noFill/>
+            </p:spPr>
+            <p:txBody>
+              <a:bodyPr wrap="square">
+                <a:spAutoFit/>
+              </a:bodyPr>
+              <a:lstStyle/>
+              <a:p>
+                <a:pPr/>
+                <a14:m>
+                  <m:oMathPara xmlns:m="http://schemas.openxmlformats.org/officeDocument/2006/math">
+                    <m:oMathParaPr>
+                      <m:jc m:val="centerGroup"/>
+                    </m:oMathParaPr>
+                    <m:oMath xmlns:m="http://schemas.openxmlformats.org/officeDocument/2006/math">
+                      <m:r>
+                        <a:rPr kumimoji="1" lang="en-US" altLang="ja-JP" sz="2400" b="0" i="1" smtClean="0">
+                          <a:latin typeface="Cambria Math" panose="02040503050406030204" pitchFamily="18" charset="0"/>
+                        </a:rPr>
+                        <m:t>𝑓</m:t>
+                      </m:r>
+                      <m:r>
+                        <a:rPr kumimoji="1" lang="en-US" altLang="ja-JP" sz="2400" b="0" i="1" smtClean="0">
+                          <a:latin typeface="Cambria Math" panose="02040503050406030204" pitchFamily="18" charset="0"/>
+                        </a:rPr>
+                        <m:t>=</m:t>
+                      </m:r>
+                      <m:sSup>
+                        <m:sSupPr>
+                          <m:ctrlPr>
+                            <a:rPr kumimoji="1" lang="en-US" altLang="ja-JP" sz="2400" b="0" i="1" smtClean="0">
+                              <a:latin typeface="Cambria Math" panose="02040503050406030204" pitchFamily="18" charset="0"/>
+                            </a:rPr>
+                          </m:ctrlPr>
+                        </m:sSupPr>
+                        <m:e>
+                          <m:r>
+                            <a:rPr kumimoji="1" lang="en-US" altLang="ja-JP" sz="2400" b="0" i="1" smtClean="0">
+                              <a:latin typeface="Cambria Math" panose="02040503050406030204" pitchFamily="18" charset="0"/>
+                            </a:rPr>
+                            <m:t>𝑍</m:t>
+                          </m:r>
+                        </m:e>
+                        <m:sup>
+                          <m:r>
+                            <a:rPr kumimoji="1" lang="en-US" altLang="ja-JP" sz="2400" b="0" i="1" smtClean="0">
+                              <a:latin typeface="Cambria Math" panose="02040503050406030204" pitchFamily="18" charset="0"/>
+                            </a:rPr>
+                            <m:t>−1</m:t>
+                          </m:r>
+                        </m:sup>
+                      </m:sSup>
+                      <m:r>
+                        <m:rPr>
+                          <m:sty m:val="p"/>
+                        </m:rPr>
+                        <a:rPr kumimoji="1" lang="en-US" altLang="ja-JP" sz="2400" b="0" i="0" smtClean="0">
+                          <a:latin typeface="Cambria Math" panose="02040503050406030204" pitchFamily="18" charset="0"/>
+                        </a:rPr>
+                        <m:t>exp</m:t>
+                      </m:r>
+                      <m:r>
+                        <a:rPr kumimoji="1" lang="en-US" altLang="ja-JP" sz="2400" b="0" i="1" smtClean="0">
+                          <a:latin typeface="Cambria Math" panose="02040503050406030204" pitchFamily="18" charset="0"/>
+                        </a:rPr>
+                        <m:t>⁡(−</m:t>
+                      </m:r>
+                      <m:r>
+                        <a:rPr kumimoji="1" lang="en-US" altLang="ja-JP" sz="2400" b="0" i="1" smtClean="0">
+                          <a:latin typeface="Cambria Math" panose="02040503050406030204" pitchFamily="18" charset="0"/>
+                        </a:rPr>
+                        <m:t>𝛽</m:t>
+                      </m:r>
+                      <m:r>
+                        <a:rPr kumimoji="1" lang="en-US" altLang="ja-JP" sz="2400" b="0" i="1" smtClean="0">
+                          <a:latin typeface="Cambria Math" panose="02040503050406030204" pitchFamily="18" charset="0"/>
+                        </a:rPr>
+                        <m:t>𝐻</m:t>
+                      </m:r>
+                      <m:r>
+                        <a:rPr kumimoji="1" lang="en-US" altLang="ja-JP" sz="2400" b="0" i="1" smtClean="0">
+                          <a:latin typeface="Cambria Math" panose="02040503050406030204" pitchFamily="18" charset="0"/>
+                        </a:rPr>
+                        <m:t>)</m:t>
+                      </m:r>
+                    </m:oMath>
+                  </m:oMathPara>
+                </a14:m>
+                <a:endParaRPr lang="ja-JP" altLang="en-US" sz="2400"/>
+              </a:p>
+            </p:txBody>
+          </p:sp>
+        </mc:Choice>
+        <mc:Fallback>
+          <p:sp>
+            <p:nvSpPr>
+              <p:cNvPr id="11" name="テキスト ボックス 10">
+                <a:extLst>
+                  <a:ext uri="{FF2B5EF4-FFF2-40B4-BE49-F238E27FC236}">
+                    <a16:creationId xmlns:a16="http://schemas.microsoft.com/office/drawing/2014/main" id="{A9CDD499-11A4-B675-7A17-6A9048EA4267}"/>
+                  </a:ext>
+                </a:extLst>
+              </p:cNvPr>
+              <p:cNvSpPr txBox="1">
+                <a:spLocks noRot="1" noChangeAspect="1" noMove="1" noResize="1" noEditPoints="1" noAdjustHandles="1" noChangeArrowheads="1" noChangeShapeType="1" noTextEdit="1"/>
+              </p:cNvSpPr>
+              <p:nvPr/>
+            </p:nvSpPr>
+            <p:spPr>
+              <a:xfrm>
+                <a:off x="5508104" y="4077072"/>
+                <a:ext cx="2949744" cy="461665"/>
+              </a:xfrm>
+              <a:prstGeom prst="rect">
+                <a:avLst/>
+              </a:prstGeom>
+              <a:blipFill>
+                <a:blip r:embed="rId6"/>
+                <a:stretch>
+                  <a:fillRect b="-19737"/>
+                </a:stretch>
+              </a:blipFill>
+            </p:spPr>
+            <p:txBody>
+              <a:bodyPr/>
+              <a:lstStyle/>
+              <a:p>
+                <a:r>
+                  <a:rPr lang="ja-JP" altLang="en-US">
+                    <a:noFill/>
+                  </a:rPr>
+                  <a:t> </a:t>
+                </a:r>
+              </a:p>
+            </p:txBody>
+          </p:sp>
+        </mc:Fallback>
+      </mc:AlternateContent>
+      <p:sp>
+        <p:nvSpPr>
+          <p:cNvPr id="13" name="テキスト ボックス 12">
+            <a:extLst>
+              <a:ext uri="{FF2B5EF4-FFF2-40B4-BE49-F238E27FC236}">
+                <a16:creationId xmlns:a16="http://schemas.microsoft.com/office/drawing/2014/main" id="{7E915953-45A0-0AD4-66DD-B36A5D4DC30C}"/>
+              </a:ext>
+            </a:extLst>
+          </p:cNvPr>
+          <p:cNvSpPr txBox="1"/>
+          <p:nvPr/>
+        </p:nvSpPr>
+        <p:spPr>
+          <a:xfrm>
+            <a:off x="467544" y="1916832"/>
+            <a:ext cx="4572000" cy="523220"/>
+          </a:xfrm>
+          <a:prstGeom prst="rect">
+            <a:avLst/>
+          </a:prstGeom>
+          <a:noFill/>
+        </p:spPr>
+        <p:txBody>
+          <a:bodyPr wrap="square">
+            <a:spAutoFit/>
+          </a:bodyPr>
+          <a:lstStyle/>
+          <a:p>
+            <a:r>
+              <a:rPr kumimoji="1" lang="ja-JP" altLang="en-US" sz="2800"/>
+              <a:t>物理量の期待値を考える</a:t>
+            </a:r>
+          </a:p>
+        </p:txBody>
+      </p:sp>
+      <mc:AlternateContent xmlns:mc="http://schemas.openxmlformats.org/markup-compatibility/2006">
+        <mc:Choice xmlns:a14="http://schemas.microsoft.com/office/drawing/2010/main" Requires="a14">
+          <p:sp>
+            <p:nvSpPr>
+              <p:cNvPr id="14" name="テキスト ボックス 13">
+                <a:extLst>
+                  <a:ext uri="{FF2B5EF4-FFF2-40B4-BE49-F238E27FC236}">
+                    <a16:creationId xmlns:a16="http://schemas.microsoft.com/office/drawing/2014/main" id="{B14B8C1F-E6B0-C1E1-C420-6ACBD48BFBE0}"/>
+                  </a:ext>
+                </a:extLst>
+              </p:cNvPr>
+              <p:cNvSpPr txBox="1"/>
+              <p:nvPr/>
+            </p:nvSpPr>
+            <p:spPr>
+              <a:xfrm>
+                <a:off x="539552" y="3068960"/>
+                <a:ext cx="2537682" cy="461665"/>
+              </a:xfrm>
+              <a:prstGeom prst="rect">
+                <a:avLst/>
+              </a:prstGeom>
+              <a:noFill/>
+            </p:spPr>
+            <p:txBody>
+              <a:bodyPr wrap="none" rtlCol="0">
+                <a:spAutoFit/>
+              </a:bodyPr>
+              <a:lstStyle/>
+              <a:p>
+                <a:r>
+                  <a:rPr lang="ja-JP" altLang="en-US" sz="2400"/>
+                  <a:t>物理量</a:t>
+                </a:r>
+                <a14:m>
+                  <m:oMath xmlns:m="http://schemas.openxmlformats.org/officeDocument/2006/math">
+                    <m:r>
+                      <a:rPr lang="en-US" altLang="ja-JP" sz="2400" b="0" i="1" smtClean="0">
+                        <a:latin typeface="Cambria Math" panose="02040503050406030204" pitchFamily="18" charset="0"/>
+                      </a:rPr>
+                      <m:t>𝐴</m:t>
+                    </m:r>
+                  </m:oMath>
+                </a14:m>
+                <a:r>
+                  <a:rPr lang="ja-JP" altLang="en-US" sz="2400"/>
+                  <a:t>の期待値</a:t>
+                </a:r>
+                <a:endParaRPr kumimoji="1" lang="ja-JP" altLang="en-US" sz="2400"/>
+              </a:p>
+            </p:txBody>
+          </p:sp>
+        </mc:Choice>
+        <mc:Fallback>
+          <p:sp>
+            <p:nvSpPr>
+              <p:cNvPr id="14" name="テキスト ボックス 13">
+                <a:extLst>
+                  <a:ext uri="{FF2B5EF4-FFF2-40B4-BE49-F238E27FC236}">
+                    <a16:creationId xmlns:a16="http://schemas.microsoft.com/office/drawing/2014/main" id="{B14B8C1F-E6B0-C1E1-C420-6ACBD48BFBE0}"/>
+                  </a:ext>
+                </a:extLst>
+              </p:cNvPr>
+              <p:cNvSpPr txBox="1">
+                <a:spLocks noRot="1" noChangeAspect="1" noMove="1" noResize="1" noEditPoints="1" noAdjustHandles="1" noChangeArrowheads="1" noChangeShapeType="1" noTextEdit="1"/>
+              </p:cNvSpPr>
+              <p:nvPr/>
+            </p:nvSpPr>
+            <p:spPr>
+              <a:xfrm>
+                <a:off x="539552" y="3068960"/>
+                <a:ext cx="2537682" cy="461665"/>
+              </a:xfrm>
+              <a:prstGeom prst="rect">
+                <a:avLst/>
+              </a:prstGeom>
+              <a:blipFill>
+                <a:blip r:embed="rId7"/>
+                <a:stretch>
+                  <a:fillRect l="-3846" t="-14474" r="-2644" b="-25000"/>
+                </a:stretch>
+              </a:blipFill>
+            </p:spPr>
+            <p:txBody>
+              <a:bodyPr/>
+              <a:lstStyle/>
+              <a:p>
+                <a:r>
+                  <a:rPr lang="ja-JP" altLang="en-US">
+                    <a:noFill/>
+                  </a:rPr>
+                  <a:t> </a:t>
+                </a:r>
+              </a:p>
+            </p:txBody>
+          </p:sp>
+        </mc:Fallback>
+      </mc:AlternateContent>
+      <mc:AlternateContent xmlns:mc="http://schemas.openxmlformats.org/markup-compatibility/2006">
+        <mc:Choice xmlns:a14="http://schemas.microsoft.com/office/drawing/2010/main" Requires="a14">
+          <p:sp>
+            <p:nvSpPr>
+              <p:cNvPr id="15" name="テキスト ボックス 14">
+                <a:extLst>
+                  <a:ext uri="{FF2B5EF4-FFF2-40B4-BE49-F238E27FC236}">
+                    <a16:creationId xmlns:a16="http://schemas.microsoft.com/office/drawing/2014/main" id="{24DC99F7-F5F1-1E66-C712-706B820F6CA6}"/>
+                  </a:ext>
+                </a:extLst>
+              </p:cNvPr>
+              <p:cNvSpPr txBox="1"/>
+              <p:nvPr/>
+            </p:nvSpPr>
+            <p:spPr>
+              <a:xfrm>
+                <a:off x="1835696" y="4077072"/>
+                <a:ext cx="2016224" cy="490199"/>
+              </a:xfrm>
+              <a:prstGeom prst="rect">
+                <a:avLst/>
+              </a:prstGeom>
+              <a:noFill/>
+            </p:spPr>
+            <p:txBody>
+              <a:bodyPr wrap="square">
+                <a:spAutoFit/>
+              </a:bodyPr>
+              <a:lstStyle/>
+              <a:p>
+                <a:pPr/>
+                <a14:m>
+                  <m:oMathPara xmlns:m="http://schemas.openxmlformats.org/officeDocument/2006/math">
+                    <m:oMathParaPr>
+                      <m:jc m:val="centerGroup"/>
+                    </m:oMathParaPr>
+                    <m:oMath xmlns:m="http://schemas.openxmlformats.org/officeDocument/2006/math">
+                      <m:r>
+                        <a:rPr kumimoji="1" lang="en-US" altLang="ja-JP" sz="2400" b="0" i="1" smtClean="0">
+                          <a:latin typeface="Cambria Math" panose="02040503050406030204" pitchFamily="18" charset="0"/>
+                        </a:rPr>
+                        <m:t>𝐴</m:t>
+                      </m:r>
+                      <m:r>
+                        <a:rPr kumimoji="1" lang="en-US" altLang="ja-JP" sz="2400" b="0" i="1" smtClean="0">
+                          <a:latin typeface="Cambria Math" panose="02040503050406030204" pitchFamily="18" charset="0"/>
+                        </a:rPr>
+                        <m:t>=</m:t>
+                      </m:r>
+                      <m:sSub>
+                        <m:sSubPr>
+                          <m:ctrlPr>
+                            <a:rPr kumimoji="1" lang="en-US" altLang="ja-JP" sz="2400" b="0" i="1" smtClean="0">
+                              <a:latin typeface="Cambria Math" panose="02040503050406030204" pitchFamily="18" charset="0"/>
+                            </a:rPr>
+                          </m:ctrlPr>
+                        </m:sSubPr>
+                        <m:e>
+                          <m:r>
+                            <a:rPr kumimoji="1" lang="en-US" altLang="ja-JP" sz="2400" b="0" i="1" smtClean="0">
+                              <a:latin typeface="Cambria Math" panose="02040503050406030204" pitchFamily="18" charset="0"/>
+                            </a:rPr>
+                            <m:t>𝑝</m:t>
+                          </m:r>
+                          <m:r>
+                            <a:rPr kumimoji="1" lang="en-US" altLang="ja-JP" sz="2400" b="0" i="1" smtClean="0">
+                              <a:latin typeface="Cambria Math" panose="02040503050406030204" pitchFamily="18" charset="0"/>
+                            </a:rPr>
+                            <m:t>𝜕</m:t>
+                          </m:r>
+                        </m:e>
+                        <m:sub>
+                          <m:r>
+                            <a:rPr kumimoji="1" lang="en-US" altLang="ja-JP" sz="2400" b="0" i="1" smtClean="0">
+                              <a:latin typeface="Cambria Math" panose="02040503050406030204" pitchFamily="18" charset="0"/>
+                            </a:rPr>
+                            <m:t>𝑝</m:t>
+                          </m:r>
+                        </m:sub>
+                      </m:sSub>
+                      <m:r>
+                        <a:rPr kumimoji="1" lang="en-US" altLang="ja-JP" sz="2400" b="0" i="1" smtClean="0">
+                          <a:latin typeface="Cambria Math" panose="02040503050406030204" pitchFamily="18" charset="0"/>
+                        </a:rPr>
+                        <m:t>𝐻</m:t>
+                      </m:r>
+                    </m:oMath>
+                  </m:oMathPara>
+                </a14:m>
+                <a:endParaRPr lang="ja-JP" altLang="en-US" sz="2400"/>
+              </a:p>
+            </p:txBody>
+          </p:sp>
+        </mc:Choice>
+        <mc:Fallback>
+          <p:sp>
+            <p:nvSpPr>
+              <p:cNvPr id="15" name="テキスト ボックス 14">
+                <a:extLst>
+                  <a:ext uri="{FF2B5EF4-FFF2-40B4-BE49-F238E27FC236}">
+                    <a16:creationId xmlns:a16="http://schemas.microsoft.com/office/drawing/2014/main" id="{24DC99F7-F5F1-1E66-C712-706B820F6CA6}"/>
+                  </a:ext>
+                </a:extLst>
+              </p:cNvPr>
+              <p:cNvSpPr txBox="1">
+                <a:spLocks noRot="1" noChangeAspect="1" noMove="1" noResize="1" noEditPoints="1" noAdjustHandles="1" noChangeArrowheads="1" noChangeShapeType="1" noTextEdit="1"/>
+              </p:cNvSpPr>
+              <p:nvPr/>
+            </p:nvSpPr>
+            <p:spPr>
+              <a:xfrm>
+                <a:off x="1835696" y="4077072"/>
+                <a:ext cx="2016224" cy="490199"/>
+              </a:xfrm>
+              <a:prstGeom prst="rect">
+                <a:avLst/>
+              </a:prstGeom>
+              <a:blipFill>
+                <a:blip r:embed="rId8"/>
+                <a:stretch>
+                  <a:fillRect b="-6250"/>
+                </a:stretch>
+              </a:blipFill>
+            </p:spPr>
+            <p:txBody>
+              <a:bodyPr/>
+              <a:lstStyle/>
+              <a:p>
+                <a:r>
+                  <a:rPr lang="ja-JP" altLang="en-US">
+                    <a:noFill/>
+                  </a:rPr>
+                  <a:t> </a:t>
+                </a:r>
+              </a:p>
+            </p:txBody>
+          </p:sp>
+        </mc:Fallback>
+      </mc:AlternateContent>
+      <p:sp>
+        <p:nvSpPr>
+          <p:cNvPr id="16" name="楕円 15">
+            <a:extLst>
+              <a:ext uri="{FF2B5EF4-FFF2-40B4-BE49-F238E27FC236}">
+                <a16:creationId xmlns:a16="http://schemas.microsoft.com/office/drawing/2014/main" id="{5AC7C736-261D-276A-0AE6-CEC2A6D3E5F3}"/>
+              </a:ext>
+            </a:extLst>
+          </p:cNvPr>
+          <p:cNvSpPr/>
+          <p:nvPr/>
+        </p:nvSpPr>
+        <p:spPr>
+          <a:xfrm>
+            <a:off x="3563888" y="3429000"/>
+            <a:ext cx="144016" cy="144016"/>
+          </a:xfrm>
+          <a:prstGeom prst="ellipse">
+            <a:avLst/>
+          </a:prstGeom>
+          <a:solidFill>
+            <a:srgbClr val="FF0000"/>
+          </a:solidFill>
+          <a:ln>
+            <a:solidFill>
+              <a:schemeClr val="tx1"/>
+            </a:solidFill>
+          </a:ln>
+        </p:spPr>
+        <p:style>
+          <a:lnRef idx="2">
+            <a:schemeClr val="accent1">
+              <a:shade val="50000"/>
+            </a:schemeClr>
+          </a:lnRef>
+          <a:fillRef idx="1">
+            <a:schemeClr val="accent1"/>
+          </a:fillRef>
+          <a:effectRef idx="0">
+            <a:schemeClr val="accent1"/>
+          </a:effectRef>
+          <a:fontRef idx="minor">
+            <a:schemeClr val="lt1"/>
+          </a:fontRef>
+        </p:style>
+        <p:txBody>
+          <a:bodyPr rtlCol="0" anchor="ctr"/>
+          <a:lstStyle/>
+          <a:p>
+            <a:pPr algn="ctr"/>
+            <a:endParaRPr kumimoji="1" lang="ja-JP" altLang="en-US"/>
+          </a:p>
+        </p:txBody>
+      </p:sp>
+      <p:sp>
+        <p:nvSpPr>
+          <p:cNvPr id="17" name="楕円 16">
+            <a:extLst>
+              <a:ext uri="{FF2B5EF4-FFF2-40B4-BE49-F238E27FC236}">
+                <a16:creationId xmlns:a16="http://schemas.microsoft.com/office/drawing/2014/main" id="{3EF8142E-3FFB-DD81-8F21-F6E153A712DB}"/>
+              </a:ext>
+            </a:extLst>
+          </p:cNvPr>
+          <p:cNvSpPr/>
+          <p:nvPr/>
+        </p:nvSpPr>
+        <p:spPr>
+          <a:xfrm>
+            <a:off x="4860032" y="3439160"/>
+            <a:ext cx="144016" cy="144016"/>
+          </a:xfrm>
+          <a:prstGeom prst="ellipse">
+            <a:avLst/>
+          </a:prstGeom>
+          <a:solidFill>
+            <a:srgbClr val="FF0000"/>
+          </a:solidFill>
+          <a:ln>
+            <a:solidFill>
+              <a:schemeClr val="tx1"/>
+            </a:solidFill>
+          </a:ln>
+        </p:spPr>
+        <p:style>
+          <a:lnRef idx="2">
+            <a:schemeClr val="accent1">
+              <a:shade val="50000"/>
+            </a:schemeClr>
+          </a:lnRef>
+          <a:fillRef idx="1">
+            <a:schemeClr val="accent1"/>
+          </a:fillRef>
+          <a:effectRef idx="0">
+            <a:schemeClr val="accent1"/>
+          </a:effectRef>
+          <a:fontRef idx="minor">
+            <a:schemeClr val="lt1"/>
+          </a:fontRef>
+        </p:style>
+        <p:txBody>
+          <a:bodyPr rtlCol="0" anchor="ctr"/>
+          <a:lstStyle/>
+          <a:p>
+            <a:pPr algn="ctr"/>
+            <a:endParaRPr kumimoji="1" lang="ja-JP" altLang="en-US"/>
+          </a:p>
+        </p:txBody>
+      </p:sp>
+      <p:cxnSp>
+        <p:nvCxnSpPr>
+          <p:cNvPr id="19" name="コネクタ: カギ線 18">
+            <a:extLst>
+              <a:ext uri="{FF2B5EF4-FFF2-40B4-BE49-F238E27FC236}">
+                <a16:creationId xmlns:a16="http://schemas.microsoft.com/office/drawing/2014/main" id="{D8EC69C8-D91B-FC09-522A-46F85059FC5E}"/>
+              </a:ext>
+            </a:extLst>
+          </p:cNvPr>
+          <p:cNvCxnSpPr>
+            <a:stCxn id="15" idx="0"/>
+            <a:endCxn id="16" idx="3"/>
+          </p:cNvCxnSpPr>
+          <p:nvPr/>
+        </p:nvCxnSpPr>
+        <p:spPr>
+          <a:xfrm rot="5400000" flipH="1" flipV="1">
+            <a:off x="2951820" y="3443914"/>
+            <a:ext cx="525147" cy="741171"/>
+          </a:xfrm>
+          <a:prstGeom prst="bentConnector3">
+            <a:avLst/>
+          </a:prstGeom>
+          <a:ln>
+            <a:solidFill>
+              <a:schemeClr val="tx1"/>
+            </a:solidFill>
+            <a:headEnd type="none" w="med" len="med"/>
+            <a:tailEnd type="triangle"/>
+          </a:ln>
+        </p:spPr>
+        <p:style>
+          <a:lnRef idx="1">
+            <a:schemeClr val="accent1"/>
+          </a:lnRef>
+          <a:fillRef idx="0">
+            <a:schemeClr val="accent1"/>
+          </a:fillRef>
+          <a:effectRef idx="0">
+            <a:schemeClr val="accent1"/>
+          </a:effectRef>
+          <a:fontRef idx="minor">
+            <a:schemeClr val="tx1"/>
+          </a:fontRef>
+        </p:style>
+      </p:cxnSp>
+      <p:cxnSp>
+        <p:nvCxnSpPr>
+          <p:cNvPr id="21" name="コネクタ: カギ線 20">
+            <a:extLst>
+              <a:ext uri="{FF2B5EF4-FFF2-40B4-BE49-F238E27FC236}">
+                <a16:creationId xmlns:a16="http://schemas.microsoft.com/office/drawing/2014/main" id="{A6A23D03-8AE2-02D5-7C3B-F223B2A5DB42}"/>
+              </a:ext>
+            </a:extLst>
+          </p:cNvPr>
+          <p:cNvCxnSpPr>
+            <a:stCxn id="15" idx="0"/>
+            <a:endCxn id="17" idx="4"/>
+          </p:cNvCxnSpPr>
+          <p:nvPr/>
+        </p:nvCxnSpPr>
+        <p:spPr>
+          <a:xfrm rot="5400000" flipH="1" flipV="1">
+            <a:off x="3640976" y="2786008"/>
+            <a:ext cx="493896" cy="2088232"/>
+          </a:xfrm>
+          <a:prstGeom prst="bentConnector3">
+            <a:avLst/>
+          </a:prstGeom>
+          <a:ln>
+            <a:solidFill>
+              <a:schemeClr val="tx1"/>
+            </a:solidFill>
+            <a:headEnd type="none" w="med" len="med"/>
+            <a:tailEnd type="triangle"/>
+          </a:ln>
+        </p:spPr>
+        <p:style>
+          <a:lnRef idx="1">
+            <a:schemeClr val="accent1"/>
+          </a:lnRef>
+          <a:fillRef idx="0">
+            <a:schemeClr val="accent1"/>
+          </a:fillRef>
+          <a:effectRef idx="0">
+            <a:schemeClr val="accent1"/>
+          </a:effectRef>
+          <a:fontRef idx="minor">
+            <a:schemeClr val="tx1"/>
+          </a:fontRef>
+        </p:style>
+      </p:cxnSp>
+      <p:sp>
+        <p:nvSpPr>
+          <p:cNvPr id="22" name="テキスト ボックス 21">
+            <a:extLst>
+              <a:ext uri="{FF2B5EF4-FFF2-40B4-BE49-F238E27FC236}">
+                <a16:creationId xmlns:a16="http://schemas.microsoft.com/office/drawing/2014/main" id="{FBEAB1C5-4EC1-1F02-7238-FBAE52C98EFE}"/>
+              </a:ext>
+            </a:extLst>
+          </p:cNvPr>
+          <p:cNvSpPr txBox="1"/>
+          <p:nvPr/>
+        </p:nvSpPr>
+        <p:spPr>
+          <a:xfrm>
+            <a:off x="1043608" y="4581128"/>
+            <a:ext cx="2723823" cy="369332"/>
+          </a:xfrm>
+          <a:prstGeom prst="rect">
+            <a:avLst/>
+          </a:prstGeom>
+          <a:noFill/>
+        </p:spPr>
+        <p:txBody>
+          <a:bodyPr wrap="none" rtlCol="0">
+            <a:spAutoFit/>
+          </a:bodyPr>
+          <a:lstStyle/>
+          <a:p>
+            <a:r>
+              <a:rPr lang="ja-JP" altLang="en-US"/>
+              <a:t>期待値を求めたい物理量</a:t>
+            </a:r>
+            <a:endParaRPr kumimoji="1" lang="ja-JP" altLang="en-US"/>
+          </a:p>
+        </p:txBody>
+      </p:sp>
+      <p:sp>
+        <p:nvSpPr>
+          <p:cNvPr id="24" name="楕円 23">
+            <a:extLst>
+              <a:ext uri="{FF2B5EF4-FFF2-40B4-BE49-F238E27FC236}">
+                <a16:creationId xmlns:a16="http://schemas.microsoft.com/office/drawing/2014/main" id="{1FF11991-5CEB-7124-623F-88939EA1E020}"/>
+              </a:ext>
+            </a:extLst>
+          </p:cNvPr>
+          <p:cNvSpPr/>
+          <p:nvPr/>
+        </p:nvSpPr>
+        <p:spPr>
+          <a:xfrm>
+            <a:off x="5148064" y="3470528"/>
+            <a:ext cx="144016" cy="144016"/>
+          </a:xfrm>
+          <a:prstGeom prst="ellipse">
+            <a:avLst/>
+          </a:prstGeom>
+          <a:solidFill>
+            <a:srgbClr val="011893"/>
+          </a:solidFill>
+          <a:ln>
+            <a:solidFill>
+              <a:schemeClr val="tx1"/>
+            </a:solidFill>
+          </a:ln>
+        </p:spPr>
+        <p:style>
+          <a:lnRef idx="2">
+            <a:schemeClr val="accent1">
+              <a:shade val="50000"/>
+            </a:schemeClr>
+          </a:lnRef>
+          <a:fillRef idx="1">
+            <a:schemeClr val="accent1"/>
+          </a:fillRef>
+          <a:effectRef idx="0">
+            <a:schemeClr val="accent1"/>
+          </a:effectRef>
+          <a:fontRef idx="minor">
+            <a:schemeClr val="lt1"/>
+          </a:fontRef>
+        </p:style>
+        <p:txBody>
+          <a:bodyPr rtlCol="0" anchor="ctr"/>
+          <a:lstStyle/>
+          <a:p>
+            <a:pPr algn="ctr"/>
+            <a:endParaRPr kumimoji="1" lang="ja-JP" altLang="en-US"/>
+          </a:p>
+        </p:txBody>
+      </p:sp>
+      <p:cxnSp>
+        <p:nvCxnSpPr>
+          <p:cNvPr id="26" name="コネクタ: カギ線 25">
+            <a:extLst>
+              <a:ext uri="{FF2B5EF4-FFF2-40B4-BE49-F238E27FC236}">
+                <a16:creationId xmlns:a16="http://schemas.microsoft.com/office/drawing/2014/main" id="{2F6504A9-181F-E96E-5C05-49FB37A22E8F}"/>
+              </a:ext>
+            </a:extLst>
+          </p:cNvPr>
+          <p:cNvCxnSpPr>
+            <a:cxnSpLocks/>
+            <a:stCxn id="11" idx="0"/>
+            <a:endCxn id="24" idx="4"/>
+          </p:cNvCxnSpPr>
+          <p:nvPr/>
+        </p:nvCxnSpPr>
+        <p:spPr>
+          <a:xfrm rot="16200000" flipV="1">
+            <a:off x="5870260" y="2964356"/>
+            <a:ext cx="462528" cy="1762904"/>
+          </a:xfrm>
+          <a:prstGeom prst="bentConnector3">
+            <a:avLst/>
+          </a:prstGeom>
+          <a:ln>
+            <a:solidFill>
+              <a:schemeClr val="tx1"/>
+            </a:solidFill>
+            <a:headEnd type="none" w="med" len="med"/>
+            <a:tailEnd type="triangle"/>
+          </a:ln>
+        </p:spPr>
+        <p:style>
+          <a:lnRef idx="1">
+            <a:schemeClr val="accent1"/>
+          </a:lnRef>
+          <a:fillRef idx="0">
+            <a:schemeClr val="accent1"/>
+          </a:fillRef>
+          <a:effectRef idx="0">
+            <a:schemeClr val="accent1"/>
+          </a:effectRef>
+          <a:fontRef idx="minor">
+            <a:schemeClr val="tx1"/>
+          </a:fontRef>
+        </p:style>
+      </p:cxnSp>
+      <p:sp>
+        <p:nvSpPr>
+          <p:cNvPr id="29" name="テキスト ボックス 28">
+            <a:extLst>
+              <a:ext uri="{FF2B5EF4-FFF2-40B4-BE49-F238E27FC236}">
+                <a16:creationId xmlns:a16="http://schemas.microsoft.com/office/drawing/2014/main" id="{677463B3-0F27-0647-C600-FE7C9ACB6152}"/>
+              </a:ext>
+            </a:extLst>
+          </p:cNvPr>
+          <p:cNvSpPr txBox="1"/>
+          <p:nvPr/>
+        </p:nvSpPr>
+        <p:spPr>
+          <a:xfrm>
+            <a:off x="6228184" y="4653136"/>
+            <a:ext cx="1800493" cy="369332"/>
+          </a:xfrm>
+          <a:prstGeom prst="rect">
+            <a:avLst/>
+          </a:prstGeom>
+          <a:noFill/>
+        </p:spPr>
+        <p:txBody>
+          <a:bodyPr wrap="none" rtlCol="0">
+            <a:spAutoFit/>
+          </a:bodyPr>
+          <a:lstStyle/>
+          <a:p>
+            <a:r>
+              <a:rPr kumimoji="1" lang="ja-JP" altLang="en-US"/>
+              <a:t>カノニカル分布</a:t>
+            </a:r>
+          </a:p>
+        </p:txBody>
+      </p:sp>
+    </p:spTree>
+    <p:extLst>
+      <p:ext uri="{BB962C8B-B14F-4D97-AF65-F5344CB8AC3E}">
+        <p14:creationId xmlns:p14="http://schemas.microsoft.com/office/powerpoint/2010/main" val="1278245187"/>
+      </p:ext>
+    </p:extLst>
+  </p:cSld>
+  <p:clrMapOvr>
+    <a:masterClrMapping/>
+  </p:clrMapOvr>
+</p:sld>
+</file>
+
+<file path=ppt/slides/slide24.xml><?xml version="1.0" encoding="utf-8"?>
+<p:sld xmlns:a="http://schemas.openxmlformats.org/drawingml/2006/main" xmlns:r="http://schemas.openxmlformats.org/officeDocument/2006/relationships" xmlns:p="http://schemas.openxmlformats.org/presentationml/2006/main">
+  <p:cSld>
+    <p:spTree>
+      <p:nvGrpSpPr>
+        <p:cNvPr id="1" name=""/>
+        <p:cNvGrpSpPr/>
+        <p:nvPr/>
+      </p:nvGrpSpPr>
+      <p:grpSpPr>
+        <a:xfrm>
+          <a:off x="0" y="0"/>
+          <a:ext cx="0" cy="0"/>
+          <a:chOff x="0" y="0"/>
+          <a:chExt cx="0" cy="0"/>
+        </a:xfrm>
+      </p:grpSpPr>
+      <p:sp>
+        <p:nvSpPr>
+          <p:cNvPr id="2" name="テキスト プレースホルダー 1">
+            <a:extLst>
+              <a:ext uri="{FF2B5EF4-FFF2-40B4-BE49-F238E27FC236}">
                 <a16:creationId xmlns:a16="http://schemas.microsoft.com/office/drawing/2014/main" id="{0CAAB564-92FE-2FBC-1D17-FFB2B93268E1}"/>
               </a:ext>
             </a:extLst>
@@ -12484,15 +14837,3843 @@
           <a:p>
             <a:r>
               <a:rPr kumimoji="1" lang="ja-JP" altLang="en-US"/>
-              <a:t>カノニカル分布と逆温度のまとめ</a:t>
+              <a:t>カノニカル分布</a:t>
             </a:r>
+            <a:r>
+              <a:rPr lang="ja-JP" altLang="en-US"/>
+              <a:t>と温度</a:t>
+            </a:r>
+            <a:endParaRPr kumimoji="1" lang="ja-JP" altLang="en-US"/>
+          </a:p>
+        </p:txBody>
+      </p:sp>
+      <mc:AlternateContent xmlns:mc="http://schemas.openxmlformats.org/markup-compatibility/2006">
+        <mc:Choice xmlns:a14="http://schemas.microsoft.com/office/drawing/2010/main" Requires="a14">
+          <p:sp>
+            <p:nvSpPr>
+              <p:cNvPr id="4" name="テキスト ボックス 3">
+                <a:extLst>
+                  <a:ext uri="{FF2B5EF4-FFF2-40B4-BE49-F238E27FC236}">
+                    <a16:creationId xmlns:a16="http://schemas.microsoft.com/office/drawing/2014/main" id="{90C8E7C4-AFE9-0FDA-F76F-A71245DAC8BD}"/>
+                  </a:ext>
+                </a:extLst>
+              </p:cNvPr>
+              <p:cNvSpPr txBox="1"/>
+              <p:nvPr/>
+            </p:nvSpPr>
+            <p:spPr>
+              <a:xfrm>
+                <a:off x="539552" y="1124744"/>
+                <a:ext cx="4751749" cy="856838"/>
+              </a:xfrm>
+              <a:prstGeom prst="rect">
+                <a:avLst/>
+              </a:prstGeom>
+              <a:noFill/>
+            </p:spPr>
+            <p:txBody>
+              <a:bodyPr wrap="none" rtlCol="0">
+                <a:spAutoFit/>
+              </a:bodyPr>
+              <a:lstStyle/>
+              <a:p>
+                <a14:m>
+                  <m:oMathPara xmlns:m="http://schemas.openxmlformats.org/officeDocument/2006/math">
+                    <m:oMathParaPr>
+                      <m:jc m:val="centerGroup"/>
+                    </m:oMathParaPr>
+                    <m:oMath xmlns:m="http://schemas.openxmlformats.org/officeDocument/2006/math">
+                      <m:f>
+                        <m:fPr>
+                          <m:ctrlPr>
+                            <a:rPr kumimoji="1" lang="en-US" altLang="ja-JP" sz="2400" b="0" i="1" smtClean="0">
+                              <a:latin typeface="Cambria Math" panose="02040503050406030204" pitchFamily="18" charset="0"/>
+                            </a:rPr>
+                          </m:ctrlPr>
+                        </m:fPr>
+                        <m:num>
+                          <m:r>
+                            <a:rPr kumimoji="1" lang="en-US" altLang="ja-JP" sz="2400" b="0" i="1" smtClean="0">
+                              <a:latin typeface="Cambria Math" panose="02040503050406030204" pitchFamily="18" charset="0"/>
+                            </a:rPr>
+                            <m:t>𝜕</m:t>
+                          </m:r>
+                        </m:num>
+                        <m:den>
+                          <m:r>
+                            <a:rPr kumimoji="1" lang="en-US" altLang="ja-JP" sz="2400" b="0" i="1" smtClean="0">
+                              <a:latin typeface="Cambria Math" panose="02040503050406030204" pitchFamily="18" charset="0"/>
+                            </a:rPr>
+                            <m:t>𝜕</m:t>
+                          </m:r>
+                          <m:r>
+                            <a:rPr kumimoji="1" lang="en-US" altLang="ja-JP" sz="2400" b="0" i="1" smtClean="0">
+                              <a:latin typeface="Cambria Math" panose="02040503050406030204" pitchFamily="18" charset="0"/>
+                            </a:rPr>
+                            <m:t>𝑝</m:t>
+                          </m:r>
+                        </m:den>
+                      </m:f>
+                      <m:func>
+                        <m:funcPr>
+                          <m:ctrlPr>
+                            <a:rPr kumimoji="1" lang="en-US" altLang="ja-JP" sz="2400" b="0" i="1" smtClean="0">
+                              <a:latin typeface="Cambria Math" panose="02040503050406030204" pitchFamily="18" charset="0"/>
+                            </a:rPr>
+                          </m:ctrlPr>
+                        </m:funcPr>
+                        <m:fName>
+                          <m:r>
+                            <m:rPr>
+                              <m:sty m:val="p"/>
+                            </m:rPr>
+                            <a:rPr kumimoji="1" lang="en-US" altLang="ja-JP" sz="2400" b="0" i="0" smtClean="0">
+                              <a:latin typeface="Cambria Math" panose="02040503050406030204" pitchFamily="18" charset="0"/>
+                            </a:rPr>
+                            <m:t>exp</m:t>
+                          </m:r>
+                        </m:fName>
+                        <m:e>
+                          <m:d>
+                            <m:dPr>
+                              <m:ctrlPr>
+                                <a:rPr kumimoji="1" lang="en-US" altLang="ja-JP" sz="2400" b="0" i="1" smtClean="0">
+                                  <a:latin typeface="Cambria Math" panose="02040503050406030204" pitchFamily="18" charset="0"/>
+                                </a:rPr>
+                              </m:ctrlPr>
+                            </m:dPr>
+                            <m:e>
+                              <m:r>
+                                <a:rPr kumimoji="1" lang="en-US" altLang="ja-JP" sz="2400" b="0" i="1" smtClean="0">
+                                  <a:latin typeface="Cambria Math" panose="02040503050406030204" pitchFamily="18" charset="0"/>
+                                </a:rPr>
+                                <m:t>−</m:t>
+                              </m:r>
+                              <m:r>
+                                <a:rPr kumimoji="1" lang="en-US" altLang="ja-JP" sz="2400" b="0" i="1" smtClean="0">
+                                  <a:latin typeface="Cambria Math" panose="02040503050406030204" pitchFamily="18" charset="0"/>
+                                </a:rPr>
+                                <m:t>𝛽</m:t>
+                              </m:r>
+                              <m:r>
+                                <a:rPr kumimoji="1" lang="en-US" altLang="ja-JP" sz="2400" b="0" i="1" smtClean="0">
+                                  <a:latin typeface="Cambria Math" panose="02040503050406030204" pitchFamily="18" charset="0"/>
+                                </a:rPr>
+                                <m:t>𝐻</m:t>
+                              </m:r>
+                            </m:e>
+                          </m:d>
+                          <m:r>
+                            <a:rPr kumimoji="1" lang="en-US" altLang="ja-JP" sz="2400" b="0" i="1" smtClean="0">
+                              <a:latin typeface="Cambria Math" panose="02040503050406030204" pitchFamily="18" charset="0"/>
+                            </a:rPr>
+                            <m:t>=−</m:t>
+                          </m:r>
+                          <m:r>
+                            <a:rPr kumimoji="1" lang="en-US" altLang="ja-JP" sz="2400" b="0" i="1" smtClean="0">
+                              <a:latin typeface="Cambria Math" panose="02040503050406030204" pitchFamily="18" charset="0"/>
+                            </a:rPr>
+                            <m:t>𝛽</m:t>
+                          </m:r>
+                          <m:f>
+                            <m:fPr>
+                              <m:ctrlPr>
+                                <a:rPr kumimoji="1" lang="en-US" altLang="ja-JP" sz="2400" b="0" i="1" smtClean="0">
+                                  <a:latin typeface="Cambria Math" panose="02040503050406030204" pitchFamily="18" charset="0"/>
+                                </a:rPr>
+                              </m:ctrlPr>
+                            </m:fPr>
+                            <m:num>
+                              <m:r>
+                                <a:rPr kumimoji="1" lang="en-US" altLang="ja-JP" sz="2400" b="0" i="1" smtClean="0">
+                                  <a:latin typeface="Cambria Math" panose="02040503050406030204" pitchFamily="18" charset="0"/>
+                                </a:rPr>
+                                <m:t>𝜕</m:t>
+                              </m:r>
+                              <m:r>
+                                <a:rPr kumimoji="1" lang="en-US" altLang="ja-JP" sz="2400" b="0" i="1" smtClean="0">
+                                  <a:latin typeface="Cambria Math" panose="02040503050406030204" pitchFamily="18" charset="0"/>
+                                </a:rPr>
+                                <m:t>𝐻</m:t>
+                              </m:r>
+                            </m:num>
+                            <m:den>
+                              <m:r>
+                                <a:rPr kumimoji="1" lang="en-US" altLang="ja-JP" sz="2400" b="0" i="1" smtClean="0">
+                                  <a:latin typeface="Cambria Math" panose="02040503050406030204" pitchFamily="18" charset="0"/>
+                                </a:rPr>
+                                <m:t>𝜕</m:t>
+                              </m:r>
+                              <m:r>
+                                <a:rPr kumimoji="1" lang="en-US" altLang="ja-JP" sz="2400" b="0" i="1" smtClean="0">
+                                  <a:latin typeface="Cambria Math" panose="02040503050406030204" pitchFamily="18" charset="0"/>
+                                </a:rPr>
+                                <m:t>𝑝</m:t>
+                              </m:r>
+                            </m:den>
+                          </m:f>
+                          <m:func>
+                            <m:funcPr>
+                              <m:ctrlPr>
+                                <a:rPr kumimoji="1" lang="en-US" altLang="ja-JP" sz="2400" b="0" i="1" smtClean="0">
+                                  <a:latin typeface="Cambria Math" panose="02040503050406030204" pitchFamily="18" charset="0"/>
+                                </a:rPr>
+                              </m:ctrlPr>
+                            </m:funcPr>
+                            <m:fName>
+                              <m:r>
+                                <m:rPr>
+                                  <m:sty m:val="p"/>
+                                </m:rPr>
+                                <a:rPr kumimoji="1" lang="en-US" altLang="ja-JP" sz="2400" b="0" i="0" smtClean="0">
+                                  <a:latin typeface="Cambria Math" panose="02040503050406030204" pitchFamily="18" charset="0"/>
+                                </a:rPr>
+                                <m:t>exp</m:t>
+                              </m:r>
+                            </m:fName>
+                            <m:e>
+                              <m:r>
+                                <a:rPr kumimoji="1" lang="en-US" altLang="ja-JP" sz="2400" b="0" i="1" smtClean="0">
+                                  <a:latin typeface="Cambria Math" panose="02040503050406030204" pitchFamily="18" charset="0"/>
+                                </a:rPr>
+                                <m:t>(−</m:t>
+                              </m:r>
+                              <m:r>
+                                <a:rPr kumimoji="1" lang="en-US" altLang="ja-JP" sz="2400" b="0" i="1" smtClean="0">
+                                  <a:latin typeface="Cambria Math" panose="02040503050406030204" pitchFamily="18" charset="0"/>
+                                </a:rPr>
+                                <m:t>𝛽</m:t>
+                              </m:r>
+                              <m:r>
+                                <a:rPr kumimoji="1" lang="en-US" altLang="ja-JP" sz="2400" b="0" i="1" smtClean="0">
+                                  <a:latin typeface="Cambria Math" panose="02040503050406030204" pitchFamily="18" charset="0"/>
+                                </a:rPr>
+                                <m:t>𝐻</m:t>
+                              </m:r>
+                              <m:r>
+                                <a:rPr kumimoji="1" lang="en-US" altLang="ja-JP" sz="2400" b="0" i="1" smtClean="0">
+                                  <a:latin typeface="Cambria Math" panose="02040503050406030204" pitchFamily="18" charset="0"/>
+                                </a:rPr>
+                                <m:t>)</m:t>
+                              </m:r>
+                            </m:e>
+                          </m:func>
+                        </m:e>
+                      </m:func>
+                    </m:oMath>
+                  </m:oMathPara>
+                </a14:m>
+                <a:endParaRPr kumimoji="1" lang="ja-JP" altLang="en-US" sz="2400"/>
+              </a:p>
+            </p:txBody>
+          </p:sp>
+        </mc:Choice>
+        <mc:Fallback>
+          <p:sp>
+            <p:nvSpPr>
+              <p:cNvPr id="4" name="テキスト ボックス 3">
+                <a:extLst>
+                  <a:ext uri="{FF2B5EF4-FFF2-40B4-BE49-F238E27FC236}">
+                    <a16:creationId xmlns:a16="http://schemas.microsoft.com/office/drawing/2014/main" id="{90C8E7C4-AFE9-0FDA-F76F-A71245DAC8BD}"/>
+                  </a:ext>
+                </a:extLst>
+              </p:cNvPr>
+              <p:cNvSpPr txBox="1">
+                <a:spLocks noRot="1" noChangeAspect="1" noMove="1" noResize="1" noEditPoints="1" noAdjustHandles="1" noChangeArrowheads="1" noChangeShapeType="1" noTextEdit="1"/>
+              </p:cNvSpPr>
+              <p:nvPr/>
+            </p:nvSpPr>
+            <p:spPr>
+              <a:xfrm>
+                <a:off x="539552" y="1124744"/>
+                <a:ext cx="4751749" cy="856838"/>
+              </a:xfrm>
+              <a:prstGeom prst="rect">
+                <a:avLst/>
+              </a:prstGeom>
+              <a:blipFill>
+                <a:blip r:embed="rId2"/>
+                <a:stretch>
+                  <a:fillRect/>
+                </a:stretch>
+              </a:blipFill>
+            </p:spPr>
+            <p:txBody>
+              <a:bodyPr/>
+              <a:lstStyle/>
+              <a:p>
+                <a:r>
+                  <a:rPr lang="ja-JP" altLang="en-US">
+                    <a:noFill/>
+                  </a:rPr>
+                  <a:t> </a:t>
+                </a:r>
+              </a:p>
+            </p:txBody>
+          </p:sp>
+        </mc:Fallback>
+      </mc:AlternateContent>
+      <p:sp>
+        <p:nvSpPr>
+          <p:cNvPr id="5" name="テキスト ボックス 4">
+            <a:extLst>
+              <a:ext uri="{FF2B5EF4-FFF2-40B4-BE49-F238E27FC236}">
+                <a16:creationId xmlns:a16="http://schemas.microsoft.com/office/drawing/2014/main" id="{FACDBF38-D3E3-B5CD-A077-C17E864D241A}"/>
+              </a:ext>
+            </a:extLst>
+          </p:cNvPr>
+          <p:cNvSpPr txBox="1"/>
+          <p:nvPr/>
+        </p:nvSpPr>
+        <p:spPr>
+          <a:xfrm>
+            <a:off x="5364088" y="1340768"/>
+            <a:ext cx="1338828" cy="369332"/>
+          </a:xfrm>
+          <a:prstGeom prst="rect">
+            <a:avLst/>
+          </a:prstGeom>
+          <a:noFill/>
+        </p:spPr>
+        <p:txBody>
+          <a:bodyPr wrap="none" rtlCol="0">
+            <a:spAutoFit/>
+          </a:bodyPr>
+          <a:lstStyle/>
+          <a:p>
+            <a:r>
+              <a:rPr lang="ja-JP" altLang="en-US"/>
+              <a:t>であるから</a:t>
+            </a:r>
+            <a:endParaRPr kumimoji="1" lang="ja-JP" altLang="en-US"/>
+          </a:p>
+        </p:txBody>
+      </p:sp>
+      <mc:AlternateContent xmlns:mc="http://schemas.openxmlformats.org/markup-compatibility/2006">
+        <mc:Choice xmlns:a14="http://schemas.microsoft.com/office/drawing/2010/main" Requires="a14">
+          <p:sp>
+            <p:nvSpPr>
+              <p:cNvPr id="6" name="テキスト ボックス 5">
+                <a:extLst>
+                  <a:ext uri="{FF2B5EF4-FFF2-40B4-BE49-F238E27FC236}">
+                    <a16:creationId xmlns:a16="http://schemas.microsoft.com/office/drawing/2014/main" id="{EC7817C5-92FF-3F43-EF79-D12EFDE47047}"/>
+                  </a:ext>
+                </a:extLst>
+              </p:cNvPr>
+              <p:cNvSpPr txBox="1"/>
+              <p:nvPr/>
+            </p:nvSpPr>
+            <p:spPr>
+              <a:xfrm>
+                <a:off x="1259632" y="2132856"/>
+                <a:ext cx="5151025" cy="1101840"/>
+              </a:xfrm>
+              <a:prstGeom prst="rect">
+                <a:avLst/>
+              </a:prstGeom>
+              <a:noFill/>
+            </p:spPr>
+            <p:txBody>
+              <a:bodyPr wrap="none" rtlCol="0">
+                <a:spAutoFit/>
+              </a:bodyPr>
+              <a:lstStyle/>
+              <a:p>
+                <a14:m>
+                  <m:oMathPara xmlns:m="http://schemas.openxmlformats.org/officeDocument/2006/math">
+                    <m:oMathParaPr>
+                      <m:jc m:val="centerGroup"/>
+                    </m:oMathParaPr>
+                    <m:oMath xmlns:m="http://schemas.openxmlformats.org/officeDocument/2006/math">
+                      <m:d>
+                        <m:dPr>
+                          <m:begChr m:val="⟨"/>
+                          <m:endChr m:val="⟩"/>
+                          <m:ctrlPr>
+                            <a:rPr kumimoji="1" lang="en-US" altLang="ja-JP" sz="2400" i="1" smtClean="0">
+                              <a:latin typeface="Cambria Math" panose="02040503050406030204" pitchFamily="18" charset="0"/>
+                            </a:rPr>
+                          </m:ctrlPr>
+                        </m:dPr>
+                        <m:e>
+                          <m:r>
+                            <a:rPr kumimoji="1" lang="en-US" altLang="ja-JP" sz="2400" b="0" i="1" smtClean="0">
+                              <a:latin typeface="Cambria Math" panose="02040503050406030204" pitchFamily="18" charset="0"/>
+                            </a:rPr>
+                            <m:t>𝑝</m:t>
+                          </m:r>
+                          <m:f>
+                            <m:fPr>
+                              <m:ctrlPr>
+                                <a:rPr kumimoji="1" lang="en-US" altLang="ja-JP" sz="2400" b="0" i="1" smtClean="0">
+                                  <a:latin typeface="Cambria Math" panose="02040503050406030204" pitchFamily="18" charset="0"/>
+                                </a:rPr>
+                              </m:ctrlPr>
+                            </m:fPr>
+                            <m:num>
+                              <m:r>
+                                <a:rPr kumimoji="1" lang="en-US" altLang="ja-JP" sz="2400" b="0" i="1" smtClean="0">
+                                  <a:latin typeface="Cambria Math" panose="02040503050406030204" pitchFamily="18" charset="0"/>
+                                </a:rPr>
+                                <m:t>𝜕</m:t>
+                              </m:r>
+                              <m:r>
+                                <a:rPr kumimoji="1" lang="en-US" altLang="ja-JP" sz="2400" b="0" i="1" smtClean="0">
+                                  <a:latin typeface="Cambria Math" panose="02040503050406030204" pitchFamily="18" charset="0"/>
+                                </a:rPr>
+                                <m:t>𝐻</m:t>
+                              </m:r>
+                            </m:num>
+                            <m:den>
+                              <m:r>
+                                <a:rPr kumimoji="1" lang="en-US" altLang="ja-JP" sz="2400" b="0" i="1" smtClean="0">
+                                  <a:latin typeface="Cambria Math" panose="02040503050406030204" pitchFamily="18" charset="0"/>
+                                </a:rPr>
+                                <m:t>𝜕</m:t>
+                              </m:r>
+                              <m:r>
+                                <a:rPr kumimoji="1" lang="en-US" altLang="ja-JP" sz="2400" b="0" i="1" smtClean="0">
+                                  <a:latin typeface="Cambria Math" panose="02040503050406030204" pitchFamily="18" charset="0"/>
+                                </a:rPr>
+                                <m:t>𝑝</m:t>
+                              </m:r>
+                            </m:den>
+                          </m:f>
+                        </m:e>
+                      </m:d>
+                      <m:r>
+                        <a:rPr kumimoji="1" lang="en-US" altLang="ja-JP" sz="2400" b="0" i="1" smtClean="0">
+                          <a:latin typeface="Cambria Math" panose="02040503050406030204" pitchFamily="18" charset="0"/>
+                        </a:rPr>
+                        <m:t>=</m:t>
+                      </m:r>
+                      <m:sSup>
+                        <m:sSupPr>
+                          <m:ctrlPr>
+                            <a:rPr kumimoji="1" lang="en-US" altLang="ja-JP" sz="2400" b="0" i="1" smtClean="0">
+                              <a:latin typeface="Cambria Math" panose="02040503050406030204" pitchFamily="18" charset="0"/>
+                            </a:rPr>
+                          </m:ctrlPr>
+                        </m:sSupPr>
+                        <m:e>
+                          <m:r>
+                            <a:rPr kumimoji="1" lang="en-US" altLang="ja-JP" sz="2400" b="0" i="1" smtClean="0">
+                              <a:latin typeface="Cambria Math" panose="02040503050406030204" pitchFamily="18" charset="0"/>
+                            </a:rPr>
+                            <m:t>𝑍</m:t>
+                          </m:r>
+                        </m:e>
+                        <m:sup>
+                          <m:r>
+                            <a:rPr kumimoji="1" lang="en-US" altLang="ja-JP" sz="2400" b="0" i="1" smtClean="0">
+                              <a:latin typeface="Cambria Math" panose="02040503050406030204" pitchFamily="18" charset="0"/>
+                            </a:rPr>
+                            <m:t>−1</m:t>
+                          </m:r>
+                        </m:sup>
+                      </m:sSup>
+                      <m:nary>
+                        <m:naryPr>
+                          <m:limLoc m:val="undOvr"/>
+                          <m:subHide m:val="on"/>
+                          <m:supHide m:val="on"/>
+                          <m:ctrlPr>
+                            <a:rPr kumimoji="1" lang="en-US" altLang="ja-JP" sz="2400" b="0" i="1" smtClean="0">
+                              <a:latin typeface="Cambria Math" panose="02040503050406030204" pitchFamily="18" charset="0"/>
+                            </a:rPr>
+                          </m:ctrlPr>
+                        </m:naryPr>
+                        <m:sub/>
+                        <m:sup/>
+                        <m:e>
+                          <m:r>
+                            <a:rPr lang="en-US" altLang="ja-JP" sz="2400" i="1">
+                              <a:latin typeface="Cambria Math" panose="02040503050406030204" pitchFamily="18" charset="0"/>
+                            </a:rPr>
+                            <m:t>𝑝</m:t>
+                          </m:r>
+                          <m:f>
+                            <m:fPr>
+                              <m:ctrlPr>
+                                <a:rPr lang="en-US" altLang="ja-JP" sz="2400" i="1">
+                                  <a:latin typeface="Cambria Math" panose="02040503050406030204" pitchFamily="18" charset="0"/>
+                                </a:rPr>
+                              </m:ctrlPr>
+                            </m:fPr>
+                            <m:num>
+                              <m:r>
+                                <a:rPr lang="en-US" altLang="ja-JP" sz="2400" i="1">
+                                  <a:latin typeface="Cambria Math" panose="02040503050406030204" pitchFamily="18" charset="0"/>
+                                </a:rPr>
+                                <m:t>𝜕</m:t>
+                              </m:r>
+                              <m:r>
+                                <a:rPr lang="en-US" altLang="ja-JP" sz="2400" i="1">
+                                  <a:latin typeface="Cambria Math" panose="02040503050406030204" pitchFamily="18" charset="0"/>
+                                </a:rPr>
+                                <m:t>𝐻</m:t>
+                              </m:r>
+                            </m:num>
+                            <m:den>
+                              <m:r>
+                                <a:rPr lang="en-US" altLang="ja-JP" sz="2400" i="1">
+                                  <a:latin typeface="Cambria Math" panose="02040503050406030204" pitchFamily="18" charset="0"/>
+                                </a:rPr>
+                                <m:t>𝜕</m:t>
+                              </m:r>
+                              <m:r>
+                                <a:rPr lang="en-US" altLang="ja-JP" sz="2400" i="1">
+                                  <a:latin typeface="Cambria Math" panose="02040503050406030204" pitchFamily="18" charset="0"/>
+                                </a:rPr>
+                                <m:t>𝑝</m:t>
+                              </m:r>
+                            </m:den>
+                          </m:f>
+                          <m:func>
+                            <m:funcPr>
+                              <m:ctrlPr>
+                                <a:rPr lang="en-US" altLang="ja-JP" sz="2400" b="0" i="1" smtClean="0">
+                                  <a:latin typeface="Cambria Math" panose="02040503050406030204" pitchFamily="18" charset="0"/>
+                                </a:rPr>
+                              </m:ctrlPr>
+                            </m:funcPr>
+                            <m:fName>
+                              <m:r>
+                                <m:rPr>
+                                  <m:sty m:val="p"/>
+                                </m:rPr>
+                                <a:rPr lang="en-US" altLang="ja-JP" sz="2400" b="0" i="0" smtClean="0">
+                                  <a:latin typeface="Cambria Math" panose="02040503050406030204" pitchFamily="18" charset="0"/>
+                                </a:rPr>
+                                <m:t>exp</m:t>
+                              </m:r>
+                            </m:fName>
+                            <m:e>
+                              <m:d>
+                                <m:dPr>
+                                  <m:ctrlPr>
+                                    <a:rPr lang="en-US" altLang="ja-JP" sz="2400" b="0" i="1" smtClean="0">
+                                      <a:latin typeface="Cambria Math" panose="02040503050406030204" pitchFamily="18" charset="0"/>
+                                    </a:rPr>
+                                  </m:ctrlPr>
+                                </m:dPr>
+                                <m:e>
+                                  <m:r>
+                                    <a:rPr lang="en-US" altLang="ja-JP" sz="2400" b="0" i="1" smtClean="0">
+                                      <a:latin typeface="Cambria Math" panose="02040503050406030204" pitchFamily="18" charset="0"/>
+                                    </a:rPr>
+                                    <m:t>−</m:t>
+                                  </m:r>
+                                  <m:r>
+                                    <a:rPr lang="en-US" altLang="ja-JP" sz="2400" b="0" i="1" smtClean="0">
+                                      <a:latin typeface="Cambria Math" panose="02040503050406030204" pitchFamily="18" charset="0"/>
+                                    </a:rPr>
+                                    <m:t>𝛽</m:t>
+                                  </m:r>
+                                  <m:r>
+                                    <a:rPr lang="en-US" altLang="ja-JP" sz="2400" b="0" i="1" smtClean="0">
+                                      <a:latin typeface="Cambria Math" panose="02040503050406030204" pitchFamily="18" charset="0"/>
+                                    </a:rPr>
+                                    <m:t>𝐻</m:t>
+                                  </m:r>
+                                </m:e>
+                              </m:d>
+                              <m:r>
+                                <a:rPr lang="en-US" altLang="ja-JP" sz="2400" b="0" i="1" smtClean="0">
+                                  <a:latin typeface="Cambria Math" panose="02040503050406030204" pitchFamily="18" charset="0"/>
+                                </a:rPr>
+                                <m:t>𝑑𝑝𝑑𝑞</m:t>
+                              </m:r>
+                            </m:e>
+                          </m:func>
+                        </m:e>
+                      </m:nary>
+                    </m:oMath>
+                  </m:oMathPara>
+                </a14:m>
+                <a:endParaRPr kumimoji="1" lang="ja-JP" altLang="en-US" sz="2400"/>
+              </a:p>
+            </p:txBody>
+          </p:sp>
+        </mc:Choice>
+        <mc:Fallback>
+          <p:sp>
+            <p:nvSpPr>
+              <p:cNvPr id="6" name="テキスト ボックス 5">
+                <a:extLst>
+                  <a:ext uri="{FF2B5EF4-FFF2-40B4-BE49-F238E27FC236}">
+                    <a16:creationId xmlns:a16="http://schemas.microsoft.com/office/drawing/2014/main" id="{EC7817C5-92FF-3F43-EF79-D12EFDE47047}"/>
+                  </a:ext>
+                </a:extLst>
+              </p:cNvPr>
+              <p:cNvSpPr txBox="1">
+                <a:spLocks noRot="1" noChangeAspect="1" noMove="1" noResize="1" noEditPoints="1" noAdjustHandles="1" noChangeArrowheads="1" noChangeShapeType="1" noTextEdit="1"/>
+              </p:cNvSpPr>
+              <p:nvPr/>
+            </p:nvSpPr>
+            <p:spPr>
+              <a:xfrm>
+                <a:off x="1259632" y="2132856"/>
+                <a:ext cx="5151025" cy="1101840"/>
+              </a:xfrm>
+              <a:prstGeom prst="rect">
+                <a:avLst/>
+              </a:prstGeom>
+              <a:blipFill>
+                <a:blip r:embed="rId3"/>
+                <a:stretch>
+                  <a:fillRect/>
+                </a:stretch>
+              </a:blipFill>
+            </p:spPr>
+            <p:txBody>
+              <a:bodyPr/>
+              <a:lstStyle/>
+              <a:p>
+                <a:r>
+                  <a:rPr lang="ja-JP" altLang="en-US">
+                    <a:noFill/>
+                  </a:rPr>
+                  <a:t> </a:t>
+                </a:r>
+              </a:p>
+            </p:txBody>
+          </p:sp>
+        </mc:Fallback>
+      </mc:AlternateContent>
+      <mc:AlternateContent xmlns:mc="http://schemas.openxmlformats.org/markup-compatibility/2006">
+        <mc:Choice xmlns:a14="http://schemas.microsoft.com/office/drawing/2010/main" Requires="a14">
+          <p:sp>
+            <p:nvSpPr>
+              <p:cNvPr id="7" name="テキスト ボックス 6">
+                <a:extLst>
+                  <a:ext uri="{FF2B5EF4-FFF2-40B4-BE49-F238E27FC236}">
+                    <a16:creationId xmlns:a16="http://schemas.microsoft.com/office/drawing/2014/main" id="{854C9AC8-B756-5563-F059-00EFF709D1C5}"/>
+                  </a:ext>
+                </a:extLst>
+              </p:cNvPr>
+              <p:cNvSpPr txBox="1"/>
+              <p:nvPr/>
+            </p:nvSpPr>
+            <p:spPr>
+              <a:xfrm>
+                <a:off x="2195736" y="3501008"/>
+                <a:ext cx="5197833" cy="1061060"/>
+              </a:xfrm>
+              <a:prstGeom prst="rect">
+                <a:avLst/>
+              </a:prstGeom>
+              <a:noFill/>
+            </p:spPr>
+            <p:txBody>
+              <a:bodyPr wrap="none" rtlCol="0">
+                <a:spAutoFit/>
+              </a:bodyPr>
+              <a:lstStyle/>
+              <a:p>
+                <a14:m>
+                  <m:oMathPara xmlns:m="http://schemas.openxmlformats.org/officeDocument/2006/math">
+                    <m:oMathParaPr>
+                      <m:jc m:val="centerGroup"/>
+                    </m:oMathParaPr>
+                    <m:oMath xmlns:m="http://schemas.openxmlformats.org/officeDocument/2006/math">
+                      <m:r>
+                        <a:rPr kumimoji="1" lang="en-US" altLang="ja-JP" sz="2400" b="0" i="1" smtClean="0">
+                          <a:latin typeface="Cambria Math" panose="02040503050406030204" pitchFamily="18" charset="0"/>
+                        </a:rPr>
+                        <m:t>=</m:t>
+                      </m:r>
+                      <m:sSup>
+                        <m:sSupPr>
+                          <m:ctrlPr>
+                            <a:rPr kumimoji="1" lang="en-US" altLang="ja-JP" sz="2400" b="0" i="1" smtClean="0">
+                              <a:latin typeface="Cambria Math" panose="02040503050406030204" pitchFamily="18" charset="0"/>
+                            </a:rPr>
+                          </m:ctrlPr>
+                        </m:sSupPr>
+                        <m:e>
+                          <m:r>
+                            <a:rPr kumimoji="1" lang="en-US" altLang="ja-JP" sz="2400" b="0" i="1" smtClean="0">
+                              <a:latin typeface="Cambria Math" panose="02040503050406030204" pitchFamily="18" charset="0"/>
+                            </a:rPr>
+                            <m:t>𝑍</m:t>
+                          </m:r>
+                        </m:e>
+                        <m:sup>
+                          <m:r>
+                            <a:rPr kumimoji="1" lang="en-US" altLang="ja-JP" sz="2400" b="0" i="1" smtClean="0">
+                              <a:latin typeface="Cambria Math" panose="02040503050406030204" pitchFamily="18" charset="0"/>
+                            </a:rPr>
+                            <m:t>−1</m:t>
+                          </m:r>
+                        </m:sup>
+                      </m:sSup>
+                      <m:nary>
+                        <m:naryPr>
+                          <m:limLoc m:val="undOvr"/>
+                          <m:subHide m:val="on"/>
+                          <m:supHide m:val="on"/>
+                          <m:ctrlPr>
+                            <a:rPr kumimoji="1" lang="en-US" altLang="ja-JP" sz="2400" b="0" i="1" smtClean="0">
+                              <a:latin typeface="Cambria Math" panose="02040503050406030204" pitchFamily="18" charset="0"/>
+                            </a:rPr>
+                          </m:ctrlPr>
+                        </m:naryPr>
+                        <m:sub/>
+                        <m:sup/>
+                        <m:e>
+                          <m:d>
+                            <m:dPr>
+                              <m:ctrlPr>
+                                <a:rPr kumimoji="1" lang="en-US" altLang="ja-JP" sz="2400" b="0" i="1" smtClean="0">
+                                  <a:latin typeface="Cambria Math" panose="02040503050406030204" pitchFamily="18" charset="0"/>
+                                </a:rPr>
+                              </m:ctrlPr>
+                            </m:dPr>
+                            <m:e>
+                              <m:r>
+                                <a:rPr kumimoji="1" lang="en-US" altLang="ja-JP" sz="2400" b="0" i="1" smtClean="0">
+                                  <a:latin typeface="Cambria Math" panose="02040503050406030204" pitchFamily="18" charset="0"/>
+                                </a:rPr>
+                                <m:t>−</m:t>
+                              </m:r>
+                              <m:f>
+                                <m:fPr>
+                                  <m:ctrlPr>
+                                    <a:rPr kumimoji="1" lang="en-US" altLang="ja-JP" sz="2400" b="0" i="1" smtClean="0">
+                                      <a:latin typeface="Cambria Math" panose="02040503050406030204" pitchFamily="18" charset="0"/>
+                                    </a:rPr>
+                                  </m:ctrlPr>
+                                </m:fPr>
+                                <m:num>
+                                  <m:r>
+                                    <a:rPr kumimoji="1" lang="en-US" altLang="ja-JP" sz="2400" b="0" i="1" smtClean="0">
+                                      <a:latin typeface="Cambria Math" panose="02040503050406030204" pitchFamily="18" charset="0"/>
+                                    </a:rPr>
+                                    <m:t>𝑝</m:t>
+                                  </m:r>
+                                </m:num>
+                                <m:den>
+                                  <m:r>
+                                    <a:rPr kumimoji="1" lang="en-US" altLang="ja-JP" sz="2400" b="0" i="1" smtClean="0">
+                                      <a:latin typeface="Cambria Math" panose="02040503050406030204" pitchFamily="18" charset="0"/>
+                                    </a:rPr>
+                                    <m:t>𝛽</m:t>
+                                  </m:r>
+                                </m:den>
+                              </m:f>
+                            </m:e>
+                          </m:d>
+                          <m:d>
+                            <m:dPr>
+                              <m:ctrlPr>
+                                <a:rPr kumimoji="1" lang="en-US" altLang="ja-JP" sz="2400" b="0" i="1" smtClean="0">
+                                  <a:latin typeface="Cambria Math" panose="02040503050406030204" pitchFamily="18" charset="0"/>
+                                </a:rPr>
+                              </m:ctrlPr>
+                            </m:dPr>
+                            <m:e>
+                              <m:f>
+                                <m:fPr>
+                                  <m:ctrlPr>
+                                    <a:rPr kumimoji="1" lang="en-US" altLang="ja-JP" sz="2400" b="0" i="1" smtClean="0">
+                                      <a:latin typeface="Cambria Math" panose="02040503050406030204" pitchFamily="18" charset="0"/>
+                                    </a:rPr>
+                                  </m:ctrlPr>
+                                </m:fPr>
+                                <m:num>
+                                  <m:r>
+                                    <a:rPr kumimoji="1" lang="en-US" altLang="ja-JP" sz="2400" b="0" i="1" smtClean="0">
+                                      <a:latin typeface="Cambria Math" panose="02040503050406030204" pitchFamily="18" charset="0"/>
+                                    </a:rPr>
+                                    <m:t>𝜕</m:t>
+                                  </m:r>
+                                </m:num>
+                                <m:den>
+                                  <m:r>
+                                    <a:rPr kumimoji="1" lang="en-US" altLang="ja-JP" sz="2400" b="0" i="1" smtClean="0">
+                                      <a:latin typeface="Cambria Math" panose="02040503050406030204" pitchFamily="18" charset="0"/>
+                                    </a:rPr>
+                                    <m:t>𝜕</m:t>
+                                  </m:r>
+                                  <m:r>
+                                    <a:rPr kumimoji="1" lang="en-US" altLang="ja-JP" sz="2400" b="0" i="1" smtClean="0">
+                                      <a:latin typeface="Cambria Math" panose="02040503050406030204" pitchFamily="18" charset="0"/>
+                                    </a:rPr>
+                                    <m:t>𝑝</m:t>
+                                  </m:r>
+                                </m:den>
+                              </m:f>
+                              <m:func>
+                                <m:funcPr>
+                                  <m:ctrlPr>
+                                    <a:rPr kumimoji="1" lang="en-US" altLang="ja-JP" sz="2400" b="0" i="1" smtClean="0">
+                                      <a:latin typeface="Cambria Math" panose="02040503050406030204" pitchFamily="18" charset="0"/>
+                                    </a:rPr>
+                                  </m:ctrlPr>
+                                </m:funcPr>
+                                <m:fName>
+                                  <m:r>
+                                    <m:rPr>
+                                      <m:sty m:val="p"/>
+                                    </m:rPr>
+                                    <a:rPr kumimoji="1" lang="en-US" altLang="ja-JP" sz="2400" b="0" i="0" smtClean="0">
+                                      <a:latin typeface="Cambria Math" panose="02040503050406030204" pitchFamily="18" charset="0"/>
+                                    </a:rPr>
+                                    <m:t>exp</m:t>
+                                  </m:r>
+                                </m:fName>
+                                <m:e>
+                                  <m:r>
+                                    <a:rPr kumimoji="1" lang="en-US" altLang="ja-JP" sz="2400" b="0" i="1" smtClean="0">
+                                      <a:latin typeface="Cambria Math" panose="02040503050406030204" pitchFamily="18" charset="0"/>
+                                    </a:rPr>
+                                    <m:t>(−</m:t>
+                                  </m:r>
+                                  <m:r>
+                                    <a:rPr kumimoji="1" lang="en-US" altLang="ja-JP" sz="2400" b="0" i="1" smtClean="0">
+                                      <a:latin typeface="Cambria Math" panose="02040503050406030204" pitchFamily="18" charset="0"/>
+                                    </a:rPr>
+                                    <m:t>𝛽</m:t>
+                                  </m:r>
+                                  <m:r>
+                                    <a:rPr kumimoji="1" lang="en-US" altLang="ja-JP" sz="2400" b="0" i="1" smtClean="0">
+                                      <a:latin typeface="Cambria Math" panose="02040503050406030204" pitchFamily="18" charset="0"/>
+                                    </a:rPr>
+                                    <m:t>𝐻</m:t>
+                                  </m:r>
+                                  <m:r>
+                                    <a:rPr kumimoji="1" lang="en-US" altLang="ja-JP" sz="2400" b="0" i="1" smtClean="0">
+                                      <a:latin typeface="Cambria Math" panose="02040503050406030204" pitchFamily="18" charset="0"/>
+                                    </a:rPr>
+                                    <m:t>)</m:t>
+                                  </m:r>
+                                </m:e>
+                              </m:func>
+                            </m:e>
+                          </m:d>
+                          <m:r>
+                            <a:rPr kumimoji="1" lang="en-US" altLang="ja-JP" sz="2400" b="0" i="1" smtClean="0">
+                              <a:latin typeface="Cambria Math" panose="02040503050406030204" pitchFamily="18" charset="0"/>
+                            </a:rPr>
+                            <m:t>𝑑𝑝𝑑𝑞</m:t>
+                          </m:r>
+                        </m:e>
+                      </m:nary>
+                    </m:oMath>
+                  </m:oMathPara>
+                </a14:m>
+                <a:endParaRPr kumimoji="1" lang="ja-JP" altLang="en-US" sz="2400"/>
+              </a:p>
+            </p:txBody>
+          </p:sp>
+        </mc:Choice>
+        <mc:Fallback>
+          <p:sp>
+            <p:nvSpPr>
+              <p:cNvPr id="7" name="テキスト ボックス 6">
+                <a:extLst>
+                  <a:ext uri="{FF2B5EF4-FFF2-40B4-BE49-F238E27FC236}">
+                    <a16:creationId xmlns:a16="http://schemas.microsoft.com/office/drawing/2014/main" id="{854C9AC8-B756-5563-F059-00EFF709D1C5}"/>
+                  </a:ext>
+                </a:extLst>
+              </p:cNvPr>
+              <p:cNvSpPr txBox="1">
+                <a:spLocks noRot="1" noChangeAspect="1" noMove="1" noResize="1" noEditPoints="1" noAdjustHandles="1" noChangeArrowheads="1" noChangeShapeType="1" noTextEdit="1"/>
+              </p:cNvSpPr>
+              <p:nvPr/>
+            </p:nvSpPr>
+            <p:spPr>
+              <a:xfrm>
+                <a:off x="2195736" y="3501008"/>
+                <a:ext cx="5197833" cy="1061060"/>
+              </a:xfrm>
+              <a:prstGeom prst="rect">
+                <a:avLst/>
+              </a:prstGeom>
+              <a:blipFill>
+                <a:blip r:embed="rId4"/>
+                <a:stretch>
+                  <a:fillRect/>
+                </a:stretch>
+              </a:blipFill>
+            </p:spPr>
+            <p:txBody>
+              <a:bodyPr/>
+              <a:lstStyle/>
+              <a:p>
+                <a:r>
+                  <a:rPr lang="ja-JP" altLang="en-US">
+                    <a:noFill/>
+                  </a:rPr>
+                  <a:t> </a:t>
+                </a:r>
+              </a:p>
+            </p:txBody>
+          </p:sp>
+        </mc:Fallback>
+      </mc:AlternateContent>
+      <mc:AlternateContent xmlns:mc="http://schemas.openxmlformats.org/markup-compatibility/2006">
+        <mc:Choice xmlns:a14="http://schemas.microsoft.com/office/drawing/2010/main" Requires="a14">
+          <p:sp>
+            <p:nvSpPr>
+              <p:cNvPr id="8" name="テキスト ボックス 7">
+                <a:extLst>
+                  <a:ext uri="{FF2B5EF4-FFF2-40B4-BE49-F238E27FC236}">
+                    <a16:creationId xmlns:a16="http://schemas.microsoft.com/office/drawing/2014/main" id="{D18A384C-8D25-A520-38CE-499E3935F335}"/>
+                  </a:ext>
+                </a:extLst>
+              </p:cNvPr>
+              <p:cNvSpPr txBox="1"/>
+              <p:nvPr/>
+            </p:nvSpPr>
+            <p:spPr>
+              <a:xfrm>
+                <a:off x="2195736" y="4653136"/>
+                <a:ext cx="4166012" cy="1061060"/>
+              </a:xfrm>
+              <a:prstGeom prst="rect">
+                <a:avLst/>
+              </a:prstGeom>
+              <a:noFill/>
+            </p:spPr>
+            <p:txBody>
+              <a:bodyPr wrap="none" rtlCol="0">
+                <a:spAutoFit/>
+              </a:bodyPr>
+              <a:lstStyle/>
+              <a:p>
+                <a14:m>
+                  <m:oMathPara xmlns:m="http://schemas.openxmlformats.org/officeDocument/2006/math">
+                    <m:oMathParaPr>
+                      <m:jc m:val="centerGroup"/>
+                    </m:oMathParaPr>
+                    <m:oMath xmlns:m="http://schemas.openxmlformats.org/officeDocument/2006/math">
+                      <m:r>
+                        <a:rPr kumimoji="1" lang="en-US" altLang="ja-JP" sz="2400" b="0" i="1" smtClean="0">
+                          <a:latin typeface="Cambria Math" panose="02040503050406030204" pitchFamily="18" charset="0"/>
+                        </a:rPr>
+                        <m:t>=</m:t>
+                      </m:r>
+                      <m:sSup>
+                        <m:sSupPr>
+                          <m:ctrlPr>
+                            <a:rPr kumimoji="1" lang="en-US" altLang="ja-JP" sz="2400" b="0" i="1" smtClean="0">
+                              <a:latin typeface="Cambria Math" panose="02040503050406030204" pitchFamily="18" charset="0"/>
+                            </a:rPr>
+                          </m:ctrlPr>
+                        </m:sSupPr>
+                        <m:e>
+                          <m:d>
+                            <m:dPr>
+                              <m:ctrlPr>
+                                <a:rPr lang="en-US" altLang="ja-JP" sz="2400" i="1">
+                                  <a:latin typeface="Cambria Math" panose="02040503050406030204" pitchFamily="18" charset="0"/>
+                                </a:rPr>
+                              </m:ctrlPr>
+                            </m:dPr>
+                            <m:e>
+                              <m:f>
+                                <m:fPr>
+                                  <m:ctrlPr>
+                                    <a:rPr lang="en-US" altLang="ja-JP" sz="2400" i="1">
+                                      <a:latin typeface="Cambria Math" panose="02040503050406030204" pitchFamily="18" charset="0"/>
+                                    </a:rPr>
+                                  </m:ctrlPr>
+                                </m:fPr>
+                                <m:num>
+                                  <m:r>
+                                    <a:rPr lang="en-US" altLang="ja-JP" sz="2400" i="1">
+                                      <a:latin typeface="Cambria Math" panose="02040503050406030204" pitchFamily="18" charset="0"/>
+                                    </a:rPr>
+                                    <m:t>1</m:t>
+                                  </m:r>
+                                </m:num>
+                                <m:den>
+                                  <m:r>
+                                    <a:rPr lang="en-US" altLang="ja-JP" sz="2400" i="1">
+                                      <a:latin typeface="Cambria Math" panose="02040503050406030204" pitchFamily="18" charset="0"/>
+                                    </a:rPr>
+                                    <m:t>𝛽</m:t>
+                                  </m:r>
+                                </m:den>
+                              </m:f>
+                            </m:e>
+                          </m:d>
+                          <m:r>
+                            <a:rPr kumimoji="1" lang="en-US" altLang="ja-JP" sz="2400" b="0" i="1" smtClean="0">
+                              <a:latin typeface="Cambria Math" panose="02040503050406030204" pitchFamily="18" charset="0"/>
+                            </a:rPr>
+                            <m:t>𝑍</m:t>
+                          </m:r>
+                        </m:e>
+                        <m:sup>
+                          <m:r>
+                            <a:rPr kumimoji="1" lang="en-US" altLang="ja-JP" sz="2400" b="0" i="1" smtClean="0">
+                              <a:latin typeface="Cambria Math" panose="02040503050406030204" pitchFamily="18" charset="0"/>
+                            </a:rPr>
+                            <m:t>−1</m:t>
+                          </m:r>
+                        </m:sup>
+                      </m:sSup>
+                      <m:nary>
+                        <m:naryPr>
+                          <m:limLoc m:val="undOvr"/>
+                          <m:subHide m:val="on"/>
+                          <m:supHide m:val="on"/>
+                          <m:ctrlPr>
+                            <a:rPr kumimoji="1" lang="en-US" altLang="ja-JP" sz="2400" b="0" i="1" smtClean="0">
+                              <a:latin typeface="Cambria Math" panose="02040503050406030204" pitchFamily="18" charset="0"/>
+                            </a:rPr>
+                          </m:ctrlPr>
+                        </m:naryPr>
+                        <m:sub/>
+                        <m:sup/>
+                        <m:e>
+                          <m:func>
+                            <m:funcPr>
+                              <m:ctrlPr>
+                                <a:rPr lang="en-US" altLang="ja-JP" sz="2400" i="1">
+                                  <a:latin typeface="Cambria Math" panose="02040503050406030204" pitchFamily="18" charset="0"/>
+                                </a:rPr>
+                              </m:ctrlPr>
+                            </m:funcPr>
+                            <m:fName>
+                              <m:r>
+                                <m:rPr>
+                                  <m:sty m:val="p"/>
+                                </m:rPr>
+                                <a:rPr lang="en-US" altLang="ja-JP" sz="2400">
+                                  <a:latin typeface="Cambria Math" panose="02040503050406030204" pitchFamily="18" charset="0"/>
+                                </a:rPr>
+                                <m:t>exp</m:t>
+                              </m:r>
+                            </m:fName>
+                            <m:e>
+                              <m:r>
+                                <a:rPr lang="en-US" altLang="ja-JP" sz="2400" i="1">
+                                  <a:latin typeface="Cambria Math" panose="02040503050406030204" pitchFamily="18" charset="0"/>
+                                </a:rPr>
+                                <m:t>(−</m:t>
+                              </m:r>
+                              <m:r>
+                                <a:rPr lang="en-US" altLang="ja-JP" sz="2400" i="1">
+                                  <a:latin typeface="Cambria Math" panose="02040503050406030204" pitchFamily="18" charset="0"/>
+                                </a:rPr>
+                                <m:t>𝛽</m:t>
+                              </m:r>
+                              <m:r>
+                                <a:rPr lang="en-US" altLang="ja-JP" sz="2400" i="1">
+                                  <a:latin typeface="Cambria Math" panose="02040503050406030204" pitchFamily="18" charset="0"/>
+                                </a:rPr>
+                                <m:t>𝐻</m:t>
+                              </m:r>
+                              <m:r>
+                                <a:rPr lang="en-US" altLang="ja-JP" sz="2400" i="1">
+                                  <a:latin typeface="Cambria Math" panose="02040503050406030204" pitchFamily="18" charset="0"/>
+                                </a:rPr>
+                                <m:t>)</m:t>
+                              </m:r>
+                            </m:e>
+                          </m:func>
+                          <m:r>
+                            <a:rPr kumimoji="1" lang="en-US" altLang="ja-JP" sz="2400" b="0" i="1" smtClean="0">
+                              <a:latin typeface="Cambria Math" panose="02040503050406030204" pitchFamily="18" charset="0"/>
+                            </a:rPr>
+                            <m:t>𝑑𝑝𝑑𝑞</m:t>
+                          </m:r>
+                        </m:e>
+                      </m:nary>
+                    </m:oMath>
+                  </m:oMathPara>
+                </a14:m>
+                <a:endParaRPr kumimoji="1" lang="ja-JP" altLang="en-US" sz="2400"/>
+              </a:p>
+            </p:txBody>
+          </p:sp>
+        </mc:Choice>
+        <mc:Fallback>
+          <p:sp>
+            <p:nvSpPr>
+              <p:cNvPr id="8" name="テキスト ボックス 7">
+                <a:extLst>
+                  <a:ext uri="{FF2B5EF4-FFF2-40B4-BE49-F238E27FC236}">
+                    <a16:creationId xmlns:a16="http://schemas.microsoft.com/office/drawing/2014/main" id="{D18A384C-8D25-A520-38CE-499E3935F335}"/>
+                  </a:ext>
+                </a:extLst>
+              </p:cNvPr>
+              <p:cNvSpPr txBox="1">
+                <a:spLocks noRot="1" noChangeAspect="1" noMove="1" noResize="1" noEditPoints="1" noAdjustHandles="1" noChangeArrowheads="1" noChangeShapeType="1" noTextEdit="1"/>
+              </p:cNvSpPr>
+              <p:nvPr/>
+            </p:nvSpPr>
+            <p:spPr>
+              <a:xfrm>
+                <a:off x="2195736" y="4653136"/>
+                <a:ext cx="4166012" cy="1061060"/>
+              </a:xfrm>
+              <a:prstGeom prst="rect">
+                <a:avLst/>
+              </a:prstGeom>
+              <a:blipFill>
+                <a:blip r:embed="rId5"/>
+                <a:stretch>
+                  <a:fillRect/>
+                </a:stretch>
+              </a:blipFill>
+            </p:spPr>
+            <p:txBody>
+              <a:bodyPr/>
+              <a:lstStyle/>
+              <a:p>
+                <a:r>
+                  <a:rPr lang="ja-JP" altLang="en-US">
+                    <a:noFill/>
+                  </a:rPr>
+                  <a:t> </a:t>
+                </a:r>
+              </a:p>
+            </p:txBody>
+          </p:sp>
+        </mc:Fallback>
+      </mc:AlternateContent>
+      <p:cxnSp>
+        <p:nvCxnSpPr>
+          <p:cNvPr id="10" name="コネクタ: カギ線 9">
+            <a:extLst>
+              <a:ext uri="{FF2B5EF4-FFF2-40B4-BE49-F238E27FC236}">
+                <a16:creationId xmlns:a16="http://schemas.microsoft.com/office/drawing/2014/main" id="{EDB47492-7CB0-6799-402E-DB8DB8AF742F}"/>
+              </a:ext>
+            </a:extLst>
+          </p:cNvPr>
+          <p:cNvCxnSpPr>
+            <a:stCxn id="7" idx="3"/>
+            <a:endCxn id="8" idx="3"/>
+          </p:cNvCxnSpPr>
+          <p:nvPr/>
+        </p:nvCxnSpPr>
+        <p:spPr>
+          <a:xfrm flipH="1">
+            <a:off x="6361748" y="4031538"/>
+            <a:ext cx="1031821" cy="1152128"/>
+          </a:xfrm>
+          <a:prstGeom prst="bentConnector3">
+            <a:avLst>
+              <a:gd name="adj1" fmla="val -22155"/>
+            </a:avLst>
+          </a:prstGeom>
+          <a:ln>
+            <a:solidFill>
+              <a:schemeClr val="tx1"/>
+            </a:solidFill>
+            <a:headEnd type="none" w="med" len="med"/>
+            <a:tailEnd type="triangle"/>
+          </a:ln>
+        </p:spPr>
+        <p:style>
+          <a:lnRef idx="1">
+            <a:schemeClr val="accent1"/>
+          </a:lnRef>
+          <a:fillRef idx="0">
+            <a:schemeClr val="accent1"/>
+          </a:fillRef>
+          <a:effectRef idx="0">
+            <a:schemeClr val="accent1"/>
+          </a:effectRef>
+          <a:fontRef idx="minor">
+            <a:schemeClr val="tx1"/>
+          </a:fontRef>
+        </p:style>
+      </p:cxnSp>
+      <p:sp>
+        <p:nvSpPr>
+          <p:cNvPr id="11" name="テキスト ボックス 10">
+            <a:extLst>
+              <a:ext uri="{FF2B5EF4-FFF2-40B4-BE49-F238E27FC236}">
+                <a16:creationId xmlns:a16="http://schemas.microsoft.com/office/drawing/2014/main" id="{6D9E8FA4-2FBD-D9E2-C795-12AE62FB725E}"/>
+              </a:ext>
+            </a:extLst>
+          </p:cNvPr>
+          <p:cNvSpPr txBox="1"/>
+          <p:nvPr/>
+        </p:nvSpPr>
+        <p:spPr>
+          <a:xfrm>
+            <a:off x="7740352" y="4437112"/>
+            <a:ext cx="1107996" cy="369332"/>
+          </a:xfrm>
+          <a:prstGeom prst="rect">
+            <a:avLst/>
+          </a:prstGeom>
+          <a:noFill/>
+        </p:spPr>
+        <p:txBody>
+          <a:bodyPr wrap="none" rtlCol="0">
+            <a:spAutoFit/>
+          </a:bodyPr>
+          <a:lstStyle/>
+          <a:p>
+            <a:r>
+              <a:rPr lang="ja-JP" altLang="en-US"/>
+              <a:t>部分積分</a:t>
+            </a:r>
+            <a:endParaRPr kumimoji="1" lang="ja-JP" altLang="en-US"/>
+          </a:p>
+        </p:txBody>
+      </p:sp>
+      <p:sp>
+        <p:nvSpPr>
+          <p:cNvPr id="12" name="四角形: 角を丸くする 11">
+            <a:extLst>
+              <a:ext uri="{FF2B5EF4-FFF2-40B4-BE49-F238E27FC236}">
+                <a16:creationId xmlns:a16="http://schemas.microsoft.com/office/drawing/2014/main" id="{54F19360-66FD-904E-FCF1-3CCA83276C43}"/>
+              </a:ext>
+            </a:extLst>
+          </p:cNvPr>
+          <p:cNvSpPr/>
+          <p:nvPr/>
+        </p:nvSpPr>
+        <p:spPr>
+          <a:xfrm>
+            <a:off x="3779912" y="4653136"/>
+            <a:ext cx="2520280" cy="936104"/>
+          </a:xfrm>
+          <a:prstGeom prst="roundRect">
+            <a:avLst/>
+          </a:prstGeom>
+          <a:noFill/>
+          <a:ln w="38100">
+            <a:solidFill>
+              <a:srgbClr val="FF0000"/>
+            </a:solidFill>
+            <a:prstDash val="dash"/>
+          </a:ln>
+        </p:spPr>
+        <p:style>
+          <a:lnRef idx="2">
+            <a:schemeClr val="accent1">
+              <a:shade val="50000"/>
+            </a:schemeClr>
+          </a:lnRef>
+          <a:fillRef idx="1">
+            <a:schemeClr val="accent1"/>
+          </a:fillRef>
+          <a:effectRef idx="0">
+            <a:schemeClr val="accent1"/>
+          </a:effectRef>
+          <a:fontRef idx="minor">
+            <a:schemeClr val="lt1"/>
+          </a:fontRef>
+        </p:style>
+        <p:txBody>
+          <a:bodyPr rtlCol="0" anchor="ctr"/>
+          <a:lstStyle/>
+          <a:p>
+            <a:pPr algn="ctr"/>
+            <a:endParaRPr kumimoji="1" lang="ja-JP" altLang="en-US"/>
+          </a:p>
+        </p:txBody>
+      </p:sp>
+      <mc:AlternateContent xmlns:mc="http://schemas.openxmlformats.org/markup-compatibility/2006">
+        <mc:Choice xmlns:a14="http://schemas.microsoft.com/office/drawing/2010/main" Requires="a14">
+          <p:sp>
+            <p:nvSpPr>
+              <p:cNvPr id="13" name="テキスト ボックス 12">
+                <a:extLst>
+                  <a:ext uri="{FF2B5EF4-FFF2-40B4-BE49-F238E27FC236}">
+                    <a16:creationId xmlns:a16="http://schemas.microsoft.com/office/drawing/2014/main" id="{43970E1C-7075-BAF3-8D90-76111AA90829}"/>
+                  </a:ext>
+                </a:extLst>
+              </p:cNvPr>
+              <p:cNvSpPr txBox="1"/>
+              <p:nvPr/>
+            </p:nvSpPr>
+            <p:spPr>
+              <a:xfrm>
+                <a:off x="5652120" y="5589240"/>
+                <a:ext cx="873508" cy="523220"/>
+              </a:xfrm>
+              <a:prstGeom prst="rect">
+                <a:avLst/>
+              </a:prstGeom>
+              <a:noFill/>
+            </p:spPr>
+            <p:txBody>
+              <a:bodyPr wrap="none" rtlCol="0">
+                <a:spAutoFit/>
+              </a:bodyPr>
+              <a:lstStyle/>
+              <a:p>
+                <a14:m>
+                  <m:oMathPara xmlns:m="http://schemas.openxmlformats.org/officeDocument/2006/math">
+                    <m:oMathParaPr>
+                      <m:jc m:val="centerGroup"/>
+                    </m:oMathParaPr>
+                    <m:oMath xmlns:m="http://schemas.openxmlformats.org/officeDocument/2006/math">
+                      <m:r>
+                        <a:rPr kumimoji="1" lang="en-US" altLang="ja-JP" sz="2800" b="0" i="1" smtClean="0">
+                          <a:latin typeface="Cambria Math" panose="02040503050406030204" pitchFamily="18" charset="0"/>
+                        </a:rPr>
+                        <m:t>=</m:t>
+                      </m:r>
+                      <m:r>
+                        <a:rPr kumimoji="1" lang="en-US" altLang="ja-JP" sz="2800" b="0" i="1" smtClean="0">
+                          <a:latin typeface="Cambria Math" panose="02040503050406030204" pitchFamily="18" charset="0"/>
+                        </a:rPr>
+                        <m:t>𝑍</m:t>
+                      </m:r>
+                    </m:oMath>
+                  </m:oMathPara>
+                </a14:m>
+                <a:endParaRPr kumimoji="1" lang="ja-JP" altLang="en-US" sz="2800"/>
+              </a:p>
+            </p:txBody>
+          </p:sp>
+        </mc:Choice>
+        <mc:Fallback>
+          <p:sp>
+            <p:nvSpPr>
+              <p:cNvPr id="13" name="テキスト ボックス 12">
+                <a:extLst>
+                  <a:ext uri="{FF2B5EF4-FFF2-40B4-BE49-F238E27FC236}">
+                    <a16:creationId xmlns:a16="http://schemas.microsoft.com/office/drawing/2014/main" id="{43970E1C-7075-BAF3-8D90-76111AA90829}"/>
+                  </a:ext>
+                </a:extLst>
+              </p:cNvPr>
+              <p:cNvSpPr txBox="1">
+                <a:spLocks noRot="1" noChangeAspect="1" noMove="1" noResize="1" noEditPoints="1" noAdjustHandles="1" noChangeArrowheads="1" noChangeShapeType="1" noTextEdit="1"/>
+              </p:cNvSpPr>
+              <p:nvPr/>
+            </p:nvSpPr>
+            <p:spPr>
+              <a:xfrm>
+                <a:off x="5652120" y="5589240"/>
+                <a:ext cx="873508" cy="523220"/>
+              </a:xfrm>
+              <a:prstGeom prst="rect">
+                <a:avLst/>
+              </a:prstGeom>
+              <a:blipFill>
+                <a:blip r:embed="rId6"/>
+                <a:stretch>
+                  <a:fillRect/>
+                </a:stretch>
+              </a:blipFill>
+            </p:spPr>
+            <p:txBody>
+              <a:bodyPr/>
+              <a:lstStyle/>
+              <a:p>
+                <a:r>
+                  <a:rPr lang="ja-JP" altLang="en-US">
+                    <a:noFill/>
+                  </a:rPr>
+                  <a:t> </a:t>
+                </a:r>
+              </a:p>
+            </p:txBody>
+          </p:sp>
+        </mc:Fallback>
+      </mc:AlternateContent>
+      <mc:AlternateContent xmlns:mc="http://schemas.openxmlformats.org/markup-compatibility/2006">
+        <mc:Choice xmlns:a14="http://schemas.microsoft.com/office/drawing/2010/main" Requires="a14">
+          <p:sp>
+            <p:nvSpPr>
+              <p:cNvPr id="14" name="テキスト ボックス 13">
+                <a:extLst>
+                  <a:ext uri="{FF2B5EF4-FFF2-40B4-BE49-F238E27FC236}">
+                    <a16:creationId xmlns:a16="http://schemas.microsoft.com/office/drawing/2014/main" id="{1D507E87-A699-4805-28BD-326FEC976891}"/>
+                  </a:ext>
+                </a:extLst>
+              </p:cNvPr>
+              <p:cNvSpPr txBox="1"/>
+              <p:nvPr/>
+            </p:nvSpPr>
+            <p:spPr>
+              <a:xfrm>
+                <a:off x="2123728" y="6093296"/>
+                <a:ext cx="1100173" cy="461665"/>
+              </a:xfrm>
+              <a:prstGeom prst="rect">
+                <a:avLst/>
+              </a:prstGeom>
+              <a:noFill/>
+            </p:spPr>
+            <p:txBody>
+              <a:bodyPr wrap="none" rtlCol="0">
+                <a:spAutoFit/>
+              </a:bodyPr>
+              <a:lstStyle/>
+              <a:p>
+                <a14:m>
+                  <m:oMathPara xmlns:m="http://schemas.openxmlformats.org/officeDocument/2006/math">
+                    <m:oMathParaPr>
+                      <m:jc m:val="centerGroup"/>
+                    </m:oMathParaPr>
+                    <m:oMath xmlns:m="http://schemas.openxmlformats.org/officeDocument/2006/math">
+                      <m:r>
+                        <a:rPr kumimoji="1" lang="en-US" altLang="ja-JP" sz="2400" b="0" i="1" smtClean="0">
+                          <a:latin typeface="Cambria Math" panose="02040503050406030204" pitchFamily="18" charset="0"/>
+                        </a:rPr>
+                        <m:t>=1/</m:t>
+                      </m:r>
+                      <m:r>
+                        <a:rPr kumimoji="1" lang="en-US" altLang="ja-JP" sz="2400" b="0" i="1" smtClean="0">
+                          <a:latin typeface="Cambria Math" panose="02040503050406030204" pitchFamily="18" charset="0"/>
+                        </a:rPr>
+                        <m:t>𝛽</m:t>
+                      </m:r>
+                    </m:oMath>
+                  </m:oMathPara>
+                </a14:m>
+                <a:endParaRPr kumimoji="1" lang="ja-JP" altLang="en-US" sz="2400"/>
+              </a:p>
+            </p:txBody>
+          </p:sp>
+        </mc:Choice>
+        <mc:Fallback>
+          <p:sp>
+            <p:nvSpPr>
+              <p:cNvPr id="14" name="テキスト ボックス 13">
+                <a:extLst>
+                  <a:ext uri="{FF2B5EF4-FFF2-40B4-BE49-F238E27FC236}">
+                    <a16:creationId xmlns:a16="http://schemas.microsoft.com/office/drawing/2014/main" id="{1D507E87-A699-4805-28BD-326FEC976891}"/>
+                  </a:ext>
+                </a:extLst>
+              </p:cNvPr>
+              <p:cNvSpPr txBox="1">
+                <a:spLocks noRot="1" noChangeAspect="1" noMove="1" noResize="1" noEditPoints="1" noAdjustHandles="1" noChangeArrowheads="1" noChangeShapeType="1" noTextEdit="1"/>
+              </p:cNvSpPr>
+              <p:nvPr/>
+            </p:nvSpPr>
+            <p:spPr>
+              <a:xfrm>
+                <a:off x="2123728" y="6093296"/>
+                <a:ext cx="1100173" cy="461665"/>
+              </a:xfrm>
+              <a:prstGeom prst="rect">
+                <a:avLst/>
+              </a:prstGeom>
+              <a:blipFill>
+                <a:blip r:embed="rId7"/>
+                <a:stretch>
+                  <a:fillRect b="-21333"/>
+                </a:stretch>
+              </a:blipFill>
+            </p:spPr>
+            <p:txBody>
+              <a:bodyPr/>
+              <a:lstStyle/>
+              <a:p>
+                <a:r>
+                  <a:rPr lang="ja-JP" altLang="en-US">
+                    <a:noFill/>
+                  </a:rPr>
+                  <a:t> </a:t>
+                </a:r>
+              </a:p>
+            </p:txBody>
+          </p:sp>
+        </mc:Fallback>
+      </mc:AlternateContent>
+    </p:spTree>
+    <p:extLst>
+      <p:ext uri="{BB962C8B-B14F-4D97-AF65-F5344CB8AC3E}">
+        <p14:creationId xmlns:p14="http://schemas.microsoft.com/office/powerpoint/2010/main" val="348826034"/>
+      </p:ext>
+    </p:extLst>
+  </p:cSld>
+  <p:clrMapOvr>
+    <a:masterClrMapping/>
+  </p:clrMapOvr>
+</p:sld>
+</file>
+
+<file path=ppt/slides/slide25.xml><?xml version="1.0" encoding="utf-8"?>
+<p:sld xmlns:a="http://schemas.openxmlformats.org/drawingml/2006/main" xmlns:r="http://schemas.openxmlformats.org/officeDocument/2006/relationships" xmlns:p="http://schemas.openxmlformats.org/presentationml/2006/main">
+  <p:cSld>
+    <p:spTree>
+      <p:nvGrpSpPr>
+        <p:cNvPr id="1" name=""/>
+        <p:cNvGrpSpPr/>
+        <p:nvPr/>
+      </p:nvGrpSpPr>
+      <p:grpSpPr>
+        <a:xfrm>
+          <a:off x="0" y="0"/>
+          <a:ext cx="0" cy="0"/>
+          <a:chOff x="0" y="0"/>
+          <a:chExt cx="0" cy="0"/>
+        </a:xfrm>
+      </p:grpSpPr>
+      <p:sp>
+        <p:nvSpPr>
+          <p:cNvPr id="2" name="テキスト プレースホルダー 1">
+            <a:extLst>
+              <a:ext uri="{FF2B5EF4-FFF2-40B4-BE49-F238E27FC236}">
+                <a16:creationId xmlns:a16="http://schemas.microsoft.com/office/drawing/2014/main" id="{6766284E-0D7E-9D92-B8AB-C49DF887BBBC}"/>
+              </a:ext>
+            </a:extLst>
+          </p:cNvPr>
+          <p:cNvSpPr>
+            <a:spLocks noGrp="1"/>
+          </p:cNvSpPr>
+          <p:nvPr>
+            <p:ph type="body" sz="quarter" idx="10"/>
+          </p:nvPr>
+        </p:nvSpPr>
+        <p:spPr/>
+        <p:txBody>
+          <a:bodyPr/>
+          <a:lstStyle/>
+          <a:p>
+            <a:r>
+              <a:rPr kumimoji="1" lang="ja-JP" altLang="en-US"/>
+              <a:t>カノニカル分布</a:t>
+            </a:r>
+            <a:r>
+              <a:rPr lang="ja-JP" altLang="en-US"/>
+              <a:t>と温度</a:t>
+            </a:r>
+            <a:endParaRPr kumimoji="1" lang="ja-JP" altLang="en-US"/>
+          </a:p>
+        </p:txBody>
+      </p:sp>
+      <mc:AlternateContent xmlns:mc="http://schemas.openxmlformats.org/markup-compatibility/2006">
+        <mc:Choice xmlns:a14="http://schemas.microsoft.com/office/drawing/2010/main" Requires="a14">
+          <p:sp>
+            <p:nvSpPr>
+              <p:cNvPr id="3" name="テキスト ボックス 2">
+                <a:extLst>
+                  <a:ext uri="{FF2B5EF4-FFF2-40B4-BE49-F238E27FC236}">
+                    <a16:creationId xmlns:a16="http://schemas.microsoft.com/office/drawing/2014/main" id="{B3AAD301-0806-D590-7564-959D3EB8618E}"/>
+                  </a:ext>
+                </a:extLst>
+              </p:cNvPr>
+              <p:cNvSpPr txBox="1"/>
+              <p:nvPr/>
+            </p:nvSpPr>
+            <p:spPr>
+              <a:xfrm>
+                <a:off x="2915816" y="1052736"/>
+                <a:ext cx="2493310" cy="1031436"/>
+              </a:xfrm>
+              <a:prstGeom prst="rect">
+                <a:avLst/>
+              </a:prstGeom>
+              <a:noFill/>
+            </p:spPr>
+            <p:txBody>
+              <a:bodyPr wrap="none" rtlCol="0">
+                <a:spAutoFit/>
+              </a:bodyPr>
+              <a:lstStyle/>
+              <a:p>
+                <a14:m>
+                  <m:oMathPara xmlns:m="http://schemas.openxmlformats.org/officeDocument/2006/math">
+                    <m:oMathParaPr>
+                      <m:jc m:val="centerGroup"/>
+                    </m:oMathParaPr>
+                    <m:oMath xmlns:m="http://schemas.openxmlformats.org/officeDocument/2006/math">
+                      <m:d>
+                        <m:dPr>
+                          <m:begChr m:val="⟨"/>
+                          <m:endChr m:val="⟩"/>
+                          <m:ctrlPr>
+                            <a:rPr kumimoji="1" lang="en-US" altLang="ja-JP" sz="2400" i="1" smtClean="0">
+                              <a:latin typeface="Cambria Math" panose="02040503050406030204" pitchFamily="18" charset="0"/>
+                            </a:rPr>
+                          </m:ctrlPr>
+                        </m:dPr>
+                        <m:e>
+                          <m:r>
+                            <a:rPr kumimoji="1" lang="en-US" altLang="ja-JP" sz="2400" b="0" i="1" smtClean="0">
+                              <a:latin typeface="Cambria Math" panose="02040503050406030204" pitchFamily="18" charset="0"/>
+                            </a:rPr>
+                            <m:t>𝑝</m:t>
+                          </m:r>
+                          <m:f>
+                            <m:fPr>
+                              <m:ctrlPr>
+                                <a:rPr kumimoji="1" lang="en-US" altLang="ja-JP" sz="2400" b="0" i="1" smtClean="0">
+                                  <a:latin typeface="Cambria Math" panose="02040503050406030204" pitchFamily="18" charset="0"/>
+                                </a:rPr>
+                              </m:ctrlPr>
+                            </m:fPr>
+                            <m:num>
+                              <m:r>
+                                <a:rPr kumimoji="1" lang="en-US" altLang="ja-JP" sz="2400" b="0" i="1" smtClean="0">
+                                  <a:latin typeface="Cambria Math" panose="02040503050406030204" pitchFamily="18" charset="0"/>
+                                </a:rPr>
+                                <m:t>𝜕</m:t>
+                              </m:r>
+                              <m:r>
+                                <a:rPr kumimoji="1" lang="en-US" altLang="ja-JP" sz="2400" b="0" i="1" smtClean="0">
+                                  <a:latin typeface="Cambria Math" panose="02040503050406030204" pitchFamily="18" charset="0"/>
+                                </a:rPr>
+                                <m:t>𝐻</m:t>
+                              </m:r>
+                            </m:num>
+                            <m:den>
+                              <m:r>
+                                <a:rPr kumimoji="1" lang="en-US" altLang="ja-JP" sz="2400" b="0" i="1" smtClean="0">
+                                  <a:latin typeface="Cambria Math" panose="02040503050406030204" pitchFamily="18" charset="0"/>
+                                </a:rPr>
+                                <m:t>𝜕</m:t>
+                              </m:r>
+                              <m:r>
+                                <a:rPr kumimoji="1" lang="en-US" altLang="ja-JP" sz="2400" b="0" i="1" smtClean="0">
+                                  <a:latin typeface="Cambria Math" panose="02040503050406030204" pitchFamily="18" charset="0"/>
+                                </a:rPr>
+                                <m:t>𝑝</m:t>
+                              </m:r>
+                            </m:den>
+                          </m:f>
+                        </m:e>
+                      </m:d>
+                      <m:r>
+                        <a:rPr kumimoji="1" lang="en-US" altLang="ja-JP" sz="2400" b="0" i="1" smtClean="0">
+                          <a:latin typeface="Cambria Math" panose="02040503050406030204" pitchFamily="18" charset="0"/>
+                        </a:rPr>
+                        <m:t>=</m:t>
+                      </m:r>
+                      <m:f>
+                        <m:fPr>
+                          <m:ctrlPr>
+                            <a:rPr kumimoji="1" lang="en-US" altLang="ja-JP" sz="2400" b="0" i="1" smtClean="0">
+                              <a:latin typeface="Cambria Math" panose="02040503050406030204" pitchFamily="18" charset="0"/>
+                            </a:rPr>
+                          </m:ctrlPr>
+                        </m:fPr>
+                        <m:num>
+                          <m:r>
+                            <a:rPr kumimoji="1" lang="en-US" altLang="ja-JP" sz="2400" b="0" i="1" smtClean="0">
+                              <a:latin typeface="Cambria Math" panose="02040503050406030204" pitchFamily="18" charset="0"/>
+                            </a:rPr>
+                            <m:t>1</m:t>
+                          </m:r>
+                        </m:num>
+                        <m:den>
+                          <m:r>
+                            <a:rPr kumimoji="1" lang="en-US" altLang="ja-JP" sz="2400" b="0" i="1" smtClean="0">
+                              <a:latin typeface="Cambria Math" panose="02040503050406030204" pitchFamily="18" charset="0"/>
+                            </a:rPr>
+                            <m:t>𝛽</m:t>
+                          </m:r>
+                        </m:den>
+                      </m:f>
+                      <m:r>
+                        <a:rPr kumimoji="1" lang="en-US" altLang="ja-JP" sz="2400" b="0" i="1" smtClean="0">
+                          <a:latin typeface="Cambria Math" panose="02040503050406030204" pitchFamily="18" charset="0"/>
+                        </a:rPr>
+                        <m:t>=</m:t>
+                      </m:r>
+                      <m:r>
+                        <a:rPr kumimoji="1" lang="en-US" altLang="ja-JP" sz="2400" b="0" i="1" smtClean="0">
+                          <a:latin typeface="Cambria Math" panose="02040503050406030204" pitchFamily="18" charset="0"/>
+                        </a:rPr>
+                        <m:t>𝑘𝑇</m:t>
+                      </m:r>
+                    </m:oMath>
+                  </m:oMathPara>
+                </a14:m>
+                <a:endParaRPr kumimoji="1" lang="ja-JP" altLang="en-US" sz="2400"/>
+              </a:p>
+            </p:txBody>
+          </p:sp>
+        </mc:Choice>
+        <mc:Fallback>
+          <p:sp>
+            <p:nvSpPr>
+              <p:cNvPr id="3" name="テキスト ボックス 2">
+                <a:extLst>
+                  <a:ext uri="{FF2B5EF4-FFF2-40B4-BE49-F238E27FC236}">
+                    <a16:creationId xmlns:a16="http://schemas.microsoft.com/office/drawing/2014/main" id="{B3AAD301-0806-D590-7564-959D3EB8618E}"/>
+                  </a:ext>
+                </a:extLst>
+              </p:cNvPr>
+              <p:cNvSpPr txBox="1">
+                <a:spLocks noRot="1" noChangeAspect="1" noMove="1" noResize="1" noEditPoints="1" noAdjustHandles="1" noChangeArrowheads="1" noChangeShapeType="1" noTextEdit="1"/>
+              </p:cNvSpPr>
+              <p:nvPr/>
+            </p:nvSpPr>
+            <p:spPr>
+              <a:xfrm>
+                <a:off x="2915816" y="1052736"/>
+                <a:ext cx="2493310" cy="1031436"/>
+              </a:xfrm>
+              <a:prstGeom prst="rect">
+                <a:avLst/>
+              </a:prstGeom>
+              <a:blipFill>
+                <a:blip r:embed="rId2"/>
+                <a:stretch>
+                  <a:fillRect/>
+                </a:stretch>
+              </a:blipFill>
+            </p:spPr>
+            <p:txBody>
+              <a:bodyPr/>
+              <a:lstStyle/>
+              <a:p>
+                <a:r>
+                  <a:rPr lang="ja-JP" altLang="en-US">
+                    <a:noFill/>
+                  </a:rPr>
+                  <a:t> </a:t>
+                </a:r>
+              </a:p>
+            </p:txBody>
+          </p:sp>
+        </mc:Fallback>
+      </mc:AlternateContent>
+      <mc:AlternateContent xmlns:mc="http://schemas.openxmlformats.org/markup-compatibility/2006">
+        <mc:Choice xmlns:a14="http://schemas.microsoft.com/office/drawing/2010/main" Requires="a14">
+          <p:sp>
+            <p:nvSpPr>
+              <p:cNvPr id="4" name="テキスト ボックス 3">
+                <a:extLst>
+                  <a:ext uri="{FF2B5EF4-FFF2-40B4-BE49-F238E27FC236}">
+                    <a16:creationId xmlns:a16="http://schemas.microsoft.com/office/drawing/2014/main" id="{B4326971-BF98-4B52-CD98-A5A6ACA008B4}"/>
+                  </a:ext>
+                </a:extLst>
+              </p:cNvPr>
+              <p:cNvSpPr txBox="1"/>
+              <p:nvPr/>
+            </p:nvSpPr>
+            <p:spPr>
+              <a:xfrm>
+                <a:off x="683568" y="2492896"/>
+                <a:ext cx="7560840" cy="668388"/>
+              </a:xfrm>
+              <a:prstGeom prst="rect">
+                <a:avLst/>
+              </a:prstGeom>
+              <a:noFill/>
+            </p:spPr>
+            <p:txBody>
+              <a:bodyPr wrap="square" rtlCol="0">
+                <a:spAutoFit/>
+              </a:bodyPr>
+              <a:lstStyle/>
+              <a:p>
+                <a:r>
+                  <a:rPr lang="ja-JP" altLang="en-US" sz="2400"/>
+                  <a:t>ハミルトニアンが</a:t>
+                </a:r>
+                <a14:m>
+                  <m:oMath xmlns:m="http://schemas.openxmlformats.org/officeDocument/2006/math">
+                    <m:r>
+                      <a:rPr kumimoji="1" lang="en-US" altLang="ja-JP" sz="2400" b="0" i="1" smtClean="0">
+                        <a:latin typeface="Cambria Math" panose="02040503050406030204" pitchFamily="18" charset="0"/>
+                      </a:rPr>
+                      <m:t>𝐻</m:t>
+                    </m:r>
+                    <m:r>
+                      <a:rPr kumimoji="1" lang="en-US" altLang="ja-JP" sz="2400" b="0" i="1" smtClean="0">
+                        <a:latin typeface="Cambria Math" panose="02040503050406030204" pitchFamily="18" charset="0"/>
+                      </a:rPr>
+                      <m:t>=</m:t>
+                    </m:r>
+                    <m:f>
+                      <m:fPr>
+                        <m:ctrlPr>
+                          <a:rPr kumimoji="1" lang="en-US" altLang="ja-JP" sz="2400" b="0" i="1" smtClean="0">
+                            <a:latin typeface="Cambria Math" panose="02040503050406030204" pitchFamily="18" charset="0"/>
+                          </a:rPr>
+                        </m:ctrlPr>
+                      </m:fPr>
+                      <m:num>
+                        <m:sSup>
+                          <m:sSupPr>
+                            <m:ctrlPr>
+                              <a:rPr kumimoji="1" lang="en-US" altLang="ja-JP" sz="2400" b="0" i="1" smtClean="0">
+                                <a:latin typeface="Cambria Math" panose="02040503050406030204" pitchFamily="18" charset="0"/>
+                              </a:rPr>
+                            </m:ctrlPr>
+                          </m:sSupPr>
+                          <m:e>
+                            <m:r>
+                              <a:rPr kumimoji="1" lang="en-US" altLang="ja-JP" sz="2400" b="0" i="1" smtClean="0">
+                                <a:latin typeface="Cambria Math" panose="02040503050406030204" pitchFamily="18" charset="0"/>
+                              </a:rPr>
+                              <m:t>𝑝</m:t>
+                            </m:r>
+                          </m:e>
+                          <m:sup>
+                            <m:r>
+                              <a:rPr kumimoji="1" lang="en-US" altLang="ja-JP" sz="2400" b="0" i="1" smtClean="0">
+                                <a:latin typeface="Cambria Math" panose="02040503050406030204" pitchFamily="18" charset="0"/>
+                              </a:rPr>
+                              <m:t>2</m:t>
+                            </m:r>
+                          </m:sup>
+                        </m:sSup>
+                      </m:num>
+                      <m:den>
+                        <m:r>
+                          <a:rPr kumimoji="1" lang="en-US" altLang="ja-JP" sz="2400" b="0" i="1" smtClean="0">
+                            <a:latin typeface="Cambria Math" panose="02040503050406030204" pitchFamily="18" charset="0"/>
+                          </a:rPr>
+                          <m:t>2</m:t>
+                        </m:r>
+                        <m:r>
+                          <a:rPr kumimoji="1" lang="en-US" altLang="ja-JP" sz="2400" b="0" i="1" smtClean="0">
+                            <a:latin typeface="Cambria Math" panose="02040503050406030204" pitchFamily="18" charset="0"/>
+                          </a:rPr>
+                          <m:t>𝑚</m:t>
+                        </m:r>
+                      </m:den>
+                    </m:f>
+                    <m:r>
+                      <a:rPr kumimoji="1" lang="en-US" altLang="ja-JP" sz="2400" b="0" i="1" smtClean="0">
+                        <a:latin typeface="Cambria Math" panose="02040503050406030204" pitchFamily="18" charset="0"/>
+                      </a:rPr>
+                      <m:t>+</m:t>
+                    </m:r>
+                    <m:r>
+                      <a:rPr kumimoji="1" lang="en-US" altLang="ja-JP" sz="2400" b="0" i="1" smtClean="0">
+                        <a:latin typeface="Cambria Math" panose="02040503050406030204" pitchFamily="18" charset="0"/>
+                      </a:rPr>
+                      <m:t>𝑉</m:t>
+                    </m:r>
+                    <m:r>
+                      <a:rPr kumimoji="1" lang="en-US" altLang="ja-JP" sz="2400" b="0" i="1" smtClean="0">
+                        <a:latin typeface="Cambria Math" panose="02040503050406030204" pitchFamily="18" charset="0"/>
+                      </a:rPr>
+                      <m:t>(</m:t>
+                    </m:r>
+                    <m:r>
+                      <a:rPr kumimoji="1" lang="en-US" altLang="ja-JP" sz="2400" b="0" i="1" smtClean="0">
+                        <a:latin typeface="Cambria Math" panose="02040503050406030204" pitchFamily="18" charset="0"/>
+                      </a:rPr>
+                      <m:t>𝑞</m:t>
+                    </m:r>
+                    <m:r>
+                      <a:rPr kumimoji="1" lang="en-US" altLang="ja-JP" sz="2400" b="0" i="1" smtClean="0">
+                        <a:latin typeface="Cambria Math" panose="02040503050406030204" pitchFamily="18" charset="0"/>
+                      </a:rPr>
+                      <m:t>)</m:t>
+                    </m:r>
+                  </m:oMath>
+                </a14:m>
+                <a:r>
+                  <a:rPr lang="ja-JP" altLang="en-US" sz="2400"/>
+                  <a:t>の形をしている場合</a:t>
+                </a:r>
+                <a:endParaRPr kumimoji="1" lang="ja-JP" altLang="en-US" sz="2400"/>
+              </a:p>
+            </p:txBody>
+          </p:sp>
+        </mc:Choice>
+        <mc:Fallback>
+          <p:sp>
+            <p:nvSpPr>
+              <p:cNvPr id="4" name="テキスト ボックス 3">
+                <a:extLst>
+                  <a:ext uri="{FF2B5EF4-FFF2-40B4-BE49-F238E27FC236}">
+                    <a16:creationId xmlns:a16="http://schemas.microsoft.com/office/drawing/2014/main" id="{B4326971-BF98-4B52-CD98-A5A6ACA008B4}"/>
+                  </a:ext>
+                </a:extLst>
+              </p:cNvPr>
+              <p:cNvSpPr txBox="1">
+                <a:spLocks noRot="1" noChangeAspect="1" noMove="1" noResize="1" noEditPoints="1" noAdjustHandles="1" noChangeArrowheads="1" noChangeShapeType="1" noTextEdit="1"/>
+              </p:cNvSpPr>
+              <p:nvPr/>
+            </p:nvSpPr>
+            <p:spPr>
+              <a:xfrm>
+                <a:off x="683568" y="2492896"/>
+                <a:ext cx="7560840" cy="668388"/>
+              </a:xfrm>
+              <a:prstGeom prst="rect">
+                <a:avLst/>
+              </a:prstGeom>
+              <a:blipFill>
+                <a:blip r:embed="rId3"/>
+                <a:stretch>
+                  <a:fillRect l="-1210" b="-3636"/>
+                </a:stretch>
+              </a:blipFill>
+            </p:spPr>
+            <p:txBody>
+              <a:bodyPr/>
+              <a:lstStyle/>
+              <a:p>
+                <a:r>
+                  <a:rPr lang="ja-JP" altLang="en-US">
+                    <a:noFill/>
+                  </a:rPr>
+                  <a:t> </a:t>
+                </a:r>
+              </a:p>
+            </p:txBody>
+          </p:sp>
+        </mc:Fallback>
+      </mc:AlternateContent>
+      <mc:AlternateContent xmlns:mc="http://schemas.openxmlformats.org/markup-compatibility/2006">
+        <mc:Choice xmlns:a14="http://schemas.microsoft.com/office/drawing/2010/main" Requires="a14">
+          <p:sp>
+            <p:nvSpPr>
+              <p:cNvPr id="6" name="テキスト ボックス 5">
+                <a:extLst>
+                  <a:ext uri="{FF2B5EF4-FFF2-40B4-BE49-F238E27FC236}">
+                    <a16:creationId xmlns:a16="http://schemas.microsoft.com/office/drawing/2014/main" id="{73E3749A-7506-8BF4-C7AD-029025A9D507}"/>
+                  </a:ext>
+                </a:extLst>
+              </p:cNvPr>
+              <p:cNvSpPr txBox="1"/>
+              <p:nvPr/>
+            </p:nvSpPr>
+            <p:spPr>
+              <a:xfrm>
+                <a:off x="683568" y="3429000"/>
+                <a:ext cx="3746987" cy="1344535"/>
+              </a:xfrm>
+              <a:prstGeom prst="rect">
+                <a:avLst/>
+              </a:prstGeom>
+              <a:noFill/>
+            </p:spPr>
+            <p:txBody>
+              <a:bodyPr wrap="none" rtlCol="0">
+                <a:spAutoFit/>
+              </a:bodyPr>
+              <a:lstStyle/>
+              <a:p>
+                <a14:m>
+                  <m:oMathPara xmlns:m="http://schemas.openxmlformats.org/officeDocument/2006/math">
+                    <m:oMathParaPr>
+                      <m:jc m:val="centerGroup"/>
+                    </m:oMathParaPr>
+                    <m:oMath xmlns:m="http://schemas.openxmlformats.org/officeDocument/2006/math">
+                      <m:d>
+                        <m:dPr>
+                          <m:begChr m:val="⟨"/>
+                          <m:endChr m:val="⟩"/>
+                          <m:ctrlPr>
+                            <a:rPr kumimoji="1" lang="en-US" altLang="ja-JP" sz="3200" i="1" smtClean="0">
+                              <a:latin typeface="Cambria Math" panose="02040503050406030204" pitchFamily="18" charset="0"/>
+                            </a:rPr>
+                          </m:ctrlPr>
+                        </m:dPr>
+                        <m:e>
+                          <m:r>
+                            <a:rPr kumimoji="1" lang="en-US" altLang="ja-JP" sz="3200" b="0" i="1" smtClean="0">
+                              <a:latin typeface="Cambria Math" panose="02040503050406030204" pitchFamily="18" charset="0"/>
+                            </a:rPr>
+                            <m:t>𝑝</m:t>
+                          </m:r>
+                          <m:f>
+                            <m:fPr>
+                              <m:ctrlPr>
+                                <a:rPr kumimoji="1" lang="en-US" altLang="ja-JP" sz="3200" b="0" i="1" smtClean="0">
+                                  <a:latin typeface="Cambria Math" panose="02040503050406030204" pitchFamily="18" charset="0"/>
+                                </a:rPr>
+                              </m:ctrlPr>
+                            </m:fPr>
+                            <m:num>
+                              <m:r>
+                                <a:rPr kumimoji="1" lang="en-US" altLang="ja-JP" sz="3200" b="0" i="1" smtClean="0">
+                                  <a:latin typeface="Cambria Math" panose="02040503050406030204" pitchFamily="18" charset="0"/>
+                                </a:rPr>
+                                <m:t>𝜕</m:t>
+                              </m:r>
+                              <m:r>
+                                <a:rPr kumimoji="1" lang="en-US" altLang="ja-JP" sz="3200" b="0" i="1" smtClean="0">
+                                  <a:latin typeface="Cambria Math" panose="02040503050406030204" pitchFamily="18" charset="0"/>
+                                </a:rPr>
+                                <m:t>𝐻</m:t>
+                              </m:r>
+                            </m:num>
+                            <m:den>
+                              <m:r>
+                                <a:rPr kumimoji="1" lang="en-US" altLang="ja-JP" sz="3200" b="0" i="1" smtClean="0">
+                                  <a:latin typeface="Cambria Math" panose="02040503050406030204" pitchFamily="18" charset="0"/>
+                                </a:rPr>
+                                <m:t>𝜕</m:t>
+                              </m:r>
+                              <m:r>
+                                <a:rPr kumimoji="1" lang="en-US" altLang="ja-JP" sz="3200" b="0" i="1" smtClean="0">
+                                  <a:latin typeface="Cambria Math" panose="02040503050406030204" pitchFamily="18" charset="0"/>
+                                </a:rPr>
+                                <m:t>𝑝</m:t>
+                              </m:r>
+                            </m:den>
+                          </m:f>
+                        </m:e>
+                      </m:d>
+                      <m:r>
+                        <a:rPr kumimoji="1" lang="en-US" altLang="ja-JP" sz="3200" b="0" i="1" smtClean="0">
+                          <a:latin typeface="Cambria Math" panose="02040503050406030204" pitchFamily="18" charset="0"/>
+                        </a:rPr>
+                        <m:t>=</m:t>
+                      </m:r>
+                      <m:d>
+                        <m:dPr>
+                          <m:begChr m:val="⟨"/>
+                          <m:endChr m:val="⟩"/>
+                          <m:ctrlPr>
+                            <a:rPr lang="en-US" altLang="ja-JP" sz="3200" i="1">
+                              <a:latin typeface="Cambria Math" panose="02040503050406030204" pitchFamily="18" charset="0"/>
+                            </a:rPr>
+                          </m:ctrlPr>
+                        </m:dPr>
+                        <m:e>
+                          <m:f>
+                            <m:fPr>
+                              <m:ctrlPr>
+                                <a:rPr lang="en-US" altLang="ja-JP" sz="3200" b="0" i="1" smtClean="0">
+                                  <a:latin typeface="Cambria Math" panose="02040503050406030204" pitchFamily="18" charset="0"/>
+                                </a:rPr>
+                              </m:ctrlPr>
+                            </m:fPr>
+                            <m:num>
+                              <m:sSup>
+                                <m:sSupPr>
+                                  <m:ctrlPr>
+                                    <a:rPr lang="en-US" altLang="ja-JP" sz="3200" b="0" i="1" smtClean="0">
+                                      <a:latin typeface="Cambria Math" panose="02040503050406030204" pitchFamily="18" charset="0"/>
+                                    </a:rPr>
+                                  </m:ctrlPr>
+                                </m:sSupPr>
+                                <m:e>
+                                  <m:r>
+                                    <a:rPr lang="en-US" altLang="ja-JP" sz="3200" b="0" i="1" smtClean="0">
+                                      <a:latin typeface="Cambria Math" panose="02040503050406030204" pitchFamily="18" charset="0"/>
+                                    </a:rPr>
+                                    <m:t>𝑝</m:t>
+                                  </m:r>
+                                </m:e>
+                                <m:sup>
+                                  <m:r>
+                                    <a:rPr lang="en-US" altLang="ja-JP" sz="3200" b="0" i="1" smtClean="0">
+                                      <a:latin typeface="Cambria Math" panose="02040503050406030204" pitchFamily="18" charset="0"/>
+                                    </a:rPr>
+                                    <m:t>2</m:t>
+                                  </m:r>
+                                </m:sup>
+                              </m:sSup>
+                            </m:num>
+                            <m:den>
+                              <m:r>
+                                <a:rPr lang="en-US" altLang="ja-JP" sz="3200" b="0" i="1" smtClean="0">
+                                  <a:latin typeface="Cambria Math" panose="02040503050406030204" pitchFamily="18" charset="0"/>
+                                </a:rPr>
+                                <m:t>𝑚</m:t>
+                              </m:r>
+                            </m:den>
+                          </m:f>
+                        </m:e>
+                      </m:d>
+                      <m:r>
+                        <a:rPr kumimoji="1" lang="en-US" altLang="ja-JP" sz="3200" b="0" i="1" smtClean="0">
+                          <a:latin typeface="Cambria Math" panose="02040503050406030204" pitchFamily="18" charset="0"/>
+                        </a:rPr>
+                        <m:t>=</m:t>
+                      </m:r>
+                      <m:r>
+                        <a:rPr kumimoji="1" lang="en-US" altLang="ja-JP" sz="3200" b="0" i="1" smtClean="0">
+                          <a:latin typeface="Cambria Math" panose="02040503050406030204" pitchFamily="18" charset="0"/>
+                        </a:rPr>
+                        <m:t>𝑘𝑇</m:t>
+                      </m:r>
+                    </m:oMath>
+                  </m:oMathPara>
+                </a14:m>
+                <a:endParaRPr kumimoji="1" lang="ja-JP" altLang="en-US" sz="3200"/>
+              </a:p>
+            </p:txBody>
+          </p:sp>
+        </mc:Choice>
+        <mc:Fallback>
+          <p:sp>
+            <p:nvSpPr>
+              <p:cNvPr id="6" name="テキスト ボックス 5">
+                <a:extLst>
+                  <a:ext uri="{FF2B5EF4-FFF2-40B4-BE49-F238E27FC236}">
+                    <a16:creationId xmlns:a16="http://schemas.microsoft.com/office/drawing/2014/main" id="{73E3749A-7506-8BF4-C7AD-029025A9D507}"/>
+                  </a:ext>
+                </a:extLst>
+              </p:cNvPr>
+              <p:cNvSpPr txBox="1">
+                <a:spLocks noRot="1" noChangeAspect="1" noMove="1" noResize="1" noEditPoints="1" noAdjustHandles="1" noChangeArrowheads="1" noChangeShapeType="1" noTextEdit="1"/>
+              </p:cNvSpPr>
+              <p:nvPr/>
+            </p:nvSpPr>
+            <p:spPr>
+              <a:xfrm>
+                <a:off x="683568" y="3429000"/>
+                <a:ext cx="3746987" cy="1344535"/>
+              </a:xfrm>
+              <a:prstGeom prst="rect">
+                <a:avLst/>
+              </a:prstGeom>
+              <a:blipFill>
+                <a:blip r:embed="rId4"/>
+                <a:stretch>
+                  <a:fillRect/>
+                </a:stretch>
+              </a:blipFill>
+            </p:spPr>
+            <p:txBody>
+              <a:bodyPr/>
+              <a:lstStyle/>
+              <a:p>
+                <a:r>
+                  <a:rPr lang="ja-JP" altLang="en-US">
+                    <a:noFill/>
+                  </a:rPr>
+                  <a:t> </a:t>
+                </a:r>
+              </a:p>
+            </p:txBody>
+          </p:sp>
+        </mc:Fallback>
+      </mc:AlternateContent>
+      <p:sp>
+        <p:nvSpPr>
+          <p:cNvPr id="7" name="矢印: 右 6">
+            <a:extLst>
+              <a:ext uri="{FF2B5EF4-FFF2-40B4-BE49-F238E27FC236}">
+                <a16:creationId xmlns:a16="http://schemas.microsoft.com/office/drawing/2014/main" id="{83E8EEA0-14A8-6ECB-1BD9-8604A73DEEAC}"/>
+              </a:ext>
+            </a:extLst>
+          </p:cNvPr>
+          <p:cNvSpPr/>
+          <p:nvPr/>
+        </p:nvSpPr>
+        <p:spPr>
+          <a:xfrm>
+            <a:off x="4427984" y="3861048"/>
+            <a:ext cx="432048" cy="556640"/>
+          </a:xfrm>
+          <a:prstGeom prst="rightArrow">
+            <a:avLst/>
+          </a:prstGeom>
+          <a:solidFill>
+            <a:srgbClr val="FF0000"/>
+          </a:solidFill>
+          <a:ln>
+            <a:solidFill>
+              <a:schemeClr val="tx1"/>
+            </a:solidFill>
+          </a:ln>
+        </p:spPr>
+        <p:style>
+          <a:lnRef idx="2">
+            <a:schemeClr val="accent1">
+              <a:shade val="50000"/>
+            </a:schemeClr>
+          </a:lnRef>
+          <a:fillRef idx="1">
+            <a:schemeClr val="accent1"/>
+          </a:fillRef>
+          <a:effectRef idx="0">
+            <a:schemeClr val="accent1"/>
+          </a:effectRef>
+          <a:fontRef idx="minor">
+            <a:schemeClr val="lt1"/>
+          </a:fontRef>
+        </p:style>
+        <p:txBody>
+          <a:bodyPr rtlCol="0" anchor="ctr"/>
+          <a:lstStyle/>
+          <a:p>
+            <a:pPr algn="ctr"/>
+            <a:endParaRPr kumimoji="1" lang="ja-JP" altLang="en-US"/>
+          </a:p>
+        </p:txBody>
+      </p:sp>
+      <mc:AlternateContent xmlns:mc="http://schemas.openxmlformats.org/markup-compatibility/2006">
+        <mc:Choice xmlns:a14="http://schemas.microsoft.com/office/drawing/2010/main" Requires="a14">
+          <p:sp>
+            <p:nvSpPr>
+              <p:cNvPr id="9" name="テキスト ボックス 8">
+                <a:extLst>
+                  <a:ext uri="{FF2B5EF4-FFF2-40B4-BE49-F238E27FC236}">
+                    <a16:creationId xmlns:a16="http://schemas.microsoft.com/office/drawing/2014/main" id="{36FC76AE-36A8-4458-FB69-6E81912B54D4}"/>
+                  </a:ext>
+                </a:extLst>
+              </p:cNvPr>
+              <p:cNvSpPr txBox="1"/>
+              <p:nvPr/>
+            </p:nvSpPr>
+            <p:spPr>
+              <a:xfrm>
+                <a:off x="4860032" y="3573016"/>
+                <a:ext cx="2699792" cy="1187954"/>
+              </a:xfrm>
+              <a:prstGeom prst="rect">
+                <a:avLst/>
+              </a:prstGeom>
+              <a:noFill/>
+            </p:spPr>
+            <p:txBody>
+              <a:bodyPr wrap="square">
+                <a:spAutoFit/>
+              </a:bodyPr>
+              <a:lstStyle/>
+              <a:p>
+                <a:pPr/>
+                <a14:m>
+                  <m:oMathPara xmlns:m="http://schemas.openxmlformats.org/officeDocument/2006/math">
+                    <m:oMathParaPr>
+                      <m:jc m:val="centerGroup"/>
+                    </m:oMathParaPr>
+                    <m:oMath xmlns:m="http://schemas.openxmlformats.org/officeDocument/2006/math">
+                      <m:d>
+                        <m:dPr>
+                          <m:begChr m:val="⟨"/>
+                          <m:endChr m:val="⟩"/>
+                          <m:ctrlPr>
+                            <a:rPr lang="en-US" altLang="ja-JP" sz="2800" i="1" smtClean="0">
+                              <a:latin typeface="Cambria Math" panose="02040503050406030204" pitchFamily="18" charset="0"/>
+                            </a:rPr>
+                          </m:ctrlPr>
+                        </m:dPr>
+                        <m:e>
+                          <m:f>
+                            <m:fPr>
+                              <m:ctrlPr>
+                                <a:rPr lang="en-US" altLang="ja-JP" sz="2800" b="0" i="1" smtClean="0">
+                                  <a:latin typeface="Cambria Math" panose="02040503050406030204" pitchFamily="18" charset="0"/>
+                                </a:rPr>
+                              </m:ctrlPr>
+                            </m:fPr>
+                            <m:num>
+                              <m:sSup>
+                                <m:sSupPr>
+                                  <m:ctrlPr>
+                                    <a:rPr lang="en-US" altLang="ja-JP" sz="2800" b="0" i="1" smtClean="0">
+                                      <a:latin typeface="Cambria Math" panose="02040503050406030204" pitchFamily="18" charset="0"/>
+                                    </a:rPr>
+                                  </m:ctrlPr>
+                                </m:sSupPr>
+                                <m:e>
+                                  <m:r>
+                                    <a:rPr lang="en-US" altLang="ja-JP" sz="2800" b="0" i="1" smtClean="0">
+                                      <a:latin typeface="Cambria Math" panose="02040503050406030204" pitchFamily="18" charset="0"/>
+                                    </a:rPr>
+                                    <m:t>𝑝</m:t>
+                                  </m:r>
+                                </m:e>
+                                <m:sup>
+                                  <m:r>
+                                    <a:rPr lang="en-US" altLang="ja-JP" sz="2800" b="0" i="1" smtClean="0">
+                                      <a:latin typeface="Cambria Math" panose="02040503050406030204" pitchFamily="18" charset="0"/>
+                                    </a:rPr>
+                                    <m:t>2</m:t>
+                                  </m:r>
+                                </m:sup>
+                              </m:sSup>
+                            </m:num>
+                            <m:den>
+                              <m:r>
+                                <a:rPr lang="en-US" altLang="ja-JP" sz="2800" b="0" i="1" smtClean="0">
+                                  <a:latin typeface="Cambria Math" panose="02040503050406030204" pitchFamily="18" charset="0"/>
+                                </a:rPr>
+                                <m:t>2</m:t>
+                              </m:r>
+                              <m:r>
+                                <a:rPr lang="en-US" altLang="ja-JP" sz="2800" b="0" i="1" smtClean="0">
+                                  <a:latin typeface="Cambria Math" panose="02040503050406030204" pitchFamily="18" charset="0"/>
+                                </a:rPr>
+                                <m:t>𝑚</m:t>
+                              </m:r>
+                            </m:den>
+                          </m:f>
+                        </m:e>
+                      </m:d>
+                      <m:r>
+                        <a:rPr kumimoji="1" lang="en-US" altLang="ja-JP" sz="2800" b="0" i="1" smtClean="0">
+                          <a:latin typeface="Cambria Math" panose="02040503050406030204" pitchFamily="18" charset="0"/>
+                        </a:rPr>
+                        <m:t>=</m:t>
+                      </m:r>
+                      <m:f>
+                        <m:fPr>
+                          <m:ctrlPr>
+                            <a:rPr kumimoji="1" lang="en-US" altLang="ja-JP" sz="2800" b="0" i="1" smtClean="0">
+                              <a:latin typeface="Cambria Math" panose="02040503050406030204" pitchFamily="18" charset="0"/>
+                            </a:rPr>
+                          </m:ctrlPr>
+                        </m:fPr>
+                        <m:num>
+                          <m:r>
+                            <a:rPr kumimoji="1" lang="en-US" altLang="ja-JP" sz="2800" b="0" i="1" smtClean="0">
+                              <a:latin typeface="Cambria Math" panose="02040503050406030204" pitchFamily="18" charset="0"/>
+                            </a:rPr>
+                            <m:t>1</m:t>
+                          </m:r>
+                        </m:num>
+                        <m:den>
+                          <m:r>
+                            <a:rPr kumimoji="1" lang="en-US" altLang="ja-JP" sz="2800" b="0" i="1" smtClean="0">
+                              <a:latin typeface="Cambria Math" panose="02040503050406030204" pitchFamily="18" charset="0"/>
+                            </a:rPr>
+                            <m:t>2</m:t>
+                          </m:r>
+                        </m:den>
+                      </m:f>
+                      <m:r>
+                        <a:rPr kumimoji="1" lang="en-US" altLang="ja-JP" sz="2800" b="0" i="1" smtClean="0">
+                          <a:latin typeface="Cambria Math" panose="02040503050406030204" pitchFamily="18" charset="0"/>
+                        </a:rPr>
+                        <m:t>𝑘𝑇</m:t>
+                      </m:r>
+                    </m:oMath>
+                  </m:oMathPara>
+                </a14:m>
+                <a:endParaRPr lang="ja-JP" altLang="en-US" sz="2800"/>
+              </a:p>
+            </p:txBody>
+          </p:sp>
+        </mc:Choice>
+        <mc:Fallback>
+          <p:sp>
+            <p:nvSpPr>
+              <p:cNvPr id="9" name="テキスト ボックス 8">
+                <a:extLst>
+                  <a:ext uri="{FF2B5EF4-FFF2-40B4-BE49-F238E27FC236}">
+                    <a16:creationId xmlns:a16="http://schemas.microsoft.com/office/drawing/2014/main" id="{36FC76AE-36A8-4458-FB69-6E81912B54D4}"/>
+                  </a:ext>
+                </a:extLst>
+              </p:cNvPr>
+              <p:cNvSpPr txBox="1">
+                <a:spLocks noRot="1" noChangeAspect="1" noMove="1" noResize="1" noEditPoints="1" noAdjustHandles="1" noChangeArrowheads="1" noChangeShapeType="1" noTextEdit="1"/>
+              </p:cNvSpPr>
+              <p:nvPr/>
+            </p:nvSpPr>
+            <p:spPr>
+              <a:xfrm>
+                <a:off x="4860032" y="3573016"/>
+                <a:ext cx="2699792" cy="1187954"/>
+              </a:xfrm>
+              <a:prstGeom prst="rect">
+                <a:avLst/>
+              </a:prstGeom>
+              <a:blipFill>
+                <a:blip r:embed="rId5"/>
+                <a:stretch>
+                  <a:fillRect/>
+                </a:stretch>
+              </a:blipFill>
+            </p:spPr>
+            <p:txBody>
+              <a:bodyPr/>
+              <a:lstStyle/>
+              <a:p>
+                <a:r>
+                  <a:rPr lang="ja-JP" altLang="en-US">
+                    <a:noFill/>
+                  </a:rPr>
+                  <a:t> </a:t>
+                </a:r>
+              </a:p>
+            </p:txBody>
+          </p:sp>
+        </mc:Fallback>
+      </mc:AlternateContent>
+      <p:sp>
+        <p:nvSpPr>
+          <p:cNvPr id="10" name="テキスト ボックス 9">
+            <a:extLst>
+              <a:ext uri="{FF2B5EF4-FFF2-40B4-BE49-F238E27FC236}">
+                <a16:creationId xmlns:a16="http://schemas.microsoft.com/office/drawing/2014/main" id="{27E7831C-464C-5C55-061E-AD3FA422DAB8}"/>
+              </a:ext>
+            </a:extLst>
+          </p:cNvPr>
+          <p:cNvSpPr txBox="1"/>
+          <p:nvPr/>
+        </p:nvSpPr>
+        <p:spPr>
+          <a:xfrm>
+            <a:off x="7380312" y="3933056"/>
+            <a:ext cx="1415772" cy="461665"/>
+          </a:xfrm>
+          <a:prstGeom prst="rect">
+            <a:avLst/>
+          </a:prstGeom>
+          <a:noFill/>
+        </p:spPr>
+        <p:txBody>
+          <a:bodyPr wrap="none" rtlCol="0">
+            <a:spAutoFit/>
+          </a:bodyPr>
+          <a:lstStyle/>
+          <a:p>
+            <a:r>
+              <a:rPr lang="ja-JP" altLang="en-US" sz="2400"/>
+              <a:t>等分配則</a:t>
+            </a:r>
+            <a:endParaRPr kumimoji="1" lang="ja-JP" altLang="en-US" sz="2400"/>
+          </a:p>
+        </p:txBody>
+      </p:sp>
+      <p:sp>
+        <p:nvSpPr>
+          <p:cNvPr id="11" name="テキスト ボックス 10">
+            <a:extLst>
+              <a:ext uri="{FF2B5EF4-FFF2-40B4-BE49-F238E27FC236}">
+                <a16:creationId xmlns:a16="http://schemas.microsoft.com/office/drawing/2014/main" id="{BB59CC3A-D689-0626-5CFB-C3506724E80E}"/>
+              </a:ext>
+            </a:extLst>
+          </p:cNvPr>
+          <p:cNvSpPr txBox="1"/>
+          <p:nvPr/>
+        </p:nvSpPr>
+        <p:spPr>
+          <a:xfrm>
+            <a:off x="539552" y="5517232"/>
+            <a:ext cx="3126177" cy="461665"/>
+          </a:xfrm>
+          <a:prstGeom prst="rect">
+            <a:avLst/>
+          </a:prstGeom>
+          <a:noFill/>
+        </p:spPr>
+        <p:txBody>
+          <a:bodyPr wrap="none" rtlCol="0">
+            <a:spAutoFit/>
+          </a:bodyPr>
+          <a:lstStyle/>
+          <a:p>
+            <a:r>
+              <a:rPr kumimoji="1" lang="en-US" altLang="ja-JP" sz="2400"/>
+              <a:t>3</a:t>
+            </a:r>
+            <a:r>
+              <a:rPr kumimoji="1" lang="ja-JP" altLang="en-US" sz="2400"/>
+              <a:t>次元多粒子系の場合</a:t>
+            </a:r>
+          </a:p>
+        </p:txBody>
+      </p:sp>
+      <mc:AlternateContent xmlns:mc="http://schemas.openxmlformats.org/markup-compatibility/2006">
+        <mc:Choice xmlns:a14="http://schemas.microsoft.com/office/drawing/2010/main" Requires="a14">
+          <p:sp>
+            <p:nvSpPr>
+              <p:cNvPr id="12" name="テキスト ボックス 11">
+                <a:extLst>
+                  <a:ext uri="{FF2B5EF4-FFF2-40B4-BE49-F238E27FC236}">
+                    <a16:creationId xmlns:a16="http://schemas.microsoft.com/office/drawing/2014/main" id="{C80D5E43-419F-C15E-92EA-EA0CD01B88A7}"/>
+                  </a:ext>
+                </a:extLst>
+              </p:cNvPr>
+              <p:cNvSpPr txBox="1"/>
+              <p:nvPr/>
+            </p:nvSpPr>
+            <p:spPr>
+              <a:xfrm>
+                <a:off x="3563888" y="4941168"/>
+                <a:ext cx="3600400" cy="1656094"/>
+              </a:xfrm>
+              <a:prstGeom prst="rect">
+                <a:avLst/>
+              </a:prstGeom>
+              <a:noFill/>
+            </p:spPr>
+            <p:txBody>
+              <a:bodyPr wrap="square">
+                <a:spAutoFit/>
+              </a:bodyPr>
+              <a:lstStyle/>
+              <a:p>
+                <a:pPr/>
+                <a14:m>
+                  <m:oMathPara xmlns:m="http://schemas.openxmlformats.org/officeDocument/2006/math">
+                    <m:oMathParaPr>
+                      <m:jc m:val="centerGroup"/>
+                    </m:oMathParaPr>
+                    <m:oMath xmlns:m="http://schemas.openxmlformats.org/officeDocument/2006/math">
+                      <m:d>
+                        <m:dPr>
+                          <m:begChr m:val="⟨"/>
+                          <m:endChr m:val="⟩"/>
+                          <m:ctrlPr>
+                            <a:rPr lang="en-US" altLang="ja-JP" sz="2800" i="1" smtClean="0">
+                              <a:latin typeface="Cambria Math" panose="02040503050406030204" pitchFamily="18" charset="0"/>
+                            </a:rPr>
+                          </m:ctrlPr>
+                        </m:dPr>
+                        <m:e>
+                          <m:nary>
+                            <m:naryPr>
+                              <m:chr m:val="∑"/>
+                              <m:supHide m:val="on"/>
+                              <m:ctrlPr>
+                                <a:rPr lang="en-US" altLang="ja-JP" sz="2800" b="0" i="1" smtClean="0">
+                                  <a:latin typeface="Cambria Math" panose="02040503050406030204" pitchFamily="18" charset="0"/>
+                                </a:rPr>
+                              </m:ctrlPr>
+                            </m:naryPr>
+                            <m:sub>
+                              <m:r>
+                                <a:rPr lang="en-US" altLang="ja-JP" sz="2800" b="0" i="1" smtClean="0">
+                                  <a:latin typeface="Cambria Math" panose="02040503050406030204" pitchFamily="18" charset="0"/>
+                                </a:rPr>
+                                <m:t>𝑖</m:t>
+                              </m:r>
+                            </m:sub>
+                            <m:sup/>
+                            <m:e>
+                              <m:f>
+                                <m:fPr>
+                                  <m:ctrlPr>
+                                    <a:rPr lang="en-US" altLang="ja-JP" sz="2800" i="1">
+                                      <a:latin typeface="Cambria Math" panose="02040503050406030204" pitchFamily="18" charset="0"/>
+                                    </a:rPr>
+                                  </m:ctrlPr>
+                                </m:fPr>
+                                <m:num>
+                                  <m:sSubSup>
+                                    <m:sSubSupPr>
+                                      <m:ctrlPr>
+                                        <a:rPr lang="en-US" altLang="ja-JP" sz="2800" b="0" i="1" smtClean="0">
+                                          <a:latin typeface="Cambria Math" panose="02040503050406030204" pitchFamily="18" charset="0"/>
+                                        </a:rPr>
+                                      </m:ctrlPr>
+                                    </m:sSubSupPr>
+                                    <m:e>
+                                      <m:r>
+                                        <a:rPr lang="en-US" altLang="ja-JP" sz="2800" i="1">
+                                          <a:latin typeface="Cambria Math" panose="02040503050406030204" pitchFamily="18" charset="0"/>
+                                        </a:rPr>
+                                        <m:t>𝑝</m:t>
+                                      </m:r>
+                                    </m:e>
+                                    <m:sub>
+                                      <m:r>
+                                        <a:rPr lang="en-US" altLang="ja-JP" sz="2800" b="0" i="1" smtClean="0">
+                                          <a:latin typeface="Cambria Math" panose="02040503050406030204" pitchFamily="18" charset="0"/>
+                                        </a:rPr>
+                                        <m:t>𝑖</m:t>
+                                      </m:r>
+                                    </m:sub>
+                                    <m:sup>
+                                      <m:r>
+                                        <a:rPr lang="en-US" altLang="ja-JP" sz="2800" i="1">
+                                          <a:latin typeface="Cambria Math" panose="02040503050406030204" pitchFamily="18" charset="0"/>
+                                        </a:rPr>
+                                        <m:t>2</m:t>
+                                      </m:r>
+                                    </m:sup>
+                                  </m:sSubSup>
+                                </m:num>
+                                <m:den>
+                                  <m:r>
+                                    <a:rPr lang="en-US" altLang="ja-JP" sz="2800" i="1">
+                                      <a:latin typeface="Cambria Math" panose="02040503050406030204" pitchFamily="18" charset="0"/>
+                                    </a:rPr>
+                                    <m:t>2</m:t>
+                                  </m:r>
+                                  <m:r>
+                                    <a:rPr lang="en-US" altLang="ja-JP" sz="2800" i="1">
+                                      <a:latin typeface="Cambria Math" panose="02040503050406030204" pitchFamily="18" charset="0"/>
+                                    </a:rPr>
+                                    <m:t>𝑚</m:t>
+                                  </m:r>
+                                </m:den>
+                              </m:f>
+                            </m:e>
+                          </m:nary>
+                        </m:e>
+                      </m:d>
+                      <m:r>
+                        <a:rPr kumimoji="1" lang="en-US" altLang="ja-JP" sz="2800" b="0" i="1" smtClean="0">
+                          <a:latin typeface="Cambria Math" panose="02040503050406030204" pitchFamily="18" charset="0"/>
+                        </a:rPr>
+                        <m:t>=</m:t>
+                      </m:r>
+                      <m:f>
+                        <m:fPr>
+                          <m:ctrlPr>
+                            <a:rPr kumimoji="1" lang="en-US" altLang="ja-JP" sz="2800" b="0" i="1" smtClean="0">
+                              <a:latin typeface="Cambria Math" panose="02040503050406030204" pitchFamily="18" charset="0"/>
+                            </a:rPr>
+                          </m:ctrlPr>
+                        </m:fPr>
+                        <m:num>
+                          <m:r>
+                            <a:rPr kumimoji="1" lang="en-US" altLang="ja-JP" sz="2800" b="0" i="1" smtClean="0">
+                              <a:latin typeface="Cambria Math" panose="02040503050406030204" pitchFamily="18" charset="0"/>
+                            </a:rPr>
+                            <m:t>3</m:t>
+                          </m:r>
+                        </m:num>
+                        <m:den>
+                          <m:r>
+                            <a:rPr kumimoji="1" lang="en-US" altLang="ja-JP" sz="2800" b="0" i="1" smtClean="0">
+                              <a:latin typeface="Cambria Math" panose="02040503050406030204" pitchFamily="18" charset="0"/>
+                            </a:rPr>
+                            <m:t>2</m:t>
+                          </m:r>
+                        </m:den>
+                      </m:f>
+                      <m:r>
+                        <a:rPr kumimoji="1" lang="en-US" altLang="ja-JP" sz="2800" b="0" i="1" smtClean="0">
+                          <a:latin typeface="Cambria Math" panose="02040503050406030204" pitchFamily="18" charset="0"/>
+                        </a:rPr>
+                        <m:t>𝑁</m:t>
+                      </m:r>
+                      <m:r>
+                        <a:rPr kumimoji="1" lang="en-US" altLang="ja-JP" sz="2800" b="0" i="1" smtClean="0">
+                          <a:latin typeface="Cambria Math" panose="02040503050406030204" pitchFamily="18" charset="0"/>
+                        </a:rPr>
+                        <m:t>𝑘𝑇</m:t>
+                      </m:r>
+                    </m:oMath>
+                  </m:oMathPara>
+                </a14:m>
+                <a:endParaRPr lang="ja-JP" altLang="en-US" sz="2800"/>
+              </a:p>
+            </p:txBody>
+          </p:sp>
+        </mc:Choice>
+        <mc:Fallback>
+          <p:sp>
+            <p:nvSpPr>
+              <p:cNvPr id="12" name="テキスト ボックス 11">
+                <a:extLst>
+                  <a:ext uri="{FF2B5EF4-FFF2-40B4-BE49-F238E27FC236}">
+                    <a16:creationId xmlns:a16="http://schemas.microsoft.com/office/drawing/2014/main" id="{C80D5E43-419F-C15E-92EA-EA0CD01B88A7}"/>
+                  </a:ext>
+                </a:extLst>
+              </p:cNvPr>
+              <p:cNvSpPr txBox="1">
+                <a:spLocks noRot="1" noChangeAspect="1" noMove="1" noResize="1" noEditPoints="1" noAdjustHandles="1" noChangeArrowheads="1" noChangeShapeType="1" noTextEdit="1"/>
+              </p:cNvSpPr>
+              <p:nvPr/>
+            </p:nvSpPr>
+            <p:spPr>
+              <a:xfrm>
+                <a:off x="3563888" y="4941168"/>
+                <a:ext cx="3600400" cy="1656094"/>
+              </a:xfrm>
+              <a:prstGeom prst="rect">
+                <a:avLst/>
+              </a:prstGeom>
+              <a:blipFill>
+                <a:blip r:embed="rId6"/>
+                <a:stretch>
+                  <a:fillRect/>
+                </a:stretch>
+              </a:blipFill>
+            </p:spPr>
+            <p:txBody>
+              <a:bodyPr/>
+              <a:lstStyle/>
+              <a:p>
+                <a:r>
+                  <a:rPr lang="ja-JP" altLang="en-US">
+                    <a:noFill/>
+                  </a:rPr>
+                  <a:t> </a:t>
+                </a:r>
+              </a:p>
+            </p:txBody>
+          </p:sp>
+        </mc:Fallback>
+      </mc:AlternateContent>
+    </p:spTree>
+    <p:extLst>
+      <p:ext uri="{BB962C8B-B14F-4D97-AF65-F5344CB8AC3E}">
+        <p14:creationId xmlns:p14="http://schemas.microsoft.com/office/powerpoint/2010/main" val="2069731046"/>
+      </p:ext>
+    </p:extLst>
+  </p:cSld>
+  <p:clrMapOvr>
+    <a:masterClrMapping/>
+  </p:clrMapOvr>
+</p:sld>
+</file>
+
+<file path=ppt/slides/slide26.xml><?xml version="1.0" encoding="utf-8"?>
+<p:sld xmlns:a="http://schemas.openxmlformats.org/drawingml/2006/main" xmlns:r="http://schemas.openxmlformats.org/officeDocument/2006/relationships" xmlns:p="http://schemas.openxmlformats.org/presentationml/2006/main">
+  <p:cSld>
+    <p:spTree>
+      <p:nvGrpSpPr>
+        <p:cNvPr id="1" name=""/>
+        <p:cNvGrpSpPr/>
+        <p:nvPr/>
+      </p:nvGrpSpPr>
+      <p:grpSpPr>
+        <a:xfrm>
+          <a:off x="0" y="0"/>
+          <a:ext cx="0" cy="0"/>
+          <a:chOff x="0" y="0"/>
+          <a:chExt cx="0" cy="0"/>
+        </a:xfrm>
+      </p:grpSpPr>
+      <p:sp>
+        <p:nvSpPr>
+          <p:cNvPr id="2" name="テキスト プレースホルダー 1">
+            <a:extLst>
+              <a:ext uri="{FF2B5EF4-FFF2-40B4-BE49-F238E27FC236}">
+                <a16:creationId xmlns:a16="http://schemas.microsoft.com/office/drawing/2014/main" id="{EE3DB3F0-C47B-9098-8C7F-2492C1914C87}"/>
+              </a:ext>
+            </a:extLst>
+          </p:cNvPr>
+          <p:cNvSpPr>
+            <a:spLocks noGrp="1"/>
+          </p:cNvSpPr>
+          <p:nvPr>
+            <p:ph type="body" sz="quarter" idx="10"/>
+          </p:nvPr>
+        </p:nvSpPr>
+        <p:spPr/>
+        <p:txBody>
+          <a:bodyPr/>
+          <a:lstStyle/>
+          <a:p>
+            <a:r>
+              <a:rPr kumimoji="1" lang="ja-JP" altLang="en-US"/>
+              <a:t>カノニカル分布</a:t>
+            </a:r>
+            <a:r>
+              <a:rPr lang="ja-JP" altLang="en-US"/>
+              <a:t>と温度</a:t>
+            </a:r>
+            <a:endParaRPr kumimoji="1" lang="ja-JP" altLang="en-US"/>
+          </a:p>
+        </p:txBody>
+      </p:sp>
+      <mc:AlternateContent xmlns:mc="http://schemas.openxmlformats.org/markup-compatibility/2006">
+        <mc:Choice xmlns:a14="http://schemas.microsoft.com/office/drawing/2010/main" Requires="a14">
+          <p:sp>
+            <p:nvSpPr>
+              <p:cNvPr id="3" name="テキスト ボックス 2">
+                <a:extLst>
+                  <a:ext uri="{FF2B5EF4-FFF2-40B4-BE49-F238E27FC236}">
+                    <a16:creationId xmlns:a16="http://schemas.microsoft.com/office/drawing/2014/main" id="{81152A59-7D05-27E1-3159-C554143BC46F}"/>
+                  </a:ext>
+                </a:extLst>
+              </p:cNvPr>
+              <p:cNvSpPr txBox="1"/>
+              <p:nvPr/>
+            </p:nvSpPr>
+            <p:spPr>
+              <a:xfrm>
+                <a:off x="1053497" y="5085184"/>
+                <a:ext cx="1852430" cy="1017523"/>
+              </a:xfrm>
+              <a:prstGeom prst="rect">
+                <a:avLst/>
+              </a:prstGeom>
+              <a:noFill/>
+            </p:spPr>
+            <p:txBody>
+              <a:bodyPr wrap="none" rtlCol="0">
+                <a:spAutoFit/>
+              </a:bodyPr>
+              <a:lstStyle/>
+              <a:p>
+                <a:pPr/>
+                <a14:m>
+                  <m:oMathPara xmlns:m="http://schemas.openxmlformats.org/officeDocument/2006/math">
+                    <m:oMathParaPr>
+                      <m:jc m:val="centerGroup"/>
+                    </m:oMathParaPr>
+                    <m:oMath xmlns:m="http://schemas.openxmlformats.org/officeDocument/2006/math">
+                      <m:r>
+                        <a:rPr kumimoji="1" lang="en-US" altLang="ja-JP" sz="3200" b="0" i="1" smtClean="0">
+                          <a:latin typeface="Cambria Math" panose="02040503050406030204" pitchFamily="18" charset="0"/>
+                        </a:rPr>
+                        <m:t>𝑇</m:t>
+                      </m:r>
+                      <m:r>
+                        <a:rPr kumimoji="1" lang="en-US" altLang="ja-JP" sz="3200" b="0" i="1" smtClean="0">
+                          <a:latin typeface="Cambria Math" panose="02040503050406030204" pitchFamily="18" charset="0"/>
+                        </a:rPr>
+                        <m:t>=</m:t>
+                      </m:r>
+                      <m:f>
+                        <m:fPr>
+                          <m:ctrlPr>
+                            <a:rPr kumimoji="1" lang="en-US" altLang="ja-JP" sz="3200" b="0" i="1" smtClean="0">
+                              <a:latin typeface="Cambria Math" panose="02040503050406030204" pitchFamily="18" charset="0"/>
+                            </a:rPr>
+                          </m:ctrlPr>
+                        </m:fPr>
+                        <m:num>
+                          <m:r>
+                            <a:rPr kumimoji="1" lang="en-US" altLang="ja-JP" sz="3200" b="0" i="1" smtClean="0">
+                              <a:latin typeface="Cambria Math" panose="02040503050406030204" pitchFamily="18" charset="0"/>
+                            </a:rPr>
+                            <m:t>2</m:t>
+                          </m:r>
+                          <m:r>
+                            <a:rPr kumimoji="1" lang="en-US" altLang="ja-JP" sz="3200" b="0" i="1" smtClean="0">
+                              <a:latin typeface="Cambria Math" panose="02040503050406030204" pitchFamily="18" charset="0"/>
+                            </a:rPr>
+                            <m:t>𝐾</m:t>
+                          </m:r>
+                        </m:num>
+                        <m:den>
+                          <m:r>
+                            <a:rPr kumimoji="1" lang="en-US" altLang="ja-JP" sz="3200" b="0" i="1" smtClean="0">
+                              <a:latin typeface="Cambria Math" panose="02040503050406030204" pitchFamily="18" charset="0"/>
+                            </a:rPr>
+                            <m:t>3</m:t>
+                          </m:r>
+                          <m:r>
+                            <a:rPr kumimoji="1" lang="en-US" altLang="ja-JP" sz="3200" b="0" i="1" smtClean="0">
+                              <a:latin typeface="Cambria Math" panose="02040503050406030204" pitchFamily="18" charset="0"/>
+                            </a:rPr>
+                            <m:t>𝑁𝑘</m:t>
+                          </m:r>
+                        </m:den>
+                      </m:f>
+                    </m:oMath>
+                  </m:oMathPara>
+                </a14:m>
+                <a:endParaRPr kumimoji="1" lang="ja-JP" altLang="en-US" sz="3200"/>
+              </a:p>
+            </p:txBody>
+          </p:sp>
+        </mc:Choice>
+        <mc:Fallback>
+          <p:sp>
+            <p:nvSpPr>
+              <p:cNvPr id="3" name="テキスト ボックス 2">
+                <a:extLst>
+                  <a:ext uri="{FF2B5EF4-FFF2-40B4-BE49-F238E27FC236}">
+                    <a16:creationId xmlns:a16="http://schemas.microsoft.com/office/drawing/2014/main" id="{81152A59-7D05-27E1-3159-C554143BC46F}"/>
+                  </a:ext>
+                </a:extLst>
+              </p:cNvPr>
+              <p:cNvSpPr txBox="1">
+                <a:spLocks noRot="1" noChangeAspect="1" noMove="1" noResize="1" noEditPoints="1" noAdjustHandles="1" noChangeArrowheads="1" noChangeShapeType="1" noTextEdit="1"/>
+              </p:cNvSpPr>
+              <p:nvPr/>
+            </p:nvSpPr>
+            <p:spPr>
+              <a:xfrm>
+                <a:off x="1053497" y="5085184"/>
+                <a:ext cx="1852430" cy="1017523"/>
+              </a:xfrm>
+              <a:prstGeom prst="rect">
+                <a:avLst/>
+              </a:prstGeom>
+              <a:blipFill>
+                <a:blip r:embed="rId2"/>
+                <a:stretch>
+                  <a:fillRect/>
+                </a:stretch>
+              </a:blipFill>
+            </p:spPr>
+            <p:txBody>
+              <a:bodyPr/>
+              <a:lstStyle/>
+              <a:p>
+                <a:r>
+                  <a:rPr lang="ja-JP" altLang="en-US">
+                    <a:noFill/>
+                  </a:rPr>
+                  <a:t> </a:t>
+                </a:r>
+              </a:p>
+            </p:txBody>
+          </p:sp>
+        </mc:Fallback>
+      </mc:AlternateContent>
+      <mc:AlternateContent xmlns:mc="http://schemas.openxmlformats.org/markup-compatibility/2006">
+        <mc:Choice xmlns:a14="http://schemas.microsoft.com/office/drawing/2010/main" Requires="a14">
+          <p:sp>
+            <p:nvSpPr>
+              <p:cNvPr id="4" name="テキスト ボックス 3">
+                <a:extLst>
+                  <a:ext uri="{FF2B5EF4-FFF2-40B4-BE49-F238E27FC236}">
+                    <a16:creationId xmlns:a16="http://schemas.microsoft.com/office/drawing/2014/main" id="{7C89EE63-116E-458A-4603-57DB0A918471}"/>
+                  </a:ext>
+                </a:extLst>
+              </p:cNvPr>
+              <p:cNvSpPr txBox="1"/>
+              <p:nvPr/>
+            </p:nvSpPr>
+            <p:spPr>
+              <a:xfrm>
+                <a:off x="1043608" y="1268760"/>
+                <a:ext cx="3024336" cy="1656094"/>
+              </a:xfrm>
+              <a:prstGeom prst="rect">
+                <a:avLst/>
+              </a:prstGeom>
+              <a:noFill/>
+            </p:spPr>
+            <p:txBody>
+              <a:bodyPr wrap="square">
+                <a:spAutoFit/>
+              </a:bodyPr>
+              <a:lstStyle/>
+              <a:p>
+                <a:pPr/>
+                <a14:m>
+                  <m:oMathPara xmlns:m="http://schemas.openxmlformats.org/officeDocument/2006/math">
+                    <m:oMathParaPr>
+                      <m:jc m:val="centerGroup"/>
+                    </m:oMathParaPr>
+                    <m:oMath xmlns:m="http://schemas.openxmlformats.org/officeDocument/2006/math">
+                      <m:d>
+                        <m:dPr>
+                          <m:begChr m:val="⟨"/>
+                          <m:endChr m:val="⟩"/>
+                          <m:ctrlPr>
+                            <a:rPr lang="en-US" altLang="ja-JP" sz="2800" i="1" smtClean="0">
+                              <a:latin typeface="Cambria Math" panose="02040503050406030204" pitchFamily="18" charset="0"/>
+                            </a:rPr>
+                          </m:ctrlPr>
+                        </m:dPr>
+                        <m:e>
+                          <m:nary>
+                            <m:naryPr>
+                              <m:chr m:val="∑"/>
+                              <m:supHide m:val="on"/>
+                              <m:ctrlPr>
+                                <a:rPr lang="en-US" altLang="ja-JP" sz="2800" b="0" i="1" smtClean="0">
+                                  <a:latin typeface="Cambria Math" panose="02040503050406030204" pitchFamily="18" charset="0"/>
+                                </a:rPr>
+                              </m:ctrlPr>
+                            </m:naryPr>
+                            <m:sub>
+                              <m:r>
+                                <a:rPr lang="en-US" altLang="ja-JP" sz="2800" b="0" i="1" smtClean="0">
+                                  <a:latin typeface="Cambria Math" panose="02040503050406030204" pitchFamily="18" charset="0"/>
+                                </a:rPr>
+                                <m:t>𝑖</m:t>
+                              </m:r>
+                            </m:sub>
+                            <m:sup/>
+                            <m:e>
+                              <m:f>
+                                <m:fPr>
+                                  <m:ctrlPr>
+                                    <a:rPr lang="en-US" altLang="ja-JP" sz="2800" i="1">
+                                      <a:latin typeface="Cambria Math" panose="02040503050406030204" pitchFamily="18" charset="0"/>
+                                    </a:rPr>
+                                  </m:ctrlPr>
+                                </m:fPr>
+                                <m:num>
+                                  <m:sSubSup>
+                                    <m:sSubSupPr>
+                                      <m:ctrlPr>
+                                        <a:rPr lang="en-US" altLang="ja-JP" sz="2800" b="0" i="1" smtClean="0">
+                                          <a:latin typeface="Cambria Math" panose="02040503050406030204" pitchFamily="18" charset="0"/>
+                                        </a:rPr>
+                                      </m:ctrlPr>
+                                    </m:sSubSupPr>
+                                    <m:e>
+                                      <m:r>
+                                        <a:rPr lang="en-US" altLang="ja-JP" sz="2800" i="1">
+                                          <a:latin typeface="Cambria Math" panose="02040503050406030204" pitchFamily="18" charset="0"/>
+                                        </a:rPr>
+                                        <m:t>𝑝</m:t>
+                                      </m:r>
+                                    </m:e>
+                                    <m:sub>
+                                      <m:r>
+                                        <a:rPr lang="en-US" altLang="ja-JP" sz="2800" b="0" i="1" smtClean="0">
+                                          <a:latin typeface="Cambria Math" panose="02040503050406030204" pitchFamily="18" charset="0"/>
+                                        </a:rPr>
+                                        <m:t>𝑖</m:t>
+                                      </m:r>
+                                    </m:sub>
+                                    <m:sup>
+                                      <m:r>
+                                        <a:rPr lang="en-US" altLang="ja-JP" sz="2800" i="1">
+                                          <a:latin typeface="Cambria Math" panose="02040503050406030204" pitchFamily="18" charset="0"/>
+                                        </a:rPr>
+                                        <m:t>2</m:t>
+                                      </m:r>
+                                    </m:sup>
+                                  </m:sSubSup>
+                                </m:num>
+                                <m:den>
+                                  <m:r>
+                                    <a:rPr lang="en-US" altLang="ja-JP" sz="2800" i="1">
+                                      <a:latin typeface="Cambria Math" panose="02040503050406030204" pitchFamily="18" charset="0"/>
+                                    </a:rPr>
+                                    <m:t>2</m:t>
+                                  </m:r>
+                                  <m:r>
+                                    <a:rPr lang="en-US" altLang="ja-JP" sz="2800" i="1">
+                                      <a:latin typeface="Cambria Math" panose="02040503050406030204" pitchFamily="18" charset="0"/>
+                                    </a:rPr>
+                                    <m:t>𝑚</m:t>
+                                  </m:r>
+                                </m:den>
+                              </m:f>
+                            </m:e>
+                          </m:nary>
+                        </m:e>
+                      </m:d>
+                      <m:r>
+                        <a:rPr kumimoji="1" lang="en-US" altLang="ja-JP" sz="2800" b="0" i="1" smtClean="0">
+                          <a:latin typeface="Cambria Math" panose="02040503050406030204" pitchFamily="18" charset="0"/>
+                        </a:rPr>
+                        <m:t>=</m:t>
+                      </m:r>
+                      <m:f>
+                        <m:fPr>
+                          <m:ctrlPr>
+                            <a:rPr kumimoji="1" lang="en-US" altLang="ja-JP" sz="2800" b="0" i="1" smtClean="0">
+                              <a:latin typeface="Cambria Math" panose="02040503050406030204" pitchFamily="18" charset="0"/>
+                            </a:rPr>
+                          </m:ctrlPr>
+                        </m:fPr>
+                        <m:num>
+                          <m:r>
+                            <a:rPr kumimoji="1" lang="en-US" altLang="ja-JP" sz="2800" b="0" i="1" smtClean="0">
+                              <a:latin typeface="Cambria Math" panose="02040503050406030204" pitchFamily="18" charset="0"/>
+                            </a:rPr>
+                            <m:t>3</m:t>
+                          </m:r>
+                        </m:num>
+                        <m:den>
+                          <m:r>
+                            <a:rPr kumimoji="1" lang="en-US" altLang="ja-JP" sz="2800" b="0" i="1" smtClean="0">
+                              <a:latin typeface="Cambria Math" panose="02040503050406030204" pitchFamily="18" charset="0"/>
+                            </a:rPr>
+                            <m:t>2</m:t>
+                          </m:r>
+                        </m:den>
+                      </m:f>
+                      <m:r>
+                        <a:rPr kumimoji="1" lang="en-US" altLang="ja-JP" sz="2800" b="0" i="1" smtClean="0">
+                          <a:latin typeface="Cambria Math" panose="02040503050406030204" pitchFamily="18" charset="0"/>
+                        </a:rPr>
+                        <m:t>𝑁</m:t>
+                      </m:r>
+                      <m:r>
+                        <a:rPr kumimoji="1" lang="en-US" altLang="ja-JP" sz="2800" b="0" i="1" smtClean="0">
+                          <a:latin typeface="Cambria Math" panose="02040503050406030204" pitchFamily="18" charset="0"/>
+                        </a:rPr>
+                        <m:t>𝑘𝑇</m:t>
+                      </m:r>
+                    </m:oMath>
+                  </m:oMathPara>
+                </a14:m>
+                <a:endParaRPr lang="ja-JP" altLang="en-US" sz="2800"/>
+              </a:p>
+            </p:txBody>
+          </p:sp>
+        </mc:Choice>
+        <mc:Fallback>
+          <p:sp>
+            <p:nvSpPr>
+              <p:cNvPr id="4" name="テキスト ボックス 3">
+                <a:extLst>
+                  <a:ext uri="{FF2B5EF4-FFF2-40B4-BE49-F238E27FC236}">
+                    <a16:creationId xmlns:a16="http://schemas.microsoft.com/office/drawing/2014/main" id="{7C89EE63-116E-458A-4603-57DB0A918471}"/>
+                  </a:ext>
+                </a:extLst>
+              </p:cNvPr>
+              <p:cNvSpPr txBox="1">
+                <a:spLocks noRot="1" noChangeAspect="1" noMove="1" noResize="1" noEditPoints="1" noAdjustHandles="1" noChangeArrowheads="1" noChangeShapeType="1" noTextEdit="1"/>
+              </p:cNvSpPr>
+              <p:nvPr/>
+            </p:nvSpPr>
+            <p:spPr>
+              <a:xfrm>
+                <a:off x="1043608" y="1268760"/>
+                <a:ext cx="3024336" cy="1656094"/>
+              </a:xfrm>
+              <a:prstGeom prst="rect">
+                <a:avLst/>
+              </a:prstGeom>
+              <a:blipFill>
+                <a:blip r:embed="rId3"/>
+                <a:stretch>
+                  <a:fillRect/>
+                </a:stretch>
+              </a:blipFill>
+            </p:spPr>
+            <p:txBody>
+              <a:bodyPr/>
+              <a:lstStyle/>
+              <a:p>
+                <a:r>
+                  <a:rPr lang="ja-JP" altLang="en-US">
+                    <a:noFill/>
+                  </a:rPr>
+                  <a:t> </a:t>
+                </a:r>
+              </a:p>
+            </p:txBody>
+          </p:sp>
+        </mc:Fallback>
+      </mc:AlternateContent>
+      <p:sp>
+        <p:nvSpPr>
+          <p:cNvPr id="5" name="テキスト ボックス 4">
+            <a:extLst>
+              <a:ext uri="{FF2B5EF4-FFF2-40B4-BE49-F238E27FC236}">
+                <a16:creationId xmlns:a16="http://schemas.microsoft.com/office/drawing/2014/main" id="{39C4155A-AA19-1558-D436-FD9ADE2C1354}"/>
+              </a:ext>
+            </a:extLst>
+          </p:cNvPr>
+          <p:cNvSpPr txBox="1"/>
+          <p:nvPr/>
+        </p:nvSpPr>
+        <p:spPr>
+          <a:xfrm>
+            <a:off x="3995936" y="1916832"/>
+            <a:ext cx="4493538" cy="461665"/>
+          </a:xfrm>
+          <a:prstGeom prst="rect">
+            <a:avLst/>
+          </a:prstGeom>
+          <a:noFill/>
+        </p:spPr>
+        <p:txBody>
+          <a:bodyPr wrap="none" rtlCol="0">
+            <a:spAutoFit/>
+          </a:bodyPr>
+          <a:lstStyle/>
+          <a:p>
+            <a:r>
+              <a:rPr kumimoji="1" lang="ja-JP" altLang="en-US" sz="2400"/>
+              <a:t>カノニカル分布の部分積分から</a:t>
+            </a:r>
+          </a:p>
+        </p:txBody>
+      </p:sp>
+      <mc:AlternateContent xmlns:mc="http://schemas.openxmlformats.org/markup-compatibility/2006">
+        <mc:Choice xmlns:a14="http://schemas.microsoft.com/office/drawing/2010/main" Requires="a14">
+          <p:sp>
+            <p:nvSpPr>
+              <p:cNvPr id="6" name="テキスト ボックス 5">
+                <a:extLst>
+                  <a:ext uri="{FF2B5EF4-FFF2-40B4-BE49-F238E27FC236}">
+                    <a16:creationId xmlns:a16="http://schemas.microsoft.com/office/drawing/2014/main" id="{25E982EB-BC70-ED66-2AF0-3DAEFAB39478}"/>
+                  </a:ext>
+                </a:extLst>
+              </p:cNvPr>
+              <p:cNvSpPr txBox="1"/>
+              <p:nvPr/>
+            </p:nvSpPr>
+            <p:spPr>
+              <a:xfrm>
+                <a:off x="971600" y="3068960"/>
+                <a:ext cx="2592288" cy="1656094"/>
+              </a:xfrm>
+              <a:prstGeom prst="rect">
+                <a:avLst/>
+              </a:prstGeom>
+              <a:noFill/>
+            </p:spPr>
+            <p:txBody>
+              <a:bodyPr wrap="square">
+                <a:spAutoFit/>
+              </a:bodyPr>
+              <a:lstStyle/>
+              <a:p>
+                <a:pPr/>
+                <a14:m>
+                  <m:oMathPara xmlns:m="http://schemas.openxmlformats.org/officeDocument/2006/math">
+                    <m:oMathParaPr>
+                      <m:jc m:val="centerGroup"/>
+                    </m:oMathParaPr>
+                    <m:oMath xmlns:m="http://schemas.openxmlformats.org/officeDocument/2006/math">
+                      <m:d>
+                        <m:dPr>
+                          <m:begChr m:val="⟨"/>
+                          <m:endChr m:val="⟩"/>
+                          <m:ctrlPr>
+                            <a:rPr lang="en-US" altLang="ja-JP" sz="2800" i="1" smtClean="0">
+                              <a:latin typeface="Cambria Math" panose="02040503050406030204" pitchFamily="18" charset="0"/>
+                            </a:rPr>
+                          </m:ctrlPr>
+                        </m:dPr>
+                        <m:e>
+                          <m:nary>
+                            <m:naryPr>
+                              <m:chr m:val="∑"/>
+                              <m:supHide m:val="on"/>
+                              <m:ctrlPr>
+                                <a:rPr lang="en-US" altLang="ja-JP" sz="2800" b="0" i="1" smtClean="0">
+                                  <a:latin typeface="Cambria Math" panose="02040503050406030204" pitchFamily="18" charset="0"/>
+                                </a:rPr>
+                              </m:ctrlPr>
+                            </m:naryPr>
+                            <m:sub>
+                              <m:r>
+                                <a:rPr lang="en-US" altLang="ja-JP" sz="2800" b="0" i="1" smtClean="0">
+                                  <a:latin typeface="Cambria Math" panose="02040503050406030204" pitchFamily="18" charset="0"/>
+                                </a:rPr>
+                                <m:t>𝑖</m:t>
+                              </m:r>
+                            </m:sub>
+                            <m:sup/>
+                            <m:e>
+                              <m:f>
+                                <m:fPr>
+                                  <m:ctrlPr>
+                                    <a:rPr lang="en-US" altLang="ja-JP" sz="2800" i="1">
+                                      <a:latin typeface="Cambria Math" panose="02040503050406030204" pitchFamily="18" charset="0"/>
+                                    </a:rPr>
+                                  </m:ctrlPr>
+                                </m:fPr>
+                                <m:num>
+                                  <m:sSubSup>
+                                    <m:sSubSupPr>
+                                      <m:ctrlPr>
+                                        <a:rPr lang="en-US" altLang="ja-JP" sz="2800" b="0" i="1" smtClean="0">
+                                          <a:latin typeface="Cambria Math" panose="02040503050406030204" pitchFamily="18" charset="0"/>
+                                        </a:rPr>
+                                      </m:ctrlPr>
+                                    </m:sSubSupPr>
+                                    <m:e>
+                                      <m:r>
+                                        <a:rPr lang="en-US" altLang="ja-JP" sz="2800" i="1">
+                                          <a:latin typeface="Cambria Math" panose="02040503050406030204" pitchFamily="18" charset="0"/>
+                                        </a:rPr>
+                                        <m:t>𝑝</m:t>
+                                      </m:r>
+                                    </m:e>
+                                    <m:sub>
+                                      <m:r>
+                                        <a:rPr lang="en-US" altLang="ja-JP" sz="2800" b="0" i="1" smtClean="0">
+                                          <a:latin typeface="Cambria Math" panose="02040503050406030204" pitchFamily="18" charset="0"/>
+                                        </a:rPr>
+                                        <m:t>𝑖</m:t>
+                                      </m:r>
+                                    </m:sub>
+                                    <m:sup>
+                                      <m:r>
+                                        <a:rPr lang="en-US" altLang="ja-JP" sz="2800" i="1">
+                                          <a:latin typeface="Cambria Math" panose="02040503050406030204" pitchFamily="18" charset="0"/>
+                                        </a:rPr>
+                                        <m:t>2</m:t>
+                                      </m:r>
+                                    </m:sup>
+                                  </m:sSubSup>
+                                </m:num>
+                                <m:den>
+                                  <m:r>
+                                    <a:rPr lang="en-US" altLang="ja-JP" sz="2800" i="1">
+                                      <a:latin typeface="Cambria Math" panose="02040503050406030204" pitchFamily="18" charset="0"/>
+                                    </a:rPr>
+                                    <m:t>2</m:t>
+                                  </m:r>
+                                  <m:r>
+                                    <a:rPr lang="en-US" altLang="ja-JP" sz="2800" i="1">
+                                      <a:latin typeface="Cambria Math" panose="02040503050406030204" pitchFamily="18" charset="0"/>
+                                    </a:rPr>
+                                    <m:t>𝑚</m:t>
+                                  </m:r>
+                                </m:den>
+                              </m:f>
+                            </m:e>
+                          </m:nary>
+                        </m:e>
+                      </m:d>
+                      <m:r>
+                        <a:rPr kumimoji="1" lang="en-US" altLang="ja-JP" sz="2800" b="0" i="1" smtClean="0">
+                          <a:latin typeface="Cambria Math" panose="02040503050406030204" pitchFamily="18" charset="0"/>
+                        </a:rPr>
+                        <m:t>=</m:t>
+                      </m:r>
+                      <m:r>
+                        <a:rPr kumimoji="1" lang="en-US" altLang="ja-JP" sz="2800" b="0" i="1" smtClean="0">
+                          <a:latin typeface="Cambria Math" panose="02040503050406030204" pitchFamily="18" charset="0"/>
+                        </a:rPr>
+                        <m:t>𝐾</m:t>
+                      </m:r>
+                    </m:oMath>
+                  </m:oMathPara>
+                </a14:m>
+                <a:endParaRPr lang="ja-JP" altLang="en-US" sz="2800"/>
+              </a:p>
+            </p:txBody>
+          </p:sp>
+        </mc:Choice>
+        <mc:Fallback>
+          <p:sp>
+            <p:nvSpPr>
+              <p:cNvPr id="6" name="テキスト ボックス 5">
+                <a:extLst>
+                  <a:ext uri="{FF2B5EF4-FFF2-40B4-BE49-F238E27FC236}">
+                    <a16:creationId xmlns:a16="http://schemas.microsoft.com/office/drawing/2014/main" id="{25E982EB-BC70-ED66-2AF0-3DAEFAB39478}"/>
+                  </a:ext>
+                </a:extLst>
+              </p:cNvPr>
+              <p:cNvSpPr txBox="1">
+                <a:spLocks noRot="1" noChangeAspect="1" noMove="1" noResize="1" noEditPoints="1" noAdjustHandles="1" noChangeArrowheads="1" noChangeShapeType="1" noTextEdit="1"/>
+              </p:cNvSpPr>
+              <p:nvPr/>
+            </p:nvSpPr>
+            <p:spPr>
+              <a:xfrm>
+                <a:off x="971600" y="3068960"/>
+                <a:ext cx="2592288" cy="1656094"/>
+              </a:xfrm>
+              <a:prstGeom prst="rect">
+                <a:avLst/>
+              </a:prstGeom>
+              <a:blipFill>
+                <a:blip r:embed="rId4"/>
+                <a:stretch>
+                  <a:fillRect/>
+                </a:stretch>
+              </a:blipFill>
+            </p:spPr>
+            <p:txBody>
+              <a:bodyPr/>
+              <a:lstStyle/>
+              <a:p>
+                <a:r>
+                  <a:rPr lang="ja-JP" altLang="en-US">
+                    <a:noFill/>
+                  </a:rPr>
+                  <a:t> </a:t>
+                </a:r>
+              </a:p>
+            </p:txBody>
+          </p:sp>
+        </mc:Fallback>
+      </mc:AlternateContent>
+      <p:sp>
+        <p:nvSpPr>
+          <p:cNvPr id="7" name="テキスト ボックス 6">
+            <a:extLst>
+              <a:ext uri="{FF2B5EF4-FFF2-40B4-BE49-F238E27FC236}">
+                <a16:creationId xmlns:a16="http://schemas.microsoft.com/office/drawing/2014/main" id="{71B388FA-0FCB-9EA9-AF17-35AABC4FEC98}"/>
+              </a:ext>
+            </a:extLst>
+          </p:cNvPr>
+          <p:cNvSpPr txBox="1"/>
+          <p:nvPr/>
+        </p:nvSpPr>
+        <p:spPr>
+          <a:xfrm>
+            <a:off x="3995936" y="3717032"/>
+            <a:ext cx="3262432" cy="461665"/>
+          </a:xfrm>
+          <a:prstGeom prst="rect">
+            <a:avLst/>
+          </a:prstGeom>
+          <a:noFill/>
+        </p:spPr>
+        <p:txBody>
+          <a:bodyPr wrap="none" rtlCol="0">
+            <a:spAutoFit/>
+          </a:bodyPr>
+          <a:lstStyle/>
+          <a:p>
+            <a:r>
+              <a:rPr lang="ja-JP" altLang="en-US" sz="2400"/>
+              <a:t>運動エネルギーの定義</a:t>
+            </a:r>
+            <a:endParaRPr kumimoji="1" lang="ja-JP" altLang="en-US" sz="2400"/>
+          </a:p>
+        </p:txBody>
+      </p:sp>
+      <p:cxnSp>
+        <p:nvCxnSpPr>
+          <p:cNvPr id="9" name="コネクタ: カギ線 8">
+            <a:extLst>
+              <a:ext uri="{FF2B5EF4-FFF2-40B4-BE49-F238E27FC236}">
+                <a16:creationId xmlns:a16="http://schemas.microsoft.com/office/drawing/2014/main" id="{07B74ED1-3DD2-E031-9C7F-00D7AC517693}"/>
+              </a:ext>
+            </a:extLst>
+          </p:cNvPr>
+          <p:cNvCxnSpPr>
+            <a:cxnSpLocks/>
+            <a:stCxn id="4" idx="1"/>
+            <a:endCxn id="6" idx="1"/>
+          </p:cNvCxnSpPr>
+          <p:nvPr/>
+        </p:nvCxnSpPr>
+        <p:spPr>
+          <a:xfrm rot="10800000" flipV="1">
+            <a:off x="971600" y="2096807"/>
+            <a:ext cx="72008" cy="1800200"/>
+          </a:xfrm>
+          <a:prstGeom prst="bentConnector3">
+            <a:avLst>
+              <a:gd name="adj1" fmla="val 417465"/>
+            </a:avLst>
+          </a:prstGeom>
+          <a:ln>
+            <a:solidFill>
+              <a:schemeClr val="tx1"/>
+            </a:solidFill>
+            <a:headEnd type="none" w="med" len="med"/>
+            <a:tailEnd type="none" w="med" len="med"/>
+          </a:ln>
+        </p:spPr>
+        <p:style>
+          <a:lnRef idx="1">
+            <a:schemeClr val="accent1"/>
+          </a:lnRef>
+          <a:fillRef idx="0">
+            <a:schemeClr val="accent1"/>
+          </a:fillRef>
+          <a:effectRef idx="0">
+            <a:schemeClr val="accent1"/>
+          </a:effectRef>
+          <a:fontRef idx="minor">
+            <a:schemeClr val="tx1"/>
+          </a:fontRef>
+        </p:style>
+      </p:cxnSp>
+      <p:cxnSp>
+        <p:nvCxnSpPr>
+          <p:cNvPr id="14" name="コネクタ: カギ線 13">
+            <a:extLst>
+              <a:ext uri="{FF2B5EF4-FFF2-40B4-BE49-F238E27FC236}">
+                <a16:creationId xmlns:a16="http://schemas.microsoft.com/office/drawing/2014/main" id="{51B3BE83-7EAC-1539-7761-79D42F48C5C8}"/>
+              </a:ext>
+            </a:extLst>
+          </p:cNvPr>
+          <p:cNvCxnSpPr>
+            <a:cxnSpLocks/>
+            <a:stCxn id="16" idx="2"/>
+            <a:endCxn id="3" idx="1"/>
+          </p:cNvCxnSpPr>
+          <p:nvPr/>
+        </p:nvCxnSpPr>
+        <p:spPr>
+          <a:xfrm rot="10800000" flipH="1" flipV="1">
+            <a:off x="642927" y="3032956"/>
+            <a:ext cx="410569" cy="2560990"/>
+          </a:xfrm>
+          <a:prstGeom prst="bentConnector3">
+            <a:avLst>
+              <a:gd name="adj1" fmla="val -55679"/>
+            </a:avLst>
+          </a:prstGeom>
+          <a:ln>
+            <a:solidFill>
+              <a:schemeClr val="tx1"/>
+            </a:solidFill>
+            <a:headEnd type="none" w="med" len="med"/>
+            <a:tailEnd type="triangle"/>
+          </a:ln>
+        </p:spPr>
+        <p:style>
+          <a:lnRef idx="1">
+            <a:schemeClr val="accent1"/>
+          </a:lnRef>
+          <a:fillRef idx="0">
+            <a:schemeClr val="accent1"/>
+          </a:fillRef>
+          <a:effectRef idx="0">
+            <a:schemeClr val="accent1"/>
+          </a:effectRef>
+          <a:fontRef idx="minor">
+            <a:schemeClr val="tx1"/>
+          </a:fontRef>
+        </p:style>
+      </p:cxnSp>
+      <p:sp>
+        <p:nvSpPr>
+          <p:cNvPr id="16" name="楕円 15">
+            <a:extLst>
+              <a:ext uri="{FF2B5EF4-FFF2-40B4-BE49-F238E27FC236}">
+                <a16:creationId xmlns:a16="http://schemas.microsoft.com/office/drawing/2014/main" id="{F407843D-C6D4-7324-D337-6F6B9B5990A9}"/>
+              </a:ext>
+            </a:extLst>
+          </p:cNvPr>
+          <p:cNvSpPr/>
+          <p:nvPr/>
+        </p:nvSpPr>
+        <p:spPr>
+          <a:xfrm>
+            <a:off x="642928" y="2924944"/>
+            <a:ext cx="216024" cy="216024"/>
+          </a:xfrm>
+          <a:prstGeom prst="ellipse">
+            <a:avLst/>
+          </a:prstGeom>
+          <a:solidFill>
+            <a:srgbClr val="FF0000"/>
+          </a:solidFill>
+          <a:ln>
+            <a:solidFill>
+              <a:schemeClr val="tx1"/>
+            </a:solidFill>
+          </a:ln>
+        </p:spPr>
+        <p:style>
+          <a:lnRef idx="2">
+            <a:schemeClr val="accent1">
+              <a:shade val="50000"/>
+            </a:schemeClr>
+          </a:lnRef>
+          <a:fillRef idx="1">
+            <a:schemeClr val="accent1"/>
+          </a:fillRef>
+          <a:effectRef idx="0">
+            <a:schemeClr val="accent1"/>
+          </a:effectRef>
+          <a:fontRef idx="minor">
+            <a:schemeClr val="lt1"/>
+          </a:fontRef>
+        </p:style>
+        <p:txBody>
+          <a:bodyPr rtlCol="0" anchor="ctr"/>
+          <a:lstStyle/>
+          <a:p>
+            <a:pPr algn="ctr"/>
+            <a:endParaRPr kumimoji="1" lang="ja-JP" altLang="en-US"/>
+          </a:p>
+        </p:txBody>
+      </p:sp>
+      <p:sp>
+        <p:nvSpPr>
+          <p:cNvPr id="19" name="テキスト ボックス 18">
+            <a:extLst>
+              <a:ext uri="{FF2B5EF4-FFF2-40B4-BE49-F238E27FC236}">
+                <a16:creationId xmlns:a16="http://schemas.microsoft.com/office/drawing/2014/main" id="{AFC56AF2-0D2B-BCF9-6B77-060CD0A56936}"/>
+              </a:ext>
+            </a:extLst>
+          </p:cNvPr>
+          <p:cNvSpPr txBox="1"/>
+          <p:nvPr/>
+        </p:nvSpPr>
+        <p:spPr>
+          <a:xfrm>
+            <a:off x="3131840" y="5229200"/>
+            <a:ext cx="5929828" cy="830997"/>
+          </a:xfrm>
+          <a:prstGeom prst="rect">
+            <a:avLst/>
+          </a:prstGeom>
+          <a:noFill/>
+        </p:spPr>
+        <p:txBody>
+          <a:bodyPr wrap="none" rtlCol="0">
+            <a:spAutoFit/>
+          </a:bodyPr>
+          <a:lstStyle/>
+          <a:p>
+            <a:r>
+              <a:rPr kumimoji="1" lang="ja-JP" altLang="en-US" sz="2400"/>
+              <a:t>分子動力学法における</a:t>
+            </a:r>
+            <a:r>
+              <a:rPr kumimoji="1" lang="en-US" altLang="ja-JP" sz="2400"/>
+              <a:t>(</a:t>
+            </a:r>
+            <a:r>
+              <a:rPr kumimoji="1" lang="ja-JP" altLang="en-US" sz="2400"/>
+              <a:t>解析力学における</a:t>
+            </a:r>
+            <a:r>
+              <a:rPr kumimoji="1" lang="en-US" altLang="ja-JP" sz="2400"/>
+              <a:t>)</a:t>
+            </a:r>
+          </a:p>
+          <a:p>
+            <a:r>
+              <a:rPr lang="ja-JP" altLang="en-US" sz="2400"/>
+              <a:t>温度の定義</a:t>
+            </a:r>
+            <a:endParaRPr kumimoji="1" lang="ja-JP" altLang="en-US" sz="2400"/>
           </a:p>
         </p:txBody>
       </p:sp>
     </p:spTree>
     <p:extLst>
       <p:ext uri="{BB962C8B-B14F-4D97-AF65-F5344CB8AC3E}">
-        <p14:creationId xmlns:p14="http://schemas.microsoft.com/office/powerpoint/2010/main" val="348826034"/>
+        <p14:creationId xmlns:p14="http://schemas.microsoft.com/office/powerpoint/2010/main" val="2910383435"/>
+      </p:ext>
+    </p:extLst>
+  </p:cSld>
+  <p:clrMapOvr>
+    <a:masterClrMapping/>
+  </p:clrMapOvr>
+</p:sld>
+</file>
+
+<file path=ppt/slides/slide27.xml><?xml version="1.0" encoding="utf-8"?>
+<p:sld xmlns:a="http://schemas.openxmlformats.org/drawingml/2006/main" xmlns:r="http://schemas.openxmlformats.org/officeDocument/2006/relationships" xmlns:p="http://schemas.openxmlformats.org/presentationml/2006/main">
+  <p:cSld>
+    <p:spTree>
+      <p:nvGrpSpPr>
+        <p:cNvPr id="1" name=""/>
+        <p:cNvGrpSpPr/>
+        <p:nvPr/>
+      </p:nvGrpSpPr>
+      <p:grpSpPr>
+        <a:xfrm>
+          <a:off x="0" y="0"/>
+          <a:ext cx="0" cy="0"/>
+          <a:chOff x="0" y="0"/>
+          <a:chExt cx="0" cy="0"/>
+        </a:xfrm>
+      </p:grpSpPr>
+      <p:sp>
+        <p:nvSpPr>
+          <p:cNvPr id="2" name="テキスト プレースホルダー 1">
+            <a:extLst>
+              <a:ext uri="{FF2B5EF4-FFF2-40B4-BE49-F238E27FC236}">
+                <a16:creationId xmlns:a16="http://schemas.microsoft.com/office/drawing/2014/main" id="{A257F34E-52B8-DD42-2A85-53A2F16EB3DF}"/>
+              </a:ext>
+            </a:extLst>
+          </p:cNvPr>
+          <p:cNvSpPr>
+            <a:spLocks noGrp="1"/>
+          </p:cNvSpPr>
+          <p:nvPr>
+            <p:ph type="body" sz="quarter" idx="10"/>
+          </p:nvPr>
+        </p:nvSpPr>
+        <p:spPr/>
+        <p:txBody>
+          <a:bodyPr/>
+          <a:lstStyle/>
+          <a:p>
+            <a:endParaRPr kumimoji="1" lang="ja-JP" altLang="en-US"/>
+          </a:p>
+        </p:txBody>
+      </p:sp>
+      <p:pic>
+        <p:nvPicPr>
+          <p:cNvPr id="3" name="図 2" descr="temperature.eps">
+            <a:extLst>
+              <a:ext uri="{FF2B5EF4-FFF2-40B4-BE49-F238E27FC236}">
+                <a16:creationId xmlns:a16="http://schemas.microsoft.com/office/drawing/2014/main" id="{2126C1E8-3658-D58C-5DB6-189890792E64}"/>
+              </a:ext>
+            </a:extLst>
+          </p:cNvPr>
+          <p:cNvPicPr>
+            <a:picLocks noChangeAspect="1"/>
+          </p:cNvPicPr>
+          <p:nvPr/>
+        </p:nvPicPr>
+        <mc:AlternateContent xmlns:mc="http://schemas.openxmlformats.org/markup-compatibility/2006">
+          <mc:Choice xmlns:ma="http://schemas.microsoft.com/office/mac/drawingml/2008/main" xmlns:mv="urn:schemas-microsoft-com:mac:vml" xmlns="" Requires="ma">
+            <p:blipFill>
+              <a:blip r:embed="rId2"/>
+              <a:stretch>
+                <a:fillRect/>
+              </a:stretch>
+            </p:blipFill>
+          </mc:Choice>
+          <mc:Fallback>
+            <p:blipFill>
+              <a:blip r:embed="rId3"/>
+              <a:stretch>
+                <a:fillRect/>
+              </a:stretch>
+            </p:blipFill>
+          </mc:Fallback>
+        </mc:AlternateContent>
+        <p:spPr>
+          <a:xfrm>
+            <a:off x="539552" y="1124744"/>
+            <a:ext cx="7097932" cy="4968552"/>
+          </a:xfrm>
+          <a:prstGeom prst="rect">
+            <a:avLst/>
+          </a:prstGeom>
+        </p:spPr>
+      </p:pic>
+      <p:sp>
+        <p:nvSpPr>
+          <p:cNvPr id="4" name="テキスト ボックス 3">
+            <a:extLst>
+              <a:ext uri="{FF2B5EF4-FFF2-40B4-BE49-F238E27FC236}">
+                <a16:creationId xmlns:a16="http://schemas.microsoft.com/office/drawing/2014/main" id="{2AC43311-5C9E-3777-798F-F2C128086145}"/>
+              </a:ext>
+            </a:extLst>
+          </p:cNvPr>
+          <p:cNvSpPr txBox="1"/>
+          <p:nvPr/>
+        </p:nvSpPr>
+        <p:spPr>
+          <a:xfrm>
+            <a:off x="1763688" y="4797152"/>
+            <a:ext cx="1826141" cy="584775"/>
+          </a:xfrm>
+          <a:prstGeom prst="rect">
+            <a:avLst/>
+          </a:prstGeom>
+          <a:noFill/>
+        </p:spPr>
+        <p:txBody>
+          <a:bodyPr wrap="none" rtlCol="0">
+            <a:spAutoFit/>
+          </a:bodyPr>
+          <a:lstStyle/>
+          <a:p>
+            <a:r>
+              <a:rPr lang="ja-JP" altLang="en-US" sz="3200"/>
+              <a:t>運動温度</a:t>
+            </a:r>
+            <a:endParaRPr kumimoji="1" lang="ja-JP" altLang="en-US" sz="3200"/>
+          </a:p>
+        </p:txBody>
+      </p:sp>
+      <p:sp>
+        <p:nvSpPr>
+          <p:cNvPr id="5" name="テキスト ボックス 4">
+            <a:extLst>
+              <a:ext uri="{FF2B5EF4-FFF2-40B4-BE49-F238E27FC236}">
+                <a16:creationId xmlns:a16="http://schemas.microsoft.com/office/drawing/2014/main" id="{553565C0-F792-BDE2-B835-8E7BDE487C40}"/>
+              </a:ext>
+            </a:extLst>
+          </p:cNvPr>
+          <p:cNvSpPr txBox="1"/>
+          <p:nvPr/>
+        </p:nvSpPr>
+        <p:spPr>
+          <a:xfrm>
+            <a:off x="3926637" y="6165304"/>
+            <a:ext cx="1005403" cy="584775"/>
+          </a:xfrm>
+          <a:prstGeom prst="rect">
+            <a:avLst/>
+          </a:prstGeom>
+          <a:noFill/>
+        </p:spPr>
+        <p:txBody>
+          <a:bodyPr wrap="none" rtlCol="0">
+            <a:spAutoFit/>
+          </a:bodyPr>
+          <a:lstStyle/>
+          <a:p>
+            <a:r>
+              <a:rPr kumimoji="1" lang="ja-JP" altLang="en-US" sz="3200"/>
+              <a:t>時間</a:t>
+            </a:r>
+          </a:p>
+        </p:txBody>
+      </p:sp>
+      <p:sp>
+        <p:nvSpPr>
+          <p:cNvPr id="6" name="テキスト ボックス 5">
+            <a:extLst>
+              <a:ext uri="{FF2B5EF4-FFF2-40B4-BE49-F238E27FC236}">
+                <a16:creationId xmlns:a16="http://schemas.microsoft.com/office/drawing/2014/main" id="{7C968ED5-0F0C-DF3A-7A7B-A4FD0B67AA92}"/>
+              </a:ext>
+            </a:extLst>
+          </p:cNvPr>
+          <p:cNvSpPr txBox="1"/>
+          <p:nvPr/>
+        </p:nvSpPr>
+        <p:spPr>
+          <a:xfrm>
+            <a:off x="1691680" y="2204864"/>
+            <a:ext cx="1826141" cy="584775"/>
+          </a:xfrm>
+          <a:prstGeom prst="rect">
+            <a:avLst/>
+          </a:prstGeom>
+          <a:noFill/>
+        </p:spPr>
+        <p:txBody>
+          <a:bodyPr wrap="none" rtlCol="0">
+            <a:spAutoFit/>
+          </a:bodyPr>
+          <a:lstStyle/>
+          <a:p>
+            <a:r>
+              <a:rPr lang="ja-JP" altLang="en-US" sz="3200"/>
+              <a:t>状態温度</a:t>
+            </a:r>
+            <a:endParaRPr kumimoji="1" lang="ja-JP" altLang="en-US" sz="3200"/>
+          </a:p>
+        </p:txBody>
+      </p:sp>
+      <p:cxnSp>
+        <p:nvCxnSpPr>
+          <p:cNvPr id="8" name="直線矢印コネクタ 7">
+            <a:extLst>
+              <a:ext uri="{FF2B5EF4-FFF2-40B4-BE49-F238E27FC236}">
+                <a16:creationId xmlns:a16="http://schemas.microsoft.com/office/drawing/2014/main" id="{F114BA74-74CC-5E62-6D96-036F1ECE9A55}"/>
+              </a:ext>
+            </a:extLst>
+          </p:cNvPr>
+          <p:cNvCxnSpPr>
+            <a:cxnSpLocks/>
+          </p:cNvCxnSpPr>
+          <p:nvPr/>
+        </p:nvCxnSpPr>
+        <p:spPr>
+          <a:xfrm>
+            <a:off x="2123728" y="2780928"/>
+            <a:ext cx="0" cy="639361"/>
+          </a:xfrm>
+          <a:prstGeom prst="straightConnector1">
+            <a:avLst/>
+          </a:prstGeom>
+          <a:ln>
+            <a:solidFill>
+              <a:schemeClr val="tx1"/>
+            </a:solidFill>
+            <a:headEnd type="none" w="med" len="med"/>
+            <a:tailEnd type="triangle"/>
+          </a:ln>
+        </p:spPr>
+        <p:style>
+          <a:lnRef idx="1">
+            <a:schemeClr val="accent1"/>
+          </a:lnRef>
+          <a:fillRef idx="0">
+            <a:schemeClr val="accent1"/>
+          </a:fillRef>
+          <a:effectRef idx="0">
+            <a:schemeClr val="accent1"/>
+          </a:effectRef>
+          <a:fontRef idx="minor">
+            <a:schemeClr val="tx1"/>
+          </a:fontRef>
+        </p:style>
+      </p:cxnSp>
+      <p:cxnSp>
+        <p:nvCxnSpPr>
+          <p:cNvPr id="10" name="直線矢印コネクタ 9">
+            <a:extLst>
+              <a:ext uri="{FF2B5EF4-FFF2-40B4-BE49-F238E27FC236}">
+                <a16:creationId xmlns:a16="http://schemas.microsoft.com/office/drawing/2014/main" id="{83C9DD19-3E93-42ED-38E2-95E675020FA2}"/>
+              </a:ext>
+            </a:extLst>
+          </p:cNvPr>
+          <p:cNvCxnSpPr>
+            <a:cxnSpLocks/>
+          </p:cNvCxnSpPr>
+          <p:nvPr/>
+        </p:nvCxnSpPr>
+        <p:spPr>
+          <a:xfrm flipV="1">
+            <a:off x="2123728" y="4077072"/>
+            <a:ext cx="0" cy="648399"/>
+          </a:xfrm>
+          <a:prstGeom prst="straightConnector1">
+            <a:avLst/>
+          </a:prstGeom>
+          <a:ln>
+            <a:solidFill>
+              <a:schemeClr val="tx1"/>
+            </a:solidFill>
+            <a:headEnd type="none" w="med" len="med"/>
+            <a:tailEnd type="triangle"/>
+          </a:ln>
+        </p:spPr>
+        <p:style>
+          <a:lnRef idx="1">
+            <a:schemeClr val="accent1"/>
+          </a:lnRef>
+          <a:fillRef idx="0">
+            <a:schemeClr val="accent1"/>
+          </a:fillRef>
+          <a:effectRef idx="0">
+            <a:schemeClr val="accent1"/>
+          </a:effectRef>
+          <a:fontRef idx="minor">
+            <a:schemeClr val="tx1"/>
+          </a:fontRef>
+        </p:style>
+      </p:cxnSp>
+    </p:spTree>
+    <p:extLst>
+      <p:ext uri="{BB962C8B-B14F-4D97-AF65-F5344CB8AC3E}">
+        <p14:creationId xmlns:p14="http://schemas.microsoft.com/office/powerpoint/2010/main" val="2771212071"/>
       </p:ext>
     </p:extLst>
   </p:cSld>

--- a/06_md_observable/simulation06.pptx
+++ b/06_md_observable/simulation06.pptx
@@ -5,7 +5,7 @@
     <p:sldMasterId id="2147483665" r:id="rId1"/>
   </p:sldMasterIdLst>
   <p:notesMasterIdLst>
-    <p:notesMasterId r:id="rId48"/>
+    <p:notesMasterId r:id="rId56"/>
   </p:notesMasterIdLst>
   <p:sldIdLst>
     <p:sldId id="256" r:id="rId2"/>
@@ -54,6 +54,14 @@
     <p:sldId id="381" r:id="rId45"/>
     <p:sldId id="382" r:id="rId46"/>
     <p:sldId id="383" r:id="rId47"/>
+    <p:sldId id="384" r:id="rId48"/>
+    <p:sldId id="385" r:id="rId49"/>
+    <p:sldId id="386" r:id="rId50"/>
+    <p:sldId id="387" r:id="rId51"/>
+    <p:sldId id="388" r:id="rId52"/>
+    <p:sldId id="389" r:id="rId53"/>
+    <p:sldId id="390" r:id="rId54"/>
+    <p:sldId id="391" r:id="rId55"/>
   </p:sldIdLst>
   <p:sldSz cx="9144000" cy="6858000" type="screen4x3"/>
   <p:notesSz cx="6858000" cy="9144000"/>
@@ -19110,7 +19118,7 @@
           <p:nvPr/>
         </p:nvPicPr>
         <mc:AlternateContent xmlns:mc="http://schemas.openxmlformats.org/markup-compatibility/2006">
-          <mc:Choice xmlns:ma="http://schemas.microsoft.com/office/mac/drawingml/2008/main" xmlns:mv="urn:schemas-microsoft-com:mac:vml" xmlns="" Requires="ma">
+          <mc:Choice xmlns="" xmlns:mv="urn:schemas-microsoft-com:mac:vml" xmlns:ma="http://schemas.microsoft.com/office/mac/drawingml/2008/main" Requires="ma">
             <p:blipFill>
               <a:blip r:embed="rId2"/>
               <a:stretch>
@@ -29334,8 +29342,8 @@
           </a:p>
         </p:txBody>
       </p:sp>
-      <mc:AlternateContent xmlns:mc="http://schemas.openxmlformats.org/markup-compatibility/2006">
-        <mc:Choice xmlns:a14="http://schemas.microsoft.com/office/drawing/2010/main" Requires="a14">
+      <mc:AlternateContent xmlns:mc="http://schemas.openxmlformats.org/markup-compatibility/2006" xmlns:a14="http://schemas.microsoft.com/office/drawing/2010/main">
+        <mc:Choice Requires="a14">
           <p:sp>
             <p:nvSpPr>
               <p:cNvPr id="4" name="テキスト ボックス 3">
@@ -29416,7 +29424,7 @@
             </p:txBody>
           </p:sp>
         </mc:Choice>
-        <mc:Fallback>
+        <mc:Fallback xmlns="">
           <p:sp>
             <p:nvSpPr>
               <p:cNvPr id="4" name="テキスト ボックス 3">
@@ -29496,8 +29504,8 @@
           </a:p>
         </p:txBody>
       </p:sp>
-      <mc:AlternateContent xmlns:mc="http://schemas.openxmlformats.org/markup-compatibility/2006">
-        <mc:Choice xmlns:a14="http://schemas.microsoft.com/office/drawing/2010/main" Requires="a14">
+      <mc:AlternateContent xmlns:mc="http://schemas.openxmlformats.org/markup-compatibility/2006" xmlns:a14="http://schemas.microsoft.com/office/drawing/2010/main">
+        <mc:Choice Requires="a14">
           <p:sp>
             <p:nvSpPr>
               <p:cNvPr id="6" name="テキスト ボックス 5">
@@ -29635,7 +29643,7 @@
             </p:txBody>
           </p:sp>
         </mc:Choice>
-        <mc:Fallback>
+        <mc:Fallback xmlns="">
           <p:sp>
             <p:nvSpPr>
               <p:cNvPr id="6" name="テキスト ボックス 5">
@@ -29810,8 +29818,8 @@
           </a:p>
         </p:txBody>
       </p:sp>
-      <mc:AlternateContent xmlns:mc="http://schemas.openxmlformats.org/markup-compatibility/2006">
-        <mc:Choice xmlns:a14="http://schemas.microsoft.com/office/drawing/2010/main" Requires="a14">
+      <mc:AlternateContent xmlns:mc="http://schemas.openxmlformats.org/markup-compatibility/2006" xmlns:a14="http://schemas.microsoft.com/office/drawing/2010/main">
+        <mc:Choice Requires="a14">
           <p:sp>
             <p:nvSpPr>
               <p:cNvPr id="10" name="テキスト ボックス 9">
@@ -29892,7 +29900,7 @@
             </p:txBody>
           </p:sp>
         </mc:Choice>
-        <mc:Fallback>
+        <mc:Fallback xmlns="">
           <p:sp>
             <p:nvSpPr>
               <p:cNvPr id="10" name="テキスト ボックス 9">
@@ -30073,7 +30081,7 @@
         </p:nvGrpSpPr>
         <p:grpSpPr>
           <a:xfrm rot="18289369">
-            <a:off x="1773803" y="5302310"/>
+            <a:off x="1773803" y="5374318"/>
             <a:ext cx="504056" cy="288032"/>
             <a:chOff x="5148064" y="2564904"/>
             <a:chExt cx="504056" cy="288032"/>
@@ -30317,7 +30325,7 @@
         </p:nvGrpSpPr>
         <p:grpSpPr>
           <a:xfrm rot="12022274">
-            <a:off x="1510026" y="5955997"/>
+            <a:off x="1510026" y="6028005"/>
             <a:ext cx="504056" cy="288032"/>
             <a:chOff x="5148064" y="2564904"/>
             <a:chExt cx="504056" cy="288032"/>
@@ -31543,8 +31551,8 @@
           </a:fontRef>
         </p:style>
       </p:cxnSp>
-      <mc:AlternateContent xmlns:mc="http://schemas.openxmlformats.org/markup-compatibility/2006">
-        <mc:Choice xmlns:a14="http://schemas.microsoft.com/office/drawing/2010/main" Requires="a14">
+      <mc:AlternateContent xmlns:mc="http://schemas.openxmlformats.org/markup-compatibility/2006" xmlns:a14="http://schemas.microsoft.com/office/drawing/2010/main">
+        <mc:Choice Requires="a14">
           <p:sp>
             <p:nvSpPr>
               <p:cNvPr id="55" name="テキスト ボックス 54">
@@ -31573,6 +31581,7 @@
               </a:bodyPr>
               <a:lstStyle/>
               <a:p>
+                <a:pPr/>
                 <a14:m>
                   <m:oMathPara xmlns:m="http://schemas.openxmlformats.org/officeDocument/2006/math">
                     <m:oMathParaPr>
@@ -31593,7 +31602,7 @@
             </p:txBody>
           </p:sp>
         </mc:Choice>
-        <mc:Fallback>
+        <mc:Fallback xmlns="">
           <p:sp>
             <p:nvSpPr>
               <p:cNvPr id="55" name="テキスト ボックス 54">
@@ -31638,8 +31647,8 @@
           </p:sp>
         </mc:Fallback>
       </mc:AlternateContent>
-      <mc:AlternateContent xmlns:mc="http://schemas.openxmlformats.org/markup-compatibility/2006">
-        <mc:Choice xmlns:a14="http://schemas.microsoft.com/office/drawing/2010/main" Requires="a14">
+      <mc:AlternateContent xmlns:mc="http://schemas.openxmlformats.org/markup-compatibility/2006" xmlns:a14="http://schemas.microsoft.com/office/drawing/2010/main">
+        <mc:Choice Requires="a14">
           <p:sp>
             <p:nvSpPr>
               <p:cNvPr id="56" name="テキスト ボックス 55">
@@ -31668,6 +31677,7 @@
               </a:bodyPr>
               <a:lstStyle/>
               <a:p>
+                <a:pPr/>
                 <a14:m>
                   <m:oMathPara xmlns:m="http://schemas.openxmlformats.org/officeDocument/2006/math">
                     <m:oMathParaPr>
@@ -31694,7 +31704,7 @@
             </p:txBody>
           </p:sp>
         </mc:Choice>
-        <mc:Fallback>
+        <mc:Fallback xmlns="">
           <p:sp>
             <p:nvSpPr>
               <p:cNvPr id="56" name="テキスト ボックス 55">
@@ -31793,8 +31803,8 @@
           </a:p>
         </p:txBody>
       </p:sp>
-      <mc:AlternateContent xmlns:mc="http://schemas.openxmlformats.org/markup-compatibility/2006">
-        <mc:Choice xmlns:a14="http://schemas.microsoft.com/office/drawing/2010/main" Requires="a14">
+      <mc:AlternateContent xmlns:mc="http://schemas.openxmlformats.org/markup-compatibility/2006" xmlns:a14="http://schemas.microsoft.com/office/drawing/2010/main">
+        <mc:Choice Requires="a14">
           <p:sp>
             <p:nvSpPr>
               <p:cNvPr id="58" name="テキスト ボックス 57">
@@ -31846,7 +31856,7 @@
             </p:txBody>
           </p:sp>
         </mc:Choice>
-        <mc:Fallback>
+        <mc:Fallback xmlns="">
           <p:sp>
             <p:nvSpPr>
               <p:cNvPr id="58" name="テキスト ボックス 57">
@@ -31891,8 +31901,8 @@
           </p:sp>
         </mc:Fallback>
       </mc:AlternateContent>
-      <mc:AlternateContent xmlns:mc="http://schemas.openxmlformats.org/markup-compatibility/2006">
-        <mc:Choice xmlns:a14="http://schemas.microsoft.com/office/drawing/2010/main" Requires="a14">
+      <mc:AlternateContent xmlns:mc="http://schemas.openxmlformats.org/markup-compatibility/2006" xmlns:a14="http://schemas.microsoft.com/office/drawing/2010/main">
+        <mc:Choice Requires="a14">
           <p:sp>
             <p:nvSpPr>
               <p:cNvPr id="59" name="テキスト ボックス 58">
@@ -31963,7 +31973,7 @@
             </p:txBody>
           </p:sp>
         </mc:Choice>
-        <mc:Fallback>
+        <mc:Fallback xmlns="">
           <p:sp>
             <p:nvSpPr>
               <p:cNvPr id="59" name="テキスト ボックス 58">
@@ -32551,8 +32561,8 @@
           </a:p>
         </p:txBody>
       </p:sp>
-      <mc:AlternateContent xmlns:mc="http://schemas.openxmlformats.org/markup-compatibility/2006">
-        <mc:Choice xmlns:a14="http://schemas.microsoft.com/office/drawing/2010/main" Requires="a14">
+      <mc:AlternateContent xmlns:mc="http://schemas.openxmlformats.org/markup-compatibility/2006" xmlns:a14="http://schemas.microsoft.com/office/drawing/2010/main">
+        <mc:Choice Requires="a14">
           <p:sp>
             <p:nvSpPr>
               <p:cNvPr id="3" name="テキスト ボックス 2">
@@ -32690,7 +32700,7 @@
             </p:txBody>
           </p:sp>
         </mc:Choice>
-        <mc:Fallback>
+        <mc:Fallback xmlns="">
           <p:sp>
             <p:nvSpPr>
               <p:cNvPr id="3" name="テキスト ボックス 2">
@@ -32735,8 +32745,8 @@
           </p:sp>
         </mc:Fallback>
       </mc:AlternateContent>
-      <mc:AlternateContent xmlns:mc="http://schemas.openxmlformats.org/markup-compatibility/2006">
-        <mc:Choice xmlns:a14="http://schemas.microsoft.com/office/drawing/2010/main" Requires="a14">
+      <mc:AlternateContent xmlns:mc="http://schemas.openxmlformats.org/markup-compatibility/2006" xmlns:a14="http://schemas.microsoft.com/office/drawing/2010/main">
+        <mc:Choice Requires="a14">
           <p:sp>
             <p:nvSpPr>
               <p:cNvPr id="5" name="テキスト ボックス 4">
@@ -32885,7 +32895,7 @@
             </p:txBody>
           </p:sp>
         </mc:Choice>
-        <mc:Fallback>
+        <mc:Fallback xmlns="">
           <p:sp>
             <p:nvSpPr>
               <p:cNvPr id="5" name="テキスト ボックス 4">
@@ -32966,8 +32976,8 @@
           </a:p>
         </p:txBody>
       </p:sp>
-      <mc:AlternateContent xmlns:mc="http://schemas.openxmlformats.org/markup-compatibility/2006">
-        <mc:Choice xmlns:a14="http://schemas.microsoft.com/office/drawing/2010/main" Requires="a14">
+      <mc:AlternateContent xmlns:mc="http://schemas.openxmlformats.org/markup-compatibility/2006" xmlns:a14="http://schemas.microsoft.com/office/drawing/2010/main">
+        <mc:Choice Requires="a14">
           <p:sp>
             <p:nvSpPr>
               <p:cNvPr id="32" name="テキスト ボックス 31">
@@ -33196,7 +33206,7 @@
             </p:txBody>
           </p:sp>
         </mc:Choice>
-        <mc:Fallback>
+        <mc:Fallback xmlns="">
           <p:sp>
             <p:nvSpPr>
               <p:cNvPr id="32" name="テキスト ボックス 31">
@@ -33241,8 +33251,8 @@
           </p:sp>
         </mc:Fallback>
       </mc:AlternateContent>
-      <mc:AlternateContent xmlns:mc="http://schemas.openxmlformats.org/markup-compatibility/2006">
-        <mc:Choice xmlns:a14="http://schemas.microsoft.com/office/drawing/2010/main" Requires="a14">
+      <mc:AlternateContent xmlns:mc="http://schemas.openxmlformats.org/markup-compatibility/2006" xmlns:a14="http://schemas.microsoft.com/office/drawing/2010/main">
+        <mc:Choice Requires="a14">
           <p:sp>
             <p:nvSpPr>
               <p:cNvPr id="34" name="テキスト ボックス 33">
@@ -33360,7 +33370,7 @@
             </p:txBody>
           </p:sp>
         </mc:Choice>
-        <mc:Fallback>
+        <mc:Fallback xmlns="">
           <p:sp>
             <p:nvSpPr>
               <p:cNvPr id="34" name="テキスト ボックス 33">
@@ -33680,8 +33690,8 @@
           </a:fontRef>
         </p:style>
       </p:cxnSp>
-      <mc:AlternateContent xmlns:mc="http://schemas.openxmlformats.org/markup-compatibility/2006">
-        <mc:Choice xmlns:a14="http://schemas.microsoft.com/office/drawing/2010/main" Requires="a14">
+      <mc:AlternateContent xmlns:mc="http://schemas.openxmlformats.org/markup-compatibility/2006" xmlns:a14="http://schemas.microsoft.com/office/drawing/2010/main">
+        <mc:Choice Requires="a14">
           <p:sp>
             <p:nvSpPr>
               <p:cNvPr id="43" name="テキスト ボックス 42">
@@ -33840,7 +33850,7 @@
                               <m:sSup>
                                 <m:sSupPr>
                                   <m:ctrlPr>
-                                    <a:rPr lang="en-US" altLang="ja-JP" sz="2800" b="0" i="0" smtClean="0">
+                                    <a:rPr lang="en-US" altLang="ja-JP" sz="2800" b="0" i="1" smtClean="0">
                                       <a:latin typeface="Cambria Math" panose="02040503050406030204" pitchFamily="18" charset="0"/>
                                     </a:rPr>
                                   </m:ctrlPr>
@@ -33962,7 +33972,7 @@
             </p:txBody>
           </p:sp>
         </mc:Choice>
-        <mc:Fallback>
+        <mc:Fallback xmlns="">
           <p:sp>
             <p:nvSpPr>
               <p:cNvPr id="43" name="テキスト ボックス 42">
@@ -34065,8 +34075,8 @@
           </a:p>
         </p:txBody>
       </p:sp>
-      <mc:AlternateContent xmlns:mc="http://schemas.openxmlformats.org/markup-compatibility/2006">
-        <mc:Choice xmlns:a14="http://schemas.microsoft.com/office/drawing/2010/main" Requires="a14">
+      <mc:AlternateContent xmlns:mc="http://schemas.openxmlformats.org/markup-compatibility/2006" xmlns:a14="http://schemas.microsoft.com/office/drawing/2010/main">
+        <mc:Choice Requires="a14">
           <p:sp>
             <p:nvSpPr>
               <p:cNvPr id="4" name="テキスト ボックス 3">
@@ -34095,6 +34105,7 @@
               </a:bodyPr>
               <a:lstStyle/>
               <a:p>
+                <a:pPr/>
                 <a14:m>
                   <m:oMathPara xmlns:m="http://schemas.openxmlformats.org/officeDocument/2006/math">
                     <m:oMathParaPr>
@@ -34171,7 +34182,7 @@
             </p:txBody>
           </p:sp>
         </mc:Choice>
-        <mc:Fallback>
+        <mc:Fallback xmlns="">
           <p:sp>
             <p:nvSpPr>
               <p:cNvPr id="4" name="テキスト ボックス 3">
@@ -34216,8 +34227,8 @@
           </p:sp>
         </mc:Fallback>
       </mc:AlternateContent>
-      <mc:AlternateContent xmlns:mc="http://schemas.openxmlformats.org/markup-compatibility/2006">
-        <mc:Choice xmlns:a14="http://schemas.microsoft.com/office/drawing/2010/main" Requires="a14">
+      <mc:AlternateContent xmlns:mc="http://schemas.openxmlformats.org/markup-compatibility/2006" xmlns:a14="http://schemas.microsoft.com/office/drawing/2010/main">
+        <mc:Choice Requires="a14">
           <p:sp>
             <p:nvSpPr>
               <p:cNvPr id="5" name="テキスト ボックス 4">
@@ -34278,7 +34289,7 @@
             </p:txBody>
           </p:sp>
         </mc:Choice>
-        <mc:Fallback>
+        <mc:Fallback xmlns="">
           <p:sp>
             <p:nvSpPr>
               <p:cNvPr id="5" name="テキスト ボックス 4">
@@ -34323,8 +34334,8 @@
           </p:sp>
         </mc:Fallback>
       </mc:AlternateContent>
-      <mc:AlternateContent xmlns:mc="http://schemas.openxmlformats.org/markup-compatibility/2006">
-        <mc:Choice xmlns:a14="http://schemas.microsoft.com/office/drawing/2010/main" Requires="a14">
+      <mc:AlternateContent xmlns:mc="http://schemas.openxmlformats.org/markup-compatibility/2006" xmlns:a14="http://schemas.microsoft.com/office/drawing/2010/main">
+        <mc:Choice Requires="a14">
           <p:sp>
             <p:nvSpPr>
               <p:cNvPr id="7" name="テキスト ボックス 6">
@@ -34353,6 +34364,7 @@
               </a:bodyPr>
               <a:lstStyle/>
               <a:p>
+                <a:pPr/>
                 <a14:m>
                   <m:oMathPara xmlns:m="http://schemas.openxmlformats.org/officeDocument/2006/math">
                     <m:oMathParaPr>
@@ -34429,7 +34441,7 @@
             </p:txBody>
           </p:sp>
         </mc:Choice>
-        <mc:Fallback>
+        <mc:Fallback xmlns="">
           <p:sp>
             <p:nvSpPr>
               <p:cNvPr id="7" name="テキスト ボックス 6">
@@ -34474,8 +34486,8 @@
           </p:sp>
         </mc:Fallback>
       </mc:AlternateContent>
-      <mc:AlternateContent xmlns:mc="http://schemas.openxmlformats.org/markup-compatibility/2006">
-        <mc:Choice xmlns:a14="http://schemas.microsoft.com/office/drawing/2010/main" Requires="a14">
+      <mc:AlternateContent xmlns:mc="http://schemas.openxmlformats.org/markup-compatibility/2006" xmlns:a14="http://schemas.microsoft.com/office/drawing/2010/main">
+        <mc:Choice Requires="a14">
           <p:sp>
             <p:nvSpPr>
               <p:cNvPr id="8" name="テキスト ボックス 7">
@@ -34504,6 +34516,7 @@
               </a:bodyPr>
               <a:lstStyle/>
               <a:p>
+                <a:pPr/>
                 <a14:m>
                   <m:oMathPara xmlns:m="http://schemas.openxmlformats.org/officeDocument/2006/math">
                     <m:oMathParaPr>
@@ -34586,7 +34599,7 @@
             </p:txBody>
           </p:sp>
         </mc:Choice>
-        <mc:Fallback>
+        <mc:Fallback xmlns="">
           <p:sp>
             <p:nvSpPr>
               <p:cNvPr id="8" name="テキスト ボックス 7">
@@ -34631,8 +34644,8 @@
           </p:sp>
         </mc:Fallback>
       </mc:AlternateContent>
-      <mc:AlternateContent xmlns:mc="http://schemas.openxmlformats.org/markup-compatibility/2006">
-        <mc:Choice xmlns:a14="http://schemas.microsoft.com/office/drawing/2010/main" Requires="a14">
+      <mc:AlternateContent xmlns:mc="http://schemas.openxmlformats.org/markup-compatibility/2006" xmlns:a14="http://schemas.microsoft.com/office/drawing/2010/main">
+        <mc:Choice Requires="a14">
           <p:sp>
             <p:nvSpPr>
               <p:cNvPr id="9" name="テキスト ボックス 8">
@@ -34661,6 +34674,7 @@
               </a:bodyPr>
               <a:lstStyle/>
               <a:p>
+                <a:pPr/>
                 <a14:m>
                   <m:oMathPara xmlns:m="http://schemas.openxmlformats.org/officeDocument/2006/math">
                     <m:oMathParaPr>
@@ -34761,7 +34775,7 @@
             </p:txBody>
           </p:sp>
         </mc:Choice>
-        <mc:Fallback>
+        <mc:Fallback xmlns="">
           <p:sp>
             <p:nvSpPr>
               <p:cNvPr id="9" name="テキスト ボックス 8">
@@ -34806,8 +34820,8 @@
           </p:sp>
         </mc:Fallback>
       </mc:AlternateContent>
-      <mc:AlternateContent xmlns:mc="http://schemas.openxmlformats.org/markup-compatibility/2006">
-        <mc:Choice xmlns:a14="http://schemas.microsoft.com/office/drawing/2010/main" Requires="a14">
+      <mc:AlternateContent xmlns:mc="http://schemas.openxmlformats.org/markup-compatibility/2006" xmlns:a14="http://schemas.microsoft.com/office/drawing/2010/main">
+        <mc:Choice Requires="a14">
           <p:sp>
             <p:nvSpPr>
               <p:cNvPr id="10" name="テキスト ボックス 9">
@@ -34836,6 +34850,7 @@
               </a:bodyPr>
               <a:lstStyle/>
               <a:p>
+                <a:pPr/>
                 <a14:m>
                   <m:oMathPara xmlns:m="http://schemas.openxmlformats.org/officeDocument/2006/math">
                     <m:oMathParaPr>
@@ -34949,7 +34964,7 @@
             </p:txBody>
           </p:sp>
         </mc:Choice>
-        <mc:Fallback>
+        <mc:Fallback xmlns="">
           <p:sp>
             <p:nvSpPr>
               <p:cNvPr id="10" name="テキスト ボックス 9">
@@ -35090,8 +35105,8 @@
           </a:p>
         </p:txBody>
       </p:sp>
-      <mc:AlternateContent xmlns:mc="http://schemas.openxmlformats.org/markup-compatibility/2006">
-        <mc:Choice xmlns:a14="http://schemas.microsoft.com/office/drawing/2010/main" Requires="a14">
+      <mc:AlternateContent xmlns:mc="http://schemas.openxmlformats.org/markup-compatibility/2006" xmlns:a14="http://schemas.microsoft.com/office/drawing/2010/main">
+        <mc:Choice Requires="a14">
           <p:sp>
             <p:nvSpPr>
               <p:cNvPr id="14" name="テキスト ボックス 13">
@@ -35120,6 +35135,7 @@
               </a:bodyPr>
               <a:lstStyle/>
               <a:p>
+                <a:pPr/>
                 <a14:m>
                   <m:oMathPara xmlns:m="http://schemas.openxmlformats.org/officeDocument/2006/math">
                     <m:oMathParaPr>
@@ -35177,7 +35193,7 @@
             </p:txBody>
           </p:sp>
         </mc:Choice>
-        <mc:Fallback>
+        <mc:Fallback xmlns="">
           <p:sp>
             <p:nvSpPr>
               <p:cNvPr id="14" name="テキスト ボックス 13">
@@ -35222,8 +35238,8 @@
           </p:sp>
         </mc:Fallback>
       </mc:AlternateContent>
-      <mc:AlternateContent xmlns:mc="http://schemas.openxmlformats.org/markup-compatibility/2006">
-        <mc:Choice xmlns:a14="http://schemas.microsoft.com/office/drawing/2010/main" Requires="a14">
+      <mc:AlternateContent xmlns:mc="http://schemas.openxmlformats.org/markup-compatibility/2006" xmlns:a14="http://schemas.microsoft.com/office/drawing/2010/main">
+        <mc:Choice Requires="a14">
           <p:sp>
             <p:nvSpPr>
               <p:cNvPr id="15" name="テキスト ボックス 14">
@@ -35252,6 +35268,7 @@
               </a:bodyPr>
               <a:lstStyle/>
               <a:p>
+                <a:pPr/>
                 <a14:m>
                   <m:oMathPara xmlns:m="http://schemas.openxmlformats.org/officeDocument/2006/math">
                     <m:oMathParaPr>
@@ -35340,7 +35357,7 @@
             </p:txBody>
           </p:sp>
         </mc:Choice>
-        <mc:Fallback>
+        <mc:Fallback xmlns="">
           <p:sp>
             <p:nvSpPr>
               <p:cNvPr id="15" name="テキスト ボックス 14">
@@ -35549,8 +35566,8 @@
           </a:p>
         </p:txBody>
       </p:sp>
-      <mc:AlternateContent xmlns:mc="http://schemas.openxmlformats.org/markup-compatibility/2006">
-        <mc:Choice xmlns:a14="http://schemas.microsoft.com/office/drawing/2010/main" Requires="a14">
+      <mc:AlternateContent xmlns:mc="http://schemas.openxmlformats.org/markup-compatibility/2006" xmlns:a14="http://schemas.microsoft.com/office/drawing/2010/main">
+        <mc:Choice Requires="a14">
           <p:sp>
             <p:nvSpPr>
               <p:cNvPr id="4" name="テキスト ボックス 3">
@@ -35579,6 +35596,7 @@
               </a:bodyPr>
               <a:lstStyle/>
               <a:p>
+                <a:pPr/>
                 <a14:m>
                   <m:oMathPara xmlns:m="http://schemas.openxmlformats.org/officeDocument/2006/math">
                     <m:oMathParaPr>
@@ -35881,7 +35899,7 @@
             </p:txBody>
           </p:sp>
         </mc:Choice>
-        <mc:Fallback>
+        <mc:Fallback xmlns="">
           <p:sp>
             <p:nvSpPr>
               <p:cNvPr id="4" name="テキスト ボックス 3">
@@ -35965,8 +35983,8 @@
           </a:p>
         </p:txBody>
       </p:sp>
-      <mc:AlternateContent xmlns:mc="http://schemas.openxmlformats.org/markup-compatibility/2006">
-        <mc:Choice xmlns:a14="http://schemas.microsoft.com/office/drawing/2010/main" Requires="a14">
+      <mc:AlternateContent xmlns:mc="http://schemas.openxmlformats.org/markup-compatibility/2006" xmlns:a14="http://schemas.microsoft.com/office/drawing/2010/main">
+        <mc:Choice Requires="a14">
           <p:sp>
             <p:nvSpPr>
               <p:cNvPr id="6" name="テキスト ボックス 5">
@@ -35995,6 +36013,7 @@
               </a:bodyPr>
               <a:lstStyle/>
               <a:p>
+                <a:pPr/>
                 <a14:m>
                   <m:oMathPara xmlns:m="http://schemas.openxmlformats.org/officeDocument/2006/math">
                     <m:oMathParaPr>
@@ -36211,7 +36230,7 @@
             </p:txBody>
           </p:sp>
         </mc:Choice>
-        <mc:Fallback>
+        <mc:Fallback xmlns="">
           <p:sp>
             <p:nvSpPr>
               <p:cNvPr id="6" name="テキスト ボックス 5">
@@ -36256,8 +36275,8 @@
           </p:sp>
         </mc:Fallback>
       </mc:AlternateContent>
-      <mc:AlternateContent xmlns:mc="http://schemas.openxmlformats.org/markup-compatibility/2006">
-        <mc:Choice xmlns:a14="http://schemas.microsoft.com/office/drawing/2010/main" Requires="a14">
+      <mc:AlternateContent xmlns:mc="http://schemas.openxmlformats.org/markup-compatibility/2006" xmlns:a14="http://schemas.microsoft.com/office/drawing/2010/main">
+        <mc:Choice Requires="a14">
           <p:sp>
             <p:nvSpPr>
               <p:cNvPr id="7" name="テキスト ボックス 6">
@@ -36286,6 +36305,7 @@
               </a:bodyPr>
               <a:lstStyle/>
               <a:p>
+                <a:pPr/>
                 <a14:m>
                   <m:oMathPara xmlns:m="http://schemas.openxmlformats.org/officeDocument/2006/math">
                     <m:oMathParaPr>
@@ -36553,7 +36573,7 @@
             </p:txBody>
           </p:sp>
         </mc:Choice>
-        <mc:Fallback>
+        <mc:Fallback xmlns="">
           <p:sp>
             <p:nvSpPr>
               <p:cNvPr id="7" name="テキスト ボックス 6">
@@ -36850,8 +36870,8 @@
           </a:p>
         </p:txBody>
       </p:sp>
-      <mc:AlternateContent xmlns:mc="http://schemas.openxmlformats.org/markup-compatibility/2006">
-        <mc:Choice xmlns:a14="http://schemas.microsoft.com/office/drawing/2010/main" Requires="a14">
+      <mc:AlternateContent xmlns:mc="http://schemas.openxmlformats.org/markup-compatibility/2006" xmlns:a14="http://schemas.microsoft.com/office/drawing/2010/main">
+        <mc:Choice Requires="a14">
           <p:sp>
             <p:nvSpPr>
               <p:cNvPr id="4" name="テキスト ボックス 3">
@@ -37064,7 +37084,7 @@
             </p:txBody>
           </p:sp>
         </mc:Choice>
-        <mc:Fallback>
+        <mc:Fallback xmlns="">
           <p:sp>
             <p:nvSpPr>
               <p:cNvPr id="4" name="テキスト ボックス 3">
@@ -37179,8 +37199,8 @@
           </a:p>
         </p:txBody>
       </p:sp>
-      <mc:AlternateContent xmlns:mc="http://schemas.openxmlformats.org/markup-compatibility/2006">
-        <mc:Choice xmlns:a14="http://schemas.microsoft.com/office/drawing/2010/main" Requires="a14">
+      <mc:AlternateContent xmlns:mc="http://schemas.openxmlformats.org/markup-compatibility/2006" xmlns:a14="http://schemas.microsoft.com/office/drawing/2010/main">
+        <mc:Choice Requires="a14">
           <p:sp>
             <p:nvSpPr>
               <p:cNvPr id="7" name="テキスト ボックス 6">
@@ -37209,6 +37229,7 @@
               </a:bodyPr>
               <a:lstStyle/>
               <a:p>
+                <a:pPr/>
                 <a14:m>
                   <m:oMathPara xmlns:m="http://schemas.openxmlformats.org/officeDocument/2006/math">
                     <m:oMathParaPr>
@@ -37484,7 +37505,7 @@
             </p:txBody>
           </p:sp>
         </mc:Choice>
-        <mc:Fallback>
+        <mc:Fallback xmlns="">
           <p:sp>
             <p:nvSpPr>
               <p:cNvPr id="7" name="テキスト ボックス 6">
@@ -37565,8 +37586,8 @@
           </a:p>
         </p:txBody>
       </p:sp>
-      <mc:AlternateContent xmlns:mc="http://schemas.openxmlformats.org/markup-compatibility/2006">
-        <mc:Choice xmlns:a14="http://schemas.microsoft.com/office/drawing/2010/main" Requires="a14">
+      <mc:AlternateContent xmlns:mc="http://schemas.openxmlformats.org/markup-compatibility/2006" xmlns:a14="http://schemas.microsoft.com/office/drawing/2010/main">
+        <mc:Choice Requires="a14">
           <p:sp>
             <p:nvSpPr>
               <p:cNvPr id="9" name="テキスト ボックス 8">
@@ -37595,6 +37616,7 @@
               </a:bodyPr>
               <a:lstStyle/>
               <a:p>
+                <a:pPr/>
                 <a14:m>
                   <m:oMathPara xmlns:m="http://schemas.openxmlformats.org/officeDocument/2006/math">
                     <m:oMathParaPr>
@@ -37904,7 +37926,7 @@
             </p:txBody>
           </p:sp>
         </mc:Choice>
-        <mc:Fallback>
+        <mc:Fallback xmlns="">
           <p:sp>
             <p:nvSpPr>
               <p:cNvPr id="9" name="テキスト ボックス 8">
@@ -38007,8 +38029,8 @@
           </a:p>
         </p:txBody>
       </p:sp>
-      <mc:AlternateContent xmlns:mc="http://schemas.openxmlformats.org/markup-compatibility/2006">
-        <mc:Choice xmlns:a14="http://schemas.microsoft.com/office/drawing/2010/main" Requires="a14">
+      <mc:AlternateContent xmlns:mc="http://schemas.openxmlformats.org/markup-compatibility/2006" xmlns:a14="http://schemas.microsoft.com/office/drawing/2010/main">
+        <mc:Choice Requires="a14">
           <p:sp>
             <p:nvSpPr>
               <p:cNvPr id="3" name="テキスト ボックス 2">
@@ -38037,6 +38059,7 @@
               </a:bodyPr>
               <a:lstStyle/>
               <a:p>
+                <a:pPr/>
                 <a14:m>
                   <m:oMathPara xmlns:m="http://schemas.openxmlformats.org/officeDocument/2006/math">
                     <m:oMathParaPr>
@@ -38113,7 +38136,7 @@
             </p:txBody>
           </p:sp>
         </mc:Choice>
-        <mc:Fallback>
+        <mc:Fallback xmlns="">
           <p:sp>
             <p:nvSpPr>
               <p:cNvPr id="3" name="テキスト ボックス 2">
@@ -38194,8 +38217,8 @@
           </a:p>
         </p:txBody>
       </p:sp>
-      <mc:AlternateContent xmlns:mc="http://schemas.openxmlformats.org/markup-compatibility/2006">
-        <mc:Choice xmlns:a14="http://schemas.microsoft.com/office/drawing/2010/main" Requires="a14">
+      <mc:AlternateContent xmlns:mc="http://schemas.openxmlformats.org/markup-compatibility/2006" xmlns:a14="http://schemas.microsoft.com/office/drawing/2010/main">
+        <mc:Choice Requires="a14">
           <p:sp>
             <p:nvSpPr>
               <p:cNvPr id="6" name="テキスト ボックス 5">
@@ -38224,6 +38247,7 @@
               </a:bodyPr>
               <a:lstStyle/>
               <a:p>
+                <a:pPr/>
                 <a14:m>
                   <m:oMathPara xmlns:m="http://schemas.openxmlformats.org/officeDocument/2006/math">
                     <m:oMathParaPr>
@@ -38425,7 +38449,7 @@
             </p:txBody>
           </p:sp>
         </mc:Choice>
-        <mc:Fallback>
+        <mc:Fallback xmlns="">
           <p:sp>
             <p:nvSpPr>
               <p:cNvPr id="6" name="テキスト ボックス 5">
@@ -38506,8 +38530,8 @@
           </a:p>
         </p:txBody>
       </p:sp>
-      <mc:AlternateContent xmlns:mc="http://schemas.openxmlformats.org/markup-compatibility/2006">
-        <mc:Choice xmlns:a14="http://schemas.microsoft.com/office/drawing/2010/main" Requires="a14">
+      <mc:AlternateContent xmlns:mc="http://schemas.openxmlformats.org/markup-compatibility/2006" xmlns:a14="http://schemas.microsoft.com/office/drawing/2010/main">
+        <mc:Choice Requires="a14">
           <p:sp>
             <p:nvSpPr>
               <p:cNvPr id="8" name="テキスト ボックス 7">
@@ -38697,7 +38721,7 @@
             </p:txBody>
           </p:sp>
         </mc:Choice>
-        <mc:Fallback>
+        <mc:Fallback xmlns="">
           <p:sp>
             <p:nvSpPr>
               <p:cNvPr id="8" name="テキスト ボックス 7">
@@ -39046,8 +39070,8 @@
           </a:p>
         </p:txBody>
       </p:sp>
-      <mc:AlternateContent xmlns:mc="http://schemas.openxmlformats.org/markup-compatibility/2006">
-        <mc:Choice xmlns:a14="http://schemas.microsoft.com/office/drawing/2010/main" Requires="a14">
+      <mc:AlternateContent xmlns:mc="http://schemas.openxmlformats.org/markup-compatibility/2006" xmlns:a14="http://schemas.microsoft.com/office/drawing/2010/main">
+        <mc:Choice Requires="a14">
           <p:sp>
             <p:nvSpPr>
               <p:cNvPr id="5" name="テキスト ボックス 4">
@@ -39203,7 +39227,7 @@
             </p:txBody>
           </p:sp>
         </mc:Choice>
-        <mc:Fallback>
+        <mc:Fallback xmlns="">
           <p:sp>
             <p:nvSpPr>
               <p:cNvPr id="5" name="テキスト ボックス 4">
@@ -39248,8 +39272,8 @@
           </p:sp>
         </mc:Fallback>
       </mc:AlternateContent>
-      <mc:AlternateContent xmlns:mc="http://schemas.openxmlformats.org/markup-compatibility/2006">
-        <mc:Choice xmlns:a14="http://schemas.microsoft.com/office/drawing/2010/main" Requires="a14">
+      <mc:AlternateContent xmlns:mc="http://schemas.openxmlformats.org/markup-compatibility/2006" xmlns:a14="http://schemas.microsoft.com/office/drawing/2010/main">
+        <mc:Choice Requires="a14">
           <p:sp>
             <p:nvSpPr>
               <p:cNvPr id="6" name="テキスト ボックス 5">
@@ -39405,7 +39429,7 @@
             </p:txBody>
           </p:sp>
         </mc:Choice>
-        <mc:Fallback>
+        <mc:Fallback xmlns="">
           <p:sp>
             <p:nvSpPr>
               <p:cNvPr id="6" name="テキスト ボックス 5">
@@ -39691,6 +39715,3991 @@
     <p:extLst>
       <p:ext uri="{BB962C8B-B14F-4D97-AF65-F5344CB8AC3E}">
         <p14:creationId xmlns:p14="http://schemas.microsoft.com/office/powerpoint/2010/main" val="2975876007"/>
+      </p:ext>
+    </p:extLst>
+  </p:cSld>
+  <p:clrMapOvr>
+    <a:masterClrMapping/>
+  </p:clrMapOvr>
+</p:sld>
+</file>
+
+<file path=ppt/slides/slide47.xml><?xml version="1.0" encoding="utf-8"?>
+<p:sld xmlns:a="http://schemas.openxmlformats.org/drawingml/2006/main" xmlns:r="http://schemas.openxmlformats.org/officeDocument/2006/relationships" xmlns:p="http://schemas.openxmlformats.org/presentationml/2006/main">
+  <p:cSld>
+    <p:spTree>
+      <p:nvGrpSpPr>
+        <p:cNvPr id="1" name=""/>
+        <p:cNvGrpSpPr/>
+        <p:nvPr/>
+      </p:nvGrpSpPr>
+      <p:grpSpPr>
+        <a:xfrm>
+          <a:off x="0" y="0"/>
+          <a:ext cx="0" cy="0"/>
+          <a:chOff x="0" y="0"/>
+          <a:chExt cx="0" cy="0"/>
+        </a:xfrm>
+      </p:grpSpPr>
+      <p:sp>
+        <p:nvSpPr>
+          <p:cNvPr id="2" name="テキスト プレースホルダー 1">
+            <a:extLst>
+              <a:ext uri="{FF2B5EF4-FFF2-40B4-BE49-F238E27FC236}">
+                <a16:creationId xmlns:a16="http://schemas.microsoft.com/office/drawing/2014/main" id="{9B06AD00-0FC2-CE6E-AC8C-126A505E1EA1}"/>
+              </a:ext>
+            </a:extLst>
+          </p:cNvPr>
+          <p:cNvSpPr>
+            <a:spLocks noGrp="1"/>
+          </p:cNvSpPr>
+          <p:nvPr>
+            <p:ph type="body" sz="quarter" idx="10"/>
+          </p:nvPr>
+        </p:nvSpPr>
+        <p:spPr/>
+        <p:txBody>
+          <a:bodyPr/>
+          <a:lstStyle/>
+          <a:p>
+            <a:r>
+              <a:rPr lang="ja-JP" altLang="en-US"/>
+              <a:t>アンサンブル</a:t>
+            </a:r>
+            <a:endParaRPr kumimoji="1" lang="ja-JP" altLang="en-US"/>
+          </a:p>
+        </p:txBody>
+      </p:sp>
+      <p:sp>
+        <p:nvSpPr>
+          <p:cNvPr id="3" name="正方形/長方形 2">
+            <a:extLst>
+              <a:ext uri="{FF2B5EF4-FFF2-40B4-BE49-F238E27FC236}">
+                <a16:creationId xmlns:a16="http://schemas.microsoft.com/office/drawing/2014/main" id="{D167197E-66E7-2FF8-0287-0F3DEE090129}"/>
+              </a:ext>
+            </a:extLst>
+          </p:cNvPr>
+          <p:cNvSpPr/>
+          <p:nvPr/>
+        </p:nvSpPr>
+        <p:spPr>
+          <a:xfrm>
+            <a:off x="971600" y="1268760"/>
+            <a:ext cx="2160240" cy="2160240"/>
+          </a:xfrm>
+          <a:prstGeom prst="rect">
+            <a:avLst/>
+          </a:prstGeom>
+          <a:noFill/>
+          <a:ln>
+            <a:solidFill>
+              <a:schemeClr val="tx1"/>
+            </a:solidFill>
+          </a:ln>
+        </p:spPr>
+        <p:style>
+          <a:lnRef idx="2">
+            <a:schemeClr val="accent1">
+              <a:shade val="50000"/>
+            </a:schemeClr>
+          </a:lnRef>
+          <a:fillRef idx="1">
+            <a:schemeClr val="accent1"/>
+          </a:fillRef>
+          <a:effectRef idx="0">
+            <a:schemeClr val="accent1"/>
+          </a:effectRef>
+          <a:fontRef idx="minor">
+            <a:schemeClr val="lt1"/>
+          </a:fontRef>
+        </p:style>
+        <p:txBody>
+          <a:bodyPr rtlCol="0" anchor="ctr"/>
+          <a:lstStyle/>
+          <a:p>
+            <a:pPr algn="ctr"/>
+            <a:endParaRPr kumimoji="1" lang="ja-JP" altLang="en-US"/>
+          </a:p>
+        </p:txBody>
+      </p:sp>
+      <p:sp>
+        <p:nvSpPr>
+          <p:cNvPr id="4" name="正方形/長方形 3">
+            <a:extLst>
+              <a:ext uri="{FF2B5EF4-FFF2-40B4-BE49-F238E27FC236}">
+                <a16:creationId xmlns:a16="http://schemas.microsoft.com/office/drawing/2014/main" id="{8C7C4919-603A-FBC9-D877-157C30B73E0F}"/>
+              </a:ext>
+            </a:extLst>
+          </p:cNvPr>
+          <p:cNvSpPr/>
+          <p:nvPr/>
+        </p:nvSpPr>
+        <p:spPr>
+          <a:xfrm>
+            <a:off x="539552" y="4149080"/>
+            <a:ext cx="2160240" cy="2160240"/>
+          </a:xfrm>
+          <a:prstGeom prst="rect">
+            <a:avLst/>
+          </a:prstGeom>
+          <a:noFill/>
+          <a:ln>
+            <a:solidFill>
+              <a:schemeClr val="tx1"/>
+            </a:solidFill>
+          </a:ln>
+        </p:spPr>
+        <p:style>
+          <a:lnRef idx="2">
+            <a:schemeClr val="accent1">
+              <a:shade val="50000"/>
+            </a:schemeClr>
+          </a:lnRef>
+          <a:fillRef idx="1">
+            <a:schemeClr val="accent1"/>
+          </a:fillRef>
+          <a:effectRef idx="0">
+            <a:schemeClr val="accent1"/>
+          </a:effectRef>
+          <a:fontRef idx="minor">
+            <a:schemeClr val="lt1"/>
+          </a:fontRef>
+        </p:style>
+        <p:txBody>
+          <a:bodyPr rtlCol="0" anchor="ctr"/>
+          <a:lstStyle/>
+          <a:p>
+            <a:pPr algn="ctr"/>
+            <a:endParaRPr kumimoji="1" lang="ja-JP" altLang="en-US"/>
+          </a:p>
+        </p:txBody>
+      </p:sp>
+      <p:sp>
+        <p:nvSpPr>
+          <p:cNvPr id="5" name="正方形/長方形 4">
+            <a:extLst>
+              <a:ext uri="{FF2B5EF4-FFF2-40B4-BE49-F238E27FC236}">
+                <a16:creationId xmlns:a16="http://schemas.microsoft.com/office/drawing/2014/main" id="{08C213DE-9C95-DD32-C659-3F827A0E49E4}"/>
+              </a:ext>
+            </a:extLst>
+          </p:cNvPr>
+          <p:cNvSpPr/>
+          <p:nvPr/>
+        </p:nvSpPr>
+        <p:spPr>
+          <a:xfrm>
+            <a:off x="971600" y="1268760"/>
+            <a:ext cx="2160240" cy="288032"/>
+          </a:xfrm>
+          <a:prstGeom prst="rect">
+            <a:avLst/>
+          </a:prstGeom>
+          <a:solidFill>
+            <a:schemeClr val="tx1"/>
+          </a:solidFill>
+          <a:ln>
+            <a:solidFill>
+              <a:schemeClr val="tx1"/>
+            </a:solidFill>
+          </a:ln>
+        </p:spPr>
+        <p:style>
+          <a:lnRef idx="2">
+            <a:schemeClr val="accent1">
+              <a:shade val="50000"/>
+            </a:schemeClr>
+          </a:lnRef>
+          <a:fillRef idx="1">
+            <a:schemeClr val="accent1"/>
+          </a:fillRef>
+          <a:effectRef idx="0">
+            <a:schemeClr val="accent1"/>
+          </a:effectRef>
+          <a:fontRef idx="minor">
+            <a:schemeClr val="lt1"/>
+          </a:fontRef>
+        </p:style>
+        <p:txBody>
+          <a:bodyPr rtlCol="0" anchor="ctr"/>
+          <a:lstStyle/>
+          <a:p>
+            <a:pPr algn="ctr"/>
+            <a:endParaRPr kumimoji="1" lang="ja-JP" altLang="en-US"/>
+          </a:p>
+        </p:txBody>
+      </p:sp>
+      <p:sp>
+        <p:nvSpPr>
+          <p:cNvPr id="6" name="正方形/長方形 5">
+            <a:extLst>
+              <a:ext uri="{FF2B5EF4-FFF2-40B4-BE49-F238E27FC236}">
+                <a16:creationId xmlns:a16="http://schemas.microsoft.com/office/drawing/2014/main" id="{9C8DC7FC-80E5-68DF-EF91-BA6905185C69}"/>
+              </a:ext>
+            </a:extLst>
+          </p:cNvPr>
+          <p:cNvSpPr/>
+          <p:nvPr/>
+        </p:nvSpPr>
+        <p:spPr>
+          <a:xfrm>
+            <a:off x="971600" y="3140968"/>
+            <a:ext cx="2160240" cy="288032"/>
+          </a:xfrm>
+          <a:prstGeom prst="rect">
+            <a:avLst/>
+          </a:prstGeom>
+          <a:solidFill>
+            <a:schemeClr val="tx1"/>
+          </a:solidFill>
+          <a:ln>
+            <a:solidFill>
+              <a:schemeClr val="tx1"/>
+            </a:solidFill>
+          </a:ln>
+        </p:spPr>
+        <p:style>
+          <a:lnRef idx="2">
+            <a:schemeClr val="accent1">
+              <a:shade val="50000"/>
+            </a:schemeClr>
+          </a:lnRef>
+          <a:fillRef idx="1">
+            <a:schemeClr val="accent1"/>
+          </a:fillRef>
+          <a:effectRef idx="0">
+            <a:schemeClr val="accent1"/>
+          </a:effectRef>
+          <a:fontRef idx="minor">
+            <a:schemeClr val="lt1"/>
+          </a:fontRef>
+        </p:style>
+        <p:txBody>
+          <a:bodyPr rtlCol="0" anchor="ctr"/>
+          <a:lstStyle/>
+          <a:p>
+            <a:pPr algn="ctr"/>
+            <a:endParaRPr kumimoji="1" lang="ja-JP" altLang="en-US"/>
+          </a:p>
+        </p:txBody>
+      </p:sp>
+      <p:sp>
+        <p:nvSpPr>
+          <p:cNvPr id="7" name="正方形/長方形 6">
+            <a:extLst>
+              <a:ext uri="{FF2B5EF4-FFF2-40B4-BE49-F238E27FC236}">
+                <a16:creationId xmlns:a16="http://schemas.microsoft.com/office/drawing/2014/main" id="{7D48272A-8E55-CD85-AA25-50B6A7C71FC0}"/>
+              </a:ext>
+            </a:extLst>
+          </p:cNvPr>
+          <p:cNvSpPr/>
+          <p:nvPr/>
+        </p:nvSpPr>
+        <p:spPr>
+          <a:xfrm rot="5400000">
+            <a:off x="35496" y="2204864"/>
+            <a:ext cx="2160240" cy="288032"/>
+          </a:xfrm>
+          <a:prstGeom prst="rect">
+            <a:avLst/>
+          </a:prstGeom>
+          <a:solidFill>
+            <a:schemeClr val="tx1"/>
+          </a:solidFill>
+          <a:ln>
+            <a:solidFill>
+              <a:schemeClr val="tx1"/>
+            </a:solidFill>
+          </a:ln>
+        </p:spPr>
+        <p:style>
+          <a:lnRef idx="2">
+            <a:schemeClr val="accent1">
+              <a:shade val="50000"/>
+            </a:schemeClr>
+          </a:lnRef>
+          <a:fillRef idx="1">
+            <a:schemeClr val="accent1"/>
+          </a:fillRef>
+          <a:effectRef idx="0">
+            <a:schemeClr val="accent1"/>
+          </a:effectRef>
+          <a:fontRef idx="minor">
+            <a:schemeClr val="lt1"/>
+          </a:fontRef>
+        </p:style>
+        <p:txBody>
+          <a:bodyPr rtlCol="0" anchor="ctr"/>
+          <a:lstStyle/>
+          <a:p>
+            <a:pPr algn="ctr"/>
+            <a:endParaRPr kumimoji="1" lang="ja-JP" altLang="en-US"/>
+          </a:p>
+        </p:txBody>
+      </p:sp>
+      <p:sp>
+        <p:nvSpPr>
+          <p:cNvPr id="8" name="正方形/長方形 7">
+            <a:extLst>
+              <a:ext uri="{FF2B5EF4-FFF2-40B4-BE49-F238E27FC236}">
+                <a16:creationId xmlns:a16="http://schemas.microsoft.com/office/drawing/2014/main" id="{DBB96C68-F62F-BE30-B650-70302BEAD5E2}"/>
+              </a:ext>
+            </a:extLst>
+          </p:cNvPr>
+          <p:cNvSpPr/>
+          <p:nvPr/>
+        </p:nvSpPr>
+        <p:spPr>
+          <a:xfrm rot="5400000">
+            <a:off x="1907704" y="2204864"/>
+            <a:ext cx="2160240" cy="288032"/>
+          </a:xfrm>
+          <a:prstGeom prst="rect">
+            <a:avLst/>
+          </a:prstGeom>
+          <a:solidFill>
+            <a:schemeClr val="tx1"/>
+          </a:solidFill>
+          <a:ln>
+            <a:solidFill>
+              <a:schemeClr val="tx1"/>
+            </a:solidFill>
+          </a:ln>
+        </p:spPr>
+        <p:style>
+          <a:lnRef idx="2">
+            <a:schemeClr val="accent1">
+              <a:shade val="50000"/>
+            </a:schemeClr>
+          </a:lnRef>
+          <a:fillRef idx="1">
+            <a:schemeClr val="accent1"/>
+          </a:fillRef>
+          <a:effectRef idx="0">
+            <a:schemeClr val="accent1"/>
+          </a:effectRef>
+          <a:fontRef idx="minor">
+            <a:schemeClr val="lt1"/>
+          </a:fontRef>
+        </p:style>
+        <p:txBody>
+          <a:bodyPr rtlCol="0" anchor="ctr"/>
+          <a:lstStyle/>
+          <a:p>
+            <a:pPr algn="ctr"/>
+            <a:endParaRPr kumimoji="1" lang="ja-JP" altLang="en-US"/>
+          </a:p>
+        </p:txBody>
+      </p:sp>
+      <p:grpSp>
+        <p:nvGrpSpPr>
+          <p:cNvPr id="9" name="グループ化 8">
+            <a:extLst>
+              <a:ext uri="{FF2B5EF4-FFF2-40B4-BE49-F238E27FC236}">
+                <a16:creationId xmlns:a16="http://schemas.microsoft.com/office/drawing/2014/main" id="{5D123ADD-9EAD-E3CB-B7CF-5130088790DF}"/>
+              </a:ext>
+            </a:extLst>
+          </p:cNvPr>
+          <p:cNvGrpSpPr/>
+          <p:nvPr/>
+        </p:nvGrpSpPr>
+        <p:grpSpPr>
+          <a:xfrm rot="18289369">
+            <a:off x="1629788" y="1773919"/>
+            <a:ext cx="504056" cy="288032"/>
+            <a:chOff x="5148064" y="2564904"/>
+            <a:chExt cx="504056" cy="288032"/>
+          </a:xfrm>
+          <a:solidFill>
+            <a:srgbClr val="011893"/>
+          </a:solidFill>
+        </p:grpSpPr>
+        <p:sp>
+          <p:nvSpPr>
+            <p:cNvPr id="10" name="楕円 9">
+              <a:extLst>
+                <a:ext uri="{FF2B5EF4-FFF2-40B4-BE49-F238E27FC236}">
+                  <a16:creationId xmlns:a16="http://schemas.microsoft.com/office/drawing/2014/main" id="{1132D526-55CC-CC49-9601-9E29CD68BF57}"/>
+                </a:ext>
+              </a:extLst>
+            </p:cNvPr>
+            <p:cNvSpPr/>
+            <p:nvPr/>
+          </p:nvSpPr>
+          <p:spPr>
+            <a:xfrm>
+              <a:off x="5148064" y="2564904"/>
+              <a:ext cx="288032" cy="288032"/>
+            </a:xfrm>
+            <a:prstGeom prst="ellipse">
+              <a:avLst/>
+            </a:prstGeom>
+            <a:grpFill/>
+            <a:ln>
+              <a:solidFill>
+                <a:schemeClr val="tx1"/>
+              </a:solidFill>
+            </a:ln>
+          </p:spPr>
+          <p:style>
+            <a:lnRef idx="2">
+              <a:schemeClr val="accent1">
+                <a:shade val="50000"/>
+              </a:schemeClr>
+            </a:lnRef>
+            <a:fillRef idx="1">
+              <a:schemeClr val="accent1"/>
+            </a:fillRef>
+            <a:effectRef idx="0">
+              <a:schemeClr val="accent1"/>
+            </a:effectRef>
+            <a:fontRef idx="minor">
+              <a:schemeClr val="lt1"/>
+            </a:fontRef>
+          </p:style>
+          <p:txBody>
+            <a:bodyPr rtlCol="0" anchor="ctr"/>
+            <a:lstStyle/>
+            <a:p>
+              <a:pPr algn="ctr"/>
+              <a:endParaRPr kumimoji="1" lang="ja-JP" altLang="en-US"/>
+            </a:p>
+          </p:txBody>
+        </p:sp>
+        <p:cxnSp>
+          <p:nvCxnSpPr>
+            <p:cNvPr id="11" name="直線矢印コネクタ 10">
+              <a:extLst>
+                <a:ext uri="{FF2B5EF4-FFF2-40B4-BE49-F238E27FC236}">
+                  <a16:creationId xmlns:a16="http://schemas.microsoft.com/office/drawing/2014/main" id="{9A6E0651-59A7-AC67-DD83-CC3720E5F972}"/>
+                </a:ext>
+              </a:extLst>
+            </p:cNvPr>
+            <p:cNvCxnSpPr>
+              <a:stCxn id="10" idx="6"/>
+            </p:cNvCxnSpPr>
+            <p:nvPr/>
+          </p:nvCxnSpPr>
+          <p:spPr>
+            <a:xfrm>
+              <a:off x="5436096" y="2708920"/>
+              <a:ext cx="216024" cy="0"/>
+            </a:xfrm>
+            <a:prstGeom prst="straightConnector1">
+              <a:avLst/>
+            </a:prstGeom>
+            <a:grpFill/>
+            <a:ln>
+              <a:solidFill>
+                <a:schemeClr val="tx1"/>
+              </a:solidFill>
+              <a:headEnd type="none" w="med" len="med"/>
+              <a:tailEnd type="triangle"/>
+            </a:ln>
+          </p:spPr>
+          <p:style>
+            <a:lnRef idx="1">
+              <a:schemeClr val="accent1"/>
+            </a:lnRef>
+            <a:fillRef idx="0">
+              <a:schemeClr val="accent1"/>
+            </a:fillRef>
+            <a:effectRef idx="0">
+              <a:schemeClr val="accent1"/>
+            </a:effectRef>
+            <a:fontRef idx="minor">
+              <a:schemeClr val="tx1"/>
+            </a:fontRef>
+          </p:style>
+        </p:cxnSp>
+      </p:grpSp>
+      <p:grpSp>
+        <p:nvGrpSpPr>
+          <p:cNvPr id="12" name="グループ化 11">
+            <a:extLst>
+              <a:ext uri="{FF2B5EF4-FFF2-40B4-BE49-F238E27FC236}">
+                <a16:creationId xmlns:a16="http://schemas.microsoft.com/office/drawing/2014/main" id="{10C8DB59-112F-E4C7-8B10-0C8D44222F7D}"/>
+              </a:ext>
+            </a:extLst>
+          </p:cNvPr>
+          <p:cNvGrpSpPr/>
+          <p:nvPr/>
+        </p:nvGrpSpPr>
+        <p:grpSpPr>
+          <a:xfrm rot="12022274">
+            <a:off x="1366011" y="2427606"/>
+            <a:ext cx="504056" cy="288032"/>
+            <a:chOff x="5148064" y="2564904"/>
+            <a:chExt cx="504056" cy="288032"/>
+          </a:xfrm>
+          <a:solidFill>
+            <a:srgbClr val="011893"/>
+          </a:solidFill>
+        </p:grpSpPr>
+        <p:sp>
+          <p:nvSpPr>
+            <p:cNvPr id="13" name="楕円 12">
+              <a:extLst>
+                <a:ext uri="{FF2B5EF4-FFF2-40B4-BE49-F238E27FC236}">
+                  <a16:creationId xmlns:a16="http://schemas.microsoft.com/office/drawing/2014/main" id="{7BE33D29-18AB-04B8-39F1-A77B6EEF42F0}"/>
+                </a:ext>
+              </a:extLst>
+            </p:cNvPr>
+            <p:cNvSpPr/>
+            <p:nvPr/>
+          </p:nvSpPr>
+          <p:spPr>
+            <a:xfrm>
+              <a:off x="5148064" y="2564904"/>
+              <a:ext cx="288032" cy="288032"/>
+            </a:xfrm>
+            <a:prstGeom prst="ellipse">
+              <a:avLst/>
+            </a:prstGeom>
+            <a:grpFill/>
+            <a:ln>
+              <a:solidFill>
+                <a:schemeClr val="tx1"/>
+              </a:solidFill>
+            </a:ln>
+          </p:spPr>
+          <p:style>
+            <a:lnRef idx="2">
+              <a:schemeClr val="accent1">
+                <a:shade val="50000"/>
+              </a:schemeClr>
+            </a:lnRef>
+            <a:fillRef idx="1">
+              <a:schemeClr val="accent1"/>
+            </a:fillRef>
+            <a:effectRef idx="0">
+              <a:schemeClr val="accent1"/>
+            </a:effectRef>
+            <a:fontRef idx="minor">
+              <a:schemeClr val="lt1"/>
+            </a:fontRef>
+          </p:style>
+          <p:txBody>
+            <a:bodyPr rtlCol="0" anchor="ctr"/>
+            <a:lstStyle/>
+            <a:p>
+              <a:pPr algn="ctr"/>
+              <a:endParaRPr kumimoji="1" lang="ja-JP" altLang="en-US"/>
+            </a:p>
+          </p:txBody>
+        </p:sp>
+        <p:cxnSp>
+          <p:nvCxnSpPr>
+            <p:cNvPr id="14" name="直線矢印コネクタ 13">
+              <a:extLst>
+                <a:ext uri="{FF2B5EF4-FFF2-40B4-BE49-F238E27FC236}">
+                  <a16:creationId xmlns:a16="http://schemas.microsoft.com/office/drawing/2014/main" id="{C3DB7B58-ACCD-98B5-BBDF-8AF597B49D55}"/>
+                </a:ext>
+              </a:extLst>
+            </p:cNvPr>
+            <p:cNvCxnSpPr>
+              <a:stCxn id="13" idx="6"/>
+            </p:cNvCxnSpPr>
+            <p:nvPr/>
+          </p:nvCxnSpPr>
+          <p:spPr>
+            <a:xfrm>
+              <a:off x="5436096" y="2708920"/>
+              <a:ext cx="216024" cy="0"/>
+            </a:xfrm>
+            <a:prstGeom prst="straightConnector1">
+              <a:avLst/>
+            </a:prstGeom>
+            <a:grpFill/>
+            <a:ln>
+              <a:solidFill>
+                <a:schemeClr val="tx1"/>
+              </a:solidFill>
+              <a:headEnd type="none" w="med" len="med"/>
+              <a:tailEnd type="triangle"/>
+            </a:ln>
+          </p:spPr>
+          <p:style>
+            <a:lnRef idx="1">
+              <a:schemeClr val="accent1"/>
+            </a:lnRef>
+            <a:fillRef idx="0">
+              <a:schemeClr val="accent1"/>
+            </a:fillRef>
+            <a:effectRef idx="0">
+              <a:schemeClr val="accent1"/>
+            </a:effectRef>
+            <a:fontRef idx="minor">
+              <a:schemeClr val="tx1"/>
+            </a:fontRef>
+          </p:style>
+        </p:cxnSp>
+      </p:grpSp>
+      <p:grpSp>
+        <p:nvGrpSpPr>
+          <p:cNvPr id="15" name="グループ化 14">
+            <a:extLst>
+              <a:ext uri="{FF2B5EF4-FFF2-40B4-BE49-F238E27FC236}">
+                <a16:creationId xmlns:a16="http://schemas.microsoft.com/office/drawing/2014/main" id="{EA7E9D00-0B3A-9583-91F2-BDB8247FEB2C}"/>
+              </a:ext>
+            </a:extLst>
+          </p:cNvPr>
+          <p:cNvGrpSpPr/>
+          <p:nvPr/>
+        </p:nvGrpSpPr>
+        <p:grpSpPr>
+          <a:xfrm rot="12022274">
+            <a:off x="1942073" y="2283588"/>
+            <a:ext cx="504056" cy="288032"/>
+            <a:chOff x="5148064" y="2564904"/>
+            <a:chExt cx="504056" cy="288032"/>
+          </a:xfrm>
+          <a:solidFill>
+            <a:srgbClr val="011893"/>
+          </a:solidFill>
+        </p:grpSpPr>
+        <p:sp>
+          <p:nvSpPr>
+            <p:cNvPr id="16" name="楕円 15">
+              <a:extLst>
+                <a:ext uri="{FF2B5EF4-FFF2-40B4-BE49-F238E27FC236}">
+                  <a16:creationId xmlns:a16="http://schemas.microsoft.com/office/drawing/2014/main" id="{4DEBA82A-81D3-AE1E-6E0B-62F1FB18E148}"/>
+                </a:ext>
+              </a:extLst>
+            </p:cNvPr>
+            <p:cNvSpPr/>
+            <p:nvPr/>
+          </p:nvSpPr>
+          <p:spPr>
+            <a:xfrm>
+              <a:off x="5148064" y="2564904"/>
+              <a:ext cx="288032" cy="288032"/>
+            </a:xfrm>
+            <a:prstGeom prst="ellipse">
+              <a:avLst/>
+            </a:prstGeom>
+            <a:grpFill/>
+            <a:ln>
+              <a:solidFill>
+                <a:schemeClr val="tx1"/>
+              </a:solidFill>
+            </a:ln>
+          </p:spPr>
+          <p:style>
+            <a:lnRef idx="2">
+              <a:schemeClr val="accent1">
+                <a:shade val="50000"/>
+              </a:schemeClr>
+            </a:lnRef>
+            <a:fillRef idx="1">
+              <a:schemeClr val="accent1"/>
+            </a:fillRef>
+            <a:effectRef idx="0">
+              <a:schemeClr val="accent1"/>
+            </a:effectRef>
+            <a:fontRef idx="minor">
+              <a:schemeClr val="lt1"/>
+            </a:fontRef>
+          </p:style>
+          <p:txBody>
+            <a:bodyPr rtlCol="0" anchor="ctr"/>
+            <a:lstStyle/>
+            <a:p>
+              <a:pPr algn="ctr"/>
+              <a:endParaRPr kumimoji="1" lang="ja-JP" altLang="en-US"/>
+            </a:p>
+          </p:txBody>
+        </p:sp>
+        <p:cxnSp>
+          <p:nvCxnSpPr>
+            <p:cNvPr id="17" name="直線矢印コネクタ 16">
+              <a:extLst>
+                <a:ext uri="{FF2B5EF4-FFF2-40B4-BE49-F238E27FC236}">
+                  <a16:creationId xmlns:a16="http://schemas.microsoft.com/office/drawing/2014/main" id="{07EA95FE-3ED8-E3D7-4506-E63E1B02B04A}"/>
+                </a:ext>
+              </a:extLst>
+            </p:cNvPr>
+            <p:cNvCxnSpPr>
+              <a:stCxn id="16" idx="6"/>
+            </p:cNvCxnSpPr>
+            <p:nvPr/>
+          </p:nvCxnSpPr>
+          <p:spPr>
+            <a:xfrm>
+              <a:off x="5436096" y="2708920"/>
+              <a:ext cx="216024" cy="0"/>
+            </a:xfrm>
+            <a:prstGeom prst="straightConnector1">
+              <a:avLst/>
+            </a:prstGeom>
+            <a:grpFill/>
+            <a:ln>
+              <a:solidFill>
+                <a:schemeClr val="tx1"/>
+              </a:solidFill>
+              <a:headEnd type="none" w="med" len="med"/>
+              <a:tailEnd type="triangle"/>
+            </a:ln>
+          </p:spPr>
+          <p:style>
+            <a:lnRef idx="1">
+              <a:schemeClr val="accent1"/>
+            </a:lnRef>
+            <a:fillRef idx="0">
+              <a:schemeClr val="accent1"/>
+            </a:fillRef>
+            <a:effectRef idx="0">
+              <a:schemeClr val="accent1"/>
+            </a:effectRef>
+            <a:fontRef idx="minor">
+              <a:schemeClr val="tx1"/>
+            </a:fontRef>
+          </p:style>
+        </p:cxnSp>
+      </p:grpSp>
+      <p:grpSp>
+        <p:nvGrpSpPr>
+          <p:cNvPr id="18" name="グループ化 17">
+            <a:extLst>
+              <a:ext uri="{FF2B5EF4-FFF2-40B4-BE49-F238E27FC236}">
+                <a16:creationId xmlns:a16="http://schemas.microsoft.com/office/drawing/2014/main" id="{B02D7BEF-F438-A553-F55D-ABCB6405D061}"/>
+              </a:ext>
+            </a:extLst>
+          </p:cNvPr>
+          <p:cNvGrpSpPr/>
+          <p:nvPr/>
+        </p:nvGrpSpPr>
+        <p:grpSpPr>
+          <a:xfrm rot="4101219">
+            <a:off x="2230105" y="1923548"/>
+            <a:ext cx="504056" cy="288032"/>
+            <a:chOff x="5148064" y="2564904"/>
+            <a:chExt cx="504056" cy="288032"/>
+          </a:xfrm>
+          <a:solidFill>
+            <a:srgbClr val="011893"/>
+          </a:solidFill>
+        </p:grpSpPr>
+        <p:sp>
+          <p:nvSpPr>
+            <p:cNvPr id="19" name="楕円 18">
+              <a:extLst>
+                <a:ext uri="{FF2B5EF4-FFF2-40B4-BE49-F238E27FC236}">
+                  <a16:creationId xmlns:a16="http://schemas.microsoft.com/office/drawing/2014/main" id="{62BF1BAB-6D0A-E652-ADCC-4C9F196B4EED}"/>
+                </a:ext>
+              </a:extLst>
+            </p:cNvPr>
+            <p:cNvSpPr/>
+            <p:nvPr/>
+          </p:nvSpPr>
+          <p:spPr>
+            <a:xfrm>
+              <a:off x="5148064" y="2564904"/>
+              <a:ext cx="288032" cy="288032"/>
+            </a:xfrm>
+            <a:prstGeom prst="ellipse">
+              <a:avLst/>
+            </a:prstGeom>
+            <a:grpFill/>
+            <a:ln>
+              <a:solidFill>
+                <a:schemeClr val="tx1"/>
+              </a:solidFill>
+            </a:ln>
+          </p:spPr>
+          <p:style>
+            <a:lnRef idx="2">
+              <a:schemeClr val="accent1">
+                <a:shade val="50000"/>
+              </a:schemeClr>
+            </a:lnRef>
+            <a:fillRef idx="1">
+              <a:schemeClr val="accent1"/>
+            </a:fillRef>
+            <a:effectRef idx="0">
+              <a:schemeClr val="accent1"/>
+            </a:effectRef>
+            <a:fontRef idx="minor">
+              <a:schemeClr val="lt1"/>
+            </a:fontRef>
+          </p:style>
+          <p:txBody>
+            <a:bodyPr rtlCol="0" anchor="ctr"/>
+            <a:lstStyle/>
+            <a:p>
+              <a:pPr algn="ctr"/>
+              <a:endParaRPr kumimoji="1" lang="ja-JP" altLang="en-US"/>
+            </a:p>
+          </p:txBody>
+        </p:sp>
+        <p:cxnSp>
+          <p:nvCxnSpPr>
+            <p:cNvPr id="20" name="直線矢印コネクタ 19">
+              <a:extLst>
+                <a:ext uri="{FF2B5EF4-FFF2-40B4-BE49-F238E27FC236}">
+                  <a16:creationId xmlns:a16="http://schemas.microsoft.com/office/drawing/2014/main" id="{F97656F6-4538-BF2D-0696-55C05F5C8363}"/>
+                </a:ext>
+              </a:extLst>
+            </p:cNvPr>
+            <p:cNvCxnSpPr>
+              <a:stCxn id="19" idx="6"/>
+            </p:cNvCxnSpPr>
+            <p:nvPr/>
+          </p:nvCxnSpPr>
+          <p:spPr>
+            <a:xfrm>
+              <a:off x="5436096" y="2708920"/>
+              <a:ext cx="216024" cy="0"/>
+            </a:xfrm>
+            <a:prstGeom prst="straightConnector1">
+              <a:avLst/>
+            </a:prstGeom>
+            <a:grpFill/>
+            <a:ln>
+              <a:solidFill>
+                <a:schemeClr val="tx1"/>
+              </a:solidFill>
+              <a:headEnd type="none" w="med" len="med"/>
+              <a:tailEnd type="triangle"/>
+            </a:ln>
+          </p:spPr>
+          <p:style>
+            <a:lnRef idx="1">
+              <a:schemeClr val="accent1"/>
+            </a:lnRef>
+            <a:fillRef idx="0">
+              <a:schemeClr val="accent1"/>
+            </a:fillRef>
+            <a:effectRef idx="0">
+              <a:schemeClr val="accent1"/>
+            </a:effectRef>
+            <a:fontRef idx="minor">
+              <a:schemeClr val="tx1"/>
+            </a:fontRef>
+          </p:style>
+        </p:cxnSp>
+      </p:grpSp>
+      <p:sp>
+        <p:nvSpPr>
+          <p:cNvPr id="21" name="テキスト ボックス 20">
+            <a:extLst>
+              <a:ext uri="{FF2B5EF4-FFF2-40B4-BE49-F238E27FC236}">
+                <a16:creationId xmlns:a16="http://schemas.microsoft.com/office/drawing/2014/main" id="{221B3195-4455-0E3A-028F-3B062029099F}"/>
+              </a:ext>
+            </a:extLst>
+          </p:cNvPr>
+          <p:cNvSpPr txBox="1"/>
+          <p:nvPr/>
+        </p:nvSpPr>
+        <p:spPr>
+          <a:xfrm>
+            <a:off x="3491880" y="1628800"/>
+            <a:ext cx="5434501" cy="1200329"/>
+          </a:xfrm>
+          <a:prstGeom prst="rect">
+            <a:avLst/>
+          </a:prstGeom>
+          <a:noFill/>
+        </p:spPr>
+        <p:txBody>
+          <a:bodyPr wrap="none" rtlCol="0">
+            <a:spAutoFit/>
+          </a:bodyPr>
+          <a:lstStyle/>
+          <a:p>
+            <a:r>
+              <a:rPr lang="ja-JP" altLang="en-US" sz="2400"/>
+              <a:t>ミクロカノニカルアンサンブル</a:t>
+            </a:r>
+            <a:endParaRPr lang="en-US" altLang="ja-JP" sz="2400"/>
+          </a:p>
+          <a:p>
+            <a:r>
+              <a:rPr lang="ja-JP" altLang="en-US" sz="2400"/>
+              <a:t>粒子数</a:t>
+            </a:r>
+            <a:r>
+              <a:rPr lang="en-US" altLang="ja-JP" sz="2400"/>
+              <a:t>N</a:t>
+            </a:r>
+            <a:r>
+              <a:rPr lang="ja-JP" altLang="en-US" sz="2400"/>
+              <a:t>、体積</a:t>
+            </a:r>
+            <a:r>
+              <a:rPr lang="en-US" altLang="ja-JP" sz="2400"/>
+              <a:t>V</a:t>
+            </a:r>
+            <a:r>
+              <a:rPr lang="ja-JP" altLang="en-US" sz="2400"/>
+              <a:t>、</a:t>
+            </a:r>
+            <a:r>
+              <a:rPr lang="ja-JP" altLang="en-US" sz="2400">
+                <a:solidFill>
+                  <a:srgbClr val="FF0000"/>
+                </a:solidFill>
+              </a:rPr>
+              <a:t>エネルギー</a:t>
+            </a:r>
+            <a:r>
+              <a:rPr lang="en-US" altLang="ja-JP" sz="2400">
+                <a:solidFill>
+                  <a:srgbClr val="FF0000"/>
+                </a:solidFill>
+              </a:rPr>
+              <a:t>E</a:t>
+            </a:r>
+            <a:r>
+              <a:rPr lang="ja-JP" altLang="en-US" sz="2400"/>
+              <a:t>が一定</a:t>
+            </a:r>
+            <a:endParaRPr lang="en-US" altLang="ja-JP" sz="2400"/>
+          </a:p>
+          <a:p>
+            <a:r>
+              <a:rPr lang="en-US" altLang="ja-JP" sz="2400"/>
+              <a:t>NVE</a:t>
+            </a:r>
+            <a:r>
+              <a:rPr lang="ja-JP" altLang="en-US" sz="2400"/>
+              <a:t>アンサンブル</a:t>
+            </a:r>
+            <a:endParaRPr lang="en-US" altLang="ja-JP" sz="2400"/>
+          </a:p>
+        </p:txBody>
+      </p:sp>
+      <p:sp>
+        <p:nvSpPr>
+          <p:cNvPr id="22" name="正方形/長方形 21">
+            <a:extLst>
+              <a:ext uri="{FF2B5EF4-FFF2-40B4-BE49-F238E27FC236}">
+                <a16:creationId xmlns:a16="http://schemas.microsoft.com/office/drawing/2014/main" id="{6D60B277-D1C0-A4DC-F641-E80D00F299CB}"/>
+              </a:ext>
+            </a:extLst>
+          </p:cNvPr>
+          <p:cNvSpPr/>
+          <p:nvPr/>
+        </p:nvSpPr>
+        <p:spPr>
+          <a:xfrm>
+            <a:off x="539552" y="4149080"/>
+            <a:ext cx="2160240" cy="288032"/>
+          </a:xfrm>
+          <a:prstGeom prst="rect">
+            <a:avLst/>
+          </a:prstGeom>
+          <a:solidFill>
+            <a:schemeClr val="tx1"/>
+          </a:solidFill>
+          <a:ln>
+            <a:solidFill>
+              <a:schemeClr val="tx1"/>
+            </a:solidFill>
+          </a:ln>
+        </p:spPr>
+        <p:style>
+          <a:lnRef idx="2">
+            <a:schemeClr val="accent1">
+              <a:shade val="50000"/>
+            </a:schemeClr>
+          </a:lnRef>
+          <a:fillRef idx="1">
+            <a:schemeClr val="accent1"/>
+          </a:fillRef>
+          <a:effectRef idx="0">
+            <a:schemeClr val="accent1"/>
+          </a:effectRef>
+          <a:fontRef idx="minor">
+            <a:schemeClr val="lt1"/>
+          </a:fontRef>
+        </p:style>
+        <p:txBody>
+          <a:bodyPr rtlCol="0" anchor="ctr"/>
+          <a:lstStyle/>
+          <a:p>
+            <a:pPr algn="ctr"/>
+            <a:endParaRPr kumimoji="1" lang="ja-JP" altLang="en-US"/>
+          </a:p>
+        </p:txBody>
+      </p:sp>
+      <p:sp>
+        <p:nvSpPr>
+          <p:cNvPr id="23" name="正方形/長方形 22">
+            <a:extLst>
+              <a:ext uri="{FF2B5EF4-FFF2-40B4-BE49-F238E27FC236}">
+                <a16:creationId xmlns:a16="http://schemas.microsoft.com/office/drawing/2014/main" id="{18D81E99-4F21-5607-7625-F5831522A290}"/>
+              </a:ext>
+            </a:extLst>
+          </p:cNvPr>
+          <p:cNvSpPr/>
+          <p:nvPr/>
+        </p:nvSpPr>
+        <p:spPr>
+          <a:xfrm>
+            <a:off x="539552" y="6021288"/>
+            <a:ext cx="2160240" cy="288032"/>
+          </a:xfrm>
+          <a:prstGeom prst="rect">
+            <a:avLst/>
+          </a:prstGeom>
+          <a:solidFill>
+            <a:schemeClr val="tx1"/>
+          </a:solidFill>
+          <a:ln>
+            <a:solidFill>
+              <a:schemeClr val="tx1"/>
+            </a:solidFill>
+          </a:ln>
+        </p:spPr>
+        <p:style>
+          <a:lnRef idx="2">
+            <a:schemeClr val="accent1">
+              <a:shade val="50000"/>
+            </a:schemeClr>
+          </a:lnRef>
+          <a:fillRef idx="1">
+            <a:schemeClr val="accent1"/>
+          </a:fillRef>
+          <a:effectRef idx="0">
+            <a:schemeClr val="accent1"/>
+          </a:effectRef>
+          <a:fontRef idx="minor">
+            <a:schemeClr val="lt1"/>
+          </a:fontRef>
+        </p:style>
+        <p:txBody>
+          <a:bodyPr rtlCol="0" anchor="ctr"/>
+          <a:lstStyle/>
+          <a:p>
+            <a:pPr algn="ctr"/>
+            <a:endParaRPr kumimoji="1" lang="ja-JP" altLang="en-US"/>
+          </a:p>
+        </p:txBody>
+      </p:sp>
+      <p:sp>
+        <p:nvSpPr>
+          <p:cNvPr id="24" name="正方形/長方形 23">
+            <a:extLst>
+              <a:ext uri="{FF2B5EF4-FFF2-40B4-BE49-F238E27FC236}">
+                <a16:creationId xmlns:a16="http://schemas.microsoft.com/office/drawing/2014/main" id="{57272D95-4335-0B8A-AF8D-70DB7914D17F}"/>
+              </a:ext>
+            </a:extLst>
+          </p:cNvPr>
+          <p:cNvSpPr/>
+          <p:nvPr/>
+        </p:nvSpPr>
+        <p:spPr>
+          <a:xfrm rot="5400000">
+            <a:off x="-396552" y="5085184"/>
+            <a:ext cx="2160240" cy="288032"/>
+          </a:xfrm>
+          <a:prstGeom prst="rect">
+            <a:avLst/>
+          </a:prstGeom>
+          <a:solidFill>
+            <a:schemeClr val="tx1"/>
+          </a:solidFill>
+          <a:ln>
+            <a:solidFill>
+              <a:schemeClr val="tx1"/>
+            </a:solidFill>
+          </a:ln>
+        </p:spPr>
+        <p:style>
+          <a:lnRef idx="2">
+            <a:schemeClr val="accent1">
+              <a:shade val="50000"/>
+            </a:schemeClr>
+          </a:lnRef>
+          <a:fillRef idx="1">
+            <a:schemeClr val="accent1"/>
+          </a:fillRef>
+          <a:effectRef idx="0">
+            <a:schemeClr val="accent1"/>
+          </a:effectRef>
+          <a:fontRef idx="minor">
+            <a:schemeClr val="lt1"/>
+          </a:fontRef>
+        </p:style>
+        <p:txBody>
+          <a:bodyPr rtlCol="0" anchor="ctr"/>
+          <a:lstStyle/>
+          <a:p>
+            <a:pPr algn="ctr"/>
+            <a:endParaRPr kumimoji="1" lang="ja-JP" altLang="en-US"/>
+          </a:p>
+        </p:txBody>
+      </p:sp>
+      <p:grpSp>
+        <p:nvGrpSpPr>
+          <p:cNvPr id="25" name="グループ化 24">
+            <a:extLst>
+              <a:ext uri="{FF2B5EF4-FFF2-40B4-BE49-F238E27FC236}">
+                <a16:creationId xmlns:a16="http://schemas.microsoft.com/office/drawing/2014/main" id="{C0C7D38D-DA36-98FA-3827-5F379B6F9DB9}"/>
+              </a:ext>
+            </a:extLst>
+          </p:cNvPr>
+          <p:cNvGrpSpPr/>
+          <p:nvPr/>
+        </p:nvGrpSpPr>
+        <p:grpSpPr>
+          <a:xfrm rot="18289369">
+            <a:off x="1125732" y="4654239"/>
+            <a:ext cx="504056" cy="288032"/>
+            <a:chOff x="5148064" y="2564904"/>
+            <a:chExt cx="504056" cy="288032"/>
+          </a:xfrm>
+          <a:solidFill>
+            <a:srgbClr val="011893"/>
+          </a:solidFill>
+        </p:grpSpPr>
+        <p:sp>
+          <p:nvSpPr>
+            <p:cNvPr id="26" name="楕円 25">
+              <a:extLst>
+                <a:ext uri="{FF2B5EF4-FFF2-40B4-BE49-F238E27FC236}">
+                  <a16:creationId xmlns:a16="http://schemas.microsoft.com/office/drawing/2014/main" id="{A292CAB1-52EA-8456-BC9D-06B678DF2733}"/>
+                </a:ext>
+              </a:extLst>
+            </p:cNvPr>
+            <p:cNvSpPr/>
+            <p:nvPr/>
+          </p:nvSpPr>
+          <p:spPr>
+            <a:xfrm>
+              <a:off x="5148064" y="2564904"/>
+              <a:ext cx="288032" cy="288032"/>
+            </a:xfrm>
+            <a:prstGeom prst="ellipse">
+              <a:avLst/>
+            </a:prstGeom>
+            <a:grpFill/>
+            <a:ln>
+              <a:solidFill>
+                <a:schemeClr val="tx1"/>
+              </a:solidFill>
+            </a:ln>
+          </p:spPr>
+          <p:style>
+            <a:lnRef idx="2">
+              <a:schemeClr val="accent1">
+                <a:shade val="50000"/>
+              </a:schemeClr>
+            </a:lnRef>
+            <a:fillRef idx="1">
+              <a:schemeClr val="accent1"/>
+            </a:fillRef>
+            <a:effectRef idx="0">
+              <a:schemeClr val="accent1"/>
+            </a:effectRef>
+            <a:fontRef idx="minor">
+              <a:schemeClr val="lt1"/>
+            </a:fontRef>
+          </p:style>
+          <p:txBody>
+            <a:bodyPr rtlCol="0" anchor="ctr"/>
+            <a:lstStyle/>
+            <a:p>
+              <a:pPr algn="ctr"/>
+              <a:endParaRPr kumimoji="1" lang="ja-JP" altLang="en-US"/>
+            </a:p>
+          </p:txBody>
+        </p:sp>
+        <p:cxnSp>
+          <p:nvCxnSpPr>
+            <p:cNvPr id="27" name="直線矢印コネクタ 26">
+              <a:extLst>
+                <a:ext uri="{FF2B5EF4-FFF2-40B4-BE49-F238E27FC236}">
+                  <a16:creationId xmlns:a16="http://schemas.microsoft.com/office/drawing/2014/main" id="{EE1DA9CE-17A6-D238-61DC-55C6CA126611}"/>
+                </a:ext>
+              </a:extLst>
+            </p:cNvPr>
+            <p:cNvCxnSpPr>
+              <a:stCxn id="26" idx="6"/>
+            </p:cNvCxnSpPr>
+            <p:nvPr/>
+          </p:nvCxnSpPr>
+          <p:spPr>
+            <a:xfrm>
+              <a:off x="5436096" y="2708920"/>
+              <a:ext cx="216024" cy="0"/>
+            </a:xfrm>
+            <a:prstGeom prst="straightConnector1">
+              <a:avLst/>
+            </a:prstGeom>
+            <a:grpFill/>
+            <a:ln>
+              <a:solidFill>
+                <a:schemeClr val="tx1"/>
+              </a:solidFill>
+              <a:headEnd type="none" w="med" len="med"/>
+              <a:tailEnd type="triangle"/>
+            </a:ln>
+          </p:spPr>
+          <p:style>
+            <a:lnRef idx="1">
+              <a:schemeClr val="accent1"/>
+            </a:lnRef>
+            <a:fillRef idx="0">
+              <a:schemeClr val="accent1"/>
+            </a:fillRef>
+            <a:effectRef idx="0">
+              <a:schemeClr val="accent1"/>
+            </a:effectRef>
+            <a:fontRef idx="minor">
+              <a:schemeClr val="tx1"/>
+            </a:fontRef>
+          </p:style>
+        </p:cxnSp>
+      </p:grpSp>
+      <p:grpSp>
+        <p:nvGrpSpPr>
+          <p:cNvPr id="28" name="グループ化 27">
+            <a:extLst>
+              <a:ext uri="{FF2B5EF4-FFF2-40B4-BE49-F238E27FC236}">
+                <a16:creationId xmlns:a16="http://schemas.microsoft.com/office/drawing/2014/main" id="{B81560FC-314E-6C1B-5289-F7AA1CA386B5}"/>
+              </a:ext>
+            </a:extLst>
+          </p:cNvPr>
+          <p:cNvGrpSpPr/>
+          <p:nvPr/>
+        </p:nvGrpSpPr>
+        <p:grpSpPr>
+          <a:xfrm rot="12022274">
+            <a:off x="861955" y="5307926"/>
+            <a:ext cx="504056" cy="288032"/>
+            <a:chOff x="5148064" y="2564904"/>
+            <a:chExt cx="504056" cy="288032"/>
+          </a:xfrm>
+          <a:solidFill>
+            <a:srgbClr val="011893"/>
+          </a:solidFill>
+        </p:grpSpPr>
+        <p:sp>
+          <p:nvSpPr>
+            <p:cNvPr id="29" name="楕円 28">
+              <a:extLst>
+                <a:ext uri="{FF2B5EF4-FFF2-40B4-BE49-F238E27FC236}">
+                  <a16:creationId xmlns:a16="http://schemas.microsoft.com/office/drawing/2014/main" id="{952DD745-D7C7-BA5A-F6ED-42C2942D1266}"/>
+                </a:ext>
+              </a:extLst>
+            </p:cNvPr>
+            <p:cNvSpPr/>
+            <p:nvPr/>
+          </p:nvSpPr>
+          <p:spPr>
+            <a:xfrm>
+              <a:off x="5148064" y="2564904"/>
+              <a:ext cx="288032" cy="288032"/>
+            </a:xfrm>
+            <a:prstGeom prst="ellipse">
+              <a:avLst/>
+            </a:prstGeom>
+            <a:grpFill/>
+            <a:ln>
+              <a:solidFill>
+                <a:schemeClr val="tx1"/>
+              </a:solidFill>
+            </a:ln>
+          </p:spPr>
+          <p:style>
+            <a:lnRef idx="2">
+              <a:schemeClr val="accent1">
+                <a:shade val="50000"/>
+              </a:schemeClr>
+            </a:lnRef>
+            <a:fillRef idx="1">
+              <a:schemeClr val="accent1"/>
+            </a:fillRef>
+            <a:effectRef idx="0">
+              <a:schemeClr val="accent1"/>
+            </a:effectRef>
+            <a:fontRef idx="minor">
+              <a:schemeClr val="lt1"/>
+            </a:fontRef>
+          </p:style>
+          <p:txBody>
+            <a:bodyPr rtlCol="0" anchor="ctr"/>
+            <a:lstStyle/>
+            <a:p>
+              <a:pPr algn="ctr"/>
+              <a:endParaRPr kumimoji="1" lang="ja-JP" altLang="en-US"/>
+            </a:p>
+          </p:txBody>
+        </p:sp>
+        <p:cxnSp>
+          <p:nvCxnSpPr>
+            <p:cNvPr id="30" name="直線矢印コネクタ 29">
+              <a:extLst>
+                <a:ext uri="{FF2B5EF4-FFF2-40B4-BE49-F238E27FC236}">
+                  <a16:creationId xmlns:a16="http://schemas.microsoft.com/office/drawing/2014/main" id="{A4223E1D-8034-C682-8207-F86F7AB49C12}"/>
+                </a:ext>
+              </a:extLst>
+            </p:cNvPr>
+            <p:cNvCxnSpPr>
+              <a:stCxn id="29" idx="6"/>
+            </p:cNvCxnSpPr>
+            <p:nvPr/>
+          </p:nvCxnSpPr>
+          <p:spPr>
+            <a:xfrm>
+              <a:off x="5436096" y="2708920"/>
+              <a:ext cx="216024" cy="0"/>
+            </a:xfrm>
+            <a:prstGeom prst="straightConnector1">
+              <a:avLst/>
+            </a:prstGeom>
+            <a:grpFill/>
+            <a:ln>
+              <a:solidFill>
+                <a:schemeClr val="tx1"/>
+              </a:solidFill>
+              <a:headEnd type="none" w="med" len="med"/>
+              <a:tailEnd type="triangle"/>
+            </a:ln>
+          </p:spPr>
+          <p:style>
+            <a:lnRef idx="1">
+              <a:schemeClr val="accent1"/>
+            </a:lnRef>
+            <a:fillRef idx="0">
+              <a:schemeClr val="accent1"/>
+            </a:fillRef>
+            <a:effectRef idx="0">
+              <a:schemeClr val="accent1"/>
+            </a:effectRef>
+            <a:fontRef idx="minor">
+              <a:schemeClr val="tx1"/>
+            </a:fontRef>
+          </p:style>
+        </p:cxnSp>
+      </p:grpSp>
+      <p:grpSp>
+        <p:nvGrpSpPr>
+          <p:cNvPr id="31" name="グループ化 30">
+            <a:extLst>
+              <a:ext uri="{FF2B5EF4-FFF2-40B4-BE49-F238E27FC236}">
+                <a16:creationId xmlns:a16="http://schemas.microsoft.com/office/drawing/2014/main" id="{6EAF0529-0C02-F0FC-7D9F-CF7092656208}"/>
+              </a:ext>
+            </a:extLst>
+          </p:cNvPr>
+          <p:cNvGrpSpPr/>
+          <p:nvPr/>
+        </p:nvGrpSpPr>
+        <p:grpSpPr>
+          <a:xfrm rot="12022274">
+            <a:off x="1438017" y="5163908"/>
+            <a:ext cx="504056" cy="288032"/>
+            <a:chOff x="5148064" y="2564904"/>
+            <a:chExt cx="504056" cy="288032"/>
+          </a:xfrm>
+          <a:solidFill>
+            <a:srgbClr val="011893"/>
+          </a:solidFill>
+        </p:grpSpPr>
+        <p:sp>
+          <p:nvSpPr>
+            <p:cNvPr id="32" name="楕円 31">
+              <a:extLst>
+                <a:ext uri="{FF2B5EF4-FFF2-40B4-BE49-F238E27FC236}">
+                  <a16:creationId xmlns:a16="http://schemas.microsoft.com/office/drawing/2014/main" id="{560938D8-01F2-23EC-246E-2437F5525C7F}"/>
+                </a:ext>
+              </a:extLst>
+            </p:cNvPr>
+            <p:cNvSpPr/>
+            <p:nvPr/>
+          </p:nvSpPr>
+          <p:spPr>
+            <a:xfrm>
+              <a:off x="5148064" y="2564904"/>
+              <a:ext cx="288032" cy="288032"/>
+            </a:xfrm>
+            <a:prstGeom prst="ellipse">
+              <a:avLst/>
+            </a:prstGeom>
+            <a:grpFill/>
+            <a:ln>
+              <a:solidFill>
+                <a:schemeClr val="tx1"/>
+              </a:solidFill>
+            </a:ln>
+          </p:spPr>
+          <p:style>
+            <a:lnRef idx="2">
+              <a:schemeClr val="accent1">
+                <a:shade val="50000"/>
+              </a:schemeClr>
+            </a:lnRef>
+            <a:fillRef idx="1">
+              <a:schemeClr val="accent1"/>
+            </a:fillRef>
+            <a:effectRef idx="0">
+              <a:schemeClr val="accent1"/>
+            </a:effectRef>
+            <a:fontRef idx="minor">
+              <a:schemeClr val="lt1"/>
+            </a:fontRef>
+          </p:style>
+          <p:txBody>
+            <a:bodyPr rtlCol="0" anchor="ctr"/>
+            <a:lstStyle/>
+            <a:p>
+              <a:pPr algn="ctr"/>
+              <a:endParaRPr kumimoji="1" lang="ja-JP" altLang="en-US"/>
+            </a:p>
+          </p:txBody>
+        </p:sp>
+        <p:cxnSp>
+          <p:nvCxnSpPr>
+            <p:cNvPr id="33" name="直線矢印コネクタ 32">
+              <a:extLst>
+                <a:ext uri="{FF2B5EF4-FFF2-40B4-BE49-F238E27FC236}">
+                  <a16:creationId xmlns:a16="http://schemas.microsoft.com/office/drawing/2014/main" id="{6619BEA0-95F0-08C3-F11A-E4D04070E8A1}"/>
+                </a:ext>
+              </a:extLst>
+            </p:cNvPr>
+            <p:cNvCxnSpPr>
+              <a:stCxn id="32" idx="6"/>
+            </p:cNvCxnSpPr>
+            <p:nvPr/>
+          </p:nvCxnSpPr>
+          <p:spPr>
+            <a:xfrm>
+              <a:off x="5436096" y="2708920"/>
+              <a:ext cx="216024" cy="0"/>
+            </a:xfrm>
+            <a:prstGeom prst="straightConnector1">
+              <a:avLst/>
+            </a:prstGeom>
+            <a:grpFill/>
+            <a:ln>
+              <a:solidFill>
+                <a:schemeClr val="tx1"/>
+              </a:solidFill>
+              <a:headEnd type="none" w="med" len="med"/>
+              <a:tailEnd type="triangle"/>
+            </a:ln>
+          </p:spPr>
+          <p:style>
+            <a:lnRef idx="1">
+              <a:schemeClr val="accent1"/>
+            </a:lnRef>
+            <a:fillRef idx="0">
+              <a:schemeClr val="accent1"/>
+            </a:fillRef>
+            <a:effectRef idx="0">
+              <a:schemeClr val="accent1"/>
+            </a:effectRef>
+            <a:fontRef idx="minor">
+              <a:schemeClr val="tx1"/>
+            </a:fontRef>
+          </p:style>
+        </p:cxnSp>
+      </p:grpSp>
+      <p:grpSp>
+        <p:nvGrpSpPr>
+          <p:cNvPr id="34" name="グループ化 33">
+            <a:extLst>
+              <a:ext uri="{FF2B5EF4-FFF2-40B4-BE49-F238E27FC236}">
+                <a16:creationId xmlns:a16="http://schemas.microsoft.com/office/drawing/2014/main" id="{B5486C91-5526-0E44-F9FC-F5BBDD71AD06}"/>
+              </a:ext>
+            </a:extLst>
+          </p:cNvPr>
+          <p:cNvGrpSpPr/>
+          <p:nvPr/>
+        </p:nvGrpSpPr>
+        <p:grpSpPr>
+          <a:xfrm rot="4101219">
+            <a:off x="1726049" y="4803868"/>
+            <a:ext cx="504056" cy="288032"/>
+            <a:chOff x="5148064" y="2564904"/>
+            <a:chExt cx="504056" cy="288032"/>
+          </a:xfrm>
+          <a:solidFill>
+            <a:srgbClr val="011893"/>
+          </a:solidFill>
+        </p:grpSpPr>
+        <p:sp>
+          <p:nvSpPr>
+            <p:cNvPr id="35" name="楕円 34">
+              <a:extLst>
+                <a:ext uri="{FF2B5EF4-FFF2-40B4-BE49-F238E27FC236}">
+                  <a16:creationId xmlns:a16="http://schemas.microsoft.com/office/drawing/2014/main" id="{F06408A8-C6E1-0F2F-8D0F-24264B902D43}"/>
+                </a:ext>
+              </a:extLst>
+            </p:cNvPr>
+            <p:cNvSpPr/>
+            <p:nvPr/>
+          </p:nvSpPr>
+          <p:spPr>
+            <a:xfrm>
+              <a:off x="5148064" y="2564904"/>
+              <a:ext cx="288032" cy="288032"/>
+            </a:xfrm>
+            <a:prstGeom prst="ellipse">
+              <a:avLst/>
+            </a:prstGeom>
+            <a:grpFill/>
+            <a:ln>
+              <a:solidFill>
+                <a:schemeClr val="tx1"/>
+              </a:solidFill>
+            </a:ln>
+          </p:spPr>
+          <p:style>
+            <a:lnRef idx="2">
+              <a:schemeClr val="accent1">
+                <a:shade val="50000"/>
+              </a:schemeClr>
+            </a:lnRef>
+            <a:fillRef idx="1">
+              <a:schemeClr val="accent1"/>
+            </a:fillRef>
+            <a:effectRef idx="0">
+              <a:schemeClr val="accent1"/>
+            </a:effectRef>
+            <a:fontRef idx="minor">
+              <a:schemeClr val="lt1"/>
+            </a:fontRef>
+          </p:style>
+          <p:txBody>
+            <a:bodyPr rtlCol="0" anchor="ctr"/>
+            <a:lstStyle/>
+            <a:p>
+              <a:pPr algn="ctr"/>
+              <a:endParaRPr kumimoji="1" lang="ja-JP" altLang="en-US"/>
+            </a:p>
+          </p:txBody>
+        </p:sp>
+        <p:cxnSp>
+          <p:nvCxnSpPr>
+            <p:cNvPr id="36" name="直線矢印コネクタ 35">
+              <a:extLst>
+                <a:ext uri="{FF2B5EF4-FFF2-40B4-BE49-F238E27FC236}">
+                  <a16:creationId xmlns:a16="http://schemas.microsoft.com/office/drawing/2014/main" id="{4827DE78-D6D5-42DB-3AB1-9C2B8FAD8C00}"/>
+                </a:ext>
+              </a:extLst>
+            </p:cNvPr>
+            <p:cNvCxnSpPr>
+              <a:stCxn id="35" idx="6"/>
+            </p:cNvCxnSpPr>
+            <p:nvPr/>
+          </p:nvCxnSpPr>
+          <p:spPr>
+            <a:xfrm>
+              <a:off x="5436096" y="2708920"/>
+              <a:ext cx="216024" cy="0"/>
+            </a:xfrm>
+            <a:prstGeom prst="straightConnector1">
+              <a:avLst/>
+            </a:prstGeom>
+            <a:grpFill/>
+            <a:ln>
+              <a:solidFill>
+                <a:schemeClr val="tx1"/>
+              </a:solidFill>
+              <a:headEnd type="none" w="med" len="med"/>
+              <a:tailEnd type="triangle"/>
+            </a:ln>
+          </p:spPr>
+          <p:style>
+            <a:lnRef idx="1">
+              <a:schemeClr val="accent1"/>
+            </a:lnRef>
+            <a:fillRef idx="0">
+              <a:schemeClr val="accent1"/>
+            </a:fillRef>
+            <a:effectRef idx="0">
+              <a:schemeClr val="accent1"/>
+            </a:effectRef>
+            <a:fontRef idx="minor">
+              <a:schemeClr val="tx1"/>
+            </a:fontRef>
+          </p:style>
+        </p:cxnSp>
+      </p:grpSp>
+      <p:sp>
+        <p:nvSpPr>
+          <p:cNvPr id="37" name="正方形/長方形 36">
+            <a:extLst>
+              <a:ext uri="{FF2B5EF4-FFF2-40B4-BE49-F238E27FC236}">
+                <a16:creationId xmlns:a16="http://schemas.microsoft.com/office/drawing/2014/main" id="{C1194FB2-ED27-CD27-21D3-7EA26E3E3F7E}"/>
+              </a:ext>
+            </a:extLst>
+          </p:cNvPr>
+          <p:cNvSpPr/>
+          <p:nvPr/>
+        </p:nvSpPr>
+        <p:spPr>
+          <a:xfrm rot="5400000">
+            <a:off x="1979712" y="4869160"/>
+            <a:ext cx="2160240" cy="720080"/>
+          </a:xfrm>
+          <a:prstGeom prst="rect">
+            <a:avLst/>
+          </a:prstGeom>
+          <a:solidFill>
+            <a:srgbClr val="FF0000"/>
+          </a:solidFill>
+          <a:ln>
+            <a:solidFill>
+              <a:schemeClr val="tx1"/>
+            </a:solidFill>
+          </a:ln>
+        </p:spPr>
+        <p:style>
+          <a:lnRef idx="2">
+            <a:schemeClr val="accent1">
+              <a:shade val="50000"/>
+            </a:schemeClr>
+          </a:lnRef>
+          <a:fillRef idx="1">
+            <a:schemeClr val="accent1"/>
+          </a:fillRef>
+          <a:effectRef idx="0">
+            <a:schemeClr val="accent1"/>
+          </a:effectRef>
+          <a:fontRef idx="minor">
+            <a:schemeClr val="lt1"/>
+          </a:fontRef>
+        </p:style>
+        <p:txBody>
+          <a:bodyPr rtlCol="0" anchor="ctr"/>
+          <a:lstStyle/>
+          <a:p>
+            <a:pPr algn="ctr"/>
+            <a:endParaRPr kumimoji="1" lang="ja-JP" altLang="en-US"/>
+          </a:p>
+        </p:txBody>
+      </p:sp>
+      <p:sp>
+        <p:nvSpPr>
+          <p:cNvPr id="38" name="テキスト ボックス 37">
+            <a:extLst>
+              <a:ext uri="{FF2B5EF4-FFF2-40B4-BE49-F238E27FC236}">
+                <a16:creationId xmlns:a16="http://schemas.microsoft.com/office/drawing/2014/main" id="{E1EF08C7-62E7-A4BC-FC5B-898D50CC6726}"/>
+              </a:ext>
+            </a:extLst>
+          </p:cNvPr>
+          <p:cNvSpPr txBox="1"/>
+          <p:nvPr/>
+        </p:nvSpPr>
+        <p:spPr>
+          <a:xfrm>
+            <a:off x="2267744" y="6381328"/>
+            <a:ext cx="1697901" cy="369332"/>
+          </a:xfrm>
+          <a:prstGeom prst="rect">
+            <a:avLst/>
+          </a:prstGeom>
+          <a:noFill/>
+        </p:spPr>
+        <p:txBody>
+          <a:bodyPr wrap="none" rtlCol="0">
+            <a:spAutoFit/>
+          </a:bodyPr>
+          <a:lstStyle/>
+          <a:p>
+            <a:r>
+              <a:rPr kumimoji="1" lang="ja-JP" altLang="en-US"/>
+              <a:t>熱浴</a:t>
+            </a:r>
+            <a:r>
+              <a:rPr lang="en-US" altLang="ja-JP"/>
+              <a:t>(heatbath)</a:t>
+            </a:r>
+          </a:p>
+        </p:txBody>
+      </p:sp>
+      <p:sp>
+        <p:nvSpPr>
+          <p:cNvPr id="39" name="テキスト ボックス 38">
+            <a:extLst>
+              <a:ext uri="{FF2B5EF4-FFF2-40B4-BE49-F238E27FC236}">
+                <a16:creationId xmlns:a16="http://schemas.microsoft.com/office/drawing/2014/main" id="{89CC317E-7F29-724A-933A-95C2FD77BEA3}"/>
+              </a:ext>
+            </a:extLst>
+          </p:cNvPr>
+          <p:cNvSpPr txBox="1"/>
+          <p:nvPr/>
+        </p:nvSpPr>
+        <p:spPr>
+          <a:xfrm>
+            <a:off x="3676955" y="4293096"/>
+            <a:ext cx="4493538" cy="1569660"/>
+          </a:xfrm>
+          <a:prstGeom prst="rect">
+            <a:avLst/>
+          </a:prstGeom>
+          <a:noFill/>
+        </p:spPr>
+        <p:txBody>
+          <a:bodyPr wrap="none" rtlCol="0">
+            <a:spAutoFit/>
+          </a:bodyPr>
+          <a:lstStyle/>
+          <a:p>
+            <a:r>
+              <a:rPr lang="ja-JP" altLang="en-US" sz="2400"/>
+              <a:t>カノニカルアンサンブル</a:t>
+            </a:r>
+            <a:endParaRPr lang="en-US" altLang="ja-JP" sz="2400"/>
+          </a:p>
+          <a:p>
+            <a:r>
+              <a:rPr lang="ja-JP" altLang="en-US" sz="2400"/>
+              <a:t>粒子数</a:t>
+            </a:r>
+            <a:r>
+              <a:rPr lang="en-US" altLang="ja-JP" sz="2400"/>
+              <a:t>N</a:t>
+            </a:r>
+            <a:r>
+              <a:rPr lang="ja-JP" altLang="en-US" sz="2400"/>
+              <a:t>、体積</a:t>
+            </a:r>
+            <a:r>
+              <a:rPr lang="en-US" altLang="ja-JP" sz="2400"/>
+              <a:t>V</a:t>
+            </a:r>
+            <a:r>
+              <a:rPr lang="ja-JP" altLang="en-US" sz="2400"/>
+              <a:t>、</a:t>
+            </a:r>
+            <a:r>
+              <a:rPr lang="ja-JP" altLang="en-US" sz="2400">
+                <a:solidFill>
+                  <a:srgbClr val="FF0000"/>
+                </a:solidFill>
+              </a:rPr>
+              <a:t>温度</a:t>
+            </a:r>
+            <a:r>
+              <a:rPr lang="en-US" altLang="ja-JP" sz="2400">
+                <a:solidFill>
+                  <a:srgbClr val="FF0000"/>
+                </a:solidFill>
+              </a:rPr>
+              <a:t>T</a:t>
+            </a:r>
+            <a:r>
+              <a:rPr lang="ja-JP" altLang="en-US" sz="2400"/>
+              <a:t>が一定</a:t>
+            </a:r>
+            <a:endParaRPr lang="en-US" altLang="ja-JP" sz="2400"/>
+          </a:p>
+          <a:p>
+            <a:r>
+              <a:rPr lang="en-US" altLang="ja-JP" sz="2400"/>
+              <a:t>NVE</a:t>
+            </a:r>
+            <a:r>
+              <a:rPr lang="ja-JP" altLang="en-US" sz="2400"/>
+              <a:t>アンサンブル</a:t>
+            </a:r>
+            <a:endParaRPr lang="en-US" altLang="ja-JP" sz="2400"/>
+          </a:p>
+          <a:p>
+            <a:r>
+              <a:rPr lang="ja-JP" altLang="en-US" sz="2400"/>
+              <a:t>エネルギーが揺らぐ</a:t>
+            </a:r>
+            <a:endParaRPr lang="en-US" altLang="ja-JP" sz="2400"/>
+          </a:p>
+        </p:txBody>
+      </p:sp>
+    </p:spTree>
+    <p:extLst>
+      <p:ext uri="{BB962C8B-B14F-4D97-AF65-F5344CB8AC3E}">
+        <p14:creationId xmlns:p14="http://schemas.microsoft.com/office/powerpoint/2010/main" val="2169967443"/>
+      </p:ext>
+    </p:extLst>
+  </p:cSld>
+  <p:clrMapOvr>
+    <a:masterClrMapping/>
+  </p:clrMapOvr>
+</p:sld>
+</file>
+
+<file path=ppt/slides/slide48.xml><?xml version="1.0" encoding="utf-8"?>
+<p:sld xmlns:a="http://schemas.openxmlformats.org/drawingml/2006/main" xmlns:r="http://schemas.openxmlformats.org/officeDocument/2006/relationships" xmlns:p="http://schemas.openxmlformats.org/presentationml/2006/main">
+  <p:cSld>
+    <p:spTree>
+      <p:nvGrpSpPr>
+        <p:cNvPr id="1" name=""/>
+        <p:cNvGrpSpPr/>
+        <p:nvPr/>
+      </p:nvGrpSpPr>
+      <p:grpSpPr>
+        <a:xfrm>
+          <a:off x="0" y="0"/>
+          <a:ext cx="0" cy="0"/>
+          <a:chOff x="0" y="0"/>
+          <a:chExt cx="0" cy="0"/>
+        </a:xfrm>
+      </p:grpSpPr>
+      <p:sp>
+        <p:nvSpPr>
+          <p:cNvPr id="2" name="テキスト プレースホルダー 1">
+            <a:extLst>
+              <a:ext uri="{FF2B5EF4-FFF2-40B4-BE49-F238E27FC236}">
+                <a16:creationId xmlns:a16="http://schemas.microsoft.com/office/drawing/2014/main" id="{DA1DADD3-E99B-8796-9A68-87BC42C2540C}"/>
+              </a:ext>
+            </a:extLst>
+          </p:cNvPr>
+          <p:cNvSpPr>
+            <a:spLocks noGrp="1"/>
+          </p:cNvSpPr>
+          <p:nvPr>
+            <p:ph type="body" sz="quarter" idx="10"/>
+          </p:nvPr>
+        </p:nvSpPr>
+        <p:spPr/>
+        <p:txBody>
+          <a:bodyPr/>
+          <a:lstStyle/>
+          <a:p>
+            <a:r>
+              <a:rPr lang="ja-JP" altLang="en-US"/>
+              <a:t>アンサンブル</a:t>
+            </a:r>
+            <a:endParaRPr kumimoji="1" lang="ja-JP" altLang="en-US"/>
+          </a:p>
+        </p:txBody>
+      </p:sp>
+      <p:cxnSp>
+        <p:nvCxnSpPr>
+          <p:cNvPr id="4" name="直線矢印コネクタ 3">
+            <a:extLst>
+              <a:ext uri="{FF2B5EF4-FFF2-40B4-BE49-F238E27FC236}">
+                <a16:creationId xmlns:a16="http://schemas.microsoft.com/office/drawing/2014/main" id="{69643D4F-D63C-520C-0422-6528F9E8E003}"/>
+              </a:ext>
+            </a:extLst>
+          </p:cNvPr>
+          <p:cNvCxnSpPr>
+            <a:cxnSpLocks/>
+          </p:cNvCxnSpPr>
+          <p:nvPr/>
+        </p:nvCxnSpPr>
+        <p:spPr>
+          <a:xfrm>
+            <a:off x="641575" y="4869160"/>
+            <a:ext cx="3672408" cy="0"/>
+          </a:xfrm>
+          <a:prstGeom prst="straightConnector1">
+            <a:avLst/>
+          </a:prstGeom>
+          <a:ln>
+            <a:solidFill>
+              <a:schemeClr val="tx1"/>
+            </a:solidFill>
+            <a:headEnd type="none" w="med" len="med"/>
+            <a:tailEnd type="triangle"/>
+          </a:ln>
+        </p:spPr>
+        <p:style>
+          <a:lnRef idx="1">
+            <a:schemeClr val="accent1"/>
+          </a:lnRef>
+          <a:fillRef idx="0">
+            <a:schemeClr val="accent1"/>
+          </a:fillRef>
+          <a:effectRef idx="0">
+            <a:schemeClr val="accent1"/>
+          </a:effectRef>
+          <a:fontRef idx="minor">
+            <a:schemeClr val="tx1"/>
+          </a:fontRef>
+        </p:style>
+      </p:cxnSp>
+      <p:cxnSp>
+        <p:nvCxnSpPr>
+          <p:cNvPr id="6" name="直線矢印コネクタ 5">
+            <a:extLst>
+              <a:ext uri="{FF2B5EF4-FFF2-40B4-BE49-F238E27FC236}">
+                <a16:creationId xmlns:a16="http://schemas.microsoft.com/office/drawing/2014/main" id="{FFF70CA3-C819-C2D7-4F88-30ABB278E0B7}"/>
+              </a:ext>
+            </a:extLst>
+          </p:cNvPr>
+          <p:cNvCxnSpPr>
+            <a:cxnSpLocks/>
+          </p:cNvCxnSpPr>
+          <p:nvPr/>
+        </p:nvCxnSpPr>
+        <p:spPr>
+          <a:xfrm flipV="1">
+            <a:off x="929607" y="2636912"/>
+            <a:ext cx="0" cy="2600672"/>
+          </a:xfrm>
+          <a:prstGeom prst="straightConnector1">
+            <a:avLst/>
+          </a:prstGeom>
+          <a:ln>
+            <a:solidFill>
+              <a:schemeClr val="tx1"/>
+            </a:solidFill>
+            <a:headEnd type="none" w="med" len="med"/>
+            <a:tailEnd type="triangle"/>
+          </a:ln>
+        </p:spPr>
+        <p:style>
+          <a:lnRef idx="1">
+            <a:schemeClr val="accent1"/>
+          </a:lnRef>
+          <a:fillRef idx="0">
+            <a:schemeClr val="accent1"/>
+          </a:fillRef>
+          <a:effectRef idx="0">
+            <a:schemeClr val="accent1"/>
+          </a:effectRef>
+          <a:fontRef idx="minor">
+            <a:schemeClr val="tx1"/>
+          </a:fontRef>
+        </p:style>
+      </p:cxnSp>
+      <mc:AlternateContent xmlns:mc="http://schemas.openxmlformats.org/markup-compatibility/2006">
+        <mc:Choice xmlns:a14="http://schemas.microsoft.com/office/drawing/2010/main" Requires="a14">
+          <p:sp>
+            <p:nvSpPr>
+              <p:cNvPr id="8" name="テキスト ボックス 7">
+                <a:extLst>
+                  <a:ext uri="{FF2B5EF4-FFF2-40B4-BE49-F238E27FC236}">
+                    <a16:creationId xmlns:a16="http://schemas.microsoft.com/office/drawing/2014/main" id="{D35CCB86-65F2-6E80-08FF-FC9F011BF46D}"/>
+                  </a:ext>
+                </a:extLst>
+              </p:cNvPr>
+              <p:cNvSpPr txBox="1"/>
+              <p:nvPr/>
+            </p:nvSpPr>
+            <p:spPr>
+              <a:xfrm>
+                <a:off x="4385991" y="4653136"/>
+                <a:ext cx="474041" cy="461665"/>
+              </a:xfrm>
+              <a:prstGeom prst="rect">
+                <a:avLst/>
+              </a:prstGeom>
+              <a:noFill/>
+            </p:spPr>
+            <p:txBody>
+              <a:bodyPr wrap="none" rtlCol="0">
+                <a:spAutoFit/>
+              </a:bodyPr>
+              <a:lstStyle/>
+              <a:p>
+                <a14:m>
+                  <m:oMathPara xmlns:m="http://schemas.openxmlformats.org/officeDocument/2006/math">
+                    <m:oMathParaPr>
+                      <m:jc m:val="centerGroup"/>
+                    </m:oMathParaPr>
+                    <m:oMath xmlns:m="http://schemas.openxmlformats.org/officeDocument/2006/math">
+                      <m:r>
+                        <a:rPr kumimoji="1" lang="en-US" altLang="ja-JP" sz="2400" b="0" i="1" smtClean="0">
+                          <a:latin typeface="Cambria Math" panose="02040503050406030204" pitchFamily="18" charset="0"/>
+                        </a:rPr>
+                        <m:t>𝐸</m:t>
+                      </m:r>
+                    </m:oMath>
+                  </m:oMathPara>
+                </a14:m>
+                <a:endParaRPr kumimoji="1" lang="ja-JP" altLang="en-US" sz="2400"/>
+              </a:p>
+            </p:txBody>
+          </p:sp>
+        </mc:Choice>
+        <mc:Fallback>
+          <p:sp>
+            <p:nvSpPr>
+              <p:cNvPr id="8" name="テキスト ボックス 7">
+                <a:extLst>
+                  <a:ext uri="{FF2B5EF4-FFF2-40B4-BE49-F238E27FC236}">
+                    <a16:creationId xmlns:a16="http://schemas.microsoft.com/office/drawing/2014/main" id="{D35CCB86-65F2-6E80-08FF-FC9F011BF46D}"/>
+                  </a:ext>
+                </a:extLst>
+              </p:cNvPr>
+              <p:cNvSpPr txBox="1">
+                <a:spLocks noRot="1" noChangeAspect="1" noMove="1" noResize="1" noEditPoints="1" noAdjustHandles="1" noChangeArrowheads="1" noChangeShapeType="1" noTextEdit="1"/>
+              </p:cNvSpPr>
+              <p:nvPr/>
+            </p:nvSpPr>
+            <p:spPr>
+              <a:xfrm>
+                <a:off x="4385991" y="4653136"/>
+                <a:ext cx="474041" cy="461665"/>
+              </a:xfrm>
+              <a:prstGeom prst="rect">
+                <a:avLst/>
+              </a:prstGeom>
+              <a:blipFill>
+                <a:blip r:embed="rId2"/>
+                <a:stretch>
+                  <a:fillRect/>
+                </a:stretch>
+              </a:blipFill>
+            </p:spPr>
+            <p:txBody>
+              <a:bodyPr/>
+              <a:lstStyle/>
+              <a:p>
+                <a:r>
+                  <a:rPr lang="ja-JP" altLang="en-US">
+                    <a:noFill/>
+                  </a:rPr>
+                  <a:t> </a:t>
+                </a:r>
+              </a:p>
+            </p:txBody>
+          </p:sp>
+        </mc:Fallback>
+      </mc:AlternateContent>
+      <mc:AlternateContent xmlns:mc="http://schemas.openxmlformats.org/markup-compatibility/2006">
+        <mc:Choice xmlns:a14="http://schemas.microsoft.com/office/drawing/2010/main" Requires="a14">
+          <p:sp>
+            <p:nvSpPr>
+              <p:cNvPr id="9" name="テキスト ボックス 8">
+                <a:extLst>
+                  <a:ext uri="{FF2B5EF4-FFF2-40B4-BE49-F238E27FC236}">
+                    <a16:creationId xmlns:a16="http://schemas.microsoft.com/office/drawing/2014/main" id="{B688EE1E-2465-3345-7A42-F21B1622BA6D}"/>
+                  </a:ext>
+                </a:extLst>
+              </p:cNvPr>
+              <p:cNvSpPr txBox="1"/>
+              <p:nvPr/>
+            </p:nvSpPr>
+            <p:spPr>
+              <a:xfrm>
+                <a:off x="569567" y="2132856"/>
+                <a:ext cx="909480" cy="461665"/>
+              </a:xfrm>
+              <a:prstGeom prst="rect">
+                <a:avLst/>
+              </a:prstGeom>
+              <a:noFill/>
+            </p:spPr>
+            <p:txBody>
+              <a:bodyPr wrap="none" rtlCol="0">
+                <a:spAutoFit/>
+              </a:bodyPr>
+              <a:lstStyle/>
+              <a:p>
+                <a14:m>
+                  <m:oMathPara xmlns:m="http://schemas.openxmlformats.org/officeDocument/2006/math">
+                    <m:oMathParaPr>
+                      <m:jc m:val="centerGroup"/>
+                    </m:oMathParaPr>
+                    <m:oMath xmlns:m="http://schemas.openxmlformats.org/officeDocument/2006/math">
+                      <m:r>
+                        <a:rPr kumimoji="1" lang="en-US" altLang="ja-JP" sz="2400" b="0" i="1" smtClean="0">
+                          <a:latin typeface="Cambria Math" panose="02040503050406030204" pitchFamily="18" charset="0"/>
+                        </a:rPr>
+                        <m:t>𝑓</m:t>
+                      </m:r>
+                      <m:r>
+                        <a:rPr kumimoji="1" lang="en-US" altLang="ja-JP" sz="2400" b="0" i="1" smtClean="0">
+                          <a:latin typeface="Cambria Math" panose="02040503050406030204" pitchFamily="18" charset="0"/>
+                        </a:rPr>
+                        <m:t>(</m:t>
+                      </m:r>
+                      <m:r>
+                        <a:rPr kumimoji="1" lang="en-US" altLang="ja-JP" sz="2400" b="0" i="1" smtClean="0">
+                          <a:latin typeface="Cambria Math" panose="02040503050406030204" pitchFamily="18" charset="0"/>
+                        </a:rPr>
+                        <m:t>𝐸</m:t>
+                      </m:r>
+                      <m:r>
+                        <a:rPr kumimoji="1" lang="en-US" altLang="ja-JP" sz="2400" b="0" i="1" smtClean="0">
+                          <a:latin typeface="Cambria Math" panose="02040503050406030204" pitchFamily="18" charset="0"/>
+                        </a:rPr>
+                        <m:t>)</m:t>
+                      </m:r>
+                    </m:oMath>
+                  </m:oMathPara>
+                </a14:m>
+                <a:endParaRPr kumimoji="1" lang="ja-JP" altLang="en-US" sz="2400"/>
+              </a:p>
+            </p:txBody>
+          </p:sp>
+        </mc:Choice>
+        <mc:Fallback>
+          <p:sp>
+            <p:nvSpPr>
+              <p:cNvPr id="9" name="テキスト ボックス 8">
+                <a:extLst>
+                  <a:ext uri="{FF2B5EF4-FFF2-40B4-BE49-F238E27FC236}">
+                    <a16:creationId xmlns:a16="http://schemas.microsoft.com/office/drawing/2014/main" id="{B688EE1E-2465-3345-7A42-F21B1622BA6D}"/>
+                  </a:ext>
+                </a:extLst>
+              </p:cNvPr>
+              <p:cNvSpPr txBox="1">
+                <a:spLocks noRot="1" noChangeAspect="1" noMove="1" noResize="1" noEditPoints="1" noAdjustHandles="1" noChangeArrowheads="1" noChangeShapeType="1" noTextEdit="1"/>
+              </p:cNvSpPr>
+              <p:nvPr/>
+            </p:nvSpPr>
+            <p:spPr>
+              <a:xfrm>
+                <a:off x="569567" y="2132856"/>
+                <a:ext cx="909480" cy="461665"/>
+              </a:xfrm>
+              <a:prstGeom prst="rect">
+                <a:avLst/>
+              </a:prstGeom>
+              <a:blipFill>
+                <a:blip r:embed="rId3"/>
+                <a:stretch>
+                  <a:fillRect r="-667" b="-19737"/>
+                </a:stretch>
+              </a:blipFill>
+            </p:spPr>
+            <p:txBody>
+              <a:bodyPr/>
+              <a:lstStyle/>
+              <a:p>
+                <a:r>
+                  <a:rPr lang="ja-JP" altLang="en-US">
+                    <a:noFill/>
+                  </a:rPr>
+                  <a:t> </a:t>
+                </a:r>
+              </a:p>
+            </p:txBody>
+          </p:sp>
+        </mc:Fallback>
+      </mc:AlternateContent>
+      <p:cxnSp>
+        <p:nvCxnSpPr>
+          <p:cNvPr id="11" name="直線コネクタ 10">
+            <a:extLst>
+              <a:ext uri="{FF2B5EF4-FFF2-40B4-BE49-F238E27FC236}">
+                <a16:creationId xmlns:a16="http://schemas.microsoft.com/office/drawing/2014/main" id="{C1E9ED24-1AD2-F86C-30A9-EFD4E73E21AE}"/>
+              </a:ext>
+            </a:extLst>
+          </p:cNvPr>
+          <p:cNvCxnSpPr>
+            <a:cxnSpLocks/>
+          </p:cNvCxnSpPr>
+          <p:nvPr/>
+        </p:nvCxnSpPr>
+        <p:spPr>
+          <a:xfrm flipV="1">
+            <a:off x="2369767" y="3501008"/>
+            <a:ext cx="0" cy="1368152"/>
+          </a:xfrm>
+          <a:prstGeom prst="line">
+            <a:avLst/>
+          </a:prstGeom>
+          <a:ln>
+            <a:solidFill>
+              <a:schemeClr val="tx1"/>
+            </a:solidFill>
+            <a:headEnd type="none" w="med" len="med"/>
+            <a:tailEnd type="none" w="med" len="med"/>
+          </a:ln>
+        </p:spPr>
+        <p:style>
+          <a:lnRef idx="1">
+            <a:schemeClr val="accent1"/>
+          </a:lnRef>
+          <a:fillRef idx="0">
+            <a:schemeClr val="accent1"/>
+          </a:fillRef>
+          <a:effectRef idx="0">
+            <a:schemeClr val="accent1"/>
+          </a:effectRef>
+          <a:fontRef idx="minor">
+            <a:schemeClr val="tx1"/>
+          </a:fontRef>
+        </p:style>
+      </p:cxnSp>
+      <p:sp>
+        <p:nvSpPr>
+          <p:cNvPr id="12" name="楕円 11">
+            <a:extLst>
+              <a:ext uri="{FF2B5EF4-FFF2-40B4-BE49-F238E27FC236}">
+                <a16:creationId xmlns:a16="http://schemas.microsoft.com/office/drawing/2014/main" id="{F0387B14-9CD9-F4D4-11F9-A5EAF8A73A67}"/>
+              </a:ext>
+            </a:extLst>
+          </p:cNvPr>
+          <p:cNvSpPr/>
+          <p:nvPr/>
+        </p:nvSpPr>
+        <p:spPr>
+          <a:xfrm>
+            <a:off x="2297759" y="3356992"/>
+            <a:ext cx="144016" cy="144016"/>
+          </a:xfrm>
+          <a:prstGeom prst="ellipse">
+            <a:avLst/>
+          </a:prstGeom>
+          <a:noFill/>
+          <a:ln>
+            <a:solidFill>
+              <a:schemeClr val="tx1"/>
+            </a:solidFill>
+          </a:ln>
+        </p:spPr>
+        <p:style>
+          <a:lnRef idx="2">
+            <a:schemeClr val="accent1">
+              <a:shade val="50000"/>
+            </a:schemeClr>
+          </a:lnRef>
+          <a:fillRef idx="1">
+            <a:schemeClr val="accent1"/>
+          </a:fillRef>
+          <a:effectRef idx="0">
+            <a:schemeClr val="accent1"/>
+          </a:effectRef>
+          <a:fontRef idx="minor">
+            <a:schemeClr val="lt1"/>
+          </a:fontRef>
+        </p:style>
+        <p:txBody>
+          <a:bodyPr rtlCol="0" anchor="ctr"/>
+          <a:lstStyle/>
+          <a:p>
+            <a:pPr algn="ctr"/>
+            <a:endParaRPr kumimoji="1" lang="ja-JP" altLang="en-US"/>
+          </a:p>
+        </p:txBody>
+      </p:sp>
+      <p:sp>
+        <p:nvSpPr>
+          <p:cNvPr id="14" name="テキスト ボックス 13">
+            <a:extLst>
+              <a:ext uri="{FF2B5EF4-FFF2-40B4-BE49-F238E27FC236}">
+                <a16:creationId xmlns:a16="http://schemas.microsoft.com/office/drawing/2014/main" id="{55CFD0AA-8A51-DFD8-AC72-7AB04BBEA993}"/>
+              </a:ext>
+            </a:extLst>
+          </p:cNvPr>
+          <p:cNvSpPr txBox="1"/>
+          <p:nvPr/>
+        </p:nvSpPr>
+        <p:spPr>
+          <a:xfrm>
+            <a:off x="373464" y="5517232"/>
+            <a:ext cx="3877985" cy="830997"/>
+          </a:xfrm>
+          <a:prstGeom prst="rect">
+            <a:avLst/>
+          </a:prstGeom>
+          <a:noFill/>
+        </p:spPr>
+        <p:txBody>
+          <a:bodyPr wrap="none" rtlCol="0">
+            <a:spAutoFit/>
+          </a:bodyPr>
+          <a:lstStyle/>
+          <a:p>
+            <a:r>
+              <a:rPr lang="ja-JP" altLang="en-US" sz="2400"/>
+              <a:t>エネルギーが完全に固定で</a:t>
+            </a:r>
+            <a:endParaRPr lang="en-US" altLang="ja-JP" sz="2400"/>
+          </a:p>
+          <a:p>
+            <a:r>
+              <a:rPr kumimoji="1" lang="ja-JP" altLang="en-US" sz="2400"/>
+              <a:t>揺らがない</a:t>
+            </a:r>
+            <a:endParaRPr kumimoji="1" lang="en-US" altLang="ja-JP" sz="2400"/>
+          </a:p>
+        </p:txBody>
+      </p:sp>
+      <p:sp>
+        <p:nvSpPr>
+          <p:cNvPr id="16" name="テキスト ボックス 15">
+            <a:extLst>
+              <a:ext uri="{FF2B5EF4-FFF2-40B4-BE49-F238E27FC236}">
+                <a16:creationId xmlns:a16="http://schemas.microsoft.com/office/drawing/2014/main" id="{441BCB1E-FE25-1F80-9BC5-73C53591AD2F}"/>
+              </a:ext>
+            </a:extLst>
+          </p:cNvPr>
+          <p:cNvSpPr txBox="1"/>
+          <p:nvPr/>
+        </p:nvSpPr>
+        <p:spPr>
+          <a:xfrm>
+            <a:off x="899592" y="1340768"/>
+            <a:ext cx="3240360" cy="523220"/>
+          </a:xfrm>
+          <a:prstGeom prst="rect">
+            <a:avLst/>
+          </a:prstGeom>
+          <a:noFill/>
+        </p:spPr>
+        <p:txBody>
+          <a:bodyPr wrap="square">
+            <a:spAutoFit/>
+          </a:bodyPr>
+          <a:lstStyle/>
+          <a:p>
+            <a:r>
+              <a:rPr kumimoji="1" lang="en-US" altLang="ja-JP" sz="2800">
+                <a:solidFill>
+                  <a:srgbClr val="011893"/>
+                </a:solidFill>
+              </a:rPr>
+              <a:t>NV</a:t>
+            </a:r>
+            <a:r>
+              <a:rPr kumimoji="1" lang="en-US" altLang="ja-JP" sz="2800">
+                <a:solidFill>
+                  <a:srgbClr val="FF0000"/>
+                </a:solidFill>
+              </a:rPr>
+              <a:t>E</a:t>
+            </a:r>
+            <a:r>
+              <a:rPr kumimoji="1" lang="ja-JP" altLang="en-US" sz="2800">
+                <a:solidFill>
+                  <a:srgbClr val="011893"/>
+                </a:solidFill>
+              </a:rPr>
+              <a:t>アンサンブル</a:t>
+            </a:r>
+            <a:endParaRPr kumimoji="1" lang="en-US" altLang="ja-JP" sz="2800">
+              <a:solidFill>
+                <a:srgbClr val="011893"/>
+              </a:solidFill>
+            </a:endParaRPr>
+          </a:p>
+        </p:txBody>
+      </p:sp>
+      <p:cxnSp>
+        <p:nvCxnSpPr>
+          <p:cNvPr id="17" name="直線矢印コネクタ 16">
+            <a:extLst>
+              <a:ext uri="{FF2B5EF4-FFF2-40B4-BE49-F238E27FC236}">
+                <a16:creationId xmlns:a16="http://schemas.microsoft.com/office/drawing/2014/main" id="{8A48BBDC-24D9-081B-1A39-CE6C2A0D4267}"/>
+              </a:ext>
+            </a:extLst>
+          </p:cNvPr>
+          <p:cNvCxnSpPr>
+            <a:cxnSpLocks/>
+          </p:cNvCxnSpPr>
+          <p:nvPr/>
+        </p:nvCxnSpPr>
+        <p:spPr>
+          <a:xfrm>
+            <a:off x="5004048" y="4869160"/>
+            <a:ext cx="3672408" cy="0"/>
+          </a:xfrm>
+          <a:prstGeom prst="straightConnector1">
+            <a:avLst/>
+          </a:prstGeom>
+          <a:ln>
+            <a:solidFill>
+              <a:schemeClr val="tx1"/>
+            </a:solidFill>
+            <a:headEnd type="none" w="med" len="med"/>
+            <a:tailEnd type="triangle"/>
+          </a:ln>
+        </p:spPr>
+        <p:style>
+          <a:lnRef idx="1">
+            <a:schemeClr val="accent1"/>
+          </a:lnRef>
+          <a:fillRef idx="0">
+            <a:schemeClr val="accent1"/>
+          </a:fillRef>
+          <a:effectRef idx="0">
+            <a:schemeClr val="accent1"/>
+          </a:effectRef>
+          <a:fontRef idx="minor">
+            <a:schemeClr val="tx1"/>
+          </a:fontRef>
+        </p:style>
+      </p:cxnSp>
+      <p:cxnSp>
+        <p:nvCxnSpPr>
+          <p:cNvPr id="18" name="直線矢印コネクタ 17">
+            <a:extLst>
+              <a:ext uri="{FF2B5EF4-FFF2-40B4-BE49-F238E27FC236}">
+                <a16:creationId xmlns:a16="http://schemas.microsoft.com/office/drawing/2014/main" id="{439053AD-48C3-4082-C09F-238193783491}"/>
+              </a:ext>
+            </a:extLst>
+          </p:cNvPr>
+          <p:cNvCxnSpPr>
+            <a:cxnSpLocks/>
+          </p:cNvCxnSpPr>
+          <p:nvPr/>
+        </p:nvCxnSpPr>
+        <p:spPr>
+          <a:xfrm flipV="1">
+            <a:off x="5292080" y="2636912"/>
+            <a:ext cx="0" cy="2600672"/>
+          </a:xfrm>
+          <a:prstGeom prst="straightConnector1">
+            <a:avLst/>
+          </a:prstGeom>
+          <a:ln>
+            <a:solidFill>
+              <a:schemeClr val="tx1"/>
+            </a:solidFill>
+            <a:headEnd type="none" w="med" len="med"/>
+            <a:tailEnd type="triangle"/>
+          </a:ln>
+        </p:spPr>
+        <p:style>
+          <a:lnRef idx="1">
+            <a:schemeClr val="accent1"/>
+          </a:lnRef>
+          <a:fillRef idx="0">
+            <a:schemeClr val="accent1"/>
+          </a:fillRef>
+          <a:effectRef idx="0">
+            <a:schemeClr val="accent1"/>
+          </a:effectRef>
+          <a:fontRef idx="minor">
+            <a:schemeClr val="tx1"/>
+          </a:fontRef>
+        </p:style>
+      </p:cxnSp>
+      <mc:AlternateContent xmlns:mc="http://schemas.openxmlformats.org/markup-compatibility/2006">
+        <mc:Choice xmlns:a14="http://schemas.microsoft.com/office/drawing/2010/main" Requires="a14">
+          <p:sp>
+            <p:nvSpPr>
+              <p:cNvPr id="19" name="テキスト ボックス 18">
+                <a:extLst>
+                  <a:ext uri="{FF2B5EF4-FFF2-40B4-BE49-F238E27FC236}">
+                    <a16:creationId xmlns:a16="http://schemas.microsoft.com/office/drawing/2014/main" id="{D19FFF0A-867D-093D-8933-925E86845D52}"/>
+                  </a:ext>
+                </a:extLst>
+              </p:cNvPr>
+              <p:cNvSpPr txBox="1"/>
+              <p:nvPr/>
+            </p:nvSpPr>
+            <p:spPr>
+              <a:xfrm>
+                <a:off x="8748464" y="4653136"/>
+                <a:ext cx="474041" cy="461665"/>
+              </a:xfrm>
+              <a:prstGeom prst="rect">
+                <a:avLst/>
+              </a:prstGeom>
+              <a:noFill/>
+            </p:spPr>
+            <p:txBody>
+              <a:bodyPr wrap="none" rtlCol="0">
+                <a:spAutoFit/>
+              </a:bodyPr>
+              <a:lstStyle/>
+              <a:p>
+                <a14:m>
+                  <m:oMathPara xmlns:m="http://schemas.openxmlformats.org/officeDocument/2006/math">
+                    <m:oMathParaPr>
+                      <m:jc m:val="centerGroup"/>
+                    </m:oMathParaPr>
+                    <m:oMath xmlns:m="http://schemas.openxmlformats.org/officeDocument/2006/math">
+                      <m:r>
+                        <a:rPr kumimoji="1" lang="en-US" altLang="ja-JP" sz="2400" b="0" i="1" smtClean="0">
+                          <a:latin typeface="Cambria Math" panose="02040503050406030204" pitchFamily="18" charset="0"/>
+                        </a:rPr>
+                        <m:t>𝐸</m:t>
+                      </m:r>
+                    </m:oMath>
+                  </m:oMathPara>
+                </a14:m>
+                <a:endParaRPr kumimoji="1" lang="ja-JP" altLang="en-US" sz="2400"/>
+              </a:p>
+            </p:txBody>
+          </p:sp>
+        </mc:Choice>
+        <mc:Fallback>
+          <p:sp>
+            <p:nvSpPr>
+              <p:cNvPr id="19" name="テキスト ボックス 18">
+                <a:extLst>
+                  <a:ext uri="{FF2B5EF4-FFF2-40B4-BE49-F238E27FC236}">
+                    <a16:creationId xmlns:a16="http://schemas.microsoft.com/office/drawing/2014/main" id="{D19FFF0A-867D-093D-8933-925E86845D52}"/>
+                  </a:ext>
+                </a:extLst>
+              </p:cNvPr>
+              <p:cNvSpPr txBox="1">
+                <a:spLocks noRot="1" noChangeAspect="1" noMove="1" noResize="1" noEditPoints="1" noAdjustHandles="1" noChangeArrowheads="1" noChangeShapeType="1" noTextEdit="1"/>
+              </p:cNvSpPr>
+              <p:nvPr/>
+            </p:nvSpPr>
+            <p:spPr>
+              <a:xfrm>
+                <a:off x="8748464" y="4653136"/>
+                <a:ext cx="474041" cy="461665"/>
+              </a:xfrm>
+              <a:prstGeom prst="rect">
+                <a:avLst/>
+              </a:prstGeom>
+              <a:blipFill>
+                <a:blip r:embed="rId4"/>
+                <a:stretch>
+                  <a:fillRect/>
+                </a:stretch>
+              </a:blipFill>
+            </p:spPr>
+            <p:txBody>
+              <a:bodyPr/>
+              <a:lstStyle/>
+              <a:p>
+                <a:r>
+                  <a:rPr lang="ja-JP" altLang="en-US">
+                    <a:noFill/>
+                  </a:rPr>
+                  <a:t> </a:t>
+                </a:r>
+              </a:p>
+            </p:txBody>
+          </p:sp>
+        </mc:Fallback>
+      </mc:AlternateContent>
+      <mc:AlternateContent xmlns:mc="http://schemas.openxmlformats.org/markup-compatibility/2006">
+        <mc:Choice xmlns:a14="http://schemas.microsoft.com/office/drawing/2010/main" Requires="a14">
+          <p:sp>
+            <p:nvSpPr>
+              <p:cNvPr id="20" name="テキスト ボックス 19">
+                <a:extLst>
+                  <a:ext uri="{FF2B5EF4-FFF2-40B4-BE49-F238E27FC236}">
+                    <a16:creationId xmlns:a16="http://schemas.microsoft.com/office/drawing/2014/main" id="{1FF42A83-BBA7-322B-DFD8-56DAFD14D7F8}"/>
+                  </a:ext>
+                </a:extLst>
+              </p:cNvPr>
+              <p:cNvSpPr txBox="1"/>
+              <p:nvPr/>
+            </p:nvSpPr>
+            <p:spPr>
+              <a:xfrm>
+                <a:off x="4932040" y="2132856"/>
+                <a:ext cx="909480" cy="461665"/>
+              </a:xfrm>
+              <a:prstGeom prst="rect">
+                <a:avLst/>
+              </a:prstGeom>
+              <a:noFill/>
+            </p:spPr>
+            <p:txBody>
+              <a:bodyPr wrap="none" rtlCol="0">
+                <a:spAutoFit/>
+              </a:bodyPr>
+              <a:lstStyle/>
+              <a:p>
+                <a14:m>
+                  <m:oMathPara xmlns:m="http://schemas.openxmlformats.org/officeDocument/2006/math">
+                    <m:oMathParaPr>
+                      <m:jc m:val="centerGroup"/>
+                    </m:oMathParaPr>
+                    <m:oMath xmlns:m="http://schemas.openxmlformats.org/officeDocument/2006/math">
+                      <m:r>
+                        <a:rPr kumimoji="1" lang="en-US" altLang="ja-JP" sz="2400" b="0" i="1" smtClean="0">
+                          <a:latin typeface="Cambria Math" panose="02040503050406030204" pitchFamily="18" charset="0"/>
+                        </a:rPr>
+                        <m:t>𝑓</m:t>
+                      </m:r>
+                      <m:r>
+                        <a:rPr kumimoji="1" lang="en-US" altLang="ja-JP" sz="2400" b="0" i="1" smtClean="0">
+                          <a:latin typeface="Cambria Math" panose="02040503050406030204" pitchFamily="18" charset="0"/>
+                        </a:rPr>
+                        <m:t>(</m:t>
+                      </m:r>
+                      <m:r>
+                        <a:rPr kumimoji="1" lang="en-US" altLang="ja-JP" sz="2400" b="0" i="1" smtClean="0">
+                          <a:latin typeface="Cambria Math" panose="02040503050406030204" pitchFamily="18" charset="0"/>
+                        </a:rPr>
+                        <m:t>𝐸</m:t>
+                      </m:r>
+                      <m:r>
+                        <a:rPr kumimoji="1" lang="en-US" altLang="ja-JP" sz="2400" b="0" i="1" smtClean="0">
+                          <a:latin typeface="Cambria Math" panose="02040503050406030204" pitchFamily="18" charset="0"/>
+                        </a:rPr>
+                        <m:t>)</m:t>
+                      </m:r>
+                    </m:oMath>
+                  </m:oMathPara>
+                </a14:m>
+                <a:endParaRPr kumimoji="1" lang="ja-JP" altLang="en-US" sz="2400"/>
+              </a:p>
+            </p:txBody>
+          </p:sp>
+        </mc:Choice>
+        <mc:Fallback>
+          <p:sp>
+            <p:nvSpPr>
+              <p:cNvPr id="20" name="テキスト ボックス 19">
+                <a:extLst>
+                  <a:ext uri="{FF2B5EF4-FFF2-40B4-BE49-F238E27FC236}">
+                    <a16:creationId xmlns:a16="http://schemas.microsoft.com/office/drawing/2014/main" id="{1FF42A83-BBA7-322B-DFD8-56DAFD14D7F8}"/>
+                  </a:ext>
+                </a:extLst>
+              </p:cNvPr>
+              <p:cNvSpPr txBox="1">
+                <a:spLocks noRot="1" noChangeAspect="1" noMove="1" noResize="1" noEditPoints="1" noAdjustHandles="1" noChangeArrowheads="1" noChangeShapeType="1" noTextEdit="1"/>
+              </p:cNvSpPr>
+              <p:nvPr/>
+            </p:nvSpPr>
+            <p:spPr>
+              <a:xfrm>
+                <a:off x="4932040" y="2132856"/>
+                <a:ext cx="909480" cy="461665"/>
+              </a:xfrm>
+              <a:prstGeom prst="rect">
+                <a:avLst/>
+              </a:prstGeom>
+              <a:blipFill>
+                <a:blip r:embed="rId5"/>
+                <a:stretch>
+                  <a:fillRect r="-1342" b="-19737"/>
+                </a:stretch>
+              </a:blipFill>
+            </p:spPr>
+            <p:txBody>
+              <a:bodyPr/>
+              <a:lstStyle/>
+              <a:p>
+                <a:r>
+                  <a:rPr lang="ja-JP" altLang="en-US">
+                    <a:noFill/>
+                  </a:rPr>
+                  <a:t> </a:t>
+                </a:r>
+              </a:p>
+            </p:txBody>
+          </p:sp>
+        </mc:Fallback>
+      </mc:AlternateContent>
+      <p:sp>
+        <p:nvSpPr>
+          <p:cNvPr id="23" name="フリーフォーム: 図形 22">
+            <a:extLst>
+              <a:ext uri="{FF2B5EF4-FFF2-40B4-BE49-F238E27FC236}">
+                <a16:creationId xmlns:a16="http://schemas.microsoft.com/office/drawing/2014/main" id="{BD3D95AE-C99B-A942-AD26-52EE2043168B}"/>
+              </a:ext>
+            </a:extLst>
+          </p:cNvPr>
+          <p:cNvSpPr/>
+          <p:nvPr/>
+        </p:nvSpPr>
+        <p:spPr>
+          <a:xfrm>
+            <a:off x="6628760" y="3140968"/>
+            <a:ext cx="247496" cy="1725672"/>
+          </a:xfrm>
+          <a:custGeom>
+            <a:avLst/>
+            <a:gdLst>
+              <a:gd name="connsiteX0" fmla="*/ 0 w 1391920"/>
+              <a:gd name="connsiteY0" fmla="*/ 2337140 h 2357460"/>
+              <a:gd name="connsiteX1" fmla="*/ 548640 w 1391920"/>
+              <a:gd name="connsiteY1" fmla="*/ 1585300 h 2357460"/>
+              <a:gd name="connsiteX2" fmla="*/ 812800 w 1391920"/>
+              <a:gd name="connsiteY2" fmla="*/ 340 h 2357460"/>
+              <a:gd name="connsiteX3" fmla="*/ 1016000 w 1391920"/>
+              <a:gd name="connsiteY3" fmla="*/ 1727540 h 2357460"/>
+              <a:gd name="connsiteX4" fmla="*/ 1391920 w 1391920"/>
+              <a:gd name="connsiteY4" fmla="*/ 2357460 h 2357460"/>
+            </a:gdLst>
+            <a:ahLst/>
+            <a:cxnLst>
+              <a:cxn ang="0">
+                <a:pos x="connsiteX0" y="connsiteY0"/>
+              </a:cxn>
+              <a:cxn ang="0">
+                <a:pos x="connsiteX1" y="connsiteY1"/>
+              </a:cxn>
+              <a:cxn ang="0">
+                <a:pos x="connsiteX2" y="connsiteY2"/>
+              </a:cxn>
+              <a:cxn ang="0">
+                <a:pos x="connsiteX3" y="connsiteY3"/>
+              </a:cxn>
+              <a:cxn ang="0">
+                <a:pos x="connsiteX4" y="connsiteY4"/>
+              </a:cxn>
+            </a:cxnLst>
+            <a:rect l="l" t="t" r="r" b="b"/>
+            <a:pathLst>
+              <a:path w="1391920" h="2357460">
+                <a:moveTo>
+                  <a:pt x="0" y="2337140"/>
+                </a:moveTo>
+                <a:cubicBezTo>
+                  <a:pt x="206586" y="2155953"/>
+                  <a:pt x="413173" y="1974767"/>
+                  <a:pt x="548640" y="1585300"/>
+                </a:cubicBezTo>
+                <a:cubicBezTo>
+                  <a:pt x="684107" y="1195833"/>
+                  <a:pt x="734907" y="-23367"/>
+                  <a:pt x="812800" y="340"/>
+                </a:cubicBezTo>
+                <a:cubicBezTo>
+                  <a:pt x="890693" y="24047"/>
+                  <a:pt x="919480" y="1334687"/>
+                  <a:pt x="1016000" y="1727540"/>
+                </a:cubicBezTo>
+                <a:cubicBezTo>
+                  <a:pt x="1112520" y="2120393"/>
+                  <a:pt x="1252220" y="2238926"/>
+                  <a:pt x="1391920" y="2357460"/>
+                </a:cubicBezTo>
+              </a:path>
+            </a:pathLst>
+          </a:custGeom>
+          <a:noFill/>
+          <a:ln>
+            <a:solidFill>
+              <a:schemeClr val="tx1"/>
+            </a:solidFill>
+          </a:ln>
+        </p:spPr>
+        <p:style>
+          <a:lnRef idx="2">
+            <a:schemeClr val="accent1">
+              <a:shade val="50000"/>
+            </a:schemeClr>
+          </a:lnRef>
+          <a:fillRef idx="1">
+            <a:schemeClr val="accent1"/>
+          </a:fillRef>
+          <a:effectRef idx="0">
+            <a:schemeClr val="accent1"/>
+          </a:effectRef>
+          <a:fontRef idx="minor">
+            <a:schemeClr val="lt1"/>
+          </a:fontRef>
+        </p:style>
+        <p:txBody>
+          <a:bodyPr rtlCol="0" anchor="ctr"/>
+          <a:lstStyle/>
+          <a:p>
+            <a:pPr algn="ctr"/>
+            <a:endParaRPr kumimoji="1" lang="ja-JP" altLang="en-US"/>
+          </a:p>
+        </p:txBody>
+      </p:sp>
+      <p:sp>
+        <p:nvSpPr>
+          <p:cNvPr id="24" name="テキスト ボックス 23">
+            <a:extLst>
+              <a:ext uri="{FF2B5EF4-FFF2-40B4-BE49-F238E27FC236}">
+                <a16:creationId xmlns:a16="http://schemas.microsoft.com/office/drawing/2014/main" id="{6A162771-0941-1410-0A3D-C52E82632640}"/>
+              </a:ext>
+            </a:extLst>
+          </p:cNvPr>
+          <p:cNvSpPr txBox="1"/>
+          <p:nvPr/>
+        </p:nvSpPr>
+        <p:spPr>
+          <a:xfrm>
+            <a:off x="5436096" y="5478323"/>
+            <a:ext cx="3262432" cy="830997"/>
+          </a:xfrm>
+          <a:prstGeom prst="rect">
+            <a:avLst/>
+          </a:prstGeom>
+          <a:noFill/>
+        </p:spPr>
+        <p:txBody>
+          <a:bodyPr wrap="none" rtlCol="0">
+            <a:spAutoFit/>
+          </a:bodyPr>
+          <a:lstStyle/>
+          <a:p>
+            <a:r>
+              <a:rPr lang="ja-JP" altLang="en-US" sz="2400"/>
+              <a:t>エネルギーはある幅を</a:t>
+            </a:r>
+            <a:endParaRPr lang="en-US" altLang="ja-JP" sz="2400"/>
+          </a:p>
+          <a:p>
+            <a:r>
+              <a:rPr lang="ja-JP" altLang="en-US" sz="2400"/>
+              <a:t>もって揺らぐ</a:t>
+            </a:r>
+            <a:endParaRPr kumimoji="1" lang="en-US" altLang="ja-JP" sz="2400"/>
+          </a:p>
+        </p:txBody>
+      </p:sp>
+      <p:sp>
+        <p:nvSpPr>
+          <p:cNvPr id="25" name="テキスト ボックス 24">
+            <a:extLst>
+              <a:ext uri="{FF2B5EF4-FFF2-40B4-BE49-F238E27FC236}">
+                <a16:creationId xmlns:a16="http://schemas.microsoft.com/office/drawing/2014/main" id="{18BD2F86-85A9-4029-9A71-1D5994B69EC9}"/>
+              </a:ext>
+            </a:extLst>
+          </p:cNvPr>
+          <p:cNvSpPr txBox="1"/>
+          <p:nvPr/>
+        </p:nvSpPr>
+        <p:spPr>
+          <a:xfrm>
+            <a:off x="5580112" y="1340768"/>
+            <a:ext cx="3240360" cy="523220"/>
+          </a:xfrm>
+          <a:prstGeom prst="rect">
+            <a:avLst/>
+          </a:prstGeom>
+          <a:noFill/>
+        </p:spPr>
+        <p:txBody>
+          <a:bodyPr wrap="square">
+            <a:spAutoFit/>
+          </a:bodyPr>
+          <a:lstStyle/>
+          <a:p>
+            <a:r>
+              <a:rPr kumimoji="1" lang="en-US" altLang="ja-JP" sz="2800">
+                <a:solidFill>
+                  <a:srgbClr val="011893"/>
+                </a:solidFill>
+              </a:rPr>
+              <a:t>NV</a:t>
+            </a:r>
+            <a:r>
+              <a:rPr kumimoji="1" lang="en-US" altLang="ja-JP" sz="2800">
+                <a:solidFill>
+                  <a:srgbClr val="FF0000"/>
+                </a:solidFill>
+              </a:rPr>
+              <a:t>T</a:t>
+            </a:r>
+            <a:r>
+              <a:rPr kumimoji="1" lang="ja-JP" altLang="en-US" sz="2800">
+                <a:solidFill>
+                  <a:srgbClr val="011893"/>
+                </a:solidFill>
+              </a:rPr>
+              <a:t>アンサンブル</a:t>
+            </a:r>
+            <a:endParaRPr kumimoji="1" lang="en-US" altLang="ja-JP" sz="2800">
+              <a:solidFill>
+                <a:srgbClr val="011893"/>
+              </a:solidFill>
+            </a:endParaRPr>
+          </a:p>
+        </p:txBody>
+      </p:sp>
+    </p:spTree>
+    <p:extLst>
+      <p:ext uri="{BB962C8B-B14F-4D97-AF65-F5344CB8AC3E}">
+        <p14:creationId xmlns:p14="http://schemas.microsoft.com/office/powerpoint/2010/main" val="4085575349"/>
+      </p:ext>
+    </p:extLst>
+  </p:cSld>
+  <p:clrMapOvr>
+    <a:masterClrMapping/>
+  </p:clrMapOvr>
+</p:sld>
+</file>
+
+<file path=ppt/slides/slide49.xml><?xml version="1.0" encoding="utf-8"?>
+<p:sld xmlns:a="http://schemas.openxmlformats.org/drawingml/2006/main" xmlns:r="http://schemas.openxmlformats.org/officeDocument/2006/relationships" xmlns:p="http://schemas.openxmlformats.org/presentationml/2006/main">
+  <p:cSld>
+    <p:spTree>
+      <p:nvGrpSpPr>
+        <p:cNvPr id="1" name=""/>
+        <p:cNvGrpSpPr/>
+        <p:nvPr/>
+      </p:nvGrpSpPr>
+      <p:grpSpPr>
+        <a:xfrm>
+          <a:off x="0" y="0"/>
+          <a:ext cx="0" cy="0"/>
+          <a:chOff x="0" y="0"/>
+          <a:chExt cx="0" cy="0"/>
+        </a:xfrm>
+      </p:grpSpPr>
+      <p:sp>
+        <p:nvSpPr>
+          <p:cNvPr id="2" name="テキスト プレースホルダー 1">
+            <a:extLst>
+              <a:ext uri="{FF2B5EF4-FFF2-40B4-BE49-F238E27FC236}">
+                <a16:creationId xmlns:a16="http://schemas.microsoft.com/office/drawing/2014/main" id="{1E0FA5B7-B2A8-5C77-44D9-46492F30F991}"/>
+              </a:ext>
+            </a:extLst>
+          </p:cNvPr>
+          <p:cNvSpPr>
+            <a:spLocks noGrp="1"/>
+          </p:cNvSpPr>
+          <p:nvPr>
+            <p:ph type="body" sz="quarter" idx="10"/>
+          </p:nvPr>
+        </p:nvSpPr>
+        <p:spPr/>
+        <p:txBody>
+          <a:bodyPr/>
+          <a:lstStyle/>
+          <a:p>
+            <a:r>
+              <a:rPr lang="ja-JP" altLang="en-US"/>
+              <a:t>アンサンブル</a:t>
+            </a:r>
+            <a:endParaRPr kumimoji="1" lang="ja-JP" altLang="en-US"/>
+          </a:p>
+        </p:txBody>
+      </p:sp>
+      <p:sp>
+        <p:nvSpPr>
+          <p:cNvPr id="3" name="テキスト ボックス 2">
+            <a:extLst>
+              <a:ext uri="{FF2B5EF4-FFF2-40B4-BE49-F238E27FC236}">
+                <a16:creationId xmlns:a16="http://schemas.microsoft.com/office/drawing/2014/main" id="{41D270A7-A7C8-CE04-1B88-D1CDDF3716EB}"/>
+              </a:ext>
+            </a:extLst>
+          </p:cNvPr>
+          <p:cNvSpPr txBox="1"/>
+          <p:nvPr/>
+        </p:nvSpPr>
+        <p:spPr>
+          <a:xfrm>
+            <a:off x="539552" y="5445224"/>
+            <a:ext cx="7776864" cy="954107"/>
+          </a:xfrm>
+          <a:prstGeom prst="rect">
+            <a:avLst/>
+          </a:prstGeom>
+          <a:noFill/>
+        </p:spPr>
+        <p:txBody>
+          <a:bodyPr wrap="square" rtlCol="0">
+            <a:spAutoFit/>
+          </a:bodyPr>
+          <a:lstStyle/>
+          <a:p>
+            <a:r>
+              <a:rPr lang="ja-JP" altLang="en-US" sz="2800"/>
+              <a:t>実際の物質は</a:t>
+            </a:r>
+            <a:r>
+              <a:rPr lang="en-US" altLang="ja-JP" sz="2800"/>
+              <a:t>N</a:t>
+            </a:r>
+            <a:r>
+              <a:rPr lang="ja-JP" altLang="en-US" sz="2800"/>
+              <a:t>が非常に大きいため、</a:t>
+            </a:r>
+            <a:r>
+              <a:rPr lang="en-US" altLang="ja-JP" sz="2800"/>
+              <a:t>NVT</a:t>
+            </a:r>
+            <a:r>
+              <a:rPr lang="ja-JP" altLang="en-US" sz="2800"/>
+              <a:t>アンサンブルでも事実上エネルギーは揺らがない</a:t>
+            </a:r>
+            <a:endParaRPr kumimoji="1" lang="ja-JP" altLang="en-US" sz="2800"/>
+          </a:p>
+        </p:txBody>
+      </p:sp>
+      <p:cxnSp>
+        <p:nvCxnSpPr>
+          <p:cNvPr id="4" name="直線矢印コネクタ 3">
+            <a:extLst>
+              <a:ext uri="{FF2B5EF4-FFF2-40B4-BE49-F238E27FC236}">
+                <a16:creationId xmlns:a16="http://schemas.microsoft.com/office/drawing/2014/main" id="{72D25002-0748-99CC-3733-E1985B12A6B9}"/>
+              </a:ext>
+            </a:extLst>
+          </p:cNvPr>
+          <p:cNvCxnSpPr>
+            <a:cxnSpLocks/>
+          </p:cNvCxnSpPr>
+          <p:nvPr/>
+        </p:nvCxnSpPr>
+        <p:spPr>
+          <a:xfrm>
+            <a:off x="641575" y="4869160"/>
+            <a:ext cx="3672408" cy="0"/>
+          </a:xfrm>
+          <a:prstGeom prst="straightConnector1">
+            <a:avLst/>
+          </a:prstGeom>
+          <a:ln>
+            <a:solidFill>
+              <a:schemeClr val="tx1"/>
+            </a:solidFill>
+            <a:headEnd type="none" w="med" len="med"/>
+            <a:tailEnd type="triangle"/>
+          </a:ln>
+        </p:spPr>
+        <p:style>
+          <a:lnRef idx="1">
+            <a:schemeClr val="accent1"/>
+          </a:lnRef>
+          <a:fillRef idx="0">
+            <a:schemeClr val="accent1"/>
+          </a:fillRef>
+          <a:effectRef idx="0">
+            <a:schemeClr val="accent1"/>
+          </a:effectRef>
+          <a:fontRef idx="minor">
+            <a:schemeClr val="tx1"/>
+          </a:fontRef>
+        </p:style>
+      </p:cxnSp>
+      <p:cxnSp>
+        <p:nvCxnSpPr>
+          <p:cNvPr id="5" name="直線矢印コネクタ 4">
+            <a:extLst>
+              <a:ext uri="{FF2B5EF4-FFF2-40B4-BE49-F238E27FC236}">
+                <a16:creationId xmlns:a16="http://schemas.microsoft.com/office/drawing/2014/main" id="{B57EE38F-FB10-543F-A9F8-2AFDFF7698E7}"/>
+              </a:ext>
+            </a:extLst>
+          </p:cNvPr>
+          <p:cNvCxnSpPr>
+            <a:cxnSpLocks/>
+          </p:cNvCxnSpPr>
+          <p:nvPr/>
+        </p:nvCxnSpPr>
+        <p:spPr>
+          <a:xfrm flipV="1">
+            <a:off x="929607" y="2636912"/>
+            <a:ext cx="0" cy="2600672"/>
+          </a:xfrm>
+          <a:prstGeom prst="straightConnector1">
+            <a:avLst/>
+          </a:prstGeom>
+          <a:ln>
+            <a:solidFill>
+              <a:schemeClr val="tx1"/>
+            </a:solidFill>
+            <a:headEnd type="none" w="med" len="med"/>
+            <a:tailEnd type="triangle"/>
+          </a:ln>
+        </p:spPr>
+        <p:style>
+          <a:lnRef idx="1">
+            <a:schemeClr val="accent1"/>
+          </a:lnRef>
+          <a:fillRef idx="0">
+            <a:schemeClr val="accent1"/>
+          </a:fillRef>
+          <a:effectRef idx="0">
+            <a:schemeClr val="accent1"/>
+          </a:effectRef>
+          <a:fontRef idx="minor">
+            <a:schemeClr val="tx1"/>
+          </a:fontRef>
+        </p:style>
+      </p:cxnSp>
+      <mc:AlternateContent xmlns:mc="http://schemas.openxmlformats.org/markup-compatibility/2006">
+        <mc:Choice xmlns:a14="http://schemas.microsoft.com/office/drawing/2010/main" Requires="a14">
+          <p:sp>
+            <p:nvSpPr>
+              <p:cNvPr id="6" name="テキスト ボックス 5">
+                <a:extLst>
+                  <a:ext uri="{FF2B5EF4-FFF2-40B4-BE49-F238E27FC236}">
+                    <a16:creationId xmlns:a16="http://schemas.microsoft.com/office/drawing/2014/main" id="{DC687155-AD28-5D55-32F8-34E7B21890FE}"/>
+                  </a:ext>
+                </a:extLst>
+              </p:cNvPr>
+              <p:cNvSpPr txBox="1"/>
+              <p:nvPr/>
+            </p:nvSpPr>
+            <p:spPr>
+              <a:xfrm>
+                <a:off x="4385991" y="4653136"/>
+                <a:ext cx="474041" cy="461665"/>
+              </a:xfrm>
+              <a:prstGeom prst="rect">
+                <a:avLst/>
+              </a:prstGeom>
+              <a:noFill/>
+            </p:spPr>
+            <p:txBody>
+              <a:bodyPr wrap="none" rtlCol="0">
+                <a:spAutoFit/>
+              </a:bodyPr>
+              <a:lstStyle/>
+              <a:p>
+                <a14:m>
+                  <m:oMathPara xmlns:m="http://schemas.openxmlformats.org/officeDocument/2006/math">
+                    <m:oMathParaPr>
+                      <m:jc m:val="centerGroup"/>
+                    </m:oMathParaPr>
+                    <m:oMath xmlns:m="http://schemas.openxmlformats.org/officeDocument/2006/math">
+                      <m:r>
+                        <a:rPr kumimoji="1" lang="en-US" altLang="ja-JP" sz="2400" b="0" i="1" smtClean="0">
+                          <a:latin typeface="Cambria Math" panose="02040503050406030204" pitchFamily="18" charset="0"/>
+                        </a:rPr>
+                        <m:t>𝐸</m:t>
+                      </m:r>
+                    </m:oMath>
+                  </m:oMathPara>
+                </a14:m>
+                <a:endParaRPr kumimoji="1" lang="ja-JP" altLang="en-US" sz="2400"/>
+              </a:p>
+            </p:txBody>
+          </p:sp>
+        </mc:Choice>
+        <mc:Fallback>
+          <p:sp>
+            <p:nvSpPr>
+              <p:cNvPr id="6" name="テキスト ボックス 5">
+                <a:extLst>
+                  <a:ext uri="{FF2B5EF4-FFF2-40B4-BE49-F238E27FC236}">
+                    <a16:creationId xmlns:a16="http://schemas.microsoft.com/office/drawing/2014/main" id="{DC687155-AD28-5D55-32F8-34E7B21890FE}"/>
+                  </a:ext>
+                </a:extLst>
+              </p:cNvPr>
+              <p:cNvSpPr txBox="1">
+                <a:spLocks noRot="1" noChangeAspect="1" noMove="1" noResize="1" noEditPoints="1" noAdjustHandles="1" noChangeArrowheads="1" noChangeShapeType="1" noTextEdit="1"/>
+              </p:cNvSpPr>
+              <p:nvPr/>
+            </p:nvSpPr>
+            <p:spPr>
+              <a:xfrm>
+                <a:off x="4385991" y="4653136"/>
+                <a:ext cx="474041" cy="461665"/>
+              </a:xfrm>
+              <a:prstGeom prst="rect">
+                <a:avLst/>
+              </a:prstGeom>
+              <a:blipFill>
+                <a:blip r:embed="rId2"/>
+                <a:stretch>
+                  <a:fillRect/>
+                </a:stretch>
+              </a:blipFill>
+            </p:spPr>
+            <p:txBody>
+              <a:bodyPr/>
+              <a:lstStyle/>
+              <a:p>
+                <a:r>
+                  <a:rPr lang="ja-JP" altLang="en-US">
+                    <a:noFill/>
+                  </a:rPr>
+                  <a:t> </a:t>
+                </a:r>
+              </a:p>
+            </p:txBody>
+          </p:sp>
+        </mc:Fallback>
+      </mc:AlternateContent>
+      <mc:AlternateContent xmlns:mc="http://schemas.openxmlformats.org/markup-compatibility/2006">
+        <mc:Choice xmlns:a14="http://schemas.microsoft.com/office/drawing/2010/main" Requires="a14">
+          <p:sp>
+            <p:nvSpPr>
+              <p:cNvPr id="7" name="テキスト ボックス 6">
+                <a:extLst>
+                  <a:ext uri="{FF2B5EF4-FFF2-40B4-BE49-F238E27FC236}">
+                    <a16:creationId xmlns:a16="http://schemas.microsoft.com/office/drawing/2014/main" id="{41B29557-8532-EAB4-68FD-19D3347021E4}"/>
+                  </a:ext>
+                </a:extLst>
+              </p:cNvPr>
+              <p:cNvSpPr txBox="1"/>
+              <p:nvPr/>
+            </p:nvSpPr>
+            <p:spPr>
+              <a:xfrm>
+                <a:off x="569567" y="2132856"/>
+                <a:ext cx="909480" cy="461665"/>
+              </a:xfrm>
+              <a:prstGeom prst="rect">
+                <a:avLst/>
+              </a:prstGeom>
+              <a:noFill/>
+            </p:spPr>
+            <p:txBody>
+              <a:bodyPr wrap="none" rtlCol="0">
+                <a:spAutoFit/>
+              </a:bodyPr>
+              <a:lstStyle/>
+              <a:p>
+                <a14:m>
+                  <m:oMathPara xmlns:m="http://schemas.openxmlformats.org/officeDocument/2006/math">
+                    <m:oMathParaPr>
+                      <m:jc m:val="centerGroup"/>
+                    </m:oMathParaPr>
+                    <m:oMath xmlns:m="http://schemas.openxmlformats.org/officeDocument/2006/math">
+                      <m:r>
+                        <a:rPr kumimoji="1" lang="en-US" altLang="ja-JP" sz="2400" b="0" i="1" smtClean="0">
+                          <a:latin typeface="Cambria Math" panose="02040503050406030204" pitchFamily="18" charset="0"/>
+                        </a:rPr>
+                        <m:t>𝑓</m:t>
+                      </m:r>
+                      <m:r>
+                        <a:rPr kumimoji="1" lang="en-US" altLang="ja-JP" sz="2400" b="0" i="1" smtClean="0">
+                          <a:latin typeface="Cambria Math" panose="02040503050406030204" pitchFamily="18" charset="0"/>
+                        </a:rPr>
+                        <m:t>(</m:t>
+                      </m:r>
+                      <m:r>
+                        <a:rPr kumimoji="1" lang="en-US" altLang="ja-JP" sz="2400" b="0" i="1" smtClean="0">
+                          <a:latin typeface="Cambria Math" panose="02040503050406030204" pitchFamily="18" charset="0"/>
+                        </a:rPr>
+                        <m:t>𝐸</m:t>
+                      </m:r>
+                      <m:r>
+                        <a:rPr kumimoji="1" lang="en-US" altLang="ja-JP" sz="2400" b="0" i="1" smtClean="0">
+                          <a:latin typeface="Cambria Math" panose="02040503050406030204" pitchFamily="18" charset="0"/>
+                        </a:rPr>
+                        <m:t>)</m:t>
+                      </m:r>
+                    </m:oMath>
+                  </m:oMathPara>
+                </a14:m>
+                <a:endParaRPr kumimoji="1" lang="ja-JP" altLang="en-US" sz="2400"/>
+              </a:p>
+            </p:txBody>
+          </p:sp>
+        </mc:Choice>
+        <mc:Fallback>
+          <p:sp>
+            <p:nvSpPr>
+              <p:cNvPr id="7" name="テキスト ボックス 6">
+                <a:extLst>
+                  <a:ext uri="{FF2B5EF4-FFF2-40B4-BE49-F238E27FC236}">
+                    <a16:creationId xmlns:a16="http://schemas.microsoft.com/office/drawing/2014/main" id="{41B29557-8532-EAB4-68FD-19D3347021E4}"/>
+                  </a:ext>
+                </a:extLst>
+              </p:cNvPr>
+              <p:cNvSpPr txBox="1">
+                <a:spLocks noRot="1" noChangeAspect="1" noMove="1" noResize="1" noEditPoints="1" noAdjustHandles="1" noChangeArrowheads="1" noChangeShapeType="1" noTextEdit="1"/>
+              </p:cNvSpPr>
+              <p:nvPr/>
+            </p:nvSpPr>
+            <p:spPr>
+              <a:xfrm>
+                <a:off x="569567" y="2132856"/>
+                <a:ext cx="909480" cy="461665"/>
+              </a:xfrm>
+              <a:prstGeom prst="rect">
+                <a:avLst/>
+              </a:prstGeom>
+              <a:blipFill>
+                <a:blip r:embed="rId3"/>
+                <a:stretch>
+                  <a:fillRect r="-667" b="-19737"/>
+                </a:stretch>
+              </a:blipFill>
+            </p:spPr>
+            <p:txBody>
+              <a:bodyPr/>
+              <a:lstStyle/>
+              <a:p>
+                <a:r>
+                  <a:rPr lang="ja-JP" altLang="en-US">
+                    <a:noFill/>
+                  </a:rPr>
+                  <a:t> </a:t>
+                </a:r>
+              </a:p>
+            </p:txBody>
+          </p:sp>
+        </mc:Fallback>
+      </mc:AlternateContent>
+      <p:cxnSp>
+        <p:nvCxnSpPr>
+          <p:cNvPr id="8" name="直線コネクタ 7">
+            <a:extLst>
+              <a:ext uri="{FF2B5EF4-FFF2-40B4-BE49-F238E27FC236}">
+                <a16:creationId xmlns:a16="http://schemas.microsoft.com/office/drawing/2014/main" id="{338228D3-D093-A58E-322E-890FE076BF05}"/>
+              </a:ext>
+            </a:extLst>
+          </p:cNvPr>
+          <p:cNvCxnSpPr>
+            <a:cxnSpLocks/>
+          </p:cNvCxnSpPr>
+          <p:nvPr/>
+        </p:nvCxnSpPr>
+        <p:spPr>
+          <a:xfrm flipV="1">
+            <a:off x="2369767" y="3501008"/>
+            <a:ext cx="0" cy="1368152"/>
+          </a:xfrm>
+          <a:prstGeom prst="line">
+            <a:avLst/>
+          </a:prstGeom>
+          <a:ln>
+            <a:solidFill>
+              <a:schemeClr val="tx1"/>
+            </a:solidFill>
+            <a:headEnd type="none" w="med" len="med"/>
+            <a:tailEnd type="none" w="med" len="med"/>
+          </a:ln>
+        </p:spPr>
+        <p:style>
+          <a:lnRef idx="1">
+            <a:schemeClr val="accent1"/>
+          </a:lnRef>
+          <a:fillRef idx="0">
+            <a:schemeClr val="accent1"/>
+          </a:fillRef>
+          <a:effectRef idx="0">
+            <a:schemeClr val="accent1"/>
+          </a:effectRef>
+          <a:fontRef idx="minor">
+            <a:schemeClr val="tx1"/>
+          </a:fontRef>
+        </p:style>
+      </p:cxnSp>
+      <p:sp>
+        <p:nvSpPr>
+          <p:cNvPr id="9" name="楕円 8">
+            <a:extLst>
+              <a:ext uri="{FF2B5EF4-FFF2-40B4-BE49-F238E27FC236}">
+                <a16:creationId xmlns:a16="http://schemas.microsoft.com/office/drawing/2014/main" id="{BC174102-CFD2-1561-3532-017DBD6D4924}"/>
+              </a:ext>
+            </a:extLst>
+          </p:cNvPr>
+          <p:cNvSpPr/>
+          <p:nvPr/>
+        </p:nvSpPr>
+        <p:spPr>
+          <a:xfrm>
+            <a:off x="2297759" y="3356992"/>
+            <a:ext cx="144016" cy="144016"/>
+          </a:xfrm>
+          <a:prstGeom prst="ellipse">
+            <a:avLst/>
+          </a:prstGeom>
+          <a:noFill/>
+          <a:ln>
+            <a:solidFill>
+              <a:schemeClr val="tx1"/>
+            </a:solidFill>
+          </a:ln>
+        </p:spPr>
+        <p:style>
+          <a:lnRef idx="2">
+            <a:schemeClr val="accent1">
+              <a:shade val="50000"/>
+            </a:schemeClr>
+          </a:lnRef>
+          <a:fillRef idx="1">
+            <a:schemeClr val="accent1"/>
+          </a:fillRef>
+          <a:effectRef idx="0">
+            <a:schemeClr val="accent1"/>
+          </a:effectRef>
+          <a:fontRef idx="minor">
+            <a:schemeClr val="lt1"/>
+          </a:fontRef>
+        </p:style>
+        <p:txBody>
+          <a:bodyPr rtlCol="0" anchor="ctr"/>
+          <a:lstStyle/>
+          <a:p>
+            <a:pPr algn="ctr"/>
+            <a:endParaRPr kumimoji="1" lang="ja-JP" altLang="en-US"/>
+          </a:p>
+        </p:txBody>
+      </p:sp>
+      <p:sp>
+        <p:nvSpPr>
+          <p:cNvPr id="11" name="テキスト ボックス 10">
+            <a:extLst>
+              <a:ext uri="{FF2B5EF4-FFF2-40B4-BE49-F238E27FC236}">
+                <a16:creationId xmlns:a16="http://schemas.microsoft.com/office/drawing/2014/main" id="{C08EA160-F8D7-2E4A-BAB0-68B1A886BD27}"/>
+              </a:ext>
+            </a:extLst>
+          </p:cNvPr>
+          <p:cNvSpPr txBox="1"/>
+          <p:nvPr/>
+        </p:nvSpPr>
+        <p:spPr>
+          <a:xfrm>
+            <a:off x="899592" y="1340768"/>
+            <a:ext cx="3240360" cy="523220"/>
+          </a:xfrm>
+          <a:prstGeom prst="rect">
+            <a:avLst/>
+          </a:prstGeom>
+          <a:noFill/>
+        </p:spPr>
+        <p:txBody>
+          <a:bodyPr wrap="square">
+            <a:spAutoFit/>
+          </a:bodyPr>
+          <a:lstStyle/>
+          <a:p>
+            <a:r>
+              <a:rPr kumimoji="1" lang="en-US" altLang="ja-JP" sz="2800">
+                <a:solidFill>
+                  <a:srgbClr val="011893"/>
+                </a:solidFill>
+              </a:rPr>
+              <a:t>NV</a:t>
+            </a:r>
+            <a:r>
+              <a:rPr kumimoji="1" lang="en-US" altLang="ja-JP" sz="2800">
+                <a:solidFill>
+                  <a:srgbClr val="FF0000"/>
+                </a:solidFill>
+              </a:rPr>
+              <a:t>E</a:t>
+            </a:r>
+            <a:r>
+              <a:rPr kumimoji="1" lang="ja-JP" altLang="en-US" sz="2800">
+                <a:solidFill>
+                  <a:srgbClr val="011893"/>
+                </a:solidFill>
+              </a:rPr>
+              <a:t>アンサンブル</a:t>
+            </a:r>
+            <a:endParaRPr kumimoji="1" lang="en-US" altLang="ja-JP" sz="2800">
+              <a:solidFill>
+                <a:srgbClr val="011893"/>
+              </a:solidFill>
+            </a:endParaRPr>
+          </a:p>
+        </p:txBody>
+      </p:sp>
+      <p:cxnSp>
+        <p:nvCxnSpPr>
+          <p:cNvPr id="12" name="直線矢印コネクタ 11">
+            <a:extLst>
+              <a:ext uri="{FF2B5EF4-FFF2-40B4-BE49-F238E27FC236}">
+                <a16:creationId xmlns:a16="http://schemas.microsoft.com/office/drawing/2014/main" id="{7FD64318-E190-3271-A936-0C155C8B7AC8}"/>
+              </a:ext>
+            </a:extLst>
+          </p:cNvPr>
+          <p:cNvCxnSpPr>
+            <a:cxnSpLocks/>
+          </p:cNvCxnSpPr>
+          <p:nvPr/>
+        </p:nvCxnSpPr>
+        <p:spPr>
+          <a:xfrm>
+            <a:off x="5004048" y="4869160"/>
+            <a:ext cx="3672408" cy="0"/>
+          </a:xfrm>
+          <a:prstGeom prst="straightConnector1">
+            <a:avLst/>
+          </a:prstGeom>
+          <a:ln>
+            <a:solidFill>
+              <a:schemeClr val="tx1"/>
+            </a:solidFill>
+            <a:headEnd type="none" w="med" len="med"/>
+            <a:tailEnd type="triangle"/>
+          </a:ln>
+        </p:spPr>
+        <p:style>
+          <a:lnRef idx="1">
+            <a:schemeClr val="accent1"/>
+          </a:lnRef>
+          <a:fillRef idx="0">
+            <a:schemeClr val="accent1"/>
+          </a:fillRef>
+          <a:effectRef idx="0">
+            <a:schemeClr val="accent1"/>
+          </a:effectRef>
+          <a:fontRef idx="minor">
+            <a:schemeClr val="tx1"/>
+          </a:fontRef>
+        </p:style>
+      </p:cxnSp>
+      <p:cxnSp>
+        <p:nvCxnSpPr>
+          <p:cNvPr id="13" name="直線矢印コネクタ 12">
+            <a:extLst>
+              <a:ext uri="{FF2B5EF4-FFF2-40B4-BE49-F238E27FC236}">
+                <a16:creationId xmlns:a16="http://schemas.microsoft.com/office/drawing/2014/main" id="{C311FF11-C2A7-F52C-234E-A148F2FAB826}"/>
+              </a:ext>
+            </a:extLst>
+          </p:cNvPr>
+          <p:cNvCxnSpPr>
+            <a:cxnSpLocks/>
+          </p:cNvCxnSpPr>
+          <p:nvPr/>
+        </p:nvCxnSpPr>
+        <p:spPr>
+          <a:xfrm flipV="1">
+            <a:off x="5292080" y="2636912"/>
+            <a:ext cx="0" cy="2600672"/>
+          </a:xfrm>
+          <a:prstGeom prst="straightConnector1">
+            <a:avLst/>
+          </a:prstGeom>
+          <a:ln>
+            <a:solidFill>
+              <a:schemeClr val="tx1"/>
+            </a:solidFill>
+            <a:headEnd type="none" w="med" len="med"/>
+            <a:tailEnd type="triangle"/>
+          </a:ln>
+        </p:spPr>
+        <p:style>
+          <a:lnRef idx="1">
+            <a:schemeClr val="accent1"/>
+          </a:lnRef>
+          <a:fillRef idx="0">
+            <a:schemeClr val="accent1"/>
+          </a:fillRef>
+          <a:effectRef idx="0">
+            <a:schemeClr val="accent1"/>
+          </a:effectRef>
+          <a:fontRef idx="minor">
+            <a:schemeClr val="tx1"/>
+          </a:fontRef>
+        </p:style>
+      </p:cxnSp>
+      <mc:AlternateContent xmlns:mc="http://schemas.openxmlformats.org/markup-compatibility/2006">
+        <mc:Choice xmlns:a14="http://schemas.microsoft.com/office/drawing/2010/main" Requires="a14">
+          <p:sp>
+            <p:nvSpPr>
+              <p:cNvPr id="14" name="テキスト ボックス 13">
+                <a:extLst>
+                  <a:ext uri="{FF2B5EF4-FFF2-40B4-BE49-F238E27FC236}">
+                    <a16:creationId xmlns:a16="http://schemas.microsoft.com/office/drawing/2014/main" id="{56602EBB-4DCA-7C3A-D818-E5EE6A99C83C}"/>
+                  </a:ext>
+                </a:extLst>
+              </p:cNvPr>
+              <p:cNvSpPr txBox="1"/>
+              <p:nvPr/>
+            </p:nvSpPr>
+            <p:spPr>
+              <a:xfrm>
+                <a:off x="8748464" y="4653136"/>
+                <a:ext cx="474041" cy="461665"/>
+              </a:xfrm>
+              <a:prstGeom prst="rect">
+                <a:avLst/>
+              </a:prstGeom>
+              <a:noFill/>
+            </p:spPr>
+            <p:txBody>
+              <a:bodyPr wrap="none" rtlCol="0">
+                <a:spAutoFit/>
+              </a:bodyPr>
+              <a:lstStyle/>
+              <a:p>
+                <a14:m>
+                  <m:oMathPara xmlns:m="http://schemas.openxmlformats.org/officeDocument/2006/math">
+                    <m:oMathParaPr>
+                      <m:jc m:val="centerGroup"/>
+                    </m:oMathParaPr>
+                    <m:oMath xmlns:m="http://schemas.openxmlformats.org/officeDocument/2006/math">
+                      <m:r>
+                        <a:rPr kumimoji="1" lang="en-US" altLang="ja-JP" sz="2400" b="0" i="1" smtClean="0">
+                          <a:latin typeface="Cambria Math" panose="02040503050406030204" pitchFamily="18" charset="0"/>
+                        </a:rPr>
+                        <m:t>𝐸</m:t>
+                      </m:r>
+                    </m:oMath>
+                  </m:oMathPara>
+                </a14:m>
+                <a:endParaRPr kumimoji="1" lang="ja-JP" altLang="en-US" sz="2400"/>
+              </a:p>
+            </p:txBody>
+          </p:sp>
+        </mc:Choice>
+        <mc:Fallback>
+          <p:sp>
+            <p:nvSpPr>
+              <p:cNvPr id="14" name="テキスト ボックス 13">
+                <a:extLst>
+                  <a:ext uri="{FF2B5EF4-FFF2-40B4-BE49-F238E27FC236}">
+                    <a16:creationId xmlns:a16="http://schemas.microsoft.com/office/drawing/2014/main" id="{56602EBB-4DCA-7C3A-D818-E5EE6A99C83C}"/>
+                  </a:ext>
+                </a:extLst>
+              </p:cNvPr>
+              <p:cNvSpPr txBox="1">
+                <a:spLocks noRot="1" noChangeAspect="1" noMove="1" noResize="1" noEditPoints="1" noAdjustHandles="1" noChangeArrowheads="1" noChangeShapeType="1" noTextEdit="1"/>
+              </p:cNvSpPr>
+              <p:nvPr/>
+            </p:nvSpPr>
+            <p:spPr>
+              <a:xfrm>
+                <a:off x="8748464" y="4653136"/>
+                <a:ext cx="474041" cy="461665"/>
+              </a:xfrm>
+              <a:prstGeom prst="rect">
+                <a:avLst/>
+              </a:prstGeom>
+              <a:blipFill>
+                <a:blip r:embed="rId4"/>
+                <a:stretch>
+                  <a:fillRect/>
+                </a:stretch>
+              </a:blipFill>
+            </p:spPr>
+            <p:txBody>
+              <a:bodyPr/>
+              <a:lstStyle/>
+              <a:p>
+                <a:r>
+                  <a:rPr lang="ja-JP" altLang="en-US">
+                    <a:noFill/>
+                  </a:rPr>
+                  <a:t> </a:t>
+                </a:r>
+              </a:p>
+            </p:txBody>
+          </p:sp>
+        </mc:Fallback>
+      </mc:AlternateContent>
+      <mc:AlternateContent xmlns:mc="http://schemas.openxmlformats.org/markup-compatibility/2006">
+        <mc:Choice xmlns:a14="http://schemas.microsoft.com/office/drawing/2010/main" Requires="a14">
+          <p:sp>
+            <p:nvSpPr>
+              <p:cNvPr id="15" name="テキスト ボックス 14">
+                <a:extLst>
+                  <a:ext uri="{FF2B5EF4-FFF2-40B4-BE49-F238E27FC236}">
+                    <a16:creationId xmlns:a16="http://schemas.microsoft.com/office/drawing/2014/main" id="{E1521DE7-F04F-2F72-5BFF-17A109025C9F}"/>
+                  </a:ext>
+                </a:extLst>
+              </p:cNvPr>
+              <p:cNvSpPr txBox="1"/>
+              <p:nvPr/>
+            </p:nvSpPr>
+            <p:spPr>
+              <a:xfrm>
+                <a:off x="4932040" y="2132856"/>
+                <a:ext cx="909480" cy="461665"/>
+              </a:xfrm>
+              <a:prstGeom prst="rect">
+                <a:avLst/>
+              </a:prstGeom>
+              <a:noFill/>
+            </p:spPr>
+            <p:txBody>
+              <a:bodyPr wrap="none" rtlCol="0">
+                <a:spAutoFit/>
+              </a:bodyPr>
+              <a:lstStyle/>
+              <a:p>
+                <a14:m>
+                  <m:oMathPara xmlns:m="http://schemas.openxmlformats.org/officeDocument/2006/math">
+                    <m:oMathParaPr>
+                      <m:jc m:val="centerGroup"/>
+                    </m:oMathParaPr>
+                    <m:oMath xmlns:m="http://schemas.openxmlformats.org/officeDocument/2006/math">
+                      <m:r>
+                        <a:rPr kumimoji="1" lang="en-US" altLang="ja-JP" sz="2400" b="0" i="1" smtClean="0">
+                          <a:latin typeface="Cambria Math" panose="02040503050406030204" pitchFamily="18" charset="0"/>
+                        </a:rPr>
+                        <m:t>𝑓</m:t>
+                      </m:r>
+                      <m:r>
+                        <a:rPr kumimoji="1" lang="en-US" altLang="ja-JP" sz="2400" b="0" i="1" smtClean="0">
+                          <a:latin typeface="Cambria Math" panose="02040503050406030204" pitchFamily="18" charset="0"/>
+                        </a:rPr>
+                        <m:t>(</m:t>
+                      </m:r>
+                      <m:r>
+                        <a:rPr kumimoji="1" lang="en-US" altLang="ja-JP" sz="2400" b="0" i="1" smtClean="0">
+                          <a:latin typeface="Cambria Math" panose="02040503050406030204" pitchFamily="18" charset="0"/>
+                        </a:rPr>
+                        <m:t>𝐸</m:t>
+                      </m:r>
+                      <m:r>
+                        <a:rPr kumimoji="1" lang="en-US" altLang="ja-JP" sz="2400" b="0" i="1" smtClean="0">
+                          <a:latin typeface="Cambria Math" panose="02040503050406030204" pitchFamily="18" charset="0"/>
+                        </a:rPr>
+                        <m:t>)</m:t>
+                      </m:r>
+                    </m:oMath>
+                  </m:oMathPara>
+                </a14:m>
+                <a:endParaRPr kumimoji="1" lang="ja-JP" altLang="en-US" sz="2400"/>
+              </a:p>
+            </p:txBody>
+          </p:sp>
+        </mc:Choice>
+        <mc:Fallback>
+          <p:sp>
+            <p:nvSpPr>
+              <p:cNvPr id="15" name="テキスト ボックス 14">
+                <a:extLst>
+                  <a:ext uri="{FF2B5EF4-FFF2-40B4-BE49-F238E27FC236}">
+                    <a16:creationId xmlns:a16="http://schemas.microsoft.com/office/drawing/2014/main" id="{E1521DE7-F04F-2F72-5BFF-17A109025C9F}"/>
+                  </a:ext>
+                </a:extLst>
+              </p:cNvPr>
+              <p:cNvSpPr txBox="1">
+                <a:spLocks noRot="1" noChangeAspect="1" noMove="1" noResize="1" noEditPoints="1" noAdjustHandles="1" noChangeArrowheads="1" noChangeShapeType="1" noTextEdit="1"/>
+              </p:cNvSpPr>
+              <p:nvPr/>
+            </p:nvSpPr>
+            <p:spPr>
+              <a:xfrm>
+                <a:off x="4932040" y="2132856"/>
+                <a:ext cx="909480" cy="461665"/>
+              </a:xfrm>
+              <a:prstGeom prst="rect">
+                <a:avLst/>
+              </a:prstGeom>
+              <a:blipFill>
+                <a:blip r:embed="rId5"/>
+                <a:stretch>
+                  <a:fillRect r="-1342" b="-19737"/>
+                </a:stretch>
+              </a:blipFill>
+            </p:spPr>
+            <p:txBody>
+              <a:bodyPr/>
+              <a:lstStyle/>
+              <a:p>
+                <a:r>
+                  <a:rPr lang="ja-JP" altLang="en-US">
+                    <a:noFill/>
+                  </a:rPr>
+                  <a:t> </a:t>
+                </a:r>
+              </a:p>
+            </p:txBody>
+          </p:sp>
+        </mc:Fallback>
+      </mc:AlternateContent>
+      <p:sp>
+        <p:nvSpPr>
+          <p:cNvPr id="18" name="テキスト ボックス 17">
+            <a:extLst>
+              <a:ext uri="{FF2B5EF4-FFF2-40B4-BE49-F238E27FC236}">
+                <a16:creationId xmlns:a16="http://schemas.microsoft.com/office/drawing/2014/main" id="{EB723B9B-3BFC-4734-C2FC-57A97A8C6835}"/>
+              </a:ext>
+            </a:extLst>
+          </p:cNvPr>
+          <p:cNvSpPr txBox="1"/>
+          <p:nvPr/>
+        </p:nvSpPr>
+        <p:spPr>
+          <a:xfrm>
+            <a:off x="5580112" y="1340768"/>
+            <a:ext cx="3240360" cy="523220"/>
+          </a:xfrm>
+          <a:prstGeom prst="rect">
+            <a:avLst/>
+          </a:prstGeom>
+          <a:noFill/>
+        </p:spPr>
+        <p:txBody>
+          <a:bodyPr wrap="square">
+            <a:spAutoFit/>
+          </a:bodyPr>
+          <a:lstStyle/>
+          <a:p>
+            <a:r>
+              <a:rPr kumimoji="1" lang="en-US" altLang="ja-JP" sz="2800">
+                <a:solidFill>
+                  <a:srgbClr val="011893"/>
+                </a:solidFill>
+              </a:rPr>
+              <a:t>NV</a:t>
+            </a:r>
+            <a:r>
+              <a:rPr kumimoji="1" lang="en-US" altLang="ja-JP" sz="2800">
+                <a:solidFill>
+                  <a:srgbClr val="FF0000"/>
+                </a:solidFill>
+              </a:rPr>
+              <a:t>T</a:t>
+            </a:r>
+            <a:r>
+              <a:rPr kumimoji="1" lang="ja-JP" altLang="en-US" sz="2800">
+                <a:solidFill>
+                  <a:srgbClr val="011893"/>
+                </a:solidFill>
+              </a:rPr>
+              <a:t>アンサンブル</a:t>
+            </a:r>
+            <a:endParaRPr kumimoji="1" lang="en-US" altLang="ja-JP" sz="2800">
+              <a:solidFill>
+                <a:srgbClr val="011893"/>
+              </a:solidFill>
+            </a:endParaRPr>
+          </a:p>
+        </p:txBody>
+      </p:sp>
+      <p:cxnSp>
+        <p:nvCxnSpPr>
+          <p:cNvPr id="19" name="直線コネクタ 18">
+            <a:extLst>
+              <a:ext uri="{FF2B5EF4-FFF2-40B4-BE49-F238E27FC236}">
+                <a16:creationId xmlns:a16="http://schemas.microsoft.com/office/drawing/2014/main" id="{6D0505B7-598D-BEB3-38EA-1C2B909EA4F6}"/>
+              </a:ext>
+            </a:extLst>
+          </p:cNvPr>
+          <p:cNvCxnSpPr>
+            <a:cxnSpLocks/>
+          </p:cNvCxnSpPr>
+          <p:nvPr/>
+        </p:nvCxnSpPr>
+        <p:spPr>
+          <a:xfrm flipV="1">
+            <a:off x="6732240" y="3501008"/>
+            <a:ext cx="0" cy="1368152"/>
+          </a:xfrm>
+          <a:prstGeom prst="line">
+            <a:avLst/>
+          </a:prstGeom>
+          <a:ln>
+            <a:solidFill>
+              <a:schemeClr val="tx1"/>
+            </a:solidFill>
+            <a:headEnd type="none" w="med" len="med"/>
+            <a:tailEnd type="none" w="med" len="med"/>
+          </a:ln>
+        </p:spPr>
+        <p:style>
+          <a:lnRef idx="1">
+            <a:schemeClr val="accent1"/>
+          </a:lnRef>
+          <a:fillRef idx="0">
+            <a:schemeClr val="accent1"/>
+          </a:fillRef>
+          <a:effectRef idx="0">
+            <a:schemeClr val="accent1"/>
+          </a:effectRef>
+          <a:fontRef idx="minor">
+            <a:schemeClr val="tx1"/>
+          </a:fontRef>
+        </p:style>
+      </p:cxnSp>
+      <p:sp>
+        <p:nvSpPr>
+          <p:cNvPr id="20" name="楕円 19">
+            <a:extLst>
+              <a:ext uri="{FF2B5EF4-FFF2-40B4-BE49-F238E27FC236}">
+                <a16:creationId xmlns:a16="http://schemas.microsoft.com/office/drawing/2014/main" id="{10E7E154-F436-7195-FD6C-7C0910C1C4B6}"/>
+              </a:ext>
+            </a:extLst>
+          </p:cNvPr>
+          <p:cNvSpPr/>
+          <p:nvPr/>
+        </p:nvSpPr>
+        <p:spPr>
+          <a:xfrm>
+            <a:off x="6660232" y="3356992"/>
+            <a:ext cx="144016" cy="144016"/>
+          </a:xfrm>
+          <a:prstGeom prst="ellipse">
+            <a:avLst/>
+          </a:prstGeom>
+          <a:noFill/>
+          <a:ln>
+            <a:solidFill>
+              <a:schemeClr val="tx1"/>
+            </a:solidFill>
+          </a:ln>
+        </p:spPr>
+        <p:style>
+          <a:lnRef idx="2">
+            <a:schemeClr val="accent1">
+              <a:shade val="50000"/>
+            </a:schemeClr>
+          </a:lnRef>
+          <a:fillRef idx="1">
+            <a:schemeClr val="accent1"/>
+          </a:fillRef>
+          <a:effectRef idx="0">
+            <a:schemeClr val="accent1"/>
+          </a:effectRef>
+          <a:fontRef idx="minor">
+            <a:schemeClr val="lt1"/>
+          </a:fontRef>
+        </p:style>
+        <p:txBody>
+          <a:bodyPr rtlCol="0" anchor="ctr"/>
+          <a:lstStyle/>
+          <a:p>
+            <a:pPr algn="ctr"/>
+            <a:endParaRPr kumimoji="1" lang="ja-JP" altLang="en-US"/>
+          </a:p>
+        </p:txBody>
+      </p:sp>
+      <mc:AlternateContent xmlns:mc="http://schemas.openxmlformats.org/markup-compatibility/2006">
+        <mc:Choice xmlns:a14="http://schemas.microsoft.com/office/drawing/2010/main" Requires="a14">
+          <p:sp>
+            <p:nvSpPr>
+              <p:cNvPr id="21" name="テキスト ボックス 20">
+                <a:extLst>
+                  <a:ext uri="{FF2B5EF4-FFF2-40B4-BE49-F238E27FC236}">
+                    <a16:creationId xmlns:a16="http://schemas.microsoft.com/office/drawing/2014/main" id="{B349BC55-A71A-882D-12FF-4B0A6A7F1FBF}"/>
+                  </a:ext>
+                </a:extLst>
+              </p:cNvPr>
+              <p:cNvSpPr txBox="1"/>
+              <p:nvPr/>
+            </p:nvSpPr>
+            <p:spPr>
+              <a:xfrm>
+                <a:off x="6156176" y="1988840"/>
+                <a:ext cx="1893403" cy="523220"/>
+              </a:xfrm>
+              <a:prstGeom prst="rect">
+                <a:avLst/>
+              </a:prstGeom>
+              <a:noFill/>
+            </p:spPr>
+            <p:txBody>
+              <a:bodyPr wrap="none" rtlCol="0">
+                <a:spAutoFit/>
+              </a:bodyPr>
+              <a:lstStyle/>
+              <a:p>
+                <a14:m>
+                  <m:oMath xmlns:m="http://schemas.openxmlformats.org/officeDocument/2006/math">
+                    <m:r>
+                      <a:rPr kumimoji="1" lang="en-US" altLang="ja-JP" sz="2800" b="0" i="1" smtClean="0">
+                        <a:latin typeface="Cambria Math" panose="02040503050406030204" pitchFamily="18" charset="0"/>
+                      </a:rPr>
+                      <m:t>𝑁</m:t>
+                    </m:r>
+                    <m:r>
+                      <a:rPr kumimoji="1" lang="en-US" altLang="ja-JP" sz="2800" b="0" i="1" smtClean="0">
+                        <a:latin typeface="Cambria Math" panose="02040503050406030204" pitchFamily="18" charset="0"/>
+                      </a:rPr>
+                      <m:t>≫1</m:t>
+                    </m:r>
+                  </m:oMath>
+                </a14:m>
+                <a:r>
+                  <a:rPr kumimoji="1" lang="ja-JP" altLang="en-US" sz="2800"/>
+                  <a:t>の時</a:t>
+                </a:r>
+              </a:p>
+            </p:txBody>
+          </p:sp>
+        </mc:Choice>
+        <mc:Fallback>
+          <p:sp>
+            <p:nvSpPr>
+              <p:cNvPr id="21" name="テキスト ボックス 20">
+                <a:extLst>
+                  <a:ext uri="{FF2B5EF4-FFF2-40B4-BE49-F238E27FC236}">
+                    <a16:creationId xmlns:a16="http://schemas.microsoft.com/office/drawing/2014/main" id="{B349BC55-A71A-882D-12FF-4B0A6A7F1FBF}"/>
+                  </a:ext>
+                </a:extLst>
+              </p:cNvPr>
+              <p:cNvSpPr txBox="1">
+                <a:spLocks noRot="1" noChangeAspect="1" noMove="1" noResize="1" noEditPoints="1" noAdjustHandles="1" noChangeArrowheads="1" noChangeShapeType="1" noTextEdit="1"/>
+              </p:cNvSpPr>
+              <p:nvPr/>
+            </p:nvSpPr>
+            <p:spPr>
+              <a:xfrm>
+                <a:off x="6156176" y="1988840"/>
+                <a:ext cx="1893403" cy="523220"/>
+              </a:xfrm>
+              <a:prstGeom prst="rect">
+                <a:avLst/>
+              </a:prstGeom>
+              <a:blipFill>
+                <a:blip r:embed="rId6"/>
+                <a:stretch>
+                  <a:fillRect t="-15116" r="-5806" b="-27907"/>
+                </a:stretch>
+              </a:blipFill>
+            </p:spPr>
+            <p:txBody>
+              <a:bodyPr/>
+              <a:lstStyle/>
+              <a:p>
+                <a:r>
+                  <a:rPr lang="ja-JP" altLang="en-US">
+                    <a:noFill/>
+                  </a:rPr>
+                  <a:t> </a:t>
+                </a:r>
+              </a:p>
+            </p:txBody>
+          </p:sp>
+        </mc:Fallback>
+      </mc:AlternateContent>
+    </p:spTree>
+    <p:extLst>
+      <p:ext uri="{BB962C8B-B14F-4D97-AF65-F5344CB8AC3E}">
+        <p14:creationId xmlns:p14="http://schemas.microsoft.com/office/powerpoint/2010/main" val="3635386921"/>
       </p:ext>
     </p:extLst>
   </p:cSld>
@@ -40142,6 +44151,3392 @@
     <p:extLst>
       <p:ext uri="{BB962C8B-B14F-4D97-AF65-F5344CB8AC3E}">
         <p14:creationId xmlns:p14="http://schemas.microsoft.com/office/powerpoint/2010/main" val="1945714295"/>
+      </p:ext>
+    </p:extLst>
+  </p:cSld>
+  <p:clrMapOvr>
+    <a:masterClrMapping/>
+  </p:clrMapOvr>
+</p:sld>
+</file>
+
+<file path=ppt/slides/slide50.xml><?xml version="1.0" encoding="utf-8"?>
+<p:sld xmlns:a="http://schemas.openxmlformats.org/drawingml/2006/main" xmlns:r="http://schemas.openxmlformats.org/officeDocument/2006/relationships" xmlns:p="http://schemas.openxmlformats.org/presentationml/2006/main">
+  <p:cSld>
+    <p:spTree>
+      <p:nvGrpSpPr>
+        <p:cNvPr id="1" name=""/>
+        <p:cNvGrpSpPr/>
+        <p:nvPr/>
+      </p:nvGrpSpPr>
+      <p:grpSpPr>
+        <a:xfrm>
+          <a:off x="0" y="0"/>
+          <a:ext cx="0" cy="0"/>
+          <a:chOff x="0" y="0"/>
+          <a:chExt cx="0" cy="0"/>
+        </a:xfrm>
+      </p:grpSpPr>
+      <p:sp>
+        <p:nvSpPr>
+          <p:cNvPr id="2" name="テキスト プレースホルダー 1">
+            <a:extLst>
+              <a:ext uri="{FF2B5EF4-FFF2-40B4-BE49-F238E27FC236}">
+                <a16:creationId xmlns:a16="http://schemas.microsoft.com/office/drawing/2014/main" id="{D11DADB3-0490-F407-051A-6CFC5ADBC476}"/>
+              </a:ext>
+            </a:extLst>
+          </p:cNvPr>
+          <p:cNvSpPr>
+            <a:spLocks noGrp="1"/>
+          </p:cNvSpPr>
+          <p:nvPr>
+            <p:ph type="body" sz="quarter" idx="10"/>
+          </p:nvPr>
+        </p:nvSpPr>
+        <p:spPr/>
+        <p:txBody>
+          <a:bodyPr/>
+          <a:lstStyle/>
+          <a:p>
+            <a:r>
+              <a:rPr lang="ja-JP" altLang="en-US"/>
+              <a:t>なぜ温度制御が必要か？</a:t>
+            </a:r>
+            <a:endParaRPr kumimoji="1" lang="ja-JP" altLang="en-US"/>
+          </a:p>
+        </p:txBody>
+      </p:sp>
+      <p:sp>
+        <p:nvSpPr>
+          <p:cNvPr id="3" name="テキスト ボックス 2">
+            <a:extLst>
+              <a:ext uri="{FF2B5EF4-FFF2-40B4-BE49-F238E27FC236}">
+                <a16:creationId xmlns:a16="http://schemas.microsoft.com/office/drawing/2014/main" id="{A39451F1-E858-0AAE-C3A1-847043F59209}"/>
+              </a:ext>
+            </a:extLst>
+          </p:cNvPr>
+          <p:cNvSpPr txBox="1"/>
+          <p:nvPr/>
+        </p:nvSpPr>
+        <p:spPr>
+          <a:xfrm>
+            <a:off x="395536" y="1340768"/>
+            <a:ext cx="8084264" cy="523220"/>
+          </a:xfrm>
+          <a:prstGeom prst="rect">
+            <a:avLst/>
+          </a:prstGeom>
+          <a:noFill/>
+        </p:spPr>
+        <p:txBody>
+          <a:bodyPr wrap="none" rtlCol="0">
+            <a:spAutoFit/>
+          </a:bodyPr>
+          <a:lstStyle/>
+          <a:p>
+            <a:r>
+              <a:rPr kumimoji="1" lang="ja-JP" altLang="en-US" sz="2800"/>
+              <a:t>我々が知りたい量は温度依存性であることが多い</a:t>
+            </a:r>
+          </a:p>
+        </p:txBody>
+      </p:sp>
+      <p:sp>
+        <p:nvSpPr>
+          <p:cNvPr id="4" name="テキスト ボックス 3">
+            <a:extLst>
+              <a:ext uri="{FF2B5EF4-FFF2-40B4-BE49-F238E27FC236}">
+                <a16:creationId xmlns:a16="http://schemas.microsoft.com/office/drawing/2014/main" id="{1D4C9270-AA5F-7ABF-C8E1-2C7934FBF3AD}"/>
+              </a:ext>
+            </a:extLst>
+          </p:cNvPr>
+          <p:cNvSpPr txBox="1"/>
+          <p:nvPr/>
+        </p:nvSpPr>
+        <p:spPr>
+          <a:xfrm>
+            <a:off x="1403648" y="2204864"/>
+            <a:ext cx="6769802" cy="954107"/>
+          </a:xfrm>
+          <a:prstGeom prst="rect">
+            <a:avLst/>
+          </a:prstGeom>
+          <a:noFill/>
+        </p:spPr>
+        <p:txBody>
+          <a:bodyPr wrap="none" rtlCol="0">
+            <a:spAutoFit/>
+          </a:bodyPr>
+          <a:lstStyle/>
+          <a:p>
+            <a:r>
+              <a:rPr kumimoji="1" lang="en-US" altLang="ja-JP" sz="2800"/>
+              <a:t>300K</a:t>
+            </a:r>
+            <a:r>
+              <a:rPr kumimoji="1" lang="ja-JP" altLang="en-US" sz="2800"/>
+              <a:t>における水の圧力は？</a:t>
+            </a:r>
+            <a:endParaRPr kumimoji="1" lang="en-US" altLang="ja-JP" sz="2800"/>
+          </a:p>
+          <a:p>
+            <a:r>
+              <a:rPr kumimoji="1" lang="en-US" altLang="ja-JP" sz="2800"/>
+              <a:t>300K</a:t>
+            </a:r>
+            <a:r>
+              <a:rPr kumimoji="1" lang="ja-JP" altLang="en-US" sz="2800"/>
+              <a:t>におけるポリエチレンの弾性率は？</a:t>
+            </a:r>
+          </a:p>
+        </p:txBody>
+      </p:sp>
+      <mc:AlternateContent xmlns:mc="http://schemas.openxmlformats.org/markup-compatibility/2006">
+        <mc:Choice xmlns:a14="http://schemas.microsoft.com/office/drawing/2010/main" Requires="a14">
+          <p:sp>
+            <p:nvSpPr>
+              <p:cNvPr id="7" name="テキスト ボックス 6">
+                <a:extLst>
+                  <a:ext uri="{FF2B5EF4-FFF2-40B4-BE49-F238E27FC236}">
+                    <a16:creationId xmlns:a16="http://schemas.microsoft.com/office/drawing/2014/main" id="{907701EA-6786-C49B-34D8-B5C1BDEBDA4C}"/>
+                  </a:ext>
+                </a:extLst>
+              </p:cNvPr>
+              <p:cNvSpPr txBox="1"/>
+              <p:nvPr/>
+            </p:nvSpPr>
+            <p:spPr>
+              <a:xfrm>
+                <a:off x="323528" y="3501008"/>
+                <a:ext cx="8568952" cy="1815882"/>
+              </a:xfrm>
+              <a:prstGeom prst="rect">
+                <a:avLst/>
+              </a:prstGeom>
+              <a:noFill/>
+            </p:spPr>
+            <p:txBody>
+              <a:bodyPr wrap="square">
+                <a:spAutoFit/>
+              </a:bodyPr>
+              <a:lstStyle/>
+              <a:p>
+                <a:r>
+                  <a:rPr kumimoji="1" lang="ja-JP" altLang="en-US" sz="2800"/>
+                  <a:t>ミクロカノニカル分布とカノニカル分布は本質的に変わらないので、</a:t>
+                </a:r>
+                <a:r>
+                  <a:rPr kumimoji="1" lang="ja-JP" altLang="en-US" sz="2800">
+                    <a:solidFill>
+                      <a:srgbClr val="FF0000"/>
+                    </a:solidFill>
+                  </a:rPr>
+                  <a:t>興味ある温度</a:t>
+                </a:r>
+                <a14:m>
+                  <m:oMath xmlns:m="http://schemas.openxmlformats.org/officeDocument/2006/math">
+                    <m:r>
+                      <a:rPr kumimoji="1" lang="en-US" altLang="ja-JP" sz="2800" b="0" i="1" smtClean="0">
+                        <a:solidFill>
+                          <a:srgbClr val="FF0000"/>
+                        </a:solidFill>
+                        <a:latin typeface="Cambria Math" panose="02040503050406030204" pitchFamily="18" charset="0"/>
+                      </a:rPr>
+                      <m:t>𝑇</m:t>
+                    </m:r>
+                  </m:oMath>
+                </a14:m>
+                <a:r>
+                  <a:rPr kumimoji="1" lang="ja-JP" altLang="en-US" sz="2800">
+                    <a:solidFill>
+                      <a:srgbClr val="FF0000"/>
+                    </a:solidFill>
+                  </a:rPr>
+                  <a:t>に対応するエネルギー</a:t>
+                </a:r>
+                <a14:m>
+                  <m:oMath xmlns:m="http://schemas.openxmlformats.org/officeDocument/2006/math">
+                    <m:r>
+                      <a:rPr kumimoji="1" lang="en-US" altLang="ja-JP" sz="2800" b="0" i="1" smtClean="0">
+                        <a:solidFill>
+                          <a:srgbClr val="FF0000"/>
+                        </a:solidFill>
+                        <a:latin typeface="Cambria Math" panose="02040503050406030204" pitchFamily="18" charset="0"/>
+                      </a:rPr>
+                      <m:t>𝑈</m:t>
+                    </m:r>
+                    <m:r>
+                      <a:rPr kumimoji="1" lang="en-US" altLang="ja-JP" sz="2800" b="0" i="1" smtClean="0">
+                        <a:solidFill>
+                          <a:srgbClr val="FF0000"/>
+                        </a:solidFill>
+                        <a:latin typeface="Cambria Math" panose="02040503050406030204" pitchFamily="18" charset="0"/>
+                      </a:rPr>
+                      <m:t>(</m:t>
+                    </m:r>
+                    <m:r>
+                      <a:rPr kumimoji="1" lang="en-US" altLang="ja-JP" sz="2800" b="0" i="1" smtClean="0">
+                        <a:solidFill>
+                          <a:srgbClr val="FF0000"/>
+                        </a:solidFill>
+                        <a:latin typeface="Cambria Math" panose="02040503050406030204" pitchFamily="18" charset="0"/>
+                      </a:rPr>
+                      <m:t>𝑇</m:t>
+                    </m:r>
+                    <m:r>
+                      <a:rPr kumimoji="1" lang="en-US" altLang="ja-JP" sz="2800" b="0" i="1" smtClean="0">
+                        <a:solidFill>
+                          <a:srgbClr val="FF0000"/>
+                        </a:solidFill>
+                        <a:latin typeface="Cambria Math" panose="02040503050406030204" pitchFamily="18" charset="0"/>
+                      </a:rPr>
+                      <m:t>)</m:t>
+                    </m:r>
+                  </m:oMath>
+                </a14:m>
+                <a:r>
+                  <a:rPr kumimoji="1" lang="ja-JP" altLang="en-US" sz="2800">
+                    <a:solidFill>
+                      <a:srgbClr val="FF0000"/>
+                    </a:solidFill>
+                  </a:rPr>
+                  <a:t>を持った系</a:t>
+                </a:r>
+                <a:r>
+                  <a:rPr kumimoji="1" lang="ja-JP" altLang="en-US" sz="2800"/>
+                  <a:t>で</a:t>
+                </a:r>
+                <a:r>
+                  <a:rPr kumimoji="1" lang="en-US" altLang="ja-JP" sz="2800"/>
+                  <a:t>NVE</a:t>
+                </a:r>
+                <a:r>
+                  <a:rPr kumimoji="1" lang="ja-JP" altLang="en-US" sz="2800"/>
+                  <a:t>シミュレーションをすれば良い</a:t>
+                </a:r>
+                <a:endParaRPr lang="en-US" altLang="ja-JP" sz="2800"/>
+              </a:p>
+            </p:txBody>
+          </p:sp>
+        </mc:Choice>
+        <mc:Fallback>
+          <p:sp>
+            <p:nvSpPr>
+              <p:cNvPr id="7" name="テキスト ボックス 6">
+                <a:extLst>
+                  <a:ext uri="{FF2B5EF4-FFF2-40B4-BE49-F238E27FC236}">
+                    <a16:creationId xmlns:a16="http://schemas.microsoft.com/office/drawing/2014/main" id="{907701EA-6786-C49B-34D8-B5C1BDEBDA4C}"/>
+                  </a:ext>
+                </a:extLst>
+              </p:cNvPr>
+              <p:cNvSpPr txBox="1">
+                <a:spLocks noRot="1" noChangeAspect="1" noMove="1" noResize="1" noEditPoints="1" noAdjustHandles="1" noChangeArrowheads="1" noChangeShapeType="1" noTextEdit="1"/>
+              </p:cNvSpPr>
+              <p:nvPr/>
+            </p:nvSpPr>
+            <p:spPr>
+              <a:xfrm>
+                <a:off x="323528" y="3501008"/>
+                <a:ext cx="8568952" cy="1815882"/>
+              </a:xfrm>
+              <a:prstGeom prst="rect">
+                <a:avLst/>
+              </a:prstGeom>
+              <a:blipFill>
+                <a:blip r:embed="rId2"/>
+                <a:stretch>
+                  <a:fillRect l="-1422" t="-3356" b="-7383"/>
+                </a:stretch>
+              </a:blipFill>
+            </p:spPr>
+            <p:txBody>
+              <a:bodyPr/>
+              <a:lstStyle/>
+              <a:p>
+                <a:r>
+                  <a:rPr lang="ja-JP" altLang="en-US">
+                    <a:noFill/>
+                  </a:rPr>
+                  <a:t> </a:t>
+                </a:r>
+              </a:p>
+            </p:txBody>
+          </p:sp>
+        </mc:Fallback>
+      </mc:AlternateContent>
+    </p:spTree>
+    <p:extLst>
+      <p:ext uri="{BB962C8B-B14F-4D97-AF65-F5344CB8AC3E}">
+        <p14:creationId xmlns:p14="http://schemas.microsoft.com/office/powerpoint/2010/main" val="3659203570"/>
+      </p:ext>
+    </p:extLst>
+  </p:cSld>
+  <p:clrMapOvr>
+    <a:masterClrMapping/>
+  </p:clrMapOvr>
+</p:sld>
+</file>
+
+<file path=ppt/slides/slide51.xml><?xml version="1.0" encoding="utf-8"?>
+<p:sld xmlns:a="http://schemas.openxmlformats.org/drawingml/2006/main" xmlns:r="http://schemas.openxmlformats.org/officeDocument/2006/relationships" xmlns:p="http://schemas.openxmlformats.org/presentationml/2006/main">
+  <p:cSld>
+    <p:spTree>
+      <p:nvGrpSpPr>
+        <p:cNvPr id="1" name=""/>
+        <p:cNvGrpSpPr/>
+        <p:nvPr/>
+      </p:nvGrpSpPr>
+      <p:grpSpPr>
+        <a:xfrm>
+          <a:off x="0" y="0"/>
+          <a:ext cx="0" cy="0"/>
+          <a:chOff x="0" y="0"/>
+          <a:chExt cx="0" cy="0"/>
+        </a:xfrm>
+      </p:grpSpPr>
+      <p:sp>
+        <p:nvSpPr>
+          <p:cNvPr id="2" name="テキスト プレースホルダー 1">
+            <a:extLst>
+              <a:ext uri="{FF2B5EF4-FFF2-40B4-BE49-F238E27FC236}">
+                <a16:creationId xmlns:a16="http://schemas.microsoft.com/office/drawing/2014/main" id="{B6DF41FB-768D-78C5-6590-E2A4D756006B}"/>
+              </a:ext>
+            </a:extLst>
+          </p:cNvPr>
+          <p:cNvSpPr>
+            <a:spLocks noGrp="1"/>
+          </p:cNvSpPr>
+          <p:nvPr>
+            <p:ph type="body" sz="quarter" idx="10"/>
+          </p:nvPr>
+        </p:nvSpPr>
+        <p:spPr/>
+        <p:txBody>
+          <a:bodyPr/>
+          <a:lstStyle/>
+          <a:p>
+            <a:r>
+              <a:rPr lang="ja-JP" altLang="en-US"/>
+              <a:t>なぜ温度制御が必要か？</a:t>
+            </a:r>
+            <a:endParaRPr kumimoji="1" lang="ja-JP" altLang="en-US"/>
+          </a:p>
+        </p:txBody>
+      </p:sp>
+      <mc:AlternateContent xmlns:mc="http://schemas.openxmlformats.org/markup-compatibility/2006">
+        <mc:Choice xmlns:a14="http://schemas.microsoft.com/office/drawing/2010/main" Requires="a14">
+          <p:sp>
+            <p:nvSpPr>
+              <p:cNvPr id="3" name="テキスト ボックス 2">
+                <a:extLst>
+                  <a:ext uri="{FF2B5EF4-FFF2-40B4-BE49-F238E27FC236}">
+                    <a16:creationId xmlns:a16="http://schemas.microsoft.com/office/drawing/2014/main" id="{AB01F994-5F56-B044-2506-5054E8DD0387}"/>
+                  </a:ext>
+                </a:extLst>
+              </p:cNvPr>
+              <p:cNvSpPr txBox="1"/>
+              <p:nvPr/>
+            </p:nvSpPr>
+            <p:spPr>
+              <a:xfrm>
+                <a:off x="467544" y="1196752"/>
+                <a:ext cx="7065204" cy="1077218"/>
+              </a:xfrm>
+              <a:prstGeom prst="rect">
+                <a:avLst/>
+              </a:prstGeom>
+              <a:noFill/>
+            </p:spPr>
+            <p:txBody>
+              <a:bodyPr wrap="none" rtlCol="0">
+                <a:spAutoFit/>
+              </a:bodyPr>
+              <a:lstStyle/>
+              <a:p>
+                <a:r>
+                  <a:rPr kumimoji="1" lang="ja-JP" altLang="en-US" sz="3200"/>
+                  <a:t>温度</a:t>
+                </a:r>
+                <a14:m>
+                  <m:oMath xmlns:m="http://schemas.openxmlformats.org/officeDocument/2006/math">
+                    <m:r>
+                      <a:rPr kumimoji="1" lang="en-US" altLang="ja-JP" sz="3200" b="0" i="1" smtClean="0">
+                        <a:latin typeface="Cambria Math" panose="02040503050406030204" pitchFamily="18" charset="0"/>
+                      </a:rPr>
+                      <m:t>𝑇</m:t>
+                    </m:r>
+                  </m:oMath>
+                </a14:m>
+                <a:r>
+                  <a:rPr kumimoji="1" lang="ja-JP" altLang="en-US" sz="3200"/>
+                  <a:t>における内部エネルギー</a:t>
+                </a:r>
+                <a14:m>
+                  <m:oMath xmlns:m="http://schemas.openxmlformats.org/officeDocument/2006/math">
+                    <m:r>
+                      <a:rPr kumimoji="1" lang="en-US" altLang="ja-JP" sz="3200" b="0" i="1" smtClean="0">
+                        <a:latin typeface="Cambria Math" panose="02040503050406030204" pitchFamily="18" charset="0"/>
+                      </a:rPr>
+                      <m:t>𝑈</m:t>
+                    </m:r>
+                    <m:r>
+                      <a:rPr kumimoji="1" lang="en-US" altLang="ja-JP" sz="3200" b="0" i="1" smtClean="0">
+                        <a:latin typeface="Cambria Math" panose="02040503050406030204" pitchFamily="18" charset="0"/>
+                      </a:rPr>
+                      <m:t>(</m:t>
+                    </m:r>
+                    <m:r>
+                      <a:rPr kumimoji="1" lang="en-US" altLang="ja-JP" sz="3200" b="0" i="1" smtClean="0">
+                        <a:latin typeface="Cambria Math" panose="02040503050406030204" pitchFamily="18" charset="0"/>
+                      </a:rPr>
+                      <m:t>𝑇</m:t>
+                    </m:r>
+                    <m:r>
+                      <a:rPr kumimoji="1" lang="en-US" altLang="ja-JP" sz="3200" b="0" i="1" smtClean="0">
+                        <a:latin typeface="Cambria Math" panose="02040503050406030204" pitchFamily="18" charset="0"/>
+                      </a:rPr>
+                      <m:t>)</m:t>
+                    </m:r>
+                  </m:oMath>
+                </a14:m>
+                <a:r>
+                  <a:rPr kumimoji="1" lang="ja-JP" altLang="en-US" sz="3200"/>
+                  <a:t>は</a:t>
+                </a:r>
+                <a:endParaRPr kumimoji="1" lang="en-US" altLang="ja-JP" sz="3200"/>
+              </a:p>
+              <a:p>
+                <a:r>
+                  <a:rPr kumimoji="1" lang="ja-JP" altLang="en-US" sz="3200">
+                    <a:solidFill>
+                      <a:srgbClr val="FF0000"/>
+                    </a:solidFill>
+                  </a:rPr>
+                  <a:t>物質により異なる</a:t>
+                </a:r>
+              </a:p>
+            </p:txBody>
+          </p:sp>
+        </mc:Choice>
+        <mc:Fallback>
+          <p:sp>
+            <p:nvSpPr>
+              <p:cNvPr id="3" name="テキスト ボックス 2">
+                <a:extLst>
+                  <a:ext uri="{FF2B5EF4-FFF2-40B4-BE49-F238E27FC236}">
+                    <a16:creationId xmlns:a16="http://schemas.microsoft.com/office/drawing/2014/main" id="{AB01F994-5F56-B044-2506-5054E8DD0387}"/>
+                  </a:ext>
+                </a:extLst>
+              </p:cNvPr>
+              <p:cNvSpPr txBox="1">
+                <a:spLocks noRot="1" noChangeAspect="1" noMove="1" noResize="1" noEditPoints="1" noAdjustHandles="1" noChangeArrowheads="1" noChangeShapeType="1" noTextEdit="1"/>
+              </p:cNvSpPr>
+              <p:nvPr/>
+            </p:nvSpPr>
+            <p:spPr>
+              <a:xfrm>
+                <a:off x="467544" y="1196752"/>
+                <a:ext cx="7065204" cy="1077218"/>
+              </a:xfrm>
+              <a:prstGeom prst="rect">
+                <a:avLst/>
+              </a:prstGeom>
+              <a:blipFill>
+                <a:blip r:embed="rId2"/>
+                <a:stretch>
+                  <a:fillRect l="-2243" t="-9040" r="-1122" b="-15819"/>
+                </a:stretch>
+              </a:blipFill>
+            </p:spPr>
+            <p:txBody>
+              <a:bodyPr/>
+              <a:lstStyle/>
+              <a:p>
+                <a:r>
+                  <a:rPr lang="ja-JP" altLang="en-US">
+                    <a:noFill/>
+                  </a:rPr>
+                  <a:t> </a:t>
+                </a:r>
+              </a:p>
+            </p:txBody>
+          </p:sp>
+        </mc:Fallback>
+      </mc:AlternateContent>
+      <p:pic>
+        <p:nvPicPr>
+          <p:cNvPr id="1026" name="Picture 2" descr="コップと水のイラスト">
+            <a:extLst>
+              <a:ext uri="{FF2B5EF4-FFF2-40B4-BE49-F238E27FC236}">
+                <a16:creationId xmlns:a16="http://schemas.microsoft.com/office/drawing/2014/main" id="{5592A920-9159-B3B9-B1A2-271FD2E75983}"/>
+              </a:ext>
+            </a:extLst>
+          </p:cNvPr>
+          <p:cNvPicPr>
+            <a:picLocks noChangeAspect="1" noChangeArrowheads="1"/>
+          </p:cNvPicPr>
+          <p:nvPr/>
+        </p:nvPicPr>
+        <p:blipFill>
+          <a:blip r:embed="rId3">
+            <a:extLst>
+              <a:ext uri="{28A0092B-C50C-407E-A947-70E740481C1C}">
+                <a14:useLocalDpi xmlns:a14="http://schemas.microsoft.com/office/drawing/2010/main" val="0"/>
+              </a:ext>
+            </a:extLst>
+          </a:blip>
+          <a:srcRect/>
+          <a:stretch>
+            <a:fillRect/>
+          </a:stretch>
+        </p:blipFill>
+        <p:spPr bwMode="auto">
+          <a:xfrm>
+            <a:off x="1691680" y="3543399"/>
+            <a:ext cx="1215079" cy="1760984"/>
+          </a:xfrm>
+          <a:prstGeom prst="rect">
+            <a:avLst/>
+          </a:prstGeom>
+          <a:noFill/>
+          <a:extLst>
+            <a:ext uri="{909E8E84-426E-40DD-AFC4-6F175D3DCCD1}">
+              <a14:hiddenFill xmlns:a14="http://schemas.microsoft.com/office/drawing/2010/main">
+                <a:solidFill>
+                  <a:srgbClr val="FFFFFF"/>
+                </a:solidFill>
+              </a14:hiddenFill>
+            </a:ext>
+          </a:extLst>
+        </p:spPr>
+      </p:pic>
+      <p:pic>
+        <p:nvPicPr>
+          <p:cNvPr id="1028" name="Picture 4" descr="金の延べ棒のイラスト">
+            <a:extLst>
+              <a:ext uri="{FF2B5EF4-FFF2-40B4-BE49-F238E27FC236}">
+                <a16:creationId xmlns:a16="http://schemas.microsoft.com/office/drawing/2014/main" id="{6B22BB38-627D-AD78-09E3-EE9AD29E167B}"/>
+              </a:ext>
+            </a:extLst>
+          </p:cNvPr>
+          <p:cNvPicPr>
+            <a:picLocks noChangeAspect="1" noChangeArrowheads="1"/>
+          </p:cNvPicPr>
+          <p:nvPr/>
+        </p:nvPicPr>
+        <p:blipFill>
+          <a:blip r:embed="rId4">
+            <a:extLst>
+              <a:ext uri="{28A0092B-C50C-407E-A947-70E740481C1C}">
+                <a14:useLocalDpi xmlns:a14="http://schemas.microsoft.com/office/drawing/2010/main" val="0"/>
+              </a:ext>
+            </a:extLst>
+          </a:blip>
+          <a:srcRect/>
+          <a:stretch>
+            <a:fillRect/>
+          </a:stretch>
+        </p:blipFill>
+        <p:spPr bwMode="auto">
+          <a:xfrm>
+            <a:off x="4860032" y="3255367"/>
+            <a:ext cx="2592288" cy="2212085"/>
+          </a:xfrm>
+          <a:prstGeom prst="rect">
+            <a:avLst/>
+          </a:prstGeom>
+          <a:noFill/>
+          <a:extLst>
+            <a:ext uri="{909E8E84-426E-40DD-AFC4-6F175D3DCCD1}">
+              <a14:hiddenFill xmlns:a14="http://schemas.microsoft.com/office/drawing/2010/main">
+                <a:solidFill>
+                  <a:srgbClr val="FFFFFF"/>
+                </a:solidFill>
+              </a14:hiddenFill>
+            </a:ext>
+          </a:extLst>
+        </p:spPr>
+      </p:pic>
+      <p:sp>
+        <p:nvSpPr>
+          <p:cNvPr id="6" name="テキスト ボックス 5">
+            <a:extLst>
+              <a:ext uri="{FF2B5EF4-FFF2-40B4-BE49-F238E27FC236}">
+                <a16:creationId xmlns:a16="http://schemas.microsoft.com/office/drawing/2014/main" id="{517EAC69-C432-957B-B6E9-67BEB4EECC3A}"/>
+              </a:ext>
+            </a:extLst>
+          </p:cNvPr>
+          <p:cNvSpPr txBox="1"/>
+          <p:nvPr/>
+        </p:nvSpPr>
+        <p:spPr>
+          <a:xfrm>
+            <a:off x="4572000" y="5559623"/>
+            <a:ext cx="3449983" cy="461665"/>
+          </a:xfrm>
+          <a:prstGeom prst="rect">
+            <a:avLst/>
+          </a:prstGeom>
+          <a:noFill/>
+        </p:spPr>
+        <p:txBody>
+          <a:bodyPr wrap="none" rtlCol="0">
+            <a:spAutoFit/>
+          </a:bodyPr>
+          <a:lstStyle/>
+          <a:p>
+            <a:r>
+              <a:rPr kumimoji="1" lang="ja-JP" altLang="en-US" sz="2400"/>
+              <a:t>金の比熱：</a:t>
+            </a:r>
+            <a:r>
+              <a:rPr kumimoji="1" lang="en-US" altLang="ja-JP" sz="2400"/>
+              <a:t>130 [J/kg </a:t>
+            </a:r>
+            <a:r>
+              <a:rPr kumimoji="1" lang="ja-JP" altLang="en-US" sz="2400"/>
+              <a:t>℃</a:t>
+            </a:r>
+            <a:r>
+              <a:rPr kumimoji="1" lang="en-US" altLang="ja-JP" sz="2400"/>
+              <a:t>]</a:t>
+            </a:r>
+            <a:endParaRPr kumimoji="1" lang="ja-JP" altLang="en-US" sz="2400"/>
+          </a:p>
+        </p:txBody>
+      </p:sp>
+      <p:sp>
+        <p:nvSpPr>
+          <p:cNvPr id="9" name="テキスト ボックス 8">
+            <a:extLst>
+              <a:ext uri="{FF2B5EF4-FFF2-40B4-BE49-F238E27FC236}">
+                <a16:creationId xmlns:a16="http://schemas.microsoft.com/office/drawing/2014/main" id="{D2694DFF-A7BB-ACB7-FF6C-487F01E1AC56}"/>
+              </a:ext>
+            </a:extLst>
+          </p:cNvPr>
+          <p:cNvSpPr txBox="1"/>
+          <p:nvPr/>
+        </p:nvSpPr>
+        <p:spPr>
+          <a:xfrm>
+            <a:off x="467544" y="5559623"/>
+            <a:ext cx="3621504" cy="461665"/>
+          </a:xfrm>
+          <a:prstGeom prst="rect">
+            <a:avLst/>
+          </a:prstGeom>
+          <a:noFill/>
+        </p:spPr>
+        <p:txBody>
+          <a:bodyPr wrap="none" rtlCol="0">
+            <a:spAutoFit/>
+          </a:bodyPr>
+          <a:lstStyle/>
+          <a:p>
+            <a:r>
+              <a:rPr lang="ja-JP" altLang="en-US" sz="2400"/>
+              <a:t>水の</a:t>
+            </a:r>
+            <a:r>
+              <a:rPr kumimoji="1" lang="ja-JP" altLang="en-US" sz="2400"/>
+              <a:t>比熱：</a:t>
+            </a:r>
+            <a:r>
+              <a:rPr kumimoji="1" lang="en-US" altLang="ja-JP" sz="2400"/>
+              <a:t>4182 [J/kg </a:t>
+            </a:r>
+            <a:r>
+              <a:rPr kumimoji="1" lang="ja-JP" altLang="en-US" sz="2400"/>
+              <a:t>℃</a:t>
+            </a:r>
+            <a:r>
+              <a:rPr kumimoji="1" lang="en-US" altLang="ja-JP" sz="2400"/>
+              <a:t>]</a:t>
+            </a:r>
+            <a:endParaRPr kumimoji="1" lang="ja-JP" altLang="en-US" sz="2400"/>
+          </a:p>
+        </p:txBody>
+      </p:sp>
+      <p:sp>
+        <p:nvSpPr>
+          <p:cNvPr id="10" name="テキスト ボックス 9">
+            <a:extLst>
+              <a:ext uri="{FF2B5EF4-FFF2-40B4-BE49-F238E27FC236}">
+                <a16:creationId xmlns:a16="http://schemas.microsoft.com/office/drawing/2014/main" id="{FE98A298-F010-2316-04EE-017FE22A1D1F}"/>
+              </a:ext>
+            </a:extLst>
+          </p:cNvPr>
+          <p:cNvSpPr txBox="1"/>
+          <p:nvPr/>
+        </p:nvSpPr>
+        <p:spPr>
+          <a:xfrm>
+            <a:off x="395536" y="2492896"/>
+            <a:ext cx="8443337" cy="954107"/>
+          </a:xfrm>
+          <a:prstGeom prst="rect">
+            <a:avLst/>
+          </a:prstGeom>
+          <a:noFill/>
+        </p:spPr>
+        <p:txBody>
+          <a:bodyPr wrap="none" rtlCol="0">
+            <a:spAutoFit/>
+          </a:bodyPr>
+          <a:lstStyle/>
+          <a:p>
+            <a:r>
+              <a:rPr kumimoji="1" lang="ja-JP" altLang="en-US" sz="2800"/>
+              <a:t>同じ温度でも、温まり易い物質はエネルギーが低く</a:t>
+            </a:r>
+            <a:endParaRPr kumimoji="1" lang="en-US" altLang="ja-JP" sz="2800"/>
+          </a:p>
+          <a:p>
+            <a:r>
+              <a:rPr lang="ja-JP" altLang="en-US" sz="2800"/>
+              <a:t>温まり難い物質はエネルギーが高い</a:t>
+            </a:r>
+            <a:endParaRPr kumimoji="1" lang="ja-JP" altLang="en-US" sz="2800"/>
+          </a:p>
+        </p:txBody>
+      </p:sp>
+      <p:sp>
+        <p:nvSpPr>
+          <p:cNvPr id="8" name="テキスト ボックス 7">
+            <a:extLst>
+              <a:ext uri="{FF2B5EF4-FFF2-40B4-BE49-F238E27FC236}">
+                <a16:creationId xmlns:a16="http://schemas.microsoft.com/office/drawing/2014/main" id="{ED189221-4C10-9C6E-1261-60755BB57658}"/>
+              </a:ext>
+            </a:extLst>
+          </p:cNvPr>
+          <p:cNvSpPr txBox="1"/>
+          <p:nvPr/>
+        </p:nvSpPr>
+        <p:spPr>
+          <a:xfrm>
+            <a:off x="4983961" y="6309320"/>
+            <a:ext cx="3044423" cy="369332"/>
+          </a:xfrm>
+          <a:prstGeom prst="rect">
+            <a:avLst/>
+          </a:prstGeom>
+          <a:noFill/>
+        </p:spPr>
+        <p:txBody>
+          <a:bodyPr wrap="none" rtlCol="0">
+            <a:spAutoFit/>
+          </a:bodyPr>
+          <a:lstStyle/>
+          <a:p>
+            <a:r>
+              <a:rPr kumimoji="1" lang="en-US" altLang="ja-JP"/>
+              <a:t>※ </a:t>
+            </a:r>
+            <a:r>
+              <a:rPr kumimoji="1" lang="ja-JP" altLang="en-US"/>
+              <a:t>いずれも</a:t>
+            </a:r>
+            <a:r>
+              <a:rPr kumimoji="1" lang="en-US" altLang="ja-JP"/>
+              <a:t>20</a:t>
+            </a:r>
+            <a:r>
+              <a:rPr kumimoji="1" lang="ja-JP" altLang="en-US"/>
+              <a:t>℃における値</a:t>
+            </a:r>
+          </a:p>
+        </p:txBody>
+      </p:sp>
+    </p:spTree>
+    <p:extLst>
+      <p:ext uri="{BB962C8B-B14F-4D97-AF65-F5344CB8AC3E}">
+        <p14:creationId xmlns:p14="http://schemas.microsoft.com/office/powerpoint/2010/main" val="3546727670"/>
+      </p:ext>
+    </p:extLst>
+  </p:cSld>
+  <p:clrMapOvr>
+    <a:masterClrMapping/>
+  </p:clrMapOvr>
+</p:sld>
+</file>
+
+<file path=ppt/slides/slide52.xml><?xml version="1.0" encoding="utf-8"?>
+<p:sld xmlns:a="http://schemas.openxmlformats.org/drawingml/2006/main" xmlns:r="http://schemas.openxmlformats.org/officeDocument/2006/relationships" xmlns:p="http://schemas.openxmlformats.org/presentationml/2006/main">
+  <p:cSld>
+    <p:spTree>
+      <p:nvGrpSpPr>
+        <p:cNvPr id="1" name=""/>
+        <p:cNvGrpSpPr/>
+        <p:nvPr/>
+      </p:nvGrpSpPr>
+      <p:grpSpPr>
+        <a:xfrm>
+          <a:off x="0" y="0"/>
+          <a:ext cx="0" cy="0"/>
+          <a:chOff x="0" y="0"/>
+          <a:chExt cx="0" cy="0"/>
+        </a:xfrm>
+      </p:grpSpPr>
+      <p:sp>
+        <p:nvSpPr>
+          <p:cNvPr id="2" name="テキスト プレースホルダー 1">
+            <a:extLst>
+              <a:ext uri="{FF2B5EF4-FFF2-40B4-BE49-F238E27FC236}">
+                <a16:creationId xmlns:a16="http://schemas.microsoft.com/office/drawing/2014/main" id="{0F7CF4D3-93B6-72F0-4154-D713FAF1CF14}"/>
+              </a:ext>
+            </a:extLst>
+          </p:cNvPr>
+          <p:cNvSpPr>
+            <a:spLocks noGrp="1"/>
+          </p:cNvSpPr>
+          <p:nvPr>
+            <p:ph type="body" sz="quarter" idx="10"/>
+          </p:nvPr>
+        </p:nvSpPr>
+        <p:spPr/>
+        <p:txBody>
+          <a:bodyPr/>
+          <a:lstStyle/>
+          <a:p>
+            <a:r>
+              <a:rPr lang="ja-JP" altLang="en-US"/>
+              <a:t>なぜ温度制御が必要か？</a:t>
+            </a:r>
+            <a:endParaRPr kumimoji="1" lang="ja-JP" altLang="en-US"/>
+          </a:p>
+        </p:txBody>
+      </p:sp>
+      <mc:AlternateContent xmlns:mc="http://schemas.openxmlformats.org/markup-compatibility/2006">
+        <mc:Choice xmlns:a14="http://schemas.microsoft.com/office/drawing/2010/main" Requires="a14">
+          <p:sp>
+            <p:nvSpPr>
+              <p:cNvPr id="5" name="テキスト ボックス 4">
+                <a:extLst>
+                  <a:ext uri="{FF2B5EF4-FFF2-40B4-BE49-F238E27FC236}">
+                    <a16:creationId xmlns:a16="http://schemas.microsoft.com/office/drawing/2014/main" id="{E3CEC05B-7246-E81F-7055-FBE40BC44E1B}"/>
+                  </a:ext>
+                </a:extLst>
+              </p:cNvPr>
+              <p:cNvSpPr txBox="1"/>
+              <p:nvPr/>
+            </p:nvSpPr>
+            <p:spPr>
+              <a:xfrm>
+                <a:off x="467544" y="1340768"/>
+                <a:ext cx="7725192" cy="954107"/>
+              </a:xfrm>
+              <a:prstGeom prst="rect">
+                <a:avLst/>
+              </a:prstGeom>
+              <a:noFill/>
+            </p:spPr>
+            <p:txBody>
+              <a:bodyPr wrap="none" rtlCol="0">
+                <a:spAutoFit/>
+              </a:bodyPr>
+              <a:lstStyle/>
+              <a:p>
+                <a:r>
+                  <a:rPr kumimoji="1" lang="ja-JP" altLang="en-US" sz="2800"/>
+                  <a:t>ある温度</a:t>
+                </a:r>
+                <a14:m>
+                  <m:oMath xmlns:m="http://schemas.openxmlformats.org/officeDocument/2006/math">
+                    <m:r>
+                      <a:rPr kumimoji="1" lang="en-US" altLang="ja-JP" sz="2800" b="0" i="1" smtClean="0">
+                        <a:latin typeface="Cambria Math" panose="02040503050406030204" pitchFamily="18" charset="0"/>
+                      </a:rPr>
+                      <m:t>𝑇</m:t>
+                    </m:r>
+                    <m:r>
+                      <a:rPr lang="ja-JP" altLang="en-US" sz="2800" i="1">
+                        <a:latin typeface="Cambria Math" panose="02040503050406030204" pitchFamily="18" charset="0"/>
+                      </a:rPr>
+                      <m:t>に</m:t>
+                    </m:r>
+                  </m:oMath>
+                </a14:m>
+                <a:r>
+                  <a:rPr kumimoji="1" lang="ja-JP" altLang="en-US" sz="2800"/>
+                  <a:t>おけるエネルギー</a:t>
+                </a:r>
+                <a14:m>
+                  <m:oMath xmlns:m="http://schemas.openxmlformats.org/officeDocument/2006/math">
+                    <m:r>
+                      <a:rPr kumimoji="1" lang="en-US" altLang="ja-JP" sz="2800" b="0" i="1" smtClean="0">
+                        <a:latin typeface="Cambria Math" panose="02040503050406030204" pitchFamily="18" charset="0"/>
+                      </a:rPr>
+                      <m:t>𝑈</m:t>
+                    </m:r>
+                    <m:r>
+                      <a:rPr kumimoji="1" lang="en-US" altLang="ja-JP" sz="2800" b="0" i="1" smtClean="0">
+                        <a:latin typeface="Cambria Math" panose="02040503050406030204" pitchFamily="18" charset="0"/>
+                      </a:rPr>
+                      <m:t>(</m:t>
+                    </m:r>
+                    <m:r>
+                      <a:rPr kumimoji="1" lang="en-US" altLang="ja-JP" sz="2800" b="0" i="1" smtClean="0">
+                        <a:latin typeface="Cambria Math" panose="02040503050406030204" pitchFamily="18" charset="0"/>
+                      </a:rPr>
+                      <m:t>𝑇</m:t>
+                    </m:r>
+                    <m:r>
+                      <a:rPr kumimoji="1" lang="en-US" altLang="ja-JP" sz="2800" b="0" i="1" smtClean="0">
+                        <a:latin typeface="Cambria Math" panose="02040503050406030204" pitchFamily="18" charset="0"/>
+                      </a:rPr>
+                      <m:t>)</m:t>
+                    </m:r>
+                    <m:r>
+                      <a:rPr lang="ja-JP" altLang="en-US" sz="2800" i="1">
+                        <a:latin typeface="Cambria Math" panose="02040503050406030204" pitchFamily="18" charset="0"/>
+                      </a:rPr>
+                      <m:t>を</m:t>
+                    </m:r>
+                  </m:oMath>
+                </a14:m>
+                <a:r>
+                  <a:rPr kumimoji="1" lang="ja-JP" altLang="en-US" sz="2800"/>
+                  <a:t>知りたい</a:t>
+                </a:r>
+                <a:endParaRPr kumimoji="1" lang="en-US" altLang="ja-JP" sz="2800"/>
+              </a:p>
+              <a:p>
+                <a:r>
+                  <a:rPr kumimoji="1" lang="ja-JP" altLang="en-US" sz="2800"/>
+                  <a:t>比熱が高いほど同じ温度でのエネルギーは高い</a:t>
+                </a:r>
+              </a:p>
+            </p:txBody>
+          </p:sp>
+        </mc:Choice>
+        <mc:Fallback>
+          <p:sp>
+            <p:nvSpPr>
+              <p:cNvPr id="5" name="テキスト ボックス 4">
+                <a:extLst>
+                  <a:ext uri="{FF2B5EF4-FFF2-40B4-BE49-F238E27FC236}">
+                    <a16:creationId xmlns:a16="http://schemas.microsoft.com/office/drawing/2014/main" id="{E3CEC05B-7246-E81F-7055-FBE40BC44E1B}"/>
+                  </a:ext>
+                </a:extLst>
+              </p:cNvPr>
+              <p:cNvSpPr txBox="1">
+                <a:spLocks noRot="1" noChangeAspect="1" noMove="1" noResize="1" noEditPoints="1" noAdjustHandles="1" noChangeArrowheads="1" noChangeShapeType="1" noTextEdit="1"/>
+              </p:cNvSpPr>
+              <p:nvPr/>
+            </p:nvSpPr>
+            <p:spPr>
+              <a:xfrm>
+                <a:off x="467544" y="1340768"/>
+                <a:ext cx="7725192" cy="954107"/>
+              </a:xfrm>
+              <a:prstGeom prst="rect">
+                <a:avLst/>
+              </a:prstGeom>
+              <a:blipFill>
+                <a:blip r:embed="rId2"/>
+                <a:stretch>
+                  <a:fillRect l="-1657" t="-8974" r="-631" b="-15385"/>
+                </a:stretch>
+              </a:blipFill>
+            </p:spPr>
+            <p:txBody>
+              <a:bodyPr/>
+              <a:lstStyle/>
+              <a:p>
+                <a:r>
+                  <a:rPr lang="ja-JP" altLang="en-US">
+                    <a:noFill/>
+                  </a:rPr>
+                  <a:t> </a:t>
+                </a:r>
+              </a:p>
+            </p:txBody>
+          </p:sp>
+        </mc:Fallback>
+      </mc:AlternateContent>
+      <p:sp>
+        <p:nvSpPr>
+          <p:cNvPr id="10" name="テキスト ボックス 9">
+            <a:extLst>
+              <a:ext uri="{FF2B5EF4-FFF2-40B4-BE49-F238E27FC236}">
+                <a16:creationId xmlns:a16="http://schemas.microsoft.com/office/drawing/2014/main" id="{60C08854-BEC2-B233-C555-0701EC25CB6D}"/>
+              </a:ext>
+            </a:extLst>
+          </p:cNvPr>
+          <p:cNvSpPr txBox="1"/>
+          <p:nvPr/>
+        </p:nvSpPr>
+        <p:spPr>
+          <a:xfrm>
+            <a:off x="467544" y="2733428"/>
+            <a:ext cx="7366119" cy="523220"/>
+          </a:xfrm>
+          <a:prstGeom prst="rect">
+            <a:avLst/>
+          </a:prstGeom>
+          <a:noFill/>
+        </p:spPr>
+        <p:txBody>
+          <a:bodyPr wrap="none" rtlCol="0">
+            <a:spAutoFit/>
+          </a:bodyPr>
+          <a:lstStyle/>
+          <a:p>
+            <a:r>
+              <a:rPr kumimoji="1" lang="ja-JP" altLang="en-US" sz="2800"/>
+              <a:t>温度変化に対するエネルギーの変化率が比熱</a:t>
+            </a:r>
+          </a:p>
+        </p:txBody>
+      </p:sp>
+      <mc:AlternateContent xmlns:mc="http://schemas.openxmlformats.org/markup-compatibility/2006">
+        <mc:Choice xmlns:a14="http://schemas.microsoft.com/office/drawing/2010/main" Requires="a14">
+          <p:sp>
+            <p:nvSpPr>
+              <p:cNvPr id="11" name="テキスト ボックス 10">
+                <a:extLst>
+                  <a:ext uri="{FF2B5EF4-FFF2-40B4-BE49-F238E27FC236}">
+                    <a16:creationId xmlns:a16="http://schemas.microsoft.com/office/drawing/2014/main" id="{DE311D4A-869D-D68D-64D3-4735A38644AA}"/>
+                  </a:ext>
+                </a:extLst>
+              </p:cNvPr>
+              <p:cNvSpPr txBox="1"/>
+              <p:nvPr/>
+            </p:nvSpPr>
+            <p:spPr>
+              <a:xfrm>
+                <a:off x="3707904" y="3356992"/>
+                <a:ext cx="1436098" cy="911596"/>
+              </a:xfrm>
+              <a:prstGeom prst="rect">
+                <a:avLst/>
+              </a:prstGeom>
+              <a:noFill/>
+            </p:spPr>
+            <p:txBody>
+              <a:bodyPr wrap="none" rtlCol="0">
+                <a:spAutoFit/>
+              </a:bodyPr>
+              <a:lstStyle/>
+              <a:p>
+                <a14:m>
+                  <m:oMathPara xmlns:m="http://schemas.openxmlformats.org/officeDocument/2006/math">
+                    <m:oMathParaPr>
+                      <m:jc m:val="centerGroup"/>
+                    </m:oMathParaPr>
+                    <m:oMath xmlns:m="http://schemas.openxmlformats.org/officeDocument/2006/math">
+                      <m:r>
+                        <a:rPr kumimoji="1" lang="en-US" altLang="ja-JP" sz="2800" b="0" i="1" smtClean="0">
+                          <a:latin typeface="Cambria Math" panose="02040503050406030204" pitchFamily="18" charset="0"/>
+                        </a:rPr>
+                        <m:t>𝐶</m:t>
+                      </m:r>
+                      <m:r>
+                        <a:rPr kumimoji="1" lang="en-US" altLang="ja-JP" sz="2800" b="0" i="1" smtClean="0">
+                          <a:latin typeface="Cambria Math" panose="02040503050406030204" pitchFamily="18" charset="0"/>
+                        </a:rPr>
+                        <m:t>=</m:t>
+                      </m:r>
+                      <m:f>
+                        <m:fPr>
+                          <m:ctrlPr>
+                            <a:rPr kumimoji="1" lang="en-US" altLang="ja-JP" sz="2800" b="0" i="1" smtClean="0">
+                              <a:latin typeface="Cambria Math" panose="02040503050406030204" pitchFamily="18" charset="0"/>
+                            </a:rPr>
+                          </m:ctrlPr>
+                        </m:fPr>
+                        <m:num>
+                          <m:r>
+                            <a:rPr kumimoji="1" lang="en-US" altLang="ja-JP" sz="2800" b="0" i="1" smtClean="0">
+                              <a:latin typeface="Cambria Math" panose="02040503050406030204" pitchFamily="18" charset="0"/>
+                            </a:rPr>
+                            <m:t>𝜕</m:t>
+                          </m:r>
+                          <m:r>
+                            <a:rPr kumimoji="1" lang="en-US" altLang="ja-JP" sz="2800" b="0" i="1" smtClean="0">
+                              <a:latin typeface="Cambria Math" panose="02040503050406030204" pitchFamily="18" charset="0"/>
+                            </a:rPr>
+                            <m:t>𝑈</m:t>
+                          </m:r>
+                        </m:num>
+                        <m:den>
+                          <m:r>
+                            <a:rPr kumimoji="1" lang="en-US" altLang="ja-JP" sz="2800" b="0" i="1" smtClean="0">
+                              <a:latin typeface="Cambria Math" panose="02040503050406030204" pitchFamily="18" charset="0"/>
+                            </a:rPr>
+                            <m:t>𝜕</m:t>
+                          </m:r>
+                          <m:r>
+                            <a:rPr kumimoji="1" lang="en-US" altLang="ja-JP" sz="2800" b="0" i="1" smtClean="0">
+                              <a:latin typeface="Cambria Math" panose="02040503050406030204" pitchFamily="18" charset="0"/>
+                            </a:rPr>
+                            <m:t>𝑇</m:t>
+                          </m:r>
+                        </m:den>
+                      </m:f>
+                    </m:oMath>
+                  </m:oMathPara>
+                </a14:m>
+                <a:endParaRPr kumimoji="1" lang="ja-JP" altLang="en-US" sz="2800"/>
+              </a:p>
+            </p:txBody>
+          </p:sp>
+        </mc:Choice>
+        <mc:Fallback>
+          <p:sp>
+            <p:nvSpPr>
+              <p:cNvPr id="11" name="テキスト ボックス 10">
+                <a:extLst>
+                  <a:ext uri="{FF2B5EF4-FFF2-40B4-BE49-F238E27FC236}">
+                    <a16:creationId xmlns:a16="http://schemas.microsoft.com/office/drawing/2014/main" id="{DE311D4A-869D-D68D-64D3-4735A38644AA}"/>
+                  </a:ext>
+                </a:extLst>
+              </p:cNvPr>
+              <p:cNvSpPr txBox="1">
+                <a:spLocks noRot="1" noChangeAspect="1" noMove="1" noResize="1" noEditPoints="1" noAdjustHandles="1" noChangeArrowheads="1" noChangeShapeType="1" noTextEdit="1"/>
+              </p:cNvSpPr>
+              <p:nvPr/>
+            </p:nvSpPr>
+            <p:spPr>
+              <a:xfrm>
+                <a:off x="3707904" y="3356992"/>
+                <a:ext cx="1436098" cy="911596"/>
+              </a:xfrm>
+              <a:prstGeom prst="rect">
+                <a:avLst/>
+              </a:prstGeom>
+              <a:blipFill>
+                <a:blip r:embed="rId3"/>
+                <a:stretch>
+                  <a:fillRect/>
+                </a:stretch>
+              </a:blipFill>
+            </p:spPr>
+            <p:txBody>
+              <a:bodyPr/>
+              <a:lstStyle/>
+              <a:p>
+                <a:r>
+                  <a:rPr lang="ja-JP" altLang="en-US">
+                    <a:noFill/>
+                  </a:rPr>
+                  <a:t> </a:t>
+                </a:r>
+              </a:p>
+            </p:txBody>
+          </p:sp>
+        </mc:Fallback>
+      </mc:AlternateContent>
+      <mc:AlternateContent xmlns:mc="http://schemas.openxmlformats.org/markup-compatibility/2006">
+        <mc:Choice xmlns:a14="http://schemas.microsoft.com/office/drawing/2010/main" Requires="a14">
+          <p:sp>
+            <p:nvSpPr>
+              <p:cNvPr id="12" name="テキスト ボックス 11">
+                <a:extLst>
+                  <a:ext uri="{FF2B5EF4-FFF2-40B4-BE49-F238E27FC236}">
+                    <a16:creationId xmlns:a16="http://schemas.microsoft.com/office/drawing/2014/main" id="{F7AAF4F4-B6F6-CF54-67A8-47F204882598}"/>
+                  </a:ext>
+                </a:extLst>
+              </p:cNvPr>
+              <p:cNvSpPr txBox="1"/>
+              <p:nvPr/>
+            </p:nvSpPr>
+            <p:spPr>
+              <a:xfrm>
+                <a:off x="3059832" y="5013176"/>
+                <a:ext cx="2626425" cy="1061381"/>
+              </a:xfrm>
+              <a:prstGeom prst="rect">
+                <a:avLst/>
+              </a:prstGeom>
+              <a:noFill/>
+            </p:spPr>
+            <p:txBody>
+              <a:bodyPr wrap="none" rtlCol="0">
+                <a:spAutoFit/>
+              </a:bodyPr>
+              <a:lstStyle/>
+              <a:p>
+                <a14:m>
+                  <m:oMathPara xmlns:m="http://schemas.openxmlformats.org/officeDocument/2006/math">
+                    <m:oMathParaPr>
+                      <m:jc m:val="centerGroup"/>
+                    </m:oMathParaPr>
+                    <m:oMath xmlns:m="http://schemas.openxmlformats.org/officeDocument/2006/math">
+                      <m:r>
+                        <a:rPr kumimoji="1" lang="en-US" altLang="ja-JP" sz="2800" b="0" i="1" smtClean="0">
+                          <a:latin typeface="Cambria Math" panose="02040503050406030204" pitchFamily="18" charset="0"/>
+                        </a:rPr>
+                        <m:t>𝑈</m:t>
+                      </m:r>
+                      <m:d>
+                        <m:dPr>
+                          <m:ctrlPr>
+                            <a:rPr kumimoji="1" lang="en-US" altLang="ja-JP" sz="2800" b="0" i="1" smtClean="0">
+                              <a:latin typeface="Cambria Math" panose="02040503050406030204" pitchFamily="18" charset="0"/>
+                            </a:rPr>
+                          </m:ctrlPr>
+                        </m:dPr>
+                        <m:e>
+                          <m:r>
+                            <a:rPr kumimoji="1" lang="en-US" altLang="ja-JP" sz="2800" b="0" i="1" smtClean="0">
+                              <a:latin typeface="Cambria Math" panose="02040503050406030204" pitchFamily="18" charset="0"/>
+                            </a:rPr>
+                            <m:t>𝑇</m:t>
+                          </m:r>
+                        </m:e>
+                      </m:d>
+                      <m:r>
+                        <a:rPr kumimoji="1" lang="en-US" altLang="ja-JP" sz="2800" b="0" i="1" smtClean="0">
+                          <a:latin typeface="Cambria Math" panose="02040503050406030204" pitchFamily="18" charset="0"/>
+                        </a:rPr>
+                        <m:t>=</m:t>
+                      </m:r>
+                      <m:nary>
+                        <m:naryPr>
+                          <m:ctrlPr>
+                            <a:rPr kumimoji="1" lang="en-US" altLang="ja-JP" sz="2800" b="0" i="1" smtClean="0">
+                              <a:latin typeface="Cambria Math" panose="02040503050406030204" pitchFamily="18" charset="0"/>
+                            </a:rPr>
+                          </m:ctrlPr>
+                        </m:naryPr>
+                        <m:sub>
+                          <m:r>
+                            <m:rPr>
+                              <m:brk m:alnAt="23"/>
+                            </m:rPr>
+                            <a:rPr kumimoji="1" lang="en-US" altLang="ja-JP" sz="2800" b="0" i="1" smtClean="0">
+                              <a:latin typeface="Cambria Math" panose="02040503050406030204" pitchFamily="18" charset="0"/>
+                            </a:rPr>
+                            <m:t>0</m:t>
+                          </m:r>
+                        </m:sub>
+                        <m:sup>
+                          <m:r>
+                            <a:rPr kumimoji="1" lang="en-US" altLang="ja-JP" sz="2800" b="0" i="1" smtClean="0">
+                              <a:latin typeface="Cambria Math" panose="02040503050406030204" pitchFamily="18" charset="0"/>
+                            </a:rPr>
+                            <m:t>𝑇</m:t>
+                          </m:r>
+                        </m:sup>
+                        <m:e>
+                          <m:r>
+                            <a:rPr kumimoji="1" lang="en-US" altLang="ja-JP" sz="2800" b="0" i="1" smtClean="0">
+                              <a:latin typeface="Cambria Math" panose="02040503050406030204" pitchFamily="18" charset="0"/>
+                            </a:rPr>
+                            <m:t>𝐶𝑑𝑇</m:t>
+                          </m:r>
+                        </m:e>
+                      </m:nary>
+                    </m:oMath>
+                  </m:oMathPara>
+                </a14:m>
+                <a:endParaRPr kumimoji="1" lang="ja-JP" altLang="en-US" sz="2800"/>
+              </a:p>
+            </p:txBody>
+          </p:sp>
+        </mc:Choice>
+        <mc:Fallback>
+          <p:sp>
+            <p:nvSpPr>
+              <p:cNvPr id="12" name="テキスト ボックス 11">
+                <a:extLst>
+                  <a:ext uri="{FF2B5EF4-FFF2-40B4-BE49-F238E27FC236}">
+                    <a16:creationId xmlns:a16="http://schemas.microsoft.com/office/drawing/2014/main" id="{F7AAF4F4-B6F6-CF54-67A8-47F204882598}"/>
+                  </a:ext>
+                </a:extLst>
+              </p:cNvPr>
+              <p:cNvSpPr txBox="1">
+                <a:spLocks noRot="1" noChangeAspect="1" noMove="1" noResize="1" noEditPoints="1" noAdjustHandles="1" noChangeArrowheads="1" noChangeShapeType="1" noTextEdit="1"/>
+              </p:cNvSpPr>
+              <p:nvPr/>
+            </p:nvSpPr>
+            <p:spPr>
+              <a:xfrm>
+                <a:off x="3059832" y="5013176"/>
+                <a:ext cx="2626425" cy="1061381"/>
+              </a:xfrm>
+              <a:prstGeom prst="rect">
+                <a:avLst/>
+              </a:prstGeom>
+              <a:blipFill>
+                <a:blip r:embed="rId4"/>
+                <a:stretch>
+                  <a:fillRect/>
+                </a:stretch>
+              </a:blipFill>
+            </p:spPr>
+            <p:txBody>
+              <a:bodyPr/>
+              <a:lstStyle/>
+              <a:p>
+                <a:r>
+                  <a:rPr lang="ja-JP" altLang="en-US">
+                    <a:noFill/>
+                  </a:rPr>
+                  <a:t> </a:t>
+                </a:r>
+              </a:p>
+            </p:txBody>
+          </p:sp>
+        </mc:Fallback>
+      </mc:AlternateContent>
+      <p:sp>
+        <p:nvSpPr>
+          <p:cNvPr id="13" name="テキスト ボックス 12">
+            <a:extLst>
+              <a:ext uri="{FF2B5EF4-FFF2-40B4-BE49-F238E27FC236}">
+                <a16:creationId xmlns:a16="http://schemas.microsoft.com/office/drawing/2014/main" id="{F1F44EE4-36E1-958D-AE3C-C237AE49807F}"/>
+              </a:ext>
+            </a:extLst>
+          </p:cNvPr>
+          <p:cNvSpPr txBox="1"/>
+          <p:nvPr/>
+        </p:nvSpPr>
+        <p:spPr>
+          <a:xfrm>
+            <a:off x="539552" y="4365104"/>
+            <a:ext cx="5929828" cy="523220"/>
+          </a:xfrm>
+          <a:prstGeom prst="rect">
+            <a:avLst/>
+          </a:prstGeom>
+          <a:noFill/>
+        </p:spPr>
+        <p:txBody>
+          <a:bodyPr wrap="none" rtlCol="0">
+            <a:spAutoFit/>
+          </a:bodyPr>
+          <a:lstStyle/>
+          <a:p>
+            <a:r>
+              <a:rPr lang="ja-JP" altLang="en-US" sz="2800"/>
+              <a:t>それを積分したものが全エネルギー</a:t>
+            </a:r>
+            <a:endParaRPr kumimoji="1" lang="ja-JP" altLang="en-US" sz="2800"/>
+          </a:p>
+        </p:txBody>
+      </p:sp>
+      <p:sp>
+        <p:nvSpPr>
+          <p:cNvPr id="14" name="四角形: 角を丸くする 13">
+            <a:extLst>
+              <a:ext uri="{FF2B5EF4-FFF2-40B4-BE49-F238E27FC236}">
+                <a16:creationId xmlns:a16="http://schemas.microsoft.com/office/drawing/2014/main" id="{637B0298-DB7C-6EF8-56CA-E7761D1E4713}"/>
+              </a:ext>
+            </a:extLst>
+          </p:cNvPr>
+          <p:cNvSpPr/>
+          <p:nvPr/>
+        </p:nvSpPr>
+        <p:spPr>
+          <a:xfrm>
+            <a:off x="3131840" y="5085184"/>
+            <a:ext cx="864096" cy="864096"/>
+          </a:xfrm>
+          <a:prstGeom prst="roundRect">
+            <a:avLst/>
+          </a:prstGeom>
+          <a:noFill/>
+          <a:ln w="38100">
+            <a:solidFill>
+              <a:srgbClr val="FF0000"/>
+            </a:solidFill>
+            <a:prstDash val="dash"/>
+          </a:ln>
+        </p:spPr>
+        <p:style>
+          <a:lnRef idx="2">
+            <a:schemeClr val="accent1">
+              <a:shade val="50000"/>
+            </a:schemeClr>
+          </a:lnRef>
+          <a:fillRef idx="1">
+            <a:schemeClr val="accent1"/>
+          </a:fillRef>
+          <a:effectRef idx="0">
+            <a:schemeClr val="accent1"/>
+          </a:effectRef>
+          <a:fontRef idx="minor">
+            <a:schemeClr val="lt1"/>
+          </a:fontRef>
+        </p:style>
+        <p:txBody>
+          <a:bodyPr rtlCol="0" anchor="ctr"/>
+          <a:lstStyle/>
+          <a:p>
+            <a:pPr algn="ctr"/>
+            <a:endParaRPr kumimoji="1" lang="ja-JP" altLang="en-US"/>
+          </a:p>
+        </p:txBody>
+      </p:sp>
+      <p:sp>
+        <p:nvSpPr>
+          <p:cNvPr id="15" name="テキスト ボックス 14">
+            <a:extLst>
+              <a:ext uri="{FF2B5EF4-FFF2-40B4-BE49-F238E27FC236}">
+                <a16:creationId xmlns:a16="http://schemas.microsoft.com/office/drawing/2014/main" id="{1CAC4664-D650-435C-6CED-3538E5186367}"/>
+              </a:ext>
+            </a:extLst>
+          </p:cNvPr>
+          <p:cNvSpPr txBox="1"/>
+          <p:nvPr/>
+        </p:nvSpPr>
+        <p:spPr>
+          <a:xfrm>
+            <a:off x="5004048" y="6165304"/>
+            <a:ext cx="2031325" cy="369332"/>
+          </a:xfrm>
+          <a:prstGeom prst="rect">
+            <a:avLst/>
+          </a:prstGeom>
+          <a:noFill/>
+        </p:spPr>
+        <p:txBody>
+          <a:bodyPr wrap="none" rtlCol="0">
+            <a:spAutoFit/>
+          </a:bodyPr>
+          <a:lstStyle/>
+          <a:p>
+            <a:r>
+              <a:rPr kumimoji="1" lang="ja-JP" altLang="en-US"/>
+              <a:t>この量を知りたい</a:t>
+            </a:r>
+          </a:p>
+        </p:txBody>
+      </p:sp>
+      <p:cxnSp>
+        <p:nvCxnSpPr>
+          <p:cNvPr id="17" name="コネクタ: カギ線 16">
+            <a:extLst>
+              <a:ext uri="{FF2B5EF4-FFF2-40B4-BE49-F238E27FC236}">
+                <a16:creationId xmlns:a16="http://schemas.microsoft.com/office/drawing/2014/main" id="{C91083C6-AD7E-6FC7-21FE-07C9D664D97B}"/>
+              </a:ext>
+            </a:extLst>
+          </p:cNvPr>
+          <p:cNvCxnSpPr>
+            <a:stCxn id="15" idx="1"/>
+            <a:endCxn id="14" idx="2"/>
+          </p:cNvCxnSpPr>
+          <p:nvPr/>
+        </p:nvCxnSpPr>
+        <p:spPr>
+          <a:xfrm rot="10800000">
+            <a:off x="3563888" y="5949280"/>
+            <a:ext cx="1440160" cy="400690"/>
+          </a:xfrm>
+          <a:prstGeom prst="bentConnector2">
+            <a:avLst/>
+          </a:prstGeom>
+          <a:ln>
+            <a:solidFill>
+              <a:schemeClr val="tx1"/>
+            </a:solidFill>
+            <a:headEnd type="none" w="med" len="med"/>
+            <a:tailEnd type="triangle"/>
+          </a:ln>
+        </p:spPr>
+        <p:style>
+          <a:lnRef idx="1">
+            <a:schemeClr val="accent1"/>
+          </a:lnRef>
+          <a:fillRef idx="0">
+            <a:schemeClr val="accent1"/>
+          </a:fillRef>
+          <a:effectRef idx="0">
+            <a:schemeClr val="accent1"/>
+          </a:effectRef>
+          <a:fontRef idx="minor">
+            <a:schemeClr val="tx1"/>
+          </a:fontRef>
+        </p:style>
+      </p:cxnSp>
+    </p:spTree>
+    <p:extLst>
+      <p:ext uri="{BB962C8B-B14F-4D97-AF65-F5344CB8AC3E}">
+        <p14:creationId xmlns:p14="http://schemas.microsoft.com/office/powerpoint/2010/main" val="2697730651"/>
+      </p:ext>
+    </p:extLst>
+  </p:cSld>
+  <p:clrMapOvr>
+    <a:masterClrMapping/>
+  </p:clrMapOvr>
+</p:sld>
+</file>
+
+<file path=ppt/slides/slide53.xml><?xml version="1.0" encoding="utf-8"?>
+<p:sld xmlns:a="http://schemas.openxmlformats.org/drawingml/2006/main" xmlns:r="http://schemas.openxmlformats.org/officeDocument/2006/relationships" xmlns:p="http://schemas.openxmlformats.org/presentationml/2006/main">
+  <p:cSld>
+    <p:spTree>
+      <p:nvGrpSpPr>
+        <p:cNvPr id="1" name=""/>
+        <p:cNvGrpSpPr/>
+        <p:nvPr/>
+      </p:nvGrpSpPr>
+      <p:grpSpPr>
+        <a:xfrm>
+          <a:off x="0" y="0"/>
+          <a:ext cx="0" cy="0"/>
+          <a:chOff x="0" y="0"/>
+          <a:chExt cx="0" cy="0"/>
+        </a:xfrm>
+      </p:grpSpPr>
+      <p:sp>
+        <p:nvSpPr>
+          <p:cNvPr id="2" name="テキスト プレースホルダー 1">
+            <a:extLst>
+              <a:ext uri="{FF2B5EF4-FFF2-40B4-BE49-F238E27FC236}">
+                <a16:creationId xmlns:a16="http://schemas.microsoft.com/office/drawing/2014/main" id="{9C8BCA30-3682-3BF3-7666-7E2B5D1D91CE}"/>
+              </a:ext>
+            </a:extLst>
+          </p:cNvPr>
+          <p:cNvSpPr>
+            <a:spLocks noGrp="1"/>
+          </p:cNvSpPr>
+          <p:nvPr>
+            <p:ph type="body" sz="quarter" idx="10"/>
+          </p:nvPr>
+        </p:nvSpPr>
+        <p:spPr/>
+        <p:txBody>
+          <a:bodyPr/>
+          <a:lstStyle/>
+          <a:p>
+            <a:r>
+              <a:rPr lang="ja-JP" altLang="en-US"/>
+              <a:t>なぜ温度制御が必要か？</a:t>
+            </a:r>
+            <a:endParaRPr kumimoji="1" lang="ja-JP" altLang="en-US"/>
+          </a:p>
+        </p:txBody>
+      </p:sp>
+      <mc:AlternateContent xmlns:mc="http://schemas.openxmlformats.org/markup-compatibility/2006">
+        <mc:Choice xmlns:a14="http://schemas.microsoft.com/office/drawing/2010/main" Requires="a14">
+          <p:sp>
+            <p:nvSpPr>
+              <p:cNvPr id="3" name="テキスト ボックス 2">
+                <a:extLst>
+                  <a:ext uri="{FF2B5EF4-FFF2-40B4-BE49-F238E27FC236}">
+                    <a16:creationId xmlns:a16="http://schemas.microsoft.com/office/drawing/2014/main" id="{92BD1205-EF30-0E57-F8EA-048A08825716}"/>
+                  </a:ext>
+                </a:extLst>
+              </p:cNvPr>
+              <p:cNvSpPr txBox="1"/>
+              <p:nvPr/>
+            </p:nvSpPr>
+            <p:spPr>
+              <a:xfrm>
+                <a:off x="1259632" y="1484784"/>
+                <a:ext cx="5852949" cy="1222514"/>
+              </a:xfrm>
+              <a:prstGeom prst="rect">
+                <a:avLst/>
+              </a:prstGeom>
+              <a:noFill/>
+            </p:spPr>
+            <p:txBody>
+              <a:bodyPr wrap="none" rtlCol="0">
+                <a:spAutoFit/>
+              </a:bodyPr>
+              <a:lstStyle/>
+              <a:p>
+                <a14:m>
+                  <m:oMathPara xmlns:m="http://schemas.openxmlformats.org/officeDocument/2006/math">
+                    <m:oMathParaPr>
+                      <m:jc m:val="centerGroup"/>
+                    </m:oMathParaPr>
+                    <m:oMath xmlns:m="http://schemas.openxmlformats.org/officeDocument/2006/math">
+                      <m:r>
+                        <a:rPr kumimoji="1" lang="en-US" altLang="ja-JP" sz="2800" b="0" i="1" smtClean="0">
+                          <a:latin typeface="Cambria Math" panose="02040503050406030204" pitchFamily="18" charset="0"/>
+                        </a:rPr>
+                        <m:t>𝑈</m:t>
+                      </m:r>
+                      <m:d>
+                        <m:dPr>
+                          <m:ctrlPr>
+                            <a:rPr kumimoji="1" lang="en-US" altLang="ja-JP" sz="2800" b="0" i="1" smtClean="0">
+                              <a:latin typeface="Cambria Math" panose="02040503050406030204" pitchFamily="18" charset="0"/>
+                            </a:rPr>
+                          </m:ctrlPr>
+                        </m:dPr>
+                        <m:e>
+                          <m:r>
+                            <a:rPr kumimoji="1" lang="en-US" altLang="ja-JP" sz="2800" b="0" i="1" smtClean="0">
+                              <a:latin typeface="Cambria Math" panose="02040503050406030204" pitchFamily="18" charset="0"/>
+                            </a:rPr>
+                            <m:t>𝑇</m:t>
+                          </m:r>
+                        </m:e>
+                      </m:d>
+                      <m:r>
+                        <a:rPr kumimoji="1" lang="en-US" altLang="ja-JP" sz="2800" b="0" i="1" smtClean="0">
+                          <a:latin typeface="Cambria Math" panose="02040503050406030204" pitchFamily="18" charset="0"/>
+                        </a:rPr>
+                        <m:t>≡</m:t>
+                      </m:r>
+                      <m:d>
+                        <m:dPr>
+                          <m:begChr m:val="⟨"/>
+                          <m:endChr m:val="⟩"/>
+                          <m:ctrlPr>
+                            <a:rPr kumimoji="1" lang="en-US" altLang="ja-JP" sz="2800" b="0" i="1" smtClean="0">
+                              <a:latin typeface="Cambria Math" panose="02040503050406030204" pitchFamily="18" charset="0"/>
+                            </a:rPr>
+                          </m:ctrlPr>
+                        </m:dPr>
+                        <m:e>
+                          <m:r>
+                            <a:rPr kumimoji="1" lang="en-US" altLang="ja-JP" sz="2800" b="0" i="1" smtClean="0">
+                              <a:latin typeface="Cambria Math" panose="02040503050406030204" pitchFamily="18" charset="0"/>
+                            </a:rPr>
+                            <m:t>𝐻</m:t>
+                          </m:r>
+                        </m:e>
+                      </m:d>
+                      <m:r>
+                        <a:rPr kumimoji="1" lang="en-US" altLang="ja-JP" sz="2800" b="0" i="1" smtClean="0">
+                          <a:latin typeface="Cambria Math" panose="02040503050406030204" pitchFamily="18" charset="0"/>
+                        </a:rPr>
+                        <m:t>=</m:t>
+                      </m:r>
+                      <m:sSup>
+                        <m:sSupPr>
+                          <m:ctrlPr>
+                            <a:rPr kumimoji="1" lang="en-US" altLang="ja-JP" sz="2800" b="0" i="1" smtClean="0">
+                              <a:latin typeface="Cambria Math" panose="02040503050406030204" pitchFamily="18" charset="0"/>
+                            </a:rPr>
+                          </m:ctrlPr>
+                        </m:sSupPr>
+                        <m:e>
+                          <m:r>
+                            <a:rPr kumimoji="1" lang="en-US" altLang="ja-JP" sz="2800" b="0" i="1" smtClean="0">
+                              <a:latin typeface="Cambria Math" panose="02040503050406030204" pitchFamily="18" charset="0"/>
+                            </a:rPr>
+                            <m:t>𝑍</m:t>
+                          </m:r>
+                        </m:e>
+                        <m:sup>
+                          <m:r>
+                            <a:rPr kumimoji="1" lang="en-US" altLang="ja-JP" sz="2800" b="0" i="1" smtClean="0">
+                              <a:latin typeface="Cambria Math" panose="02040503050406030204" pitchFamily="18" charset="0"/>
+                            </a:rPr>
+                            <m:t>−1</m:t>
+                          </m:r>
+                        </m:sup>
+                      </m:sSup>
+                      <m:nary>
+                        <m:naryPr>
+                          <m:limLoc m:val="undOvr"/>
+                          <m:subHide m:val="on"/>
+                          <m:supHide m:val="on"/>
+                          <m:ctrlPr>
+                            <a:rPr kumimoji="1" lang="en-US" altLang="ja-JP" sz="2800" b="0" i="1" smtClean="0">
+                              <a:latin typeface="Cambria Math" panose="02040503050406030204" pitchFamily="18" charset="0"/>
+                            </a:rPr>
+                          </m:ctrlPr>
+                        </m:naryPr>
+                        <m:sub/>
+                        <m:sup/>
+                        <m:e>
+                          <m:r>
+                            <a:rPr kumimoji="1" lang="en-US" altLang="ja-JP" sz="2800" b="0" i="1" smtClean="0">
+                              <a:latin typeface="Cambria Math" panose="02040503050406030204" pitchFamily="18" charset="0"/>
+                            </a:rPr>
+                            <m:t>𝐻</m:t>
+                          </m:r>
+                          <m:func>
+                            <m:funcPr>
+                              <m:ctrlPr>
+                                <a:rPr kumimoji="1" lang="en-US" altLang="ja-JP" sz="2800" b="0" i="1" smtClean="0">
+                                  <a:latin typeface="Cambria Math" panose="02040503050406030204" pitchFamily="18" charset="0"/>
+                                </a:rPr>
+                              </m:ctrlPr>
+                            </m:funcPr>
+                            <m:fName>
+                              <m:r>
+                                <m:rPr>
+                                  <m:sty m:val="p"/>
+                                </m:rPr>
+                                <a:rPr kumimoji="1" lang="en-US" altLang="ja-JP" sz="2800" b="0" i="0" smtClean="0">
+                                  <a:latin typeface="Cambria Math" panose="02040503050406030204" pitchFamily="18" charset="0"/>
+                                </a:rPr>
+                                <m:t>exp</m:t>
+                              </m:r>
+                            </m:fName>
+                            <m:e>
+                              <m:d>
+                                <m:dPr>
+                                  <m:ctrlPr>
+                                    <a:rPr kumimoji="1" lang="en-US" altLang="ja-JP" sz="2800" b="0" i="1" smtClean="0">
+                                      <a:latin typeface="Cambria Math" panose="02040503050406030204" pitchFamily="18" charset="0"/>
+                                    </a:rPr>
+                                  </m:ctrlPr>
+                                </m:dPr>
+                                <m:e>
+                                  <m:r>
+                                    <a:rPr kumimoji="1" lang="en-US" altLang="ja-JP" sz="2800" b="0" i="1" smtClean="0">
+                                      <a:latin typeface="Cambria Math" panose="02040503050406030204" pitchFamily="18" charset="0"/>
+                                    </a:rPr>
+                                    <m:t>−</m:t>
+                                  </m:r>
+                                  <m:r>
+                                    <a:rPr kumimoji="1" lang="en-US" altLang="ja-JP" sz="2800" b="0" i="1" smtClean="0">
+                                      <a:latin typeface="Cambria Math" panose="02040503050406030204" pitchFamily="18" charset="0"/>
+                                    </a:rPr>
+                                    <m:t>𝛽</m:t>
+                                  </m:r>
+                                  <m:r>
+                                    <a:rPr kumimoji="1" lang="en-US" altLang="ja-JP" sz="2800" b="0" i="1" smtClean="0">
+                                      <a:latin typeface="Cambria Math" panose="02040503050406030204" pitchFamily="18" charset="0"/>
+                                    </a:rPr>
+                                    <m:t>𝐻</m:t>
+                                  </m:r>
+                                </m:e>
+                              </m:d>
+                              <m:r>
+                                <a:rPr kumimoji="1" lang="en-US" altLang="ja-JP" sz="2800" b="0" i="1" smtClean="0">
+                                  <a:latin typeface="Cambria Math" panose="02040503050406030204" pitchFamily="18" charset="0"/>
+                                </a:rPr>
+                                <m:t>𝑑</m:t>
+                              </m:r>
+                              <m:r>
+                                <m:rPr>
+                                  <m:sty m:val="p"/>
+                                </m:rPr>
+                                <a:rPr kumimoji="1" lang="en-US" altLang="ja-JP" sz="2800" b="0" i="0" smtClean="0">
+                                  <a:latin typeface="Cambria Math" panose="02040503050406030204" pitchFamily="18" charset="0"/>
+                                </a:rPr>
+                                <m:t>Γ</m:t>
+                              </m:r>
+                            </m:e>
+                          </m:func>
+                        </m:e>
+                      </m:nary>
+                    </m:oMath>
+                  </m:oMathPara>
+                </a14:m>
+                <a:endParaRPr kumimoji="1" lang="ja-JP" altLang="en-US" sz="2800"/>
+              </a:p>
+            </p:txBody>
+          </p:sp>
+        </mc:Choice>
+        <mc:Fallback>
+          <p:sp>
+            <p:nvSpPr>
+              <p:cNvPr id="3" name="テキスト ボックス 2">
+                <a:extLst>
+                  <a:ext uri="{FF2B5EF4-FFF2-40B4-BE49-F238E27FC236}">
+                    <a16:creationId xmlns:a16="http://schemas.microsoft.com/office/drawing/2014/main" id="{92BD1205-EF30-0E57-F8EA-048A08825716}"/>
+                  </a:ext>
+                </a:extLst>
+              </p:cNvPr>
+              <p:cNvSpPr txBox="1">
+                <a:spLocks noRot="1" noChangeAspect="1" noMove="1" noResize="1" noEditPoints="1" noAdjustHandles="1" noChangeArrowheads="1" noChangeShapeType="1" noTextEdit="1"/>
+              </p:cNvSpPr>
+              <p:nvPr/>
+            </p:nvSpPr>
+            <p:spPr>
+              <a:xfrm>
+                <a:off x="1259632" y="1484784"/>
+                <a:ext cx="5852949" cy="1222514"/>
+              </a:xfrm>
+              <a:prstGeom prst="rect">
+                <a:avLst/>
+              </a:prstGeom>
+              <a:blipFill>
+                <a:blip r:embed="rId2"/>
+                <a:stretch>
+                  <a:fillRect/>
+                </a:stretch>
+              </a:blipFill>
+            </p:spPr>
+            <p:txBody>
+              <a:bodyPr/>
+              <a:lstStyle/>
+              <a:p>
+                <a:r>
+                  <a:rPr lang="ja-JP" altLang="en-US">
+                    <a:noFill/>
+                  </a:rPr>
+                  <a:t> </a:t>
+                </a:r>
+              </a:p>
+            </p:txBody>
+          </p:sp>
+        </mc:Fallback>
+      </mc:AlternateContent>
+      <p:sp>
+        <p:nvSpPr>
+          <p:cNvPr id="4" name="テキスト ボックス 3">
+            <a:extLst>
+              <a:ext uri="{FF2B5EF4-FFF2-40B4-BE49-F238E27FC236}">
+                <a16:creationId xmlns:a16="http://schemas.microsoft.com/office/drawing/2014/main" id="{D1AC3638-1655-0E0F-1223-8B89EE8B9434}"/>
+              </a:ext>
+            </a:extLst>
+          </p:cNvPr>
+          <p:cNvSpPr txBox="1"/>
+          <p:nvPr/>
+        </p:nvSpPr>
+        <p:spPr>
+          <a:xfrm>
+            <a:off x="755576" y="1052736"/>
+            <a:ext cx="3775393" cy="523220"/>
+          </a:xfrm>
+          <a:prstGeom prst="rect">
+            <a:avLst/>
+          </a:prstGeom>
+          <a:noFill/>
+        </p:spPr>
+        <p:txBody>
+          <a:bodyPr wrap="none" rtlCol="0">
+            <a:spAutoFit/>
+          </a:bodyPr>
+          <a:lstStyle/>
+          <a:p>
+            <a:r>
+              <a:rPr lang="ja-JP" altLang="en-US" sz="2800"/>
+              <a:t>内部エネルギーの定義</a:t>
+            </a:r>
+            <a:endParaRPr kumimoji="1" lang="ja-JP" altLang="en-US" sz="2800"/>
+          </a:p>
+        </p:txBody>
+      </p:sp>
+      <mc:AlternateContent xmlns:mc="http://schemas.openxmlformats.org/markup-compatibility/2006">
+        <mc:Choice xmlns:a14="http://schemas.microsoft.com/office/drawing/2010/main" Requires="a14">
+          <p:sp>
+            <p:nvSpPr>
+              <p:cNvPr id="5" name="テキスト ボックス 4">
+                <a:extLst>
+                  <a:ext uri="{FF2B5EF4-FFF2-40B4-BE49-F238E27FC236}">
+                    <a16:creationId xmlns:a16="http://schemas.microsoft.com/office/drawing/2014/main" id="{751BCE2F-06AE-F2A1-23AE-36F8DCA5549D}"/>
+                  </a:ext>
+                </a:extLst>
+              </p:cNvPr>
+              <p:cNvSpPr txBox="1"/>
+              <p:nvPr/>
+            </p:nvSpPr>
+            <p:spPr>
+              <a:xfrm>
+                <a:off x="1828865" y="3212976"/>
+                <a:ext cx="3327258" cy="1222514"/>
+              </a:xfrm>
+              <a:prstGeom prst="rect">
+                <a:avLst/>
+              </a:prstGeom>
+              <a:noFill/>
+            </p:spPr>
+            <p:txBody>
+              <a:bodyPr wrap="none" rtlCol="0">
+                <a:spAutoFit/>
+              </a:bodyPr>
+              <a:lstStyle/>
+              <a:p>
+                <a14:m>
+                  <m:oMathPara xmlns:m="http://schemas.openxmlformats.org/officeDocument/2006/math">
+                    <m:oMathParaPr>
+                      <m:jc m:val="centerGroup"/>
+                    </m:oMathParaPr>
+                    <m:oMath xmlns:m="http://schemas.openxmlformats.org/officeDocument/2006/math">
+                      <m:r>
+                        <a:rPr kumimoji="1" lang="en-US" altLang="ja-JP" sz="2800" b="0" i="1" smtClean="0">
+                          <a:latin typeface="Cambria Math" panose="02040503050406030204" pitchFamily="18" charset="0"/>
+                        </a:rPr>
+                        <m:t>𝑍</m:t>
+                      </m:r>
+                      <m:r>
+                        <a:rPr kumimoji="1" lang="en-US" altLang="ja-JP" sz="2800" b="0" i="1" smtClean="0">
+                          <a:latin typeface="Cambria Math" panose="02040503050406030204" pitchFamily="18" charset="0"/>
+                        </a:rPr>
+                        <m:t>=</m:t>
+                      </m:r>
+                      <m:nary>
+                        <m:naryPr>
+                          <m:limLoc m:val="undOvr"/>
+                          <m:subHide m:val="on"/>
+                          <m:supHide m:val="on"/>
+                          <m:ctrlPr>
+                            <a:rPr kumimoji="1" lang="en-US" altLang="ja-JP" sz="2800" b="0" i="1" smtClean="0">
+                              <a:latin typeface="Cambria Math" panose="02040503050406030204" pitchFamily="18" charset="0"/>
+                            </a:rPr>
+                          </m:ctrlPr>
+                        </m:naryPr>
+                        <m:sub/>
+                        <m:sup/>
+                        <m:e>
+                          <m:func>
+                            <m:funcPr>
+                              <m:ctrlPr>
+                                <a:rPr kumimoji="1" lang="en-US" altLang="ja-JP" sz="2800" b="0" i="1" smtClean="0">
+                                  <a:latin typeface="Cambria Math" panose="02040503050406030204" pitchFamily="18" charset="0"/>
+                                </a:rPr>
+                              </m:ctrlPr>
+                            </m:funcPr>
+                            <m:fName>
+                              <m:r>
+                                <m:rPr>
+                                  <m:sty m:val="p"/>
+                                </m:rPr>
+                                <a:rPr kumimoji="1" lang="en-US" altLang="ja-JP" sz="2800" b="0" i="0" smtClean="0">
+                                  <a:latin typeface="Cambria Math" panose="02040503050406030204" pitchFamily="18" charset="0"/>
+                                </a:rPr>
+                                <m:t>exp</m:t>
+                              </m:r>
+                            </m:fName>
+                            <m:e>
+                              <m:d>
+                                <m:dPr>
+                                  <m:ctrlPr>
+                                    <a:rPr kumimoji="1" lang="en-US" altLang="ja-JP" sz="2800" b="0" i="1" smtClean="0">
+                                      <a:latin typeface="Cambria Math" panose="02040503050406030204" pitchFamily="18" charset="0"/>
+                                    </a:rPr>
+                                  </m:ctrlPr>
+                                </m:dPr>
+                                <m:e>
+                                  <m:r>
+                                    <a:rPr kumimoji="1" lang="en-US" altLang="ja-JP" sz="2800" b="0" i="1" smtClean="0">
+                                      <a:latin typeface="Cambria Math" panose="02040503050406030204" pitchFamily="18" charset="0"/>
+                                    </a:rPr>
+                                    <m:t>−</m:t>
+                                  </m:r>
+                                  <m:r>
+                                    <a:rPr kumimoji="1" lang="en-US" altLang="ja-JP" sz="2800" b="0" i="1" smtClean="0">
+                                      <a:latin typeface="Cambria Math" panose="02040503050406030204" pitchFamily="18" charset="0"/>
+                                    </a:rPr>
+                                    <m:t>𝛽</m:t>
+                                  </m:r>
+                                  <m:r>
+                                    <a:rPr kumimoji="1" lang="en-US" altLang="ja-JP" sz="2800" b="0" i="1" smtClean="0">
+                                      <a:latin typeface="Cambria Math" panose="02040503050406030204" pitchFamily="18" charset="0"/>
+                                    </a:rPr>
+                                    <m:t>𝐻</m:t>
+                                  </m:r>
+                                </m:e>
+                              </m:d>
+                              <m:r>
+                                <a:rPr kumimoji="1" lang="en-US" altLang="ja-JP" sz="2800" b="0" i="1" smtClean="0">
+                                  <a:latin typeface="Cambria Math" panose="02040503050406030204" pitchFamily="18" charset="0"/>
+                                </a:rPr>
+                                <m:t>𝑑</m:t>
+                              </m:r>
+                              <m:r>
+                                <m:rPr>
+                                  <m:sty m:val="p"/>
+                                </m:rPr>
+                                <a:rPr kumimoji="1" lang="en-US" altLang="ja-JP" sz="2800" b="0" i="0" smtClean="0">
+                                  <a:latin typeface="Cambria Math" panose="02040503050406030204" pitchFamily="18" charset="0"/>
+                                </a:rPr>
+                                <m:t>Γ</m:t>
+                              </m:r>
+                            </m:e>
+                          </m:func>
+                        </m:e>
+                      </m:nary>
+                    </m:oMath>
+                  </m:oMathPara>
+                </a14:m>
+                <a:endParaRPr kumimoji="1" lang="ja-JP" altLang="en-US" sz="2800"/>
+              </a:p>
+            </p:txBody>
+          </p:sp>
+        </mc:Choice>
+        <mc:Fallback>
+          <p:sp>
+            <p:nvSpPr>
+              <p:cNvPr id="5" name="テキスト ボックス 4">
+                <a:extLst>
+                  <a:ext uri="{FF2B5EF4-FFF2-40B4-BE49-F238E27FC236}">
+                    <a16:creationId xmlns:a16="http://schemas.microsoft.com/office/drawing/2014/main" id="{751BCE2F-06AE-F2A1-23AE-36F8DCA5549D}"/>
+                  </a:ext>
+                </a:extLst>
+              </p:cNvPr>
+              <p:cNvSpPr txBox="1">
+                <a:spLocks noRot="1" noChangeAspect="1" noMove="1" noResize="1" noEditPoints="1" noAdjustHandles="1" noChangeArrowheads="1" noChangeShapeType="1" noTextEdit="1"/>
+              </p:cNvSpPr>
+              <p:nvPr/>
+            </p:nvSpPr>
+            <p:spPr>
+              <a:xfrm>
+                <a:off x="1828865" y="3212976"/>
+                <a:ext cx="3327258" cy="1222514"/>
+              </a:xfrm>
+              <a:prstGeom prst="rect">
+                <a:avLst/>
+              </a:prstGeom>
+              <a:blipFill>
+                <a:blip r:embed="rId3"/>
+                <a:stretch>
+                  <a:fillRect/>
+                </a:stretch>
+              </a:blipFill>
+            </p:spPr>
+            <p:txBody>
+              <a:bodyPr/>
+              <a:lstStyle/>
+              <a:p>
+                <a:r>
+                  <a:rPr lang="ja-JP" altLang="en-US">
+                    <a:noFill/>
+                  </a:rPr>
+                  <a:t> </a:t>
+                </a:r>
+              </a:p>
+            </p:txBody>
+          </p:sp>
+        </mc:Fallback>
+      </mc:AlternateContent>
+      <p:sp>
+        <p:nvSpPr>
+          <p:cNvPr id="6" name="テキスト ボックス 5">
+            <a:extLst>
+              <a:ext uri="{FF2B5EF4-FFF2-40B4-BE49-F238E27FC236}">
+                <a16:creationId xmlns:a16="http://schemas.microsoft.com/office/drawing/2014/main" id="{3A658B11-C124-1DD3-621A-CA66C7151410}"/>
+              </a:ext>
+            </a:extLst>
+          </p:cNvPr>
+          <p:cNvSpPr txBox="1"/>
+          <p:nvPr/>
+        </p:nvSpPr>
+        <p:spPr>
+          <a:xfrm>
+            <a:off x="683568" y="2564904"/>
+            <a:ext cx="2698175" cy="523220"/>
+          </a:xfrm>
+          <a:prstGeom prst="rect">
+            <a:avLst/>
+          </a:prstGeom>
+          <a:noFill/>
+        </p:spPr>
+        <p:txBody>
+          <a:bodyPr wrap="none" rtlCol="0">
+            <a:spAutoFit/>
+          </a:bodyPr>
+          <a:lstStyle/>
+          <a:p>
+            <a:r>
+              <a:rPr lang="ja-JP" altLang="en-US" sz="2800"/>
+              <a:t>分配関数の定義</a:t>
+            </a:r>
+            <a:endParaRPr kumimoji="1" lang="ja-JP" altLang="en-US" sz="2800"/>
+          </a:p>
+        </p:txBody>
+      </p:sp>
+      <mc:AlternateContent xmlns:mc="http://schemas.openxmlformats.org/markup-compatibility/2006">
+        <mc:Choice xmlns:a14="http://schemas.microsoft.com/office/drawing/2010/main" Requires="a14">
+          <p:sp>
+            <p:nvSpPr>
+              <p:cNvPr id="7" name="テキスト ボックス 6">
+                <a:extLst>
+                  <a:ext uri="{FF2B5EF4-FFF2-40B4-BE49-F238E27FC236}">
+                    <a16:creationId xmlns:a16="http://schemas.microsoft.com/office/drawing/2014/main" id="{D9E56F0C-9B7A-A162-D9C1-3239B5E0CF12}"/>
+                  </a:ext>
+                </a:extLst>
+              </p:cNvPr>
+              <p:cNvSpPr txBox="1"/>
+              <p:nvPr/>
+            </p:nvSpPr>
+            <p:spPr>
+              <a:xfrm>
+                <a:off x="1684849" y="4221088"/>
+                <a:ext cx="6127511" cy="1222514"/>
+              </a:xfrm>
+              <a:prstGeom prst="rect">
+                <a:avLst/>
+              </a:prstGeom>
+              <a:noFill/>
+            </p:spPr>
+            <p:txBody>
+              <a:bodyPr wrap="none" rtlCol="0">
+                <a:spAutoFit/>
+              </a:bodyPr>
+              <a:lstStyle/>
+              <a:p>
+                <a14:m>
+                  <m:oMathPara xmlns:m="http://schemas.openxmlformats.org/officeDocument/2006/math">
+                    <m:oMathParaPr>
+                      <m:jc m:val="centerGroup"/>
+                    </m:oMathParaPr>
+                    <m:oMath xmlns:m="http://schemas.openxmlformats.org/officeDocument/2006/math">
+                      <m:f>
+                        <m:fPr>
+                          <m:ctrlPr>
+                            <a:rPr kumimoji="1" lang="en-US" altLang="ja-JP" sz="2800" b="0" i="1" smtClean="0">
+                              <a:latin typeface="Cambria Math" panose="02040503050406030204" pitchFamily="18" charset="0"/>
+                            </a:rPr>
+                          </m:ctrlPr>
+                        </m:fPr>
+                        <m:num>
+                          <m:r>
+                            <a:rPr lang="en-US" altLang="ja-JP" sz="2800" i="1" smtClean="0">
+                              <a:latin typeface="Cambria Math" panose="02040503050406030204" pitchFamily="18" charset="0"/>
+                            </a:rPr>
+                            <m:t>𝜕</m:t>
+                          </m:r>
+                          <m:r>
+                            <a:rPr kumimoji="1" lang="en-US" altLang="ja-JP" sz="2800" b="0" i="1" smtClean="0">
+                              <a:latin typeface="Cambria Math" panose="02040503050406030204" pitchFamily="18" charset="0"/>
+                            </a:rPr>
+                            <m:t>𝑍</m:t>
+                          </m:r>
+                        </m:num>
+                        <m:den>
+                          <m:r>
+                            <a:rPr kumimoji="1" lang="en-US" altLang="ja-JP" sz="2800" b="0" i="1" smtClean="0">
+                              <a:latin typeface="Cambria Math" panose="02040503050406030204" pitchFamily="18" charset="0"/>
+                            </a:rPr>
+                            <m:t>𝜕𝛽</m:t>
+                          </m:r>
+                        </m:den>
+                      </m:f>
+                      <m:r>
+                        <a:rPr kumimoji="1" lang="en-US" altLang="ja-JP" sz="2800" b="0" i="1" smtClean="0">
+                          <a:latin typeface="Cambria Math" panose="02040503050406030204" pitchFamily="18" charset="0"/>
+                        </a:rPr>
+                        <m:t>=−</m:t>
+                      </m:r>
+                      <m:r>
+                        <a:rPr kumimoji="1" lang="en-US" altLang="ja-JP" sz="2800" b="0" i="1" smtClean="0">
+                          <a:latin typeface="Cambria Math" panose="02040503050406030204" pitchFamily="18" charset="0"/>
+                        </a:rPr>
+                        <m:t>𝛽</m:t>
+                      </m:r>
+                      <m:nary>
+                        <m:naryPr>
+                          <m:limLoc m:val="undOvr"/>
+                          <m:subHide m:val="on"/>
+                          <m:supHide m:val="on"/>
+                          <m:ctrlPr>
+                            <a:rPr kumimoji="1" lang="en-US" altLang="ja-JP" sz="2800" b="0" i="1" smtClean="0">
+                              <a:latin typeface="Cambria Math" panose="02040503050406030204" pitchFamily="18" charset="0"/>
+                            </a:rPr>
+                          </m:ctrlPr>
+                        </m:naryPr>
+                        <m:sub/>
+                        <m:sup/>
+                        <m:e>
+                          <m:r>
+                            <a:rPr kumimoji="1" lang="en-US" altLang="ja-JP" sz="2800" b="0" i="1" smtClean="0">
+                              <a:latin typeface="Cambria Math" panose="02040503050406030204" pitchFamily="18" charset="0"/>
+                            </a:rPr>
+                            <m:t>𝐻</m:t>
+                          </m:r>
+                          <m:func>
+                            <m:funcPr>
+                              <m:ctrlPr>
+                                <a:rPr kumimoji="1" lang="en-US" altLang="ja-JP" sz="2800" b="0" i="1" smtClean="0">
+                                  <a:latin typeface="Cambria Math" panose="02040503050406030204" pitchFamily="18" charset="0"/>
+                                </a:rPr>
+                              </m:ctrlPr>
+                            </m:funcPr>
+                            <m:fName>
+                              <m:r>
+                                <m:rPr>
+                                  <m:sty m:val="p"/>
+                                </m:rPr>
+                                <a:rPr kumimoji="1" lang="en-US" altLang="ja-JP" sz="2800" b="0" i="0" smtClean="0">
+                                  <a:latin typeface="Cambria Math" panose="02040503050406030204" pitchFamily="18" charset="0"/>
+                                </a:rPr>
+                                <m:t>exp</m:t>
+                              </m:r>
+                            </m:fName>
+                            <m:e>
+                              <m:d>
+                                <m:dPr>
+                                  <m:ctrlPr>
+                                    <a:rPr kumimoji="1" lang="en-US" altLang="ja-JP" sz="2800" b="0" i="1" smtClean="0">
+                                      <a:latin typeface="Cambria Math" panose="02040503050406030204" pitchFamily="18" charset="0"/>
+                                    </a:rPr>
+                                  </m:ctrlPr>
+                                </m:dPr>
+                                <m:e>
+                                  <m:r>
+                                    <a:rPr kumimoji="1" lang="en-US" altLang="ja-JP" sz="2800" b="0" i="1" smtClean="0">
+                                      <a:latin typeface="Cambria Math" panose="02040503050406030204" pitchFamily="18" charset="0"/>
+                                    </a:rPr>
+                                    <m:t>−</m:t>
+                                  </m:r>
+                                  <m:r>
+                                    <a:rPr kumimoji="1" lang="en-US" altLang="ja-JP" sz="2800" b="0" i="1" smtClean="0">
+                                      <a:latin typeface="Cambria Math" panose="02040503050406030204" pitchFamily="18" charset="0"/>
+                                    </a:rPr>
+                                    <m:t>𝛽</m:t>
+                                  </m:r>
+                                  <m:r>
+                                    <a:rPr kumimoji="1" lang="en-US" altLang="ja-JP" sz="2800" b="0" i="1" smtClean="0">
+                                      <a:latin typeface="Cambria Math" panose="02040503050406030204" pitchFamily="18" charset="0"/>
+                                    </a:rPr>
+                                    <m:t>𝐻</m:t>
+                                  </m:r>
+                                </m:e>
+                              </m:d>
+                              <m:r>
+                                <a:rPr kumimoji="1" lang="en-US" altLang="ja-JP" sz="2800" b="0" i="1" smtClean="0">
+                                  <a:latin typeface="Cambria Math" panose="02040503050406030204" pitchFamily="18" charset="0"/>
+                                </a:rPr>
+                                <m:t>𝑑</m:t>
+                              </m:r>
+                              <m:r>
+                                <m:rPr>
+                                  <m:sty m:val="p"/>
+                                </m:rPr>
+                                <a:rPr kumimoji="1" lang="en-US" altLang="ja-JP" sz="2800" b="0" i="0" smtClean="0">
+                                  <a:latin typeface="Cambria Math" panose="02040503050406030204" pitchFamily="18" charset="0"/>
+                                </a:rPr>
+                                <m:t>Γ</m:t>
+                              </m:r>
+                            </m:e>
+                          </m:func>
+                        </m:e>
+                      </m:nary>
+                      <m:r>
+                        <a:rPr lang="en-US" altLang="ja-JP" sz="2800" i="1">
+                          <a:latin typeface="Cambria Math" panose="02040503050406030204" pitchFamily="18" charset="0"/>
+                        </a:rPr>
+                        <m:t>=−</m:t>
+                      </m:r>
+                      <m:r>
+                        <a:rPr lang="en-US" altLang="ja-JP" sz="2800" i="1">
+                          <a:latin typeface="Cambria Math" panose="02040503050406030204" pitchFamily="18" charset="0"/>
+                        </a:rPr>
+                        <m:t>𝛽</m:t>
+                      </m:r>
+                      <m:r>
+                        <a:rPr lang="en-US" altLang="ja-JP" sz="2800" i="1">
+                          <a:latin typeface="Cambria Math" panose="02040503050406030204" pitchFamily="18" charset="0"/>
+                        </a:rPr>
+                        <m:t>𝑍</m:t>
+                      </m:r>
+                      <m:d>
+                        <m:dPr>
+                          <m:begChr m:val="⟨"/>
+                          <m:endChr m:val="⟩"/>
+                          <m:ctrlPr>
+                            <a:rPr lang="en-US" altLang="ja-JP" sz="2800" i="1">
+                              <a:latin typeface="Cambria Math" panose="02040503050406030204" pitchFamily="18" charset="0"/>
+                            </a:rPr>
+                          </m:ctrlPr>
+                        </m:dPr>
+                        <m:e>
+                          <m:r>
+                            <a:rPr lang="en-US" altLang="ja-JP" sz="2800" i="1">
+                              <a:latin typeface="Cambria Math" panose="02040503050406030204" pitchFamily="18" charset="0"/>
+                            </a:rPr>
+                            <m:t>𝐻</m:t>
+                          </m:r>
+                        </m:e>
+                      </m:d>
+                    </m:oMath>
+                  </m:oMathPara>
+                </a14:m>
+                <a:endParaRPr lang="ja-JP" altLang="en-US" sz="2800"/>
+              </a:p>
+            </p:txBody>
+          </p:sp>
+        </mc:Choice>
+        <mc:Fallback>
+          <p:sp>
+            <p:nvSpPr>
+              <p:cNvPr id="7" name="テキスト ボックス 6">
+                <a:extLst>
+                  <a:ext uri="{FF2B5EF4-FFF2-40B4-BE49-F238E27FC236}">
+                    <a16:creationId xmlns:a16="http://schemas.microsoft.com/office/drawing/2014/main" id="{D9E56F0C-9B7A-A162-D9C1-3239B5E0CF12}"/>
+                  </a:ext>
+                </a:extLst>
+              </p:cNvPr>
+              <p:cNvSpPr txBox="1">
+                <a:spLocks noRot="1" noChangeAspect="1" noMove="1" noResize="1" noEditPoints="1" noAdjustHandles="1" noChangeArrowheads="1" noChangeShapeType="1" noTextEdit="1"/>
+              </p:cNvSpPr>
+              <p:nvPr/>
+            </p:nvSpPr>
+            <p:spPr>
+              <a:xfrm>
+                <a:off x="1684849" y="4221088"/>
+                <a:ext cx="6127511" cy="1222514"/>
+              </a:xfrm>
+              <a:prstGeom prst="rect">
+                <a:avLst/>
+              </a:prstGeom>
+              <a:blipFill>
+                <a:blip r:embed="rId4"/>
+                <a:stretch>
+                  <a:fillRect/>
+                </a:stretch>
+              </a:blipFill>
+            </p:spPr>
+            <p:txBody>
+              <a:bodyPr/>
+              <a:lstStyle/>
+              <a:p>
+                <a:r>
+                  <a:rPr lang="ja-JP" altLang="en-US">
+                    <a:noFill/>
+                  </a:rPr>
+                  <a:t> </a:t>
+                </a:r>
+              </a:p>
+            </p:txBody>
+          </p:sp>
+        </mc:Fallback>
+      </mc:AlternateContent>
+      <mc:AlternateContent xmlns:mc="http://schemas.openxmlformats.org/markup-compatibility/2006">
+        <mc:Choice xmlns:a14="http://schemas.microsoft.com/office/drawing/2010/main" Requires="a14">
+          <p:sp>
+            <p:nvSpPr>
+              <p:cNvPr id="10" name="テキスト ボックス 9">
+                <a:extLst>
+                  <a:ext uri="{FF2B5EF4-FFF2-40B4-BE49-F238E27FC236}">
+                    <a16:creationId xmlns:a16="http://schemas.microsoft.com/office/drawing/2014/main" id="{69006602-A886-9B1F-F368-F98970629A75}"/>
+                  </a:ext>
+                </a:extLst>
+              </p:cNvPr>
+              <p:cNvSpPr txBox="1"/>
+              <p:nvPr/>
+            </p:nvSpPr>
+            <p:spPr>
+              <a:xfrm>
+                <a:off x="1187624" y="5373216"/>
+                <a:ext cx="5328592" cy="1239057"/>
+              </a:xfrm>
+              <a:prstGeom prst="rect">
+                <a:avLst/>
+              </a:prstGeom>
+              <a:noFill/>
+            </p:spPr>
+            <p:txBody>
+              <a:bodyPr wrap="square">
+                <a:spAutoFit/>
+              </a:bodyPr>
+              <a:lstStyle/>
+              <a:p>
+                <a:pPr/>
+                <a14:m>
+                  <m:oMathPara xmlns:m="http://schemas.openxmlformats.org/officeDocument/2006/math">
+                    <m:oMathParaPr>
+                      <m:jc m:val="centerGroup"/>
+                    </m:oMathParaPr>
+                    <m:oMath xmlns:m="http://schemas.openxmlformats.org/officeDocument/2006/math">
+                      <m:r>
+                        <a:rPr kumimoji="1" lang="en-US" altLang="ja-JP" sz="3600" b="0" i="1" smtClean="0">
+                          <a:latin typeface="Cambria Math" panose="02040503050406030204" pitchFamily="18" charset="0"/>
+                        </a:rPr>
+                        <m:t>𝑈</m:t>
+                      </m:r>
+                      <m:d>
+                        <m:dPr>
+                          <m:ctrlPr>
+                            <a:rPr kumimoji="1" lang="en-US" altLang="ja-JP" sz="3600" b="0" i="1" smtClean="0">
+                              <a:latin typeface="Cambria Math" panose="02040503050406030204" pitchFamily="18" charset="0"/>
+                            </a:rPr>
+                          </m:ctrlPr>
+                        </m:dPr>
+                        <m:e>
+                          <m:r>
+                            <a:rPr kumimoji="1" lang="en-US" altLang="ja-JP" sz="3600" b="0" i="1" smtClean="0">
+                              <a:latin typeface="Cambria Math" panose="02040503050406030204" pitchFamily="18" charset="0"/>
+                            </a:rPr>
+                            <m:t>𝑇</m:t>
+                          </m:r>
+                        </m:e>
+                      </m:d>
+                      <m:r>
+                        <a:rPr kumimoji="1" lang="en-US" altLang="ja-JP" sz="3600" b="0" i="0" smtClean="0">
+                          <a:latin typeface="Cambria Math" panose="02040503050406030204" pitchFamily="18" charset="0"/>
+                        </a:rPr>
+                        <m:t>=−</m:t>
+                      </m:r>
+                      <m:f>
+                        <m:fPr>
+                          <m:ctrlPr>
+                            <a:rPr kumimoji="1" lang="en-US" altLang="ja-JP" sz="3600" b="0" i="1" smtClean="0">
+                              <a:latin typeface="Cambria Math" panose="02040503050406030204" pitchFamily="18" charset="0"/>
+                            </a:rPr>
+                          </m:ctrlPr>
+                        </m:fPr>
+                        <m:num>
+                          <m:r>
+                            <a:rPr kumimoji="1" lang="en-US" altLang="ja-JP" sz="3600" b="0" i="1" smtClean="0">
+                              <a:latin typeface="Cambria Math" panose="02040503050406030204" pitchFamily="18" charset="0"/>
+                            </a:rPr>
+                            <m:t>𝜕</m:t>
+                          </m:r>
+                          <m:func>
+                            <m:funcPr>
+                              <m:ctrlPr>
+                                <a:rPr kumimoji="1" lang="en-US" altLang="ja-JP" sz="3600" b="0" i="1" smtClean="0">
+                                  <a:latin typeface="Cambria Math" panose="02040503050406030204" pitchFamily="18" charset="0"/>
+                                </a:rPr>
+                              </m:ctrlPr>
+                            </m:funcPr>
+                            <m:fName>
+                              <m:r>
+                                <m:rPr>
+                                  <m:sty m:val="p"/>
+                                </m:rPr>
+                                <a:rPr kumimoji="1" lang="en-US" altLang="ja-JP" sz="3600" b="0" i="0" smtClean="0">
+                                  <a:latin typeface="Cambria Math" panose="02040503050406030204" pitchFamily="18" charset="0"/>
+                                </a:rPr>
+                                <m:t>log</m:t>
+                              </m:r>
+                            </m:fName>
+                            <m:e>
+                              <m:r>
+                                <a:rPr kumimoji="1" lang="en-US" altLang="ja-JP" sz="3600" b="0" i="1" smtClean="0">
+                                  <a:latin typeface="Cambria Math" panose="02040503050406030204" pitchFamily="18" charset="0"/>
+                                </a:rPr>
+                                <m:t>𝑍</m:t>
+                              </m:r>
+                            </m:e>
+                          </m:func>
+                        </m:num>
+                        <m:den>
+                          <m:r>
+                            <a:rPr kumimoji="1" lang="en-US" altLang="ja-JP" sz="3600" b="0" i="1" smtClean="0">
+                              <a:latin typeface="Cambria Math" panose="02040503050406030204" pitchFamily="18" charset="0"/>
+                            </a:rPr>
+                            <m:t>𝜕𝛽</m:t>
+                          </m:r>
+                        </m:den>
+                      </m:f>
+                    </m:oMath>
+                  </m:oMathPara>
+                </a14:m>
+                <a:endParaRPr lang="ja-JP" altLang="en-US" sz="3600"/>
+              </a:p>
+            </p:txBody>
+          </p:sp>
+        </mc:Choice>
+        <mc:Fallback>
+          <p:sp>
+            <p:nvSpPr>
+              <p:cNvPr id="10" name="テキスト ボックス 9">
+                <a:extLst>
+                  <a:ext uri="{FF2B5EF4-FFF2-40B4-BE49-F238E27FC236}">
+                    <a16:creationId xmlns:a16="http://schemas.microsoft.com/office/drawing/2014/main" id="{69006602-A886-9B1F-F368-F98970629A75}"/>
+                  </a:ext>
+                </a:extLst>
+              </p:cNvPr>
+              <p:cNvSpPr txBox="1">
+                <a:spLocks noRot="1" noChangeAspect="1" noMove="1" noResize="1" noEditPoints="1" noAdjustHandles="1" noChangeArrowheads="1" noChangeShapeType="1" noTextEdit="1"/>
+              </p:cNvSpPr>
+              <p:nvPr/>
+            </p:nvSpPr>
+            <p:spPr>
+              <a:xfrm>
+                <a:off x="1187624" y="5373216"/>
+                <a:ext cx="5328592" cy="1239057"/>
+              </a:xfrm>
+              <a:prstGeom prst="rect">
+                <a:avLst/>
+              </a:prstGeom>
+              <a:blipFill>
+                <a:blip r:embed="rId5"/>
+                <a:stretch>
+                  <a:fillRect/>
+                </a:stretch>
+              </a:blipFill>
+            </p:spPr>
+            <p:txBody>
+              <a:bodyPr/>
+              <a:lstStyle/>
+              <a:p>
+                <a:r>
+                  <a:rPr lang="ja-JP" altLang="en-US">
+                    <a:noFill/>
+                  </a:rPr>
+                  <a:t> </a:t>
+                </a:r>
+              </a:p>
+            </p:txBody>
+          </p:sp>
+        </mc:Fallback>
+      </mc:AlternateContent>
+      <p:cxnSp>
+        <p:nvCxnSpPr>
+          <p:cNvPr id="12" name="コネクタ: カギ線 11">
+            <a:extLst>
+              <a:ext uri="{FF2B5EF4-FFF2-40B4-BE49-F238E27FC236}">
+                <a16:creationId xmlns:a16="http://schemas.microsoft.com/office/drawing/2014/main" id="{E51173F0-4372-FED4-83B9-065EE6171A33}"/>
+              </a:ext>
+            </a:extLst>
+          </p:cNvPr>
+          <p:cNvCxnSpPr>
+            <a:stCxn id="5" idx="1"/>
+            <a:endCxn id="7" idx="1"/>
+          </p:cNvCxnSpPr>
+          <p:nvPr/>
+        </p:nvCxnSpPr>
+        <p:spPr>
+          <a:xfrm rot="10800000" flipV="1">
+            <a:off x="1684849" y="3824233"/>
+            <a:ext cx="144016" cy="1008112"/>
+          </a:xfrm>
+          <a:prstGeom prst="bentConnector3">
+            <a:avLst>
+              <a:gd name="adj1" fmla="val 258732"/>
+            </a:avLst>
+          </a:prstGeom>
+          <a:ln>
+            <a:solidFill>
+              <a:schemeClr val="tx1"/>
+            </a:solidFill>
+            <a:headEnd type="none" w="med" len="med"/>
+            <a:tailEnd type="triangle"/>
+          </a:ln>
+        </p:spPr>
+        <p:style>
+          <a:lnRef idx="1">
+            <a:schemeClr val="accent1"/>
+          </a:lnRef>
+          <a:fillRef idx="0">
+            <a:schemeClr val="accent1"/>
+          </a:fillRef>
+          <a:effectRef idx="0">
+            <a:schemeClr val="accent1"/>
+          </a:effectRef>
+          <a:fontRef idx="minor">
+            <a:schemeClr val="tx1"/>
+          </a:fontRef>
+        </p:style>
+      </p:cxnSp>
+      <mc:AlternateContent xmlns:mc="http://schemas.openxmlformats.org/markup-compatibility/2006">
+        <mc:Choice xmlns:a14="http://schemas.microsoft.com/office/drawing/2010/main" Requires="a14">
+          <p:sp>
+            <p:nvSpPr>
+              <p:cNvPr id="13" name="テキスト ボックス 12">
+                <a:extLst>
+                  <a:ext uri="{FF2B5EF4-FFF2-40B4-BE49-F238E27FC236}">
+                    <a16:creationId xmlns:a16="http://schemas.microsoft.com/office/drawing/2014/main" id="{2F675111-C296-5766-8846-E21BC7EB842C}"/>
+                  </a:ext>
+                </a:extLst>
+              </p:cNvPr>
+              <p:cNvSpPr txBox="1"/>
+              <p:nvPr/>
+            </p:nvSpPr>
+            <p:spPr>
+              <a:xfrm>
+                <a:off x="323528" y="4221088"/>
+                <a:ext cx="1016625" cy="369332"/>
+              </a:xfrm>
+              <a:prstGeom prst="rect">
+                <a:avLst/>
+              </a:prstGeom>
+              <a:noFill/>
+            </p:spPr>
+            <p:txBody>
+              <a:bodyPr wrap="none" rtlCol="0">
+                <a:spAutoFit/>
+              </a:bodyPr>
+              <a:lstStyle/>
+              <a:p>
+                <a14:m>
+                  <m:oMath xmlns:m="http://schemas.openxmlformats.org/officeDocument/2006/math">
+                    <m:r>
+                      <a:rPr kumimoji="1" lang="en-US" altLang="ja-JP" b="0" i="1" smtClean="0">
+                        <a:latin typeface="Cambria Math" panose="02040503050406030204" pitchFamily="18" charset="0"/>
+                      </a:rPr>
+                      <m:t>𝛽</m:t>
+                    </m:r>
+                    <m:r>
+                      <a:rPr lang="ja-JP" altLang="en-US" i="1">
+                        <a:latin typeface="Cambria Math" panose="02040503050406030204" pitchFamily="18" charset="0"/>
+                      </a:rPr>
+                      <m:t>で</m:t>
+                    </m:r>
+                  </m:oMath>
+                </a14:m>
+                <a:r>
+                  <a:rPr kumimoji="1" lang="ja-JP" altLang="en-US"/>
+                  <a:t>微分</a:t>
+                </a:r>
+              </a:p>
+            </p:txBody>
+          </p:sp>
+        </mc:Choice>
+        <mc:Fallback>
+          <p:sp>
+            <p:nvSpPr>
+              <p:cNvPr id="13" name="テキスト ボックス 12">
+                <a:extLst>
+                  <a:ext uri="{FF2B5EF4-FFF2-40B4-BE49-F238E27FC236}">
+                    <a16:creationId xmlns:a16="http://schemas.microsoft.com/office/drawing/2014/main" id="{2F675111-C296-5766-8846-E21BC7EB842C}"/>
+                  </a:ext>
+                </a:extLst>
+              </p:cNvPr>
+              <p:cNvSpPr txBox="1">
+                <a:spLocks noRot="1" noChangeAspect="1" noMove="1" noResize="1" noEditPoints="1" noAdjustHandles="1" noChangeArrowheads="1" noChangeShapeType="1" noTextEdit="1"/>
+              </p:cNvSpPr>
+              <p:nvPr/>
+            </p:nvSpPr>
+            <p:spPr>
+              <a:xfrm>
+                <a:off x="323528" y="4221088"/>
+                <a:ext cx="1016625" cy="369332"/>
+              </a:xfrm>
+              <a:prstGeom prst="rect">
+                <a:avLst/>
+              </a:prstGeom>
+              <a:blipFill>
+                <a:blip r:embed="rId6"/>
+                <a:stretch>
+                  <a:fillRect l="-1796" t="-11475" r="-4192" b="-21311"/>
+                </a:stretch>
+              </a:blipFill>
+            </p:spPr>
+            <p:txBody>
+              <a:bodyPr/>
+              <a:lstStyle/>
+              <a:p>
+                <a:r>
+                  <a:rPr lang="ja-JP" altLang="en-US">
+                    <a:noFill/>
+                  </a:rPr>
+                  <a:t> </a:t>
+                </a:r>
+              </a:p>
+            </p:txBody>
+          </p:sp>
+        </mc:Fallback>
+      </mc:AlternateContent>
+      <p:sp>
+        <p:nvSpPr>
+          <p:cNvPr id="14" name="矢印: 右 13">
+            <a:extLst>
+              <a:ext uri="{FF2B5EF4-FFF2-40B4-BE49-F238E27FC236}">
+                <a16:creationId xmlns:a16="http://schemas.microsoft.com/office/drawing/2014/main" id="{0B8E2C62-E04B-27D8-5071-1285CDFC65A7}"/>
+              </a:ext>
+            </a:extLst>
+          </p:cNvPr>
+          <p:cNvSpPr/>
+          <p:nvPr/>
+        </p:nvSpPr>
+        <p:spPr>
+          <a:xfrm>
+            <a:off x="1331640" y="5733256"/>
+            <a:ext cx="504056" cy="556640"/>
+          </a:xfrm>
+          <a:prstGeom prst="rightArrow">
+            <a:avLst/>
+          </a:prstGeom>
+          <a:solidFill>
+            <a:srgbClr val="FF0000"/>
+          </a:solidFill>
+          <a:ln>
+            <a:solidFill>
+              <a:schemeClr val="tx1"/>
+            </a:solidFill>
+          </a:ln>
+        </p:spPr>
+        <p:style>
+          <a:lnRef idx="2">
+            <a:schemeClr val="accent1">
+              <a:shade val="50000"/>
+            </a:schemeClr>
+          </a:lnRef>
+          <a:fillRef idx="1">
+            <a:schemeClr val="accent1"/>
+          </a:fillRef>
+          <a:effectRef idx="0">
+            <a:schemeClr val="accent1"/>
+          </a:effectRef>
+          <a:fontRef idx="minor">
+            <a:schemeClr val="lt1"/>
+          </a:fontRef>
+        </p:style>
+        <p:txBody>
+          <a:bodyPr rtlCol="0" anchor="ctr"/>
+          <a:lstStyle/>
+          <a:p>
+            <a:pPr algn="ctr"/>
+            <a:endParaRPr kumimoji="1" lang="ja-JP" altLang="en-US"/>
+          </a:p>
+        </p:txBody>
+      </p:sp>
+    </p:spTree>
+    <p:extLst>
+      <p:ext uri="{BB962C8B-B14F-4D97-AF65-F5344CB8AC3E}">
+        <p14:creationId xmlns:p14="http://schemas.microsoft.com/office/powerpoint/2010/main" val="726953601"/>
+      </p:ext>
+    </p:extLst>
+  </p:cSld>
+  <p:clrMapOvr>
+    <a:masterClrMapping/>
+  </p:clrMapOvr>
+</p:sld>
+</file>
+
+<file path=ppt/slides/slide54.xml><?xml version="1.0" encoding="utf-8"?>
+<p:sld xmlns:a="http://schemas.openxmlformats.org/drawingml/2006/main" xmlns:r="http://schemas.openxmlformats.org/officeDocument/2006/relationships" xmlns:p="http://schemas.openxmlformats.org/presentationml/2006/main">
+  <p:cSld>
+    <p:spTree>
+      <p:nvGrpSpPr>
+        <p:cNvPr id="1" name=""/>
+        <p:cNvGrpSpPr/>
+        <p:nvPr/>
+      </p:nvGrpSpPr>
+      <p:grpSpPr>
+        <a:xfrm>
+          <a:off x="0" y="0"/>
+          <a:ext cx="0" cy="0"/>
+          <a:chOff x="0" y="0"/>
+          <a:chExt cx="0" cy="0"/>
+        </a:xfrm>
+      </p:grpSpPr>
+      <p:sp>
+        <p:nvSpPr>
+          <p:cNvPr id="2" name="テキスト プレースホルダー 1">
+            <a:extLst>
+              <a:ext uri="{FF2B5EF4-FFF2-40B4-BE49-F238E27FC236}">
+                <a16:creationId xmlns:a16="http://schemas.microsoft.com/office/drawing/2014/main" id="{7FF67EE2-D078-A1DD-23D6-D248E6E5CCEF}"/>
+              </a:ext>
+            </a:extLst>
+          </p:cNvPr>
+          <p:cNvSpPr>
+            <a:spLocks noGrp="1"/>
+          </p:cNvSpPr>
+          <p:nvPr>
+            <p:ph type="body" sz="quarter" idx="10"/>
+          </p:nvPr>
+        </p:nvSpPr>
+        <p:spPr/>
+        <p:txBody>
+          <a:bodyPr/>
+          <a:lstStyle/>
+          <a:p>
+            <a:r>
+              <a:rPr lang="ja-JP" altLang="en-US"/>
+              <a:t>なぜ温度制御が必要か？</a:t>
+            </a:r>
+            <a:endParaRPr kumimoji="1" lang="ja-JP" altLang="en-US"/>
+          </a:p>
+        </p:txBody>
+      </p:sp>
+      <mc:AlternateContent xmlns:mc="http://schemas.openxmlformats.org/markup-compatibility/2006">
+        <mc:Choice xmlns:a14="http://schemas.microsoft.com/office/drawing/2010/main" Requires="a14">
+          <p:sp>
+            <p:nvSpPr>
+              <p:cNvPr id="3" name="テキスト ボックス 2">
+                <a:extLst>
+                  <a:ext uri="{FF2B5EF4-FFF2-40B4-BE49-F238E27FC236}">
+                    <a16:creationId xmlns:a16="http://schemas.microsoft.com/office/drawing/2014/main" id="{1729F15E-208E-8B90-E01C-3A97B080B75E}"/>
+                  </a:ext>
+                </a:extLst>
+              </p:cNvPr>
+              <p:cNvSpPr txBox="1"/>
+              <p:nvPr/>
+            </p:nvSpPr>
+            <p:spPr>
+              <a:xfrm>
+                <a:off x="2267744" y="2276872"/>
+                <a:ext cx="3816424" cy="1239057"/>
+              </a:xfrm>
+              <a:prstGeom prst="rect">
+                <a:avLst/>
+              </a:prstGeom>
+              <a:noFill/>
+            </p:spPr>
+            <p:txBody>
+              <a:bodyPr wrap="square">
+                <a:spAutoFit/>
+              </a:bodyPr>
+              <a:lstStyle/>
+              <a:p>
+                <a:pPr/>
+                <a14:m>
+                  <m:oMathPara xmlns:m="http://schemas.openxmlformats.org/officeDocument/2006/math">
+                    <m:oMathParaPr>
+                      <m:jc m:val="centerGroup"/>
+                    </m:oMathParaPr>
+                    <m:oMath xmlns:m="http://schemas.openxmlformats.org/officeDocument/2006/math">
+                      <m:r>
+                        <a:rPr kumimoji="1" lang="en-US" altLang="ja-JP" sz="3600" b="0" i="1" smtClean="0">
+                          <a:latin typeface="Cambria Math" panose="02040503050406030204" pitchFamily="18" charset="0"/>
+                        </a:rPr>
+                        <m:t>𝑈</m:t>
+                      </m:r>
+                      <m:d>
+                        <m:dPr>
+                          <m:ctrlPr>
+                            <a:rPr kumimoji="1" lang="en-US" altLang="ja-JP" sz="3600" b="0" i="1" smtClean="0">
+                              <a:latin typeface="Cambria Math" panose="02040503050406030204" pitchFamily="18" charset="0"/>
+                            </a:rPr>
+                          </m:ctrlPr>
+                        </m:dPr>
+                        <m:e>
+                          <m:r>
+                            <a:rPr kumimoji="1" lang="en-US" altLang="ja-JP" sz="3600" b="0" i="1" smtClean="0">
+                              <a:latin typeface="Cambria Math" panose="02040503050406030204" pitchFamily="18" charset="0"/>
+                            </a:rPr>
+                            <m:t>𝑇</m:t>
+                          </m:r>
+                        </m:e>
+                      </m:d>
+                      <m:r>
+                        <a:rPr kumimoji="1" lang="en-US" altLang="ja-JP" sz="3600" b="0" i="0" smtClean="0">
+                          <a:latin typeface="Cambria Math" panose="02040503050406030204" pitchFamily="18" charset="0"/>
+                        </a:rPr>
+                        <m:t>=−</m:t>
+                      </m:r>
+                      <m:f>
+                        <m:fPr>
+                          <m:ctrlPr>
+                            <a:rPr kumimoji="1" lang="en-US" altLang="ja-JP" sz="3600" b="0" i="1" smtClean="0">
+                              <a:latin typeface="Cambria Math" panose="02040503050406030204" pitchFamily="18" charset="0"/>
+                            </a:rPr>
+                          </m:ctrlPr>
+                        </m:fPr>
+                        <m:num>
+                          <m:r>
+                            <a:rPr kumimoji="1" lang="en-US" altLang="ja-JP" sz="3600" b="0" i="1" smtClean="0">
+                              <a:latin typeface="Cambria Math" panose="02040503050406030204" pitchFamily="18" charset="0"/>
+                            </a:rPr>
+                            <m:t>𝜕</m:t>
+                          </m:r>
+                          <m:func>
+                            <m:funcPr>
+                              <m:ctrlPr>
+                                <a:rPr kumimoji="1" lang="en-US" altLang="ja-JP" sz="3600" b="0" i="1" smtClean="0">
+                                  <a:latin typeface="Cambria Math" panose="02040503050406030204" pitchFamily="18" charset="0"/>
+                                </a:rPr>
+                              </m:ctrlPr>
+                            </m:funcPr>
+                            <m:fName>
+                              <m:r>
+                                <m:rPr>
+                                  <m:sty m:val="p"/>
+                                </m:rPr>
+                                <a:rPr kumimoji="1" lang="en-US" altLang="ja-JP" sz="3600" b="0" i="0" smtClean="0">
+                                  <a:latin typeface="Cambria Math" panose="02040503050406030204" pitchFamily="18" charset="0"/>
+                                </a:rPr>
+                                <m:t>log</m:t>
+                              </m:r>
+                            </m:fName>
+                            <m:e>
+                              <m:r>
+                                <a:rPr kumimoji="1" lang="en-US" altLang="ja-JP" sz="3600" b="0" i="1" smtClean="0">
+                                  <a:latin typeface="Cambria Math" panose="02040503050406030204" pitchFamily="18" charset="0"/>
+                                </a:rPr>
+                                <m:t>𝑍</m:t>
+                              </m:r>
+                            </m:e>
+                          </m:func>
+                        </m:num>
+                        <m:den>
+                          <m:r>
+                            <a:rPr kumimoji="1" lang="en-US" altLang="ja-JP" sz="3600" b="0" i="1" smtClean="0">
+                              <a:latin typeface="Cambria Math" panose="02040503050406030204" pitchFamily="18" charset="0"/>
+                            </a:rPr>
+                            <m:t>𝜕𝛽</m:t>
+                          </m:r>
+                        </m:den>
+                      </m:f>
+                    </m:oMath>
+                  </m:oMathPara>
+                </a14:m>
+                <a:endParaRPr lang="ja-JP" altLang="en-US" sz="3600"/>
+              </a:p>
+            </p:txBody>
+          </p:sp>
+        </mc:Choice>
+        <mc:Fallback>
+          <p:sp>
+            <p:nvSpPr>
+              <p:cNvPr id="3" name="テキスト ボックス 2">
+                <a:extLst>
+                  <a:ext uri="{FF2B5EF4-FFF2-40B4-BE49-F238E27FC236}">
+                    <a16:creationId xmlns:a16="http://schemas.microsoft.com/office/drawing/2014/main" id="{1729F15E-208E-8B90-E01C-3A97B080B75E}"/>
+                  </a:ext>
+                </a:extLst>
+              </p:cNvPr>
+              <p:cNvSpPr txBox="1">
+                <a:spLocks noRot="1" noChangeAspect="1" noMove="1" noResize="1" noEditPoints="1" noAdjustHandles="1" noChangeArrowheads="1" noChangeShapeType="1" noTextEdit="1"/>
+              </p:cNvSpPr>
+              <p:nvPr/>
+            </p:nvSpPr>
+            <p:spPr>
+              <a:xfrm>
+                <a:off x="2267744" y="2276872"/>
+                <a:ext cx="3816424" cy="1239057"/>
+              </a:xfrm>
+              <a:prstGeom prst="rect">
+                <a:avLst/>
+              </a:prstGeom>
+              <a:blipFill>
+                <a:blip r:embed="rId2"/>
+                <a:stretch>
+                  <a:fillRect/>
+                </a:stretch>
+              </a:blipFill>
+            </p:spPr>
+            <p:txBody>
+              <a:bodyPr/>
+              <a:lstStyle/>
+              <a:p>
+                <a:r>
+                  <a:rPr lang="ja-JP" altLang="en-US">
+                    <a:noFill/>
+                  </a:rPr>
+                  <a:t> </a:t>
+                </a:r>
+              </a:p>
+            </p:txBody>
+          </p:sp>
+        </mc:Fallback>
+      </mc:AlternateContent>
+      <p:sp>
+        <p:nvSpPr>
+          <p:cNvPr id="4" name="四角形: 角を丸くする 3">
+            <a:extLst>
+              <a:ext uri="{FF2B5EF4-FFF2-40B4-BE49-F238E27FC236}">
+                <a16:creationId xmlns:a16="http://schemas.microsoft.com/office/drawing/2014/main" id="{0FF7304E-5841-9E61-B540-320ADCB6B99F}"/>
+              </a:ext>
+            </a:extLst>
+          </p:cNvPr>
+          <p:cNvSpPr/>
+          <p:nvPr/>
+        </p:nvSpPr>
+        <p:spPr>
+          <a:xfrm>
+            <a:off x="2411760" y="2420889"/>
+            <a:ext cx="1152128" cy="864096"/>
+          </a:xfrm>
+          <a:prstGeom prst="roundRect">
+            <a:avLst/>
+          </a:prstGeom>
+          <a:noFill/>
+          <a:ln w="38100">
+            <a:solidFill>
+              <a:srgbClr val="FF0000"/>
+            </a:solidFill>
+            <a:prstDash val="dash"/>
+          </a:ln>
+        </p:spPr>
+        <p:style>
+          <a:lnRef idx="2">
+            <a:schemeClr val="accent1">
+              <a:shade val="50000"/>
+            </a:schemeClr>
+          </a:lnRef>
+          <a:fillRef idx="1">
+            <a:schemeClr val="accent1"/>
+          </a:fillRef>
+          <a:effectRef idx="0">
+            <a:schemeClr val="accent1"/>
+          </a:effectRef>
+          <a:fontRef idx="minor">
+            <a:schemeClr val="lt1"/>
+          </a:fontRef>
+        </p:style>
+        <p:txBody>
+          <a:bodyPr rtlCol="0" anchor="ctr"/>
+          <a:lstStyle/>
+          <a:p>
+            <a:pPr algn="ctr"/>
+            <a:endParaRPr kumimoji="1" lang="ja-JP" altLang="en-US"/>
+          </a:p>
+        </p:txBody>
+      </p:sp>
+      <p:sp>
+        <p:nvSpPr>
+          <p:cNvPr id="5" name="四角形: 角を丸くする 4">
+            <a:extLst>
+              <a:ext uri="{FF2B5EF4-FFF2-40B4-BE49-F238E27FC236}">
+                <a16:creationId xmlns:a16="http://schemas.microsoft.com/office/drawing/2014/main" id="{391363C1-1694-D224-2BF3-AC83BE3BB692}"/>
+              </a:ext>
+            </a:extLst>
+          </p:cNvPr>
+          <p:cNvSpPr/>
+          <p:nvPr/>
+        </p:nvSpPr>
+        <p:spPr>
+          <a:xfrm>
+            <a:off x="4139952" y="2276873"/>
+            <a:ext cx="1944216" cy="1224136"/>
+          </a:xfrm>
+          <a:prstGeom prst="roundRect">
+            <a:avLst/>
+          </a:prstGeom>
+          <a:noFill/>
+          <a:ln w="38100">
+            <a:solidFill>
+              <a:srgbClr val="FF0000"/>
+            </a:solidFill>
+            <a:prstDash val="dash"/>
+          </a:ln>
+        </p:spPr>
+        <p:style>
+          <a:lnRef idx="2">
+            <a:schemeClr val="accent1">
+              <a:shade val="50000"/>
+            </a:schemeClr>
+          </a:lnRef>
+          <a:fillRef idx="1">
+            <a:schemeClr val="accent1"/>
+          </a:fillRef>
+          <a:effectRef idx="0">
+            <a:schemeClr val="accent1"/>
+          </a:effectRef>
+          <a:fontRef idx="minor">
+            <a:schemeClr val="lt1"/>
+          </a:fontRef>
+        </p:style>
+        <p:txBody>
+          <a:bodyPr rtlCol="0" anchor="ctr"/>
+          <a:lstStyle/>
+          <a:p>
+            <a:pPr algn="ctr"/>
+            <a:endParaRPr kumimoji="1" lang="ja-JP" altLang="en-US"/>
+          </a:p>
+        </p:txBody>
+      </p:sp>
+      <p:sp>
+        <p:nvSpPr>
+          <p:cNvPr id="6" name="テキスト ボックス 5">
+            <a:extLst>
+              <a:ext uri="{FF2B5EF4-FFF2-40B4-BE49-F238E27FC236}">
+                <a16:creationId xmlns:a16="http://schemas.microsoft.com/office/drawing/2014/main" id="{357FBF15-1C22-6318-2F6F-1C7301C1B1CF}"/>
+              </a:ext>
+            </a:extLst>
+          </p:cNvPr>
+          <p:cNvSpPr txBox="1"/>
+          <p:nvPr/>
+        </p:nvSpPr>
+        <p:spPr>
+          <a:xfrm>
+            <a:off x="611560" y="1268760"/>
+            <a:ext cx="6288901" cy="523220"/>
+          </a:xfrm>
+          <a:prstGeom prst="rect">
+            <a:avLst/>
+          </a:prstGeom>
+          <a:noFill/>
+        </p:spPr>
+        <p:txBody>
+          <a:bodyPr wrap="none" rtlCol="0">
+            <a:spAutoFit/>
+          </a:bodyPr>
+          <a:lstStyle/>
+          <a:p>
+            <a:r>
+              <a:rPr kumimoji="1" lang="ja-JP" altLang="en-US" sz="2800"/>
+              <a:t>内部エネルギーの温度依存性がわかる</a:t>
+            </a:r>
+          </a:p>
+        </p:txBody>
+      </p:sp>
+      <p:cxnSp>
+        <p:nvCxnSpPr>
+          <p:cNvPr id="8" name="コネクタ: カギ線 7">
+            <a:extLst>
+              <a:ext uri="{FF2B5EF4-FFF2-40B4-BE49-F238E27FC236}">
+                <a16:creationId xmlns:a16="http://schemas.microsoft.com/office/drawing/2014/main" id="{DD6E2977-23C7-FD87-7EBD-322F19762C6E}"/>
+              </a:ext>
+            </a:extLst>
+          </p:cNvPr>
+          <p:cNvCxnSpPr>
+            <a:cxnSpLocks/>
+            <a:stCxn id="6" idx="2"/>
+            <a:endCxn id="4" idx="0"/>
+          </p:cNvCxnSpPr>
+          <p:nvPr/>
+        </p:nvCxnSpPr>
+        <p:spPr>
+          <a:xfrm rot="5400000">
+            <a:off x="3057464" y="1722341"/>
+            <a:ext cx="628909" cy="768187"/>
+          </a:xfrm>
+          <a:prstGeom prst="bentConnector3">
+            <a:avLst>
+              <a:gd name="adj1" fmla="val 50000"/>
+            </a:avLst>
+          </a:prstGeom>
+          <a:ln>
+            <a:solidFill>
+              <a:schemeClr val="tx1"/>
+            </a:solidFill>
+            <a:headEnd type="none" w="med" len="med"/>
+            <a:tailEnd type="triangle"/>
+          </a:ln>
+        </p:spPr>
+        <p:style>
+          <a:lnRef idx="1">
+            <a:schemeClr val="accent1"/>
+          </a:lnRef>
+          <a:fillRef idx="0">
+            <a:schemeClr val="accent1"/>
+          </a:fillRef>
+          <a:effectRef idx="0">
+            <a:schemeClr val="accent1"/>
+          </a:effectRef>
+          <a:fontRef idx="minor">
+            <a:schemeClr val="tx1"/>
+          </a:fontRef>
+        </p:style>
+      </p:cxnSp>
+      <p:sp>
+        <p:nvSpPr>
+          <p:cNvPr id="11" name="テキスト ボックス 10">
+            <a:extLst>
+              <a:ext uri="{FF2B5EF4-FFF2-40B4-BE49-F238E27FC236}">
+                <a16:creationId xmlns:a16="http://schemas.microsoft.com/office/drawing/2014/main" id="{CCC3DAEE-D171-E69F-2BE7-B4EFA65AB4CA}"/>
+              </a:ext>
+            </a:extLst>
+          </p:cNvPr>
+          <p:cNvSpPr txBox="1"/>
+          <p:nvPr/>
+        </p:nvSpPr>
+        <p:spPr>
+          <a:xfrm>
+            <a:off x="755576" y="4293096"/>
+            <a:ext cx="7217040" cy="523220"/>
+          </a:xfrm>
+          <a:prstGeom prst="rect">
+            <a:avLst/>
+          </a:prstGeom>
+          <a:noFill/>
+        </p:spPr>
+        <p:txBody>
+          <a:bodyPr wrap="none" rtlCol="0">
+            <a:spAutoFit/>
+          </a:bodyPr>
+          <a:lstStyle/>
+          <a:p>
+            <a:r>
+              <a:rPr kumimoji="1" lang="ja-JP" altLang="en-US" sz="2800"/>
+              <a:t>分配関数がわかる</a:t>
+            </a:r>
+            <a:r>
+              <a:rPr kumimoji="1" lang="en-US" altLang="ja-JP" sz="2800"/>
+              <a:t>=</a:t>
+            </a:r>
+            <a:r>
+              <a:rPr kumimoji="1" lang="ja-JP" altLang="en-US" sz="2800"/>
+              <a:t>問題が厳密に解けている</a:t>
+            </a:r>
+          </a:p>
+        </p:txBody>
+      </p:sp>
+      <p:cxnSp>
+        <p:nvCxnSpPr>
+          <p:cNvPr id="13" name="コネクタ: カギ線 12">
+            <a:extLst>
+              <a:ext uri="{FF2B5EF4-FFF2-40B4-BE49-F238E27FC236}">
+                <a16:creationId xmlns:a16="http://schemas.microsoft.com/office/drawing/2014/main" id="{DDCA949D-DF16-662C-0FDF-92230A4D6A5B}"/>
+              </a:ext>
+            </a:extLst>
+          </p:cNvPr>
+          <p:cNvCxnSpPr>
+            <a:cxnSpLocks/>
+            <a:stCxn id="5" idx="2"/>
+            <a:endCxn id="11" idx="0"/>
+          </p:cNvCxnSpPr>
+          <p:nvPr/>
+        </p:nvCxnSpPr>
+        <p:spPr>
+          <a:xfrm rot="5400000">
+            <a:off x="4342035" y="3523070"/>
+            <a:ext cx="792087" cy="747964"/>
+          </a:xfrm>
+          <a:prstGeom prst="bentConnector3">
+            <a:avLst>
+              <a:gd name="adj1" fmla="val 50000"/>
+            </a:avLst>
+          </a:prstGeom>
+          <a:ln>
+            <a:solidFill>
+              <a:schemeClr val="tx1"/>
+            </a:solidFill>
+            <a:headEnd type="none" w="med" len="med"/>
+            <a:tailEnd type="triangle"/>
+          </a:ln>
+        </p:spPr>
+        <p:style>
+          <a:lnRef idx="1">
+            <a:schemeClr val="accent1"/>
+          </a:lnRef>
+          <a:fillRef idx="0">
+            <a:schemeClr val="accent1"/>
+          </a:fillRef>
+          <a:effectRef idx="0">
+            <a:schemeClr val="accent1"/>
+          </a:effectRef>
+          <a:fontRef idx="minor">
+            <a:schemeClr val="tx1"/>
+          </a:fontRef>
+        </p:style>
+      </p:cxnSp>
+      <p:sp>
+        <p:nvSpPr>
+          <p:cNvPr id="24" name="矢印: 右 23">
+            <a:extLst>
+              <a:ext uri="{FF2B5EF4-FFF2-40B4-BE49-F238E27FC236}">
+                <a16:creationId xmlns:a16="http://schemas.microsoft.com/office/drawing/2014/main" id="{E2E263D4-6C37-316F-0818-2DA2D6578E0F}"/>
+              </a:ext>
+            </a:extLst>
+          </p:cNvPr>
+          <p:cNvSpPr/>
+          <p:nvPr/>
+        </p:nvSpPr>
+        <p:spPr>
+          <a:xfrm>
+            <a:off x="1403648" y="5517232"/>
+            <a:ext cx="504056" cy="556640"/>
+          </a:xfrm>
+          <a:prstGeom prst="rightArrow">
+            <a:avLst/>
+          </a:prstGeom>
+          <a:solidFill>
+            <a:srgbClr val="FF0000"/>
+          </a:solidFill>
+          <a:ln>
+            <a:solidFill>
+              <a:schemeClr val="tx1"/>
+            </a:solidFill>
+          </a:ln>
+        </p:spPr>
+        <p:style>
+          <a:lnRef idx="2">
+            <a:schemeClr val="accent1">
+              <a:shade val="50000"/>
+            </a:schemeClr>
+          </a:lnRef>
+          <a:fillRef idx="1">
+            <a:schemeClr val="accent1"/>
+          </a:fillRef>
+          <a:effectRef idx="0">
+            <a:schemeClr val="accent1"/>
+          </a:effectRef>
+          <a:fontRef idx="minor">
+            <a:schemeClr val="lt1"/>
+          </a:fontRef>
+        </p:style>
+        <p:txBody>
+          <a:bodyPr rtlCol="0" anchor="ctr"/>
+          <a:lstStyle/>
+          <a:p>
+            <a:pPr algn="ctr"/>
+            <a:endParaRPr kumimoji="1" lang="ja-JP" altLang="en-US"/>
+          </a:p>
+        </p:txBody>
+      </p:sp>
+      <mc:AlternateContent xmlns:mc="http://schemas.openxmlformats.org/markup-compatibility/2006">
+        <mc:Choice xmlns:a14="http://schemas.microsoft.com/office/drawing/2010/main" Requires="a14">
+          <p:sp>
+            <p:nvSpPr>
+              <p:cNvPr id="25" name="テキスト ボックス 24">
+                <a:extLst>
+                  <a:ext uri="{FF2B5EF4-FFF2-40B4-BE49-F238E27FC236}">
+                    <a16:creationId xmlns:a16="http://schemas.microsoft.com/office/drawing/2014/main" id="{D2F68301-4E0B-74F8-1A5A-4D383F2C158C}"/>
+                  </a:ext>
+                </a:extLst>
+              </p:cNvPr>
+              <p:cNvSpPr txBox="1"/>
+              <p:nvPr/>
+            </p:nvSpPr>
+            <p:spPr>
+              <a:xfrm>
+                <a:off x="2123728" y="5517232"/>
+                <a:ext cx="4760662" cy="584775"/>
+              </a:xfrm>
+              <a:prstGeom prst="rect">
+                <a:avLst/>
+              </a:prstGeom>
+              <a:noFill/>
+            </p:spPr>
+            <p:txBody>
+              <a:bodyPr wrap="none" rtlCol="0">
+                <a:spAutoFit/>
+              </a:bodyPr>
+              <a:lstStyle/>
+              <a:p>
+                <a:r>
+                  <a:rPr kumimoji="1" lang="ja-JP" altLang="en-US" sz="3200"/>
+                  <a:t>一般に</a:t>
+                </a:r>
+                <a14:m>
+                  <m:oMath xmlns:m="http://schemas.openxmlformats.org/officeDocument/2006/math">
+                    <m:r>
+                      <a:rPr kumimoji="1" lang="en-US" altLang="ja-JP" sz="3200" b="0" i="1" smtClean="0">
+                        <a:latin typeface="Cambria Math" panose="02040503050406030204" pitchFamily="18" charset="0"/>
+                      </a:rPr>
+                      <m:t>𝑈</m:t>
+                    </m:r>
+                    <m:r>
+                      <a:rPr kumimoji="1" lang="en-US" altLang="ja-JP" sz="3200" b="0" i="1" smtClean="0">
+                        <a:latin typeface="Cambria Math" panose="02040503050406030204" pitchFamily="18" charset="0"/>
+                      </a:rPr>
+                      <m:t>(</m:t>
+                    </m:r>
+                    <m:r>
+                      <a:rPr kumimoji="1" lang="en-US" altLang="ja-JP" sz="3200" b="0" i="1" smtClean="0">
+                        <a:latin typeface="Cambria Math" panose="02040503050406030204" pitchFamily="18" charset="0"/>
+                      </a:rPr>
+                      <m:t>𝑇</m:t>
+                    </m:r>
+                    <m:r>
+                      <a:rPr kumimoji="1" lang="en-US" altLang="ja-JP" sz="3200" b="0" i="1" smtClean="0">
+                        <a:latin typeface="Cambria Math" panose="02040503050406030204" pitchFamily="18" charset="0"/>
+                      </a:rPr>
+                      <m:t>)</m:t>
+                    </m:r>
+                  </m:oMath>
+                </a14:m>
+                <a:r>
+                  <a:rPr kumimoji="1" lang="ja-JP" altLang="en-US" sz="3200"/>
+                  <a:t>はわからない</a:t>
+                </a:r>
+              </a:p>
+            </p:txBody>
+          </p:sp>
+        </mc:Choice>
+        <mc:Fallback>
+          <p:sp>
+            <p:nvSpPr>
+              <p:cNvPr id="25" name="テキスト ボックス 24">
+                <a:extLst>
+                  <a:ext uri="{FF2B5EF4-FFF2-40B4-BE49-F238E27FC236}">
+                    <a16:creationId xmlns:a16="http://schemas.microsoft.com/office/drawing/2014/main" id="{D2F68301-4E0B-74F8-1A5A-4D383F2C158C}"/>
+                  </a:ext>
+                </a:extLst>
+              </p:cNvPr>
+              <p:cNvSpPr txBox="1">
+                <a:spLocks noRot="1" noChangeAspect="1" noMove="1" noResize="1" noEditPoints="1" noAdjustHandles="1" noChangeArrowheads="1" noChangeShapeType="1" noTextEdit="1"/>
+              </p:cNvSpPr>
+              <p:nvPr/>
+            </p:nvSpPr>
+            <p:spPr>
+              <a:xfrm>
+                <a:off x="2123728" y="5517232"/>
+                <a:ext cx="4760662" cy="584775"/>
+              </a:xfrm>
+              <a:prstGeom prst="rect">
+                <a:avLst/>
+              </a:prstGeom>
+              <a:blipFill>
+                <a:blip r:embed="rId3"/>
+                <a:stretch>
+                  <a:fillRect l="-3201" t="-16667" r="-2305" b="-30208"/>
+                </a:stretch>
+              </a:blipFill>
+            </p:spPr>
+            <p:txBody>
+              <a:bodyPr/>
+              <a:lstStyle/>
+              <a:p>
+                <a:r>
+                  <a:rPr lang="ja-JP" altLang="en-US">
+                    <a:noFill/>
+                  </a:rPr>
+                  <a:t> </a:t>
+                </a:r>
+              </a:p>
+            </p:txBody>
+          </p:sp>
+        </mc:Fallback>
+      </mc:AlternateContent>
+    </p:spTree>
+    <p:extLst>
+      <p:ext uri="{BB962C8B-B14F-4D97-AF65-F5344CB8AC3E}">
+        <p14:creationId xmlns:p14="http://schemas.microsoft.com/office/powerpoint/2010/main" val="208957553"/>
       </p:ext>
     </p:extLst>
   </p:cSld>
